--- a/GRW2017/sunum/GRW2017_MesutUğur.pptx
+++ b/GRW2017/sunum/GRW2017_MesutUğur.pptx
@@ -5,7 +5,7 @@
     <p:sldMasterId id="2147483804" r:id="rId1"/>
   </p:sldMasterIdLst>
   <p:notesMasterIdLst>
-    <p:notesMasterId r:id="rId11"/>
+    <p:notesMasterId r:id="rId17"/>
   </p:notesMasterIdLst>
   <p:sldIdLst>
     <p:sldId id="290" r:id="rId2"/>
@@ -14,9 +14,15 @@
     <p:sldId id="495" r:id="rId5"/>
     <p:sldId id="496" r:id="rId6"/>
     <p:sldId id="497" r:id="rId7"/>
-    <p:sldId id="498" r:id="rId8"/>
-    <p:sldId id="499" r:id="rId9"/>
-    <p:sldId id="493" r:id="rId10"/>
+    <p:sldId id="500" r:id="rId8"/>
+    <p:sldId id="498" r:id="rId9"/>
+    <p:sldId id="504" r:id="rId10"/>
+    <p:sldId id="499" r:id="rId11"/>
+    <p:sldId id="501" r:id="rId12"/>
+    <p:sldId id="505" r:id="rId13"/>
+    <p:sldId id="506" r:id="rId14"/>
+    <p:sldId id="502" r:id="rId15"/>
+    <p:sldId id="493" r:id="rId16"/>
   </p:sldIdLst>
   <p:sldSz cx="9144000" cy="6858000" type="screen4x3"/>
   <p:notesSz cx="6858000" cy="9144000"/>
@@ -216,7 +222,7 @@
           <a:p>
             <a:fld id="{D1C008C1-D970-43BD-9678-58985B84B3B0}" type="datetimeFigureOut">
               <a:rPr lang="tr-TR" smtClean="0"/>
-              <a:t>28.05.2017</a:t>
+              <a:t>29.05.2017</a:t>
             </a:fld>
             <a:endParaRPr lang="tr-TR"/>
           </a:p>
@@ -665,7 +671,7 @@
           <a:p>
             <a:fld id="{D275723C-A363-4114-BE18-3E9589C2B9C2}" type="datetime1">
               <a:rPr lang="en-US" smtClean="0"/>
-              <a:t>5/28/2017</a:t>
+              <a:t>5/29/2017</a:t>
             </a:fld>
             <a:endParaRPr lang="en-US" dirty="0"/>
           </a:p>
@@ -836,7 +842,7 @@
           <a:p>
             <a:fld id="{C5592633-93A2-4DB7-B3D8-5F6714E7EFEC}" type="datetime1">
               <a:rPr lang="en-US" smtClean="0"/>
-              <a:t>5/28/2017</a:t>
+              <a:t>5/29/2017</a:t>
             </a:fld>
             <a:endParaRPr lang="en-US" dirty="0"/>
           </a:p>
@@ -1017,7 +1023,7 @@
           <a:p>
             <a:fld id="{6F760D8D-AE05-4AF5-8666-75C48EA7B609}" type="datetime1">
               <a:rPr lang="en-US" smtClean="0"/>
-              <a:t>5/28/2017</a:t>
+              <a:t>5/29/2017</a:t>
             </a:fld>
             <a:endParaRPr lang="en-US" dirty="0"/>
           </a:p>
@@ -1188,7 +1194,7 @@
           <a:p>
             <a:fld id="{6D87B8C0-62AE-47C8-A8EF-FC863B0F06E5}" type="datetime1">
               <a:rPr lang="en-US" smtClean="0"/>
-              <a:t>5/28/2017</a:t>
+              <a:t>5/29/2017</a:t>
             </a:fld>
             <a:endParaRPr lang="en-US" dirty="0"/>
           </a:p>
@@ -1435,7 +1441,7 @@
           <a:p>
             <a:fld id="{A76C8472-C309-40FA-8240-FF6234B7F0D0}" type="datetime1">
               <a:rPr lang="en-US" smtClean="0"/>
-              <a:t>5/28/2017</a:t>
+              <a:t>5/29/2017</a:t>
             </a:fld>
             <a:endParaRPr lang="en-US" dirty="0"/>
           </a:p>
@@ -1724,7 +1730,7 @@
           <a:p>
             <a:fld id="{33196F6B-6F2E-418E-A1A6-2F06576F6EF7}" type="datetime1">
               <a:rPr lang="en-US" smtClean="0"/>
-              <a:t>5/28/2017</a:t>
+              <a:t>5/29/2017</a:t>
             </a:fld>
             <a:endParaRPr lang="en-US" dirty="0"/>
           </a:p>
@@ -2147,7 +2153,7 @@
           <a:p>
             <a:fld id="{D09CD6EC-2E00-46F1-9BD2-E1865A200410}" type="datetime1">
               <a:rPr lang="en-US" smtClean="0"/>
-              <a:t>5/28/2017</a:t>
+              <a:t>5/29/2017</a:t>
             </a:fld>
             <a:endParaRPr lang="en-US" dirty="0"/>
           </a:p>
@@ -2266,7 +2272,7 @@
           <a:p>
             <a:fld id="{C40B9E5A-6330-4749-ACDB-FB892FCFE6A5}" type="datetime1">
               <a:rPr lang="en-US" smtClean="0"/>
-              <a:t>5/28/2017</a:t>
+              <a:t>5/29/2017</a:t>
             </a:fld>
             <a:endParaRPr lang="en-US" dirty="0"/>
           </a:p>
@@ -2362,7 +2368,7 @@
           <a:p>
             <a:fld id="{1C181CB3-A768-4AD8-A97F-12E47CC1200D}" type="datetime1">
               <a:rPr lang="en-US" smtClean="0"/>
-              <a:t>5/28/2017</a:t>
+              <a:t>5/29/2017</a:t>
             </a:fld>
             <a:endParaRPr lang="en-US" dirty="0"/>
           </a:p>
@@ -2640,7 +2646,7 @@
           <a:p>
             <a:fld id="{AF3D8106-484C-46C6-8BE9-348BFA7F2DCB}" type="datetime1">
               <a:rPr lang="en-US" smtClean="0"/>
-              <a:t>5/28/2017</a:t>
+              <a:t>5/29/2017</a:t>
             </a:fld>
             <a:endParaRPr lang="en-US" dirty="0"/>
           </a:p>
@@ -2894,7 +2900,7 @@
           <a:p>
             <a:fld id="{F2A57B0D-110E-4AAD-9411-DA6CB39E8776}" type="datetime1">
               <a:rPr lang="en-US" smtClean="0"/>
-              <a:t>5/28/2017</a:t>
+              <a:t>5/29/2017</a:t>
             </a:fld>
             <a:endParaRPr lang="en-US" dirty="0"/>
           </a:p>
@@ -3129,7 +3135,7 @@
           <a:p>
             <a:fld id="{FB4B5B0E-55D6-4DAA-879D-58BBFFC7379B}" type="datetime1">
               <a:rPr lang="en-US" smtClean="0"/>
-              <a:t>5/28/2017</a:t>
+              <a:t>5/29/2017</a:t>
             </a:fld>
             <a:endParaRPr lang="en-US" dirty="0"/>
           </a:p>
@@ -3897,7 +3903,7 @@
 </p:sld>
 </file>
 
-<file path=ppt/slides/slide2.xml><?xml version="1.0" encoding="utf-8"?>
+<file path=ppt/slides/slide10.xml><?xml version="1.0" encoding="utf-8"?>
 <p:sld xmlns:a="http://schemas.openxmlformats.org/drawingml/2006/main" xmlns:r="http://schemas.openxmlformats.org/officeDocument/2006/relationships" xmlns:p="http://schemas.openxmlformats.org/presentationml/2006/main">
   <p:cSld>
     <p:spTree>
@@ -4041,21 +4047,7 @@
                 <a:latin typeface="Times New Roman" panose="02020603050405020304" pitchFamily="18" charset="0"/>
                 <a:cs typeface="Times New Roman" panose="02020603050405020304" pitchFamily="18" charset="0"/>
               </a:rPr>
-              <a:t>Research</a:t>
-            </a:r>
-            <a:r>
-              <a:rPr lang="tr-TR" sz="3000" dirty="0" smtClean="0">
-                <a:latin typeface="Times New Roman" panose="02020603050405020304" pitchFamily="18" charset="0"/>
-                <a:cs typeface="Times New Roman" panose="02020603050405020304" pitchFamily="18" charset="0"/>
-              </a:rPr>
-              <a:t> </a:t>
-            </a:r>
-            <a:r>
-              <a:rPr lang="tr-TR" sz="3000" dirty="0" err="1" smtClean="0">
-                <a:latin typeface="Times New Roman" panose="02020603050405020304" pitchFamily="18" charset="0"/>
-                <a:cs typeface="Times New Roman" panose="02020603050405020304" pitchFamily="18" charset="0"/>
-              </a:rPr>
-              <a:t>Group</a:t>
+              <a:t>Challenges</a:t>
             </a:r>
             <a:endParaRPr lang="tr-TR" sz="3000" dirty="0">
               <a:latin typeface="Times New Roman" panose="02020603050405020304" pitchFamily="18" charset="0"/>
@@ -4117,7 +4109,7 @@
             <a:fld id="{B6F15528-21DE-4FAA-801E-634DDDAF4B2B}" type="slidenum">
               <a:rPr lang="en-US" smtClean="0"/>
               <a:pPr/>
-              <a:t>2</a:t>
+              <a:t>10</a:t>
             </a:fld>
             <a:endParaRPr lang="en-US" dirty="0"/>
           </a:p>
@@ -4164,6 +4156,2887 @@
           </a:extLst>
         </p:spPr>
       </p:pic>
+      <p:sp>
+        <p:nvSpPr>
+          <p:cNvPr id="12" name="Text Box 9"/>
+          <p:cNvSpPr txBox="1">
+            <a:spLocks noChangeArrowheads="1"/>
+          </p:cNvSpPr>
+          <p:nvPr/>
+        </p:nvSpPr>
+        <p:spPr bwMode="auto">
+          <a:xfrm>
+            <a:off x="1295399" y="1084656"/>
+            <a:ext cx="7672691" cy="1631216"/>
+          </a:xfrm>
+          <a:prstGeom prst="rect">
+            <a:avLst/>
+          </a:prstGeom>
+          <a:noFill/>
+          <a:ln w="9525">
+            <a:noFill/>
+            <a:miter lim="800000"/>
+            <a:headEnd/>
+            <a:tailEnd/>
+          </a:ln>
+          <a:effectLst/>
+        </p:spPr>
+        <p:txBody>
+          <a:bodyPr wrap="square">
+            <a:spAutoFit/>
+          </a:bodyPr>
+          <a:lstStyle/>
+          <a:p>
+            <a:r>
+              <a:rPr lang="en-US" sz="2000" dirty="0">
+                <a:latin typeface="Times New Roman" panose="02020603050405020304" pitchFamily="18" charset="0"/>
+                <a:cs typeface="Times New Roman" panose="02020603050405020304" pitchFamily="18" charset="0"/>
+              </a:rPr>
+              <a:t>Power and control electronics components are subjected to </a:t>
+            </a:r>
+            <a:r>
+              <a:rPr lang="en-US" sz="2000" b="1" dirty="0">
+                <a:latin typeface="Times New Roman" panose="02020603050405020304" pitchFamily="18" charset="0"/>
+                <a:cs typeface="Times New Roman" panose="02020603050405020304" pitchFamily="18" charset="0"/>
+              </a:rPr>
+              <a:t>high temperature and vibration</a:t>
+            </a:r>
+            <a:r>
+              <a:rPr lang="tr-TR" sz="2000" dirty="0" smtClean="0">
+                <a:latin typeface="Times New Roman" panose="02020603050405020304" pitchFamily="18" charset="0"/>
+                <a:cs typeface="Times New Roman" panose="02020603050405020304" pitchFamily="18" charset="0"/>
+              </a:rPr>
+              <a:t>.</a:t>
+            </a:r>
+          </a:p>
+          <a:p>
+            <a:endParaRPr lang="tr-TR" sz="2000" dirty="0" smtClean="0">
+              <a:latin typeface="Times New Roman" panose="02020603050405020304" pitchFamily="18" charset="0"/>
+              <a:cs typeface="Times New Roman" panose="02020603050405020304" pitchFamily="18" charset="0"/>
+            </a:endParaRPr>
+          </a:p>
+          <a:p>
+            <a:endParaRPr lang="en-US" sz="2000" dirty="0">
+              <a:latin typeface="Times New Roman" panose="02020603050405020304" pitchFamily="18" charset="0"/>
+              <a:cs typeface="Times New Roman" panose="02020603050405020304" pitchFamily="18" charset="0"/>
+            </a:endParaRPr>
+          </a:p>
+          <a:p>
+            <a:r>
+              <a:rPr lang="tr-TR" sz="2000" dirty="0" err="1">
+                <a:latin typeface="Times New Roman" panose="02020603050405020304" pitchFamily="18" charset="0"/>
+                <a:cs typeface="Times New Roman" panose="02020603050405020304" pitchFamily="18" charset="0"/>
+              </a:rPr>
+              <a:t>In</a:t>
+            </a:r>
+            <a:r>
+              <a:rPr lang="tr-TR" sz="2000" dirty="0">
+                <a:latin typeface="Times New Roman" panose="02020603050405020304" pitchFamily="18" charset="0"/>
+                <a:cs typeface="Times New Roman" panose="02020603050405020304" pitchFamily="18" charset="0"/>
+              </a:rPr>
+              <a:t> </a:t>
+            </a:r>
+            <a:r>
+              <a:rPr lang="tr-TR" sz="2000" dirty="0" err="1">
+                <a:latin typeface="Times New Roman" panose="02020603050405020304" pitchFamily="18" charset="0"/>
+                <a:cs typeface="Times New Roman" panose="02020603050405020304" pitchFamily="18" charset="0"/>
+              </a:rPr>
+              <a:t>case</a:t>
+            </a:r>
+            <a:r>
+              <a:rPr lang="tr-TR" sz="2000" dirty="0">
+                <a:latin typeface="Times New Roman" panose="02020603050405020304" pitchFamily="18" charset="0"/>
+                <a:cs typeface="Times New Roman" panose="02020603050405020304" pitchFamily="18" charset="0"/>
+              </a:rPr>
+              <a:t> </a:t>
+            </a:r>
+            <a:r>
+              <a:rPr lang="tr-TR" sz="2000" dirty="0" err="1">
+                <a:latin typeface="Times New Roman" panose="02020603050405020304" pitchFamily="18" charset="0"/>
+                <a:cs typeface="Times New Roman" panose="02020603050405020304" pitchFamily="18" charset="0"/>
+              </a:rPr>
+              <a:t>one</a:t>
+            </a:r>
+            <a:r>
+              <a:rPr lang="tr-TR" sz="2000" dirty="0">
+                <a:latin typeface="Times New Roman" panose="02020603050405020304" pitchFamily="18" charset="0"/>
+                <a:cs typeface="Times New Roman" panose="02020603050405020304" pitchFamily="18" charset="0"/>
+              </a:rPr>
+              <a:t> </a:t>
+            </a:r>
+            <a:r>
+              <a:rPr lang="tr-TR" sz="2000" dirty="0" err="1" smtClean="0">
+                <a:latin typeface="Times New Roman" panose="02020603050405020304" pitchFamily="18" charset="0"/>
+                <a:cs typeface="Times New Roman" panose="02020603050405020304" pitchFamily="18" charset="0"/>
+              </a:rPr>
+              <a:t>module</a:t>
+            </a:r>
+            <a:r>
+              <a:rPr lang="tr-TR" sz="2000" dirty="0" smtClean="0">
+                <a:latin typeface="Times New Roman" panose="02020603050405020304" pitchFamily="18" charset="0"/>
+                <a:cs typeface="Times New Roman" panose="02020603050405020304" pitchFamily="18" charset="0"/>
+              </a:rPr>
+              <a:t> </a:t>
+            </a:r>
+            <a:r>
+              <a:rPr lang="tr-TR" sz="2000" dirty="0">
+                <a:latin typeface="Times New Roman" panose="02020603050405020304" pitchFamily="18" charset="0"/>
+                <a:cs typeface="Times New Roman" panose="02020603050405020304" pitchFamily="18" charset="0"/>
+              </a:rPr>
+              <a:t>is in </a:t>
+            </a:r>
+            <a:r>
+              <a:rPr lang="tr-TR" sz="2000" dirty="0" err="1">
+                <a:latin typeface="Times New Roman" panose="02020603050405020304" pitchFamily="18" charset="0"/>
+                <a:cs typeface="Times New Roman" panose="02020603050405020304" pitchFamily="18" charset="0"/>
+              </a:rPr>
+              <a:t>fault</a:t>
+            </a:r>
+            <a:r>
+              <a:rPr lang="tr-TR" sz="2000" dirty="0">
+                <a:latin typeface="Times New Roman" panose="02020603050405020304" pitchFamily="18" charset="0"/>
+                <a:cs typeface="Times New Roman" panose="02020603050405020304" pitchFamily="18" charset="0"/>
+              </a:rPr>
+              <a:t>, </a:t>
+            </a:r>
+            <a:r>
+              <a:rPr lang="tr-TR" sz="2000" b="1" dirty="0" err="1">
+                <a:latin typeface="Times New Roman" panose="02020603050405020304" pitchFamily="18" charset="0"/>
+                <a:cs typeface="Times New Roman" panose="02020603050405020304" pitchFamily="18" charset="0"/>
+              </a:rPr>
+              <a:t>torque</a:t>
+            </a:r>
+            <a:r>
+              <a:rPr lang="tr-TR" sz="2000" b="1" dirty="0">
+                <a:latin typeface="Times New Roman" panose="02020603050405020304" pitchFamily="18" charset="0"/>
+                <a:cs typeface="Times New Roman" panose="02020603050405020304" pitchFamily="18" charset="0"/>
+              </a:rPr>
+              <a:t> </a:t>
+            </a:r>
+            <a:r>
+              <a:rPr lang="tr-TR" sz="2000" b="1" dirty="0" err="1">
+                <a:latin typeface="Times New Roman" panose="02020603050405020304" pitchFamily="18" charset="0"/>
+                <a:cs typeface="Times New Roman" panose="02020603050405020304" pitchFamily="18" charset="0"/>
+              </a:rPr>
+              <a:t>balance</a:t>
+            </a:r>
+            <a:r>
+              <a:rPr lang="tr-TR" sz="2000" b="1" dirty="0">
+                <a:latin typeface="Times New Roman" panose="02020603050405020304" pitchFamily="18" charset="0"/>
+                <a:cs typeface="Times New Roman" panose="02020603050405020304" pitchFamily="18" charset="0"/>
+              </a:rPr>
+              <a:t> </a:t>
+            </a:r>
+            <a:r>
+              <a:rPr lang="tr-TR" sz="2000" dirty="0" err="1">
+                <a:latin typeface="Times New Roman" panose="02020603050405020304" pitchFamily="18" charset="0"/>
+                <a:cs typeface="Times New Roman" panose="02020603050405020304" pitchFamily="18" charset="0"/>
+              </a:rPr>
+              <a:t>should</a:t>
+            </a:r>
+            <a:r>
+              <a:rPr lang="tr-TR" sz="2000" dirty="0">
+                <a:latin typeface="Times New Roman" panose="02020603050405020304" pitchFamily="18" charset="0"/>
+                <a:cs typeface="Times New Roman" panose="02020603050405020304" pitchFamily="18" charset="0"/>
+              </a:rPr>
+              <a:t> be </a:t>
+            </a:r>
+            <a:r>
+              <a:rPr lang="tr-TR" sz="2000" dirty="0" err="1">
+                <a:latin typeface="Times New Roman" panose="02020603050405020304" pitchFamily="18" charset="0"/>
+                <a:cs typeface="Times New Roman" panose="02020603050405020304" pitchFamily="18" charset="0"/>
+              </a:rPr>
+              <a:t>ensured</a:t>
+            </a:r>
+            <a:r>
+              <a:rPr lang="tr-TR" sz="2000" dirty="0">
+                <a:latin typeface="Times New Roman" panose="02020603050405020304" pitchFamily="18" charset="0"/>
+                <a:cs typeface="Times New Roman" panose="02020603050405020304" pitchFamily="18" charset="0"/>
+              </a:rPr>
+              <a:t>.</a:t>
+            </a:r>
+          </a:p>
+        </p:txBody>
+      </p:sp>
+      <p:pic>
+        <p:nvPicPr>
+          <p:cNvPr id="4" name="Picture 3"/>
+          <p:cNvPicPr>
+            <a:picLocks noChangeAspect="1"/>
+          </p:cNvPicPr>
+          <p:nvPr/>
+        </p:nvPicPr>
+        <p:blipFill>
+          <a:blip r:embed="rId3"/>
+          <a:stretch>
+            <a:fillRect/>
+          </a:stretch>
+        </p:blipFill>
+        <p:spPr>
+          <a:xfrm>
+            <a:off x="2299242" y="3276600"/>
+            <a:ext cx="5265500" cy="1630494"/>
+          </a:xfrm>
+          <a:prstGeom prst="rect">
+            <a:avLst/>
+          </a:prstGeom>
+        </p:spPr>
+      </p:pic>
+      <p:pic>
+        <p:nvPicPr>
+          <p:cNvPr id="5" name="Picture 4"/>
+          <p:cNvPicPr>
+            <a:picLocks noChangeAspect="1"/>
+          </p:cNvPicPr>
+          <p:nvPr/>
+        </p:nvPicPr>
+        <p:blipFill>
+          <a:blip r:embed="rId4"/>
+          <a:stretch>
+            <a:fillRect/>
+          </a:stretch>
+        </p:blipFill>
+        <p:spPr>
+          <a:xfrm>
+            <a:off x="2299242" y="5105400"/>
+            <a:ext cx="5265500" cy="1495425"/>
+          </a:xfrm>
+          <a:prstGeom prst="rect">
+            <a:avLst/>
+          </a:prstGeom>
+        </p:spPr>
+      </p:pic>
+    </p:spTree>
+    <p:extLst>
+      <p:ext uri="{BB962C8B-B14F-4D97-AF65-F5344CB8AC3E}">
+        <p14:creationId xmlns:p14="http://schemas.microsoft.com/office/powerpoint/2010/main" val="822431857"/>
+      </p:ext>
+    </p:extLst>
+  </p:cSld>
+  <p:clrMapOvr>
+    <a:masterClrMapping/>
+  </p:clrMapOvr>
+  <p:timing>
+    <p:tnLst>
+      <p:par>
+        <p:cTn id="1" dur="indefinite" restart="never" nodeType="tmRoot"/>
+      </p:par>
+    </p:tnLst>
+  </p:timing>
+</p:sld>
+</file>
+
+<file path=ppt/slides/slide11.xml><?xml version="1.0" encoding="utf-8"?>
+<p:sld xmlns:a="http://schemas.openxmlformats.org/drawingml/2006/main" xmlns:r="http://schemas.openxmlformats.org/officeDocument/2006/relationships" xmlns:p="http://schemas.openxmlformats.org/presentationml/2006/main">
+  <p:cSld>
+    <p:spTree>
+      <p:nvGrpSpPr>
+        <p:cNvPr id="1" name=""/>
+        <p:cNvGrpSpPr/>
+        <p:nvPr/>
+      </p:nvGrpSpPr>
+      <p:grpSpPr>
+        <a:xfrm>
+          <a:off x="0" y="0"/>
+          <a:ext cx="0" cy="0"/>
+          <a:chOff x="0" y="0"/>
+          <a:chExt cx="0" cy="0"/>
+        </a:xfrm>
+      </p:grpSpPr>
+      <p:sp>
+        <p:nvSpPr>
+          <p:cNvPr id="10" name="Rectangle 9"/>
+          <p:cNvSpPr/>
+          <p:nvPr/>
+        </p:nvSpPr>
+        <p:spPr>
+          <a:xfrm>
+            <a:off x="0" y="12106"/>
+            <a:ext cx="1011942" cy="6854083"/>
+          </a:xfrm>
+          <a:prstGeom prst="rect">
+            <a:avLst/>
+          </a:prstGeom>
+          <a:gradFill flip="none" rotWithShape="1">
+            <a:gsLst>
+              <a:gs pos="50000">
+                <a:srgbClr val="D00000"/>
+              </a:gs>
+              <a:gs pos="0">
+                <a:srgbClr val="FF0000">
+                  <a:shade val="30000"/>
+                  <a:satMod val="115000"/>
+                </a:srgbClr>
+              </a:gs>
+              <a:gs pos="100000">
+                <a:schemeClr val="accent2">
+                  <a:lumMod val="60000"/>
+                  <a:lumOff val="40000"/>
+                </a:schemeClr>
+              </a:gs>
+            </a:gsLst>
+            <a:lin ang="5400000" scaled="1"/>
+            <a:tileRect/>
+          </a:gradFill>
+          <a:ln>
+            <a:noFill/>
+          </a:ln>
+        </p:spPr>
+        <p:style>
+          <a:lnRef idx="2">
+            <a:schemeClr val="accent1">
+              <a:shade val="50000"/>
+            </a:schemeClr>
+          </a:lnRef>
+          <a:fillRef idx="1">
+            <a:schemeClr val="accent1"/>
+          </a:fillRef>
+          <a:effectRef idx="0">
+            <a:schemeClr val="accent1"/>
+          </a:effectRef>
+          <a:fontRef idx="minor">
+            <a:schemeClr val="lt1"/>
+          </a:fontRef>
+        </p:style>
+        <p:txBody>
+          <a:bodyPr rtlCol="0" anchor="ctr"/>
+          <a:lstStyle/>
+          <a:p>
+            <a:pPr algn="ctr"/>
+            <a:endParaRPr lang="tr-TR"/>
+          </a:p>
+        </p:txBody>
+      </p:sp>
+      <p:cxnSp>
+        <p:nvCxnSpPr>
+          <p:cNvPr id="11" name="Straight Connector 10"/>
+          <p:cNvCxnSpPr/>
+          <p:nvPr/>
+        </p:nvCxnSpPr>
+        <p:spPr>
+          <a:xfrm>
+            <a:off x="1189918" y="838200"/>
+            <a:ext cx="7649282" cy="0"/>
+          </a:xfrm>
+          <a:prstGeom prst="line">
+            <a:avLst/>
+          </a:prstGeom>
+          <a:ln w="50800">
+            <a:solidFill>
+              <a:srgbClr val="F20000"/>
+            </a:solidFill>
+          </a:ln>
+        </p:spPr>
+        <p:style>
+          <a:lnRef idx="1">
+            <a:schemeClr val="accent1"/>
+          </a:lnRef>
+          <a:fillRef idx="0">
+            <a:schemeClr val="accent1"/>
+          </a:fillRef>
+          <a:effectRef idx="0">
+            <a:schemeClr val="accent1"/>
+          </a:effectRef>
+          <a:fontRef idx="minor">
+            <a:schemeClr val="tx1"/>
+          </a:fontRef>
+        </p:style>
+      </p:cxnSp>
+      <p:sp>
+        <p:nvSpPr>
+          <p:cNvPr id="13" name="TextBox 12"/>
+          <p:cNvSpPr txBox="1"/>
+          <p:nvPr/>
+        </p:nvSpPr>
+        <p:spPr>
+          <a:xfrm>
+            <a:off x="1386291" y="224135"/>
+            <a:ext cx="7315200" cy="553998"/>
+          </a:xfrm>
+          <a:prstGeom prst="rect">
+            <a:avLst/>
+          </a:prstGeom>
+          <a:noFill/>
+        </p:spPr>
+        <p:txBody>
+          <a:bodyPr wrap="square" rtlCol="0">
+            <a:spAutoFit/>
+          </a:bodyPr>
+          <a:lstStyle/>
+          <a:p>
+            <a:pPr algn="ctr"/>
+            <a:r>
+              <a:rPr lang="en-US" sz="3000" dirty="0" smtClean="0">
+                <a:latin typeface="Times New Roman" panose="02020603050405020304" pitchFamily="18" charset="0"/>
+                <a:cs typeface="Times New Roman" panose="02020603050405020304" pitchFamily="18" charset="0"/>
+              </a:rPr>
+              <a:t>Gallium Nitride (GaN) Power Semiconductors</a:t>
+            </a:r>
+            <a:endParaRPr lang="en-US" sz="3000" dirty="0">
+              <a:latin typeface="Times New Roman" panose="02020603050405020304" pitchFamily="18" charset="0"/>
+              <a:cs typeface="Times New Roman" panose="02020603050405020304" pitchFamily="18" charset="0"/>
+            </a:endParaRPr>
+          </a:p>
+        </p:txBody>
+      </p:sp>
+      <p:cxnSp>
+        <p:nvCxnSpPr>
+          <p:cNvPr id="15" name="Straight Connector 14"/>
+          <p:cNvCxnSpPr/>
+          <p:nvPr/>
+        </p:nvCxnSpPr>
+        <p:spPr>
+          <a:xfrm>
+            <a:off x="1189918" y="914400"/>
+            <a:ext cx="7649282" cy="0"/>
+          </a:xfrm>
+          <a:prstGeom prst="line">
+            <a:avLst/>
+          </a:prstGeom>
+          <a:ln w="19050">
+            <a:solidFill>
+              <a:srgbClr val="F20000"/>
+            </a:solidFill>
+          </a:ln>
+        </p:spPr>
+        <p:style>
+          <a:lnRef idx="1">
+            <a:schemeClr val="accent1"/>
+          </a:lnRef>
+          <a:fillRef idx="0">
+            <a:schemeClr val="accent1"/>
+          </a:fillRef>
+          <a:effectRef idx="0">
+            <a:schemeClr val="accent1"/>
+          </a:effectRef>
+          <a:fontRef idx="minor">
+            <a:schemeClr val="tx1"/>
+          </a:fontRef>
+        </p:style>
+      </p:cxnSp>
+      <p:sp>
+        <p:nvSpPr>
+          <p:cNvPr id="2" name="Slide Number Placeholder 1"/>
+          <p:cNvSpPr>
+            <a:spLocks noGrp="1"/>
+          </p:cNvSpPr>
+          <p:nvPr>
+            <p:ph type="sldNum" sz="quarter" idx="12"/>
+          </p:nvPr>
+        </p:nvSpPr>
+        <p:spPr/>
+        <p:txBody>
+          <a:bodyPr/>
+          <a:lstStyle/>
+          <a:p>
+            <a:fld id="{B6F15528-21DE-4FAA-801E-634DDDAF4B2B}" type="slidenum">
+              <a:rPr lang="en-US" smtClean="0"/>
+              <a:pPr/>
+              <a:t>11</a:t>
+            </a:fld>
+            <a:endParaRPr lang="en-US" dirty="0"/>
+          </a:p>
+        </p:txBody>
+      </p:sp>
+      <p:pic>
+        <p:nvPicPr>
+          <p:cNvPr id="14" name="Picture 2" descr="C:\Users\Mesut\Desktop\aselsan sunum\aselsan sunum 10 ekim\aselsan sunum\cezmi bey\ODTU.png"/>
+          <p:cNvPicPr>
+            <a:picLocks noChangeAspect="1" noChangeArrowheads="1"/>
+          </p:cNvPicPr>
+          <p:nvPr/>
+        </p:nvPicPr>
+        <p:blipFill>
+          <a:blip r:embed="rId2" cstate="print">
+            <a:extLst>
+              <a:ext uri="{28A0092B-C50C-407E-A947-70E740481C1C}">
+                <a14:useLocalDpi xmlns:a14="http://schemas.microsoft.com/office/drawing/2010/main" val="0"/>
+              </a:ext>
+            </a:extLst>
+          </a:blip>
+          <a:srcRect/>
+          <a:stretch>
+            <a:fillRect/>
+          </a:stretch>
+        </p:blipFill>
+        <p:spPr bwMode="auto">
+          <a:xfrm>
+            <a:off x="163507" y="266700"/>
+            <a:ext cx="684927" cy="571500"/>
+          </a:xfrm>
+          <a:prstGeom prst="rect">
+            <a:avLst/>
+          </a:prstGeom>
+          <a:noFill/>
+          <a:extLst>
+            <a:ext uri="{909E8E84-426E-40DD-AFC4-6F175D3DCCD1}">
+              <a14:hiddenFill xmlns:a14="http://schemas.microsoft.com/office/drawing/2010/main">
+                <a:solidFill>
+                  <a:srgbClr val="FFFFFF"/>
+                </a:solidFill>
+              </a14:hiddenFill>
+            </a:ext>
+          </a:extLst>
+        </p:spPr>
+      </p:pic>
+      <p:sp>
+        <p:nvSpPr>
+          <p:cNvPr id="16" name="Text Box 9"/>
+          <p:cNvSpPr txBox="1">
+            <a:spLocks noChangeArrowheads="1"/>
+          </p:cNvSpPr>
+          <p:nvPr/>
+        </p:nvSpPr>
+        <p:spPr bwMode="auto">
+          <a:xfrm>
+            <a:off x="1386291" y="1267818"/>
+            <a:ext cx="7035213" cy="1015663"/>
+          </a:xfrm>
+          <a:prstGeom prst="rect">
+            <a:avLst/>
+          </a:prstGeom>
+          <a:noFill/>
+          <a:ln w="9525">
+            <a:noFill/>
+            <a:miter lim="800000"/>
+            <a:headEnd/>
+            <a:tailEnd/>
+          </a:ln>
+          <a:effectLst/>
+        </p:spPr>
+        <p:txBody>
+          <a:bodyPr wrap="square">
+            <a:spAutoFit/>
+          </a:bodyPr>
+          <a:lstStyle/>
+          <a:p>
+            <a:pPr algn="just"/>
+            <a:r>
+              <a:rPr lang="tr-TR" sz="2000" b="1" dirty="0" smtClean="0">
+                <a:latin typeface="Times New Roman" panose="02020603050405020304" pitchFamily="18" charset="0"/>
+                <a:cs typeface="Times New Roman" panose="02020603050405020304" pitchFamily="18" charset="0"/>
+              </a:rPr>
+              <a:t>W</a:t>
+            </a:r>
+            <a:r>
+              <a:rPr lang="en-US" sz="2000" b="1" dirty="0" smtClean="0">
+                <a:latin typeface="Times New Roman" panose="02020603050405020304" pitchFamily="18" charset="0"/>
+                <a:cs typeface="Times New Roman" panose="02020603050405020304" pitchFamily="18" charset="0"/>
+              </a:rPr>
+              <a:t>ide </a:t>
+            </a:r>
+            <a:r>
+              <a:rPr lang="en-US" sz="2000" b="1" dirty="0" smtClean="0">
+                <a:latin typeface="Times New Roman" panose="02020603050405020304" pitchFamily="18" charset="0"/>
+                <a:cs typeface="Times New Roman" panose="02020603050405020304" pitchFamily="18" charset="0"/>
+              </a:rPr>
+              <a:t>band-gap (WBG) </a:t>
+            </a:r>
+            <a:r>
+              <a:rPr lang="en-US" sz="2000" dirty="0" smtClean="0">
+                <a:latin typeface="Times New Roman" panose="02020603050405020304" pitchFamily="18" charset="0"/>
+                <a:cs typeface="Times New Roman" panose="02020603050405020304" pitchFamily="18" charset="0"/>
+              </a:rPr>
+              <a:t>power semiconductor </a:t>
+            </a:r>
+            <a:r>
+              <a:rPr lang="en-US" sz="2000" dirty="0" smtClean="0">
+                <a:latin typeface="Times New Roman" panose="02020603050405020304" pitchFamily="18" charset="0"/>
+                <a:cs typeface="Times New Roman" panose="02020603050405020304" pitchFamily="18" charset="0"/>
+              </a:rPr>
+              <a:t>devices</a:t>
+            </a:r>
+            <a:endParaRPr lang="tr-TR" sz="2000" dirty="0" smtClean="0">
+              <a:latin typeface="Times New Roman" panose="02020603050405020304" pitchFamily="18" charset="0"/>
+              <a:cs typeface="Times New Roman" panose="02020603050405020304" pitchFamily="18" charset="0"/>
+            </a:endParaRPr>
+          </a:p>
+          <a:p>
+            <a:pPr algn="l"/>
+            <a:r>
+              <a:rPr lang="en-US" sz="2000" dirty="0" smtClean="0">
+                <a:latin typeface="Times New Roman" panose="02020603050405020304" pitchFamily="18" charset="0"/>
+                <a:cs typeface="Times New Roman" panose="02020603050405020304" pitchFamily="18" charset="0"/>
+              </a:rPr>
+              <a:t>Low </a:t>
+            </a:r>
+            <a:r>
+              <a:rPr lang="en-US" sz="2000" dirty="0" smtClean="0">
+                <a:latin typeface="Times New Roman" panose="02020603050405020304" pitchFamily="18" charset="0"/>
+                <a:cs typeface="Times New Roman" panose="02020603050405020304" pitchFamily="18" charset="0"/>
+              </a:rPr>
+              <a:t>semiconductor </a:t>
+            </a:r>
+            <a:r>
+              <a:rPr lang="en-US" sz="2000" dirty="0" smtClean="0">
+                <a:latin typeface="Times New Roman" panose="02020603050405020304" pitchFamily="18" charset="0"/>
+                <a:cs typeface="Times New Roman" panose="02020603050405020304" pitchFamily="18" charset="0"/>
+              </a:rPr>
+              <a:t>loss</a:t>
+            </a:r>
+            <a:r>
+              <a:rPr lang="en-US" sz="2000" dirty="0" smtClean="0">
+                <a:latin typeface="Times New Roman" panose="02020603050405020304" pitchFamily="18" charset="0"/>
+                <a:cs typeface="Times New Roman" panose="02020603050405020304" pitchFamily="18" charset="0"/>
+              </a:rPr>
+              <a:t>: </a:t>
+            </a:r>
+            <a:r>
+              <a:rPr lang="en-US" sz="2000" b="1" dirty="0" smtClean="0">
+                <a:latin typeface="Times New Roman" panose="02020603050405020304" pitchFamily="18" charset="0"/>
+                <a:cs typeface="Times New Roman" panose="02020603050405020304" pitchFamily="18" charset="0"/>
+              </a:rPr>
+              <a:t>heat sink </a:t>
+            </a:r>
+            <a:r>
+              <a:rPr lang="en-US" sz="2000" dirty="0" smtClean="0">
+                <a:latin typeface="Times New Roman" panose="02020603050405020304" pitchFamily="18" charset="0"/>
+                <a:cs typeface="Times New Roman" panose="02020603050405020304" pitchFamily="18" charset="0"/>
+              </a:rPr>
+              <a:t>size is </a:t>
+            </a:r>
+            <a:r>
+              <a:rPr lang="en-US" sz="2000" dirty="0" smtClean="0">
+                <a:latin typeface="Times New Roman" panose="02020603050405020304" pitchFamily="18" charset="0"/>
+                <a:cs typeface="Times New Roman" panose="02020603050405020304" pitchFamily="18" charset="0"/>
+              </a:rPr>
+              <a:t>reduced</a:t>
+            </a:r>
+            <a:endParaRPr lang="tr-TR" sz="2000" dirty="0">
+              <a:latin typeface="Times New Roman" panose="02020603050405020304" pitchFamily="18" charset="0"/>
+              <a:cs typeface="Times New Roman" panose="02020603050405020304" pitchFamily="18" charset="0"/>
+            </a:endParaRPr>
+          </a:p>
+          <a:p>
+            <a:pPr algn="l"/>
+            <a:r>
+              <a:rPr lang="en-US" sz="2000" dirty="0" smtClean="0">
+                <a:latin typeface="Times New Roman" panose="02020603050405020304" pitchFamily="18" charset="0"/>
+                <a:cs typeface="Times New Roman" panose="02020603050405020304" pitchFamily="18" charset="0"/>
+              </a:rPr>
+              <a:t>High </a:t>
+            </a:r>
+            <a:r>
+              <a:rPr lang="en-US" sz="2000" dirty="0" smtClean="0">
+                <a:latin typeface="Times New Roman" panose="02020603050405020304" pitchFamily="18" charset="0"/>
+                <a:cs typeface="Times New Roman" panose="02020603050405020304" pitchFamily="18" charset="0"/>
+              </a:rPr>
+              <a:t>operation frequency: </a:t>
+            </a:r>
+            <a:r>
+              <a:rPr lang="en-US" sz="2000" b="1" dirty="0" smtClean="0">
+                <a:latin typeface="Times New Roman" panose="02020603050405020304" pitchFamily="18" charset="0"/>
+                <a:cs typeface="Times New Roman" panose="02020603050405020304" pitchFamily="18" charset="0"/>
+              </a:rPr>
+              <a:t>passive component </a:t>
+            </a:r>
+            <a:r>
+              <a:rPr lang="en-US" sz="2000" dirty="0" smtClean="0">
+                <a:latin typeface="Times New Roman" panose="02020603050405020304" pitchFamily="18" charset="0"/>
+                <a:cs typeface="Times New Roman" panose="02020603050405020304" pitchFamily="18" charset="0"/>
+              </a:rPr>
+              <a:t>size is reduced</a:t>
+            </a:r>
+            <a:endParaRPr lang="en-US" sz="2000" dirty="0">
+              <a:latin typeface="Times New Roman" panose="02020603050405020304" pitchFamily="18" charset="0"/>
+              <a:cs typeface="Times New Roman" panose="02020603050405020304" pitchFamily="18" charset="0"/>
+            </a:endParaRPr>
+          </a:p>
+        </p:txBody>
+      </p:sp>
+      <p:sp>
+        <p:nvSpPr>
+          <p:cNvPr id="19" name="Text Box 9"/>
+          <p:cNvSpPr txBox="1">
+            <a:spLocks noChangeArrowheads="1"/>
+          </p:cNvSpPr>
+          <p:nvPr/>
+        </p:nvSpPr>
+        <p:spPr bwMode="auto">
+          <a:xfrm>
+            <a:off x="5460110" y="3191211"/>
+            <a:ext cx="3350515" cy="1631216"/>
+          </a:xfrm>
+          <a:prstGeom prst="rect">
+            <a:avLst/>
+          </a:prstGeom>
+          <a:noFill/>
+          <a:ln w="9525">
+            <a:noFill/>
+            <a:miter lim="800000"/>
+            <a:headEnd/>
+            <a:tailEnd/>
+          </a:ln>
+          <a:effectLst/>
+        </p:spPr>
+        <p:txBody>
+          <a:bodyPr wrap="square">
+            <a:spAutoFit/>
+          </a:bodyPr>
+          <a:lstStyle/>
+          <a:p>
+            <a:pPr marL="342900" indent="-342900" algn="just">
+              <a:buFont typeface="Arial" panose="020B0604020202020204" pitchFamily="34" charset="0"/>
+              <a:buChar char="•"/>
+            </a:pPr>
+            <a:r>
+              <a:rPr lang="en-US" sz="2000" dirty="0" smtClean="0">
+                <a:latin typeface="Times New Roman" panose="02020603050405020304" pitchFamily="18" charset="0"/>
+                <a:cs typeface="Times New Roman" panose="02020603050405020304" pitchFamily="18" charset="0"/>
+              </a:rPr>
+              <a:t>High speed device</a:t>
+            </a:r>
+          </a:p>
+          <a:p>
+            <a:pPr marL="342900" indent="-342900" algn="l">
+              <a:buFont typeface="Arial" panose="020B0604020202020204" pitchFamily="34" charset="0"/>
+              <a:buChar char="•"/>
+            </a:pPr>
+            <a:r>
+              <a:rPr lang="en-US" sz="2000" dirty="0" smtClean="0">
+                <a:latin typeface="Times New Roman" panose="02020603050405020304" pitchFamily="18" charset="0"/>
+                <a:cs typeface="Times New Roman" panose="02020603050405020304" pitchFamily="18" charset="0"/>
+              </a:rPr>
+              <a:t>Low </a:t>
+            </a:r>
+            <a:r>
+              <a:rPr lang="en-US" sz="2000" dirty="0" err="1" smtClean="0">
+                <a:latin typeface="Times New Roman" panose="02020603050405020304" pitchFamily="18" charset="0"/>
+                <a:cs typeface="Times New Roman" panose="02020603050405020304" pitchFamily="18" charset="0"/>
+              </a:rPr>
+              <a:t>R</a:t>
+            </a:r>
+            <a:r>
+              <a:rPr lang="en-US" sz="2000" baseline="-25000" dirty="0" err="1" smtClean="0">
+                <a:latin typeface="Times New Roman" panose="02020603050405020304" pitchFamily="18" charset="0"/>
+                <a:cs typeface="Times New Roman" panose="02020603050405020304" pitchFamily="18" charset="0"/>
+              </a:rPr>
+              <a:t>ds_on</a:t>
+            </a:r>
+            <a:endParaRPr lang="en-US" sz="2000" baseline="-25000" dirty="0" smtClean="0">
+              <a:latin typeface="Times New Roman" panose="02020603050405020304" pitchFamily="18" charset="0"/>
+              <a:cs typeface="Times New Roman" panose="02020603050405020304" pitchFamily="18" charset="0"/>
+            </a:endParaRPr>
+          </a:p>
+          <a:p>
+            <a:pPr marL="342900" indent="-342900" algn="l">
+              <a:buFont typeface="Arial" panose="020B0604020202020204" pitchFamily="34" charset="0"/>
+              <a:buChar char="•"/>
+            </a:pPr>
+            <a:r>
+              <a:rPr lang="en-US" sz="2000" dirty="0" smtClean="0">
+                <a:latin typeface="Times New Roman" panose="02020603050405020304" pitchFamily="18" charset="0"/>
+                <a:cs typeface="Times New Roman" panose="02020603050405020304" pitchFamily="18" charset="0"/>
+              </a:rPr>
+              <a:t>Low E</a:t>
+            </a:r>
+            <a:r>
+              <a:rPr lang="en-US" sz="2000" baseline="-25000" dirty="0" smtClean="0">
+                <a:latin typeface="Times New Roman" panose="02020603050405020304" pitchFamily="18" charset="0"/>
+                <a:cs typeface="Times New Roman" panose="02020603050405020304" pitchFamily="18" charset="0"/>
+              </a:rPr>
+              <a:t>on </a:t>
+            </a:r>
+            <a:r>
+              <a:rPr lang="en-US" sz="2000" dirty="0" smtClean="0">
+                <a:latin typeface="Times New Roman" panose="02020603050405020304" pitchFamily="18" charset="0"/>
+                <a:cs typeface="Times New Roman" panose="02020603050405020304" pitchFamily="18" charset="0"/>
+              </a:rPr>
+              <a:t>&amp; </a:t>
+            </a:r>
+            <a:r>
+              <a:rPr lang="en-US" sz="2000" dirty="0" err="1" smtClean="0">
+                <a:latin typeface="Times New Roman" panose="02020603050405020304" pitchFamily="18" charset="0"/>
+                <a:cs typeface="Times New Roman" panose="02020603050405020304" pitchFamily="18" charset="0"/>
+              </a:rPr>
+              <a:t>E</a:t>
+            </a:r>
+            <a:r>
+              <a:rPr lang="en-US" sz="2000" baseline="-25000" dirty="0" err="1" smtClean="0">
+                <a:latin typeface="Times New Roman" panose="02020603050405020304" pitchFamily="18" charset="0"/>
+                <a:cs typeface="Times New Roman" panose="02020603050405020304" pitchFamily="18" charset="0"/>
+              </a:rPr>
+              <a:t>off</a:t>
+            </a:r>
+            <a:endParaRPr lang="en-US" sz="2000" baseline="-25000" dirty="0" smtClean="0">
+              <a:latin typeface="Times New Roman" panose="02020603050405020304" pitchFamily="18" charset="0"/>
+              <a:cs typeface="Times New Roman" panose="02020603050405020304" pitchFamily="18" charset="0"/>
+            </a:endParaRPr>
+          </a:p>
+          <a:p>
+            <a:pPr marL="342900" indent="-342900" algn="l">
+              <a:buFont typeface="Arial" panose="020B0604020202020204" pitchFamily="34" charset="0"/>
+              <a:buChar char="•"/>
+            </a:pPr>
+            <a:r>
+              <a:rPr lang="en-US" sz="2000" dirty="0" smtClean="0">
+                <a:latin typeface="Times New Roman" panose="02020603050405020304" pitchFamily="18" charset="0"/>
+                <a:cs typeface="Times New Roman" panose="02020603050405020304" pitchFamily="18" charset="0"/>
+              </a:rPr>
+              <a:t>High junction temperature</a:t>
+            </a:r>
+            <a:endParaRPr lang="tr-TR" sz="2000" dirty="0" smtClean="0">
+              <a:latin typeface="Times New Roman" panose="02020603050405020304" pitchFamily="18" charset="0"/>
+              <a:cs typeface="Times New Roman" panose="02020603050405020304" pitchFamily="18" charset="0"/>
+            </a:endParaRPr>
+          </a:p>
+          <a:p>
+            <a:pPr marL="342900" indent="-342900" algn="l">
+              <a:buFont typeface="Arial" panose="020B0604020202020204" pitchFamily="34" charset="0"/>
+              <a:buChar char="•"/>
+            </a:pPr>
+            <a:r>
+              <a:rPr lang="tr-TR" sz="2000" dirty="0" err="1" smtClean="0">
+                <a:latin typeface="Times New Roman" panose="02020603050405020304" pitchFamily="18" charset="0"/>
+                <a:cs typeface="Times New Roman" panose="02020603050405020304" pitchFamily="18" charset="0"/>
+              </a:rPr>
+              <a:t>Low</a:t>
+            </a:r>
+            <a:r>
+              <a:rPr lang="tr-TR" sz="2000" dirty="0" smtClean="0">
+                <a:latin typeface="Times New Roman" panose="02020603050405020304" pitchFamily="18" charset="0"/>
+                <a:cs typeface="Times New Roman" panose="02020603050405020304" pitchFamily="18" charset="0"/>
+              </a:rPr>
+              <a:t> C</a:t>
+            </a:r>
+            <a:r>
+              <a:rPr lang="tr-TR" sz="2000" baseline="-25000" dirty="0" smtClean="0">
+                <a:latin typeface="Times New Roman" panose="02020603050405020304" pitchFamily="18" charset="0"/>
+                <a:cs typeface="Times New Roman" panose="02020603050405020304" pitchFamily="18" charset="0"/>
+              </a:rPr>
+              <a:t>in</a:t>
+            </a:r>
+            <a:r>
+              <a:rPr lang="tr-TR" sz="2000" dirty="0" smtClean="0">
+                <a:latin typeface="Times New Roman" panose="02020603050405020304" pitchFamily="18" charset="0"/>
+                <a:cs typeface="Times New Roman" panose="02020603050405020304" pitchFamily="18" charset="0"/>
+              </a:rPr>
+              <a:t> </a:t>
+            </a:r>
+            <a:r>
+              <a:rPr lang="tr-TR" sz="2000" dirty="0" err="1" smtClean="0">
+                <a:latin typeface="Times New Roman" panose="02020603050405020304" pitchFamily="18" charset="0"/>
+                <a:cs typeface="Times New Roman" panose="02020603050405020304" pitchFamily="18" charset="0"/>
+              </a:rPr>
+              <a:t>and</a:t>
+            </a:r>
+            <a:r>
+              <a:rPr lang="tr-TR" sz="2000" dirty="0" smtClean="0">
+                <a:latin typeface="Times New Roman" panose="02020603050405020304" pitchFamily="18" charset="0"/>
+                <a:cs typeface="Times New Roman" panose="02020603050405020304" pitchFamily="18" charset="0"/>
+              </a:rPr>
+              <a:t> </a:t>
+            </a:r>
+            <a:r>
+              <a:rPr lang="tr-TR" sz="2000" dirty="0" err="1" smtClean="0">
+                <a:latin typeface="Times New Roman" panose="02020603050405020304" pitchFamily="18" charset="0"/>
+                <a:cs typeface="Times New Roman" panose="02020603050405020304" pitchFamily="18" charset="0"/>
+              </a:rPr>
+              <a:t>C</a:t>
+            </a:r>
+            <a:r>
+              <a:rPr lang="tr-TR" sz="2000" baseline="-25000" dirty="0" err="1" smtClean="0">
+                <a:latin typeface="Times New Roman" panose="02020603050405020304" pitchFamily="18" charset="0"/>
+                <a:cs typeface="Times New Roman" panose="02020603050405020304" pitchFamily="18" charset="0"/>
+              </a:rPr>
+              <a:t>out</a:t>
+            </a:r>
+            <a:endParaRPr lang="en-US" sz="2000" baseline="-25000" dirty="0">
+              <a:latin typeface="Times New Roman" panose="02020603050405020304" pitchFamily="18" charset="0"/>
+              <a:cs typeface="Times New Roman" panose="02020603050405020304" pitchFamily="18" charset="0"/>
+            </a:endParaRPr>
+          </a:p>
+        </p:txBody>
+      </p:sp>
+      <p:pic>
+        <p:nvPicPr>
+          <p:cNvPr id="4" name="Picture 3"/>
+          <p:cNvPicPr>
+            <a:picLocks noChangeAspect="1"/>
+          </p:cNvPicPr>
+          <p:nvPr/>
+        </p:nvPicPr>
+        <p:blipFill>
+          <a:blip r:embed="rId3"/>
+          <a:stretch>
+            <a:fillRect/>
+          </a:stretch>
+        </p:blipFill>
+        <p:spPr>
+          <a:xfrm>
+            <a:off x="1524000" y="2819400"/>
+            <a:ext cx="3642051" cy="2598995"/>
+          </a:xfrm>
+          <a:prstGeom prst="rect">
+            <a:avLst/>
+          </a:prstGeom>
+        </p:spPr>
+      </p:pic>
+    </p:spTree>
+    <p:extLst>
+      <p:ext uri="{BB962C8B-B14F-4D97-AF65-F5344CB8AC3E}">
+        <p14:creationId xmlns:p14="http://schemas.microsoft.com/office/powerpoint/2010/main" val="3899661638"/>
+      </p:ext>
+    </p:extLst>
+  </p:cSld>
+  <p:clrMapOvr>
+    <a:masterClrMapping/>
+  </p:clrMapOvr>
+  <p:timing>
+    <p:tnLst>
+      <p:par>
+        <p:cTn id="1" dur="indefinite" restart="never" nodeType="tmRoot"/>
+      </p:par>
+    </p:tnLst>
+  </p:timing>
+</p:sld>
+</file>
+
+<file path=ppt/slides/slide12.xml><?xml version="1.0" encoding="utf-8"?>
+<p:sld xmlns:a="http://schemas.openxmlformats.org/drawingml/2006/main" xmlns:r="http://schemas.openxmlformats.org/officeDocument/2006/relationships" xmlns:p="http://schemas.openxmlformats.org/presentationml/2006/main">
+  <p:cSld>
+    <p:spTree>
+      <p:nvGrpSpPr>
+        <p:cNvPr id="1" name=""/>
+        <p:cNvGrpSpPr/>
+        <p:nvPr/>
+      </p:nvGrpSpPr>
+      <p:grpSpPr>
+        <a:xfrm>
+          <a:off x="0" y="0"/>
+          <a:ext cx="0" cy="0"/>
+          <a:chOff x="0" y="0"/>
+          <a:chExt cx="0" cy="0"/>
+        </a:xfrm>
+      </p:grpSpPr>
+      <p:sp>
+        <p:nvSpPr>
+          <p:cNvPr id="10" name="Rectangle 9"/>
+          <p:cNvSpPr/>
+          <p:nvPr/>
+        </p:nvSpPr>
+        <p:spPr>
+          <a:xfrm>
+            <a:off x="0" y="12106"/>
+            <a:ext cx="1011942" cy="6854083"/>
+          </a:xfrm>
+          <a:prstGeom prst="rect">
+            <a:avLst/>
+          </a:prstGeom>
+          <a:gradFill flip="none" rotWithShape="1">
+            <a:gsLst>
+              <a:gs pos="50000">
+                <a:srgbClr val="D00000"/>
+              </a:gs>
+              <a:gs pos="0">
+                <a:srgbClr val="FF0000">
+                  <a:shade val="30000"/>
+                  <a:satMod val="115000"/>
+                </a:srgbClr>
+              </a:gs>
+              <a:gs pos="100000">
+                <a:schemeClr val="accent2">
+                  <a:lumMod val="60000"/>
+                  <a:lumOff val="40000"/>
+                </a:schemeClr>
+              </a:gs>
+            </a:gsLst>
+            <a:lin ang="5400000" scaled="1"/>
+            <a:tileRect/>
+          </a:gradFill>
+          <a:ln>
+            <a:noFill/>
+          </a:ln>
+        </p:spPr>
+        <p:style>
+          <a:lnRef idx="2">
+            <a:schemeClr val="accent1">
+              <a:shade val="50000"/>
+            </a:schemeClr>
+          </a:lnRef>
+          <a:fillRef idx="1">
+            <a:schemeClr val="accent1"/>
+          </a:fillRef>
+          <a:effectRef idx="0">
+            <a:schemeClr val="accent1"/>
+          </a:effectRef>
+          <a:fontRef idx="minor">
+            <a:schemeClr val="lt1"/>
+          </a:fontRef>
+        </p:style>
+        <p:txBody>
+          <a:bodyPr rtlCol="0" anchor="ctr"/>
+          <a:lstStyle/>
+          <a:p>
+            <a:pPr algn="ctr"/>
+            <a:endParaRPr lang="tr-TR"/>
+          </a:p>
+        </p:txBody>
+      </p:sp>
+      <p:cxnSp>
+        <p:nvCxnSpPr>
+          <p:cNvPr id="11" name="Straight Connector 10"/>
+          <p:cNvCxnSpPr/>
+          <p:nvPr/>
+        </p:nvCxnSpPr>
+        <p:spPr>
+          <a:xfrm>
+            <a:off x="1189918" y="838200"/>
+            <a:ext cx="7649282" cy="0"/>
+          </a:xfrm>
+          <a:prstGeom prst="line">
+            <a:avLst/>
+          </a:prstGeom>
+          <a:ln w="50800">
+            <a:solidFill>
+              <a:srgbClr val="F20000"/>
+            </a:solidFill>
+          </a:ln>
+        </p:spPr>
+        <p:style>
+          <a:lnRef idx="1">
+            <a:schemeClr val="accent1"/>
+          </a:lnRef>
+          <a:fillRef idx="0">
+            <a:schemeClr val="accent1"/>
+          </a:fillRef>
+          <a:effectRef idx="0">
+            <a:schemeClr val="accent1"/>
+          </a:effectRef>
+          <a:fontRef idx="minor">
+            <a:schemeClr val="tx1"/>
+          </a:fontRef>
+        </p:style>
+      </p:cxnSp>
+      <p:sp>
+        <p:nvSpPr>
+          <p:cNvPr id="13" name="TextBox 12"/>
+          <p:cNvSpPr txBox="1"/>
+          <p:nvPr/>
+        </p:nvSpPr>
+        <p:spPr>
+          <a:xfrm>
+            <a:off x="1386291" y="224135"/>
+            <a:ext cx="7315200" cy="553998"/>
+          </a:xfrm>
+          <a:prstGeom prst="rect">
+            <a:avLst/>
+          </a:prstGeom>
+          <a:noFill/>
+        </p:spPr>
+        <p:txBody>
+          <a:bodyPr wrap="square" rtlCol="0">
+            <a:spAutoFit/>
+          </a:bodyPr>
+          <a:lstStyle/>
+          <a:p>
+            <a:pPr algn="ctr"/>
+            <a:r>
+              <a:rPr lang="tr-TR" sz="3000" dirty="0" err="1" smtClean="0">
+                <a:latin typeface="Times New Roman" panose="02020603050405020304" pitchFamily="18" charset="0"/>
+                <a:cs typeface="Times New Roman" panose="02020603050405020304" pitchFamily="18" charset="0"/>
+              </a:rPr>
+              <a:t>Gallium</a:t>
+            </a:r>
+            <a:r>
+              <a:rPr lang="tr-TR" sz="3000" dirty="0" smtClean="0">
+                <a:latin typeface="Times New Roman" panose="02020603050405020304" pitchFamily="18" charset="0"/>
+                <a:cs typeface="Times New Roman" panose="02020603050405020304" pitchFamily="18" charset="0"/>
+              </a:rPr>
+              <a:t> </a:t>
+            </a:r>
+            <a:r>
+              <a:rPr lang="tr-TR" sz="3000" dirty="0" err="1" smtClean="0">
+                <a:latin typeface="Times New Roman" panose="02020603050405020304" pitchFamily="18" charset="0"/>
+                <a:cs typeface="Times New Roman" panose="02020603050405020304" pitchFamily="18" charset="0"/>
+              </a:rPr>
+              <a:t>Nitride</a:t>
+            </a:r>
+            <a:r>
+              <a:rPr lang="tr-TR" sz="3000" dirty="0" smtClean="0">
+                <a:latin typeface="Times New Roman" panose="02020603050405020304" pitchFamily="18" charset="0"/>
+                <a:cs typeface="Times New Roman" panose="02020603050405020304" pitchFamily="18" charset="0"/>
+              </a:rPr>
+              <a:t> (GaN) </a:t>
+            </a:r>
+            <a:r>
+              <a:rPr lang="tr-TR" sz="3000" dirty="0" err="1" smtClean="0">
+                <a:latin typeface="Times New Roman" panose="02020603050405020304" pitchFamily="18" charset="0"/>
+                <a:cs typeface="Times New Roman" panose="02020603050405020304" pitchFamily="18" charset="0"/>
+              </a:rPr>
+              <a:t>Power</a:t>
+            </a:r>
+            <a:r>
+              <a:rPr lang="tr-TR" sz="3000" dirty="0" smtClean="0">
+                <a:latin typeface="Times New Roman" panose="02020603050405020304" pitchFamily="18" charset="0"/>
+                <a:cs typeface="Times New Roman" panose="02020603050405020304" pitchFamily="18" charset="0"/>
+              </a:rPr>
+              <a:t> </a:t>
+            </a:r>
+            <a:r>
+              <a:rPr lang="tr-TR" sz="3000" dirty="0" err="1" smtClean="0">
+                <a:latin typeface="Times New Roman" panose="02020603050405020304" pitchFamily="18" charset="0"/>
+                <a:cs typeface="Times New Roman" panose="02020603050405020304" pitchFamily="18" charset="0"/>
+              </a:rPr>
+              <a:t>Semiconductors</a:t>
+            </a:r>
+            <a:endParaRPr lang="tr-TR" sz="3000" dirty="0">
+              <a:latin typeface="Times New Roman" panose="02020603050405020304" pitchFamily="18" charset="0"/>
+              <a:cs typeface="Times New Roman" panose="02020603050405020304" pitchFamily="18" charset="0"/>
+            </a:endParaRPr>
+          </a:p>
+        </p:txBody>
+      </p:sp>
+      <p:cxnSp>
+        <p:nvCxnSpPr>
+          <p:cNvPr id="15" name="Straight Connector 14"/>
+          <p:cNvCxnSpPr/>
+          <p:nvPr/>
+        </p:nvCxnSpPr>
+        <p:spPr>
+          <a:xfrm>
+            <a:off x="1189918" y="914400"/>
+            <a:ext cx="7649282" cy="0"/>
+          </a:xfrm>
+          <a:prstGeom prst="line">
+            <a:avLst/>
+          </a:prstGeom>
+          <a:ln w="19050">
+            <a:solidFill>
+              <a:srgbClr val="F20000"/>
+            </a:solidFill>
+          </a:ln>
+        </p:spPr>
+        <p:style>
+          <a:lnRef idx="1">
+            <a:schemeClr val="accent1"/>
+          </a:lnRef>
+          <a:fillRef idx="0">
+            <a:schemeClr val="accent1"/>
+          </a:fillRef>
+          <a:effectRef idx="0">
+            <a:schemeClr val="accent1"/>
+          </a:effectRef>
+          <a:fontRef idx="minor">
+            <a:schemeClr val="tx1"/>
+          </a:fontRef>
+        </p:style>
+      </p:cxnSp>
+      <p:sp>
+        <p:nvSpPr>
+          <p:cNvPr id="2" name="Slide Number Placeholder 1"/>
+          <p:cNvSpPr>
+            <a:spLocks noGrp="1"/>
+          </p:cNvSpPr>
+          <p:nvPr>
+            <p:ph type="sldNum" sz="quarter" idx="12"/>
+          </p:nvPr>
+        </p:nvSpPr>
+        <p:spPr/>
+        <p:txBody>
+          <a:bodyPr/>
+          <a:lstStyle/>
+          <a:p>
+            <a:fld id="{B6F15528-21DE-4FAA-801E-634DDDAF4B2B}" type="slidenum">
+              <a:rPr lang="en-US" smtClean="0"/>
+              <a:pPr/>
+              <a:t>12</a:t>
+            </a:fld>
+            <a:endParaRPr lang="en-US" dirty="0"/>
+          </a:p>
+        </p:txBody>
+      </p:sp>
+      <p:pic>
+        <p:nvPicPr>
+          <p:cNvPr id="14" name="Picture 2" descr="C:\Users\Mesut\Desktop\aselsan sunum\aselsan sunum 10 ekim\aselsan sunum\cezmi bey\ODTU.png"/>
+          <p:cNvPicPr>
+            <a:picLocks noChangeAspect="1" noChangeArrowheads="1"/>
+          </p:cNvPicPr>
+          <p:nvPr/>
+        </p:nvPicPr>
+        <p:blipFill>
+          <a:blip r:embed="rId2" cstate="print">
+            <a:extLst>
+              <a:ext uri="{28A0092B-C50C-407E-A947-70E740481C1C}">
+                <a14:useLocalDpi xmlns:a14="http://schemas.microsoft.com/office/drawing/2010/main" val="0"/>
+              </a:ext>
+            </a:extLst>
+          </a:blip>
+          <a:srcRect/>
+          <a:stretch>
+            <a:fillRect/>
+          </a:stretch>
+        </p:blipFill>
+        <p:spPr bwMode="auto">
+          <a:xfrm>
+            <a:off x="163507" y="266700"/>
+            <a:ext cx="684927" cy="571500"/>
+          </a:xfrm>
+          <a:prstGeom prst="rect">
+            <a:avLst/>
+          </a:prstGeom>
+          <a:noFill/>
+          <a:extLst>
+            <a:ext uri="{909E8E84-426E-40DD-AFC4-6F175D3DCCD1}">
+              <a14:hiddenFill xmlns:a14="http://schemas.microsoft.com/office/drawing/2010/main">
+                <a:solidFill>
+                  <a:srgbClr val="FFFFFF"/>
+                </a:solidFill>
+              </a14:hiddenFill>
+            </a:ext>
+          </a:extLst>
+        </p:spPr>
+      </p:pic>
+      <p:pic>
+        <p:nvPicPr>
+          <p:cNvPr id="12" name="Picture 11"/>
+          <p:cNvPicPr>
+            <a:picLocks noChangeAspect="1"/>
+          </p:cNvPicPr>
+          <p:nvPr/>
+        </p:nvPicPr>
+        <p:blipFill>
+          <a:blip r:embed="rId3">
+            <a:extLst>
+              <a:ext uri="{28A0092B-C50C-407E-A947-70E740481C1C}">
+                <a14:useLocalDpi xmlns:a14="http://schemas.microsoft.com/office/drawing/2010/main" val="0"/>
+              </a:ext>
+            </a:extLst>
+          </a:blip>
+          <a:stretch>
+            <a:fillRect/>
+          </a:stretch>
+        </p:blipFill>
+        <p:spPr>
+          <a:xfrm>
+            <a:off x="3893545" y="3624560"/>
+            <a:ext cx="3124200" cy="2759711"/>
+          </a:xfrm>
+          <a:prstGeom prst="rect">
+            <a:avLst/>
+          </a:prstGeom>
+        </p:spPr>
+      </p:pic>
+      <p:sp>
+        <p:nvSpPr>
+          <p:cNvPr id="16" name="Text Box 9"/>
+          <p:cNvSpPr txBox="1">
+            <a:spLocks noChangeArrowheads="1"/>
+          </p:cNvSpPr>
+          <p:nvPr/>
+        </p:nvSpPr>
+        <p:spPr bwMode="auto">
+          <a:xfrm>
+            <a:off x="1386291" y="1267818"/>
+            <a:ext cx="5014509" cy="2345322"/>
+          </a:xfrm>
+          <a:prstGeom prst="rect">
+            <a:avLst/>
+          </a:prstGeom>
+          <a:noFill/>
+          <a:ln w="9525">
+            <a:noFill/>
+            <a:miter lim="800000"/>
+            <a:headEnd/>
+            <a:tailEnd/>
+          </a:ln>
+          <a:effectLst/>
+        </p:spPr>
+        <p:txBody>
+          <a:bodyPr wrap="square">
+            <a:spAutoFit/>
+          </a:bodyPr>
+          <a:lstStyle/>
+          <a:p>
+            <a:pPr marL="457200" indent="-457200">
+              <a:lnSpc>
+                <a:spcPct val="150000"/>
+              </a:lnSpc>
+              <a:buFont typeface="Arial" panose="020B0604020202020204" pitchFamily="34" charset="0"/>
+              <a:buChar char="•"/>
+            </a:pPr>
+            <a:r>
+              <a:rPr lang="en-US" sz="2000" dirty="0" smtClean="0">
+                <a:latin typeface="Times New Roman" panose="02020603050405020304" pitchFamily="18" charset="0"/>
+                <a:cs typeface="Times New Roman" panose="02020603050405020304" pitchFamily="18" charset="0"/>
+              </a:rPr>
+              <a:t>Parasitic components become significant</a:t>
+            </a:r>
+          </a:p>
+          <a:p>
+            <a:pPr marL="457200" indent="-457200">
+              <a:lnSpc>
+                <a:spcPct val="150000"/>
+              </a:lnSpc>
+              <a:buFont typeface="Arial" panose="020B0604020202020204" pitchFamily="34" charset="0"/>
+              <a:buChar char="•"/>
+            </a:pPr>
+            <a:r>
+              <a:rPr lang="en-US" sz="2000" dirty="0" smtClean="0">
+                <a:latin typeface="Times New Roman" panose="02020603050405020304" pitchFamily="18" charset="0"/>
+                <a:cs typeface="Times New Roman" panose="02020603050405020304" pitchFamily="18" charset="0"/>
+              </a:rPr>
+              <a:t>Careful layout design is required</a:t>
+            </a:r>
+          </a:p>
+          <a:p>
+            <a:pPr marL="457200" indent="-457200">
+              <a:lnSpc>
+                <a:spcPct val="150000"/>
+              </a:lnSpc>
+              <a:buFont typeface="Arial" panose="020B0604020202020204" pitchFamily="34" charset="0"/>
+              <a:buChar char="•"/>
+            </a:pPr>
+            <a:r>
+              <a:rPr lang="en-US" sz="2000" dirty="0" smtClean="0">
+                <a:latin typeface="Times New Roman" panose="02020603050405020304" pitchFamily="18" charset="0"/>
+                <a:cs typeface="Times New Roman" panose="02020603050405020304" pitchFamily="18" charset="0"/>
+              </a:rPr>
+              <a:t>Commercial availability</a:t>
+            </a:r>
+          </a:p>
+          <a:p>
+            <a:pPr marL="457200" indent="-457200">
+              <a:lnSpc>
+                <a:spcPct val="150000"/>
+              </a:lnSpc>
+              <a:buFont typeface="Arial" panose="020B0604020202020204" pitchFamily="34" charset="0"/>
+              <a:buChar char="•"/>
+            </a:pPr>
+            <a:r>
+              <a:rPr lang="en-US" sz="2000" dirty="0" smtClean="0">
+                <a:latin typeface="Times New Roman" panose="02020603050405020304" pitchFamily="18" charset="0"/>
+                <a:cs typeface="Times New Roman" panose="02020603050405020304" pitchFamily="18" charset="0"/>
+              </a:rPr>
+              <a:t>Low ratings</a:t>
+            </a:r>
+          </a:p>
+          <a:p>
+            <a:pPr marL="457200" indent="-457200">
+              <a:lnSpc>
+                <a:spcPct val="150000"/>
+              </a:lnSpc>
+              <a:buFont typeface="Arial" panose="020B0604020202020204" pitchFamily="34" charset="0"/>
+              <a:buChar char="•"/>
+            </a:pPr>
+            <a:r>
+              <a:rPr lang="en-US" sz="2000" dirty="0" smtClean="0">
+                <a:latin typeface="Times New Roman" panose="02020603050405020304" pitchFamily="18" charset="0"/>
+                <a:cs typeface="Times New Roman" panose="02020603050405020304" pitchFamily="18" charset="0"/>
+              </a:rPr>
+              <a:t>Reliability</a:t>
+            </a:r>
+            <a:endParaRPr lang="en-US" sz="2000" dirty="0">
+              <a:latin typeface="Times New Roman" panose="02020603050405020304" pitchFamily="18" charset="0"/>
+              <a:cs typeface="Times New Roman" panose="02020603050405020304" pitchFamily="18" charset="0"/>
+            </a:endParaRPr>
+          </a:p>
+        </p:txBody>
+      </p:sp>
+    </p:spTree>
+    <p:extLst>
+      <p:ext uri="{BB962C8B-B14F-4D97-AF65-F5344CB8AC3E}">
+        <p14:creationId xmlns:p14="http://schemas.microsoft.com/office/powerpoint/2010/main" val="685465704"/>
+      </p:ext>
+    </p:extLst>
+  </p:cSld>
+  <p:clrMapOvr>
+    <a:masterClrMapping/>
+  </p:clrMapOvr>
+  <p:timing>
+    <p:tnLst>
+      <p:par>
+        <p:cTn id="1" dur="indefinite" restart="never" nodeType="tmRoot"/>
+      </p:par>
+    </p:tnLst>
+  </p:timing>
+</p:sld>
+</file>
+
+<file path=ppt/slides/slide13.xml><?xml version="1.0" encoding="utf-8"?>
+<p:sld xmlns:a="http://schemas.openxmlformats.org/drawingml/2006/main" xmlns:r="http://schemas.openxmlformats.org/officeDocument/2006/relationships" xmlns:p="http://schemas.openxmlformats.org/presentationml/2006/main">
+  <p:cSld>
+    <p:spTree>
+      <p:nvGrpSpPr>
+        <p:cNvPr id="1" name=""/>
+        <p:cNvGrpSpPr/>
+        <p:nvPr/>
+      </p:nvGrpSpPr>
+      <p:grpSpPr>
+        <a:xfrm>
+          <a:off x="0" y="0"/>
+          <a:ext cx="0" cy="0"/>
+          <a:chOff x="0" y="0"/>
+          <a:chExt cx="0" cy="0"/>
+        </a:xfrm>
+      </p:grpSpPr>
+      <p:sp>
+        <p:nvSpPr>
+          <p:cNvPr id="10" name="Rectangle 9"/>
+          <p:cNvSpPr/>
+          <p:nvPr/>
+        </p:nvSpPr>
+        <p:spPr>
+          <a:xfrm>
+            <a:off x="0" y="12106"/>
+            <a:ext cx="1011942" cy="6854083"/>
+          </a:xfrm>
+          <a:prstGeom prst="rect">
+            <a:avLst/>
+          </a:prstGeom>
+          <a:gradFill flip="none" rotWithShape="1">
+            <a:gsLst>
+              <a:gs pos="50000">
+                <a:srgbClr val="D00000"/>
+              </a:gs>
+              <a:gs pos="0">
+                <a:srgbClr val="FF0000">
+                  <a:shade val="30000"/>
+                  <a:satMod val="115000"/>
+                </a:srgbClr>
+              </a:gs>
+              <a:gs pos="100000">
+                <a:schemeClr val="accent2">
+                  <a:lumMod val="60000"/>
+                  <a:lumOff val="40000"/>
+                </a:schemeClr>
+              </a:gs>
+            </a:gsLst>
+            <a:lin ang="5400000" scaled="1"/>
+            <a:tileRect/>
+          </a:gradFill>
+          <a:ln>
+            <a:noFill/>
+          </a:ln>
+        </p:spPr>
+        <p:style>
+          <a:lnRef idx="2">
+            <a:schemeClr val="accent1">
+              <a:shade val="50000"/>
+            </a:schemeClr>
+          </a:lnRef>
+          <a:fillRef idx="1">
+            <a:schemeClr val="accent1"/>
+          </a:fillRef>
+          <a:effectRef idx="0">
+            <a:schemeClr val="accent1"/>
+          </a:effectRef>
+          <a:fontRef idx="minor">
+            <a:schemeClr val="lt1"/>
+          </a:fontRef>
+        </p:style>
+        <p:txBody>
+          <a:bodyPr rtlCol="0" anchor="ctr"/>
+          <a:lstStyle/>
+          <a:p>
+            <a:pPr algn="ctr"/>
+            <a:endParaRPr lang="tr-TR"/>
+          </a:p>
+        </p:txBody>
+      </p:sp>
+      <p:cxnSp>
+        <p:nvCxnSpPr>
+          <p:cNvPr id="11" name="Straight Connector 10"/>
+          <p:cNvCxnSpPr/>
+          <p:nvPr/>
+        </p:nvCxnSpPr>
+        <p:spPr>
+          <a:xfrm>
+            <a:off x="1189918" y="838200"/>
+            <a:ext cx="7649282" cy="0"/>
+          </a:xfrm>
+          <a:prstGeom prst="line">
+            <a:avLst/>
+          </a:prstGeom>
+          <a:ln w="50800">
+            <a:solidFill>
+              <a:srgbClr val="F20000"/>
+            </a:solidFill>
+          </a:ln>
+        </p:spPr>
+        <p:style>
+          <a:lnRef idx="1">
+            <a:schemeClr val="accent1"/>
+          </a:lnRef>
+          <a:fillRef idx="0">
+            <a:schemeClr val="accent1"/>
+          </a:fillRef>
+          <a:effectRef idx="0">
+            <a:schemeClr val="accent1"/>
+          </a:effectRef>
+          <a:fontRef idx="minor">
+            <a:schemeClr val="tx1"/>
+          </a:fontRef>
+        </p:style>
+      </p:cxnSp>
+      <p:sp>
+        <p:nvSpPr>
+          <p:cNvPr id="13" name="TextBox 12"/>
+          <p:cNvSpPr txBox="1"/>
+          <p:nvPr/>
+        </p:nvSpPr>
+        <p:spPr>
+          <a:xfrm>
+            <a:off x="1386291" y="224135"/>
+            <a:ext cx="7315200" cy="553998"/>
+          </a:xfrm>
+          <a:prstGeom prst="rect">
+            <a:avLst/>
+          </a:prstGeom>
+          <a:noFill/>
+        </p:spPr>
+        <p:txBody>
+          <a:bodyPr wrap="square" rtlCol="0">
+            <a:spAutoFit/>
+          </a:bodyPr>
+          <a:lstStyle/>
+          <a:p>
+            <a:pPr algn="ctr"/>
+            <a:r>
+              <a:rPr lang="tr-TR" sz="3000" dirty="0" smtClean="0">
+                <a:latin typeface="Times New Roman" panose="02020603050405020304" pitchFamily="18" charset="0"/>
+                <a:cs typeface="Times New Roman" panose="02020603050405020304" pitchFamily="18" charset="0"/>
+              </a:rPr>
+              <a:t>DC Link </a:t>
+            </a:r>
+            <a:r>
+              <a:rPr lang="tr-TR" sz="3000" dirty="0" err="1" smtClean="0">
+                <a:latin typeface="Times New Roman" panose="02020603050405020304" pitchFamily="18" charset="0"/>
+                <a:cs typeface="Times New Roman" panose="02020603050405020304" pitchFamily="18" charset="0"/>
+              </a:rPr>
+              <a:t>Capacitors</a:t>
+            </a:r>
+            <a:endParaRPr lang="tr-TR" sz="3000" dirty="0">
+              <a:latin typeface="Times New Roman" panose="02020603050405020304" pitchFamily="18" charset="0"/>
+              <a:cs typeface="Times New Roman" panose="02020603050405020304" pitchFamily="18" charset="0"/>
+            </a:endParaRPr>
+          </a:p>
+        </p:txBody>
+      </p:sp>
+      <p:cxnSp>
+        <p:nvCxnSpPr>
+          <p:cNvPr id="15" name="Straight Connector 14"/>
+          <p:cNvCxnSpPr/>
+          <p:nvPr/>
+        </p:nvCxnSpPr>
+        <p:spPr>
+          <a:xfrm>
+            <a:off x="1189918" y="914400"/>
+            <a:ext cx="7649282" cy="0"/>
+          </a:xfrm>
+          <a:prstGeom prst="line">
+            <a:avLst/>
+          </a:prstGeom>
+          <a:ln w="19050">
+            <a:solidFill>
+              <a:srgbClr val="F20000"/>
+            </a:solidFill>
+          </a:ln>
+        </p:spPr>
+        <p:style>
+          <a:lnRef idx="1">
+            <a:schemeClr val="accent1"/>
+          </a:lnRef>
+          <a:fillRef idx="0">
+            <a:schemeClr val="accent1"/>
+          </a:fillRef>
+          <a:effectRef idx="0">
+            <a:schemeClr val="accent1"/>
+          </a:effectRef>
+          <a:fontRef idx="minor">
+            <a:schemeClr val="tx1"/>
+          </a:fontRef>
+        </p:style>
+      </p:cxnSp>
+      <p:sp>
+        <p:nvSpPr>
+          <p:cNvPr id="2" name="Slide Number Placeholder 1"/>
+          <p:cNvSpPr>
+            <a:spLocks noGrp="1"/>
+          </p:cNvSpPr>
+          <p:nvPr>
+            <p:ph type="sldNum" sz="quarter" idx="12"/>
+          </p:nvPr>
+        </p:nvSpPr>
+        <p:spPr/>
+        <p:txBody>
+          <a:bodyPr/>
+          <a:lstStyle/>
+          <a:p>
+            <a:fld id="{B6F15528-21DE-4FAA-801E-634DDDAF4B2B}" type="slidenum">
+              <a:rPr lang="en-US" smtClean="0"/>
+              <a:pPr/>
+              <a:t>13</a:t>
+            </a:fld>
+            <a:endParaRPr lang="en-US" dirty="0"/>
+          </a:p>
+        </p:txBody>
+      </p:sp>
+      <p:pic>
+        <p:nvPicPr>
+          <p:cNvPr id="14" name="Picture 2" descr="C:\Users\Mesut\Desktop\aselsan sunum\aselsan sunum 10 ekim\aselsan sunum\cezmi bey\ODTU.png"/>
+          <p:cNvPicPr>
+            <a:picLocks noChangeAspect="1" noChangeArrowheads="1"/>
+          </p:cNvPicPr>
+          <p:nvPr/>
+        </p:nvPicPr>
+        <p:blipFill>
+          <a:blip r:embed="rId2" cstate="print">
+            <a:extLst>
+              <a:ext uri="{28A0092B-C50C-407E-A947-70E740481C1C}">
+                <a14:useLocalDpi xmlns:a14="http://schemas.microsoft.com/office/drawing/2010/main" val="0"/>
+              </a:ext>
+            </a:extLst>
+          </a:blip>
+          <a:srcRect/>
+          <a:stretch>
+            <a:fillRect/>
+          </a:stretch>
+        </p:blipFill>
+        <p:spPr bwMode="auto">
+          <a:xfrm>
+            <a:off x="163507" y="266700"/>
+            <a:ext cx="684927" cy="571500"/>
+          </a:xfrm>
+          <a:prstGeom prst="rect">
+            <a:avLst/>
+          </a:prstGeom>
+          <a:noFill/>
+          <a:extLst>
+            <a:ext uri="{909E8E84-426E-40DD-AFC4-6F175D3DCCD1}">
+              <a14:hiddenFill xmlns:a14="http://schemas.microsoft.com/office/drawing/2010/main">
+                <a:solidFill>
+                  <a:srgbClr val="FFFFFF"/>
+                </a:solidFill>
+              </a14:hiddenFill>
+            </a:ext>
+          </a:extLst>
+        </p:spPr>
+      </p:pic>
+      <p:sp>
+        <p:nvSpPr>
+          <p:cNvPr id="16" name="Text Box 9"/>
+          <p:cNvSpPr txBox="1">
+            <a:spLocks noChangeArrowheads="1"/>
+          </p:cNvSpPr>
+          <p:nvPr/>
+        </p:nvSpPr>
+        <p:spPr bwMode="auto">
+          <a:xfrm>
+            <a:off x="1189918" y="1591640"/>
+            <a:ext cx="3414309" cy="1015663"/>
+          </a:xfrm>
+          <a:prstGeom prst="rect">
+            <a:avLst/>
+          </a:prstGeom>
+          <a:noFill/>
+          <a:ln w="9525">
+            <a:noFill/>
+            <a:miter lim="800000"/>
+            <a:headEnd/>
+            <a:tailEnd/>
+          </a:ln>
+          <a:effectLst/>
+        </p:spPr>
+        <p:txBody>
+          <a:bodyPr wrap="square">
+            <a:spAutoFit/>
+          </a:bodyPr>
+          <a:lstStyle/>
+          <a:p>
+            <a:r>
+              <a:rPr lang="en-US" sz="2000" dirty="0">
+                <a:latin typeface="Times New Roman" panose="02020603050405020304" pitchFamily="18" charset="0"/>
+                <a:cs typeface="Times New Roman" panose="02020603050405020304" pitchFamily="18" charset="0"/>
+              </a:rPr>
+              <a:t>DC link capacitors </a:t>
+            </a:r>
+            <a:r>
+              <a:rPr lang="en-US" sz="2000" dirty="0" smtClean="0">
+                <a:latin typeface="Times New Roman" panose="02020603050405020304" pitchFamily="18" charset="0"/>
+                <a:cs typeface="Times New Roman" panose="02020603050405020304" pitchFamily="18" charset="0"/>
+              </a:rPr>
+              <a:t>constitute</a:t>
+            </a:r>
+            <a:endParaRPr lang="tr-TR" sz="2000" dirty="0">
+              <a:latin typeface="Times New Roman" panose="02020603050405020304" pitchFamily="18" charset="0"/>
+              <a:cs typeface="Times New Roman" panose="02020603050405020304" pitchFamily="18" charset="0"/>
+            </a:endParaRPr>
+          </a:p>
+          <a:p>
+            <a:pPr marL="457200" indent="-457200">
+              <a:buFont typeface="Arial" panose="020B0604020202020204" pitchFamily="34" charset="0"/>
+              <a:buChar char="•"/>
+            </a:pPr>
+            <a:r>
+              <a:rPr lang="en-US" sz="2000" dirty="0">
+                <a:latin typeface="Times New Roman" panose="02020603050405020304" pitchFamily="18" charset="0"/>
+                <a:cs typeface="Times New Roman" panose="02020603050405020304" pitchFamily="18" charset="0"/>
+              </a:rPr>
+              <a:t>20% of </a:t>
+            </a:r>
+            <a:r>
+              <a:rPr lang="en-US" sz="2000" b="1" dirty="0">
+                <a:latin typeface="Times New Roman" panose="02020603050405020304" pitchFamily="18" charset="0"/>
+                <a:cs typeface="Times New Roman" panose="02020603050405020304" pitchFamily="18" charset="0"/>
+              </a:rPr>
+              <a:t>cost</a:t>
+            </a:r>
+            <a:r>
+              <a:rPr lang="en-US" sz="2000" dirty="0">
+                <a:latin typeface="Times New Roman" panose="02020603050405020304" pitchFamily="18" charset="0"/>
+                <a:cs typeface="Times New Roman" panose="02020603050405020304" pitchFamily="18" charset="0"/>
+              </a:rPr>
+              <a:t> and </a:t>
+            </a:r>
+            <a:r>
+              <a:rPr lang="en-US" sz="2000" b="1" dirty="0" smtClean="0">
+                <a:latin typeface="Times New Roman" panose="02020603050405020304" pitchFamily="18" charset="0"/>
+                <a:cs typeface="Times New Roman" panose="02020603050405020304" pitchFamily="18" charset="0"/>
+              </a:rPr>
+              <a:t>weight</a:t>
+            </a:r>
+            <a:endParaRPr lang="tr-TR" sz="2000" dirty="0">
+              <a:latin typeface="Times New Roman" panose="02020603050405020304" pitchFamily="18" charset="0"/>
+              <a:cs typeface="Times New Roman" panose="02020603050405020304" pitchFamily="18" charset="0"/>
+            </a:endParaRPr>
+          </a:p>
+          <a:p>
+            <a:pPr marL="457200" indent="-457200">
+              <a:buFont typeface="Arial" panose="020B0604020202020204" pitchFamily="34" charset="0"/>
+              <a:buChar char="•"/>
+            </a:pPr>
+            <a:r>
+              <a:rPr lang="en-US" sz="2000" dirty="0">
+                <a:latin typeface="Times New Roman" panose="02020603050405020304" pitchFamily="18" charset="0"/>
+                <a:cs typeface="Times New Roman" panose="02020603050405020304" pitchFamily="18" charset="0"/>
+              </a:rPr>
+              <a:t>30% of </a:t>
+            </a:r>
+            <a:r>
+              <a:rPr lang="en-US" sz="2000" b="1" dirty="0" smtClean="0">
+                <a:latin typeface="Times New Roman" panose="02020603050405020304" pitchFamily="18" charset="0"/>
+                <a:cs typeface="Times New Roman" panose="02020603050405020304" pitchFamily="18" charset="0"/>
+              </a:rPr>
+              <a:t>volume</a:t>
+            </a:r>
+            <a:endParaRPr lang="en-US" sz="2000" b="1" dirty="0">
+              <a:latin typeface="Times New Roman" panose="02020603050405020304" pitchFamily="18" charset="0"/>
+              <a:cs typeface="Times New Roman" panose="02020603050405020304" pitchFamily="18" charset="0"/>
+            </a:endParaRPr>
+          </a:p>
+        </p:txBody>
+      </p:sp>
+      <p:pic>
+        <p:nvPicPr>
+          <p:cNvPr id="17" name="Picture 16"/>
+          <p:cNvPicPr>
+            <a:picLocks noChangeAspect="1"/>
+          </p:cNvPicPr>
+          <p:nvPr/>
+        </p:nvPicPr>
+        <p:blipFill>
+          <a:blip r:embed="rId3"/>
+          <a:stretch>
+            <a:fillRect/>
+          </a:stretch>
+        </p:blipFill>
+        <p:spPr>
+          <a:xfrm>
+            <a:off x="4495800" y="1199210"/>
+            <a:ext cx="4419600" cy="1771335"/>
+          </a:xfrm>
+          <a:prstGeom prst="rect">
+            <a:avLst/>
+          </a:prstGeom>
+        </p:spPr>
+      </p:pic>
+      <p:sp>
+        <p:nvSpPr>
+          <p:cNvPr id="18" name="Text Box 9"/>
+          <p:cNvSpPr txBox="1">
+            <a:spLocks noChangeArrowheads="1"/>
+          </p:cNvSpPr>
+          <p:nvPr/>
+        </p:nvSpPr>
+        <p:spPr bwMode="auto">
+          <a:xfrm>
+            <a:off x="1218493" y="3226488"/>
+            <a:ext cx="3414309" cy="1015663"/>
+          </a:xfrm>
+          <a:prstGeom prst="rect">
+            <a:avLst/>
+          </a:prstGeom>
+          <a:noFill/>
+          <a:ln w="9525">
+            <a:noFill/>
+            <a:miter lim="800000"/>
+            <a:headEnd/>
+            <a:tailEnd/>
+          </a:ln>
+          <a:effectLst/>
+        </p:spPr>
+        <p:txBody>
+          <a:bodyPr wrap="square">
+            <a:spAutoFit/>
+          </a:bodyPr>
+          <a:lstStyle/>
+          <a:p>
+            <a:pPr marL="342900" indent="-342900">
+              <a:buFont typeface="Wingdings" panose="05000000000000000000" pitchFamily="2" charset="2"/>
+              <a:buChar char="ü"/>
+            </a:pPr>
+            <a:r>
+              <a:rPr lang="tr-TR" sz="2000" b="1" dirty="0" smtClean="0">
+                <a:latin typeface="Times New Roman" panose="02020603050405020304" pitchFamily="18" charset="0"/>
+                <a:cs typeface="Times New Roman" panose="02020603050405020304" pitchFamily="18" charset="0"/>
+              </a:rPr>
+              <a:t>DC Link </a:t>
+            </a:r>
+            <a:r>
+              <a:rPr lang="tr-TR" sz="2000" b="1" dirty="0" err="1" smtClean="0">
+                <a:latin typeface="Times New Roman" panose="02020603050405020304" pitchFamily="18" charset="0"/>
+                <a:cs typeface="Times New Roman" panose="02020603050405020304" pitchFamily="18" charset="0"/>
+              </a:rPr>
+              <a:t>capacitor</a:t>
+            </a:r>
+            <a:r>
+              <a:rPr lang="tr-TR" sz="2000" b="1" dirty="0" smtClean="0">
+                <a:latin typeface="Times New Roman" panose="02020603050405020304" pitchFamily="18" charset="0"/>
+                <a:cs typeface="Times New Roman" panose="02020603050405020304" pitchFamily="18" charset="0"/>
+              </a:rPr>
+              <a:t> </a:t>
+            </a:r>
+            <a:r>
+              <a:rPr lang="tr-TR" sz="2000" b="1" dirty="0" err="1" smtClean="0">
+                <a:latin typeface="Times New Roman" panose="02020603050405020304" pitchFamily="18" charset="0"/>
+                <a:cs typeface="Times New Roman" panose="02020603050405020304" pitchFamily="18" charset="0"/>
+              </a:rPr>
+              <a:t>duties</a:t>
+            </a:r>
+            <a:endParaRPr lang="tr-TR" sz="2000" b="1" dirty="0" smtClean="0">
+              <a:latin typeface="Times New Roman" panose="02020603050405020304" pitchFamily="18" charset="0"/>
+              <a:cs typeface="Times New Roman" panose="02020603050405020304" pitchFamily="18" charset="0"/>
+            </a:endParaRPr>
+          </a:p>
+          <a:p>
+            <a:pPr marL="342900" indent="-342900">
+              <a:buFont typeface="Wingdings" panose="05000000000000000000" pitchFamily="2" charset="2"/>
+              <a:buChar char="ü"/>
+            </a:pPr>
+            <a:r>
+              <a:rPr lang="tr-TR" sz="2000" b="1" dirty="0" smtClean="0">
+                <a:latin typeface="Times New Roman" panose="02020603050405020304" pitchFamily="18" charset="0"/>
+                <a:cs typeface="Times New Roman" panose="02020603050405020304" pitchFamily="18" charset="0"/>
+              </a:rPr>
+              <a:t>DC Link </a:t>
+            </a:r>
+            <a:r>
+              <a:rPr lang="tr-TR" sz="2000" b="1" dirty="0" err="1" smtClean="0">
+                <a:latin typeface="Times New Roman" panose="02020603050405020304" pitchFamily="18" charset="0"/>
+                <a:cs typeface="Times New Roman" panose="02020603050405020304" pitchFamily="18" charset="0"/>
+              </a:rPr>
+              <a:t>capacitor</a:t>
+            </a:r>
+            <a:r>
+              <a:rPr lang="tr-TR" sz="2000" b="1" dirty="0" smtClean="0">
+                <a:latin typeface="Times New Roman" panose="02020603050405020304" pitchFamily="18" charset="0"/>
+                <a:cs typeface="Times New Roman" panose="02020603050405020304" pitchFamily="18" charset="0"/>
+              </a:rPr>
+              <a:t> </a:t>
+            </a:r>
+            <a:r>
+              <a:rPr lang="tr-TR" sz="2000" b="1" dirty="0" err="1" smtClean="0">
+                <a:latin typeface="Times New Roman" panose="02020603050405020304" pitchFamily="18" charset="0"/>
+                <a:cs typeface="Times New Roman" panose="02020603050405020304" pitchFamily="18" charset="0"/>
+              </a:rPr>
+              <a:t>types</a:t>
+            </a:r>
+            <a:endParaRPr lang="tr-TR" sz="2000" b="1" smtClean="0">
+              <a:latin typeface="Times New Roman" panose="02020603050405020304" pitchFamily="18" charset="0"/>
+              <a:cs typeface="Times New Roman" panose="02020603050405020304" pitchFamily="18" charset="0"/>
+            </a:endParaRPr>
+          </a:p>
+          <a:p>
+            <a:pPr marL="342900" indent="-342900">
+              <a:buFont typeface="Wingdings" panose="05000000000000000000" pitchFamily="2" charset="2"/>
+              <a:buChar char="ü"/>
+            </a:pPr>
+            <a:endParaRPr lang="en-US" sz="2000" b="1" dirty="0">
+              <a:latin typeface="Times New Roman" panose="02020603050405020304" pitchFamily="18" charset="0"/>
+              <a:cs typeface="Times New Roman" panose="02020603050405020304" pitchFamily="18" charset="0"/>
+            </a:endParaRPr>
+          </a:p>
+        </p:txBody>
+      </p:sp>
+    </p:spTree>
+    <p:extLst>
+      <p:ext uri="{BB962C8B-B14F-4D97-AF65-F5344CB8AC3E}">
+        <p14:creationId xmlns:p14="http://schemas.microsoft.com/office/powerpoint/2010/main" val="2100869910"/>
+      </p:ext>
+    </p:extLst>
+  </p:cSld>
+  <p:clrMapOvr>
+    <a:masterClrMapping/>
+  </p:clrMapOvr>
+  <p:timing>
+    <p:tnLst>
+      <p:par>
+        <p:cTn id="1" dur="indefinite" restart="never" nodeType="tmRoot"/>
+      </p:par>
+    </p:tnLst>
+  </p:timing>
+</p:sld>
+</file>
+
+<file path=ppt/slides/slide14.xml><?xml version="1.0" encoding="utf-8"?>
+<p:sld xmlns:a="http://schemas.openxmlformats.org/drawingml/2006/main" xmlns:r="http://schemas.openxmlformats.org/officeDocument/2006/relationships" xmlns:p="http://schemas.openxmlformats.org/presentationml/2006/main">
+  <p:cSld>
+    <p:spTree>
+      <p:nvGrpSpPr>
+        <p:cNvPr id="1" name=""/>
+        <p:cNvGrpSpPr/>
+        <p:nvPr/>
+      </p:nvGrpSpPr>
+      <p:grpSpPr>
+        <a:xfrm>
+          <a:off x="0" y="0"/>
+          <a:ext cx="0" cy="0"/>
+          <a:chOff x="0" y="0"/>
+          <a:chExt cx="0" cy="0"/>
+        </a:xfrm>
+      </p:grpSpPr>
+      <p:sp>
+        <p:nvSpPr>
+          <p:cNvPr id="10" name="Rectangle 9"/>
+          <p:cNvSpPr/>
+          <p:nvPr/>
+        </p:nvSpPr>
+        <p:spPr>
+          <a:xfrm>
+            <a:off x="0" y="12106"/>
+            <a:ext cx="1011942" cy="6854083"/>
+          </a:xfrm>
+          <a:prstGeom prst="rect">
+            <a:avLst/>
+          </a:prstGeom>
+          <a:gradFill flip="none" rotWithShape="1">
+            <a:gsLst>
+              <a:gs pos="50000">
+                <a:srgbClr val="D00000"/>
+              </a:gs>
+              <a:gs pos="0">
+                <a:srgbClr val="FF0000">
+                  <a:shade val="30000"/>
+                  <a:satMod val="115000"/>
+                </a:srgbClr>
+              </a:gs>
+              <a:gs pos="100000">
+                <a:schemeClr val="accent2">
+                  <a:lumMod val="60000"/>
+                  <a:lumOff val="40000"/>
+                </a:schemeClr>
+              </a:gs>
+            </a:gsLst>
+            <a:lin ang="5400000" scaled="1"/>
+            <a:tileRect/>
+          </a:gradFill>
+          <a:ln>
+            <a:noFill/>
+          </a:ln>
+        </p:spPr>
+        <p:style>
+          <a:lnRef idx="2">
+            <a:schemeClr val="accent1">
+              <a:shade val="50000"/>
+            </a:schemeClr>
+          </a:lnRef>
+          <a:fillRef idx="1">
+            <a:schemeClr val="accent1"/>
+          </a:fillRef>
+          <a:effectRef idx="0">
+            <a:schemeClr val="accent1"/>
+          </a:effectRef>
+          <a:fontRef idx="minor">
+            <a:schemeClr val="lt1"/>
+          </a:fontRef>
+        </p:style>
+        <p:txBody>
+          <a:bodyPr rtlCol="0" anchor="ctr"/>
+          <a:lstStyle/>
+          <a:p>
+            <a:pPr algn="ctr"/>
+            <a:endParaRPr lang="tr-TR"/>
+          </a:p>
+        </p:txBody>
+      </p:sp>
+      <p:cxnSp>
+        <p:nvCxnSpPr>
+          <p:cNvPr id="11" name="Straight Connector 10"/>
+          <p:cNvCxnSpPr/>
+          <p:nvPr/>
+        </p:nvCxnSpPr>
+        <p:spPr>
+          <a:xfrm>
+            <a:off x="1189918" y="838200"/>
+            <a:ext cx="7649282" cy="0"/>
+          </a:xfrm>
+          <a:prstGeom prst="line">
+            <a:avLst/>
+          </a:prstGeom>
+          <a:ln w="50800">
+            <a:solidFill>
+              <a:srgbClr val="F20000"/>
+            </a:solidFill>
+          </a:ln>
+        </p:spPr>
+        <p:style>
+          <a:lnRef idx="1">
+            <a:schemeClr val="accent1"/>
+          </a:lnRef>
+          <a:fillRef idx="0">
+            <a:schemeClr val="accent1"/>
+          </a:fillRef>
+          <a:effectRef idx="0">
+            <a:schemeClr val="accent1"/>
+          </a:effectRef>
+          <a:fontRef idx="minor">
+            <a:schemeClr val="tx1"/>
+          </a:fontRef>
+        </p:style>
+      </p:cxnSp>
+      <p:sp>
+        <p:nvSpPr>
+          <p:cNvPr id="13" name="TextBox 12"/>
+          <p:cNvSpPr txBox="1"/>
+          <p:nvPr/>
+        </p:nvSpPr>
+        <p:spPr>
+          <a:xfrm>
+            <a:off x="1386291" y="224135"/>
+            <a:ext cx="7315200" cy="553998"/>
+          </a:xfrm>
+          <a:prstGeom prst="rect">
+            <a:avLst/>
+          </a:prstGeom>
+          <a:noFill/>
+        </p:spPr>
+        <p:txBody>
+          <a:bodyPr wrap="square" rtlCol="0">
+            <a:spAutoFit/>
+          </a:bodyPr>
+          <a:lstStyle/>
+          <a:p>
+            <a:pPr algn="ctr"/>
+            <a:r>
+              <a:rPr lang="tr-TR" sz="3000" dirty="0" err="1" smtClean="0">
+                <a:latin typeface="Times New Roman" panose="02020603050405020304" pitchFamily="18" charset="0"/>
+                <a:cs typeface="Times New Roman" panose="02020603050405020304" pitchFamily="18" charset="0"/>
+              </a:rPr>
+              <a:t>Challenges</a:t>
+            </a:r>
+            <a:endParaRPr lang="tr-TR" sz="3000" dirty="0">
+              <a:latin typeface="Times New Roman" panose="02020603050405020304" pitchFamily="18" charset="0"/>
+              <a:cs typeface="Times New Roman" panose="02020603050405020304" pitchFamily="18" charset="0"/>
+            </a:endParaRPr>
+          </a:p>
+        </p:txBody>
+      </p:sp>
+      <p:cxnSp>
+        <p:nvCxnSpPr>
+          <p:cNvPr id="15" name="Straight Connector 14"/>
+          <p:cNvCxnSpPr/>
+          <p:nvPr/>
+        </p:nvCxnSpPr>
+        <p:spPr>
+          <a:xfrm>
+            <a:off x="1189918" y="914400"/>
+            <a:ext cx="7649282" cy="0"/>
+          </a:xfrm>
+          <a:prstGeom prst="line">
+            <a:avLst/>
+          </a:prstGeom>
+          <a:ln w="19050">
+            <a:solidFill>
+              <a:srgbClr val="F20000"/>
+            </a:solidFill>
+          </a:ln>
+        </p:spPr>
+        <p:style>
+          <a:lnRef idx="1">
+            <a:schemeClr val="accent1"/>
+          </a:lnRef>
+          <a:fillRef idx="0">
+            <a:schemeClr val="accent1"/>
+          </a:fillRef>
+          <a:effectRef idx="0">
+            <a:schemeClr val="accent1"/>
+          </a:effectRef>
+          <a:fontRef idx="minor">
+            <a:schemeClr val="tx1"/>
+          </a:fontRef>
+        </p:style>
+      </p:cxnSp>
+      <p:sp>
+        <p:nvSpPr>
+          <p:cNvPr id="2" name="Slide Number Placeholder 1"/>
+          <p:cNvSpPr>
+            <a:spLocks noGrp="1"/>
+          </p:cNvSpPr>
+          <p:nvPr>
+            <p:ph type="sldNum" sz="quarter" idx="12"/>
+          </p:nvPr>
+        </p:nvSpPr>
+        <p:spPr/>
+        <p:txBody>
+          <a:bodyPr/>
+          <a:lstStyle/>
+          <a:p>
+            <a:fld id="{B6F15528-21DE-4FAA-801E-634DDDAF4B2B}" type="slidenum">
+              <a:rPr lang="en-US" smtClean="0"/>
+              <a:pPr/>
+              <a:t>14</a:t>
+            </a:fld>
+            <a:endParaRPr lang="en-US" dirty="0"/>
+          </a:p>
+        </p:txBody>
+      </p:sp>
+      <p:pic>
+        <p:nvPicPr>
+          <p:cNvPr id="14" name="Picture 2" descr="C:\Users\Mesut\Desktop\aselsan sunum\aselsan sunum 10 ekim\aselsan sunum\cezmi bey\ODTU.png"/>
+          <p:cNvPicPr>
+            <a:picLocks noChangeAspect="1" noChangeArrowheads="1"/>
+          </p:cNvPicPr>
+          <p:nvPr/>
+        </p:nvPicPr>
+        <p:blipFill>
+          <a:blip r:embed="rId2" cstate="print">
+            <a:extLst>
+              <a:ext uri="{28A0092B-C50C-407E-A947-70E740481C1C}">
+                <a14:useLocalDpi xmlns:a14="http://schemas.microsoft.com/office/drawing/2010/main" val="0"/>
+              </a:ext>
+            </a:extLst>
+          </a:blip>
+          <a:srcRect/>
+          <a:stretch>
+            <a:fillRect/>
+          </a:stretch>
+        </p:blipFill>
+        <p:spPr bwMode="auto">
+          <a:xfrm>
+            <a:off x="163507" y="266700"/>
+            <a:ext cx="684927" cy="571500"/>
+          </a:xfrm>
+          <a:prstGeom prst="rect">
+            <a:avLst/>
+          </a:prstGeom>
+          <a:noFill/>
+          <a:extLst>
+            <a:ext uri="{909E8E84-426E-40DD-AFC4-6F175D3DCCD1}">
+              <a14:hiddenFill xmlns:a14="http://schemas.microsoft.com/office/drawing/2010/main">
+                <a:solidFill>
+                  <a:srgbClr val="FFFFFF"/>
+                </a:solidFill>
+              </a14:hiddenFill>
+            </a:ext>
+          </a:extLst>
+        </p:spPr>
+      </p:pic>
+    </p:spTree>
+    <p:extLst>
+      <p:ext uri="{BB962C8B-B14F-4D97-AF65-F5344CB8AC3E}">
+        <p14:creationId xmlns:p14="http://schemas.microsoft.com/office/powerpoint/2010/main" val="471846561"/>
+      </p:ext>
+    </p:extLst>
+  </p:cSld>
+  <p:clrMapOvr>
+    <a:masterClrMapping/>
+  </p:clrMapOvr>
+  <p:timing>
+    <p:tnLst>
+      <p:par>
+        <p:cTn id="1" dur="indefinite" restart="never" nodeType="tmRoot"/>
+      </p:par>
+    </p:tnLst>
+  </p:timing>
+</p:sld>
+</file>
+
+<file path=ppt/slides/slide15.xml><?xml version="1.0" encoding="utf-8"?>
+<p:sld xmlns:a="http://schemas.openxmlformats.org/drawingml/2006/main" xmlns:r="http://schemas.openxmlformats.org/officeDocument/2006/relationships" xmlns:p="http://schemas.openxmlformats.org/presentationml/2006/main">
+  <p:cSld>
+    <p:spTree>
+      <p:nvGrpSpPr>
+        <p:cNvPr id="1" name=""/>
+        <p:cNvGrpSpPr/>
+        <p:nvPr/>
+      </p:nvGrpSpPr>
+      <p:grpSpPr>
+        <a:xfrm>
+          <a:off x="0" y="0"/>
+          <a:ext cx="0" cy="0"/>
+          <a:chOff x="0" y="0"/>
+          <a:chExt cx="0" cy="0"/>
+        </a:xfrm>
+      </p:grpSpPr>
+      <p:sp>
+        <p:nvSpPr>
+          <p:cNvPr id="10" name="Rectangle 9"/>
+          <p:cNvSpPr/>
+          <p:nvPr/>
+        </p:nvSpPr>
+        <p:spPr>
+          <a:xfrm>
+            <a:off x="0" y="12106"/>
+            <a:ext cx="1011942" cy="6854083"/>
+          </a:xfrm>
+          <a:prstGeom prst="rect">
+            <a:avLst/>
+          </a:prstGeom>
+          <a:gradFill flip="none" rotWithShape="1">
+            <a:gsLst>
+              <a:gs pos="50000">
+                <a:srgbClr val="D00000"/>
+              </a:gs>
+              <a:gs pos="0">
+                <a:srgbClr val="FF0000">
+                  <a:shade val="30000"/>
+                  <a:satMod val="115000"/>
+                </a:srgbClr>
+              </a:gs>
+              <a:gs pos="100000">
+                <a:schemeClr val="accent2">
+                  <a:lumMod val="60000"/>
+                  <a:lumOff val="40000"/>
+                </a:schemeClr>
+              </a:gs>
+            </a:gsLst>
+            <a:lin ang="5400000" scaled="1"/>
+            <a:tileRect/>
+          </a:gradFill>
+          <a:ln>
+            <a:noFill/>
+          </a:ln>
+        </p:spPr>
+        <p:style>
+          <a:lnRef idx="2">
+            <a:schemeClr val="accent1">
+              <a:shade val="50000"/>
+            </a:schemeClr>
+          </a:lnRef>
+          <a:fillRef idx="1">
+            <a:schemeClr val="accent1"/>
+          </a:fillRef>
+          <a:effectRef idx="0">
+            <a:schemeClr val="accent1"/>
+          </a:effectRef>
+          <a:fontRef idx="minor">
+            <a:schemeClr val="lt1"/>
+          </a:fontRef>
+        </p:style>
+        <p:txBody>
+          <a:bodyPr rtlCol="0" anchor="ctr"/>
+          <a:lstStyle/>
+          <a:p>
+            <a:pPr algn="ctr"/>
+            <a:endParaRPr lang="tr-TR"/>
+          </a:p>
+        </p:txBody>
+      </p:sp>
+      <p:cxnSp>
+        <p:nvCxnSpPr>
+          <p:cNvPr id="11" name="Straight Connector 10"/>
+          <p:cNvCxnSpPr/>
+          <p:nvPr/>
+        </p:nvCxnSpPr>
+        <p:spPr>
+          <a:xfrm>
+            <a:off x="1189918" y="838200"/>
+            <a:ext cx="7649282" cy="0"/>
+          </a:xfrm>
+          <a:prstGeom prst="line">
+            <a:avLst/>
+          </a:prstGeom>
+          <a:ln w="50800">
+            <a:solidFill>
+              <a:srgbClr val="F20000"/>
+            </a:solidFill>
+          </a:ln>
+        </p:spPr>
+        <p:style>
+          <a:lnRef idx="1">
+            <a:schemeClr val="accent1"/>
+          </a:lnRef>
+          <a:fillRef idx="0">
+            <a:schemeClr val="accent1"/>
+          </a:fillRef>
+          <a:effectRef idx="0">
+            <a:schemeClr val="accent1"/>
+          </a:effectRef>
+          <a:fontRef idx="minor">
+            <a:schemeClr val="tx1"/>
+          </a:fontRef>
+        </p:style>
+      </p:cxnSp>
+      <p:cxnSp>
+        <p:nvCxnSpPr>
+          <p:cNvPr id="15" name="Straight Connector 14"/>
+          <p:cNvCxnSpPr/>
+          <p:nvPr/>
+        </p:nvCxnSpPr>
+        <p:spPr>
+          <a:xfrm>
+            <a:off x="1189918" y="914400"/>
+            <a:ext cx="7649282" cy="0"/>
+          </a:xfrm>
+          <a:prstGeom prst="line">
+            <a:avLst/>
+          </a:prstGeom>
+          <a:ln w="19050">
+            <a:solidFill>
+              <a:srgbClr val="F20000"/>
+            </a:solidFill>
+          </a:ln>
+        </p:spPr>
+        <p:style>
+          <a:lnRef idx="1">
+            <a:schemeClr val="accent1"/>
+          </a:lnRef>
+          <a:fillRef idx="0">
+            <a:schemeClr val="accent1"/>
+          </a:fillRef>
+          <a:effectRef idx="0">
+            <a:schemeClr val="accent1"/>
+          </a:effectRef>
+          <a:fontRef idx="minor">
+            <a:schemeClr val="tx1"/>
+          </a:fontRef>
+        </p:style>
+      </p:cxnSp>
+      <p:sp>
+        <p:nvSpPr>
+          <p:cNvPr id="2" name="Slide Number Placeholder 1"/>
+          <p:cNvSpPr>
+            <a:spLocks noGrp="1"/>
+          </p:cNvSpPr>
+          <p:nvPr>
+            <p:ph type="sldNum" sz="quarter" idx="12"/>
+          </p:nvPr>
+        </p:nvSpPr>
+        <p:spPr/>
+        <p:txBody>
+          <a:bodyPr/>
+          <a:lstStyle/>
+          <a:p>
+            <a:fld id="{B6F15528-21DE-4FAA-801E-634DDDAF4B2B}" type="slidenum">
+              <a:rPr lang="en-US" smtClean="0"/>
+              <a:pPr/>
+              <a:t>15</a:t>
+            </a:fld>
+            <a:endParaRPr lang="en-US" dirty="0"/>
+          </a:p>
+        </p:txBody>
+      </p:sp>
+      <p:pic>
+        <p:nvPicPr>
+          <p:cNvPr id="14" name="Picture 2" descr="C:\Users\Mesut\Desktop\aselsan sunum\aselsan sunum 10 ekim\aselsan sunum\cezmi bey\ODTU.png"/>
+          <p:cNvPicPr>
+            <a:picLocks noChangeAspect="1" noChangeArrowheads="1"/>
+          </p:cNvPicPr>
+          <p:nvPr/>
+        </p:nvPicPr>
+        <p:blipFill>
+          <a:blip r:embed="rId2" cstate="print">
+            <a:extLst>
+              <a:ext uri="{28A0092B-C50C-407E-A947-70E740481C1C}">
+                <a14:useLocalDpi xmlns:a14="http://schemas.microsoft.com/office/drawing/2010/main" val="0"/>
+              </a:ext>
+            </a:extLst>
+          </a:blip>
+          <a:srcRect/>
+          <a:stretch>
+            <a:fillRect/>
+          </a:stretch>
+        </p:blipFill>
+        <p:spPr bwMode="auto">
+          <a:xfrm>
+            <a:off x="163507" y="266700"/>
+            <a:ext cx="684927" cy="571500"/>
+          </a:xfrm>
+          <a:prstGeom prst="rect">
+            <a:avLst/>
+          </a:prstGeom>
+          <a:noFill/>
+          <a:extLst>
+            <a:ext uri="{909E8E84-426E-40DD-AFC4-6F175D3DCCD1}">
+              <a14:hiddenFill xmlns:a14="http://schemas.microsoft.com/office/drawing/2010/main">
+                <a:solidFill>
+                  <a:srgbClr val="FFFFFF"/>
+                </a:solidFill>
+              </a14:hiddenFill>
+            </a:ext>
+          </a:extLst>
+        </p:spPr>
+      </p:pic>
+      <p:sp>
+        <p:nvSpPr>
+          <p:cNvPr id="3" name="Rectangle 2"/>
+          <p:cNvSpPr>
+            <a:spLocks noChangeArrowheads="1"/>
+          </p:cNvSpPr>
+          <p:nvPr/>
+        </p:nvSpPr>
+        <p:spPr bwMode="auto">
+          <a:xfrm>
+            <a:off x="2057400" y="2438400"/>
+            <a:ext cx="9144000" cy="0"/>
+          </a:xfrm>
+          <a:prstGeom prst="rect">
+            <a:avLst/>
+          </a:prstGeom>
+          <a:noFill/>
+          <a:ln>
+            <a:noFill/>
+          </a:ln>
+          <a:effectLst/>
+          <a:extLst>
+            <a:ext uri="{909E8E84-426E-40DD-AFC4-6F175D3DCCD1}">
+              <a14:hiddenFill xmlns:a14="http://schemas.microsoft.com/office/drawing/2010/main">
+                <a:solidFill>
+                  <a:schemeClr val="accent1"/>
+                </a:solidFill>
+              </a14:hiddenFill>
+            </a:ext>
+            <a:ext uri="{91240B29-F687-4F45-9708-019B960494DF}">
+              <a14:hiddenLine xmlns:a14="http://schemas.microsoft.com/office/drawing/2010/main" w="9525">
+                <a:solidFill>
+                  <a:schemeClr val="tx1"/>
+                </a:solidFill>
+                <a:miter lim="800000"/>
+                <a:headEnd/>
+                <a:tailEnd/>
+              </a14:hiddenLine>
+            </a:ext>
+            <a:ext uri="{AF507438-7753-43E0-B8FC-AC1667EBCBE1}">
+              <a14:hiddenEffects xmlns:a14="http://schemas.microsoft.com/office/drawing/2010/main">
+                <a:effectLst>
+                  <a:outerShdw dist="35921" dir="2700000" algn="ctr" rotWithShape="0">
+                    <a:schemeClr val="bg2"/>
+                  </a:outerShdw>
+                </a:effectLst>
+              </a14:hiddenEffects>
+            </a:ext>
+          </a:extLst>
+        </p:spPr>
+        <p:txBody>
+          <a:bodyPr vert="horz" wrap="none" lIns="91440" tIns="45720" rIns="91440" bIns="45720" numCol="1" anchor="ctr" anchorCtr="0" compatLnSpc="1">
+            <a:prstTxWarp prst="textNoShape">
+              <a:avLst/>
+            </a:prstTxWarp>
+            <a:spAutoFit/>
+          </a:bodyPr>
+          <a:lstStyle/>
+          <a:p>
+            <a:endParaRPr lang="en-US"/>
+          </a:p>
+        </p:txBody>
+      </p:sp>
+      <p:sp>
+        <p:nvSpPr>
+          <p:cNvPr id="7" name="Rectangle 4"/>
+          <p:cNvSpPr>
+            <a:spLocks noChangeArrowheads="1"/>
+          </p:cNvSpPr>
+          <p:nvPr/>
+        </p:nvSpPr>
+        <p:spPr bwMode="auto">
+          <a:xfrm flipV="1">
+            <a:off x="2743200" y="3700094"/>
+            <a:ext cx="6941431" cy="45719"/>
+          </a:xfrm>
+          <a:prstGeom prst="rect">
+            <a:avLst/>
+          </a:prstGeom>
+          <a:noFill/>
+          <a:ln>
+            <a:noFill/>
+          </a:ln>
+          <a:effectLst/>
+          <a:extLst>
+            <a:ext uri="{909E8E84-426E-40DD-AFC4-6F175D3DCCD1}">
+              <a14:hiddenFill xmlns:a14="http://schemas.microsoft.com/office/drawing/2010/main">
+                <a:solidFill>
+                  <a:schemeClr val="accent1"/>
+                </a:solidFill>
+              </a14:hiddenFill>
+            </a:ext>
+            <a:ext uri="{91240B29-F687-4F45-9708-019B960494DF}">
+              <a14:hiddenLine xmlns:a14="http://schemas.microsoft.com/office/drawing/2010/main" w="9525">
+                <a:solidFill>
+                  <a:schemeClr val="tx1"/>
+                </a:solidFill>
+                <a:miter lim="800000"/>
+                <a:headEnd/>
+                <a:tailEnd/>
+              </a14:hiddenLine>
+            </a:ext>
+            <a:ext uri="{AF507438-7753-43E0-B8FC-AC1667EBCBE1}">
+              <a14:hiddenEffects xmlns:a14="http://schemas.microsoft.com/office/drawing/2010/main">
+                <a:effectLst>
+                  <a:outerShdw dist="35921" dir="2700000" algn="ctr" rotWithShape="0">
+                    <a:schemeClr val="bg2"/>
+                  </a:outerShdw>
+                </a:effectLst>
+              </a14:hiddenEffects>
+            </a:ext>
+          </a:extLst>
+        </p:spPr>
+        <p:txBody>
+          <a:bodyPr vert="horz" wrap="square" lIns="91440" tIns="45720" rIns="91440" bIns="45720" numCol="1" anchor="ctr" anchorCtr="0" compatLnSpc="1">
+            <a:prstTxWarp prst="textNoShape">
+              <a:avLst/>
+            </a:prstTxWarp>
+            <a:spAutoFit/>
+          </a:bodyPr>
+          <a:lstStyle/>
+          <a:p>
+            <a:endParaRPr lang="en-US"/>
+          </a:p>
+        </p:txBody>
+      </p:sp>
+      <p:sp>
+        <p:nvSpPr>
+          <p:cNvPr id="12" name="TextBox 11"/>
+          <p:cNvSpPr txBox="1"/>
+          <p:nvPr/>
+        </p:nvSpPr>
+        <p:spPr>
+          <a:xfrm>
+            <a:off x="1414235" y="150600"/>
+            <a:ext cx="7282263" cy="553998"/>
+          </a:xfrm>
+          <a:prstGeom prst="rect">
+            <a:avLst/>
+          </a:prstGeom>
+          <a:noFill/>
+        </p:spPr>
+        <p:txBody>
+          <a:bodyPr wrap="square" rtlCol="0">
+            <a:spAutoFit/>
+          </a:bodyPr>
+          <a:lstStyle/>
+          <a:p>
+            <a:r>
+              <a:rPr lang="tr-TR" sz="3000" dirty="0" smtClean="0">
+                <a:latin typeface="Times New Roman" panose="02020603050405020304" pitchFamily="18" charset="0"/>
+                <a:cs typeface="Times New Roman" panose="02020603050405020304" pitchFamily="18" charset="0"/>
+              </a:rPr>
+              <a:t> </a:t>
+            </a:r>
+            <a:endParaRPr lang="en-US" sz="3000" dirty="0" smtClean="0">
+              <a:latin typeface="Times New Roman" panose="02020603050405020304" pitchFamily="18" charset="0"/>
+              <a:cs typeface="Times New Roman" panose="02020603050405020304" pitchFamily="18" charset="0"/>
+            </a:endParaRPr>
+          </a:p>
+        </p:txBody>
+      </p:sp>
+      <p:pic>
+        <p:nvPicPr>
+          <p:cNvPr id="4" name="Picture 3"/>
+          <p:cNvPicPr>
+            <a:picLocks noChangeAspect="1"/>
+          </p:cNvPicPr>
+          <p:nvPr/>
+        </p:nvPicPr>
+        <p:blipFill>
+          <a:blip r:embed="rId3"/>
+          <a:stretch>
+            <a:fillRect/>
+          </a:stretch>
+        </p:blipFill>
+        <p:spPr>
+          <a:xfrm>
+            <a:off x="1614487" y="2071687"/>
+            <a:ext cx="5915025" cy="2714625"/>
+          </a:xfrm>
+          <a:prstGeom prst="rect">
+            <a:avLst/>
+          </a:prstGeom>
+        </p:spPr>
+      </p:pic>
+    </p:spTree>
+    <p:extLst>
+      <p:ext uri="{BB962C8B-B14F-4D97-AF65-F5344CB8AC3E}">
+        <p14:creationId xmlns:p14="http://schemas.microsoft.com/office/powerpoint/2010/main" val="229237755"/>
+      </p:ext>
+    </p:extLst>
+  </p:cSld>
+  <p:clrMapOvr>
+    <a:masterClrMapping/>
+  </p:clrMapOvr>
+  <p:timing>
+    <p:tnLst>
+      <p:par>
+        <p:cTn id="1" dur="indefinite" restart="never" nodeType="tmRoot"/>
+      </p:par>
+    </p:tnLst>
+  </p:timing>
+</p:sld>
+</file>
+
+<file path=ppt/slides/slide2.xml><?xml version="1.0" encoding="utf-8"?>
+<p:sld xmlns:a="http://schemas.openxmlformats.org/drawingml/2006/main" xmlns:r="http://schemas.openxmlformats.org/officeDocument/2006/relationships" xmlns:p="http://schemas.openxmlformats.org/presentationml/2006/main">
+  <p:cSld>
+    <p:spTree>
+      <p:nvGrpSpPr>
+        <p:cNvPr id="1" name=""/>
+        <p:cNvGrpSpPr/>
+        <p:nvPr/>
+      </p:nvGrpSpPr>
+      <p:grpSpPr>
+        <a:xfrm>
+          <a:off x="0" y="0"/>
+          <a:ext cx="0" cy="0"/>
+          <a:chOff x="0" y="0"/>
+          <a:chExt cx="0" cy="0"/>
+        </a:xfrm>
+      </p:grpSpPr>
+      <p:sp>
+        <p:nvSpPr>
+          <p:cNvPr id="10" name="Rectangle 9"/>
+          <p:cNvSpPr/>
+          <p:nvPr/>
+        </p:nvSpPr>
+        <p:spPr>
+          <a:xfrm>
+            <a:off x="0" y="12106"/>
+            <a:ext cx="1011942" cy="6854083"/>
+          </a:xfrm>
+          <a:prstGeom prst="rect">
+            <a:avLst/>
+          </a:prstGeom>
+          <a:gradFill flip="none" rotWithShape="1">
+            <a:gsLst>
+              <a:gs pos="50000">
+                <a:srgbClr val="D00000"/>
+              </a:gs>
+              <a:gs pos="0">
+                <a:srgbClr val="FF0000">
+                  <a:shade val="30000"/>
+                  <a:satMod val="115000"/>
+                </a:srgbClr>
+              </a:gs>
+              <a:gs pos="100000">
+                <a:schemeClr val="accent2">
+                  <a:lumMod val="60000"/>
+                  <a:lumOff val="40000"/>
+                </a:schemeClr>
+              </a:gs>
+            </a:gsLst>
+            <a:lin ang="5400000" scaled="1"/>
+            <a:tileRect/>
+          </a:gradFill>
+          <a:ln>
+            <a:noFill/>
+          </a:ln>
+        </p:spPr>
+        <p:style>
+          <a:lnRef idx="2">
+            <a:schemeClr val="accent1">
+              <a:shade val="50000"/>
+            </a:schemeClr>
+          </a:lnRef>
+          <a:fillRef idx="1">
+            <a:schemeClr val="accent1"/>
+          </a:fillRef>
+          <a:effectRef idx="0">
+            <a:schemeClr val="accent1"/>
+          </a:effectRef>
+          <a:fontRef idx="minor">
+            <a:schemeClr val="lt1"/>
+          </a:fontRef>
+        </p:style>
+        <p:txBody>
+          <a:bodyPr rtlCol="0" anchor="ctr"/>
+          <a:lstStyle/>
+          <a:p>
+            <a:pPr algn="ctr"/>
+            <a:endParaRPr lang="tr-TR" dirty="0"/>
+          </a:p>
+        </p:txBody>
+      </p:sp>
+      <p:cxnSp>
+        <p:nvCxnSpPr>
+          <p:cNvPr id="11" name="Straight Connector 10"/>
+          <p:cNvCxnSpPr/>
+          <p:nvPr/>
+        </p:nvCxnSpPr>
+        <p:spPr>
+          <a:xfrm>
+            <a:off x="1189918" y="838200"/>
+            <a:ext cx="7649282" cy="0"/>
+          </a:xfrm>
+          <a:prstGeom prst="line">
+            <a:avLst/>
+          </a:prstGeom>
+          <a:ln w="50800">
+            <a:solidFill>
+              <a:srgbClr val="F20000"/>
+            </a:solidFill>
+          </a:ln>
+        </p:spPr>
+        <p:style>
+          <a:lnRef idx="1">
+            <a:schemeClr val="accent1"/>
+          </a:lnRef>
+          <a:fillRef idx="0">
+            <a:schemeClr val="accent1"/>
+          </a:fillRef>
+          <a:effectRef idx="0">
+            <a:schemeClr val="accent1"/>
+          </a:effectRef>
+          <a:fontRef idx="minor">
+            <a:schemeClr val="tx1"/>
+          </a:fontRef>
+        </p:style>
+      </p:cxnSp>
+      <p:sp>
+        <p:nvSpPr>
+          <p:cNvPr id="13" name="TextBox 12"/>
+          <p:cNvSpPr txBox="1"/>
+          <p:nvPr/>
+        </p:nvSpPr>
+        <p:spPr>
+          <a:xfrm>
+            <a:off x="1386291" y="224135"/>
+            <a:ext cx="7315200" cy="553998"/>
+          </a:xfrm>
+          <a:prstGeom prst="rect">
+            <a:avLst/>
+          </a:prstGeom>
+          <a:noFill/>
+        </p:spPr>
+        <p:txBody>
+          <a:bodyPr wrap="square" rtlCol="0">
+            <a:spAutoFit/>
+          </a:bodyPr>
+          <a:lstStyle/>
+          <a:p>
+            <a:pPr algn="ctr"/>
+            <a:r>
+              <a:rPr lang="en-US" sz="3000" dirty="0" smtClean="0">
+                <a:latin typeface="Times New Roman" panose="02020603050405020304" pitchFamily="18" charset="0"/>
+                <a:cs typeface="Times New Roman" panose="02020603050405020304" pitchFamily="18" charset="0"/>
+              </a:rPr>
+              <a:t>Research Group</a:t>
+            </a:r>
+            <a:endParaRPr lang="en-US" sz="3000" dirty="0">
+              <a:latin typeface="Times New Roman" panose="02020603050405020304" pitchFamily="18" charset="0"/>
+              <a:cs typeface="Times New Roman" panose="02020603050405020304" pitchFamily="18" charset="0"/>
+            </a:endParaRPr>
+          </a:p>
+        </p:txBody>
+      </p:sp>
+      <p:cxnSp>
+        <p:nvCxnSpPr>
+          <p:cNvPr id="15" name="Straight Connector 14"/>
+          <p:cNvCxnSpPr/>
+          <p:nvPr/>
+        </p:nvCxnSpPr>
+        <p:spPr>
+          <a:xfrm>
+            <a:off x="1189918" y="914400"/>
+            <a:ext cx="7649282" cy="0"/>
+          </a:xfrm>
+          <a:prstGeom prst="line">
+            <a:avLst/>
+          </a:prstGeom>
+          <a:ln w="19050">
+            <a:solidFill>
+              <a:srgbClr val="F20000"/>
+            </a:solidFill>
+          </a:ln>
+        </p:spPr>
+        <p:style>
+          <a:lnRef idx="1">
+            <a:schemeClr val="accent1"/>
+          </a:lnRef>
+          <a:fillRef idx="0">
+            <a:schemeClr val="accent1"/>
+          </a:fillRef>
+          <a:effectRef idx="0">
+            <a:schemeClr val="accent1"/>
+          </a:effectRef>
+          <a:fontRef idx="minor">
+            <a:schemeClr val="tx1"/>
+          </a:fontRef>
+        </p:style>
+      </p:cxnSp>
+      <p:sp>
+        <p:nvSpPr>
+          <p:cNvPr id="2" name="Slide Number Placeholder 1"/>
+          <p:cNvSpPr>
+            <a:spLocks noGrp="1"/>
+          </p:cNvSpPr>
+          <p:nvPr>
+            <p:ph type="sldNum" sz="quarter" idx="12"/>
+          </p:nvPr>
+        </p:nvSpPr>
+        <p:spPr/>
+        <p:txBody>
+          <a:bodyPr/>
+          <a:lstStyle/>
+          <a:p>
+            <a:fld id="{B6F15528-21DE-4FAA-801E-634DDDAF4B2B}" type="slidenum">
+              <a:rPr lang="en-US" smtClean="0"/>
+              <a:pPr/>
+              <a:t>2</a:t>
+            </a:fld>
+            <a:endParaRPr lang="en-US" dirty="0"/>
+          </a:p>
+        </p:txBody>
+      </p:sp>
+      <p:pic>
+        <p:nvPicPr>
+          <p:cNvPr id="14" name="Picture 2" descr="C:\Users\Mesut\Desktop\aselsan sunum\aselsan sunum 10 ekim\aselsan sunum\cezmi bey\ODTU.png"/>
+          <p:cNvPicPr>
+            <a:picLocks noChangeAspect="1" noChangeArrowheads="1"/>
+          </p:cNvPicPr>
+          <p:nvPr/>
+        </p:nvPicPr>
+        <p:blipFill>
+          <a:blip r:embed="rId2" cstate="print">
+            <a:extLst>
+              <a:ext uri="{28A0092B-C50C-407E-A947-70E740481C1C}">
+                <a14:useLocalDpi xmlns:a14="http://schemas.microsoft.com/office/drawing/2010/main" val="0"/>
+              </a:ext>
+            </a:extLst>
+          </a:blip>
+          <a:srcRect/>
+          <a:stretch>
+            <a:fillRect/>
+          </a:stretch>
+        </p:blipFill>
+        <p:spPr bwMode="auto">
+          <a:xfrm>
+            <a:off x="163507" y="266700"/>
+            <a:ext cx="684927" cy="571500"/>
+          </a:xfrm>
+          <a:prstGeom prst="rect">
+            <a:avLst/>
+          </a:prstGeom>
+          <a:noFill/>
+          <a:extLst>
+            <a:ext uri="{909E8E84-426E-40DD-AFC4-6F175D3DCCD1}">
+              <a14:hiddenFill xmlns:a14="http://schemas.microsoft.com/office/drawing/2010/main">
+                <a:solidFill>
+                  <a:srgbClr val="FFFFFF"/>
+                </a:solidFill>
+              </a14:hiddenFill>
+            </a:ext>
+          </a:extLst>
+        </p:spPr>
+      </p:pic>
       <p:pic>
         <p:nvPicPr>
           <p:cNvPr id="17" name="Picture 16" descr="C:\Users\ugurm\Desktop\gitthub\IMMD\GRW2017\Metu5.png"/>
@@ -4296,23 +7169,19 @@
             </a:r>
           </a:p>
           <a:p>
-            <a:endParaRPr lang="tr-TR" sz="2400" dirty="0" smtClean="0">
+            <a:endParaRPr lang="en-US" sz="2400" dirty="0" smtClean="0">
               <a:latin typeface="Times New Roman" panose="02020603050405020304" pitchFamily="18" charset="0"/>
               <a:cs typeface="Times New Roman" panose="02020603050405020304" pitchFamily="18" charset="0"/>
             </a:endParaRPr>
           </a:p>
           <a:p>
             <a:r>
-              <a:rPr lang="tr-TR" sz="2400" b="1" dirty="0" err="1" smtClean="0">
+              <a:rPr lang="en-US" sz="2400" b="1" dirty="0" smtClean="0">
                 <a:latin typeface="Times New Roman" panose="02020603050405020304" pitchFamily="18" charset="0"/>
                 <a:cs typeface="Times New Roman" panose="02020603050405020304" pitchFamily="18" charset="0"/>
               </a:rPr>
               <a:t>Events</a:t>
             </a:r>
-            <a:endParaRPr lang="tr-TR" sz="2400" b="1" dirty="0" smtClean="0">
-              <a:latin typeface="Times New Roman" panose="02020603050405020304" pitchFamily="18" charset="0"/>
-              <a:cs typeface="Times New Roman" panose="02020603050405020304" pitchFamily="18" charset="0"/>
-            </a:endParaRPr>
           </a:p>
           <a:p>
             <a:pPr marL="342900" indent="-342900">
@@ -4320,30 +7189,12 @@
               <a:buChar char="v"/>
             </a:pPr>
             <a:r>
-              <a:rPr lang="tr-TR" sz="2400" dirty="0" err="1" smtClean="0">
-                <a:latin typeface="Times New Roman" panose="02020603050405020304" pitchFamily="18" charset="0"/>
-                <a:cs typeface="Times New Roman" panose="02020603050405020304" pitchFamily="18" charset="0"/>
-              </a:rPr>
-              <a:t>Weekly</a:t>
-            </a:r>
-            <a:r>
-              <a:rPr lang="tr-TR" sz="2400" dirty="0" smtClean="0">
-                <a:latin typeface="Times New Roman" panose="02020603050405020304" pitchFamily="18" charset="0"/>
-                <a:cs typeface="Times New Roman" panose="02020603050405020304" pitchFamily="18" charset="0"/>
-              </a:rPr>
-              <a:t> </a:t>
-            </a:r>
-            <a:r>
-              <a:rPr lang="tr-TR" sz="2400" dirty="0" err="1" smtClean="0">
-                <a:latin typeface="Times New Roman" panose="02020603050405020304" pitchFamily="18" charset="0"/>
-                <a:cs typeface="Times New Roman" panose="02020603050405020304" pitchFamily="18" charset="0"/>
-              </a:rPr>
-              <a:t>seminars</a:t>
-            </a:r>
-            <a:endParaRPr lang="tr-TR" sz="2400" dirty="0">
-              <a:latin typeface="Times New Roman" panose="02020603050405020304" pitchFamily="18" charset="0"/>
-              <a:cs typeface="Times New Roman" panose="02020603050405020304" pitchFamily="18" charset="0"/>
-            </a:endParaRPr>
+              <a:rPr lang="en-US" sz="2400" dirty="0" smtClean="0">
+                <a:latin typeface="Times New Roman" panose="02020603050405020304" pitchFamily="18" charset="0"/>
+                <a:cs typeface="Times New Roman" panose="02020603050405020304" pitchFamily="18" charset="0"/>
+              </a:rPr>
+              <a:t>Weekly seminars</a:t>
+            </a:r>
           </a:p>
           <a:p>
             <a:pPr marL="342900" indent="-342900">
@@ -4351,18 +7202,11 @@
               <a:buChar char="v"/>
             </a:pPr>
             <a:r>
-              <a:rPr lang="tr-TR" sz="2400" dirty="0" err="1" smtClean="0">
-                <a:latin typeface="Times New Roman" panose="02020603050405020304" pitchFamily="18" charset="0"/>
-                <a:cs typeface="Times New Roman" panose="02020603050405020304" pitchFamily="18" charset="0"/>
-              </a:rPr>
-              <a:t>Journal</a:t>
-            </a:r>
-            <a:r>
-              <a:rPr lang="tr-TR" sz="2400" dirty="0" smtClean="0">
-                <a:latin typeface="Times New Roman" panose="02020603050405020304" pitchFamily="18" charset="0"/>
-                <a:cs typeface="Times New Roman" panose="02020603050405020304" pitchFamily="18" charset="0"/>
-              </a:rPr>
-              <a:t> Club</a:t>
+              <a:rPr lang="en-US" sz="2400" dirty="0" smtClean="0">
+                <a:latin typeface="Times New Roman" panose="02020603050405020304" pitchFamily="18" charset="0"/>
+                <a:cs typeface="Times New Roman" panose="02020603050405020304" pitchFamily="18" charset="0"/>
+              </a:rPr>
+              <a:t>Journal Club</a:t>
             </a:r>
           </a:p>
           <a:p>
@@ -4379,10 +7223,6 @@
               </a:rPr>
               <a:t>Research League</a:t>
             </a:r>
-            <a:endParaRPr lang="tr-TR" sz="2400" b="1" dirty="0" smtClean="0">
-              <a:latin typeface="Times New Roman" panose="02020603050405020304" pitchFamily="18" charset="0"/>
-              <a:cs typeface="Times New Roman" panose="02020603050405020304" pitchFamily="18" charset="0"/>
-            </a:endParaRPr>
           </a:p>
           <a:p>
             <a:pPr marL="342900" indent="-342900">
@@ -4390,20 +7230,27 @@
               <a:buChar char="v"/>
             </a:pPr>
             <a:r>
+              <a:rPr lang="en-US" sz="2400" dirty="0" smtClean="0">
+                <a:latin typeface="Times New Roman" panose="02020603050405020304" pitchFamily="18" charset="0"/>
+                <a:cs typeface="Times New Roman" panose="02020603050405020304" pitchFamily="18" charset="0"/>
+              </a:rPr>
+              <a:t>Multi-disciplinary</a:t>
+            </a:r>
+            <a:r>
               <a:rPr lang="tr-TR" sz="2400" dirty="0" smtClean="0">
                 <a:latin typeface="Times New Roman" panose="02020603050405020304" pitchFamily="18" charset="0"/>
                 <a:cs typeface="Times New Roman" panose="02020603050405020304" pitchFamily="18" charset="0"/>
               </a:rPr>
-              <a:t>Multi-</a:t>
+              <a:t> </a:t>
             </a:r>
             <a:r>
               <a:rPr lang="tr-TR" sz="2400" dirty="0" err="1" smtClean="0">
                 <a:latin typeface="Times New Roman" panose="02020603050405020304" pitchFamily="18" charset="0"/>
                 <a:cs typeface="Times New Roman" panose="02020603050405020304" pitchFamily="18" charset="0"/>
               </a:rPr>
-              <a:t>disciplinary</a:t>
-            </a:r>
-            <a:endParaRPr lang="tr-TR" sz="2400" dirty="0" smtClean="0">
+              <a:t>project</a:t>
+            </a:r>
+            <a:endParaRPr lang="en-US" sz="2400" dirty="0" smtClean="0">
               <a:latin typeface="Times New Roman" panose="02020603050405020304" pitchFamily="18" charset="0"/>
               <a:cs typeface="Times New Roman" panose="02020603050405020304" pitchFamily="18" charset="0"/>
             </a:endParaRPr>
@@ -4414,30 +7261,12 @@
               <a:buChar char="v"/>
             </a:pPr>
             <a:r>
-              <a:rPr lang="tr-TR" sz="2400" dirty="0" err="1" smtClean="0">
-                <a:latin typeface="Times New Roman" panose="02020603050405020304" pitchFamily="18" charset="0"/>
-                <a:cs typeface="Times New Roman" panose="02020603050405020304" pitchFamily="18" charset="0"/>
-              </a:rPr>
-              <a:t>Undergraduate</a:t>
-            </a:r>
-            <a:r>
-              <a:rPr lang="tr-TR" sz="2400" dirty="0" smtClean="0">
-                <a:latin typeface="Times New Roman" panose="02020603050405020304" pitchFamily="18" charset="0"/>
-                <a:cs typeface="Times New Roman" panose="02020603050405020304" pitchFamily="18" charset="0"/>
-              </a:rPr>
-              <a:t> </a:t>
-            </a:r>
-            <a:r>
-              <a:rPr lang="tr-TR" sz="2400" dirty="0" err="1" smtClean="0">
-                <a:latin typeface="Times New Roman" panose="02020603050405020304" pitchFamily="18" charset="0"/>
-                <a:cs typeface="Times New Roman" panose="02020603050405020304" pitchFamily="18" charset="0"/>
-              </a:rPr>
-              <a:t>students</a:t>
-            </a:r>
-            <a:endParaRPr lang="tr-TR" sz="2400" dirty="0" smtClean="0">
-              <a:latin typeface="Times New Roman" panose="02020603050405020304" pitchFamily="18" charset="0"/>
-              <a:cs typeface="Times New Roman" panose="02020603050405020304" pitchFamily="18" charset="0"/>
-            </a:endParaRPr>
+              <a:rPr lang="en-US" sz="2400" dirty="0" smtClean="0">
+                <a:latin typeface="Times New Roman" panose="02020603050405020304" pitchFamily="18" charset="0"/>
+                <a:cs typeface="Times New Roman" panose="02020603050405020304" pitchFamily="18" charset="0"/>
+              </a:rPr>
+              <a:t>Undergraduate students</a:t>
+            </a:r>
           </a:p>
           <a:p>
             <a:pPr marL="342900" indent="-342900">
@@ -4785,7 +7614,7 @@
         </p:nvSpPr>
         <p:spPr>
           <a:xfrm>
-            <a:off x="1227325" y="1219200"/>
+            <a:off x="1358937" y="1828800"/>
             <a:ext cx="7282263" cy="3077766"/>
           </a:xfrm>
           <a:prstGeom prst="rect">
@@ -5056,27 +7885,13 @@
           <a:p>
             <a:pPr algn="ctr"/>
             <a:r>
-              <a:rPr lang="tr-TR" sz="3000" dirty="0" err="1" smtClean="0">
-                <a:latin typeface="Times New Roman" panose="02020603050405020304" pitchFamily="18" charset="0"/>
-                <a:cs typeface="Times New Roman" panose="02020603050405020304" pitchFamily="18" charset="0"/>
-              </a:rPr>
-              <a:t>Conventional</a:t>
-            </a:r>
-            <a:r>
-              <a:rPr lang="tr-TR" sz="3000" dirty="0" smtClean="0">
-                <a:latin typeface="Times New Roman" panose="02020603050405020304" pitchFamily="18" charset="0"/>
-                <a:cs typeface="Times New Roman" panose="02020603050405020304" pitchFamily="18" charset="0"/>
-              </a:rPr>
-              <a:t> motor </a:t>
-            </a:r>
-            <a:r>
-              <a:rPr lang="tr-TR" sz="3000" dirty="0" err="1" smtClean="0">
-                <a:latin typeface="Times New Roman" panose="02020603050405020304" pitchFamily="18" charset="0"/>
-                <a:cs typeface="Times New Roman" panose="02020603050405020304" pitchFamily="18" charset="0"/>
-              </a:rPr>
-              <a:t>drives</a:t>
-            </a:r>
-            <a:endParaRPr lang="tr-TR" sz="3000" dirty="0">
+              <a:rPr lang="en-US" sz="3000" dirty="0" smtClean="0">
+                <a:latin typeface="Times New Roman" panose="02020603050405020304" pitchFamily="18" charset="0"/>
+                <a:cs typeface="Times New Roman" panose="02020603050405020304" pitchFamily="18" charset="0"/>
+              </a:rPr>
+              <a:t>Conventional Motor Drives</a:t>
+            </a:r>
+            <a:endParaRPr lang="en-US" sz="3000" dirty="0">
               <a:latin typeface="Times New Roman" panose="02020603050405020304" pitchFamily="18" charset="0"/>
               <a:cs typeface="Times New Roman" panose="02020603050405020304" pitchFamily="18" charset="0"/>
             </a:endParaRPr>
@@ -5227,75 +8042,8 @@
                 <a:latin typeface="Times New Roman" panose="02020603050405020304" pitchFamily="18" charset="0"/>
                 <a:cs typeface="Times New Roman" panose="02020603050405020304" pitchFamily="18" charset="0"/>
               </a:rPr>
-              <a:t>Increased </a:t>
-            </a:r>
-            <a:r>
-              <a:rPr lang="en-US" sz="2400" dirty="0" err="1" smtClean="0">
-                <a:latin typeface="Times New Roman" panose="02020603050405020304" pitchFamily="18" charset="0"/>
-                <a:cs typeface="Times New Roman" panose="02020603050405020304" pitchFamily="18" charset="0"/>
-              </a:rPr>
-              <a:t>vol</a:t>
-            </a:r>
-            <a:r>
-              <a:rPr lang="tr-TR" sz="2400" dirty="0" smtClean="0">
-                <a:latin typeface="Times New Roman" panose="02020603050405020304" pitchFamily="18" charset="0"/>
-                <a:cs typeface="Times New Roman" panose="02020603050405020304" pitchFamily="18" charset="0"/>
-              </a:rPr>
-              <a:t>u</a:t>
-            </a:r>
-            <a:r>
-              <a:rPr lang="en-US" sz="2400" dirty="0" smtClean="0">
-                <a:latin typeface="Times New Roman" panose="02020603050405020304" pitchFamily="18" charset="0"/>
-                <a:cs typeface="Times New Roman" panose="02020603050405020304" pitchFamily="18" charset="0"/>
-              </a:rPr>
-              <a:t>me</a:t>
-            </a:r>
-            <a:r>
-              <a:rPr lang="tr-TR" sz="2400" dirty="0" smtClean="0">
-                <a:latin typeface="Times New Roman" panose="02020603050405020304" pitchFamily="18" charset="0"/>
-                <a:cs typeface="Times New Roman" panose="02020603050405020304" pitchFamily="18" charset="0"/>
-              </a:rPr>
-              <a:t>,</a:t>
-            </a:r>
-            <a:r>
-              <a:rPr lang="en-US" sz="2400" dirty="0" smtClean="0">
-                <a:latin typeface="Times New Roman" panose="02020603050405020304" pitchFamily="18" charset="0"/>
-                <a:cs typeface="Times New Roman" panose="02020603050405020304" pitchFamily="18" charset="0"/>
-              </a:rPr>
-              <a:t> weight</a:t>
-            </a:r>
-            <a:r>
-              <a:rPr lang="tr-TR" sz="2400" dirty="0" smtClean="0">
-                <a:latin typeface="Times New Roman" panose="02020603050405020304" pitchFamily="18" charset="0"/>
-                <a:cs typeface="Times New Roman" panose="02020603050405020304" pitchFamily="18" charset="0"/>
-              </a:rPr>
-              <a:t> </a:t>
-            </a:r>
-            <a:r>
-              <a:rPr lang="tr-TR" sz="2400" dirty="0" err="1" smtClean="0">
-                <a:latin typeface="Times New Roman" panose="02020603050405020304" pitchFamily="18" charset="0"/>
-                <a:cs typeface="Times New Roman" panose="02020603050405020304" pitchFamily="18" charset="0"/>
-              </a:rPr>
-              <a:t>and</a:t>
-            </a:r>
-            <a:r>
-              <a:rPr lang="tr-TR" sz="2400" dirty="0" smtClean="0">
-                <a:latin typeface="Times New Roman" panose="02020603050405020304" pitchFamily="18" charset="0"/>
-                <a:cs typeface="Times New Roman" panose="02020603050405020304" pitchFamily="18" charset="0"/>
-              </a:rPr>
-              <a:t> </a:t>
-            </a:r>
-            <a:r>
-              <a:rPr lang="tr-TR" sz="2400" dirty="0" err="1" smtClean="0">
-                <a:latin typeface="Times New Roman" panose="02020603050405020304" pitchFamily="18" charset="0"/>
-                <a:cs typeface="Times New Roman" panose="02020603050405020304" pitchFamily="18" charset="0"/>
-              </a:rPr>
-              <a:t>cost</a:t>
-            </a:r>
-            <a:endParaRPr lang="tr-TR" sz="2400" dirty="0" smtClean="0">
-              <a:latin typeface="Times New Roman" panose="02020603050405020304" pitchFamily="18" charset="0"/>
-              <a:cs typeface="Times New Roman" panose="02020603050405020304" pitchFamily="18" charset="0"/>
-            </a:endParaRPr>
+              <a:t>Increased volume, weight and cost</a:t>
+            </a:r>
           </a:p>
           <a:p>
             <a:pPr lvl="1"/>
@@ -5323,53 +8071,11 @@
               <a:buChar char="o"/>
             </a:pPr>
             <a:r>
-              <a:rPr lang="tr-TR" sz="2400" dirty="0" err="1" smtClean="0">
-                <a:latin typeface="Times New Roman" panose="02020603050405020304" pitchFamily="18" charset="0"/>
-                <a:cs typeface="Times New Roman" panose="02020603050405020304" pitchFamily="18" charset="0"/>
-              </a:rPr>
-              <a:t>Long</a:t>
-            </a:r>
-            <a:r>
-              <a:rPr lang="tr-TR" sz="2400" dirty="0" smtClean="0">
-                <a:latin typeface="Times New Roman" panose="02020603050405020304" pitchFamily="18" charset="0"/>
-                <a:cs typeface="Times New Roman" panose="02020603050405020304" pitchFamily="18" charset="0"/>
-              </a:rPr>
-              <a:t> </a:t>
-            </a:r>
-            <a:r>
-              <a:rPr lang="tr-TR" sz="2400" dirty="0" err="1" smtClean="0">
-                <a:latin typeface="Times New Roman" panose="02020603050405020304" pitchFamily="18" charset="0"/>
-                <a:cs typeface="Times New Roman" panose="02020603050405020304" pitchFamily="18" charset="0"/>
-              </a:rPr>
-              <a:t>cable</a:t>
-            </a:r>
-            <a:r>
-              <a:rPr lang="tr-TR" sz="2400" dirty="0" smtClean="0">
-                <a:latin typeface="Times New Roman" panose="02020603050405020304" pitchFamily="18" charset="0"/>
-                <a:cs typeface="Times New Roman" panose="02020603050405020304" pitchFamily="18" charset="0"/>
-              </a:rPr>
-              <a:t> </a:t>
-            </a:r>
-            <a:r>
-              <a:rPr lang="tr-TR" sz="2400" dirty="0" err="1" smtClean="0">
-                <a:latin typeface="Times New Roman" panose="02020603050405020304" pitchFamily="18" charset="0"/>
-                <a:cs typeface="Times New Roman" panose="02020603050405020304" pitchFamily="18" charset="0"/>
-              </a:rPr>
-              <a:t>effect</a:t>
-            </a:r>
-            <a:r>
-              <a:rPr lang="tr-TR" sz="2400" dirty="0" smtClean="0">
-                <a:latin typeface="Times New Roman" panose="02020603050405020304" pitchFamily="18" charset="0"/>
-                <a:cs typeface="Times New Roman" panose="02020603050405020304" pitchFamily="18" charset="0"/>
-              </a:rPr>
-              <a:t>, EMI </a:t>
-            </a:r>
-            <a:r>
-              <a:rPr lang="tr-TR" sz="2400" dirty="0" err="1" smtClean="0">
-                <a:latin typeface="Times New Roman" panose="02020603050405020304" pitchFamily="18" charset="0"/>
-                <a:cs typeface="Times New Roman" panose="02020603050405020304" pitchFamily="18" charset="0"/>
-              </a:rPr>
-              <a:t>problems</a:t>
+              <a:rPr lang="en-US" sz="2400" dirty="0" smtClean="0">
+                <a:latin typeface="Times New Roman" panose="02020603050405020304" pitchFamily="18" charset="0"/>
+                <a:cs typeface="Times New Roman" panose="02020603050405020304" pitchFamily="18" charset="0"/>
+              </a:rPr>
+              <a:t>Long cable effect, EMI problems</a:t>
             </a:r>
             <a:endParaRPr lang="en-US" sz="2400" dirty="0" smtClean="0">
               <a:latin typeface="Times New Roman" panose="02020603050405020304" pitchFamily="18" charset="0"/>
@@ -5400,8 +8106,8 @@
         </p:blipFill>
         <p:spPr>
           <a:xfrm>
-            <a:off x="5410200" y="1792237"/>
-            <a:ext cx="1976292" cy="1646910"/>
+            <a:off x="5867400" y="1676400"/>
+            <a:ext cx="2061622" cy="1718019"/>
           </a:xfrm>
           <a:prstGeom prst="rect">
             <a:avLst/>
@@ -5430,7 +8136,7 @@
         </p:blipFill>
         <p:spPr>
           <a:xfrm>
-            <a:off x="2286000" y="1606657"/>
+            <a:off x="2438400" y="1560957"/>
             <a:ext cx="1600200" cy="2228850"/>
           </a:xfrm>
           <a:prstGeom prst="rect">
@@ -5747,7 +8453,7 @@
         </p:nvSpPr>
         <p:spPr>
           <a:xfrm>
-            <a:off x="1828800" y="4368512"/>
+            <a:off x="1828800" y="4528346"/>
             <a:ext cx="6703822" cy="1200329"/>
           </a:xfrm>
           <a:prstGeom prst="rect">
@@ -5799,18 +8505,11 @@
               <a:t>Both the motor and the drive are </a:t>
             </a:r>
             <a:r>
-              <a:rPr lang="en-US" sz="2400" b="1" dirty="0" err="1" smtClean="0">
-                <a:latin typeface="Times New Roman" panose="02020603050405020304" pitchFamily="18" charset="0"/>
-                <a:cs typeface="Times New Roman" panose="02020603050405020304" pitchFamily="18" charset="0"/>
-              </a:rPr>
-              <a:t>modular</a:t>
-            </a:r>
-            <a:r>
-              <a:rPr lang="en-US" sz="2400" dirty="0" err="1" smtClean="0">
-                <a:latin typeface="Times New Roman" panose="02020603050405020304" pitchFamily="18" charset="0"/>
-                <a:cs typeface="Times New Roman" panose="02020603050405020304" pitchFamily="18" charset="0"/>
-              </a:rPr>
-              <a:t>ised</a:t>
+              <a:rPr lang="en-US" sz="2400" b="1" dirty="0" smtClean="0">
+                <a:latin typeface="Times New Roman" panose="02020603050405020304" pitchFamily="18" charset="0"/>
+                <a:cs typeface="Times New Roman" panose="02020603050405020304" pitchFamily="18" charset="0"/>
+              </a:rPr>
+              <a:t>modularized</a:t>
             </a:r>
             <a:endParaRPr lang="en-US" sz="2400" dirty="0" smtClean="0">
               <a:latin typeface="Times New Roman" panose="02020603050405020304" pitchFamily="18" charset="0"/>
@@ -5834,7 +8533,7 @@
         </p:blipFill>
         <p:spPr>
           <a:xfrm>
-            <a:off x="1189918" y="1109706"/>
+            <a:off x="1329530" y="1109326"/>
             <a:ext cx="3305882" cy="2826895"/>
           </a:xfrm>
           <a:prstGeom prst="rect">
@@ -6032,6 +8731,13 @@
               </a:rPr>
               <a:t>Motivation</a:t>
             </a:r>
+            <a:r>
+              <a:rPr lang="tr-TR" sz="3000" dirty="0" smtClean="0">
+                <a:latin typeface="Times New Roman" panose="02020603050405020304" pitchFamily="18" charset="0"/>
+                <a:cs typeface="Times New Roman" panose="02020603050405020304" pitchFamily="18" charset="0"/>
+              </a:rPr>
+              <a:t> - Integration</a:t>
+            </a:r>
             <a:endParaRPr lang="tr-TR" sz="3000" dirty="0">
               <a:latin typeface="Times New Roman" panose="02020603050405020304" pitchFamily="18" charset="0"/>
               <a:cs typeface="Times New Roman" panose="02020603050405020304" pitchFamily="18" charset="0"/>
@@ -6139,30 +8845,103 @@
           </a:extLst>
         </p:spPr>
       </p:pic>
-      <p:sp>
-        <p:nvSpPr>
-          <p:cNvPr id="17" name="Text Box 9"/>
-          <p:cNvSpPr txBox="1">
-            <a:spLocks noChangeArrowheads="1"/>
-          </p:cNvSpPr>
-          <p:nvPr/>
-        </p:nvSpPr>
-        <p:spPr bwMode="auto">
-          <a:xfrm>
-            <a:off x="1386291" y="1068844"/>
-            <a:ext cx="7672691" cy="1200329"/>
+      <p:pic>
+        <p:nvPicPr>
+          <p:cNvPr id="16" name="Picture 15"/>
+          <p:cNvPicPr>
+            <a:picLocks noChangeAspect="1"/>
+          </p:cNvPicPr>
+          <p:nvPr/>
+        </p:nvPicPr>
+        <p:blipFill>
+          <a:blip r:embed="rId3">
+            <a:extLst>
+              <a:ext uri="{28A0092B-C50C-407E-A947-70E740481C1C}">
+                <a14:useLocalDpi xmlns:a14="http://schemas.microsoft.com/office/drawing/2010/main" val="0"/>
+              </a:ext>
+            </a:extLst>
+          </a:blip>
+          <a:stretch>
+            <a:fillRect/>
+          </a:stretch>
+        </p:blipFill>
+        <p:spPr>
+          <a:xfrm>
+            <a:off x="1600200" y="2133600"/>
+            <a:ext cx="2866245" cy="3818096"/>
           </a:xfrm>
           <a:prstGeom prst="rect">
             <a:avLst/>
           </a:prstGeom>
-          <a:noFill/>
-          <a:ln w="9525">
-            <a:noFill/>
-            <a:miter lim="800000"/>
-            <a:headEnd/>
-            <a:tailEnd/>
-          </a:ln>
-          <a:effectLst/>
+        </p:spPr>
+      </p:pic>
+      <p:pic>
+        <p:nvPicPr>
+          <p:cNvPr id="18" name="Picture 17"/>
+          <p:cNvPicPr>
+            <a:picLocks noChangeAspect="1"/>
+          </p:cNvPicPr>
+          <p:nvPr/>
+        </p:nvPicPr>
+        <p:blipFill>
+          <a:blip r:embed="rId4"/>
+          <a:stretch>
+            <a:fillRect/>
+          </a:stretch>
+        </p:blipFill>
+        <p:spPr>
+          <a:xfrm>
+            <a:off x="5267188" y="1844583"/>
+            <a:ext cx="3691487" cy="1314089"/>
+          </a:xfrm>
+          <a:prstGeom prst="rect">
+            <a:avLst/>
+          </a:prstGeom>
+        </p:spPr>
+      </p:pic>
+      <p:pic>
+        <p:nvPicPr>
+          <p:cNvPr id="3" name="Picture 2"/>
+          <p:cNvPicPr>
+            <a:picLocks noChangeAspect="1"/>
+          </p:cNvPicPr>
+          <p:nvPr/>
+        </p:nvPicPr>
+        <p:blipFill rotWithShape="1">
+          <a:blip r:embed="rId5" cstate="print">
+            <a:extLst>
+              <a:ext uri="{28A0092B-C50C-407E-A947-70E740481C1C}">
+                <a14:useLocalDpi xmlns:a14="http://schemas.microsoft.com/office/drawing/2010/main" val="0"/>
+              </a:ext>
+            </a:extLst>
+          </a:blip>
+          <a:srcRect l="6969" t="14966" r="20531" b="23333"/>
+          <a:stretch/>
+        </p:blipFill>
+        <p:spPr>
+          <a:xfrm>
+            <a:off x="5805891" y="3973645"/>
+            <a:ext cx="2895600" cy="1848206"/>
+          </a:xfrm>
+          <a:prstGeom prst="rect">
+            <a:avLst/>
+          </a:prstGeom>
+        </p:spPr>
+      </p:pic>
+      <p:sp>
+        <p:nvSpPr>
+          <p:cNvPr id="4" name="Rectangle 3"/>
+          <p:cNvSpPr/>
+          <p:nvPr/>
+        </p:nvSpPr>
+        <p:spPr>
+          <a:xfrm>
+            <a:off x="1656702" y="1500923"/>
+            <a:ext cx="2590800" cy="400110"/>
+          </a:xfrm>
+          <a:prstGeom prst="rect">
+            <a:avLst/>
+          </a:prstGeom>
         </p:spPr>
         <p:txBody>
           <a:bodyPr wrap="square">
@@ -6170,93 +8949,31 @@
           </a:bodyPr>
           <a:lstStyle/>
           <a:p>
-            <a:r>
-              <a:rPr lang="tr-TR" sz="2400" b="1" dirty="0" smtClean="0">
-                <a:latin typeface="Footlight MT Light" panose="0204060206030A020304" pitchFamily="18" charset="0"/>
-              </a:rPr>
-              <a:t>Integration</a:t>
-            </a:r>
-            <a:endParaRPr lang="en-US" sz="2400" dirty="0" smtClean="0">
-              <a:latin typeface="Footlight MT Light" panose="0204060206030A020304" pitchFamily="18" charset="0"/>
-            </a:endParaRPr>
-          </a:p>
-          <a:p>
-            <a:pPr marL="571500" indent="-571500" algn="l">
-              <a:buFont typeface="Wingdings" panose="05000000000000000000" pitchFamily="2" charset="2"/>
-              <a:buChar char="ü"/>
-            </a:pPr>
-            <a:r>
-              <a:rPr lang="en-US" sz="2400" b="1" dirty="0" smtClean="0">
-                <a:latin typeface="Footlight MT Light" panose="0204060206030A020304" pitchFamily="18" charset="0"/>
-              </a:rPr>
-              <a:t>Power density </a:t>
-            </a:r>
-            <a:r>
-              <a:rPr lang="en-US" sz="2400" dirty="0" smtClean="0">
-                <a:latin typeface="Footlight MT Light" panose="0204060206030A020304" pitchFamily="18" charset="0"/>
-              </a:rPr>
-              <a:t>of the overall system is </a:t>
-            </a:r>
-            <a:r>
-              <a:rPr lang="en-US" sz="2400" dirty="0" smtClean="0">
-                <a:latin typeface="Footlight MT Light" panose="0204060206030A020304" pitchFamily="18" charset="0"/>
-              </a:rPr>
-              <a:t>enhanced</a:t>
-            </a:r>
-            <a:r>
-              <a:rPr lang="tr-TR" sz="2400" dirty="0" smtClean="0">
-                <a:latin typeface="Footlight MT Light" panose="0204060206030A020304" pitchFamily="18" charset="0"/>
-              </a:rPr>
-              <a:t>.</a:t>
-            </a:r>
-            <a:endParaRPr lang="en-US" sz="2400" dirty="0" smtClean="0">
-              <a:latin typeface="Footlight MT Light" panose="0204060206030A020304" pitchFamily="18" charset="0"/>
-            </a:endParaRPr>
-          </a:p>
-          <a:p>
-            <a:pPr marL="571500" indent="-571500" algn="l">
-              <a:buFont typeface="Wingdings" panose="05000000000000000000" pitchFamily="2" charset="2"/>
-              <a:buChar char="ü"/>
-            </a:pPr>
-            <a:r>
-              <a:rPr lang="en-US" sz="2400" b="1" dirty="0" smtClean="0">
-                <a:latin typeface="Footlight MT Light" panose="0204060206030A020304" pitchFamily="18" charset="0"/>
-              </a:rPr>
-              <a:t>Voltage overshoots </a:t>
-            </a:r>
-            <a:r>
-              <a:rPr lang="en-US" sz="2400" dirty="0" smtClean="0">
-                <a:latin typeface="Footlight MT Light" panose="0204060206030A020304" pitchFamily="18" charset="0"/>
-              </a:rPr>
-              <a:t>due to cabling effect is eliminated. </a:t>
-            </a:r>
-          </a:p>
-        </p:txBody>
-      </p:sp>
-      <p:sp>
-        <p:nvSpPr>
-          <p:cNvPr id="19" name="Text Box 9"/>
-          <p:cNvSpPr txBox="1">
-            <a:spLocks noChangeArrowheads="1"/>
-          </p:cNvSpPr>
-          <p:nvPr/>
-        </p:nvSpPr>
-        <p:spPr bwMode="auto">
-          <a:xfrm>
-            <a:off x="1386291" y="2743101"/>
-            <a:ext cx="6672197" cy="1569660"/>
+            <a:pPr algn="ctr"/>
+            <a:r>
+              <a:rPr lang="en-US" sz="2000" dirty="0">
+                <a:latin typeface="Times New Roman" panose="02020603050405020304" pitchFamily="18" charset="0"/>
+                <a:cs typeface="Times New Roman" panose="02020603050405020304" pitchFamily="18" charset="0"/>
+              </a:rPr>
+              <a:t>Power density</a:t>
+            </a:r>
+          </a:p>
+        </p:txBody>
+      </p:sp>
+      <p:sp>
+        <p:nvSpPr>
+          <p:cNvPr id="20" name="Rectangle 19"/>
+          <p:cNvSpPr/>
+          <p:nvPr/>
+        </p:nvSpPr>
+        <p:spPr>
+          <a:xfrm>
+            <a:off x="5958291" y="1378561"/>
+            <a:ext cx="2590800" cy="400110"/>
           </a:xfrm>
           <a:prstGeom prst="rect">
             <a:avLst/>
           </a:prstGeom>
-          <a:noFill/>
-          <a:ln w="9525">
-            <a:noFill/>
-            <a:miter lim="800000"/>
-            <a:headEnd/>
-            <a:tailEnd/>
-          </a:ln>
-          <a:effectLst/>
         </p:spPr>
         <p:txBody>
           <a:bodyPr wrap="square">
@@ -6264,95 +8981,74 @@
           </a:bodyPr>
           <a:lstStyle/>
           <a:p>
-            <a:r>
-              <a:rPr lang="en-US" sz="2400" b="1" dirty="0" smtClean="0">
-                <a:latin typeface="Footlight MT Light" panose="0204060206030A020304" pitchFamily="18" charset="0"/>
-              </a:rPr>
-              <a:t>Modularization</a:t>
-            </a:r>
-            <a:endParaRPr lang="en-US" sz="2400" dirty="0" smtClean="0">
-              <a:latin typeface="Footlight MT Light" panose="0204060206030A020304" pitchFamily="18" charset="0"/>
+            <a:pPr algn="ctr"/>
+            <a:r>
+              <a:rPr lang="tr-TR" sz="2000" dirty="0" err="1" smtClean="0">
+                <a:latin typeface="Times New Roman" panose="02020603050405020304" pitchFamily="18" charset="0"/>
+                <a:cs typeface="Times New Roman" panose="02020603050405020304" pitchFamily="18" charset="0"/>
+              </a:rPr>
+              <a:t>Voltage</a:t>
+            </a:r>
+            <a:r>
+              <a:rPr lang="tr-TR" sz="2000" dirty="0" smtClean="0">
+                <a:latin typeface="Times New Roman" panose="02020603050405020304" pitchFamily="18" charset="0"/>
+                <a:cs typeface="Times New Roman" panose="02020603050405020304" pitchFamily="18" charset="0"/>
+              </a:rPr>
+              <a:t> </a:t>
+            </a:r>
+            <a:r>
+              <a:rPr lang="tr-TR" sz="2000" dirty="0" err="1" smtClean="0">
+                <a:latin typeface="Times New Roman" panose="02020603050405020304" pitchFamily="18" charset="0"/>
+                <a:cs typeface="Times New Roman" panose="02020603050405020304" pitchFamily="18" charset="0"/>
+              </a:rPr>
+              <a:t>overshoots</a:t>
+            </a:r>
+            <a:endParaRPr lang="en-US" sz="2000" dirty="0">
+              <a:latin typeface="Times New Roman" panose="02020603050405020304" pitchFamily="18" charset="0"/>
+              <a:cs typeface="Times New Roman" panose="02020603050405020304" pitchFamily="18" charset="0"/>
             </a:endParaRPr>
           </a:p>
-          <a:p>
-            <a:pPr marL="571500" indent="-571500" algn="l">
-              <a:buFont typeface="Wingdings" panose="05000000000000000000" pitchFamily="2" charset="2"/>
-              <a:buChar char="ü"/>
-            </a:pPr>
-            <a:r>
-              <a:rPr lang="en-US" sz="2400" b="1" dirty="0" smtClean="0">
-                <a:latin typeface="Footlight MT Light" panose="0204060206030A020304" pitchFamily="18" charset="0"/>
-              </a:rPr>
-              <a:t>Fault tolerance </a:t>
-            </a:r>
-            <a:r>
-              <a:rPr lang="en-US" sz="2400" dirty="0" smtClean="0">
-                <a:latin typeface="Footlight MT Light" panose="0204060206030A020304" pitchFamily="18" charset="0"/>
-              </a:rPr>
-              <a:t>is increased</a:t>
-            </a:r>
-            <a:r>
-              <a:rPr lang="tr-TR" sz="2400" dirty="0" smtClean="0">
-                <a:latin typeface="Footlight MT Light" panose="0204060206030A020304" pitchFamily="18" charset="0"/>
-              </a:rPr>
-              <a:t>.</a:t>
-            </a:r>
-            <a:endParaRPr lang="en-US" sz="2400" dirty="0" smtClean="0">
-              <a:latin typeface="Footlight MT Light" panose="0204060206030A020304" pitchFamily="18" charset="0"/>
-            </a:endParaRPr>
-          </a:p>
-          <a:p>
-            <a:pPr marL="571500" indent="-571500" algn="l">
-              <a:buFont typeface="Wingdings" panose="05000000000000000000" pitchFamily="2" charset="2"/>
-              <a:buChar char="ü"/>
-            </a:pPr>
-            <a:r>
-              <a:rPr lang="en-US" sz="2400" b="1" dirty="0" smtClean="0">
-                <a:latin typeface="Footlight MT Light" panose="0204060206030A020304" pitchFamily="18" charset="0"/>
-              </a:rPr>
-              <a:t>Voltage stress </a:t>
-            </a:r>
-            <a:r>
-              <a:rPr lang="en-US" sz="2400" dirty="0" smtClean="0">
-                <a:latin typeface="Footlight MT Light" panose="0204060206030A020304" pitchFamily="18" charset="0"/>
-              </a:rPr>
-              <a:t>on modules is reduced</a:t>
-            </a:r>
-            <a:r>
-              <a:rPr lang="tr-TR" sz="2400" dirty="0" smtClean="0">
-                <a:latin typeface="Footlight MT Light" panose="0204060206030A020304" pitchFamily="18" charset="0"/>
-              </a:rPr>
-              <a:t>.</a:t>
-            </a:r>
-            <a:endParaRPr lang="en-US" sz="2400" dirty="0" smtClean="0">
-              <a:latin typeface="Footlight MT Light" panose="0204060206030A020304" pitchFamily="18" charset="0"/>
-            </a:endParaRPr>
-          </a:p>
-          <a:p>
-            <a:pPr marL="571500" indent="-571500" algn="l">
-              <a:buFont typeface="Wingdings" panose="05000000000000000000" pitchFamily="2" charset="2"/>
-              <a:buChar char="ü"/>
-            </a:pPr>
-            <a:r>
-              <a:rPr lang="en-US" sz="2400" b="1" dirty="0" smtClean="0">
-                <a:latin typeface="Footlight MT Light" panose="0204060206030A020304" pitchFamily="18" charset="0"/>
-              </a:rPr>
-              <a:t>Heat dissipation </a:t>
-            </a:r>
-            <a:r>
-              <a:rPr lang="en-US" sz="2400" dirty="0" smtClean="0">
-                <a:latin typeface="Footlight MT Light" panose="0204060206030A020304" pitchFamily="18" charset="0"/>
-              </a:rPr>
-              <a:t>is distributed to a wider area</a:t>
-            </a:r>
-            <a:r>
-              <a:rPr lang="tr-TR" sz="2400" dirty="0" smtClean="0">
-                <a:latin typeface="Footlight MT Light" panose="0204060206030A020304" pitchFamily="18" charset="0"/>
-              </a:rPr>
-              <a:t>.</a:t>
-            </a:r>
-            <a:endParaRPr lang="en-US" sz="2400" dirty="0" smtClean="0">
-              <a:latin typeface="Footlight MT Light" panose="0204060206030A020304" pitchFamily="18" charset="0"/>
+        </p:txBody>
+      </p:sp>
+      <p:sp>
+        <p:nvSpPr>
+          <p:cNvPr id="21" name="Rectangle 20"/>
+          <p:cNvSpPr/>
+          <p:nvPr/>
+        </p:nvSpPr>
+        <p:spPr>
+          <a:xfrm>
+            <a:off x="5901174" y="3479450"/>
+            <a:ext cx="2590800" cy="400110"/>
+          </a:xfrm>
+          <a:prstGeom prst="rect">
+            <a:avLst/>
+          </a:prstGeom>
+        </p:spPr>
+        <p:txBody>
+          <a:bodyPr wrap="square">
+            <a:spAutoFit/>
+          </a:bodyPr>
+          <a:lstStyle/>
+          <a:p>
+            <a:pPr algn="ctr"/>
+            <a:r>
+              <a:rPr lang="tr-TR" sz="2000" dirty="0" smtClean="0">
+                <a:latin typeface="Times New Roman" panose="02020603050405020304" pitchFamily="18" charset="0"/>
+                <a:cs typeface="Times New Roman" panose="02020603050405020304" pitchFamily="18" charset="0"/>
+              </a:rPr>
+              <a:t>Motor </a:t>
+            </a:r>
+            <a:r>
+              <a:rPr lang="tr-TR" sz="2000" dirty="0" err="1" smtClean="0">
+                <a:latin typeface="Times New Roman" panose="02020603050405020304" pitchFamily="18" charset="0"/>
+                <a:cs typeface="Times New Roman" panose="02020603050405020304" pitchFamily="18" charset="0"/>
+              </a:rPr>
+              <a:t>lifetime</a:t>
+            </a:r>
+            <a:endParaRPr lang="en-US" sz="2000" dirty="0">
+              <a:latin typeface="Times New Roman" panose="02020603050405020304" pitchFamily="18" charset="0"/>
+              <a:cs typeface="Times New Roman" panose="02020603050405020304" pitchFamily="18" charset="0"/>
             </a:endParaRPr>
           </a:p>
         </p:txBody>
@@ -6517,11 +9213,25 @@
           <a:p>
             <a:pPr algn="ctr"/>
             <a:r>
+              <a:rPr lang="tr-TR" sz="3000" dirty="0" err="1" smtClean="0">
+                <a:latin typeface="Times New Roman" panose="02020603050405020304" pitchFamily="18" charset="0"/>
+                <a:cs typeface="Times New Roman" panose="02020603050405020304" pitchFamily="18" charset="0"/>
+              </a:rPr>
+              <a:t>Motivation</a:t>
+            </a:r>
+            <a:r>
               <a:rPr lang="tr-TR" sz="3000" dirty="0" smtClean="0">
                 <a:latin typeface="Times New Roman" panose="02020603050405020304" pitchFamily="18" charset="0"/>
                 <a:cs typeface="Times New Roman" panose="02020603050405020304" pitchFamily="18" charset="0"/>
               </a:rPr>
-              <a:t>Critical Applications</a:t>
+              <a:t> - </a:t>
+            </a:r>
+            <a:r>
+              <a:rPr lang="tr-TR" sz="3000" dirty="0" err="1" smtClean="0">
+                <a:latin typeface="Times New Roman" panose="02020603050405020304" pitchFamily="18" charset="0"/>
+                <a:cs typeface="Times New Roman" panose="02020603050405020304" pitchFamily="18" charset="0"/>
+              </a:rPr>
+              <a:t>Modularization</a:t>
             </a:r>
             <a:endParaRPr lang="tr-TR" sz="3000" dirty="0">
               <a:latin typeface="Times New Roman" panose="02020603050405020304" pitchFamily="18" charset="0"/>
@@ -6632,7 +9342,7 @@
       </p:pic>
       <p:sp>
         <p:nvSpPr>
-          <p:cNvPr id="17" name="Text Box 9"/>
+          <p:cNvPr id="19" name="Text Box 9"/>
           <p:cNvSpPr txBox="1">
             <a:spLocks noChangeArrowheads="1"/>
           </p:cNvSpPr>
@@ -6640,8 +9350,8 @@
         </p:nvSpPr>
         <p:spPr bwMode="auto">
           <a:xfrm>
-            <a:off x="1386291" y="1068844"/>
-            <a:ext cx="7672691" cy="1200329"/>
+            <a:off x="1386291" y="1371600"/>
+            <a:ext cx="3109510" cy="400110"/>
           </a:xfrm>
           <a:prstGeom prst="rect">
             <a:avLst/>
@@ -6661,56 +9371,203 @@
           </a:bodyPr>
           <a:lstStyle/>
           <a:p>
-            <a:r>
-              <a:rPr lang="en-US" sz="2400" dirty="0" smtClean="0">
-                <a:latin typeface="Footlight MT Light" panose="0204060206030A020304" pitchFamily="18" charset="0"/>
-              </a:rPr>
-              <a:t>Electric </a:t>
-            </a:r>
-            <a:r>
-              <a:rPr lang="en-US" sz="2400" dirty="0">
-                <a:latin typeface="Footlight MT Light" panose="0204060206030A020304" pitchFamily="18" charset="0"/>
-              </a:rPr>
-              <a:t>traction</a:t>
-            </a:r>
-            <a:r>
-              <a:rPr lang="tr-TR" sz="2400" dirty="0">
-                <a:latin typeface="Footlight MT Light" panose="0204060206030A020304" pitchFamily="18" charset="0"/>
-              </a:rPr>
-              <a:t>:</a:t>
-            </a:r>
-            <a:r>
-              <a:rPr lang="en-US" sz="2400" dirty="0">
-                <a:latin typeface="Footlight MT Light" panose="0204060206030A020304" pitchFamily="18" charset="0"/>
-              </a:rPr>
-              <a:t> electric vehicles, trains</a:t>
-            </a:r>
-            <a:endParaRPr lang="tr-TR" sz="2400" dirty="0">
-              <a:latin typeface="Footlight MT Light" panose="0204060206030A020304" pitchFamily="18" charset="0"/>
+            <a:pPr algn="ctr"/>
+            <a:r>
+              <a:rPr lang="tr-TR" sz="2000" dirty="0" err="1" smtClean="0">
+                <a:latin typeface="Times New Roman" panose="02020603050405020304" pitchFamily="18" charset="0"/>
+                <a:cs typeface="Times New Roman" panose="02020603050405020304" pitchFamily="18" charset="0"/>
+              </a:rPr>
+              <a:t>Increased</a:t>
+            </a:r>
+            <a:r>
+              <a:rPr lang="tr-TR" sz="2000" dirty="0" smtClean="0">
+                <a:latin typeface="Times New Roman" panose="02020603050405020304" pitchFamily="18" charset="0"/>
+                <a:cs typeface="Times New Roman" panose="02020603050405020304" pitchFamily="18" charset="0"/>
+              </a:rPr>
+              <a:t> f</a:t>
+            </a:r>
+            <a:r>
+              <a:rPr lang="en-US" sz="2000" dirty="0" err="1" smtClean="0">
+                <a:latin typeface="Times New Roman" panose="02020603050405020304" pitchFamily="18" charset="0"/>
+                <a:cs typeface="Times New Roman" panose="02020603050405020304" pitchFamily="18" charset="0"/>
+              </a:rPr>
+              <a:t>ault</a:t>
+            </a:r>
+            <a:r>
+              <a:rPr lang="en-US" sz="2000" dirty="0" smtClean="0">
+                <a:latin typeface="Times New Roman" panose="02020603050405020304" pitchFamily="18" charset="0"/>
+                <a:cs typeface="Times New Roman" panose="02020603050405020304" pitchFamily="18" charset="0"/>
+              </a:rPr>
+              <a:t> tolerance</a:t>
+            </a:r>
+            <a:endParaRPr lang="tr-TR" sz="2000" dirty="0" smtClean="0">
+              <a:latin typeface="Times New Roman" panose="02020603050405020304" pitchFamily="18" charset="0"/>
+              <a:cs typeface="Times New Roman" panose="02020603050405020304" pitchFamily="18" charset="0"/>
             </a:endParaRPr>
           </a:p>
-          <a:p>
-            <a:r>
-              <a:rPr lang="en-US" sz="2400" dirty="0">
-                <a:latin typeface="Footlight MT Light" panose="0204060206030A020304" pitchFamily="18" charset="0"/>
-              </a:rPr>
-              <a:t>Aerospace: aircrafts, space crafts</a:t>
-            </a:r>
-          </a:p>
-          <a:p>
-            <a:pPr algn="l"/>
-            <a:r>
-              <a:rPr lang="en-US" sz="2400" dirty="0" smtClean="0">
-                <a:latin typeface="Footlight MT Light" panose="0204060206030A020304" pitchFamily="18" charset="0"/>
-              </a:rPr>
-              <a:t> </a:t>
-            </a:r>
+        </p:txBody>
+      </p:sp>
+      <p:sp>
+        <p:nvSpPr>
+          <p:cNvPr id="16" name="Text Box 9"/>
+          <p:cNvSpPr txBox="1">
+            <a:spLocks noChangeArrowheads="1"/>
+          </p:cNvSpPr>
+          <p:nvPr/>
+        </p:nvSpPr>
+        <p:spPr bwMode="auto">
+          <a:xfrm>
+            <a:off x="5089769" y="3894325"/>
+            <a:ext cx="3109510" cy="400110"/>
+          </a:xfrm>
+          <a:prstGeom prst="rect">
+            <a:avLst/>
+          </a:prstGeom>
+          <a:noFill/>
+          <a:ln w="9525">
+            <a:noFill/>
+            <a:miter lim="800000"/>
+            <a:headEnd/>
+            <a:tailEnd/>
+          </a:ln>
+          <a:effectLst/>
+        </p:spPr>
+        <p:txBody>
+          <a:bodyPr wrap="square">
+            <a:spAutoFit/>
+          </a:bodyPr>
+          <a:lstStyle/>
+          <a:p>
+            <a:pPr algn="ctr"/>
+            <a:r>
+              <a:rPr lang="tr-TR" sz="2000" dirty="0" err="1" smtClean="0">
+                <a:latin typeface="Times New Roman" panose="02020603050405020304" pitchFamily="18" charset="0"/>
+                <a:cs typeface="Times New Roman" panose="02020603050405020304" pitchFamily="18" charset="0"/>
+              </a:rPr>
+              <a:t>Reduced</a:t>
+            </a:r>
+            <a:r>
+              <a:rPr lang="tr-TR" sz="2000" dirty="0" smtClean="0">
+                <a:latin typeface="Times New Roman" panose="02020603050405020304" pitchFamily="18" charset="0"/>
+                <a:cs typeface="Times New Roman" panose="02020603050405020304" pitchFamily="18" charset="0"/>
+              </a:rPr>
+              <a:t> v</a:t>
+            </a:r>
+            <a:r>
+              <a:rPr lang="en-US" sz="2000" dirty="0" err="1" smtClean="0">
+                <a:latin typeface="Times New Roman" panose="02020603050405020304" pitchFamily="18" charset="0"/>
+                <a:cs typeface="Times New Roman" panose="02020603050405020304" pitchFamily="18" charset="0"/>
+              </a:rPr>
+              <a:t>oltage</a:t>
+            </a:r>
+            <a:r>
+              <a:rPr lang="en-US" sz="2000" dirty="0" smtClean="0">
+                <a:latin typeface="Times New Roman" panose="02020603050405020304" pitchFamily="18" charset="0"/>
+                <a:cs typeface="Times New Roman" panose="02020603050405020304" pitchFamily="18" charset="0"/>
+              </a:rPr>
+              <a:t> </a:t>
+            </a:r>
+            <a:r>
+              <a:rPr lang="en-US" sz="2000" dirty="0" err="1" smtClean="0">
+                <a:latin typeface="Times New Roman" panose="02020603050405020304" pitchFamily="18" charset="0"/>
+                <a:cs typeface="Times New Roman" panose="02020603050405020304" pitchFamily="18" charset="0"/>
+              </a:rPr>
+              <a:t>stres</a:t>
+            </a:r>
+            <a:r>
+              <a:rPr lang="tr-TR" sz="2000" dirty="0" smtClean="0">
+                <a:latin typeface="Times New Roman" panose="02020603050405020304" pitchFamily="18" charset="0"/>
+                <a:cs typeface="Times New Roman" panose="02020603050405020304" pitchFamily="18" charset="0"/>
+              </a:rPr>
+              <a:t>s</a:t>
+            </a:r>
+          </a:p>
+        </p:txBody>
+      </p:sp>
+      <p:sp>
+        <p:nvSpPr>
+          <p:cNvPr id="18" name="Text Box 9"/>
+          <p:cNvSpPr txBox="1">
+            <a:spLocks noChangeArrowheads="1"/>
+          </p:cNvSpPr>
+          <p:nvPr/>
+        </p:nvSpPr>
+        <p:spPr bwMode="auto">
+          <a:xfrm>
+            <a:off x="5257800" y="1419141"/>
+            <a:ext cx="3109510" cy="400110"/>
+          </a:xfrm>
+          <a:prstGeom prst="rect">
+            <a:avLst/>
+          </a:prstGeom>
+          <a:noFill/>
+          <a:ln w="9525">
+            <a:noFill/>
+            <a:miter lim="800000"/>
+            <a:headEnd/>
+            <a:tailEnd/>
+          </a:ln>
+          <a:effectLst/>
+        </p:spPr>
+        <p:txBody>
+          <a:bodyPr wrap="square">
+            <a:spAutoFit/>
+          </a:bodyPr>
+          <a:lstStyle/>
+          <a:p>
+            <a:pPr algn="ctr"/>
+            <a:r>
+              <a:rPr lang="tr-TR" sz="2000" dirty="0" smtClean="0">
+                <a:latin typeface="Times New Roman" panose="02020603050405020304" pitchFamily="18" charset="0"/>
+                <a:cs typeface="Times New Roman" panose="02020603050405020304" pitchFamily="18" charset="0"/>
+              </a:rPr>
+              <a:t>D</a:t>
+            </a:r>
+            <a:r>
+              <a:rPr lang="en-US" sz="2000" dirty="0" err="1" smtClean="0">
+                <a:latin typeface="Times New Roman" panose="02020603050405020304" pitchFamily="18" charset="0"/>
+                <a:cs typeface="Times New Roman" panose="02020603050405020304" pitchFamily="18" charset="0"/>
+              </a:rPr>
+              <a:t>istribute</a:t>
+            </a:r>
+            <a:r>
+              <a:rPr lang="tr-TR" sz="2000" dirty="0" smtClean="0">
+                <a:latin typeface="Times New Roman" panose="02020603050405020304" pitchFamily="18" charset="0"/>
+                <a:cs typeface="Times New Roman" panose="02020603050405020304" pitchFamily="18" charset="0"/>
+              </a:rPr>
+              <a:t>d </a:t>
+            </a:r>
+            <a:r>
+              <a:rPr lang="tr-TR" sz="2000" dirty="0" err="1" smtClean="0">
+                <a:latin typeface="Times New Roman" panose="02020603050405020304" pitchFamily="18" charset="0"/>
+                <a:cs typeface="Times New Roman" panose="02020603050405020304" pitchFamily="18" charset="0"/>
+              </a:rPr>
+              <a:t>heat</a:t>
+            </a:r>
+            <a:r>
+              <a:rPr lang="tr-TR" sz="2000" dirty="0" smtClean="0">
+                <a:latin typeface="Times New Roman" panose="02020603050405020304" pitchFamily="18" charset="0"/>
+                <a:cs typeface="Times New Roman" panose="02020603050405020304" pitchFamily="18" charset="0"/>
+              </a:rPr>
+              <a:t> </a:t>
+            </a:r>
+            <a:r>
+              <a:rPr lang="tr-TR" sz="2000" dirty="0" err="1" smtClean="0">
+                <a:latin typeface="Times New Roman" panose="02020603050405020304" pitchFamily="18" charset="0"/>
+                <a:cs typeface="Times New Roman" panose="02020603050405020304" pitchFamily="18" charset="0"/>
+              </a:rPr>
+              <a:t>dissipation</a:t>
+            </a:r>
+            <a:endParaRPr lang="en-US" sz="2000" dirty="0" smtClean="0">
+              <a:latin typeface="Times New Roman" panose="02020603050405020304" pitchFamily="18" charset="0"/>
+              <a:cs typeface="Times New Roman" panose="02020603050405020304" pitchFamily="18" charset="0"/>
+            </a:endParaRPr>
           </a:p>
         </p:txBody>
       </p:sp>
       <p:pic>
         <p:nvPicPr>
-          <p:cNvPr id="16" name="Picture 15"/>
+          <p:cNvPr id="5" name="Picture 4"/>
           <p:cNvPicPr>
             <a:picLocks noChangeAspect="1"/>
           </p:cNvPicPr>
@@ -6724,8 +9581,56 @@
         </p:blipFill>
         <p:spPr>
           <a:xfrm>
-            <a:off x="1752600" y="2256858"/>
-            <a:ext cx="4267200" cy="2943383"/>
+            <a:off x="4616763" y="4370635"/>
+            <a:ext cx="2069596" cy="1519115"/>
+          </a:xfrm>
+          <a:prstGeom prst="rect">
+            <a:avLst/>
+          </a:prstGeom>
+        </p:spPr>
+      </p:pic>
+      <p:pic>
+        <p:nvPicPr>
+          <p:cNvPr id="6" name="Picture 5"/>
+          <p:cNvPicPr>
+            <a:picLocks noChangeAspect="1"/>
+          </p:cNvPicPr>
+          <p:nvPr/>
+        </p:nvPicPr>
+        <p:blipFill>
+          <a:blip r:embed="rId4"/>
+          <a:stretch>
+            <a:fillRect/>
+          </a:stretch>
+        </p:blipFill>
+        <p:spPr>
+          <a:xfrm>
+            <a:off x="7056944" y="4370635"/>
+            <a:ext cx="1624503" cy="1588302"/>
+          </a:xfrm>
+          <a:prstGeom prst="rect">
+            <a:avLst/>
+          </a:prstGeom>
+        </p:spPr>
+      </p:pic>
+      <p:pic>
+        <p:nvPicPr>
+          <p:cNvPr id="7" name="Picture 6"/>
+          <p:cNvPicPr>
+            <a:picLocks noChangeAspect="1"/>
+          </p:cNvPicPr>
+          <p:nvPr/>
+        </p:nvPicPr>
+        <p:blipFill>
+          <a:blip r:embed="rId5"/>
+          <a:stretch>
+            <a:fillRect/>
+          </a:stretch>
+        </p:blipFill>
+        <p:spPr>
+          <a:xfrm>
+            <a:off x="1650993" y="1896066"/>
+            <a:ext cx="2580106" cy="3557528"/>
           </a:xfrm>
           <a:prstGeom prst="rect">
             <a:avLst/>
@@ -6735,7 +9640,7 @@
     </p:spTree>
     <p:extLst>
       <p:ext uri="{BB962C8B-B14F-4D97-AF65-F5344CB8AC3E}">
-        <p14:creationId xmlns:p14="http://schemas.microsoft.com/office/powerpoint/2010/main" val="1828716564"/>
+        <p14:creationId xmlns:p14="http://schemas.microsoft.com/office/powerpoint/2010/main" val="4145003531"/>
       </p:ext>
     </p:extLst>
   </p:cSld>
@@ -6892,11 +9797,11 @@
           <a:p>
             <a:pPr algn="ctr"/>
             <a:r>
-              <a:rPr lang="tr-TR" sz="3000" dirty="0" err="1" smtClean="0">
-                <a:latin typeface="Times New Roman" panose="02020603050405020304" pitchFamily="18" charset="0"/>
-                <a:cs typeface="Times New Roman" panose="02020603050405020304" pitchFamily="18" charset="0"/>
-              </a:rPr>
-              <a:t>Challenges</a:t>
+              <a:rPr lang="tr-TR" sz="3000" dirty="0" smtClean="0">
+                <a:latin typeface="Times New Roman" panose="02020603050405020304" pitchFamily="18" charset="0"/>
+                <a:cs typeface="Times New Roman" panose="02020603050405020304" pitchFamily="18" charset="0"/>
+              </a:rPr>
+              <a:t>Critical Applications</a:t>
             </a:r>
             <a:endParaRPr lang="tr-TR" sz="3000" dirty="0">
               <a:latin typeface="Times New Roman" panose="02020603050405020304" pitchFamily="18" charset="0"/>
@@ -7015,8 +9920,8 @@
         </p:nvSpPr>
         <p:spPr bwMode="auto">
           <a:xfrm>
-            <a:off x="1386291" y="1068844"/>
-            <a:ext cx="7672691" cy="1938992"/>
+            <a:off x="1213407" y="1069400"/>
+            <a:ext cx="7672691" cy="400110"/>
           </a:xfrm>
           <a:prstGeom prst="rect">
             <a:avLst/>
@@ -7036,56 +9941,235 @@
           </a:bodyPr>
           <a:lstStyle/>
           <a:p>
-            <a:r>
-              <a:rPr lang="en-US" sz="2400" dirty="0">
-                <a:latin typeface="Footlight MT Light" panose="0204060206030A020304" pitchFamily="18" charset="0"/>
-              </a:rPr>
-              <a:t>Fitting into a small volume requires size reduction and optimum placement of components.</a:t>
-            </a:r>
-          </a:p>
-          <a:p>
-            <a:r>
-              <a:rPr lang="en-US" sz="2400" dirty="0">
-                <a:latin typeface="Footlight MT Light" panose="0204060206030A020304" pitchFamily="18" charset="0"/>
-              </a:rPr>
-              <a:t>Cooling of both units should be achieved simultaneously</a:t>
-            </a:r>
-            <a:r>
-              <a:rPr lang="tr-TR" sz="2400" dirty="0">
-                <a:latin typeface="Footlight MT Light" panose="0204060206030A020304" pitchFamily="18" charset="0"/>
-              </a:rPr>
-              <a:t>.</a:t>
-            </a:r>
-            <a:endParaRPr lang="en-US" sz="2400" dirty="0">
-              <a:latin typeface="Footlight MT Light" panose="0204060206030A020304" pitchFamily="18" charset="0"/>
+            <a:pPr algn="ctr"/>
+            <a:r>
+              <a:rPr lang="en-US" sz="2000" b="1" dirty="0" smtClean="0">
+                <a:latin typeface="Times New Roman" panose="02020603050405020304" pitchFamily="18" charset="0"/>
+                <a:cs typeface="Times New Roman" panose="02020603050405020304" pitchFamily="18" charset="0"/>
+              </a:rPr>
+              <a:t>Electric </a:t>
+            </a:r>
+            <a:r>
+              <a:rPr lang="en-US" sz="2000" b="1" dirty="0">
+                <a:latin typeface="Times New Roman" panose="02020603050405020304" pitchFamily="18" charset="0"/>
+                <a:cs typeface="Times New Roman" panose="02020603050405020304" pitchFamily="18" charset="0"/>
+              </a:rPr>
+              <a:t>traction</a:t>
+            </a:r>
+            <a:r>
+              <a:rPr lang="tr-TR" sz="2000" dirty="0">
+                <a:latin typeface="Times New Roman" panose="02020603050405020304" pitchFamily="18" charset="0"/>
+                <a:cs typeface="Times New Roman" panose="02020603050405020304" pitchFamily="18" charset="0"/>
+              </a:rPr>
+              <a:t>:</a:t>
+            </a:r>
+            <a:r>
+              <a:rPr lang="en-US" sz="2000" dirty="0">
+                <a:latin typeface="Times New Roman" panose="02020603050405020304" pitchFamily="18" charset="0"/>
+                <a:cs typeface="Times New Roman" panose="02020603050405020304" pitchFamily="18" charset="0"/>
+              </a:rPr>
+              <a:t> </a:t>
+            </a:r>
+            <a:r>
+              <a:rPr lang="tr-TR" sz="2000" dirty="0" smtClean="0">
+                <a:latin typeface="Times New Roman" panose="02020603050405020304" pitchFamily="18" charset="0"/>
+                <a:cs typeface="Times New Roman" panose="02020603050405020304" pitchFamily="18" charset="0"/>
+              </a:rPr>
+              <a:t>EVs</a:t>
+            </a:r>
+            <a:r>
+              <a:rPr lang="en-US" sz="2000" dirty="0" smtClean="0">
+                <a:latin typeface="Times New Roman" panose="02020603050405020304" pitchFamily="18" charset="0"/>
+                <a:cs typeface="Times New Roman" panose="02020603050405020304" pitchFamily="18" charset="0"/>
+              </a:rPr>
+              <a:t>,</a:t>
+            </a:r>
+            <a:r>
+              <a:rPr lang="tr-TR" sz="2000" dirty="0" smtClean="0">
+                <a:latin typeface="Times New Roman" panose="02020603050405020304" pitchFamily="18" charset="0"/>
+                <a:cs typeface="Times New Roman" panose="02020603050405020304" pitchFamily="18" charset="0"/>
+              </a:rPr>
+              <a:t> HEVs,</a:t>
+            </a:r>
+            <a:r>
+              <a:rPr lang="en-US" sz="2000" dirty="0" smtClean="0">
+                <a:latin typeface="Times New Roman" panose="02020603050405020304" pitchFamily="18" charset="0"/>
+                <a:cs typeface="Times New Roman" panose="02020603050405020304" pitchFamily="18" charset="0"/>
+              </a:rPr>
+              <a:t> </a:t>
+            </a:r>
+            <a:r>
+              <a:rPr lang="tr-TR" sz="2000" dirty="0" smtClean="0">
+                <a:latin typeface="Times New Roman" panose="02020603050405020304" pitchFamily="18" charset="0"/>
+                <a:cs typeface="Times New Roman" panose="02020603050405020304" pitchFamily="18" charset="0"/>
+              </a:rPr>
+              <a:t>T</a:t>
+            </a:r>
+            <a:r>
+              <a:rPr lang="en-US" sz="2000" dirty="0" smtClean="0">
+                <a:latin typeface="Times New Roman" panose="02020603050405020304" pitchFamily="18" charset="0"/>
+                <a:cs typeface="Times New Roman" panose="02020603050405020304" pitchFamily="18" charset="0"/>
+              </a:rPr>
+              <a:t>rain</a:t>
+            </a:r>
+            <a:r>
+              <a:rPr lang="tr-TR" sz="2000" dirty="0" smtClean="0">
+                <a:latin typeface="Times New Roman" panose="02020603050405020304" pitchFamily="18" charset="0"/>
+                <a:cs typeface="Times New Roman" panose="02020603050405020304" pitchFamily="18" charset="0"/>
+              </a:rPr>
+              <a:t>s</a:t>
+            </a:r>
+          </a:p>
+        </p:txBody>
+      </p:sp>
+      <p:pic>
+        <p:nvPicPr>
+          <p:cNvPr id="3" name="Picture 2"/>
+          <p:cNvPicPr>
+            <a:picLocks noChangeAspect="1"/>
+          </p:cNvPicPr>
+          <p:nvPr/>
+        </p:nvPicPr>
+        <p:blipFill>
+          <a:blip r:embed="rId3"/>
+          <a:stretch>
+            <a:fillRect/>
+          </a:stretch>
+        </p:blipFill>
+        <p:spPr>
+          <a:xfrm>
+            <a:off x="2971800" y="4797047"/>
+            <a:ext cx="3867150" cy="1910827"/>
+          </a:xfrm>
+          <a:prstGeom prst="rect">
+            <a:avLst/>
+          </a:prstGeom>
+        </p:spPr>
+      </p:pic>
+      <p:sp>
+        <p:nvSpPr>
+          <p:cNvPr id="12" name="Text Box 9"/>
+          <p:cNvSpPr txBox="1">
+            <a:spLocks noChangeArrowheads="1"/>
+          </p:cNvSpPr>
+          <p:nvPr/>
+        </p:nvSpPr>
+        <p:spPr bwMode="auto">
+          <a:xfrm>
+            <a:off x="1207545" y="4169646"/>
+            <a:ext cx="7672691" cy="400110"/>
+          </a:xfrm>
+          <a:prstGeom prst="rect">
+            <a:avLst/>
+          </a:prstGeom>
+          <a:noFill/>
+          <a:ln w="9525">
+            <a:noFill/>
+            <a:miter lim="800000"/>
+            <a:headEnd/>
+            <a:tailEnd/>
+          </a:ln>
+          <a:effectLst/>
+        </p:spPr>
+        <p:txBody>
+          <a:bodyPr wrap="square">
+            <a:spAutoFit/>
+          </a:bodyPr>
+          <a:lstStyle/>
+          <a:p>
+            <a:pPr algn="ctr"/>
+            <a:r>
+              <a:rPr lang="en-US" sz="2000" b="1" dirty="0" smtClean="0">
+                <a:latin typeface="Times New Roman" panose="02020603050405020304" pitchFamily="18" charset="0"/>
+                <a:cs typeface="Times New Roman" panose="02020603050405020304" pitchFamily="18" charset="0"/>
+              </a:rPr>
+              <a:t>Aerospace: </a:t>
+            </a:r>
+            <a:r>
+              <a:rPr lang="en-US" sz="2000" dirty="0" smtClean="0">
+                <a:latin typeface="Times New Roman" panose="02020603050405020304" pitchFamily="18" charset="0"/>
+                <a:cs typeface="Times New Roman" panose="02020603050405020304" pitchFamily="18" charset="0"/>
+              </a:rPr>
+              <a:t>Aircrafts, Space</a:t>
+            </a:r>
+            <a:r>
+              <a:rPr lang="tr-TR" sz="2000" dirty="0" smtClean="0">
+                <a:latin typeface="Times New Roman" panose="02020603050405020304" pitchFamily="18" charset="0"/>
+                <a:cs typeface="Times New Roman" panose="02020603050405020304" pitchFamily="18" charset="0"/>
+              </a:rPr>
+              <a:t> </a:t>
+            </a:r>
+            <a:r>
+              <a:rPr lang="en-US" sz="2000" dirty="0" smtClean="0">
+                <a:latin typeface="Times New Roman" panose="02020603050405020304" pitchFamily="18" charset="0"/>
+                <a:cs typeface="Times New Roman" panose="02020603050405020304" pitchFamily="18" charset="0"/>
+              </a:rPr>
+              <a:t>crafts</a:t>
+            </a:r>
+            <a:endParaRPr lang="en-US" sz="2000" dirty="0">
+              <a:latin typeface="Times New Roman" panose="02020603050405020304" pitchFamily="18" charset="0"/>
+              <a:cs typeface="Times New Roman" panose="02020603050405020304" pitchFamily="18" charset="0"/>
             </a:endParaRPr>
           </a:p>
-          <a:p>
-            <a:r>
-              <a:rPr lang="en-US" sz="2400" dirty="0">
-                <a:latin typeface="Footlight MT Light" panose="0204060206030A020304" pitchFamily="18" charset="0"/>
-              </a:rPr>
-              <a:t>Power and control electronics components are subjected to high temperature and vibration</a:t>
-            </a:r>
-            <a:r>
-              <a:rPr lang="tr-TR" sz="2400" dirty="0">
-                <a:latin typeface="Footlight MT Light" panose="0204060206030A020304" pitchFamily="18" charset="0"/>
-              </a:rPr>
-              <a:t> </a:t>
-            </a:r>
-            <a:r>
-              <a:rPr lang="en-US" sz="2400" dirty="0" smtClean="0">
-                <a:latin typeface="Footlight MT Light" panose="0204060206030A020304" pitchFamily="18" charset="0"/>
-              </a:rPr>
-              <a:t> </a:t>
-            </a:r>
-          </a:p>
-        </p:txBody>
-      </p:sp>
+        </p:txBody>
+      </p:sp>
+      <p:pic>
+        <p:nvPicPr>
+          <p:cNvPr id="4" name="Picture 3"/>
+          <p:cNvPicPr>
+            <a:picLocks noChangeAspect="1"/>
+          </p:cNvPicPr>
+          <p:nvPr/>
+        </p:nvPicPr>
+        <p:blipFill rotWithShape="1">
+          <a:blip r:embed="rId4">
+            <a:extLst>
+              <a:ext uri="{28A0092B-C50C-407E-A947-70E740481C1C}">
+                <a14:useLocalDpi xmlns:a14="http://schemas.microsoft.com/office/drawing/2010/main" val="0"/>
+              </a:ext>
+            </a:extLst>
+          </a:blip>
+          <a:srcRect l="12500" t="9091" r="9091" b="2273"/>
+          <a:stretch/>
+        </p:blipFill>
+        <p:spPr>
+          <a:xfrm>
+            <a:off x="5562600" y="1556486"/>
+            <a:ext cx="2691068" cy="2281558"/>
+          </a:xfrm>
+          <a:prstGeom prst="rect">
+            <a:avLst/>
+          </a:prstGeom>
+        </p:spPr>
+      </p:pic>
+      <p:pic>
+        <p:nvPicPr>
+          <p:cNvPr id="18" name="Picture 17"/>
+          <p:cNvPicPr>
+            <a:picLocks noChangeAspect="1"/>
+          </p:cNvPicPr>
+          <p:nvPr/>
+        </p:nvPicPr>
+        <p:blipFill>
+          <a:blip r:embed="rId5"/>
+          <a:stretch>
+            <a:fillRect/>
+          </a:stretch>
+        </p:blipFill>
+        <p:spPr>
+          <a:xfrm>
+            <a:off x="1600200" y="1516440"/>
+            <a:ext cx="3365770" cy="2321604"/>
+          </a:xfrm>
+          <a:prstGeom prst="rect">
+            <a:avLst/>
+          </a:prstGeom>
+        </p:spPr>
+      </p:pic>
     </p:spTree>
     <p:extLst>
       <p:ext uri="{BB962C8B-B14F-4D97-AF65-F5344CB8AC3E}">
-        <p14:creationId xmlns:p14="http://schemas.microsoft.com/office/powerpoint/2010/main" val="822431857"/>
+        <p14:creationId xmlns:p14="http://schemas.microsoft.com/office/powerpoint/2010/main" val="1828716564"/>
       </p:ext>
     </p:extLst>
   </p:cSld>
@@ -7218,6 +10302,43 @@
           </a:fontRef>
         </p:style>
       </p:cxnSp>
+      <p:sp>
+        <p:nvSpPr>
+          <p:cNvPr id="13" name="TextBox 12"/>
+          <p:cNvSpPr txBox="1"/>
+          <p:nvPr/>
+        </p:nvSpPr>
+        <p:spPr>
+          <a:xfrm>
+            <a:off x="1386291" y="224135"/>
+            <a:ext cx="7315200" cy="553998"/>
+          </a:xfrm>
+          <a:prstGeom prst="rect">
+            <a:avLst/>
+          </a:prstGeom>
+          <a:noFill/>
+        </p:spPr>
+        <p:txBody>
+          <a:bodyPr wrap="square" rtlCol="0">
+            <a:spAutoFit/>
+          </a:bodyPr>
+          <a:lstStyle/>
+          <a:p>
+            <a:pPr algn="ctr"/>
+            <a:r>
+              <a:rPr lang="tr-TR" sz="3000" dirty="0" err="1" smtClean="0">
+                <a:latin typeface="Times New Roman" panose="02020603050405020304" pitchFamily="18" charset="0"/>
+                <a:cs typeface="Times New Roman" panose="02020603050405020304" pitchFamily="18" charset="0"/>
+              </a:rPr>
+              <a:t>Challenges</a:t>
+            </a:r>
+            <a:endParaRPr lang="tr-TR" sz="3000" dirty="0">
+              <a:latin typeface="Times New Roman" panose="02020603050405020304" pitchFamily="18" charset="0"/>
+              <a:cs typeface="Times New Roman" panose="02020603050405020304" pitchFamily="18" charset="0"/>
+            </a:endParaRPr>
+          </a:p>
+        </p:txBody>
+      </p:sp>
       <p:cxnSp>
         <p:nvCxnSpPr>
           <p:cNvPr id="15" name="Straight Connector 14"/>
@@ -7320,170 +10441,231 @@
       </p:pic>
       <p:sp>
         <p:nvSpPr>
-          <p:cNvPr id="3" name="Rectangle 2"/>
-          <p:cNvSpPr>
+          <p:cNvPr id="17" name="Text Box 9"/>
+          <p:cNvSpPr txBox="1">
             <a:spLocks noChangeArrowheads="1"/>
           </p:cNvSpPr>
           <p:nvPr/>
         </p:nvSpPr>
         <p:spPr bwMode="auto">
           <a:xfrm>
-            <a:off x="2057400" y="2438400"/>
-            <a:ext cx="9144000" cy="0"/>
+            <a:off x="1295399" y="1084656"/>
+            <a:ext cx="7672691" cy="5016758"/>
           </a:xfrm>
           <a:prstGeom prst="rect">
             <a:avLst/>
           </a:prstGeom>
           <a:noFill/>
-          <a:ln>
+          <a:ln w="9525">
             <a:noFill/>
+            <a:miter lim="800000"/>
+            <a:headEnd/>
+            <a:tailEnd/>
           </a:ln>
           <a:effectLst/>
-          <a:extLst>
-            <a:ext uri="{909E8E84-426E-40DD-AFC4-6F175D3DCCD1}">
-              <a14:hiddenFill xmlns:a14="http://schemas.microsoft.com/office/drawing/2010/main">
-                <a:solidFill>
-                  <a:schemeClr val="accent1"/>
-                </a:solidFill>
-              </a14:hiddenFill>
-            </a:ext>
-            <a:ext uri="{91240B29-F687-4F45-9708-019B960494DF}">
-              <a14:hiddenLine xmlns:a14="http://schemas.microsoft.com/office/drawing/2010/main" w="9525">
-                <a:solidFill>
-                  <a:schemeClr val="tx1"/>
-                </a:solidFill>
-                <a:miter lim="800000"/>
-                <a:headEnd/>
-                <a:tailEnd/>
-              </a14:hiddenLine>
-            </a:ext>
-            <a:ext uri="{AF507438-7753-43E0-B8FC-AC1667EBCBE1}">
-              <a14:hiddenEffects xmlns:a14="http://schemas.microsoft.com/office/drawing/2010/main">
-                <a:effectLst>
-                  <a:outerShdw dist="35921" dir="2700000" algn="ctr" rotWithShape="0">
-                    <a:schemeClr val="bg2"/>
-                  </a:outerShdw>
-                </a:effectLst>
-              </a14:hiddenEffects>
-            </a:ext>
-          </a:extLst>
-        </p:spPr>
-        <p:txBody>
-          <a:bodyPr vert="horz" wrap="none" lIns="91440" tIns="45720" rIns="91440" bIns="45720" numCol="1" anchor="ctr" anchorCtr="0" compatLnSpc="1">
-            <a:prstTxWarp prst="textNoShape">
-              <a:avLst/>
-            </a:prstTxWarp>
+        </p:spPr>
+        <p:txBody>
+          <a:bodyPr wrap="square">
             <a:spAutoFit/>
           </a:bodyPr>
           <a:lstStyle/>
           <a:p>
-            <a:endParaRPr lang="en-US"/>
-          </a:p>
-        </p:txBody>
-      </p:sp>
-      <p:sp>
-        <p:nvSpPr>
-          <p:cNvPr id="7" name="Rectangle 4"/>
-          <p:cNvSpPr>
-            <a:spLocks noChangeArrowheads="1"/>
-          </p:cNvSpPr>
-          <p:nvPr/>
-        </p:nvSpPr>
-        <p:spPr bwMode="auto">
-          <a:xfrm flipV="1">
-            <a:off x="2743200" y="3700094"/>
-            <a:ext cx="6941431" cy="45719"/>
-          </a:xfrm>
-          <a:prstGeom prst="rect">
-            <a:avLst/>
-          </a:prstGeom>
-          <a:noFill/>
-          <a:ln>
-            <a:noFill/>
-          </a:ln>
-          <a:effectLst/>
-          <a:extLst>
-            <a:ext uri="{909E8E84-426E-40DD-AFC4-6F175D3DCCD1}">
-              <a14:hiddenFill xmlns:a14="http://schemas.microsoft.com/office/drawing/2010/main">
-                <a:solidFill>
-                  <a:schemeClr val="accent1"/>
-                </a:solidFill>
-              </a14:hiddenFill>
-            </a:ext>
-            <a:ext uri="{91240B29-F687-4F45-9708-019B960494DF}">
-              <a14:hiddenLine xmlns:a14="http://schemas.microsoft.com/office/drawing/2010/main" w="9525">
-                <a:solidFill>
-                  <a:schemeClr val="tx1"/>
-                </a:solidFill>
-                <a:miter lim="800000"/>
-                <a:headEnd/>
-                <a:tailEnd/>
-              </a14:hiddenLine>
-            </a:ext>
-            <a:ext uri="{AF507438-7753-43E0-B8FC-AC1667EBCBE1}">
-              <a14:hiddenEffects xmlns:a14="http://schemas.microsoft.com/office/drawing/2010/main">
-                <a:effectLst>
-                  <a:outerShdw dist="35921" dir="2700000" algn="ctr" rotWithShape="0">
-                    <a:schemeClr val="bg2"/>
-                  </a:outerShdw>
-                </a:effectLst>
-              </a14:hiddenEffects>
-            </a:ext>
-          </a:extLst>
-        </p:spPr>
-        <p:txBody>
-          <a:bodyPr vert="horz" wrap="square" lIns="91440" tIns="45720" rIns="91440" bIns="45720" numCol="1" anchor="ctr" anchorCtr="0" compatLnSpc="1">
-            <a:prstTxWarp prst="textNoShape">
-              <a:avLst/>
-            </a:prstTxWarp>
-            <a:spAutoFit/>
-          </a:bodyPr>
-          <a:lstStyle/>
-          <a:p>
-            <a:endParaRPr lang="en-US"/>
-          </a:p>
-        </p:txBody>
-      </p:sp>
-      <p:sp>
-        <p:nvSpPr>
-          <p:cNvPr id="12" name="TextBox 11"/>
-          <p:cNvSpPr txBox="1"/>
-          <p:nvPr/>
-        </p:nvSpPr>
-        <p:spPr>
-          <a:xfrm>
-            <a:off x="1414235" y="150600"/>
-            <a:ext cx="7282263" cy="553998"/>
-          </a:xfrm>
-          <a:prstGeom prst="rect">
-            <a:avLst/>
-          </a:prstGeom>
-          <a:noFill/>
-        </p:spPr>
-        <p:txBody>
-          <a:bodyPr wrap="square" rtlCol="0">
-            <a:spAutoFit/>
-          </a:bodyPr>
-          <a:lstStyle/>
-          <a:p>
-            <a:r>
-              <a:rPr lang="tr-TR" sz="3000" dirty="0" smtClean="0">
-                <a:latin typeface="Times New Roman" panose="02020603050405020304" pitchFamily="18" charset="0"/>
-                <a:cs typeface="Times New Roman" panose="02020603050405020304" pitchFamily="18" charset="0"/>
-              </a:rPr>
-              <a:t> </a:t>
-            </a:r>
-            <a:endParaRPr lang="en-US" sz="3000" dirty="0" smtClean="0">
+            <a:r>
+              <a:rPr lang="en-US" sz="2000" dirty="0" smtClean="0">
+                <a:latin typeface="Times New Roman" panose="02020603050405020304" pitchFamily="18" charset="0"/>
+                <a:cs typeface="Times New Roman" panose="02020603050405020304" pitchFamily="18" charset="0"/>
+              </a:rPr>
+              <a:t>Fitting into a </a:t>
+            </a:r>
+            <a:r>
+              <a:rPr lang="en-US" sz="2000" b="1" dirty="0" smtClean="0">
+                <a:latin typeface="Times New Roman" panose="02020603050405020304" pitchFamily="18" charset="0"/>
+                <a:cs typeface="Times New Roman" panose="02020603050405020304" pitchFamily="18" charset="0"/>
+              </a:rPr>
+              <a:t>small volume </a:t>
+            </a:r>
+            <a:r>
+              <a:rPr lang="en-US" sz="2000" dirty="0" smtClean="0">
+                <a:latin typeface="Times New Roman" panose="02020603050405020304" pitchFamily="18" charset="0"/>
+                <a:cs typeface="Times New Roman" panose="02020603050405020304" pitchFamily="18" charset="0"/>
+              </a:rPr>
+              <a:t>requires size reduction and optimum placement of components</a:t>
+            </a:r>
+            <a:r>
+              <a:rPr lang="tr-TR" sz="2000" dirty="0" smtClean="0">
+                <a:latin typeface="Times New Roman" panose="02020603050405020304" pitchFamily="18" charset="0"/>
+                <a:cs typeface="Times New Roman" panose="02020603050405020304" pitchFamily="18" charset="0"/>
+              </a:rPr>
+              <a:t>.</a:t>
+            </a:r>
+            <a:endParaRPr lang="en-US" sz="2000" dirty="0" smtClean="0">
               <a:latin typeface="Times New Roman" panose="02020603050405020304" pitchFamily="18" charset="0"/>
               <a:cs typeface="Times New Roman" panose="02020603050405020304" pitchFamily="18" charset="0"/>
             </a:endParaRPr>
           </a:p>
-        </p:txBody>
-      </p:sp>
+          <a:p>
+            <a:pPr marL="800100" lvl="1" indent="-342900">
+              <a:buFont typeface="Wingdings" panose="05000000000000000000" pitchFamily="2" charset="2"/>
+              <a:buChar char="ü"/>
+            </a:pPr>
+            <a:r>
+              <a:rPr lang="en-US" sz="2000" dirty="0" smtClean="0">
+                <a:latin typeface="Times New Roman" panose="02020603050405020304" pitchFamily="18" charset="0"/>
+                <a:cs typeface="Times New Roman" panose="02020603050405020304" pitchFamily="18" charset="0"/>
+              </a:rPr>
+              <a:t>Passive component size reduction</a:t>
+            </a:r>
+          </a:p>
+          <a:p>
+            <a:pPr marL="800100" lvl="1" indent="-342900">
+              <a:buFont typeface="Wingdings" panose="05000000000000000000" pitchFamily="2" charset="2"/>
+              <a:buChar char="ü"/>
+            </a:pPr>
+            <a:r>
+              <a:rPr lang="en-US" sz="2000" dirty="0" smtClean="0">
+                <a:latin typeface="Times New Roman" panose="02020603050405020304" pitchFamily="18" charset="0"/>
+                <a:cs typeface="Times New Roman" panose="02020603050405020304" pitchFamily="18" charset="0"/>
+              </a:rPr>
+              <a:t>Heat sink size reduction</a:t>
+            </a:r>
+          </a:p>
+          <a:p>
+            <a:endParaRPr lang="tr-TR" sz="2000" dirty="0">
+              <a:latin typeface="Times New Roman" panose="02020603050405020304" pitchFamily="18" charset="0"/>
+              <a:cs typeface="Times New Roman" panose="02020603050405020304" pitchFamily="18" charset="0"/>
+            </a:endParaRPr>
+          </a:p>
+          <a:p>
+            <a:endParaRPr lang="tr-TR" sz="2000" dirty="0" smtClean="0">
+              <a:latin typeface="Times New Roman" panose="02020603050405020304" pitchFamily="18" charset="0"/>
+              <a:cs typeface="Times New Roman" panose="02020603050405020304" pitchFamily="18" charset="0"/>
+            </a:endParaRPr>
+          </a:p>
+          <a:p>
+            <a:endParaRPr lang="tr-TR" sz="2000" dirty="0">
+              <a:latin typeface="Times New Roman" panose="02020603050405020304" pitchFamily="18" charset="0"/>
+              <a:cs typeface="Times New Roman" panose="02020603050405020304" pitchFamily="18" charset="0"/>
+            </a:endParaRPr>
+          </a:p>
+          <a:p>
+            <a:endParaRPr lang="tr-TR" sz="2000" dirty="0" smtClean="0">
+              <a:latin typeface="Times New Roman" panose="02020603050405020304" pitchFamily="18" charset="0"/>
+              <a:cs typeface="Times New Roman" panose="02020603050405020304" pitchFamily="18" charset="0"/>
+            </a:endParaRPr>
+          </a:p>
+          <a:p>
+            <a:endParaRPr lang="tr-TR" sz="2000" dirty="0">
+              <a:latin typeface="Times New Roman" panose="02020603050405020304" pitchFamily="18" charset="0"/>
+              <a:cs typeface="Times New Roman" panose="02020603050405020304" pitchFamily="18" charset="0"/>
+            </a:endParaRPr>
+          </a:p>
+          <a:p>
+            <a:endParaRPr lang="tr-TR" sz="2000" dirty="0" smtClean="0">
+              <a:latin typeface="Times New Roman" panose="02020603050405020304" pitchFamily="18" charset="0"/>
+              <a:cs typeface="Times New Roman" panose="02020603050405020304" pitchFamily="18" charset="0"/>
+            </a:endParaRPr>
+          </a:p>
+          <a:p>
+            <a:endParaRPr lang="tr-TR" sz="2000" dirty="0">
+              <a:latin typeface="Times New Roman" panose="02020603050405020304" pitchFamily="18" charset="0"/>
+              <a:cs typeface="Times New Roman" panose="02020603050405020304" pitchFamily="18" charset="0"/>
+            </a:endParaRPr>
+          </a:p>
+          <a:p>
+            <a:endParaRPr lang="tr-TR" sz="2000" dirty="0" smtClean="0">
+              <a:latin typeface="Times New Roman" panose="02020603050405020304" pitchFamily="18" charset="0"/>
+              <a:cs typeface="Times New Roman" panose="02020603050405020304" pitchFamily="18" charset="0"/>
+            </a:endParaRPr>
+          </a:p>
+          <a:p>
+            <a:endParaRPr lang="en-US" sz="2000" dirty="0">
+              <a:latin typeface="Times New Roman" panose="02020603050405020304" pitchFamily="18" charset="0"/>
+              <a:cs typeface="Times New Roman" panose="02020603050405020304" pitchFamily="18" charset="0"/>
+            </a:endParaRPr>
+          </a:p>
+          <a:p>
+            <a:r>
+              <a:rPr lang="en-US" sz="2000" b="1" dirty="0">
+                <a:latin typeface="Times New Roman" panose="02020603050405020304" pitchFamily="18" charset="0"/>
+                <a:cs typeface="Times New Roman" panose="02020603050405020304" pitchFamily="18" charset="0"/>
+              </a:rPr>
+              <a:t>Cooling</a:t>
+            </a:r>
+            <a:r>
+              <a:rPr lang="en-US" sz="2000" dirty="0">
+                <a:latin typeface="Times New Roman" panose="02020603050405020304" pitchFamily="18" charset="0"/>
+                <a:cs typeface="Times New Roman" panose="02020603050405020304" pitchFamily="18" charset="0"/>
+              </a:rPr>
+              <a:t> of both units should be achieved simultaneously</a:t>
+            </a:r>
+            <a:r>
+              <a:rPr lang="tr-TR" sz="2000" dirty="0" smtClean="0">
+                <a:latin typeface="Times New Roman" panose="02020603050405020304" pitchFamily="18" charset="0"/>
+                <a:cs typeface="Times New Roman" panose="02020603050405020304" pitchFamily="18" charset="0"/>
+              </a:rPr>
+              <a:t>.</a:t>
+            </a:r>
+          </a:p>
+          <a:p>
+            <a:pPr marL="800100" lvl="1" indent="-342900">
+              <a:buFont typeface="Wingdings" panose="05000000000000000000" pitchFamily="2" charset="2"/>
+              <a:buChar char="ü"/>
+            </a:pPr>
+            <a:r>
+              <a:rPr lang="en-US" sz="2000" dirty="0" smtClean="0">
+                <a:latin typeface="Times New Roman" panose="02020603050405020304" pitchFamily="18" charset="0"/>
+                <a:cs typeface="Times New Roman" panose="02020603050405020304" pitchFamily="18" charset="0"/>
+              </a:rPr>
+              <a:t>Achieve superior drive efficiency</a:t>
+            </a:r>
+            <a:endParaRPr lang="tr-TR" sz="2000" dirty="0" smtClean="0">
+              <a:latin typeface="Times New Roman" panose="02020603050405020304" pitchFamily="18" charset="0"/>
+              <a:cs typeface="Times New Roman" panose="02020603050405020304" pitchFamily="18" charset="0"/>
+            </a:endParaRPr>
+          </a:p>
+          <a:p>
+            <a:pPr marL="800100" lvl="1" indent="-342900">
+              <a:buFont typeface="Wingdings" panose="05000000000000000000" pitchFamily="2" charset="2"/>
+              <a:buChar char="ü"/>
+            </a:pPr>
+            <a:r>
+              <a:rPr lang="en-US" sz="2000" dirty="0" smtClean="0">
+                <a:latin typeface="Times New Roman" panose="02020603050405020304" pitchFamily="18" charset="0"/>
+                <a:cs typeface="Times New Roman" panose="02020603050405020304" pitchFamily="18" charset="0"/>
+              </a:rPr>
+              <a:t>Heat distribution</a:t>
+            </a:r>
+          </a:p>
+        </p:txBody>
+      </p:sp>
+      <p:pic>
+        <p:nvPicPr>
+          <p:cNvPr id="9" name="Picture 8"/>
+          <p:cNvPicPr>
+            <a:picLocks noChangeAspect="1"/>
+          </p:cNvPicPr>
+          <p:nvPr/>
+        </p:nvPicPr>
+        <p:blipFill>
+          <a:blip r:embed="rId3"/>
+          <a:stretch>
+            <a:fillRect/>
+          </a:stretch>
+        </p:blipFill>
+        <p:spPr>
+          <a:xfrm>
+            <a:off x="2565068" y="2590800"/>
+            <a:ext cx="5133352" cy="2057400"/>
+          </a:xfrm>
+          <a:prstGeom prst="rect">
+            <a:avLst/>
+          </a:prstGeom>
+        </p:spPr>
+      </p:pic>
     </p:spTree>
     <p:extLst>
       <p:ext uri="{BB962C8B-B14F-4D97-AF65-F5344CB8AC3E}">
-        <p14:creationId xmlns:p14="http://schemas.microsoft.com/office/powerpoint/2010/main" val="229237755"/>
+        <p14:creationId xmlns:p14="http://schemas.microsoft.com/office/powerpoint/2010/main" val="863978329"/>
       </p:ext>
     </p:extLst>
   </p:cSld>

--- a/GRW2017/sunum/GRW2017_MesutUğur.pptx
+++ b/GRW2017/sunum/GRW2017_MesutUğur.pptx
@@ -5,7 +5,7 @@
     <p:sldMasterId id="2147483804" r:id="rId1"/>
   </p:sldMasterIdLst>
   <p:notesMasterIdLst>
-    <p:notesMasterId r:id="rId17"/>
+    <p:notesMasterId r:id="rId25"/>
   </p:notesMasterIdLst>
   <p:sldIdLst>
     <p:sldId id="290" r:id="rId2"/>
@@ -21,8 +21,16 @@
     <p:sldId id="501" r:id="rId12"/>
     <p:sldId id="505" r:id="rId13"/>
     <p:sldId id="506" r:id="rId14"/>
-    <p:sldId id="502" r:id="rId15"/>
-    <p:sldId id="493" r:id="rId16"/>
+    <p:sldId id="508" r:id="rId15"/>
+    <p:sldId id="514" r:id="rId16"/>
+    <p:sldId id="507" r:id="rId17"/>
+    <p:sldId id="509" r:id="rId18"/>
+    <p:sldId id="510" r:id="rId19"/>
+    <p:sldId id="511" r:id="rId20"/>
+    <p:sldId id="502" r:id="rId21"/>
+    <p:sldId id="512" r:id="rId22"/>
+    <p:sldId id="513" r:id="rId23"/>
+    <p:sldId id="493" r:id="rId24"/>
   </p:sldIdLst>
   <p:sldSz cx="9144000" cy="6858000" type="screen4x3"/>
   <p:notesSz cx="6858000" cy="9144000"/>
@@ -4710,7 +4718,10 @@
           </a:bodyPr>
           <a:lstStyle/>
           <a:p>
-            <a:pPr algn="just"/>
+            <a:pPr marL="342900" indent="-342900" algn="just">
+              <a:buFont typeface="Wingdings" panose="05000000000000000000" pitchFamily="2" charset="2"/>
+              <a:buChar char="ü"/>
+            </a:pPr>
             <a:r>
               <a:rPr lang="tr-TR" sz="2000" b="1" dirty="0" smtClean="0">
                 <a:latin typeface="Times New Roman" panose="02020603050405020304" pitchFamily="18" charset="0"/>
@@ -4752,7 +4763,10 @@
             </a:endParaRPr>
           </a:p>
           <a:p>
-            <a:pPr algn="l"/>
+            <a:pPr marL="342900" indent="-342900" algn="l">
+              <a:buFont typeface="Wingdings" panose="05000000000000000000" pitchFamily="2" charset="2"/>
+              <a:buChar char="ü"/>
+            </a:pPr>
             <a:r>
               <a:rPr lang="en-US" sz="2000" dirty="0" smtClean="0">
                 <a:latin typeface="Times New Roman" panose="02020603050405020304" pitchFamily="18" charset="0"/>
@@ -4808,7 +4822,10 @@
             </a:endParaRPr>
           </a:p>
           <a:p>
-            <a:pPr algn="l"/>
+            <a:pPr marL="342900" indent="-342900" algn="l">
+              <a:buFont typeface="Wingdings" panose="05000000000000000000" pitchFamily="2" charset="2"/>
+              <a:buChar char="ü"/>
+            </a:pPr>
             <a:r>
               <a:rPr lang="en-US" sz="2000" dirty="0" smtClean="0">
                 <a:latin typeface="Times New Roman" panose="02020603050405020304" pitchFamily="18" charset="0"/>
@@ -5409,7 +5426,7 @@
         </p:blipFill>
         <p:spPr>
           <a:xfrm>
-            <a:off x="3893545" y="3624560"/>
+            <a:off x="4648200" y="3502854"/>
             <a:ext cx="3124200" cy="2759711"/>
           </a:xfrm>
           <a:prstGeom prst="rect">
@@ -5428,7 +5445,7 @@
         <p:spPr bwMode="auto">
           <a:xfrm>
             <a:off x="1386291" y="1267818"/>
-            <a:ext cx="5014509" cy="2345322"/>
+            <a:ext cx="5014509" cy="2400657"/>
           </a:xfrm>
           <a:prstGeom prst="rect">
             <a:avLst/>
@@ -5452,8 +5469,8 @@
               <a:lnSpc>
                 <a:spcPct val="150000"/>
               </a:lnSpc>
-              <a:buFont typeface="Arial" panose="020B0604020202020204" pitchFamily="34" charset="0"/>
-              <a:buChar char="•"/>
+              <a:buFont typeface="Courier New" panose="02070309020205020404" pitchFamily="49" charset="0"/>
+              <a:buChar char="o"/>
             </a:pPr>
             <a:r>
               <a:rPr lang="en-US" sz="2000" dirty="0" smtClean="0">
@@ -5468,8 +5485,8 @@
               <a:lnSpc>
                 <a:spcPct val="150000"/>
               </a:lnSpc>
-              <a:buFont typeface="Arial" panose="020B0604020202020204" pitchFamily="34" charset="0"/>
-              <a:buChar char="•"/>
+              <a:buFont typeface="Courier New" panose="02070309020205020404" pitchFamily="49" charset="0"/>
+              <a:buChar char="o"/>
             </a:pPr>
             <a:r>
               <a:rPr lang="en-US" sz="2000" dirty="0" smtClean="0">
@@ -5484,8 +5501,8 @@
               <a:lnSpc>
                 <a:spcPct val="150000"/>
               </a:lnSpc>
-              <a:buFont typeface="Arial" panose="020B0604020202020204" pitchFamily="34" charset="0"/>
-              <a:buChar char="•"/>
+              <a:buFont typeface="Courier New" panose="02070309020205020404" pitchFamily="49" charset="0"/>
+              <a:buChar char="o"/>
             </a:pPr>
             <a:r>
               <a:rPr lang="en-US" sz="2000" dirty="0" smtClean="0">
@@ -5500,8 +5517,8 @@
               <a:lnSpc>
                 <a:spcPct val="150000"/>
               </a:lnSpc>
-              <a:buFont typeface="Arial" panose="020B0604020202020204" pitchFamily="34" charset="0"/>
-              <a:buChar char="•"/>
+              <a:buFont typeface="Courier New" panose="02070309020205020404" pitchFamily="49" charset="0"/>
+              <a:buChar char="o"/>
             </a:pPr>
             <a:r>
               <a:rPr lang="en-US" sz="2000" dirty="0" smtClean="0">
@@ -5516,8 +5533,8 @@
               <a:lnSpc>
                 <a:spcPct val="150000"/>
               </a:lnSpc>
-              <a:buFont typeface="Arial" panose="020B0604020202020204" pitchFamily="34" charset="0"/>
-              <a:buChar char="•"/>
+              <a:buFont typeface="Courier New" panose="02070309020205020404" pitchFamily="49" charset="0"/>
+              <a:buChar char="o"/>
             </a:pPr>
             <a:r>
               <a:rPr lang="en-US" sz="2000" dirty="0" smtClean="0">
@@ -5704,7 +5721,21 @@
                 <a:latin typeface="Times New Roman" panose="02020603050405020304" pitchFamily="18" charset="0"/>
                 <a:cs typeface="Times New Roman" panose="02020603050405020304" pitchFamily="18" charset="0"/>
               </a:rPr>
-              <a:t>Capacitors</a:t>
+              <a:t>Capacitor</a:t>
+            </a:r>
+            <a:r>
+              <a:rPr lang="tr-TR" sz="3000" dirty="0" smtClean="0">
+                <a:latin typeface="Times New Roman" panose="02020603050405020304" pitchFamily="18" charset="0"/>
+                <a:cs typeface="Times New Roman" panose="02020603050405020304" pitchFamily="18" charset="0"/>
+              </a:rPr>
+              <a:t> </a:t>
+            </a:r>
+            <a:r>
+              <a:rPr lang="tr-TR" sz="3000" dirty="0" err="1" smtClean="0">
+                <a:latin typeface="Times New Roman" panose="02020603050405020304" pitchFamily="18" charset="0"/>
+                <a:cs typeface="Times New Roman" panose="02020603050405020304" pitchFamily="18" charset="0"/>
+              </a:rPr>
+              <a:t>Optimization</a:t>
             </a:r>
             <a:endParaRPr lang="tr-TR" sz="3000" dirty="0">
               <a:latin typeface="Times New Roman" panose="02020603050405020304" pitchFamily="18" charset="0"/>
@@ -5823,8 +5854,8 @@
         </p:nvSpPr>
         <p:spPr bwMode="auto">
           <a:xfrm>
-            <a:off x="1189918" y="1591640"/>
-            <a:ext cx="3414309" cy="1015663"/>
+            <a:off x="1189919" y="1426345"/>
+            <a:ext cx="3305882" cy="1015663"/>
           </a:xfrm>
           <a:prstGeom prst="rect">
             <a:avLst/>
@@ -5953,7 +5984,7 @@
       </p:pic>
       <p:sp>
         <p:nvSpPr>
-          <p:cNvPr id="18" name="Text Box 9"/>
+          <p:cNvPr id="19" name="Text Box 9"/>
           <p:cNvSpPr txBox="1">
             <a:spLocks noChangeArrowheads="1"/>
           </p:cNvSpPr>
@@ -5961,8 +5992,8 @@
         </p:nvSpPr>
         <p:spPr bwMode="auto">
           <a:xfrm>
-            <a:off x="1218493" y="3226488"/>
-            <a:ext cx="3414309" cy="1015663"/>
+            <a:off x="1403205" y="3714690"/>
+            <a:ext cx="3109509" cy="400110"/>
           </a:xfrm>
           <a:prstGeom prst="rect">
             <a:avLst/>
@@ -5982,90 +6013,246 @@
           </a:bodyPr>
           <a:lstStyle/>
           <a:p>
-            <a:pPr marL="342900" indent="-342900">
-              <a:buFont typeface="Wingdings" panose="05000000000000000000" pitchFamily="2" charset="2"/>
-              <a:buChar char="ü"/>
+            <a:pPr algn="ctr"/>
+            <a:r>
+              <a:rPr lang="en-US" sz="2000" b="1" dirty="0" smtClean="0">
+                <a:latin typeface="Times New Roman" panose="02020603050405020304" pitchFamily="18" charset="0"/>
+                <a:cs typeface="Times New Roman" panose="02020603050405020304" pitchFamily="18" charset="0"/>
+              </a:rPr>
+              <a:t>DC Link capacitor types</a:t>
+            </a:r>
+          </a:p>
+        </p:txBody>
+      </p:sp>
+      <p:sp>
+        <p:nvSpPr>
+          <p:cNvPr id="20" name="Text Box 9"/>
+          <p:cNvSpPr txBox="1">
+            <a:spLocks noChangeArrowheads="1"/>
+          </p:cNvSpPr>
+          <p:nvPr/>
+        </p:nvSpPr>
+        <p:spPr bwMode="auto">
+          <a:xfrm>
+            <a:off x="1189918" y="4191000"/>
+            <a:ext cx="3913528" cy="1169551"/>
+          </a:xfrm>
+          <a:prstGeom prst="rect">
+            <a:avLst/>
+          </a:prstGeom>
+          <a:noFill/>
+          <a:ln w="9525">
+            <a:noFill/>
+            <a:miter lim="800000"/>
+            <a:headEnd/>
+            <a:tailEnd/>
+          </a:ln>
+          <a:effectLst/>
+        </p:spPr>
+        <p:txBody>
+          <a:bodyPr wrap="square">
+            <a:spAutoFit/>
+          </a:bodyPr>
+          <a:lstStyle/>
+          <a:p>
+            <a:pPr>
+              <a:spcAft>
+                <a:spcPts val="600"/>
+              </a:spcAft>
             </a:pPr>
             <a:r>
-              <a:rPr lang="tr-TR" sz="2000" b="1" dirty="0" smtClean="0">
-                <a:latin typeface="Times New Roman" panose="02020603050405020304" pitchFamily="18" charset="0"/>
-                <a:cs typeface="Times New Roman" panose="02020603050405020304" pitchFamily="18" charset="0"/>
-              </a:rPr>
-              <a:t>DC Link </a:t>
-            </a:r>
-            <a:r>
-              <a:rPr lang="tr-TR" sz="2000" b="1" dirty="0" err="1" smtClean="0">
-                <a:latin typeface="Times New Roman" panose="02020603050405020304" pitchFamily="18" charset="0"/>
-                <a:cs typeface="Times New Roman" panose="02020603050405020304" pitchFamily="18" charset="0"/>
-              </a:rPr>
-              <a:t>capacitor</a:t>
-            </a:r>
-            <a:r>
-              <a:rPr lang="tr-TR" sz="2000" b="1" dirty="0" smtClean="0">
-                <a:latin typeface="Times New Roman" panose="02020603050405020304" pitchFamily="18" charset="0"/>
-                <a:cs typeface="Times New Roman" panose="02020603050405020304" pitchFamily="18" charset="0"/>
-              </a:rPr>
-              <a:t> </a:t>
-            </a:r>
-            <a:r>
-              <a:rPr lang="tr-TR" sz="2000" b="1" dirty="0" err="1" smtClean="0">
-                <a:latin typeface="Times New Roman" panose="02020603050405020304" pitchFamily="18" charset="0"/>
-                <a:cs typeface="Times New Roman" panose="02020603050405020304" pitchFamily="18" charset="0"/>
-              </a:rPr>
-              <a:t>duties</a:t>
-            </a:r>
-            <a:endParaRPr lang="tr-TR" sz="2000" b="1" dirty="0" smtClean="0">
-              <a:latin typeface="Times New Roman" panose="02020603050405020304" pitchFamily="18" charset="0"/>
-              <a:cs typeface="Times New Roman" panose="02020603050405020304" pitchFamily="18" charset="0"/>
-            </a:endParaRPr>
-          </a:p>
-          <a:p>
-            <a:pPr marL="342900" indent="-342900">
-              <a:buFont typeface="Wingdings" panose="05000000000000000000" pitchFamily="2" charset="2"/>
-              <a:buChar char="ü"/>
+              <a:rPr lang="en-US" sz="2000" dirty="0" smtClean="0">
+                <a:latin typeface="Times New Roman" panose="02020603050405020304" pitchFamily="18" charset="0"/>
+                <a:cs typeface="Times New Roman" panose="02020603050405020304" pitchFamily="18" charset="0"/>
+              </a:rPr>
+              <a:t>Aluminum electrolytic</a:t>
+            </a:r>
+          </a:p>
+          <a:p>
+            <a:pPr>
+              <a:spcAft>
+                <a:spcPts val="600"/>
+              </a:spcAft>
             </a:pPr>
             <a:r>
-              <a:rPr lang="tr-TR" sz="2000" b="1" dirty="0" smtClean="0">
-                <a:latin typeface="Times New Roman" panose="02020603050405020304" pitchFamily="18" charset="0"/>
-                <a:cs typeface="Times New Roman" panose="02020603050405020304" pitchFamily="18" charset="0"/>
-              </a:rPr>
-              <a:t>DC Link </a:t>
-            </a:r>
-            <a:r>
-              <a:rPr lang="tr-TR" sz="2000" b="1" dirty="0" err="1" smtClean="0">
-                <a:latin typeface="Times New Roman" panose="02020603050405020304" pitchFamily="18" charset="0"/>
-                <a:cs typeface="Times New Roman" panose="02020603050405020304" pitchFamily="18" charset="0"/>
-              </a:rPr>
-              <a:t>capacitor</a:t>
-            </a:r>
-            <a:r>
-              <a:rPr lang="tr-TR" sz="2000" b="1" dirty="0" smtClean="0">
-                <a:latin typeface="Times New Roman" panose="02020603050405020304" pitchFamily="18" charset="0"/>
-                <a:cs typeface="Times New Roman" panose="02020603050405020304" pitchFamily="18" charset="0"/>
-              </a:rPr>
-              <a:t> </a:t>
-            </a:r>
-            <a:r>
-              <a:rPr lang="tr-TR" sz="2000" b="1" dirty="0" err="1" smtClean="0">
-                <a:latin typeface="Times New Roman" panose="02020603050405020304" pitchFamily="18" charset="0"/>
-                <a:cs typeface="Times New Roman" panose="02020603050405020304" pitchFamily="18" charset="0"/>
-              </a:rPr>
-              <a:t>types</a:t>
-            </a:r>
-            <a:endParaRPr lang="tr-TR" sz="2000" b="1" smtClean="0">
-              <a:latin typeface="Times New Roman" panose="02020603050405020304" pitchFamily="18" charset="0"/>
-              <a:cs typeface="Times New Roman" panose="02020603050405020304" pitchFamily="18" charset="0"/>
-            </a:endParaRPr>
-          </a:p>
-          <a:p>
-            <a:pPr marL="342900" indent="-342900">
-              <a:buFont typeface="Wingdings" panose="05000000000000000000" pitchFamily="2" charset="2"/>
-              <a:buChar char="ü"/>
+              <a:rPr lang="en-US" sz="2000" dirty="0" smtClean="0">
+                <a:latin typeface="Times New Roman" panose="02020603050405020304" pitchFamily="18" charset="0"/>
+                <a:cs typeface="Times New Roman" panose="02020603050405020304" pitchFamily="18" charset="0"/>
+              </a:rPr>
+              <a:t>Metal Film</a:t>
+            </a:r>
+          </a:p>
+          <a:p>
+            <a:pPr>
+              <a:spcAft>
+                <a:spcPts val="600"/>
+              </a:spcAft>
             </a:pPr>
-            <a:endParaRPr lang="en-US" sz="2000" b="1" dirty="0">
-              <a:latin typeface="Times New Roman" panose="02020603050405020304" pitchFamily="18" charset="0"/>
-              <a:cs typeface="Times New Roman" panose="02020603050405020304" pitchFamily="18" charset="0"/>
-            </a:endParaRPr>
+            <a:r>
+              <a:rPr lang="en-US" sz="2000" dirty="0" smtClean="0">
+                <a:latin typeface="Times New Roman" panose="02020603050405020304" pitchFamily="18" charset="0"/>
+                <a:cs typeface="Times New Roman" panose="02020603050405020304" pitchFamily="18" charset="0"/>
+              </a:rPr>
+              <a:t>Multilayer ceramic (MLCC)</a:t>
+            </a:r>
+          </a:p>
+        </p:txBody>
+      </p:sp>
+      <p:sp>
+        <p:nvSpPr>
+          <p:cNvPr id="21" name="Text Box 9"/>
+          <p:cNvSpPr txBox="1">
+            <a:spLocks noChangeArrowheads="1"/>
+          </p:cNvSpPr>
+          <p:nvPr/>
+        </p:nvSpPr>
+        <p:spPr bwMode="auto">
+          <a:xfrm>
+            <a:off x="5244299" y="3562290"/>
+            <a:ext cx="3109509" cy="400110"/>
+          </a:xfrm>
+          <a:prstGeom prst="rect">
+            <a:avLst/>
+          </a:prstGeom>
+          <a:noFill/>
+          <a:ln w="9525">
+            <a:noFill/>
+            <a:miter lim="800000"/>
+            <a:headEnd/>
+            <a:tailEnd/>
+          </a:ln>
+          <a:effectLst/>
+        </p:spPr>
+        <p:txBody>
+          <a:bodyPr wrap="square">
+            <a:spAutoFit/>
+          </a:bodyPr>
+          <a:lstStyle/>
+          <a:p>
+            <a:pPr algn="ctr"/>
+            <a:r>
+              <a:rPr lang="en-US" sz="2000" b="1" dirty="0" smtClean="0">
+                <a:latin typeface="Times New Roman" panose="02020603050405020304" pitchFamily="18" charset="0"/>
+                <a:cs typeface="Times New Roman" panose="02020603050405020304" pitchFamily="18" charset="0"/>
+              </a:rPr>
+              <a:t>Critical parameters</a:t>
+            </a:r>
+          </a:p>
+        </p:txBody>
+      </p:sp>
+      <p:sp>
+        <p:nvSpPr>
+          <p:cNvPr id="22" name="Text Box 9"/>
+          <p:cNvSpPr txBox="1">
+            <a:spLocks noChangeArrowheads="1"/>
+          </p:cNvSpPr>
+          <p:nvPr/>
+        </p:nvSpPr>
+        <p:spPr bwMode="auto">
+          <a:xfrm>
+            <a:off x="5103446" y="3962400"/>
+            <a:ext cx="3913528" cy="2323713"/>
+          </a:xfrm>
+          <a:prstGeom prst="rect">
+            <a:avLst/>
+          </a:prstGeom>
+          <a:noFill/>
+          <a:ln w="9525">
+            <a:noFill/>
+            <a:miter lim="800000"/>
+            <a:headEnd/>
+            <a:tailEnd/>
+          </a:ln>
+          <a:effectLst/>
+        </p:spPr>
+        <p:txBody>
+          <a:bodyPr wrap="square">
+            <a:spAutoFit/>
+          </a:bodyPr>
+          <a:lstStyle/>
+          <a:p>
+            <a:pPr>
+              <a:spcAft>
+                <a:spcPts val="600"/>
+              </a:spcAft>
+            </a:pPr>
+            <a:r>
+              <a:rPr lang="en-US" sz="2000" dirty="0" smtClean="0">
+                <a:latin typeface="Times New Roman" panose="02020603050405020304" pitchFamily="18" charset="0"/>
+                <a:cs typeface="Times New Roman" panose="02020603050405020304" pitchFamily="18" charset="0"/>
+              </a:rPr>
+              <a:t>Capacitance per volume</a:t>
+            </a:r>
+          </a:p>
+          <a:p>
+            <a:pPr>
+              <a:spcAft>
+                <a:spcPts val="600"/>
+              </a:spcAft>
+            </a:pPr>
+            <a:r>
+              <a:rPr lang="en-US" sz="2000" dirty="0" smtClean="0">
+                <a:latin typeface="Times New Roman" panose="02020603050405020304" pitchFamily="18" charset="0"/>
+                <a:cs typeface="Times New Roman" panose="02020603050405020304" pitchFamily="18" charset="0"/>
+              </a:rPr>
+              <a:t>RMS current per volume</a:t>
+            </a:r>
+          </a:p>
+          <a:p>
+            <a:pPr>
+              <a:spcAft>
+                <a:spcPts val="600"/>
+              </a:spcAft>
+            </a:pPr>
+            <a:r>
+              <a:rPr lang="en-US" sz="2000" dirty="0" smtClean="0">
+                <a:latin typeface="Times New Roman" panose="02020603050405020304" pitchFamily="18" charset="0"/>
+                <a:cs typeface="Times New Roman" panose="02020603050405020304" pitchFamily="18" charset="0"/>
+              </a:rPr>
+              <a:t>Cost</a:t>
+            </a:r>
+          </a:p>
+          <a:p>
+            <a:pPr>
+              <a:spcAft>
+                <a:spcPts val="600"/>
+              </a:spcAft>
+            </a:pPr>
+            <a:r>
+              <a:rPr lang="en-US" sz="2000" dirty="0" smtClean="0">
+                <a:latin typeface="Times New Roman" panose="02020603050405020304" pitchFamily="18" charset="0"/>
+                <a:cs typeface="Times New Roman" panose="02020603050405020304" pitchFamily="18" charset="0"/>
+              </a:rPr>
+              <a:t>ESL &amp; ESR</a:t>
+            </a:r>
+          </a:p>
+          <a:p>
+            <a:pPr>
+              <a:spcAft>
+                <a:spcPts val="600"/>
+              </a:spcAft>
+            </a:pPr>
+            <a:r>
+              <a:rPr lang="en-US" sz="2000" dirty="0" smtClean="0">
+                <a:latin typeface="Times New Roman" panose="02020603050405020304" pitchFamily="18" charset="0"/>
+                <a:cs typeface="Times New Roman" panose="02020603050405020304" pitchFamily="18" charset="0"/>
+              </a:rPr>
+              <a:t>Reliability &amp; lifetime</a:t>
+            </a:r>
+          </a:p>
+          <a:p>
+            <a:pPr>
+              <a:spcAft>
+                <a:spcPts val="600"/>
+              </a:spcAft>
+            </a:pPr>
+            <a:r>
+              <a:rPr lang="en-US" sz="2000" dirty="0" smtClean="0">
+                <a:latin typeface="Times New Roman" panose="02020603050405020304" pitchFamily="18" charset="0"/>
+                <a:cs typeface="Times New Roman" panose="02020603050405020304" pitchFamily="18" charset="0"/>
+              </a:rPr>
+              <a:t>Mechanical durability</a:t>
+            </a:r>
           </a:p>
         </p:txBody>
       </p:sp>
@@ -6205,43 +6392,6 @@
           </a:fontRef>
         </p:style>
       </p:cxnSp>
-      <p:sp>
-        <p:nvSpPr>
-          <p:cNvPr id="13" name="TextBox 12"/>
-          <p:cNvSpPr txBox="1"/>
-          <p:nvPr/>
-        </p:nvSpPr>
-        <p:spPr>
-          <a:xfrm>
-            <a:off x="1386291" y="224135"/>
-            <a:ext cx="7315200" cy="553998"/>
-          </a:xfrm>
-          <a:prstGeom prst="rect">
-            <a:avLst/>
-          </a:prstGeom>
-          <a:noFill/>
-        </p:spPr>
-        <p:txBody>
-          <a:bodyPr wrap="square" rtlCol="0">
-            <a:spAutoFit/>
-          </a:bodyPr>
-          <a:lstStyle/>
-          <a:p>
-            <a:pPr algn="ctr"/>
-            <a:r>
-              <a:rPr lang="tr-TR" sz="3000" dirty="0" err="1" smtClean="0">
-                <a:latin typeface="Times New Roman" panose="02020603050405020304" pitchFamily="18" charset="0"/>
-                <a:cs typeface="Times New Roman" panose="02020603050405020304" pitchFamily="18" charset="0"/>
-              </a:rPr>
-              <a:t>Challenges</a:t>
-            </a:r>
-            <a:endParaRPr lang="tr-TR" sz="3000" dirty="0">
-              <a:latin typeface="Times New Roman" panose="02020603050405020304" pitchFamily="18" charset="0"/>
-              <a:cs typeface="Times New Roman" panose="02020603050405020304" pitchFamily="18" charset="0"/>
-            </a:endParaRPr>
-          </a:p>
-        </p:txBody>
-      </p:sp>
       <p:cxnSp>
         <p:nvCxnSpPr>
           <p:cNvPr id="15" name="Straight Connector 14"/>
@@ -6342,10 +6492,390 @@
           </a:extLst>
         </p:spPr>
       </p:pic>
+      <p:sp>
+        <p:nvSpPr>
+          <p:cNvPr id="9" name="TextBox 8"/>
+          <p:cNvSpPr txBox="1"/>
+          <p:nvPr/>
+        </p:nvSpPr>
+        <p:spPr>
+          <a:xfrm>
+            <a:off x="1386291" y="224135"/>
+            <a:ext cx="7315200" cy="553998"/>
+          </a:xfrm>
+          <a:prstGeom prst="rect">
+            <a:avLst/>
+          </a:prstGeom>
+          <a:noFill/>
+        </p:spPr>
+        <p:txBody>
+          <a:bodyPr wrap="square" rtlCol="0">
+            <a:spAutoFit/>
+          </a:bodyPr>
+          <a:lstStyle/>
+          <a:p>
+            <a:pPr algn="ctr"/>
+            <a:r>
+              <a:rPr lang="tr-TR" sz="3000" dirty="0" smtClean="0">
+                <a:latin typeface="Times New Roman" panose="02020603050405020304" pitchFamily="18" charset="0"/>
+                <a:cs typeface="Times New Roman" panose="02020603050405020304" pitchFamily="18" charset="0"/>
+              </a:rPr>
+              <a:t>DC Link </a:t>
+            </a:r>
+            <a:r>
+              <a:rPr lang="tr-TR" sz="3000" dirty="0" err="1" smtClean="0">
+                <a:latin typeface="Times New Roman" panose="02020603050405020304" pitchFamily="18" charset="0"/>
+                <a:cs typeface="Times New Roman" panose="02020603050405020304" pitchFamily="18" charset="0"/>
+              </a:rPr>
+              <a:t>Capacitor</a:t>
+            </a:r>
+            <a:r>
+              <a:rPr lang="tr-TR" sz="3000" dirty="0" smtClean="0">
+                <a:latin typeface="Times New Roman" panose="02020603050405020304" pitchFamily="18" charset="0"/>
+                <a:cs typeface="Times New Roman" panose="02020603050405020304" pitchFamily="18" charset="0"/>
+              </a:rPr>
+              <a:t> </a:t>
+            </a:r>
+            <a:r>
+              <a:rPr lang="tr-TR" sz="3000" dirty="0" err="1" smtClean="0">
+                <a:latin typeface="Times New Roman" panose="02020603050405020304" pitchFamily="18" charset="0"/>
+                <a:cs typeface="Times New Roman" panose="02020603050405020304" pitchFamily="18" charset="0"/>
+              </a:rPr>
+              <a:t>Optimization</a:t>
+            </a:r>
+            <a:endParaRPr lang="tr-TR" sz="3000" dirty="0">
+              <a:latin typeface="Times New Roman" panose="02020603050405020304" pitchFamily="18" charset="0"/>
+              <a:cs typeface="Times New Roman" panose="02020603050405020304" pitchFamily="18" charset="0"/>
+            </a:endParaRPr>
+          </a:p>
+        </p:txBody>
+      </p:sp>
+      <p:pic>
+        <p:nvPicPr>
+          <p:cNvPr id="3" name="Picture 2"/>
+          <p:cNvPicPr>
+            <a:picLocks noChangeAspect="1"/>
+          </p:cNvPicPr>
+          <p:nvPr/>
+        </p:nvPicPr>
+        <p:blipFill>
+          <a:blip r:embed="rId3"/>
+          <a:stretch>
+            <a:fillRect/>
+          </a:stretch>
+        </p:blipFill>
+        <p:spPr>
+          <a:xfrm>
+            <a:off x="6044657" y="1520035"/>
+            <a:ext cx="2242093" cy="613565"/>
+          </a:xfrm>
+          <a:prstGeom prst="rect">
+            <a:avLst/>
+          </a:prstGeom>
+        </p:spPr>
+      </p:pic>
+      <p:pic>
+        <p:nvPicPr>
+          <p:cNvPr id="4" name="Picture 3"/>
+          <p:cNvPicPr>
+            <a:picLocks noChangeAspect="1"/>
+          </p:cNvPicPr>
+          <p:nvPr/>
+        </p:nvPicPr>
+        <p:blipFill>
+          <a:blip r:embed="rId4"/>
+          <a:stretch>
+            <a:fillRect/>
+          </a:stretch>
+        </p:blipFill>
+        <p:spPr>
+          <a:xfrm>
+            <a:off x="4876800" y="4945524"/>
+            <a:ext cx="4267200" cy="635745"/>
+          </a:xfrm>
+          <a:prstGeom prst="rect">
+            <a:avLst/>
+          </a:prstGeom>
+        </p:spPr>
+      </p:pic>
+      <p:pic>
+        <p:nvPicPr>
+          <p:cNvPr id="5" name="Picture 4"/>
+          <p:cNvPicPr>
+            <a:picLocks noChangeAspect="1"/>
+          </p:cNvPicPr>
+          <p:nvPr/>
+        </p:nvPicPr>
+        <p:blipFill>
+          <a:blip r:embed="rId5"/>
+          <a:stretch>
+            <a:fillRect/>
+          </a:stretch>
+        </p:blipFill>
+        <p:spPr>
+          <a:xfrm>
+            <a:off x="5846221" y="3124024"/>
+            <a:ext cx="2688179" cy="666669"/>
+          </a:xfrm>
+          <a:prstGeom prst="rect">
+            <a:avLst/>
+          </a:prstGeom>
+        </p:spPr>
+      </p:pic>
+      <p:pic>
+        <p:nvPicPr>
+          <p:cNvPr id="7" name="Picture 6"/>
+          <p:cNvPicPr>
+            <a:picLocks noChangeAspect="1"/>
+          </p:cNvPicPr>
+          <p:nvPr/>
+        </p:nvPicPr>
+        <p:blipFill>
+          <a:blip r:embed="rId6"/>
+          <a:stretch>
+            <a:fillRect/>
+          </a:stretch>
+        </p:blipFill>
+        <p:spPr>
+          <a:xfrm>
+            <a:off x="1356722" y="1275525"/>
+            <a:ext cx="3823094" cy="2232117"/>
+          </a:xfrm>
+          <a:prstGeom prst="rect">
+            <a:avLst/>
+          </a:prstGeom>
+        </p:spPr>
+      </p:pic>
+      <p:pic>
+        <p:nvPicPr>
+          <p:cNvPr id="8" name="Picture 7"/>
+          <p:cNvPicPr>
+            <a:picLocks noChangeAspect="1"/>
+          </p:cNvPicPr>
+          <p:nvPr/>
+        </p:nvPicPr>
+        <p:blipFill>
+          <a:blip r:embed="rId7"/>
+          <a:stretch>
+            <a:fillRect/>
+          </a:stretch>
+        </p:blipFill>
+        <p:spPr>
+          <a:xfrm>
+            <a:off x="1524000" y="4673737"/>
+            <a:ext cx="2721832" cy="1100966"/>
+          </a:xfrm>
+          <a:prstGeom prst="rect">
+            <a:avLst/>
+          </a:prstGeom>
+        </p:spPr>
+      </p:pic>
+      <p:sp>
+        <p:nvSpPr>
+          <p:cNvPr id="19" name="Text Box 9"/>
+          <p:cNvSpPr txBox="1">
+            <a:spLocks noChangeArrowheads="1"/>
+          </p:cNvSpPr>
+          <p:nvPr/>
+        </p:nvSpPr>
+        <p:spPr bwMode="auto">
+          <a:xfrm>
+            <a:off x="5638800" y="1106248"/>
+            <a:ext cx="3048000" cy="338554"/>
+          </a:xfrm>
+          <a:prstGeom prst="rect">
+            <a:avLst/>
+          </a:prstGeom>
+          <a:noFill/>
+          <a:ln w="9525">
+            <a:noFill/>
+            <a:miter lim="800000"/>
+            <a:headEnd/>
+            <a:tailEnd/>
+          </a:ln>
+          <a:effectLst/>
+        </p:spPr>
+        <p:txBody>
+          <a:bodyPr wrap="square">
+            <a:spAutoFit/>
+          </a:bodyPr>
+          <a:lstStyle/>
+          <a:p>
+            <a:pPr algn="ctr">
+              <a:spcAft>
+                <a:spcPts val="600"/>
+              </a:spcAft>
+            </a:pPr>
+            <a:r>
+              <a:rPr lang="en-US" sz="1600" dirty="0" smtClean="0">
+                <a:latin typeface="Times New Roman" panose="02020603050405020304" pitchFamily="18" charset="0"/>
+                <a:cs typeface="Times New Roman" panose="02020603050405020304" pitchFamily="18" charset="0"/>
+              </a:rPr>
+              <a:t>DC Link average current</a:t>
+            </a:r>
+          </a:p>
+        </p:txBody>
+      </p:sp>
+      <p:sp>
+        <p:nvSpPr>
+          <p:cNvPr id="20" name="Text Box 9"/>
+          <p:cNvSpPr txBox="1">
+            <a:spLocks noChangeArrowheads="1"/>
+          </p:cNvSpPr>
+          <p:nvPr/>
+        </p:nvSpPr>
+        <p:spPr bwMode="auto">
+          <a:xfrm>
+            <a:off x="5653491" y="2636077"/>
+            <a:ext cx="3048000" cy="338554"/>
+          </a:xfrm>
+          <a:prstGeom prst="rect">
+            <a:avLst/>
+          </a:prstGeom>
+          <a:noFill/>
+          <a:ln w="9525">
+            <a:noFill/>
+            <a:miter lim="800000"/>
+            <a:headEnd/>
+            <a:tailEnd/>
+          </a:ln>
+          <a:effectLst/>
+        </p:spPr>
+        <p:txBody>
+          <a:bodyPr wrap="square">
+            <a:spAutoFit/>
+          </a:bodyPr>
+          <a:lstStyle/>
+          <a:p>
+            <a:pPr algn="ctr">
+              <a:spcAft>
+                <a:spcPts val="600"/>
+              </a:spcAft>
+            </a:pPr>
+            <a:r>
+              <a:rPr lang="en-US" sz="1600" dirty="0" smtClean="0">
+                <a:latin typeface="Times New Roman" panose="02020603050405020304" pitchFamily="18" charset="0"/>
+                <a:cs typeface="Times New Roman" panose="02020603050405020304" pitchFamily="18" charset="0"/>
+              </a:rPr>
+              <a:t>DC Link ripple voltage</a:t>
+            </a:r>
+          </a:p>
+        </p:txBody>
+      </p:sp>
+      <p:sp>
+        <p:nvSpPr>
+          <p:cNvPr id="21" name="Text Box 9"/>
+          <p:cNvSpPr txBox="1">
+            <a:spLocks noChangeArrowheads="1"/>
+          </p:cNvSpPr>
+          <p:nvPr/>
+        </p:nvSpPr>
+        <p:spPr bwMode="auto">
+          <a:xfrm>
+            <a:off x="5486400" y="4504460"/>
+            <a:ext cx="3048000" cy="338554"/>
+          </a:xfrm>
+          <a:prstGeom prst="rect">
+            <a:avLst/>
+          </a:prstGeom>
+          <a:noFill/>
+          <a:ln w="9525">
+            <a:noFill/>
+            <a:miter lim="800000"/>
+            <a:headEnd/>
+            <a:tailEnd/>
+          </a:ln>
+          <a:effectLst/>
+        </p:spPr>
+        <p:txBody>
+          <a:bodyPr wrap="square">
+            <a:spAutoFit/>
+          </a:bodyPr>
+          <a:lstStyle/>
+          <a:p>
+            <a:pPr algn="ctr">
+              <a:spcAft>
+                <a:spcPts val="600"/>
+              </a:spcAft>
+            </a:pPr>
+            <a:r>
+              <a:rPr lang="en-US" sz="1600" dirty="0" smtClean="0">
+                <a:latin typeface="Times New Roman" panose="02020603050405020304" pitchFamily="18" charset="0"/>
+                <a:cs typeface="Times New Roman" panose="02020603050405020304" pitchFamily="18" charset="0"/>
+              </a:rPr>
+              <a:t>DC Link RMS current</a:t>
+            </a:r>
+          </a:p>
+        </p:txBody>
+      </p:sp>
+      <p:sp>
+        <p:nvSpPr>
+          <p:cNvPr id="22" name="Text Box 9"/>
+          <p:cNvSpPr txBox="1">
+            <a:spLocks noChangeArrowheads="1"/>
+          </p:cNvSpPr>
+          <p:nvPr/>
+        </p:nvSpPr>
+        <p:spPr bwMode="auto">
+          <a:xfrm>
+            <a:off x="1356722" y="4152229"/>
+            <a:ext cx="3048000" cy="338554"/>
+          </a:xfrm>
+          <a:prstGeom prst="rect">
+            <a:avLst/>
+          </a:prstGeom>
+          <a:noFill/>
+          <a:ln w="9525">
+            <a:noFill/>
+            <a:miter lim="800000"/>
+            <a:headEnd/>
+            <a:tailEnd/>
+          </a:ln>
+          <a:effectLst/>
+        </p:spPr>
+        <p:txBody>
+          <a:bodyPr wrap="square">
+            <a:spAutoFit/>
+          </a:bodyPr>
+          <a:lstStyle/>
+          <a:p>
+            <a:pPr algn="ctr">
+              <a:spcAft>
+                <a:spcPts val="600"/>
+              </a:spcAft>
+            </a:pPr>
+            <a:r>
+              <a:rPr lang="tr-TR" sz="1600" dirty="0" err="1" smtClean="0">
+                <a:latin typeface="Times New Roman" panose="02020603050405020304" pitchFamily="18" charset="0"/>
+                <a:cs typeface="Times New Roman" panose="02020603050405020304" pitchFamily="18" charset="0"/>
+              </a:rPr>
+              <a:t>Capacitor</a:t>
+            </a:r>
+            <a:r>
+              <a:rPr lang="tr-TR" sz="1600" dirty="0" smtClean="0">
+                <a:latin typeface="Times New Roman" panose="02020603050405020304" pitchFamily="18" charset="0"/>
+                <a:cs typeface="Times New Roman" panose="02020603050405020304" pitchFamily="18" charset="0"/>
+              </a:rPr>
+              <a:t> </a:t>
+            </a:r>
+            <a:r>
+              <a:rPr lang="tr-TR" sz="1600" dirty="0" err="1" smtClean="0">
+                <a:latin typeface="Times New Roman" panose="02020603050405020304" pitchFamily="18" charset="0"/>
+                <a:cs typeface="Times New Roman" panose="02020603050405020304" pitchFamily="18" charset="0"/>
+              </a:rPr>
+              <a:t>heating</a:t>
+            </a:r>
+            <a:endParaRPr lang="en-US" sz="1600" dirty="0" smtClean="0">
+              <a:latin typeface="Times New Roman" panose="02020603050405020304" pitchFamily="18" charset="0"/>
+              <a:cs typeface="Times New Roman" panose="02020603050405020304" pitchFamily="18" charset="0"/>
+            </a:endParaRPr>
+          </a:p>
+        </p:txBody>
+      </p:sp>
     </p:spTree>
     <p:extLst>
       <p:ext uri="{BB962C8B-B14F-4D97-AF65-F5344CB8AC3E}">
-        <p14:creationId xmlns:p14="http://schemas.microsoft.com/office/powerpoint/2010/main" val="471846561"/>
+        <p14:creationId xmlns:p14="http://schemas.microsoft.com/office/powerpoint/2010/main" val="2406531876"/>
       </p:ext>
     </p:extLst>
   </p:cSld>
@@ -6580,6 +7110,4411 @@
       </p:pic>
       <p:sp>
         <p:nvSpPr>
+          <p:cNvPr id="18" name="Text Box 9"/>
+          <p:cNvSpPr txBox="1">
+            <a:spLocks noChangeArrowheads="1"/>
+          </p:cNvSpPr>
+          <p:nvPr/>
+        </p:nvSpPr>
+        <p:spPr bwMode="auto">
+          <a:xfrm>
+            <a:off x="1189918" y="1143000"/>
+            <a:ext cx="4267907" cy="2246769"/>
+          </a:xfrm>
+          <a:prstGeom prst="rect">
+            <a:avLst/>
+          </a:prstGeom>
+          <a:noFill/>
+          <a:ln w="9525">
+            <a:noFill/>
+            <a:miter lim="800000"/>
+            <a:headEnd/>
+            <a:tailEnd/>
+          </a:ln>
+          <a:effectLst/>
+        </p:spPr>
+        <p:txBody>
+          <a:bodyPr wrap="square">
+            <a:spAutoFit/>
+          </a:bodyPr>
+          <a:lstStyle/>
+          <a:p>
+            <a:pPr marL="342900" indent="-342900">
+              <a:buFont typeface="Wingdings" panose="05000000000000000000" pitchFamily="2" charset="2"/>
+              <a:buChar char="ü"/>
+            </a:pPr>
+            <a:r>
+              <a:rPr lang="en-US" sz="2000" b="1" dirty="0" smtClean="0">
+                <a:latin typeface="Times New Roman" panose="02020603050405020304" pitchFamily="18" charset="0"/>
+                <a:cs typeface="Times New Roman" panose="02020603050405020304" pitchFamily="18" charset="0"/>
+              </a:rPr>
+              <a:t>Analytical model</a:t>
+            </a:r>
+          </a:p>
+          <a:p>
+            <a:pPr marL="800100" lvl="1" indent="-342900">
+              <a:buFont typeface="Wingdings" panose="05000000000000000000" pitchFamily="2" charset="2"/>
+              <a:buChar char="ü"/>
+            </a:pPr>
+            <a:r>
+              <a:rPr lang="en-US" sz="2000" b="1" dirty="0" smtClean="0">
+                <a:latin typeface="Times New Roman" panose="02020603050405020304" pitchFamily="18" charset="0"/>
+                <a:cs typeface="Times New Roman" panose="02020603050405020304" pitchFamily="18" charset="0"/>
+              </a:rPr>
+              <a:t>RMS current</a:t>
+            </a:r>
+          </a:p>
+          <a:p>
+            <a:pPr marL="800100" lvl="1" indent="-342900">
+              <a:buFont typeface="Wingdings" panose="05000000000000000000" pitchFamily="2" charset="2"/>
+              <a:buChar char="ü"/>
+            </a:pPr>
+            <a:r>
+              <a:rPr lang="en-US" sz="2000" b="1" dirty="0" smtClean="0">
+                <a:latin typeface="Times New Roman" panose="02020603050405020304" pitchFamily="18" charset="0"/>
+                <a:cs typeface="Times New Roman" panose="02020603050405020304" pitchFamily="18" charset="0"/>
+              </a:rPr>
+              <a:t>Capacitance (ripple voltage)</a:t>
+            </a:r>
+            <a:endParaRPr lang="tr-TR" sz="2000" b="1" dirty="0" smtClean="0">
+              <a:latin typeface="Times New Roman" panose="02020603050405020304" pitchFamily="18" charset="0"/>
+              <a:cs typeface="Times New Roman" panose="02020603050405020304" pitchFamily="18" charset="0"/>
+            </a:endParaRPr>
+          </a:p>
+          <a:p>
+            <a:pPr marL="800100" lvl="1" indent="-342900">
+              <a:buFont typeface="Wingdings" panose="05000000000000000000" pitchFamily="2" charset="2"/>
+              <a:buChar char="ü"/>
+            </a:pPr>
+            <a:r>
+              <a:rPr lang="tr-TR" sz="2000" b="1" dirty="0" err="1" smtClean="0">
+                <a:latin typeface="Times New Roman" panose="02020603050405020304" pitchFamily="18" charset="0"/>
+                <a:cs typeface="Times New Roman" panose="02020603050405020304" pitchFamily="18" charset="0"/>
+              </a:rPr>
+              <a:t>Heating</a:t>
+            </a:r>
+            <a:endParaRPr lang="tr-TR" sz="2000" b="1" dirty="0" smtClean="0">
+              <a:latin typeface="Times New Roman" panose="02020603050405020304" pitchFamily="18" charset="0"/>
+              <a:cs typeface="Times New Roman" panose="02020603050405020304" pitchFamily="18" charset="0"/>
+            </a:endParaRPr>
+          </a:p>
+          <a:p>
+            <a:pPr marL="342900" indent="-342900">
+              <a:buFont typeface="Wingdings" panose="05000000000000000000" pitchFamily="2" charset="2"/>
+              <a:buChar char="ü"/>
+            </a:pPr>
+            <a:r>
+              <a:rPr lang="tr-TR" sz="2000" b="1" dirty="0" err="1" smtClean="0">
+                <a:latin typeface="Times New Roman" panose="02020603050405020304" pitchFamily="18" charset="0"/>
+                <a:cs typeface="Times New Roman" panose="02020603050405020304" pitchFamily="18" charset="0"/>
+              </a:rPr>
+              <a:t>Interleaving</a:t>
+            </a:r>
+            <a:endParaRPr lang="en-US" sz="2000" b="1" dirty="0">
+              <a:latin typeface="Times New Roman" panose="02020603050405020304" pitchFamily="18" charset="0"/>
+              <a:cs typeface="Times New Roman" panose="02020603050405020304" pitchFamily="18" charset="0"/>
+            </a:endParaRPr>
+          </a:p>
+          <a:p>
+            <a:pPr marL="800100" lvl="1" indent="-342900">
+              <a:buFont typeface="Wingdings" panose="05000000000000000000" pitchFamily="2" charset="2"/>
+              <a:buChar char="ü"/>
+            </a:pPr>
+            <a:endParaRPr lang="en-US" sz="2000" b="1" dirty="0" smtClean="0">
+              <a:latin typeface="Times New Roman" panose="02020603050405020304" pitchFamily="18" charset="0"/>
+              <a:cs typeface="Times New Roman" panose="02020603050405020304" pitchFamily="18" charset="0"/>
+            </a:endParaRPr>
+          </a:p>
+          <a:p>
+            <a:pPr marL="800100" lvl="1" indent="-342900">
+              <a:buFont typeface="Wingdings" panose="05000000000000000000" pitchFamily="2" charset="2"/>
+              <a:buChar char="ü"/>
+            </a:pPr>
+            <a:endParaRPr lang="en-US" sz="2000" b="1" dirty="0">
+              <a:latin typeface="Times New Roman" panose="02020603050405020304" pitchFamily="18" charset="0"/>
+              <a:cs typeface="Times New Roman" panose="02020603050405020304" pitchFamily="18" charset="0"/>
+            </a:endParaRPr>
+          </a:p>
+        </p:txBody>
+      </p:sp>
+      <p:sp>
+        <p:nvSpPr>
+          <p:cNvPr id="9" name="TextBox 8"/>
+          <p:cNvSpPr txBox="1"/>
+          <p:nvPr/>
+        </p:nvSpPr>
+        <p:spPr>
+          <a:xfrm>
+            <a:off x="1386291" y="224135"/>
+            <a:ext cx="7315200" cy="553998"/>
+          </a:xfrm>
+          <a:prstGeom prst="rect">
+            <a:avLst/>
+          </a:prstGeom>
+          <a:noFill/>
+        </p:spPr>
+        <p:txBody>
+          <a:bodyPr wrap="square" rtlCol="0">
+            <a:spAutoFit/>
+          </a:bodyPr>
+          <a:lstStyle/>
+          <a:p>
+            <a:pPr algn="ctr"/>
+            <a:r>
+              <a:rPr lang="tr-TR" sz="3000" dirty="0" smtClean="0">
+                <a:latin typeface="Times New Roman" panose="02020603050405020304" pitchFamily="18" charset="0"/>
+                <a:cs typeface="Times New Roman" panose="02020603050405020304" pitchFamily="18" charset="0"/>
+              </a:rPr>
+              <a:t>DC Link </a:t>
+            </a:r>
+            <a:r>
+              <a:rPr lang="tr-TR" sz="3000" dirty="0" err="1" smtClean="0">
+                <a:latin typeface="Times New Roman" panose="02020603050405020304" pitchFamily="18" charset="0"/>
+                <a:cs typeface="Times New Roman" panose="02020603050405020304" pitchFamily="18" charset="0"/>
+              </a:rPr>
+              <a:t>Capacitor</a:t>
+            </a:r>
+            <a:r>
+              <a:rPr lang="tr-TR" sz="3000" dirty="0" smtClean="0">
+                <a:latin typeface="Times New Roman" panose="02020603050405020304" pitchFamily="18" charset="0"/>
+                <a:cs typeface="Times New Roman" panose="02020603050405020304" pitchFamily="18" charset="0"/>
+              </a:rPr>
+              <a:t> </a:t>
+            </a:r>
+            <a:r>
+              <a:rPr lang="tr-TR" sz="3000" dirty="0" err="1" smtClean="0">
+                <a:latin typeface="Times New Roman" panose="02020603050405020304" pitchFamily="18" charset="0"/>
+                <a:cs typeface="Times New Roman" panose="02020603050405020304" pitchFamily="18" charset="0"/>
+              </a:rPr>
+              <a:t>Optimization</a:t>
+            </a:r>
+            <a:endParaRPr lang="tr-TR" sz="3000" dirty="0">
+              <a:latin typeface="Times New Roman" panose="02020603050405020304" pitchFamily="18" charset="0"/>
+              <a:cs typeface="Times New Roman" panose="02020603050405020304" pitchFamily="18" charset="0"/>
+            </a:endParaRPr>
+          </a:p>
+        </p:txBody>
+      </p:sp>
+      <p:pic>
+        <p:nvPicPr>
+          <p:cNvPr id="12" name="Picture 11"/>
+          <p:cNvPicPr>
+            <a:picLocks noChangeAspect="1"/>
+          </p:cNvPicPr>
+          <p:nvPr/>
+        </p:nvPicPr>
+        <p:blipFill>
+          <a:blip r:embed="rId3"/>
+          <a:stretch>
+            <a:fillRect/>
+          </a:stretch>
+        </p:blipFill>
+        <p:spPr>
+          <a:xfrm>
+            <a:off x="5101041" y="3637418"/>
+            <a:ext cx="3465033" cy="2481696"/>
+          </a:xfrm>
+          <a:prstGeom prst="rect">
+            <a:avLst/>
+          </a:prstGeom>
+        </p:spPr>
+      </p:pic>
+      <p:pic>
+        <p:nvPicPr>
+          <p:cNvPr id="16" name="Picture 15"/>
+          <p:cNvPicPr>
+            <a:picLocks noChangeAspect="1"/>
+          </p:cNvPicPr>
+          <p:nvPr/>
+        </p:nvPicPr>
+        <p:blipFill>
+          <a:blip r:embed="rId4"/>
+          <a:stretch>
+            <a:fillRect/>
+          </a:stretch>
+        </p:blipFill>
+        <p:spPr>
+          <a:xfrm>
+            <a:off x="1170868" y="3352450"/>
+            <a:ext cx="4123187" cy="3051631"/>
+          </a:xfrm>
+          <a:prstGeom prst="rect">
+            <a:avLst/>
+          </a:prstGeom>
+        </p:spPr>
+      </p:pic>
+      <p:pic>
+        <p:nvPicPr>
+          <p:cNvPr id="3" name="Picture 2"/>
+          <p:cNvPicPr>
+            <a:picLocks noChangeAspect="1"/>
+          </p:cNvPicPr>
+          <p:nvPr/>
+        </p:nvPicPr>
+        <p:blipFill>
+          <a:blip r:embed="rId5"/>
+          <a:stretch>
+            <a:fillRect/>
+          </a:stretch>
+        </p:blipFill>
+        <p:spPr>
+          <a:xfrm>
+            <a:off x="4191000" y="2481975"/>
+            <a:ext cx="3724275" cy="1019175"/>
+          </a:xfrm>
+          <a:prstGeom prst="rect">
+            <a:avLst/>
+          </a:prstGeom>
+        </p:spPr>
+      </p:pic>
+      <p:pic>
+        <p:nvPicPr>
+          <p:cNvPr id="4" name="Picture 3"/>
+          <p:cNvPicPr>
+            <a:picLocks noChangeAspect="1"/>
+          </p:cNvPicPr>
+          <p:nvPr/>
+        </p:nvPicPr>
+        <p:blipFill>
+          <a:blip r:embed="rId6"/>
+          <a:stretch>
+            <a:fillRect/>
+          </a:stretch>
+        </p:blipFill>
+        <p:spPr>
+          <a:xfrm>
+            <a:off x="1252456" y="3376574"/>
+            <a:ext cx="8439150" cy="1257300"/>
+          </a:xfrm>
+          <a:prstGeom prst="rect">
+            <a:avLst/>
+          </a:prstGeom>
+        </p:spPr>
+      </p:pic>
+      <p:pic>
+        <p:nvPicPr>
+          <p:cNvPr id="5" name="Picture 4"/>
+          <p:cNvPicPr>
+            <a:picLocks noChangeAspect="1"/>
+          </p:cNvPicPr>
+          <p:nvPr/>
+        </p:nvPicPr>
+        <p:blipFill>
+          <a:blip r:embed="rId7"/>
+          <a:stretch>
+            <a:fillRect/>
+          </a:stretch>
+        </p:blipFill>
+        <p:spPr>
+          <a:xfrm>
+            <a:off x="5472031" y="1175245"/>
+            <a:ext cx="3571875" cy="885825"/>
+          </a:xfrm>
+          <a:prstGeom prst="rect">
+            <a:avLst/>
+          </a:prstGeom>
+        </p:spPr>
+      </p:pic>
+      <p:pic>
+        <p:nvPicPr>
+          <p:cNvPr id="7" name="Picture 6"/>
+          <p:cNvPicPr>
+            <a:picLocks noChangeAspect="1"/>
+          </p:cNvPicPr>
+          <p:nvPr/>
+        </p:nvPicPr>
+        <p:blipFill>
+          <a:blip r:embed="rId8"/>
+          <a:stretch>
+            <a:fillRect/>
+          </a:stretch>
+        </p:blipFill>
+        <p:spPr>
+          <a:xfrm>
+            <a:off x="1504950" y="2987582"/>
+            <a:ext cx="3823094" cy="2232117"/>
+          </a:xfrm>
+          <a:prstGeom prst="rect">
+            <a:avLst/>
+          </a:prstGeom>
+        </p:spPr>
+      </p:pic>
+    </p:spTree>
+    <p:extLst>
+      <p:ext uri="{BB962C8B-B14F-4D97-AF65-F5344CB8AC3E}">
+        <p14:creationId xmlns:p14="http://schemas.microsoft.com/office/powerpoint/2010/main" val="3170489505"/>
+      </p:ext>
+    </p:extLst>
+  </p:cSld>
+  <p:clrMapOvr>
+    <a:masterClrMapping/>
+  </p:clrMapOvr>
+  <p:timing>
+    <p:tnLst>
+      <p:par>
+        <p:cTn id="1" dur="indefinite" restart="never" nodeType="tmRoot"/>
+      </p:par>
+    </p:tnLst>
+  </p:timing>
+</p:sld>
+</file>
+
+<file path=ppt/slides/slide16.xml><?xml version="1.0" encoding="utf-8"?>
+<p:sld xmlns:a="http://schemas.openxmlformats.org/drawingml/2006/main" xmlns:r="http://schemas.openxmlformats.org/officeDocument/2006/relationships" xmlns:p="http://schemas.openxmlformats.org/presentationml/2006/main">
+  <p:cSld>
+    <p:spTree>
+      <p:nvGrpSpPr>
+        <p:cNvPr id="1" name=""/>
+        <p:cNvGrpSpPr/>
+        <p:nvPr/>
+      </p:nvGrpSpPr>
+      <p:grpSpPr>
+        <a:xfrm>
+          <a:off x="0" y="0"/>
+          <a:ext cx="0" cy="0"/>
+          <a:chOff x="0" y="0"/>
+          <a:chExt cx="0" cy="0"/>
+        </a:xfrm>
+      </p:grpSpPr>
+      <p:sp>
+        <p:nvSpPr>
+          <p:cNvPr id="10" name="Rectangle 9"/>
+          <p:cNvSpPr/>
+          <p:nvPr/>
+        </p:nvSpPr>
+        <p:spPr>
+          <a:xfrm>
+            <a:off x="0" y="12106"/>
+            <a:ext cx="1011942" cy="6854083"/>
+          </a:xfrm>
+          <a:prstGeom prst="rect">
+            <a:avLst/>
+          </a:prstGeom>
+          <a:gradFill flip="none" rotWithShape="1">
+            <a:gsLst>
+              <a:gs pos="50000">
+                <a:srgbClr val="D00000"/>
+              </a:gs>
+              <a:gs pos="0">
+                <a:srgbClr val="FF0000">
+                  <a:shade val="30000"/>
+                  <a:satMod val="115000"/>
+                </a:srgbClr>
+              </a:gs>
+              <a:gs pos="100000">
+                <a:schemeClr val="accent2">
+                  <a:lumMod val="60000"/>
+                  <a:lumOff val="40000"/>
+                </a:schemeClr>
+              </a:gs>
+            </a:gsLst>
+            <a:lin ang="5400000" scaled="1"/>
+            <a:tileRect/>
+          </a:gradFill>
+          <a:ln>
+            <a:noFill/>
+          </a:ln>
+        </p:spPr>
+        <p:style>
+          <a:lnRef idx="2">
+            <a:schemeClr val="accent1">
+              <a:shade val="50000"/>
+            </a:schemeClr>
+          </a:lnRef>
+          <a:fillRef idx="1">
+            <a:schemeClr val="accent1"/>
+          </a:fillRef>
+          <a:effectRef idx="0">
+            <a:schemeClr val="accent1"/>
+          </a:effectRef>
+          <a:fontRef idx="minor">
+            <a:schemeClr val="lt1"/>
+          </a:fontRef>
+        </p:style>
+        <p:txBody>
+          <a:bodyPr rtlCol="0" anchor="ctr"/>
+          <a:lstStyle/>
+          <a:p>
+            <a:pPr algn="ctr"/>
+            <a:endParaRPr lang="tr-TR"/>
+          </a:p>
+        </p:txBody>
+      </p:sp>
+      <p:cxnSp>
+        <p:nvCxnSpPr>
+          <p:cNvPr id="11" name="Straight Connector 10"/>
+          <p:cNvCxnSpPr/>
+          <p:nvPr/>
+        </p:nvCxnSpPr>
+        <p:spPr>
+          <a:xfrm>
+            <a:off x="1189918" y="838200"/>
+            <a:ext cx="7649282" cy="0"/>
+          </a:xfrm>
+          <a:prstGeom prst="line">
+            <a:avLst/>
+          </a:prstGeom>
+          <a:ln w="50800">
+            <a:solidFill>
+              <a:srgbClr val="F20000"/>
+            </a:solidFill>
+          </a:ln>
+        </p:spPr>
+        <p:style>
+          <a:lnRef idx="1">
+            <a:schemeClr val="accent1"/>
+          </a:lnRef>
+          <a:fillRef idx="0">
+            <a:schemeClr val="accent1"/>
+          </a:fillRef>
+          <a:effectRef idx="0">
+            <a:schemeClr val="accent1"/>
+          </a:effectRef>
+          <a:fontRef idx="minor">
+            <a:schemeClr val="tx1"/>
+          </a:fontRef>
+        </p:style>
+      </p:cxnSp>
+      <p:cxnSp>
+        <p:nvCxnSpPr>
+          <p:cNvPr id="15" name="Straight Connector 14"/>
+          <p:cNvCxnSpPr/>
+          <p:nvPr/>
+        </p:nvCxnSpPr>
+        <p:spPr>
+          <a:xfrm>
+            <a:off x="1189918" y="914400"/>
+            <a:ext cx="7649282" cy="0"/>
+          </a:xfrm>
+          <a:prstGeom prst="line">
+            <a:avLst/>
+          </a:prstGeom>
+          <a:ln w="19050">
+            <a:solidFill>
+              <a:srgbClr val="F20000"/>
+            </a:solidFill>
+          </a:ln>
+        </p:spPr>
+        <p:style>
+          <a:lnRef idx="1">
+            <a:schemeClr val="accent1"/>
+          </a:lnRef>
+          <a:fillRef idx="0">
+            <a:schemeClr val="accent1"/>
+          </a:fillRef>
+          <a:effectRef idx="0">
+            <a:schemeClr val="accent1"/>
+          </a:effectRef>
+          <a:fontRef idx="minor">
+            <a:schemeClr val="tx1"/>
+          </a:fontRef>
+        </p:style>
+      </p:cxnSp>
+      <p:sp>
+        <p:nvSpPr>
+          <p:cNvPr id="2" name="Slide Number Placeholder 1"/>
+          <p:cNvSpPr>
+            <a:spLocks noGrp="1"/>
+          </p:cNvSpPr>
+          <p:nvPr>
+            <p:ph type="sldNum" sz="quarter" idx="12"/>
+          </p:nvPr>
+        </p:nvSpPr>
+        <p:spPr/>
+        <p:txBody>
+          <a:bodyPr/>
+          <a:lstStyle/>
+          <a:p>
+            <a:fld id="{B6F15528-21DE-4FAA-801E-634DDDAF4B2B}" type="slidenum">
+              <a:rPr lang="en-US" smtClean="0"/>
+              <a:pPr/>
+              <a:t>16</a:t>
+            </a:fld>
+            <a:endParaRPr lang="en-US" dirty="0"/>
+          </a:p>
+        </p:txBody>
+      </p:sp>
+      <p:pic>
+        <p:nvPicPr>
+          <p:cNvPr id="14" name="Picture 2" descr="C:\Users\Mesut\Desktop\aselsan sunum\aselsan sunum 10 ekim\aselsan sunum\cezmi bey\ODTU.png"/>
+          <p:cNvPicPr>
+            <a:picLocks noChangeAspect="1" noChangeArrowheads="1"/>
+          </p:cNvPicPr>
+          <p:nvPr/>
+        </p:nvPicPr>
+        <p:blipFill>
+          <a:blip r:embed="rId2" cstate="print">
+            <a:extLst>
+              <a:ext uri="{28A0092B-C50C-407E-A947-70E740481C1C}">
+                <a14:useLocalDpi xmlns:a14="http://schemas.microsoft.com/office/drawing/2010/main" val="0"/>
+              </a:ext>
+            </a:extLst>
+          </a:blip>
+          <a:srcRect/>
+          <a:stretch>
+            <a:fillRect/>
+          </a:stretch>
+        </p:blipFill>
+        <p:spPr bwMode="auto">
+          <a:xfrm>
+            <a:off x="163507" y="266700"/>
+            <a:ext cx="684927" cy="571500"/>
+          </a:xfrm>
+          <a:prstGeom prst="rect">
+            <a:avLst/>
+          </a:prstGeom>
+          <a:noFill/>
+          <a:extLst>
+            <a:ext uri="{909E8E84-426E-40DD-AFC4-6F175D3DCCD1}">
+              <a14:hiddenFill xmlns:a14="http://schemas.microsoft.com/office/drawing/2010/main">
+                <a:solidFill>
+                  <a:srgbClr val="FFFFFF"/>
+                </a:solidFill>
+              </a14:hiddenFill>
+            </a:ext>
+          </a:extLst>
+        </p:spPr>
+      </p:pic>
+      <p:sp>
+        <p:nvSpPr>
+          <p:cNvPr id="18" name="Text Box 9"/>
+          <p:cNvSpPr txBox="1">
+            <a:spLocks noChangeArrowheads="1"/>
+          </p:cNvSpPr>
+          <p:nvPr/>
+        </p:nvSpPr>
+        <p:spPr bwMode="auto">
+          <a:xfrm>
+            <a:off x="1189918" y="1143000"/>
+            <a:ext cx="4267907" cy="1631216"/>
+          </a:xfrm>
+          <a:prstGeom prst="rect">
+            <a:avLst/>
+          </a:prstGeom>
+          <a:noFill/>
+          <a:ln w="9525">
+            <a:noFill/>
+            <a:miter lim="800000"/>
+            <a:headEnd/>
+            <a:tailEnd/>
+          </a:ln>
+          <a:effectLst/>
+        </p:spPr>
+        <p:txBody>
+          <a:bodyPr wrap="square">
+            <a:spAutoFit/>
+          </a:bodyPr>
+          <a:lstStyle/>
+          <a:p>
+            <a:pPr marL="342900" indent="-342900">
+              <a:buFont typeface="Wingdings" panose="05000000000000000000" pitchFamily="2" charset="2"/>
+              <a:buChar char="ü"/>
+            </a:pPr>
+            <a:r>
+              <a:rPr lang="tr-TR" sz="2000" b="1" dirty="0" err="1" smtClean="0">
+                <a:latin typeface="Times New Roman" panose="02020603050405020304" pitchFamily="18" charset="0"/>
+                <a:cs typeface="Times New Roman" panose="02020603050405020304" pitchFamily="18" charset="0"/>
+              </a:rPr>
+              <a:t>Selection</a:t>
+            </a:r>
+            <a:r>
+              <a:rPr lang="tr-TR" sz="2000" b="1" dirty="0" smtClean="0">
+                <a:latin typeface="Times New Roman" panose="02020603050405020304" pitchFamily="18" charset="0"/>
+                <a:cs typeface="Times New Roman" panose="02020603050405020304" pitchFamily="18" charset="0"/>
+              </a:rPr>
+              <a:t> </a:t>
+            </a:r>
+            <a:r>
+              <a:rPr lang="tr-TR" sz="2000" b="1" dirty="0" err="1" smtClean="0">
+                <a:latin typeface="Times New Roman" panose="02020603050405020304" pitchFamily="18" charset="0"/>
+                <a:cs typeface="Times New Roman" panose="02020603050405020304" pitchFamily="18" charset="0"/>
+              </a:rPr>
+              <a:t>aspects</a:t>
+            </a:r>
+            <a:endParaRPr lang="tr-TR" sz="2000" b="1" dirty="0" smtClean="0">
+              <a:latin typeface="Times New Roman" panose="02020603050405020304" pitchFamily="18" charset="0"/>
+              <a:cs typeface="Times New Roman" panose="02020603050405020304" pitchFamily="18" charset="0"/>
+            </a:endParaRPr>
+          </a:p>
+          <a:p>
+            <a:pPr marL="342900" indent="-342900">
+              <a:buFont typeface="Wingdings" panose="05000000000000000000" pitchFamily="2" charset="2"/>
+              <a:buChar char="ü"/>
+            </a:pPr>
+            <a:r>
+              <a:rPr lang="tr-TR" sz="2000" b="1" dirty="0" err="1" smtClean="0">
+                <a:latin typeface="Times New Roman" panose="02020603050405020304" pitchFamily="18" charset="0"/>
+                <a:cs typeface="Times New Roman" panose="02020603050405020304" pitchFamily="18" charset="0"/>
+              </a:rPr>
+              <a:t>Selection</a:t>
+            </a:r>
+            <a:r>
+              <a:rPr lang="tr-TR" sz="2000" b="1" dirty="0" smtClean="0">
+                <a:latin typeface="Times New Roman" panose="02020603050405020304" pitchFamily="18" charset="0"/>
+                <a:cs typeface="Times New Roman" panose="02020603050405020304" pitchFamily="18" charset="0"/>
+              </a:rPr>
+              <a:t> </a:t>
+            </a:r>
+            <a:r>
+              <a:rPr lang="tr-TR" sz="2000" b="1" dirty="0" err="1" smtClean="0">
+                <a:latin typeface="Times New Roman" panose="02020603050405020304" pitchFamily="18" charset="0"/>
+                <a:cs typeface="Times New Roman" panose="02020603050405020304" pitchFamily="18" charset="0"/>
+              </a:rPr>
+              <a:t>algorithm</a:t>
+            </a:r>
+            <a:endParaRPr lang="tr-TR" sz="2000" b="1" dirty="0" smtClean="0">
+              <a:latin typeface="Times New Roman" panose="02020603050405020304" pitchFamily="18" charset="0"/>
+              <a:cs typeface="Times New Roman" panose="02020603050405020304" pitchFamily="18" charset="0"/>
+            </a:endParaRPr>
+          </a:p>
+          <a:p>
+            <a:pPr marL="342900" indent="-342900">
+              <a:buFont typeface="Wingdings" panose="05000000000000000000" pitchFamily="2" charset="2"/>
+              <a:buChar char="ü"/>
+            </a:pPr>
+            <a:r>
+              <a:rPr lang="tr-TR" sz="2000" b="1" dirty="0" err="1" smtClean="0">
+                <a:latin typeface="Times New Roman" panose="02020603050405020304" pitchFamily="18" charset="0"/>
+                <a:cs typeface="Times New Roman" panose="02020603050405020304" pitchFamily="18" charset="0"/>
+              </a:rPr>
+              <a:t>Results</a:t>
+            </a:r>
+            <a:endParaRPr lang="en-US" sz="2000" b="1" dirty="0" smtClean="0">
+              <a:latin typeface="Times New Roman" panose="02020603050405020304" pitchFamily="18" charset="0"/>
+              <a:cs typeface="Times New Roman" panose="02020603050405020304" pitchFamily="18" charset="0"/>
+            </a:endParaRPr>
+          </a:p>
+          <a:p>
+            <a:pPr marL="800100" lvl="1" indent="-342900">
+              <a:buFont typeface="Wingdings" panose="05000000000000000000" pitchFamily="2" charset="2"/>
+              <a:buChar char="ü"/>
+            </a:pPr>
+            <a:endParaRPr lang="en-US" sz="2000" b="1" dirty="0" smtClean="0">
+              <a:latin typeface="Times New Roman" panose="02020603050405020304" pitchFamily="18" charset="0"/>
+              <a:cs typeface="Times New Roman" panose="02020603050405020304" pitchFamily="18" charset="0"/>
+            </a:endParaRPr>
+          </a:p>
+          <a:p>
+            <a:pPr marL="800100" lvl="1" indent="-342900">
+              <a:buFont typeface="Wingdings" panose="05000000000000000000" pitchFamily="2" charset="2"/>
+              <a:buChar char="ü"/>
+            </a:pPr>
+            <a:endParaRPr lang="en-US" sz="2000" b="1" dirty="0">
+              <a:latin typeface="Times New Roman" panose="02020603050405020304" pitchFamily="18" charset="0"/>
+              <a:cs typeface="Times New Roman" panose="02020603050405020304" pitchFamily="18" charset="0"/>
+            </a:endParaRPr>
+          </a:p>
+        </p:txBody>
+      </p:sp>
+      <p:sp>
+        <p:nvSpPr>
+          <p:cNvPr id="12" name="TextBox 11"/>
+          <p:cNvSpPr txBox="1"/>
+          <p:nvPr/>
+        </p:nvSpPr>
+        <p:spPr>
+          <a:xfrm>
+            <a:off x="1386291" y="224135"/>
+            <a:ext cx="7315200" cy="553998"/>
+          </a:xfrm>
+          <a:prstGeom prst="rect">
+            <a:avLst/>
+          </a:prstGeom>
+          <a:noFill/>
+        </p:spPr>
+        <p:txBody>
+          <a:bodyPr wrap="square" rtlCol="0">
+            <a:spAutoFit/>
+          </a:bodyPr>
+          <a:lstStyle/>
+          <a:p>
+            <a:pPr algn="ctr"/>
+            <a:r>
+              <a:rPr lang="tr-TR" sz="3000" dirty="0" smtClean="0">
+                <a:latin typeface="Times New Roman" panose="02020603050405020304" pitchFamily="18" charset="0"/>
+                <a:cs typeface="Times New Roman" panose="02020603050405020304" pitchFamily="18" charset="0"/>
+              </a:rPr>
+              <a:t>DC Link </a:t>
+            </a:r>
+            <a:r>
+              <a:rPr lang="tr-TR" sz="3000" dirty="0" err="1" smtClean="0">
+                <a:latin typeface="Times New Roman" panose="02020603050405020304" pitchFamily="18" charset="0"/>
+                <a:cs typeface="Times New Roman" panose="02020603050405020304" pitchFamily="18" charset="0"/>
+              </a:rPr>
+              <a:t>Capacitor</a:t>
+            </a:r>
+            <a:r>
+              <a:rPr lang="tr-TR" sz="3000" dirty="0" smtClean="0">
+                <a:latin typeface="Times New Roman" panose="02020603050405020304" pitchFamily="18" charset="0"/>
+                <a:cs typeface="Times New Roman" panose="02020603050405020304" pitchFamily="18" charset="0"/>
+              </a:rPr>
+              <a:t> </a:t>
+            </a:r>
+            <a:r>
+              <a:rPr lang="tr-TR" sz="3000" dirty="0" err="1" smtClean="0">
+                <a:latin typeface="Times New Roman" panose="02020603050405020304" pitchFamily="18" charset="0"/>
+                <a:cs typeface="Times New Roman" panose="02020603050405020304" pitchFamily="18" charset="0"/>
+              </a:rPr>
+              <a:t>Optimization</a:t>
+            </a:r>
+            <a:endParaRPr lang="tr-TR" sz="3000" dirty="0">
+              <a:latin typeface="Times New Roman" panose="02020603050405020304" pitchFamily="18" charset="0"/>
+              <a:cs typeface="Times New Roman" panose="02020603050405020304" pitchFamily="18" charset="0"/>
+            </a:endParaRPr>
+          </a:p>
+        </p:txBody>
+      </p:sp>
+      <p:pic>
+        <p:nvPicPr>
+          <p:cNvPr id="19" name="Picture 18"/>
+          <p:cNvPicPr>
+            <a:picLocks noChangeAspect="1"/>
+          </p:cNvPicPr>
+          <p:nvPr/>
+        </p:nvPicPr>
+        <p:blipFill>
+          <a:blip r:embed="rId3"/>
+          <a:stretch>
+            <a:fillRect/>
+          </a:stretch>
+        </p:blipFill>
+        <p:spPr>
+          <a:xfrm>
+            <a:off x="3285771" y="1905000"/>
+            <a:ext cx="4145322" cy="4002428"/>
+          </a:xfrm>
+          <a:prstGeom prst="rect">
+            <a:avLst/>
+          </a:prstGeom>
+        </p:spPr>
+      </p:pic>
+    </p:spTree>
+    <p:extLst>
+      <p:ext uri="{BB962C8B-B14F-4D97-AF65-F5344CB8AC3E}">
+        <p14:creationId xmlns:p14="http://schemas.microsoft.com/office/powerpoint/2010/main" val="3946266199"/>
+      </p:ext>
+    </p:extLst>
+  </p:cSld>
+  <p:clrMapOvr>
+    <a:masterClrMapping/>
+  </p:clrMapOvr>
+  <p:timing>
+    <p:tnLst>
+      <p:par>
+        <p:cTn id="1" dur="indefinite" restart="never" nodeType="tmRoot"/>
+      </p:par>
+    </p:tnLst>
+  </p:timing>
+</p:sld>
+</file>
+
+<file path=ppt/slides/slide17.xml><?xml version="1.0" encoding="utf-8"?>
+<p:sld xmlns:a="http://schemas.openxmlformats.org/drawingml/2006/main" xmlns:r="http://schemas.openxmlformats.org/officeDocument/2006/relationships" xmlns:p="http://schemas.openxmlformats.org/presentationml/2006/main">
+  <p:cSld>
+    <p:spTree>
+      <p:nvGrpSpPr>
+        <p:cNvPr id="1" name=""/>
+        <p:cNvGrpSpPr/>
+        <p:nvPr/>
+      </p:nvGrpSpPr>
+      <p:grpSpPr>
+        <a:xfrm>
+          <a:off x="0" y="0"/>
+          <a:ext cx="0" cy="0"/>
+          <a:chOff x="0" y="0"/>
+          <a:chExt cx="0" cy="0"/>
+        </a:xfrm>
+      </p:grpSpPr>
+      <p:sp>
+        <p:nvSpPr>
+          <p:cNvPr id="10" name="Rectangle 9"/>
+          <p:cNvSpPr/>
+          <p:nvPr/>
+        </p:nvSpPr>
+        <p:spPr>
+          <a:xfrm>
+            <a:off x="0" y="12106"/>
+            <a:ext cx="1011942" cy="6854083"/>
+          </a:xfrm>
+          <a:prstGeom prst="rect">
+            <a:avLst/>
+          </a:prstGeom>
+          <a:gradFill flip="none" rotWithShape="1">
+            <a:gsLst>
+              <a:gs pos="50000">
+                <a:srgbClr val="D00000"/>
+              </a:gs>
+              <a:gs pos="0">
+                <a:srgbClr val="FF0000">
+                  <a:shade val="30000"/>
+                  <a:satMod val="115000"/>
+                </a:srgbClr>
+              </a:gs>
+              <a:gs pos="100000">
+                <a:schemeClr val="accent2">
+                  <a:lumMod val="60000"/>
+                  <a:lumOff val="40000"/>
+                </a:schemeClr>
+              </a:gs>
+            </a:gsLst>
+            <a:lin ang="5400000" scaled="1"/>
+            <a:tileRect/>
+          </a:gradFill>
+          <a:ln>
+            <a:noFill/>
+          </a:ln>
+        </p:spPr>
+        <p:style>
+          <a:lnRef idx="2">
+            <a:schemeClr val="accent1">
+              <a:shade val="50000"/>
+            </a:schemeClr>
+          </a:lnRef>
+          <a:fillRef idx="1">
+            <a:schemeClr val="accent1"/>
+          </a:fillRef>
+          <a:effectRef idx="0">
+            <a:schemeClr val="accent1"/>
+          </a:effectRef>
+          <a:fontRef idx="minor">
+            <a:schemeClr val="lt1"/>
+          </a:fontRef>
+        </p:style>
+        <p:txBody>
+          <a:bodyPr rtlCol="0" anchor="ctr"/>
+          <a:lstStyle/>
+          <a:p>
+            <a:pPr algn="ctr"/>
+            <a:endParaRPr lang="tr-TR"/>
+          </a:p>
+        </p:txBody>
+      </p:sp>
+      <p:cxnSp>
+        <p:nvCxnSpPr>
+          <p:cNvPr id="11" name="Straight Connector 10"/>
+          <p:cNvCxnSpPr/>
+          <p:nvPr/>
+        </p:nvCxnSpPr>
+        <p:spPr>
+          <a:xfrm>
+            <a:off x="1189918" y="838200"/>
+            <a:ext cx="7649282" cy="0"/>
+          </a:xfrm>
+          <a:prstGeom prst="line">
+            <a:avLst/>
+          </a:prstGeom>
+          <a:ln w="50800">
+            <a:solidFill>
+              <a:srgbClr val="F20000"/>
+            </a:solidFill>
+          </a:ln>
+        </p:spPr>
+        <p:style>
+          <a:lnRef idx="1">
+            <a:schemeClr val="accent1"/>
+          </a:lnRef>
+          <a:fillRef idx="0">
+            <a:schemeClr val="accent1"/>
+          </a:fillRef>
+          <a:effectRef idx="0">
+            <a:schemeClr val="accent1"/>
+          </a:effectRef>
+          <a:fontRef idx="minor">
+            <a:schemeClr val="tx1"/>
+          </a:fontRef>
+        </p:style>
+      </p:cxnSp>
+      <p:cxnSp>
+        <p:nvCxnSpPr>
+          <p:cNvPr id="15" name="Straight Connector 14"/>
+          <p:cNvCxnSpPr/>
+          <p:nvPr/>
+        </p:nvCxnSpPr>
+        <p:spPr>
+          <a:xfrm>
+            <a:off x="1189918" y="914400"/>
+            <a:ext cx="7649282" cy="0"/>
+          </a:xfrm>
+          <a:prstGeom prst="line">
+            <a:avLst/>
+          </a:prstGeom>
+          <a:ln w="19050">
+            <a:solidFill>
+              <a:srgbClr val="F20000"/>
+            </a:solidFill>
+          </a:ln>
+        </p:spPr>
+        <p:style>
+          <a:lnRef idx="1">
+            <a:schemeClr val="accent1"/>
+          </a:lnRef>
+          <a:fillRef idx="0">
+            <a:schemeClr val="accent1"/>
+          </a:fillRef>
+          <a:effectRef idx="0">
+            <a:schemeClr val="accent1"/>
+          </a:effectRef>
+          <a:fontRef idx="minor">
+            <a:schemeClr val="tx1"/>
+          </a:fontRef>
+        </p:style>
+      </p:cxnSp>
+      <p:sp>
+        <p:nvSpPr>
+          <p:cNvPr id="2" name="Slide Number Placeholder 1"/>
+          <p:cNvSpPr>
+            <a:spLocks noGrp="1"/>
+          </p:cNvSpPr>
+          <p:nvPr>
+            <p:ph type="sldNum" sz="quarter" idx="12"/>
+          </p:nvPr>
+        </p:nvSpPr>
+        <p:spPr/>
+        <p:txBody>
+          <a:bodyPr/>
+          <a:lstStyle/>
+          <a:p>
+            <a:fld id="{B6F15528-21DE-4FAA-801E-634DDDAF4B2B}" type="slidenum">
+              <a:rPr lang="en-US" smtClean="0"/>
+              <a:pPr/>
+              <a:t>17</a:t>
+            </a:fld>
+            <a:endParaRPr lang="en-US" dirty="0"/>
+          </a:p>
+        </p:txBody>
+      </p:sp>
+      <p:pic>
+        <p:nvPicPr>
+          <p:cNvPr id="14" name="Picture 2" descr="C:\Users\Mesut\Desktop\aselsan sunum\aselsan sunum 10 ekim\aselsan sunum\cezmi bey\ODTU.png"/>
+          <p:cNvPicPr>
+            <a:picLocks noChangeAspect="1" noChangeArrowheads="1"/>
+          </p:cNvPicPr>
+          <p:nvPr/>
+        </p:nvPicPr>
+        <p:blipFill>
+          <a:blip r:embed="rId2" cstate="print">
+            <a:extLst>
+              <a:ext uri="{28A0092B-C50C-407E-A947-70E740481C1C}">
+                <a14:useLocalDpi xmlns:a14="http://schemas.microsoft.com/office/drawing/2010/main" val="0"/>
+              </a:ext>
+            </a:extLst>
+          </a:blip>
+          <a:srcRect/>
+          <a:stretch>
+            <a:fillRect/>
+          </a:stretch>
+        </p:blipFill>
+        <p:spPr bwMode="auto">
+          <a:xfrm>
+            <a:off x="163507" y="266700"/>
+            <a:ext cx="684927" cy="571500"/>
+          </a:xfrm>
+          <a:prstGeom prst="rect">
+            <a:avLst/>
+          </a:prstGeom>
+          <a:noFill/>
+          <a:extLst>
+            <a:ext uri="{909E8E84-426E-40DD-AFC4-6F175D3DCCD1}">
+              <a14:hiddenFill xmlns:a14="http://schemas.microsoft.com/office/drawing/2010/main">
+                <a:solidFill>
+                  <a:srgbClr val="FFFFFF"/>
+                </a:solidFill>
+              </a14:hiddenFill>
+            </a:ext>
+          </a:extLst>
+        </p:spPr>
+      </p:pic>
+      <p:sp>
+        <p:nvSpPr>
+          <p:cNvPr id="18" name="Text Box 9"/>
+          <p:cNvSpPr txBox="1">
+            <a:spLocks noChangeArrowheads="1"/>
+          </p:cNvSpPr>
+          <p:nvPr/>
+        </p:nvSpPr>
+        <p:spPr bwMode="auto">
+          <a:xfrm>
+            <a:off x="1189918" y="1143000"/>
+            <a:ext cx="4267907" cy="1015663"/>
+          </a:xfrm>
+          <a:prstGeom prst="rect">
+            <a:avLst/>
+          </a:prstGeom>
+          <a:noFill/>
+          <a:ln w="9525">
+            <a:noFill/>
+            <a:miter lim="800000"/>
+            <a:headEnd/>
+            <a:tailEnd/>
+          </a:ln>
+          <a:effectLst/>
+        </p:spPr>
+        <p:txBody>
+          <a:bodyPr wrap="square">
+            <a:spAutoFit/>
+          </a:bodyPr>
+          <a:lstStyle/>
+          <a:p>
+            <a:pPr marL="342900" indent="-342900">
+              <a:buFont typeface="Wingdings" panose="05000000000000000000" pitchFamily="2" charset="2"/>
+              <a:buChar char="ü"/>
+            </a:pPr>
+            <a:r>
+              <a:rPr lang="tr-TR" sz="2000" b="1" dirty="0" err="1" smtClean="0">
+                <a:latin typeface="Times New Roman" panose="02020603050405020304" pitchFamily="18" charset="0"/>
+                <a:cs typeface="Times New Roman" panose="02020603050405020304" pitchFamily="18" charset="0"/>
+              </a:rPr>
+              <a:t>Results</a:t>
+            </a:r>
+            <a:endParaRPr lang="en-US" sz="2000" b="1" dirty="0" smtClean="0">
+              <a:latin typeface="Times New Roman" panose="02020603050405020304" pitchFamily="18" charset="0"/>
+              <a:cs typeface="Times New Roman" panose="02020603050405020304" pitchFamily="18" charset="0"/>
+            </a:endParaRPr>
+          </a:p>
+          <a:p>
+            <a:pPr marL="800100" lvl="1" indent="-342900">
+              <a:buFont typeface="Wingdings" panose="05000000000000000000" pitchFamily="2" charset="2"/>
+              <a:buChar char="ü"/>
+            </a:pPr>
+            <a:endParaRPr lang="en-US" sz="2000" b="1" dirty="0" smtClean="0">
+              <a:latin typeface="Times New Roman" panose="02020603050405020304" pitchFamily="18" charset="0"/>
+              <a:cs typeface="Times New Roman" panose="02020603050405020304" pitchFamily="18" charset="0"/>
+            </a:endParaRPr>
+          </a:p>
+          <a:p>
+            <a:pPr marL="800100" lvl="1" indent="-342900">
+              <a:buFont typeface="Wingdings" panose="05000000000000000000" pitchFamily="2" charset="2"/>
+              <a:buChar char="ü"/>
+            </a:pPr>
+            <a:endParaRPr lang="en-US" sz="2000" b="1" dirty="0">
+              <a:latin typeface="Times New Roman" panose="02020603050405020304" pitchFamily="18" charset="0"/>
+              <a:cs typeface="Times New Roman" panose="02020603050405020304" pitchFamily="18" charset="0"/>
+            </a:endParaRPr>
+          </a:p>
+        </p:txBody>
+      </p:sp>
+      <p:sp>
+        <p:nvSpPr>
+          <p:cNvPr id="9" name="TextBox 8"/>
+          <p:cNvSpPr txBox="1"/>
+          <p:nvPr/>
+        </p:nvSpPr>
+        <p:spPr>
+          <a:xfrm>
+            <a:off x="1386291" y="224135"/>
+            <a:ext cx="7315200" cy="553998"/>
+          </a:xfrm>
+          <a:prstGeom prst="rect">
+            <a:avLst/>
+          </a:prstGeom>
+          <a:noFill/>
+        </p:spPr>
+        <p:txBody>
+          <a:bodyPr wrap="square" rtlCol="0">
+            <a:spAutoFit/>
+          </a:bodyPr>
+          <a:lstStyle/>
+          <a:p>
+            <a:pPr algn="ctr"/>
+            <a:r>
+              <a:rPr lang="tr-TR" sz="3000" dirty="0" smtClean="0">
+                <a:latin typeface="Times New Roman" panose="02020603050405020304" pitchFamily="18" charset="0"/>
+                <a:cs typeface="Times New Roman" panose="02020603050405020304" pitchFamily="18" charset="0"/>
+              </a:rPr>
+              <a:t>DC Link </a:t>
+            </a:r>
+            <a:r>
+              <a:rPr lang="tr-TR" sz="3000" dirty="0" err="1" smtClean="0">
+                <a:latin typeface="Times New Roman" panose="02020603050405020304" pitchFamily="18" charset="0"/>
+                <a:cs typeface="Times New Roman" panose="02020603050405020304" pitchFamily="18" charset="0"/>
+              </a:rPr>
+              <a:t>Capacitor</a:t>
+            </a:r>
+            <a:r>
+              <a:rPr lang="tr-TR" sz="3000" dirty="0" smtClean="0">
+                <a:latin typeface="Times New Roman" panose="02020603050405020304" pitchFamily="18" charset="0"/>
+                <a:cs typeface="Times New Roman" panose="02020603050405020304" pitchFamily="18" charset="0"/>
+              </a:rPr>
+              <a:t> </a:t>
+            </a:r>
+            <a:r>
+              <a:rPr lang="tr-TR" sz="3000" dirty="0" err="1" smtClean="0">
+                <a:latin typeface="Times New Roman" panose="02020603050405020304" pitchFamily="18" charset="0"/>
+                <a:cs typeface="Times New Roman" panose="02020603050405020304" pitchFamily="18" charset="0"/>
+              </a:rPr>
+              <a:t>Optimization</a:t>
+            </a:r>
+            <a:endParaRPr lang="tr-TR" sz="3000" dirty="0">
+              <a:latin typeface="Times New Roman" panose="02020603050405020304" pitchFamily="18" charset="0"/>
+              <a:cs typeface="Times New Roman" panose="02020603050405020304" pitchFamily="18" charset="0"/>
+            </a:endParaRPr>
+          </a:p>
+        </p:txBody>
+      </p:sp>
+    </p:spTree>
+    <p:extLst>
+      <p:ext uri="{BB962C8B-B14F-4D97-AF65-F5344CB8AC3E}">
+        <p14:creationId xmlns:p14="http://schemas.microsoft.com/office/powerpoint/2010/main" val="1314151076"/>
+      </p:ext>
+    </p:extLst>
+  </p:cSld>
+  <p:clrMapOvr>
+    <a:masterClrMapping/>
+  </p:clrMapOvr>
+  <p:timing>
+    <p:tnLst>
+      <p:par>
+        <p:cTn id="1" dur="indefinite" restart="never" nodeType="tmRoot"/>
+      </p:par>
+    </p:tnLst>
+  </p:timing>
+</p:sld>
+</file>
+
+<file path=ppt/slides/slide18.xml><?xml version="1.0" encoding="utf-8"?>
+<p:sld xmlns:a="http://schemas.openxmlformats.org/drawingml/2006/main" xmlns:r="http://schemas.openxmlformats.org/officeDocument/2006/relationships" xmlns:p="http://schemas.openxmlformats.org/presentationml/2006/main">
+  <p:cSld>
+    <p:spTree>
+      <p:nvGrpSpPr>
+        <p:cNvPr id="1" name=""/>
+        <p:cNvGrpSpPr/>
+        <p:nvPr/>
+      </p:nvGrpSpPr>
+      <p:grpSpPr>
+        <a:xfrm>
+          <a:off x="0" y="0"/>
+          <a:ext cx="0" cy="0"/>
+          <a:chOff x="0" y="0"/>
+          <a:chExt cx="0" cy="0"/>
+        </a:xfrm>
+      </p:grpSpPr>
+      <p:sp>
+        <p:nvSpPr>
+          <p:cNvPr id="10" name="Rectangle 9"/>
+          <p:cNvSpPr/>
+          <p:nvPr/>
+        </p:nvSpPr>
+        <p:spPr>
+          <a:xfrm>
+            <a:off x="0" y="12106"/>
+            <a:ext cx="1011942" cy="6854083"/>
+          </a:xfrm>
+          <a:prstGeom prst="rect">
+            <a:avLst/>
+          </a:prstGeom>
+          <a:gradFill flip="none" rotWithShape="1">
+            <a:gsLst>
+              <a:gs pos="50000">
+                <a:srgbClr val="D00000"/>
+              </a:gs>
+              <a:gs pos="0">
+                <a:srgbClr val="FF0000">
+                  <a:shade val="30000"/>
+                  <a:satMod val="115000"/>
+                </a:srgbClr>
+              </a:gs>
+              <a:gs pos="100000">
+                <a:schemeClr val="accent2">
+                  <a:lumMod val="60000"/>
+                  <a:lumOff val="40000"/>
+                </a:schemeClr>
+              </a:gs>
+            </a:gsLst>
+            <a:lin ang="5400000" scaled="1"/>
+            <a:tileRect/>
+          </a:gradFill>
+          <a:ln>
+            <a:noFill/>
+          </a:ln>
+        </p:spPr>
+        <p:style>
+          <a:lnRef idx="2">
+            <a:schemeClr val="accent1">
+              <a:shade val="50000"/>
+            </a:schemeClr>
+          </a:lnRef>
+          <a:fillRef idx="1">
+            <a:schemeClr val="accent1"/>
+          </a:fillRef>
+          <a:effectRef idx="0">
+            <a:schemeClr val="accent1"/>
+          </a:effectRef>
+          <a:fontRef idx="minor">
+            <a:schemeClr val="lt1"/>
+          </a:fontRef>
+        </p:style>
+        <p:txBody>
+          <a:bodyPr rtlCol="0" anchor="ctr"/>
+          <a:lstStyle/>
+          <a:p>
+            <a:pPr algn="ctr"/>
+            <a:endParaRPr lang="tr-TR"/>
+          </a:p>
+        </p:txBody>
+      </p:sp>
+      <p:cxnSp>
+        <p:nvCxnSpPr>
+          <p:cNvPr id="11" name="Straight Connector 10"/>
+          <p:cNvCxnSpPr/>
+          <p:nvPr/>
+        </p:nvCxnSpPr>
+        <p:spPr>
+          <a:xfrm>
+            <a:off x="1189918" y="838200"/>
+            <a:ext cx="7649282" cy="0"/>
+          </a:xfrm>
+          <a:prstGeom prst="line">
+            <a:avLst/>
+          </a:prstGeom>
+          <a:ln w="50800">
+            <a:solidFill>
+              <a:srgbClr val="F20000"/>
+            </a:solidFill>
+          </a:ln>
+        </p:spPr>
+        <p:style>
+          <a:lnRef idx="1">
+            <a:schemeClr val="accent1"/>
+          </a:lnRef>
+          <a:fillRef idx="0">
+            <a:schemeClr val="accent1"/>
+          </a:fillRef>
+          <a:effectRef idx="0">
+            <a:schemeClr val="accent1"/>
+          </a:effectRef>
+          <a:fontRef idx="minor">
+            <a:schemeClr val="tx1"/>
+          </a:fontRef>
+        </p:style>
+      </p:cxnSp>
+      <p:sp>
+        <p:nvSpPr>
+          <p:cNvPr id="13" name="TextBox 12"/>
+          <p:cNvSpPr txBox="1"/>
+          <p:nvPr/>
+        </p:nvSpPr>
+        <p:spPr>
+          <a:xfrm>
+            <a:off x="1386291" y="224135"/>
+            <a:ext cx="7315200" cy="553998"/>
+          </a:xfrm>
+          <a:prstGeom prst="rect">
+            <a:avLst/>
+          </a:prstGeom>
+          <a:noFill/>
+        </p:spPr>
+        <p:txBody>
+          <a:bodyPr wrap="square" rtlCol="0">
+            <a:spAutoFit/>
+          </a:bodyPr>
+          <a:lstStyle/>
+          <a:p>
+            <a:pPr algn="ctr"/>
+            <a:r>
+              <a:rPr lang="tr-TR" sz="3000" dirty="0" smtClean="0">
+                <a:latin typeface="Times New Roman" panose="02020603050405020304" pitchFamily="18" charset="0"/>
+                <a:cs typeface="Times New Roman" panose="02020603050405020304" pitchFamily="18" charset="0"/>
+              </a:rPr>
+              <a:t>IMMD Design</a:t>
+            </a:r>
+            <a:endParaRPr lang="tr-TR" sz="3000" dirty="0">
+              <a:latin typeface="Times New Roman" panose="02020603050405020304" pitchFamily="18" charset="0"/>
+              <a:cs typeface="Times New Roman" panose="02020603050405020304" pitchFamily="18" charset="0"/>
+            </a:endParaRPr>
+          </a:p>
+        </p:txBody>
+      </p:sp>
+      <p:cxnSp>
+        <p:nvCxnSpPr>
+          <p:cNvPr id="15" name="Straight Connector 14"/>
+          <p:cNvCxnSpPr/>
+          <p:nvPr/>
+        </p:nvCxnSpPr>
+        <p:spPr>
+          <a:xfrm>
+            <a:off x="1189918" y="914400"/>
+            <a:ext cx="7649282" cy="0"/>
+          </a:xfrm>
+          <a:prstGeom prst="line">
+            <a:avLst/>
+          </a:prstGeom>
+          <a:ln w="19050">
+            <a:solidFill>
+              <a:srgbClr val="F20000"/>
+            </a:solidFill>
+          </a:ln>
+        </p:spPr>
+        <p:style>
+          <a:lnRef idx="1">
+            <a:schemeClr val="accent1"/>
+          </a:lnRef>
+          <a:fillRef idx="0">
+            <a:schemeClr val="accent1"/>
+          </a:fillRef>
+          <a:effectRef idx="0">
+            <a:schemeClr val="accent1"/>
+          </a:effectRef>
+          <a:fontRef idx="minor">
+            <a:schemeClr val="tx1"/>
+          </a:fontRef>
+        </p:style>
+      </p:cxnSp>
+      <p:sp>
+        <p:nvSpPr>
+          <p:cNvPr id="2" name="Slide Number Placeholder 1"/>
+          <p:cNvSpPr>
+            <a:spLocks noGrp="1"/>
+          </p:cNvSpPr>
+          <p:nvPr>
+            <p:ph type="sldNum" sz="quarter" idx="12"/>
+          </p:nvPr>
+        </p:nvSpPr>
+        <p:spPr/>
+        <p:txBody>
+          <a:bodyPr/>
+          <a:lstStyle/>
+          <a:p>
+            <a:fld id="{B6F15528-21DE-4FAA-801E-634DDDAF4B2B}" type="slidenum">
+              <a:rPr lang="en-US" smtClean="0"/>
+              <a:pPr/>
+              <a:t>18</a:t>
+            </a:fld>
+            <a:endParaRPr lang="en-US" dirty="0"/>
+          </a:p>
+        </p:txBody>
+      </p:sp>
+      <p:pic>
+        <p:nvPicPr>
+          <p:cNvPr id="14" name="Picture 2" descr="C:\Users\Mesut\Desktop\aselsan sunum\aselsan sunum 10 ekim\aselsan sunum\cezmi bey\ODTU.png"/>
+          <p:cNvPicPr>
+            <a:picLocks noChangeAspect="1" noChangeArrowheads="1"/>
+          </p:cNvPicPr>
+          <p:nvPr/>
+        </p:nvPicPr>
+        <p:blipFill>
+          <a:blip r:embed="rId2" cstate="print">
+            <a:extLst>
+              <a:ext uri="{28A0092B-C50C-407E-A947-70E740481C1C}">
+                <a14:useLocalDpi xmlns:a14="http://schemas.microsoft.com/office/drawing/2010/main" val="0"/>
+              </a:ext>
+            </a:extLst>
+          </a:blip>
+          <a:srcRect/>
+          <a:stretch>
+            <a:fillRect/>
+          </a:stretch>
+        </p:blipFill>
+        <p:spPr bwMode="auto">
+          <a:xfrm>
+            <a:off x="163507" y="266700"/>
+            <a:ext cx="684927" cy="571500"/>
+          </a:xfrm>
+          <a:prstGeom prst="rect">
+            <a:avLst/>
+          </a:prstGeom>
+          <a:noFill/>
+          <a:extLst>
+            <a:ext uri="{909E8E84-426E-40DD-AFC4-6F175D3DCCD1}">
+              <a14:hiddenFill xmlns:a14="http://schemas.microsoft.com/office/drawing/2010/main">
+                <a:solidFill>
+                  <a:srgbClr val="FFFFFF"/>
+                </a:solidFill>
+              </a14:hiddenFill>
+            </a:ext>
+          </a:extLst>
+        </p:spPr>
+      </p:pic>
+      <p:sp>
+        <p:nvSpPr>
+          <p:cNvPr id="8" name="Text Box 9"/>
+          <p:cNvSpPr txBox="1">
+            <a:spLocks noChangeArrowheads="1"/>
+          </p:cNvSpPr>
+          <p:nvPr/>
+        </p:nvSpPr>
+        <p:spPr bwMode="auto">
+          <a:xfrm>
+            <a:off x="1011942" y="2090308"/>
+            <a:ext cx="7293858" cy="1323439"/>
+          </a:xfrm>
+          <a:prstGeom prst="rect">
+            <a:avLst/>
+          </a:prstGeom>
+          <a:noFill/>
+          <a:ln w="9525">
+            <a:noFill/>
+            <a:miter lim="800000"/>
+            <a:headEnd/>
+            <a:tailEnd/>
+          </a:ln>
+          <a:effectLst/>
+        </p:spPr>
+        <p:txBody>
+          <a:bodyPr wrap="square">
+            <a:spAutoFit/>
+          </a:bodyPr>
+          <a:lstStyle/>
+          <a:p>
+            <a:pPr marL="457200" indent="-457200" algn="l">
+              <a:buFont typeface="Wingdings" panose="05000000000000000000" pitchFamily="2" charset="2"/>
+              <a:buChar char="ü"/>
+            </a:pPr>
+            <a:r>
+              <a:rPr lang="en-US" sz="2000" dirty="0" smtClean="0">
+                <a:latin typeface="Times New Roman" panose="02020603050405020304" pitchFamily="18" charset="0"/>
+                <a:cs typeface="Times New Roman" panose="02020603050405020304" pitchFamily="18" charset="0"/>
+              </a:rPr>
+              <a:t>Four three-phase inverter modules (two-series and two-parallel)</a:t>
+            </a:r>
+          </a:p>
+          <a:p>
+            <a:pPr marL="457200" indent="-457200" algn="l">
+              <a:buFont typeface="Wingdings" panose="05000000000000000000" pitchFamily="2" charset="2"/>
+              <a:buChar char="ü"/>
+            </a:pPr>
+            <a:r>
+              <a:rPr lang="tr-TR" sz="2000" dirty="0" smtClean="0">
+                <a:latin typeface="Times New Roman" panose="02020603050405020304" pitchFamily="18" charset="0"/>
+                <a:cs typeface="Times New Roman" panose="02020603050405020304" pitchFamily="18" charset="0"/>
+              </a:rPr>
+              <a:t>Power stage with cascode GaN FETs</a:t>
+            </a:r>
+          </a:p>
+          <a:p>
+            <a:pPr marL="457200" indent="-457200" algn="l">
+              <a:buFont typeface="Wingdings" panose="05000000000000000000" pitchFamily="2" charset="2"/>
+              <a:buChar char="ü"/>
+            </a:pPr>
+            <a:r>
+              <a:rPr lang="en-US" sz="2000" dirty="0">
+                <a:latin typeface="Times New Roman" panose="02020603050405020304" pitchFamily="18" charset="0"/>
+                <a:cs typeface="Times New Roman" panose="02020603050405020304" pitchFamily="18" charset="0"/>
+              </a:rPr>
+              <a:t>Permanent Magnet Brushless DC (PM-BLDC) </a:t>
+            </a:r>
+            <a:r>
+              <a:rPr lang="en-US" sz="2000" dirty="0" smtClean="0">
+                <a:latin typeface="Times New Roman" panose="02020603050405020304" pitchFamily="18" charset="0"/>
+                <a:cs typeface="Times New Roman" panose="02020603050405020304" pitchFamily="18" charset="0"/>
+              </a:rPr>
+              <a:t>motor</a:t>
+            </a:r>
+          </a:p>
+          <a:p>
+            <a:pPr marL="457200" indent="-457200" algn="l">
+              <a:buFont typeface="Wingdings" panose="05000000000000000000" pitchFamily="2" charset="2"/>
+              <a:buChar char="ü"/>
+            </a:pPr>
+            <a:r>
+              <a:rPr lang="en-US" sz="2000" dirty="0" smtClean="0">
+                <a:latin typeface="Times New Roman" panose="02020603050405020304" pitchFamily="18" charset="0"/>
+                <a:cs typeface="Times New Roman" panose="02020603050405020304" pitchFamily="18" charset="0"/>
+              </a:rPr>
+              <a:t>Fractional Slot Concentrated Winding (FSCW) stator</a:t>
+            </a:r>
+          </a:p>
+        </p:txBody>
+      </p:sp>
+      <p:sp>
+        <p:nvSpPr>
+          <p:cNvPr id="9" name="Text Box 9"/>
+          <p:cNvSpPr txBox="1">
+            <a:spLocks noChangeArrowheads="1"/>
+          </p:cNvSpPr>
+          <p:nvPr/>
+        </p:nvSpPr>
+        <p:spPr bwMode="auto">
+          <a:xfrm>
+            <a:off x="1507653" y="4694357"/>
+            <a:ext cx="4740748" cy="1938992"/>
+          </a:xfrm>
+          <a:prstGeom prst="rect">
+            <a:avLst/>
+          </a:prstGeom>
+          <a:noFill/>
+          <a:ln w="9525">
+            <a:noFill/>
+            <a:miter lim="800000"/>
+            <a:headEnd/>
+            <a:tailEnd/>
+          </a:ln>
+          <a:effectLst/>
+        </p:spPr>
+        <p:txBody>
+          <a:bodyPr wrap="square">
+            <a:spAutoFit/>
+          </a:bodyPr>
+          <a:lstStyle/>
+          <a:p>
+            <a:pPr marL="457200" indent="-457200" algn="l">
+              <a:buFont typeface="Arial" panose="020B0604020202020204" pitchFamily="34" charset="0"/>
+              <a:buChar char="•"/>
+            </a:pPr>
+            <a:r>
+              <a:rPr lang="tr-TR" sz="2000" dirty="0" smtClean="0">
+                <a:latin typeface="Times New Roman" panose="02020603050405020304" pitchFamily="18" charset="0"/>
+                <a:cs typeface="Times New Roman" panose="02020603050405020304" pitchFamily="18" charset="0"/>
+              </a:rPr>
+              <a:t>Four</a:t>
+            </a:r>
+            <a:r>
+              <a:rPr lang="en-US" sz="2000" dirty="0" smtClean="0">
+                <a:latin typeface="Times New Roman" panose="02020603050405020304" pitchFamily="18" charset="0"/>
+                <a:cs typeface="Times New Roman" panose="02020603050405020304" pitchFamily="18" charset="0"/>
+              </a:rPr>
+              <a:t> three-phase modules</a:t>
+            </a:r>
+          </a:p>
+          <a:p>
+            <a:pPr marL="457200" indent="-457200" algn="l">
+              <a:buFont typeface="Arial" panose="020B0604020202020204" pitchFamily="34" charset="0"/>
+              <a:buChar char="•"/>
+            </a:pPr>
+            <a:r>
+              <a:rPr lang="tr-TR" sz="2000" dirty="0" smtClean="0">
+                <a:latin typeface="Times New Roman" panose="02020603050405020304" pitchFamily="18" charset="0"/>
+                <a:cs typeface="Times New Roman" panose="02020603050405020304" pitchFamily="18" charset="0"/>
+              </a:rPr>
+              <a:t>6 </a:t>
+            </a:r>
+            <a:r>
+              <a:rPr lang="en-US" sz="2000" dirty="0" smtClean="0">
+                <a:latin typeface="Times New Roman" panose="02020603050405020304" pitchFamily="18" charset="0"/>
+                <a:cs typeface="Times New Roman" panose="02020603050405020304" pitchFamily="18" charset="0"/>
+              </a:rPr>
+              <a:t>kW total output power</a:t>
+            </a:r>
+          </a:p>
+          <a:p>
+            <a:pPr marL="457200" indent="-457200" algn="l">
+              <a:buFont typeface="Arial" panose="020B0604020202020204" pitchFamily="34" charset="0"/>
+              <a:buChar char="•"/>
+            </a:pPr>
+            <a:r>
+              <a:rPr lang="en-US" sz="2000" dirty="0" smtClean="0">
+                <a:latin typeface="Times New Roman" panose="02020603050405020304" pitchFamily="18" charset="0"/>
+                <a:cs typeface="Times New Roman" panose="02020603050405020304" pitchFamily="18" charset="0"/>
+              </a:rPr>
+              <a:t>24 slot double layer stator</a:t>
+            </a:r>
+          </a:p>
+          <a:p>
+            <a:pPr marL="457200" indent="-457200" algn="l">
+              <a:buFont typeface="Arial" panose="020B0604020202020204" pitchFamily="34" charset="0"/>
+              <a:buChar char="•"/>
+            </a:pPr>
+            <a:r>
+              <a:rPr lang="en-US" sz="2000" dirty="0" smtClean="0">
+                <a:latin typeface="Times New Roman" panose="02020603050405020304" pitchFamily="18" charset="0"/>
+                <a:cs typeface="Times New Roman" panose="02020603050405020304" pitchFamily="18" charset="0"/>
+              </a:rPr>
+              <a:t>20 pole </a:t>
+            </a:r>
+            <a:r>
+              <a:rPr lang="tr-TR" sz="2000" dirty="0" smtClean="0">
+                <a:latin typeface="Times New Roman" panose="02020603050405020304" pitchFamily="18" charset="0"/>
+                <a:cs typeface="Times New Roman" panose="02020603050405020304" pitchFamily="18" charset="0"/>
+              </a:rPr>
+              <a:t>PM </a:t>
+            </a:r>
+            <a:r>
+              <a:rPr lang="en-US" sz="2000" dirty="0" smtClean="0">
+                <a:latin typeface="Times New Roman" panose="02020603050405020304" pitchFamily="18" charset="0"/>
+                <a:cs typeface="Times New Roman" panose="02020603050405020304" pitchFamily="18" charset="0"/>
+              </a:rPr>
+              <a:t>rotor</a:t>
+            </a:r>
+          </a:p>
+          <a:p>
+            <a:pPr marL="457200" indent="-457200" algn="l">
+              <a:buFont typeface="Arial" panose="020B0604020202020204" pitchFamily="34" charset="0"/>
+              <a:buChar char="•"/>
+            </a:pPr>
+            <a:r>
+              <a:rPr lang="en-US" sz="2000" dirty="0" smtClean="0">
+                <a:latin typeface="Times New Roman" panose="02020603050405020304" pitchFamily="18" charset="0"/>
+                <a:cs typeface="Times New Roman" panose="02020603050405020304" pitchFamily="18" charset="0"/>
+              </a:rPr>
+              <a:t>600V – 20A GaN FETs</a:t>
+            </a:r>
+          </a:p>
+          <a:p>
+            <a:pPr marL="457200" indent="-457200" algn="l">
+              <a:buFont typeface="Arial" panose="020B0604020202020204" pitchFamily="34" charset="0"/>
+              <a:buChar char="•"/>
+            </a:pPr>
+            <a:r>
+              <a:rPr lang="tr-TR" sz="2000" dirty="0" smtClean="0">
+                <a:latin typeface="Times New Roman" panose="02020603050405020304" pitchFamily="18" charset="0"/>
+                <a:cs typeface="Times New Roman" panose="02020603050405020304" pitchFamily="18" charset="0"/>
+              </a:rPr>
+              <a:t>Four</a:t>
+            </a:r>
+            <a:r>
+              <a:rPr lang="en-US" sz="2000" dirty="0" smtClean="0">
+                <a:latin typeface="Times New Roman" panose="02020603050405020304" pitchFamily="18" charset="0"/>
+                <a:cs typeface="Times New Roman" panose="02020603050405020304" pitchFamily="18" charset="0"/>
+              </a:rPr>
+              <a:t> 20</a:t>
+            </a:r>
+            <a:r>
+              <a:rPr lang="el-GR" sz="2000" dirty="0" smtClean="0">
+                <a:latin typeface="Times New Roman" panose="02020603050405020304" pitchFamily="18" charset="0"/>
+                <a:cs typeface="Times New Roman" panose="02020603050405020304" pitchFamily="18" charset="0"/>
+              </a:rPr>
+              <a:t>μ</a:t>
+            </a:r>
+            <a:r>
+              <a:rPr lang="en-US" sz="2000" dirty="0" smtClean="0">
+                <a:latin typeface="Times New Roman" panose="02020603050405020304" pitchFamily="18" charset="0"/>
+                <a:cs typeface="Times New Roman" panose="02020603050405020304" pitchFamily="18" charset="0"/>
+              </a:rPr>
+              <a:t>F, 450V capacitors</a:t>
+            </a:r>
+          </a:p>
+        </p:txBody>
+      </p:sp>
+      <p:sp>
+        <p:nvSpPr>
+          <p:cNvPr id="12" name="Text Box 9"/>
+          <p:cNvSpPr txBox="1">
+            <a:spLocks noChangeArrowheads="1"/>
+          </p:cNvSpPr>
+          <p:nvPr/>
+        </p:nvSpPr>
+        <p:spPr bwMode="auto">
+          <a:xfrm>
+            <a:off x="1363702" y="3700957"/>
+            <a:ext cx="6514138" cy="400110"/>
+          </a:xfrm>
+          <a:prstGeom prst="rect">
+            <a:avLst/>
+          </a:prstGeom>
+          <a:noFill/>
+          <a:ln w="9525">
+            <a:noFill/>
+            <a:miter lim="800000"/>
+            <a:headEnd/>
+            <a:tailEnd/>
+          </a:ln>
+          <a:effectLst/>
+        </p:spPr>
+        <p:txBody>
+          <a:bodyPr wrap="square">
+            <a:spAutoFit/>
+          </a:bodyPr>
+          <a:lstStyle/>
+          <a:p>
+            <a:r>
+              <a:rPr lang="en-US" sz="2000" b="1" dirty="0" smtClean="0">
+                <a:latin typeface="Times New Roman" panose="02020603050405020304" pitchFamily="18" charset="0"/>
+                <a:cs typeface="Times New Roman" panose="02020603050405020304" pitchFamily="18" charset="0"/>
+              </a:rPr>
+              <a:t>Specifications</a:t>
+            </a:r>
+            <a:endParaRPr lang="en-US" sz="2000" dirty="0" smtClean="0">
+              <a:latin typeface="Times New Roman" panose="02020603050405020304" pitchFamily="18" charset="0"/>
+              <a:cs typeface="Times New Roman" panose="02020603050405020304" pitchFamily="18" charset="0"/>
+            </a:endParaRPr>
+          </a:p>
+        </p:txBody>
+      </p:sp>
+    </p:spTree>
+    <p:extLst>
+      <p:ext uri="{BB962C8B-B14F-4D97-AF65-F5344CB8AC3E}">
+        <p14:creationId xmlns:p14="http://schemas.microsoft.com/office/powerpoint/2010/main" val="2349354778"/>
+      </p:ext>
+    </p:extLst>
+  </p:cSld>
+  <p:clrMapOvr>
+    <a:masterClrMapping/>
+  </p:clrMapOvr>
+  <p:timing>
+    <p:tnLst>
+      <p:par>
+        <p:cTn id="1" dur="indefinite" restart="never" nodeType="tmRoot"/>
+      </p:par>
+    </p:tnLst>
+  </p:timing>
+</p:sld>
+</file>
+
+<file path=ppt/slides/slide19.xml><?xml version="1.0" encoding="utf-8"?>
+<p:sld xmlns:a="http://schemas.openxmlformats.org/drawingml/2006/main" xmlns:r="http://schemas.openxmlformats.org/officeDocument/2006/relationships" xmlns:p="http://schemas.openxmlformats.org/presentationml/2006/main">
+  <p:cSld>
+    <p:spTree>
+      <p:nvGrpSpPr>
+        <p:cNvPr id="1" name=""/>
+        <p:cNvGrpSpPr/>
+        <p:nvPr/>
+      </p:nvGrpSpPr>
+      <p:grpSpPr>
+        <a:xfrm>
+          <a:off x="0" y="0"/>
+          <a:ext cx="0" cy="0"/>
+          <a:chOff x="0" y="0"/>
+          <a:chExt cx="0" cy="0"/>
+        </a:xfrm>
+      </p:grpSpPr>
+      <p:sp>
+        <p:nvSpPr>
+          <p:cNvPr id="10" name="Rectangle 9"/>
+          <p:cNvSpPr/>
+          <p:nvPr/>
+        </p:nvSpPr>
+        <p:spPr>
+          <a:xfrm>
+            <a:off x="0" y="12106"/>
+            <a:ext cx="1011942" cy="6854083"/>
+          </a:xfrm>
+          <a:prstGeom prst="rect">
+            <a:avLst/>
+          </a:prstGeom>
+          <a:gradFill flip="none" rotWithShape="1">
+            <a:gsLst>
+              <a:gs pos="50000">
+                <a:srgbClr val="D00000"/>
+              </a:gs>
+              <a:gs pos="0">
+                <a:srgbClr val="FF0000">
+                  <a:shade val="30000"/>
+                  <a:satMod val="115000"/>
+                </a:srgbClr>
+              </a:gs>
+              <a:gs pos="100000">
+                <a:schemeClr val="accent2">
+                  <a:lumMod val="60000"/>
+                  <a:lumOff val="40000"/>
+                </a:schemeClr>
+              </a:gs>
+            </a:gsLst>
+            <a:lin ang="5400000" scaled="1"/>
+            <a:tileRect/>
+          </a:gradFill>
+          <a:ln>
+            <a:noFill/>
+          </a:ln>
+        </p:spPr>
+        <p:style>
+          <a:lnRef idx="2">
+            <a:schemeClr val="accent1">
+              <a:shade val="50000"/>
+            </a:schemeClr>
+          </a:lnRef>
+          <a:fillRef idx="1">
+            <a:schemeClr val="accent1"/>
+          </a:fillRef>
+          <a:effectRef idx="0">
+            <a:schemeClr val="accent1"/>
+          </a:effectRef>
+          <a:fontRef idx="minor">
+            <a:schemeClr val="lt1"/>
+          </a:fontRef>
+        </p:style>
+        <p:txBody>
+          <a:bodyPr rtlCol="0" anchor="ctr"/>
+          <a:lstStyle/>
+          <a:p>
+            <a:pPr algn="ctr"/>
+            <a:endParaRPr lang="tr-TR"/>
+          </a:p>
+        </p:txBody>
+      </p:sp>
+      <p:cxnSp>
+        <p:nvCxnSpPr>
+          <p:cNvPr id="11" name="Straight Connector 10"/>
+          <p:cNvCxnSpPr/>
+          <p:nvPr/>
+        </p:nvCxnSpPr>
+        <p:spPr>
+          <a:xfrm>
+            <a:off x="1189918" y="838200"/>
+            <a:ext cx="7649282" cy="0"/>
+          </a:xfrm>
+          <a:prstGeom prst="line">
+            <a:avLst/>
+          </a:prstGeom>
+          <a:ln w="50800">
+            <a:solidFill>
+              <a:srgbClr val="F20000"/>
+            </a:solidFill>
+          </a:ln>
+        </p:spPr>
+        <p:style>
+          <a:lnRef idx="1">
+            <a:schemeClr val="accent1"/>
+          </a:lnRef>
+          <a:fillRef idx="0">
+            <a:schemeClr val="accent1"/>
+          </a:fillRef>
+          <a:effectRef idx="0">
+            <a:schemeClr val="accent1"/>
+          </a:effectRef>
+          <a:fontRef idx="minor">
+            <a:schemeClr val="tx1"/>
+          </a:fontRef>
+        </p:style>
+      </p:cxnSp>
+      <p:sp>
+        <p:nvSpPr>
+          <p:cNvPr id="13" name="TextBox 12"/>
+          <p:cNvSpPr txBox="1"/>
+          <p:nvPr/>
+        </p:nvSpPr>
+        <p:spPr>
+          <a:xfrm>
+            <a:off x="1386291" y="224135"/>
+            <a:ext cx="7315200" cy="553998"/>
+          </a:xfrm>
+          <a:prstGeom prst="rect">
+            <a:avLst/>
+          </a:prstGeom>
+          <a:noFill/>
+        </p:spPr>
+        <p:txBody>
+          <a:bodyPr wrap="square" rtlCol="0">
+            <a:spAutoFit/>
+          </a:bodyPr>
+          <a:lstStyle/>
+          <a:p>
+            <a:pPr algn="ctr"/>
+            <a:r>
+              <a:rPr lang="tr-TR" sz="3000" dirty="0" smtClean="0">
+                <a:latin typeface="Times New Roman" panose="02020603050405020304" pitchFamily="18" charset="0"/>
+                <a:cs typeface="Times New Roman" panose="02020603050405020304" pitchFamily="18" charset="0"/>
+              </a:rPr>
+              <a:t>IMMD Design</a:t>
+            </a:r>
+            <a:endParaRPr lang="tr-TR" sz="3000" dirty="0">
+              <a:latin typeface="Times New Roman" panose="02020603050405020304" pitchFamily="18" charset="0"/>
+              <a:cs typeface="Times New Roman" panose="02020603050405020304" pitchFamily="18" charset="0"/>
+            </a:endParaRPr>
+          </a:p>
+        </p:txBody>
+      </p:sp>
+      <p:cxnSp>
+        <p:nvCxnSpPr>
+          <p:cNvPr id="15" name="Straight Connector 14"/>
+          <p:cNvCxnSpPr/>
+          <p:nvPr/>
+        </p:nvCxnSpPr>
+        <p:spPr>
+          <a:xfrm>
+            <a:off x="1189918" y="914400"/>
+            <a:ext cx="7649282" cy="0"/>
+          </a:xfrm>
+          <a:prstGeom prst="line">
+            <a:avLst/>
+          </a:prstGeom>
+          <a:ln w="19050">
+            <a:solidFill>
+              <a:srgbClr val="F20000"/>
+            </a:solidFill>
+          </a:ln>
+        </p:spPr>
+        <p:style>
+          <a:lnRef idx="1">
+            <a:schemeClr val="accent1"/>
+          </a:lnRef>
+          <a:fillRef idx="0">
+            <a:schemeClr val="accent1"/>
+          </a:fillRef>
+          <a:effectRef idx="0">
+            <a:schemeClr val="accent1"/>
+          </a:effectRef>
+          <a:fontRef idx="minor">
+            <a:schemeClr val="tx1"/>
+          </a:fontRef>
+        </p:style>
+      </p:cxnSp>
+      <p:sp>
+        <p:nvSpPr>
+          <p:cNvPr id="2" name="Slide Number Placeholder 1"/>
+          <p:cNvSpPr>
+            <a:spLocks noGrp="1"/>
+          </p:cNvSpPr>
+          <p:nvPr>
+            <p:ph type="sldNum" sz="quarter" idx="12"/>
+          </p:nvPr>
+        </p:nvSpPr>
+        <p:spPr/>
+        <p:txBody>
+          <a:bodyPr/>
+          <a:lstStyle/>
+          <a:p>
+            <a:fld id="{B6F15528-21DE-4FAA-801E-634DDDAF4B2B}" type="slidenum">
+              <a:rPr lang="en-US" smtClean="0"/>
+              <a:pPr/>
+              <a:t>19</a:t>
+            </a:fld>
+            <a:endParaRPr lang="en-US" dirty="0"/>
+          </a:p>
+        </p:txBody>
+      </p:sp>
+      <p:pic>
+        <p:nvPicPr>
+          <p:cNvPr id="14" name="Picture 2" descr="C:\Users\Mesut\Desktop\aselsan sunum\aselsan sunum 10 ekim\aselsan sunum\cezmi bey\ODTU.png"/>
+          <p:cNvPicPr>
+            <a:picLocks noChangeAspect="1" noChangeArrowheads="1"/>
+          </p:cNvPicPr>
+          <p:nvPr/>
+        </p:nvPicPr>
+        <p:blipFill>
+          <a:blip r:embed="rId2" cstate="print">
+            <a:extLst>
+              <a:ext uri="{28A0092B-C50C-407E-A947-70E740481C1C}">
+                <a14:useLocalDpi xmlns:a14="http://schemas.microsoft.com/office/drawing/2010/main" val="0"/>
+              </a:ext>
+            </a:extLst>
+          </a:blip>
+          <a:srcRect/>
+          <a:stretch>
+            <a:fillRect/>
+          </a:stretch>
+        </p:blipFill>
+        <p:spPr bwMode="auto">
+          <a:xfrm>
+            <a:off x="163507" y="266700"/>
+            <a:ext cx="684927" cy="571500"/>
+          </a:xfrm>
+          <a:prstGeom prst="rect">
+            <a:avLst/>
+          </a:prstGeom>
+          <a:noFill/>
+          <a:extLst>
+            <a:ext uri="{909E8E84-426E-40DD-AFC4-6F175D3DCCD1}">
+              <a14:hiddenFill xmlns:a14="http://schemas.microsoft.com/office/drawing/2010/main">
+                <a:solidFill>
+                  <a:srgbClr val="FFFFFF"/>
+                </a:solidFill>
+              </a14:hiddenFill>
+            </a:ext>
+          </a:extLst>
+        </p:spPr>
+      </p:pic>
+      <p:sp>
+        <p:nvSpPr>
+          <p:cNvPr id="8" name="Text Box 9"/>
+          <p:cNvSpPr txBox="1">
+            <a:spLocks noChangeArrowheads="1"/>
+          </p:cNvSpPr>
+          <p:nvPr/>
+        </p:nvSpPr>
+        <p:spPr bwMode="auto">
+          <a:xfrm>
+            <a:off x="1398991" y="1295400"/>
+            <a:ext cx="6781800" cy="707886"/>
+          </a:xfrm>
+          <a:prstGeom prst="rect">
+            <a:avLst/>
+          </a:prstGeom>
+          <a:noFill/>
+          <a:ln w="9525">
+            <a:noFill/>
+            <a:miter lim="800000"/>
+            <a:headEnd/>
+            <a:tailEnd/>
+          </a:ln>
+          <a:effectLst/>
+        </p:spPr>
+        <p:txBody>
+          <a:bodyPr wrap="square">
+            <a:spAutoFit/>
+          </a:bodyPr>
+          <a:lstStyle/>
+          <a:p>
+            <a:pPr marL="457200" indent="-457200" algn="l">
+              <a:buFont typeface="Wingdings" panose="05000000000000000000" pitchFamily="2" charset="2"/>
+              <a:buChar char="ü"/>
+            </a:pPr>
+            <a:r>
+              <a:rPr lang="tr-TR" sz="2000" dirty="0" smtClean="0">
+                <a:latin typeface="Times New Roman" panose="02020603050405020304" pitchFamily="18" charset="0"/>
+                <a:cs typeface="Times New Roman" panose="02020603050405020304" pitchFamily="18" charset="0"/>
+              </a:rPr>
+              <a:t>Buraya bir çizim koyalım</a:t>
+            </a:r>
+          </a:p>
+          <a:p>
+            <a:pPr marL="457200" indent="-457200" algn="l">
+              <a:buFont typeface="Wingdings" panose="05000000000000000000" pitchFamily="2" charset="2"/>
+              <a:buChar char="ü"/>
+            </a:pPr>
+            <a:r>
+              <a:rPr lang="tr-TR" sz="2000" dirty="0" smtClean="0">
+                <a:latin typeface="Times New Roman" panose="02020603050405020304" pitchFamily="18" charset="0"/>
+                <a:cs typeface="Times New Roman" panose="02020603050405020304" pitchFamily="18" charset="0"/>
+              </a:rPr>
+              <a:t>Devre ve motor</a:t>
+            </a:r>
+            <a:endParaRPr lang="en-US" sz="2000" dirty="0" smtClean="0">
+              <a:latin typeface="Times New Roman" panose="02020603050405020304" pitchFamily="18" charset="0"/>
+              <a:cs typeface="Times New Roman" panose="02020603050405020304" pitchFamily="18" charset="0"/>
+            </a:endParaRPr>
+          </a:p>
+        </p:txBody>
+      </p:sp>
+    </p:spTree>
+    <p:extLst>
+      <p:ext uri="{BB962C8B-B14F-4D97-AF65-F5344CB8AC3E}">
+        <p14:creationId xmlns:p14="http://schemas.microsoft.com/office/powerpoint/2010/main" val="3266298364"/>
+      </p:ext>
+    </p:extLst>
+  </p:cSld>
+  <p:clrMapOvr>
+    <a:masterClrMapping/>
+  </p:clrMapOvr>
+  <p:timing>
+    <p:tnLst>
+      <p:par>
+        <p:cTn id="1" dur="indefinite" restart="never" nodeType="tmRoot"/>
+      </p:par>
+    </p:tnLst>
+  </p:timing>
+</p:sld>
+</file>
+
+<file path=ppt/slides/slide2.xml><?xml version="1.0" encoding="utf-8"?>
+<p:sld xmlns:a="http://schemas.openxmlformats.org/drawingml/2006/main" xmlns:r="http://schemas.openxmlformats.org/officeDocument/2006/relationships" xmlns:p="http://schemas.openxmlformats.org/presentationml/2006/main">
+  <p:cSld>
+    <p:spTree>
+      <p:nvGrpSpPr>
+        <p:cNvPr id="1" name=""/>
+        <p:cNvGrpSpPr/>
+        <p:nvPr/>
+      </p:nvGrpSpPr>
+      <p:grpSpPr>
+        <a:xfrm>
+          <a:off x="0" y="0"/>
+          <a:ext cx="0" cy="0"/>
+          <a:chOff x="0" y="0"/>
+          <a:chExt cx="0" cy="0"/>
+        </a:xfrm>
+      </p:grpSpPr>
+      <p:sp>
+        <p:nvSpPr>
+          <p:cNvPr id="10" name="Rectangle 9"/>
+          <p:cNvSpPr/>
+          <p:nvPr/>
+        </p:nvSpPr>
+        <p:spPr>
+          <a:xfrm>
+            <a:off x="0" y="12106"/>
+            <a:ext cx="1011942" cy="6854083"/>
+          </a:xfrm>
+          <a:prstGeom prst="rect">
+            <a:avLst/>
+          </a:prstGeom>
+          <a:gradFill flip="none" rotWithShape="1">
+            <a:gsLst>
+              <a:gs pos="50000">
+                <a:srgbClr val="D00000"/>
+              </a:gs>
+              <a:gs pos="0">
+                <a:srgbClr val="FF0000">
+                  <a:shade val="30000"/>
+                  <a:satMod val="115000"/>
+                </a:srgbClr>
+              </a:gs>
+              <a:gs pos="100000">
+                <a:schemeClr val="accent2">
+                  <a:lumMod val="60000"/>
+                  <a:lumOff val="40000"/>
+                </a:schemeClr>
+              </a:gs>
+            </a:gsLst>
+            <a:lin ang="5400000" scaled="1"/>
+            <a:tileRect/>
+          </a:gradFill>
+          <a:ln>
+            <a:noFill/>
+          </a:ln>
+        </p:spPr>
+        <p:style>
+          <a:lnRef idx="2">
+            <a:schemeClr val="accent1">
+              <a:shade val="50000"/>
+            </a:schemeClr>
+          </a:lnRef>
+          <a:fillRef idx="1">
+            <a:schemeClr val="accent1"/>
+          </a:fillRef>
+          <a:effectRef idx="0">
+            <a:schemeClr val="accent1"/>
+          </a:effectRef>
+          <a:fontRef idx="minor">
+            <a:schemeClr val="lt1"/>
+          </a:fontRef>
+        </p:style>
+        <p:txBody>
+          <a:bodyPr rtlCol="0" anchor="ctr"/>
+          <a:lstStyle/>
+          <a:p>
+            <a:pPr algn="ctr"/>
+            <a:endParaRPr lang="tr-TR" dirty="0"/>
+          </a:p>
+        </p:txBody>
+      </p:sp>
+      <p:cxnSp>
+        <p:nvCxnSpPr>
+          <p:cNvPr id="11" name="Straight Connector 10"/>
+          <p:cNvCxnSpPr/>
+          <p:nvPr/>
+        </p:nvCxnSpPr>
+        <p:spPr>
+          <a:xfrm>
+            <a:off x="1189918" y="838200"/>
+            <a:ext cx="7649282" cy="0"/>
+          </a:xfrm>
+          <a:prstGeom prst="line">
+            <a:avLst/>
+          </a:prstGeom>
+          <a:ln w="50800">
+            <a:solidFill>
+              <a:srgbClr val="F20000"/>
+            </a:solidFill>
+          </a:ln>
+        </p:spPr>
+        <p:style>
+          <a:lnRef idx="1">
+            <a:schemeClr val="accent1"/>
+          </a:lnRef>
+          <a:fillRef idx="0">
+            <a:schemeClr val="accent1"/>
+          </a:fillRef>
+          <a:effectRef idx="0">
+            <a:schemeClr val="accent1"/>
+          </a:effectRef>
+          <a:fontRef idx="minor">
+            <a:schemeClr val="tx1"/>
+          </a:fontRef>
+        </p:style>
+      </p:cxnSp>
+      <p:sp>
+        <p:nvSpPr>
+          <p:cNvPr id="13" name="TextBox 12"/>
+          <p:cNvSpPr txBox="1"/>
+          <p:nvPr/>
+        </p:nvSpPr>
+        <p:spPr>
+          <a:xfrm>
+            <a:off x="1386291" y="224135"/>
+            <a:ext cx="7315200" cy="553998"/>
+          </a:xfrm>
+          <a:prstGeom prst="rect">
+            <a:avLst/>
+          </a:prstGeom>
+          <a:noFill/>
+        </p:spPr>
+        <p:txBody>
+          <a:bodyPr wrap="square" rtlCol="0">
+            <a:spAutoFit/>
+          </a:bodyPr>
+          <a:lstStyle/>
+          <a:p>
+            <a:pPr algn="ctr"/>
+            <a:r>
+              <a:rPr lang="en-US" sz="3000" dirty="0" smtClean="0">
+                <a:latin typeface="Times New Roman" panose="02020603050405020304" pitchFamily="18" charset="0"/>
+                <a:cs typeface="Times New Roman" panose="02020603050405020304" pitchFamily="18" charset="0"/>
+              </a:rPr>
+              <a:t>Research Group</a:t>
+            </a:r>
+            <a:endParaRPr lang="en-US" sz="3000" dirty="0">
+              <a:latin typeface="Times New Roman" panose="02020603050405020304" pitchFamily="18" charset="0"/>
+              <a:cs typeface="Times New Roman" panose="02020603050405020304" pitchFamily="18" charset="0"/>
+            </a:endParaRPr>
+          </a:p>
+        </p:txBody>
+      </p:sp>
+      <p:cxnSp>
+        <p:nvCxnSpPr>
+          <p:cNvPr id="15" name="Straight Connector 14"/>
+          <p:cNvCxnSpPr/>
+          <p:nvPr/>
+        </p:nvCxnSpPr>
+        <p:spPr>
+          <a:xfrm>
+            <a:off x="1189918" y="914400"/>
+            <a:ext cx="7649282" cy="0"/>
+          </a:xfrm>
+          <a:prstGeom prst="line">
+            <a:avLst/>
+          </a:prstGeom>
+          <a:ln w="19050">
+            <a:solidFill>
+              <a:srgbClr val="F20000"/>
+            </a:solidFill>
+          </a:ln>
+        </p:spPr>
+        <p:style>
+          <a:lnRef idx="1">
+            <a:schemeClr val="accent1"/>
+          </a:lnRef>
+          <a:fillRef idx="0">
+            <a:schemeClr val="accent1"/>
+          </a:fillRef>
+          <a:effectRef idx="0">
+            <a:schemeClr val="accent1"/>
+          </a:effectRef>
+          <a:fontRef idx="minor">
+            <a:schemeClr val="tx1"/>
+          </a:fontRef>
+        </p:style>
+      </p:cxnSp>
+      <p:sp>
+        <p:nvSpPr>
+          <p:cNvPr id="2" name="Slide Number Placeholder 1"/>
+          <p:cNvSpPr>
+            <a:spLocks noGrp="1"/>
+          </p:cNvSpPr>
+          <p:nvPr>
+            <p:ph type="sldNum" sz="quarter" idx="12"/>
+          </p:nvPr>
+        </p:nvSpPr>
+        <p:spPr/>
+        <p:txBody>
+          <a:bodyPr/>
+          <a:lstStyle/>
+          <a:p>
+            <a:fld id="{B6F15528-21DE-4FAA-801E-634DDDAF4B2B}" type="slidenum">
+              <a:rPr lang="en-US" smtClean="0"/>
+              <a:pPr/>
+              <a:t>2</a:t>
+            </a:fld>
+            <a:endParaRPr lang="en-US" dirty="0"/>
+          </a:p>
+        </p:txBody>
+      </p:sp>
+      <p:pic>
+        <p:nvPicPr>
+          <p:cNvPr id="14" name="Picture 2" descr="C:\Users\Mesut\Desktop\aselsan sunum\aselsan sunum 10 ekim\aselsan sunum\cezmi bey\ODTU.png"/>
+          <p:cNvPicPr>
+            <a:picLocks noChangeAspect="1" noChangeArrowheads="1"/>
+          </p:cNvPicPr>
+          <p:nvPr/>
+        </p:nvPicPr>
+        <p:blipFill>
+          <a:blip r:embed="rId2" cstate="print">
+            <a:extLst>
+              <a:ext uri="{28A0092B-C50C-407E-A947-70E740481C1C}">
+                <a14:useLocalDpi xmlns:a14="http://schemas.microsoft.com/office/drawing/2010/main" val="0"/>
+              </a:ext>
+            </a:extLst>
+          </a:blip>
+          <a:srcRect/>
+          <a:stretch>
+            <a:fillRect/>
+          </a:stretch>
+        </p:blipFill>
+        <p:spPr bwMode="auto">
+          <a:xfrm>
+            <a:off x="163507" y="266700"/>
+            <a:ext cx="684927" cy="571500"/>
+          </a:xfrm>
+          <a:prstGeom prst="rect">
+            <a:avLst/>
+          </a:prstGeom>
+          <a:noFill/>
+          <a:extLst>
+            <a:ext uri="{909E8E84-426E-40DD-AFC4-6F175D3DCCD1}">
+              <a14:hiddenFill xmlns:a14="http://schemas.microsoft.com/office/drawing/2010/main">
+                <a:solidFill>
+                  <a:srgbClr val="FFFFFF"/>
+                </a:solidFill>
+              </a14:hiddenFill>
+            </a:ext>
+          </a:extLst>
+        </p:spPr>
+      </p:pic>
+      <p:pic>
+        <p:nvPicPr>
+          <p:cNvPr id="17" name="Picture 16" descr="C:\Users\ugurm\Desktop\gitthub\IMMD\GRW2017\Metu5.png"/>
+          <p:cNvPicPr/>
+          <p:nvPr/>
+        </p:nvPicPr>
+        <p:blipFill rotWithShape="1">
+          <a:blip r:embed="rId3" cstate="print">
+            <a:extLst>
+              <a:ext uri="{28A0092B-C50C-407E-A947-70E740481C1C}">
+                <a14:useLocalDpi xmlns:a14="http://schemas.microsoft.com/office/drawing/2010/main" val="0"/>
+              </a:ext>
+            </a:extLst>
+          </a:blip>
+          <a:srcRect l="14652" t="39667" r="15041" b="41051"/>
+          <a:stretch/>
+        </p:blipFill>
+        <p:spPr bwMode="auto">
+          <a:xfrm>
+            <a:off x="5154972" y="2611170"/>
+            <a:ext cx="3227028" cy="734666"/>
+          </a:xfrm>
+          <a:prstGeom prst="rect">
+            <a:avLst/>
+          </a:prstGeom>
+          <a:noFill/>
+          <a:ln>
+            <a:noFill/>
+          </a:ln>
+          <a:extLst>
+            <a:ext uri="{53640926-AAD7-44D8-BBD7-CCE9431645EC}">
+              <a14:shadowObscured xmlns:a14="http://schemas.microsoft.com/office/drawing/2010/main"/>
+            </a:ext>
+          </a:extLst>
+        </p:spPr>
+      </p:pic>
+      <p:sp>
+        <p:nvSpPr>
+          <p:cNvPr id="18" name="TextBox 17"/>
+          <p:cNvSpPr txBox="1"/>
+          <p:nvPr/>
+        </p:nvSpPr>
+        <p:spPr>
+          <a:xfrm>
+            <a:off x="1212086" y="1166784"/>
+            <a:ext cx="3742742" cy="5324535"/>
+          </a:xfrm>
+          <a:prstGeom prst="rect">
+            <a:avLst/>
+          </a:prstGeom>
+          <a:noFill/>
+        </p:spPr>
+        <p:txBody>
+          <a:bodyPr wrap="square" rtlCol="0">
+            <a:spAutoFit/>
+          </a:bodyPr>
+          <a:lstStyle/>
+          <a:p>
+            <a:r>
+              <a:rPr lang="en-US" sz="2400" b="1" dirty="0" smtClean="0">
+                <a:latin typeface="Times New Roman" panose="02020603050405020304" pitchFamily="18" charset="0"/>
+                <a:cs typeface="Times New Roman" panose="02020603050405020304" pitchFamily="18" charset="0"/>
+              </a:rPr>
+              <a:t>Research Fields</a:t>
+            </a:r>
+          </a:p>
+          <a:p>
+            <a:pPr marL="342900" indent="-342900">
+              <a:buFont typeface="Wingdings" panose="05000000000000000000" pitchFamily="2" charset="2"/>
+              <a:buChar char="v"/>
+            </a:pPr>
+            <a:r>
+              <a:rPr lang="en-US" sz="2000" dirty="0" smtClean="0">
+                <a:latin typeface="Times New Roman" panose="02020603050405020304" pitchFamily="18" charset="0"/>
+                <a:cs typeface="Times New Roman" panose="02020603050405020304" pitchFamily="18" charset="0"/>
+              </a:rPr>
+              <a:t>Renewable Energy</a:t>
+            </a:r>
+          </a:p>
+          <a:p>
+            <a:pPr marL="342900" indent="-342900">
+              <a:buFont typeface="Wingdings" panose="05000000000000000000" pitchFamily="2" charset="2"/>
+              <a:buChar char="v"/>
+            </a:pPr>
+            <a:r>
+              <a:rPr lang="en-US" sz="2000" dirty="0" smtClean="0">
+                <a:latin typeface="Times New Roman" panose="02020603050405020304" pitchFamily="18" charset="0"/>
+                <a:cs typeface="Times New Roman" panose="02020603050405020304" pitchFamily="18" charset="0"/>
+              </a:rPr>
+              <a:t>Power Quality</a:t>
+            </a:r>
+          </a:p>
+          <a:p>
+            <a:pPr marL="342900" indent="-342900">
+              <a:buFont typeface="Wingdings" panose="05000000000000000000" pitchFamily="2" charset="2"/>
+              <a:buChar char="v"/>
+            </a:pPr>
+            <a:r>
+              <a:rPr lang="en-US" sz="2000" dirty="0" smtClean="0">
+                <a:latin typeface="Times New Roman" panose="02020603050405020304" pitchFamily="18" charset="0"/>
+                <a:cs typeface="Times New Roman" panose="02020603050405020304" pitchFamily="18" charset="0"/>
+              </a:rPr>
+              <a:t>Smart Grids</a:t>
+            </a:r>
+          </a:p>
+          <a:p>
+            <a:pPr marL="342900" indent="-342900">
+              <a:buFont typeface="Wingdings" panose="05000000000000000000" pitchFamily="2" charset="2"/>
+              <a:buChar char="v"/>
+            </a:pPr>
+            <a:r>
+              <a:rPr lang="en-US" sz="2000" dirty="0" smtClean="0">
+                <a:latin typeface="Times New Roman" panose="02020603050405020304" pitchFamily="18" charset="0"/>
+                <a:cs typeface="Times New Roman" panose="02020603050405020304" pitchFamily="18" charset="0"/>
+              </a:rPr>
+              <a:t>Power Electronics</a:t>
+            </a:r>
+          </a:p>
+          <a:p>
+            <a:pPr marL="342900" indent="-342900">
+              <a:buFont typeface="Wingdings" panose="05000000000000000000" pitchFamily="2" charset="2"/>
+              <a:buChar char="v"/>
+            </a:pPr>
+            <a:r>
+              <a:rPr lang="en-US" sz="2000" dirty="0" smtClean="0">
+                <a:latin typeface="Times New Roman" panose="02020603050405020304" pitchFamily="18" charset="0"/>
+                <a:cs typeface="Times New Roman" panose="02020603050405020304" pitchFamily="18" charset="0"/>
+              </a:rPr>
+              <a:t>Electrical Machines</a:t>
+            </a:r>
+          </a:p>
+          <a:p>
+            <a:endParaRPr lang="en-US" sz="2400" dirty="0" smtClean="0">
+              <a:latin typeface="Times New Roman" panose="02020603050405020304" pitchFamily="18" charset="0"/>
+              <a:cs typeface="Times New Roman" panose="02020603050405020304" pitchFamily="18" charset="0"/>
+            </a:endParaRPr>
+          </a:p>
+          <a:p>
+            <a:r>
+              <a:rPr lang="en-US" sz="2400" b="1" dirty="0" smtClean="0">
+                <a:latin typeface="Times New Roman" panose="02020603050405020304" pitchFamily="18" charset="0"/>
+                <a:cs typeface="Times New Roman" panose="02020603050405020304" pitchFamily="18" charset="0"/>
+              </a:rPr>
+              <a:t>Events</a:t>
+            </a:r>
+          </a:p>
+          <a:p>
+            <a:pPr marL="342900" indent="-342900">
+              <a:buFont typeface="Wingdings" panose="05000000000000000000" pitchFamily="2" charset="2"/>
+              <a:buChar char="v"/>
+            </a:pPr>
+            <a:r>
+              <a:rPr lang="en-US" sz="2400" dirty="0" smtClean="0">
+                <a:latin typeface="Times New Roman" panose="02020603050405020304" pitchFamily="18" charset="0"/>
+                <a:cs typeface="Times New Roman" panose="02020603050405020304" pitchFamily="18" charset="0"/>
+              </a:rPr>
+              <a:t>Weekly seminars</a:t>
+            </a:r>
+          </a:p>
+          <a:p>
+            <a:pPr marL="342900" indent="-342900">
+              <a:buFont typeface="Wingdings" panose="05000000000000000000" pitchFamily="2" charset="2"/>
+              <a:buChar char="v"/>
+            </a:pPr>
+            <a:r>
+              <a:rPr lang="en-US" sz="2400" dirty="0" smtClean="0">
+                <a:latin typeface="Times New Roman" panose="02020603050405020304" pitchFamily="18" charset="0"/>
+                <a:cs typeface="Times New Roman" panose="02020603050405020304" pitchFamily="18" charset="0"/>
+              </a:rPr>
+              <a:t>Journal Club</a:t>
+            </a:r>
+          </a:p>
+          <a:p>
+            <a:endParaRPr lang="en-US" sz="2400" dirty="0" smtClean="0">
+              <a:latin typeface="Times New Roman" panose="02020603050405020304" pitchFamily="18" charset="0"/>
+              <a:cs typeface="Times New Roman" panose="02020603050405020304" pitchFamily="18" charset="0"/>
+            </a:endParaRPr>
+          </a:p>
+          <a:p>
+            <a:r>
+              <a:rPr lang="en-US" sz="2400" b="1" dirty="0" smtClean="0">
+                <a:latin typeface="Times New Roman" panose="02020603050405020304" pitchFamily="18" charset="0"/>
+                <a:cs typeface="Times New Roman" panose="02020603050405020304" pitchFamily="18" charset="0"/>
+              </a:rPr>
+              <a:t>Research League</a:t>
+            </a:r>
+          </a:p>
+          <a:p>
+            <a:pPr marL="342900" indent="-342900">
+              <a:buFont typeface="Wingdings" panose="05000000000000000000" pitchFamily="2" charset="2"/>
+              <a:buChar char="v"/>
+            </a:pPr>
+            <a:r>
+              <a:rPr lang="en-US" sz="2400" dirty="0" smtClean="0">
+                <a:latin typeface="Times New Roman" panose="02020603050405020304" pitchFamily="18" charset="0"/>
+                <a:cs typeface="Times New Roman" panose="02020603050405020304" pitchFamily="18" charset="0"/>
+              </a:rPr>
+              <a:t>Multi-disciplinary</a:t>
+            </a:r>
+            <a:r>
+              <a:rPr lang="tr-TR" sz="2400" dirty="0" smtClean="0">
+                <a:latin typeface="Times New Roman" panose="02020603050405020304" pitchFamily="18" charset="0"/>
+                <a:cs typeface="Times New Roman" panose="02020603050405020304" pitchFamily="18" charset="0"/>
+              </a:rPr>
+              <a:t> </a:t>
+            </a:r>
+            <a:r>
+              <a:rPr lang="tr-TR" sz="2400" dirty="0" err="1" smtClean="0">
+                <a:latin typeface="Times New Roman" panose="02020603050405020304" pitchFamily="18" charset="0"/>
+                <a:cs typeface="Times New Roman" panose="02020603050405020304" pitchFamily="18" charset="0"/>
+              </a:rPr>
+              <a:t>project</a:t>
+            </a:r>
+            <a:endParaRPr lang="en-US" sz="2400" dirty="0" smtClean="0">
+              <a:latin typeface="Times New Roman" panose="02020603050405020304" pitchFamily="18" charset="0"/>
+              <a:cs typeface="Times New Roman" panose="02020603050405020304" pitchFamily="18" charset="0"/>
+            </a:endParaRPr>
+          </a:p>
+          <a:p>
+            <a:pPr marL="342900" indent="-342900">
+              <a:buFont typeface="Wingdings" panose="05000000000000000000" pitchFamily="2" charset="2"/>
+              <a:buChar char="v"/>
+            </a:pPr>
+            <a:r>
+              <a:rPr lang="en-US" sz="2400" dirty="0" smtClean="0">
+                <a:latin typeface="Times New Roman" panose="02020603050405020304" pitchFamily="18" charset="0"/>
+                <a:cs typeface="Times New Roman" panose="02020603050405020304" pitchFamily="18" charset="0"/>
+              </a:rPr>
+              <a:t>Undergraduate students</a:t>
+            </a:r>
+          </a:p>
+          <a:p>
+            <a:pPr marL="342900" indent="-342900">
+              <a:buFont typeface="Wingdings" panose="05000000000000000000" pitchFamily="2" charset="2"/>
+              <a:buChar char="v"/>
+            </a:pPr>
+            <a:endParaRPr lang="en-US" sz="2400" b="1" dirty="0" smtClean="0">
+              <a:latin typeface="Times New Roman" panose="02020603050405020304" pitchFamily="18" charset="0"/>
+              <a:cs typeface="Times New Roman" panose="02020603050405020304" pitchFamily="18" charset="0"/>
+            </a:endParaRPr>
+          </a:p>
+        </p:txBody>
+      </p:sp>
+      <p:sp>
+        <p:nvSpPr>
+          <p:cNvPr id="19" name="TextBox 18"/>
+          <p:cNvSpPr txBox="1"/>
+          <p:nvPr/>
+        </p:nvSpPr>
+        <p:spPr>
+          <a:xfrm>
+            <a:off x="5014559" y="3617882"/>
+            <a:ext cx="3884373" cy="461665"/>
+          </a:xfrm>
+          <a:prstGeom prst="rect">
+            <a:avLst/>
+          </a:prstGeom>
+          <a:noFill/>
+        </p:spPr>
+        <p:txBody>
+          <a:bodyPr wrap="square" rtlCol="0">
+            <a:spAutoFit/>
+          </a:bodyPr>
+          <a:lstStyle/>
+          <a:p>
+            <a:r>
+              <a:rPr lang="tr-TR" sz="2400" dirty="0" smtClean="0">
+                <a:latin typeface="Times New Roman" panose="02020603050405020304" pitchFamily="18" charset="0"/>
+                <a:cs typeface="Times New Roman" panose="02020603050405020304" pitchFamily="18" charset="0"/>
+                <a:hlinkClick r:id="rId4"/>
+              </a:rPr>
+              <a:t>http</a:t>
+            </a:r>
+            <a:r>
+              <a:rPr lang="tr-TR" sz="2400" dirty="0">
+                <a:latin typeface="Times New Roman" panose="02020603050405020304" pitchFamily="18" charset="0"/>
+                <a:cs typeface="Times New Roman" panose="02020603050405020304" pitchFamily="18" charset="0"/>
+                <a:hlinkClick r:id="rId4"/>
+              </a:rPr>
+              <a:t>://</a:t>
+            </a:r>
+            <a:r>
+              <a:rPr lang="tr-TR" sz="2400" dirty="0" smtClean="0">
+                <a:latin typeface="Times New Roman" panose="02020603050405020304" pitchFamily="18" charset="0"/>
+                <a:cs typeface="Times New Roman" panose="02020603050405020304" pitchFamily="18" charset="0"/>
+                <a:hlinkClick r:id="rId4"/>
+              </a:rPr>
+              <a:t>power.eee.metu.edu.tr</a:t>
+            </a:r>
+            <a:endParaRPr lang="tr-TR" sz="2400" dirty="0">
+              <a:latin typeface="Times New Roman" panose="02020603050405020304" pitchFamily="18" charset="0"/>
+              <a:cs typeface="Times New Roman" panose="02020603050405020304" pitchFamily="18" charset="0"/>
+            </a:endParaRPr>
+          </a:p>
+        </p:txBody>
+      </p:sp>
+    </p:spTree>
+    <p:extLst>
+      <p:ext uri="{BB962C8B-B14F-4D97-AF65-F5344CB8AC3E}">
+        <p14:creationId xmlns:p14="http://schemas.microsoft.com/office/powerpoint/2010/main" val="439095538"/>
+      </p:ext>
+    </p:extLst>
+  </p:cSld>
+  <p:clrMapOvr>
+    <a:masterClrMapping/>
+  </p:clrMapOvr>
+  <p:timing>
+    <p:tnLst>
+      <p:par>
+        <p:cTn id="1" dur="indefinite" restart="never" nodeType="tmRoot"/>
+      </p:par>
+    </p:tnLst>
+  </p:timing>
+</p:sld>
+</file>
+
+<file path=ppt/slides/slide20.xml><?xml version="1.0" encoding="utf-8"?>
+<p:sld xmlns:a="http://schemas.openxmlformats.org/drawingml/2006/main" xmlns:r="http://schemas.openxmlformats.org/officeDocument/2006/relationships" xmlns:p="http://schemas.openxmlformats.org/presentationml/2006/main">
+  <p:cSld>
+    <p:spTree>
+      <p:nvGrpSpPr>
+        <p:cNvPr id="1" name=""/>
+        <p:cNvGrpSpPr/>
+        <p:nvPr/>
+      </p:nvGrpSpPr>
+      <p:grpSpPr>
+        <a:xfrm>
+          <a:off x="0" y="0"/>
+          <a:ext cx="0" cy="0"/>
+          <a:chOff x="0" y="0"/>
+          <a:chExt cx="0" cy="0"/>
+        </a:xfrm>
+      </p:grpSpPr>
+      <p:sp>
+        <p:nvSpPr>
+          <p:cNvPr id="10" name="Rectangle 9"/>
+          <p:cNvSpPr/>
+          <p:nvPr/>
+        </p:nvSpPr>
+        <p:spPr>
+          <a:xfrm>
+            <a:off x="0" y="12106"/>
+            <a:ext cx="1011942" cy="6854083"/>
+          </a:xfrm>
+          <a:prstGeom prst="rect">
+            <a:avLst/>
+          </a:prstGeom>
+          <a:gradFill flip="none" rotWithShape="1">
+            <a:gsLst>
+              <a:gs pos="50000">
+                <a:srgbClr val="D00000"/>
+              </a:gs>
+              <a:gs pos="0">
+                <a:srgbClr val="FF0000">
+                  <a:shade val="30000"/>
+                  <a:satMod val="115000"/>
+                </a:srgbClr>
+              </a:gs>
+              <a:gs pos="100000">
+                <a:schemeClr val="accent2">
+                  <a:lumMod val="60000"/>
+                  <a:lumOff val="40000"/>
+                </a:schemeClr>
+              </a:gs>
+            </a:gsLst>
+            <a:lin ang="5400000" scaled="1"/>
+            <a:tileRect/>
+          </a:gradFill>
+          <a:ln>
+            <a:noFill/>
+          </a:ln>
+        </p:spPr>
+        <p:style>
+          <a:lnRef idx="2">
+            <a:schemeClr val="accent1">
+              <a:shade val="50000"/>
+            </a:schemeClr>
+          </a:lnRef>
+          <a:fillRef idx="1">
+            <a:schemeClr val="accent1"/>
+          </a:fillRef>
+          <a:effectRef idx="0">
+            <a:schemeClr val="accent1"/>
+          </a:effectRef>
+          <a:fontRef idx="minor">
+            <a:schemeClr val="lt1"/>
+          </a:fontRef>
+        </p:style>
+        <p:txBody>
+          <a:bodyPr rtlCol="0" anchor="ctr"/>
+          <a:lstStyle/>
+          <a:p>
+            <a:pPr algn="ctr"/>
+            <a:endParaRPr lang="tr-TR"/>
+          </a:p>
+        </p:txBody>
+      </p:sp>
+      <p:cxnSp>
+        <p:nvCxnSpPr>
+          <p:cNvPr id="11" name="Straight Connector 10"/>
+          <p:cNvCxnSpPr/>
+          <p:nvPr/>
+        </p:nvCxnSpPr>
+        <p:spPr>
+          <a:xfrm>
+            <a:off x="1189918" y="838200"/>
+            <a:ext cx="7649282" cy="0"/>
+          </a:xfrm>
+          <a:prstGeom prst="line">
+            <a:avLst/>
+          </a:prstGeom>
+          <a:ln w="50800">
+            <a:solidFill>
+              <a:srgbClr val="F20000"/>
+            </a:solidFill>
+          </a:ln>
+        </p:spPr>
+        <p:style>
+          <a:lnRef idx="1">
+            <a:schemeClr val="accent1"/>
+          </a:lnRef>
+          <a:fillRef idx="0">
+            <a:schemeClr val="accent1"/>
+          </a:fillRef>
+          <a:effectRef idx="0">
+            <a:schemeClr val="accent1"/>
+          </a:effectRef>
+          <a:fontRef idx="minor">
+            <a:schemeClr val="tx1"/>
+          </a:fontRef>
+        </p:style>
+      </p:cxnSp>
+      <p:sp>
+        <p:nvSpPr>
+          <p:cNvPr id="13" name="TextBox 12"/>
+          <p:cNvSpPr txBox="1"/>
+          <p:nvPr/>
+        </p:nvSpPr>
+        <p:spPr>
+          <a:xfrm>
+            <a:off x="1386291" y="224135"/>
+            <a:ext cx="7315200" cy="553998"/>
+          </a:xfrm>
+          <a:prstGeom prst="rect">
+            <a:avLst/>
+          </a:prstGeom>
+          <a:noFill/>
+        </p:spPr>
+        <p:txBody>
+          <a:bodyPr wrap="square" rtlCol="0">
+            <a:spAutoFit/>
+          </a:bodyPr>
+          <a:lstStyle/>
+          <a:p>
+            <a:pPr algn="ctr"/>
+            <a:r>
+              <a:rPr lang="tr-TR" sz="3000" dirty="0" smtClean="0">
+                <a:latin typeface="Times New Roman" panose="02020603050405020304" pitchFamily="18" charset="0"/>
+                <a:cs typeface="Times New Roman" panose="02020603050405020304" pitchFamily="18" charset="0"/>
+              </a:rPr>
+              <a:t>IMMD Design</a:t>
+            </a:r>
+            <a:endParaRPr lang="tr-TR" sz="3000" dirty="0">
+              <a:latin typeface="Times New Roman" panose="02020603050405020304" pitchFamily="18" charset="0"/>
+              <a:cs typeface="Times New Roman" panose="02020603050405020304" pitchFamily="18" charset="0"/>
+            </a:endParaRPr>
+          </a:p>
+        </p:txBody>
+      </p:sp>
+      <p:cxnSp>
+        <p:nvCxnSpPr>
+          <p:cNvPr id="15" name="Straight Connector 14"/>
+          <p:cNvCxnSpPr/>
+          <p:nvPr/>
+        </p:nvCxnSpPr>
+        <p:spPr>
+          <a:xfrm>
+            <a:off x="1189918" y="914400"/>
+            <a:ext cx="7649282" cy="0"/>
+          </a:xfrm>
+          <a:prstGeom prst="line">
+            <a:avLst/>
+          </a:prstGeom>
+          <a:ln w="19050">
+            <a:solidFill>
+              <a:srgbClr val="F20000"/>
+            </a:solidFill>
+          </a:ln>
+        </p:spPr>
+        <p:style>
+          <a:lnRef idx="1">
+            <a:schemeClr val="accent1"/>
+          </a:lnRef>
+          <a:fillRef idx="0">
+            <a:schemeClr val="accent1"/>
+          </a:fillRef>
+          <a:effectRef idx="0">
+            <a:schemeClr val="accent1"/>
+          </a:effectRef>
+          <a:fontRef idx="minor">
+            <a:schemeClr val="tx1"/>
+          </a:fontRef>
+        </p:style>
+      </p:cxnSp>
+      <p:sp>
+        <p:nvSpPr>
+          <p:cNvPr id="2" name="Slide Number Placeholder 1"/>
+          <p:cNvSpPr>
+            <a:spLocks noGrp="1"/>
+          </p:cNvSpPr>
+          <p:nvPr>
+            <p:ph type="sldNum" sz="quarter" idx="12"/>
+          </p:nvPr>
+        </p:nvSpPr>
+        <p:spPr/>
+        <p:txBody>
+          <a:bodyPr/>
+          <a:lstStyle/>
+          <a:p>
+            <a:fld id="{B6F15528-21DE-4FAA-801E-634DDDAF4B2B}" type="slidenum">
+              <a:rPr lang="en-US" smtClean="0"/>
+              <a:pPr/>
+              <a:t>20</a:t>
+            </a:fld>
+            <a:endParaRPr lang="en-US" dirty="0"/>
+          </a:p>
+        </p:txBody>
+      </p:sp>
+      <p:pic>
+        <p:nvPicPr>
+          <p:cNvPr id="14" name="Picture 2" descr="C:\Users\Mesut\Desktop\aselsan sunum\aselsan sunum 10 ekim\aselsan sunum\cezmi bey\ODTU.png"/>
+          <p:cNvPicPr>
+            <a:picLocks noChangeAspect="1" noChangeArrowheads="1"/>
+          </p:cNvPicPr>
+          <p:nvPr/>
+        </p:nvPicPr>
+        <p:blipFill>
+          <a:blip r:embed="rId2" cstate="print">
+            <a:extLst>
+              <a:ext uri="{28A0092B-C50C-407E-A947-70E740481C1C}">
+                <a14:useLocalDpi xmlns:a14="http://schemas.microsoft.com/office/drawing/2010/main" val="0"/>
+              </a:ext>
+            </a:extLst>
+          </a:blip>
+          <a:srcRect/>
+          <a:stretch>
+            <a:fillRect/>
+          </a:stretch>
+        </p:blipFill>
+        <p:spPr bwMode="auto">
+          <a:xfrm>
+            <a:off x="163507" y="266700"/>
+            <a:ext cx="684927" cy="571500"/>
+          </a:xfrm>
+          <a:prstGeom prst="rect">
+            <a:avLst/>
+          </a:prstGeom>
+          <a:noFill/>
+          <a:extLst>
+            <a:ext uri="{909E8E84-426E-40DD-AFC4-6F175D3DCCD1}">
+              <a14:hiddenFill xmlns:a14="http://schemas.microsoft.com/office/drawing/2010/main">
+                <a:solidFill>
+                  <a:srgbClr val="FFFFFF"/>
+                </a:solidFill>
+              </a14:hiddenFill>
+            </a:ext>
+          </a:extLst>
+        </p:spPr>
+      </p:pic>
+      <p:sp>
+        <p:nvSpPr>
+          <p:cNvPr id="9" name="Text Box 9"/>
+          <p:cNvSpPr txBox="1">
+            <a:spLocks noChangeArrowheads="1"/>
+          </p:cNvSpPr>
+          <p:nvPr/>
+        </p:nvSpPr>
+        <p:spPr bwMode="auto">
+          <a:xfrm>
+            <a:off x="1348191" y="952500"/>
+            <a:ext cx="6514138" cy="400110"/>
+          </a:xfrm>
+          <a:prstGeom prst="rect">
+            <a:avLst/>
+          </a:prstGeom>
+          <a:noFill/>
+          <a:ln w="9525">
+            <a:noFill/>
+            <a:miter lim="800000"/>
+            <a:headEnd/>
+            <a:tailEnd/>
+          </a:ln>
+          <a:effectLst/>
+        </p:spPr>
+        <p:txBody>
+          <a:bodyPr wrap="square">
+            <a:spAutoFit/>
+          </a:bodyPr>
+          <a:lstStyle/>
+          <a:p>
+            <a:r>
+              <a:rPr lang="en-US" sz="2000" b="1" dirty="0" smtClean="0">
+                <a:latin typeface="Times New Roman" panose="02020603050405020304" pitchFamily="18" charset="0"/>
+                <a:cs typeface="Times New Roman" panose="02020603050405020304" pitchFamily="18" charset="0"/>
+              </a:rPr>
+              <a:t>Loss Characterization</a:t>
+            </a:r>
+            <a:endParaRPr lang="en-US" sz="2000" dirty="0" smtClean="0">
+              <a:latin typeface="Times New Roman" panose="02020603050405020304" pitchFamily="18" charset="0"/>
+              <a:cs typeface="Times New Roman" panose="02020603050405020304" pitchFamily="18" charset="0"/>
+            </a:endParaRPr>
+          </a:p>
+        </p:txBody>
+      </p:sp>
+      <p:pic>
+        <p:nvPicPr>
+          <p:cNvPr id="12" name="Picture 11"/>
+          <p:cNvPicPr>
+            <a:picLocks noChangeAspect="1"/>
+          </p:cNvPicPr>
+          <p:nvPr/>
+        </p:nvPicPr>
+        <p:blipFill>
+          <a:blip r:embed="rId3"/>
+          <a:stretch>
+            <a:fillRect/>
+          </a:stretch>
+        </p:blipFill>
+        <p:spPr>
+          <a:xfrm>
+            <a:off x="1429861" y="1757454"/>
+            <a:ext cx="4513739" cy="4294590"/>
+          </a:xfrm>
+          <a:prstGeom prst="rect">
+            <a:avLst/>
+          </a:prstGeom>
+        </p:spPr>
+      </p:pic>
+    </p:spTree>
+    <p:extLst>
+      <p:ext uri="{BB962C8B-B14F-4D97-AF65-F5344CB8AC3E}">
+        <p14:creationId xmlns:p14="http://schemas.microsoft.com/office/powerpoint/2010/main" val="471846561"/>
+      </p:ext>
+    </p:extLst>
+  </p:cSld>
+  <p:clrMapOvr>
+    <a:masterClrMapping/>
+  </p:clrMapOvr>
+  <p:timing>
+    <p:tnLst>
+      <p:par>
+        <p:cTn id="1" dur="indefinite" restart="never" nodeType="tmRoot"/>
+      </p:par>
+    </p:tnLst>
+  </p:timing>
+</p:sld>
+</file>
+
+<file path=ppt/slides/slide21.xml><?xml version="1.0" encoding="utf-8"?>
+<p:sld xmlns:a="http://schemas.openxmlformats.org/drawingml/2006/main" xmlns:r="http://schemas.openxmlformats.org/officeDocument/2006/relationships" xmlns:p="http://schemas.openxmlformats.org/presentationml/2006/main">
+  <p:cSld>
+    <p:spTree>
+      <p:nvGrpSpPr>
+        <p:cNvPr id="1" name=""/>
+        <p:cNvGrpSpPr/>
+        <p:nvPr/>
+      </p:nvGrpSpPr>
+      <p:grpSpPr>
+        <a:xfrm>
+          <a:off x="0" y="0"/>
+          <a:ext cx="0" cy="0"/>
+          <a:chOff x="0" y="0"/>
+          <a:chExt cx="0" cy="0"/>
+        </a:xfrm>
+      </p:grpSpPr>
+      <p:sp>
+        <p:nvSpPr>
+          <p:cNvPr id="10" name="Rectangle 9"/>
+          <p:cNvSpPr/>
+          <p:nvPr/>
+        </p:nvSpPr>
+        <p:spPr>
+          <a:xfrm>
+            <a:off x="0" y="12106"/>
+            <a:ext cx="1011942" cy="6854083"/>
+          </a:xfrm>
+          <a:prstGeom prst="rect">
+            <a:avLst/>
+          </a:prstGeom>
+          <a:gradFill flip="none" rotWithShape="1">
+            <a:gsLst>
+              <a:gs pos="50000">
+                <a:srgbClr val="D00000"/>
+              </a:gs>
+              <a:gs pos="0">
+                <a:srgbClr val="FF0000">
+                  <a:shade val="30000"/>
+                  <a:satMod val="115000"/>
+                </a:srgbClr>
+              </a:gs>
+              <a:gs pos="100000">
+                <a:schemeClr val="accent2">
+                  <a:lumMod val="60000"/>
+                  <a:lumOff val="40000"/>
+                </a:schemeClr>
+              </a:gs>
+            </a:gsLst>
+            <a:lin ang="5400000" scaled="1"/>
+            <a:tileRect/>
+          </a:gradFill>
+          <a:ln>
+            <a:noFill/>
+          </a:ln>
+        </p:spPr>
+        <p:style>
+          <a:lnRef idx="2">
+            <a:schemeClr val="accent1">
+              <a:shade val="50000"/>
+            </a:schemeClr>
+          </a:lnRef>
+          <a:fillRef idx="1">
+            <a:schemeClr val="accent1"/>
+          </a:fillRef>
+          <a:effectRef idx="0">
+            <a:schemeClr val="accent1"/>
+          </a:effectRef>
+          <a:fontRef idx="minor">
+            <a:schemeClr val="lt1"/>
+          </a:fontRef>
+        </p:style>
+        <p:txBody>
+          <a:bodyPr rtlCol="0" anchor="ctr"/>
+          <a:lstStyle/>
+          <a:p>
+            <a:pPr algn="ctr"/>
+            <a:endParaRPr lang="tr-TR"/>
+          </a:p>
+        </p:txBody>
+      </p:sp>
+      <p:cxnSp>
+        <p:nvCxnSpPr>
+          <p:cNvPr id="11" name="Straight Connector 10"/>
+          <p:cNvCxnSpPr/>
+          <p:nvPr/>
+        </p:nvCxnSpPr>
+        <p:spPr>
+          <a:xfrm>
+            <a:off x="1189918" y="838200"/>
+            <a:ext cx="7649282" cy="0"/>
+          </a:xfrm>
+          <a:prstGeom prst="line">
+            <a:avLst/>
+          </a:prstGeom>
+          <a:ln w="50800">
+            <a:solidFill>
+              <a:srgbClr val="F20000"/>
+            </a:solidFill>
+          </a:ln>
+        </p:spPr>
+        <p:style>
+          <a:lnRef idx="1">
+            <a:schemeClr val="accent1"/>
+          </a:lnRef>
+          <a:fillRef idx="0">
+            <a:schemeClr val="accent1"/>
+          </a:fillRef>
+          <a:effectRef idx="0">
+            <a:schemeClr val="accent1"/>
+          </a:effectRef>
+          <a:fontRef idx="minor">
+            <a:schemeClr val="tx1"/>
+          </a:fontRef>
+        </p:style>
+      </p:cxnSp>
+      <p:sp>
+        <p:nvSpPr>
+          <p:cNvPr id="13" name="TextBox 12"/>
+          <p:cNvSpPr txBox="1"/>
+          <p:nvPr/>
+        </p:nvSpPr>
+        <p:spPr>
+          <a:xfrm>
+            <a:off x="1386291" y="224135"/>
+            <a:ext cx="7315200" cy="553998"/>
+          </a:xfrm>
+          <a:prstGeom prst="rect">
+            <a:avLst/>
+          </a:prstGeom>
+          <a:noFill/>
+        </p:spPr>
+        <p:txBody>
+          <a:bodyPr wrap="square" rtlCol="0">
+            <a:spAutoFit/>
+          </a:bodyPr>
+          <a:lstStyle/>
+          <a:p>
+            <a:pPr algn="ctr"/>
+            <a:r>
+              <a:rPr lang="tr-TR" sz="3000" dirty="0" err="1" smtClean="0">
+                <a:latin typeface="Times New Roman" panose="02020603050405020304" pitchFamily="18" charset="0"/>
+                <a:cs typeface="Times New Roman" panose="02020603050405020304" pitchFamily="18" charset="0"/>
+              </a:rPr>
+              <a:t>Future</a:t>
+            </a:r>
+            <a:r>
+              <a:rPr lang="tr-TR" sz="3000" dirty="0" smtClean="0">
+                <a:latin typeface="Times New Roman" panose="02020603050405020304" pitchFamily="18" charset="0"/>
+                <a:cs typeface="Times New Roman" panose="02020603050405020304" pitchFamily="18" charset="0"/>
+              </a:rPr>
+              <a:t> </a:t>
+            </a:r>
+            <a:r>
+              <a:rPr lang="tr-TR" sz="3000" dirty="0" err="1" smtClean="0">
+                <a:latin typeface="Times New Roman" panose="02020603050405020304" pitchFamily="18" charset="0"/>
+                <a:cs typeface="Times New Roman" panose="02020603050405020304" pitchFamily="18" charset="0"/>
+              </a:rPr>
+              <a:t>Work</a:t>
+            </a:r>
+            <a:endParaRPr lang="tr-TR" sz="3000" dirty="0">
+              <a:latin typeface="Times New Roman" panose="02020603050405020304" pitchFamily="18" charset="0"/>
+              <a:cs typeface="Times New Roman" panose="02020603050405020304" pitchFamily="18" charset="0"/>
+            </a:endParaRPr>
+          </a:p>
+        </p:txBody>
+      </p:sp>
+      <p:cxnSp>
+        <p:nvCxnSpPr>
+          <p:cNvPr id="15" name="Straight Connector 14"/>
+          <p:cNvCxnSpPr/>
+          <p:nvPr/>
+        </p:nvCxnSpPr>
+        <p:spPr>
+          <a:xfrm>
+            <a:off x="1189918" y="914400"/>
+            <a:ext cx="7649282" cy="0"/>
+          </a:xfrm>
+          <a:prstGeom prst="line">
+            <a:avLst/>
+          </a:prstGeom>
+          <a:ln w="19050">
+            <a:solidFill>
+              <a:srgbClr val="F20000"/>
+            </a:solidFill>
+          </a:ln>
+        </p:spPr>
+        <p:style>
+          <a:lnRef idx="1">
+            <a:schemeClr val="accent1"/>
+          </a:lnRef>
+          <a:fillRef idx="0">
+            <a:schemeClr val="accent1"/>
+          </a:fillRef>
+          <a:effectRef idx="0">
+            <a:schemeClr val="accent1"/>
+          </a:effectRef>
+          <a:fontRef idx="minor">
+            <a:schemeClr val="tx1"/>
+          </a:fontRef>
+        </p:style>
+      </p:cxnSp>
+      <p:sp>
+        <p:nvSpPr>
+          <p:cNvPr id="2" name="Slide Number Placeholder 1"/>
+          <p:cNvSpPr>
+            <a:spLocks noGrp="1"/>
+          </p:cNvSpPr>
+          <p:nvPr>
+            <p:ph type="sldNum" sz="quarter" idx="12"/>
+          </p:nvPr>
+        </p:nvSpPr>
+        <p:spPr/>
+        <p:txBody>
+          <a:bodyPr/>
+          <a:lstStyle/>
+          <a:p>
+            <a:fld id="{B6F15528-21DE-4FAA-801E-634DDDAF4B2B}" type="slidenum">
+              <a:rPr lang="en-US" smtClean="0"/>
+              <a:pPr/>
+              <a:t>21</a:t>
+            </a:fld>
+            <a:endParaRPr lang="en-US" dirty="0"/>
+          </a:p>
+        </p:txBody>
+      </p:sp>
+      <p:pic>
+        <p:nvPicPr>
+          <p:cNvPr id="14" name="Picture 2" descr="C:\Users\Mesut\Desktop\aselsan sunum\aselsan sunum 10 ekim\aselsan sunum\cezmi bey\ODTU.png"/>
+          <p:cNvPicPr>
+            <a:picLocks noChangeAspect="1" noChangeArrowheads="1"/>
+          </p:cNvPicPr>
+          <p:nvPr/>
+        </p:nvPicPr>
+        <p:blipFill>
+          <a:blip r:embed="rId2" cstate="print">
+            <a:extLst>
+              <a:ext uri="{28A0092B-C50C-407E-A947-70E740481C1C}">
+                <a14:useLocalDpi xmlns:a14="http://schemas.microsoft.com/office/drawing/2010/main" val="0"/>
+              </a:ext>
+            </a:extLst>
+          </a:blip>
+          <a:srcRect/>
+          <a:stretch>
+            <a:fillRect/>
+          </a:stretch>
+        </p:blipFill>
+        <p:spPr bwMode="auto">
+          <a:xfrm>
+            <a:off x="163507" y="266700"/>
+            <a:ext cx="684927" cy="571500"/>
+          </a:xfrm>
+          <a:prstGeom prst="rect">
+            <a:avLst/>
+          </a:prstGeom>
+          <a:noFill/>
+          <a:extLst>
+            <a:ext uri="{909E8E84-426E-40DD-AFC4-6F175D3DCCD1}">
+              <a14:hiddenFill xmlns:a14="http://schemas.microsoft.com/office/drawing/2010/main">
+                <a:solidFill>
+                  <a:srgbClr val="FFFFFF"/>
+                </a:solidFill>
+              </a14:hiddenFill>
+            </a:ext>
+          </a:extLst>
+        </p:spPr>
+      </p:pic>
+      <p:sp>
+        <p:nvSpPr>
+          <p:cNvPr id="9" name="Text Box 9"/>
+          <p:cNvSpPr txBox="1">
+            <a:spLocks noChangeArrowheads="1"/>
+          </p:cNvSpPr>
+          <p:nvPr/>
+        </p:nvSpPr>
+        <p:spPr bwMode="auto">
+          <a:xfrm>
+            <a:off x="1348191" y="952500"/>
+            <a:ext cx="6514138" cy="707886"/>
+          </a:xfrm>
+          <a:prstGeom prst="rect">
+            <a:avLst/>
+          </a:prstGeom>
+          <a:noFill/>
+          <a:ln w="9525">
+            <a:noFill/>
+            <a:miter lim="800000"/>
+            <a:headEnd/>
+            <a:tailEnd/>
+          </a:ln>
+          <a:effectLst/>
+        </p:spPr>
+        <p:txBody>
+          <a:bodyPr wrap="square">
+            <a:spAutoFit/>
+          </a:bodyPr>
+          <a:lstStyle/>
+          <a:p>
+            <a:r>
+              <a:rPr lang="tr-TR" sz="2000" b="1" dirty="0" err="1" smtClean="0">
+                <a:latin typeface="Times New Roman" panose="02020603050405020304" pitchFamily="18" charset="0"/>
+                <a:cs typeface="Times New Roman" panose="02020603050405020304" pitchFamily="18" charset="0"/>
+              </a:rPr>
+              <a:t>Near</a:t>
+            </a:r>
+            <a:r>
+              <a:rPr lang="tr-TR" sz="2000" b="1" dirty="0" smtClean="0">
+                <a:latin typeface="Times New Roman" panose="02020603050405020304" pitchFamily="18" charset="0"/>
+                <a:cs typeface="Times New Roman" panose="02020603050405020304" pitchFamily="18" charset="0"/>
+              </a:rPr>
+              <a:t> </a:t>
+            </a:r>
+            <a:r>
+              <a:rPr lang="tr-TR" sz="2000" b="1" dirty="0" err="1" smtClean="0">
+                <a:latin typeface="Times New Roman" panose="02020603050405020304" pitchFamily="18" charset="0"/>
+                <a:cs typeface="Times New Roman" panose="02020603050405020304" pitchFamily="18" charset="0"/>
+              </a:rPr>
+              <a:t>future</a:t>
+            </a:r>
+            <a:endParaRPr lang="tr-TR" sz="2000" b="1" dirty="0" smtClean="0">
+              <a:latin typeface="Times New Roman" panose="02020603050405020304" pitchFamily="18" charset="0"/>
+              <a:cs typeface="Times New Roman" panose="02020603050405020304" pitchFamily="18" charset="0"/>
+            </a:endParaRPr>
+          </a:p>
+          <a:p>
+            <a:endParaRPr lang="en-US" sz="2000" dirty="0" smtClean="0">
+              <a:latin typeface="Times New Roman" panose="02020603050405020304" pitchFamily="18" charset="0"/>
+              <a:cs typeface="Times New Roman" panose="02020603050405020304" pitchFamily="18" charset="0"/>
+            </a:endParaRPr>
+          </a:p>
+        </p:txBody>
+      </p:sp>
+      <p:sp>
+        <p:nvSpPr>
+          <p:cNvPr id="16" name="Text Box 9"/>
+          <p:cNvSpPr txBox="1">
+            <a:spLocks noChangeArrowheads="1"/>
+          </p:cNvSpPr>
+          <p:nvPr/>
+        </p:nvSpPr>
+        <p:spPr bwMode="auto">
+          <a:xfrm>
+            <a:off x="1348191" y="1524189"/>
+            <a:ext cx="7643409" cy="1938992"/>
+          </a:xfrm>
+          <a:prstGeom prst="rect">
+            <a:avLst/>
+          </a:prstGeom>
+          <a:noFill/>
+          <a:ln w="9525">
+            <a:noFill/>
+            <a:miter lim="800000"/>
+            <a:headEnd/>
+            <a:tailEnd/>
+          </a:ln>
+          <a:effectLst/>
+        </p:spPr>
+        <p:txBody>
+          <a:bodyPr wrap="square">
+            <a:spAutoFit/>
+          </a:bodyPr>
+          <a:lstStyle/>
+          <a:p>
+            <a:pPr algn="l"/>
+            <a:r>
+              <a:rPr lang="en-US" sz="2000" dirty="0" smtClean="0">
+                <a:latin typeface="Times New Roman" panose="02020603050405020304" pitchFamily="18" charset="0"/>
+                <a:cs typeface="Times New Roman" panose="02020603050405020304" pitchFamily="18" charset="0"/>
+              </a:rPr>
+              <a:t>A</a:t>
+            </a:r>
+            <a:r>
+              <a:rPr lang="tr-TR" sz="2000" dirty="0" smtClean="0">
+                <a:latin typeface="Times New Roman" panose="02020603050405020304" pitchFamily="18" charset="0"/>
+                <a:cs typeface="Times New Roman" panose="02020603050405020304" pitchFamily="18" charset="0"/>
+              </a:rPr>
+              <a:t>n IMMD</a:t>
+            </a:r>
+            <a:r>
+              <a:rPr lang="en-US" sz="2000" dirty="0" smtClean="0">
+                <a:latin typeface="Times New Roman" panose="02020603050405020304" pitchFamily="18" charset="0"/>
+                <a:cs typeface="Times New Roman" panose="02020603050405020304" pitchFamily="18" charset="0"/>
+              </a:rPr>
+              <a:t> laboratory prototype is being developed</a:t>
+            </a:r>
+            <a:r>
+              <a:rPr lang="tr-TR" sz="2000" dirty="0" smtClean="0">
+                <a:latin typeface="Times New Roman" panose="02020603050405020304" pitchFamily="18" charset="0"/>
+                <a:cs typeface="Times New Roman" panose="02020603050405020304" pitchFamily="18" charset="0"/>
+              </a:rPr>
+              <a:t> with the given specifications. The aimed performance is:</a:t>
+            </a:r>
+          </a:p>
+          <a:p>
+            <a:pPr marL="457200" indent="-457200" algn="l">
+              <a:buFont typeface="Wingdings" panose="05000000000000000000" pitchFamily="2" charset="2"/>
+              <a:buChar char="q"/>
+            </a:pPr>
+            <a:r>
+              <a:rPr lang="en-US" sz="2000" dirty="0">
+                <a:latin typeface="Times New Roman" panose="02020603050405020304" pitchFamily="18" charset="0"/>
+                <a:cs typeface="Times New Roman" panose="02020603050405020304" pitchFamily="18" charset="0"/>
+              </a:rPr>
+              <a:t>Drive efficiency</a:t>
+            </a:r>
+            <a:r>
+              <a:rPr lang="en-US" sz="2000" b="1" dirty="0">
+                <a:latin typeface="Times New Roman" panose="02020603050405020304" pitchFamily="18" charset="0"/>
+                <a:cs typeface="Times New Roman" panose="02020603050405020304" pitchFamily="18" charset="0"/>
+              </a:rPr>
+              <a:t>: 9</a:t>
+            </a:r>
+            <a:r>
+              <a:rPr lang="tr-TR" sz="2000" b="1" dirty="0">
+                <a:latin typeface="Times New Roman" panose="02020603050405020304" pitchFamily="18" charset="0"/>
+                <a:cs typeface="Times New Roman" panose="02020603050405020304" pitchFamily="18" charset="0"/>
+              </a:rPr>
+              <a:t>8.5</a:t>
+            </a:r>
+            <a:r>
+              <a:rPr lang="en-US" sz="2000" b="1" dirty="0">
+                <a:latin typeface="Times New Roman" panose="02020603050405020304" pitchFamily="18" charset="0"/>
+                <a:cs typeface="Times New Roman" panose="02020603050405020304" pitchFamily="18" charset="0"/>
+              </a:rPr>
+              <a:t>%</a:t>
+            </a:r>
+          </a:p>
+          <a:p>
+            <a:pPr marL="457200" indent="-457200" algn="l">
+              <a:buFont typeface="Wingdings" panose="05000000000000000000" pitchFamily="2" charset="2"/>
+              <a:buChar char="q"/>
+            </a:pPr>
+            <a:r>
+              <a:rPr lang="en-US" sz="2000" dirty="0">
+                <a:latin typeface="Times New Roman" panose="02020603050405020304" pitchFamily="18" charset="0"/>
+                <a:cs typeface="Times New Roman" panose="02020603050405020304" pitchFamily="18" charset="0"/>
+              </a:rPr>
+              <a:t>Drive power density</a:t>
+            </a:r>
+            <a:r>
+              <a:rPr lang="en-US" sz="2000" b="1" dirty="0">
+                <a:latin typeface="Times New Roman" panose="02020603050405020304" pitchFamily="18" charset="0"/>
+                <a:cs typeface="Times New Roman" panose="02020603050405020304" pitchFamily="18" charset="0"/>
+              </a:rPr>
+              <a:t>: 15 W/cm</a:t>
+            </a:r>
+            <a:r>
+              <a:rPr lang="en-US" sz="2000" b="1" baseline="30000" dirty="0">
+                <a:latin typeface="Times New Roman" panose="02020603050405020304" pitchFamily="18" charset="0"/>
+                <a:cs typeface="Times New Roman" panose="02020603050405020304" pitchFamily="18" charset="0"/>
+              </a:rPr>
+              <a:t>3</a:t>
+            </a:r>
+          </a:p>
+          <a:p>
+            <a:pPr marL="457200" indent="-457200" algn="l">
+              <a:buFont typeface="Wingdings" panose="05000000000000000000" pitchFamily="2" charset="2"/>
+              <a:buChar char="q"/>
+            </a:pPr>
+            <a:r>
+              <a:rPr lang="tr-TR" sz="2000" dirty="0" smtClean="0">
+                <a:latin typeface="Times New Roman" panose="02020603050405020304" pitchFamily="18" charset="0"/>
+                <a:cs typeface="Times New Roman" panose="02020603050405020304" pitchFamily="18" charset="0"/>
+              </a:rPr>
+              <a:t>Increased </a:t>
+            </a:r>
+            <a:r>
+              <a:rPr lang="tr-TR" sz="2000" b="1" dirty="0" smtClean="0">
+                <a:latin typeface="Times New Roman" panose="02020603050405020304" pitchFamily="18" charset="0"/>
+                <a:cs typeface="Times New Roman" panose="02020603050405020304" pitchFamily="18" charset="0"/>
+              </a:rPr>
+              <a:t>fault tolerance</a:t>
+            </a:r>
+          </a:p>
+          <a:p>
+            <a:pPr marL="457200" indent="-457200" algn="l">
+              <a:buFont typeface="Wingdings" panose="05000000000000000000" pitchFamily="2" charset="2"/>
+              <a:buChar char="q"/>
+            </a:pPr>
+            <a:r>
+              <a:rPr lang="tr-TR" sz="2000" dirty="0" smtClean="0">
+                <a:latin typeface="Times New Roman" panose="02020603050405020304" pitchFamily="18" charset="0"/>
+                <a:cs typeface="Times New Roman" panose="02020603050405020304" pitchFamily="18" charset="0"/>
+              </a:rPr>
+              <a:t>Motor housing for cooling (</a:t>
+            </a:r>
+            <a:r>
+              <a:rPr lang="tr-TR" sz="2000" b="1" dirty="0" smtClean="0">
+                <a:latin typeface="Times New Roman" panose="02020603050405020304" pitchFamily="18" charset="0"/>
+                <a:cs typeface="Times New Roman" panose="02020603050405020304" pitchFamily="18" charset="0"/>
+              </a:rPr>
+              <a:t>no heatsink</a:t>
+            </a:r>
+            <a:r>
+              <a:rPr lang="tr-TR" sz="2000" dirty="0" smtClean="0">
+                <a:latin typeface="Times New Roman" panose="02020603050405020304" pitchFamily="18" charset="0"/>
+                <a:cs typeface="Times New Roman" panose="02020603050405020304" pitchFamily="18" charset="0"/>
+              </a:rPr>
+              <a:t>)</a:t>
+            </a:r>
+            <a:endParaRPr lang="en-US" sz="2000" dirty="0" smtClean="0">
+              <a:latin typeface="Times New Roman" panose="02020603050405020304" pitchFamily="18" charset="0"/>
+              <a:cs typeface="Times New Roman" panose="02020603050405020304" pitchFamily="18" charset="0"/>
+            </a:endParaRPr>
+          </a:p>
+        </p:txBody>
+      </p:sp>
+      <p:sp>
+        <p:nvSpPr>
+          <p:cNvPr id="17" name="Text Box 9"/>
+          <p:cNvSpPr txBox="1">
+            <a:spLocks noChangeArrowheads="1"/>
+          </p:cNvSpPr>
+          <p:nvPr/>
+        </p:nvSpPr>
+        <p:spPr bwMode="auto">
+          <a:xfrm>
+            <a:off x="1386291" y="3845669"/>
+            <a:ext cx="6514138" cy="707886"/>
+          </a:xfrm>
+          <a:prstGeom prst="rect">
+            <a:avLst/>
+          </a:prstGeom>
+          <a:noFill/>
+          <a:ln w="9525">
+            <a:noFill/>
+            <a:miter lim="800000"/>
+            <a:headEnd/>
+            <a:tailEnd/>
+          </a:ln>
+          <a:effectLst/>
+        </p:spPr>
+        <p:txBody>
+          <a:bodyPr wrap="square">
+            <a:spAutoFit/>
+          </a:bodyPr>
+          <a:lstStyle/>
+          <a:p>
+            <a:r>
+              <a:rPr lang="tr-TR" sz="2000" b="1" dirty="0" err="1" smtClean="0">
+                <a:latin typeface="Times New Roman" panose="02020603050405020304" pitchFamily="18" charset="0"/>
+                <a:cs typeface="Times New Roman" panose="02020603050405020304" pitchFamily="18" charset="0"/>
+              </a:rPr>
+              <a:t>Ultimately</a:t>
+            </a:r>
+            <a:endParaRPr lang="tr-TR" sz="2000" b="1" dirty="0" smtClean="0">
+              <a:latin typeface="Times New Roman" panose="02020603050405020304" pitchFamily="18" charset="0"/>
+              <a:cs typeface="Times New Roman" panose="02020603050405020304" pitchFamily="18" charset="0"/>
+            </a:endParaRPr>
+          </a:p>
+          <a:p>
+            <a:endParaRPr lang="en-US" sz="2000" dirty="0" smtClean="0">
+              <a:latin typeface="Times New Roman" panose="02020603050405020304" pitchFamily="18" charset="0"/>
+              <a:cs typeface="Times New Roman" panose="02020603050405020304" pitchFamily="18" charset="0"/>
+            </a:endParaRPr>
+          </a:p>
+        </p:txBody>
+      </p:sp>
+      <p:sp>
+        <p:nvSpPr>
+          <p:cNvPr id="18" name="Text Box 9"/>
+          <p:cNvSpPr txBox="1">
+            <a:spLocks noChangeArrowheads="1"/>
+          </p:cNvSpPr>
+          <p:nvPr/>
+        </p:nvSpPr>
+        <p:spPr bwMode="auto">
+          <a:xfrm>
+            <a:off x="1335491" y="4417358"/>
+            <a:ext cx="7643409" cy="1938992"/>
+          </a:xfrm>
+          <a:prstGeom prst="rect">
+            <a:avLst/>
+          </a:prstGeom>
+          <a:noFill/>
+          <a:ln w="9525">
+            <a:noFill/>
+            <a:miter lim="800000"/>
+            <a:headEnd/>
+            <a:tailEnd/>
+          </a:ln>
+          <a:effectLst/>
+        </p:spPr>
+        <p:txBody>
+          <a:bodyPr wrap="square">
+            <a:spAutoFit/>
+          </a:bodyPr>
+          <a:lstStyle/>
+          <a:p>
+            <a:pPr algn="l"/>
+            <a:r>
+              <a:rPr lang="en-US" sz="2000" dirty="0" smtClean="0">
+                <a:latin typeface="Times New Roman" panose="02020603050405020304" pitchFamily="18" charset="0"/>
+                <a:cs typeface="Times New Roman" panose="02020603050405020304" pitchFamily="18" charset="0"/>
+              </a:rPr>
+              <a:t>A</a:t>
+            </a:r>
+            <a:r>
+              <a:rPr lang="tr-TR" sz="2000" dirty="0" smtClean="0">
+                <a:latin typeface="Times New Roman" panose="02020603050405020304" pitchFamily="18" charset="0"/>
+                <a:cs typeface="Times New Roman" panose="02020603050405020304" pitchFamily="18" charset="0"/>
+              </a:rPr>
+              <a:t>n IMMD</a:t>
+            </a:r>
+            <a:r>
+              <a:rPr lang="en-US" sz="2000" dirty="0" smtClean="0">
+                <a:latin typeface="Times New Roman" panose="02020603050405020304" pitchFamily="18" charset="0"/>
+                <a:cs typeface="Times New Roman" panose="02020603050405020304" pitchFamily="18" charset="0"/>
+              </a:rPr>
+              <a:t> laboratory prototype is being developed</a:t>
+            </a:r>
+            <a:r>
+              <a:rPr lang="tr-TR" sz="2000" dirty="0" smtClean="0">
+                <a:latin typeface="Times New Roman" panose="02020603050405020304" pitchFamily="18" charset="0"/>
+                <a:cs typeface="Times New Roman" panose="02020603050405020304" pitchFamily="18" charset="0"/>
+              </a:rPr>
+              <a:t> with the given specifications. The aimed performance is:</a:t>
+            </a:r>
+          </a:p>
+          <a:p>
+            <a:pPr marL="457200" indent="-457200" algn="l">
+              <a:buFont typeface="Wingdings" panose="05000000000000000000" pitchFamily="2" charset="2"/>
+              <a:buChar char="q"/>
+            </a:pPr>
+            <a:r>
+              <a:rPr lang="en-US" sz="2000" dirty="0">
+                <a:latin typeface="Times New Roman" panose="02020603050405020304" pitchFamily="18" charset="0"/>
+                <a:cs typeface="Times New Roman" panose="02020603050405020304" pitchFamily="18" charset="0"/>
+              </a:rPr>
+              <a:t>Drive efficiency</a:t>
+            </a:r>
+            <a:r>
+              <a:rPr lang="en-US" sz="2000" b="1" dirty="0">
+                <a:latin typeface="Times New Roman" panose="02020603050405020304" pitchFamily="18" charset="0"/>
+                <a:cs typeface="Times New Roman" panose="02020603050405020304" pitchFamily="18" charset="0"/>
+              </a:rPr>
+              <a:t>: 9</a:t>
+            </a:r>
+            <a:r>
+              <a:rPr lang="tr-TR" sz="2000" b="1" dirty="0">
+                <a:latin typeface="Times New Roman" panose="02020603050405020304" pitchFamily="18" charset="0"/>
+                <a:cs typeface="Times New Roman" panose="02020603050405020304" pitchFamily="18" charset="0"/>
+              </a:rPr>
+              <a:t>8.5</a:t>
+            </a:r>
+            <a:r>
+              <a:rPr lang="en-US" sz="2000" b="1" dirty="0">
+                <a:latin typeface="Times New Roman" panose="02020603050405020304" pitchFamily="18" charset="0"/>
+                <a:cs typeface="Times New Roman" panose="02020603050405020304" pitchFamily="18" charset="0"/>
+              </a:rPr>
+              <a:t>%</a:t>
+            </a:r>
+          </a:p>
+          <a:p>
+            <a:pPr marL="457200" indent="-457200" algn="l">
+              <a:buFont typeface="Wingdings" panose="05000000000000000000" pitchFamily="2" charset="2"/>
+              <a:buChar char="q"/>
+            </a:pPr>
+            <a:r>
+              <a:rPr lang="en-US" sz="2000" dirty="0">
+                <a:latin typeface="Times New Roman" panose="02020603050405020304" pitchFamily="18" charset="0"/>
+                <a:cs typeface="Times New Roman" panose="02020603050405020304" pitchFamily="18" charset="0"/>
+              </a:rPr>
+              <a:t>Drive power density</a:t>
+            </a:r>
+            <a:r>
+              <a:rPr lang="en-US" sz="2000" b="1" dirty="0">
+                <a:latin typeface="Times New Roman" panose="02020603050405020304" pitchFamily="18" charset="0"/>
+                <a:cs typeface="Times New Roman" panose="02020603050405020304" pitchFamily="18" charset="0"/>
+              </a:rPr>
+              <a:t>: 15 W/cm</a:t>
+            </a:r>
+            <a:r>
+              <a:rPr lang="en-US" sz="2000" b="1" baseline="30000" dirty="0">
+                <a:latin typeface="Times New Roman" panose="02020603050405020304" pitchFamily="18" charset="0"/>
+                <a:cs typeface="Times New Roman" panose="02020603050405020304" pitchFamily="18" charset="0"/>
+              </a:rPr>
+              <a:t>3</a:t>
+            </a:r>
+          </a:p>
+          <a:p>
+            <a:pPr marL="457200" indent="-457200" algn="l">
+              <a:buFont typeface="Wingdings" panose="05000000000000000000" pitchFamily="2" charset="2"/>
+              <a:buChar char="q"/>
+            </a:pPr>
+            <a:r>
+              <a:rPr lang="tr-TR" sz="2000" dirty="0" smtClean="0">
+                <a:latin typeface="Times New Roman" panose="02020603050405020304" pitchFamily="18" charset="0"/>
+                <a:cs typeface="Times New Roman" panose="02020603050405020304" pitchFamily="18" charset="0"/>
+              </a:rPr>
+              <a:t>Increased </a:t>
+            </a:r>
+            <a:r>
+              <a:rPr lang="tr-TR" sz="2000" b="1" dirty="0" smtClean="0">
+                <a:latin typeface="Times New Roman" panose="02020603050405020304" pitchFamily="18" charset="0"/>
+                <a:cs typeface="Times New Roman" panose="02020603050405020304" pitchFamily="18" charset="0"/>
+              </a:rPr>
+              <a:t>fault tolerance</a:t>
+            </a:r>
+          </a:p>
+          <a:p>
+            <a:pPr marL="457200" indent="-457200" algn="l">
+              <a:buFont typeface="Wingdings" panose="05000000000000000000" pitchFamily="2" charset="2"/>
+              <a:buChar char="q"/>
+            </a:pPr>
+            <a:r>
+              <a:rPr lang="tr-TR" sz="2000" dirty="0" smtClean="0">
+                <a:latin typeface="Times New Roman" panose="02020603050405020304" pitchFamily="18" charset="0"/>
+                <a:cs typeface="Times New Roman" panose="02020603050405020304" pitchFamily="18" charset="0"/>
+              </a:rPr>
+              <a:t>Motor housing for cooling (</a:t>
+            </a:r>
+            <a:r>
+              <a:rPr lang="tr-TR" sz="2000" b="1" dirty="0" smtClean="0">
+                <a:latin typeface="Times New Roman" panose="02020603050405020304" pitchFamily="18" charset="0"/>
+                <a:cs typeface="Times New Roman" panose="02020603050405020304" pitchFamily="18" charset="0"/>
+              </a:rPr>
+              <a:t>no heatsink</a:t>
+            </a:r>
+            <a:r>
+              <a:rPr lang="tr-TR" sz="2000" dirty="0" smtClean="0">
+                <a:latin typeface="Times New Roman" panose="02020603050405020304" pitchFamily="18" charset="0"/>
+                <a:cs typeface="Times New Roman" panose="02020603050405020304" pitchFamily="18" charset="0"/>
+              </a:rPr>
+              <a:t>)</a:t>
+            </a:r>
+            <a:endParaRPr lang="en-US" sz="2000" dirty="0" smtClean="0">
+              <a:latin typeface="Times New Roman" panose="02020603050405020304" pitchFamily="18" charset="0"/>
+              <a:cs typeface="Times New Roman" panose="02020603050405020304" pitchFamily="18" charset="0"/>
+            </a:endParaRPr>
+          </a:p>
+        </p:txBody>
+      </p:sp>
+    </p:spTree>
+    <p:extLst>
+      <p:ext uri="{BB962C8B-B14F-4D97-AF65-F5344CB8AC3E}">
+        <p14:creationId xmlns:p14="http://schemas.microsoft.com/office/powerpoint/2010/main" val="3007486762"/>
+      </p:ext>
+    </p:extLst>
+  </p:cSld>
+  <p:clrMapOvr>
+    <a:masterClrMapping/>
+  </p:clrMapOvr>
+  <p:timing>
+    <p:tnLst>
+      <p:par>
+        <p:cTn id="1" dur="indefinite" restart="never" nodeType="tmRoot"/>
+      </p:par>
+    </p:tnLst>
+  </p:timing>
+</p:sld>
+</file>
+
+<file path=ppt/slides/slide22.xml><?xml version="1.0" encoding="utf-8"?>
+<p:sld xmlns:a="http://schemas.openxmlformats.org/drawingml/2006/main" xmlns:r="http://schemas.openxmlformats.org/officeDocument/2006/relationships" xmlns:p="http://schemas.openxmlformats.org/presentationml/2006/main">
+  <p:cSld>
+    <p:spTree>
+      <p:nvGrpSpPr>
+        <p:cNvPr id="1" name=""/>
+        <p:cNvGrpSpPr/>
+        <p:nvPr/>
+      </p:nvGrpSpPr>
+      <p:grpSpPr>
+        <a:xfrm>
+          <a:off x="0" y="0"/>
+          <a:ext cx="0" cy="0"/>
+          <a:chOff x="0" y="0"/>
+          <a:chExt cx="0" cy="0"/>
+        </a:xfrm>
+      </p:grpSpPr>
+      <p:sp>
+        <p:nvSpPr>
+          <p:cNvPr id="10" name="Rectangle 9"/>
+          <p:cNvSpPr/>
+          <p:nvPr/>
+        </p:nvSpPr>
+        <p:spPr>
+          <a:xfrm>
+            <a:off x="0" y="12106"/>
+            <a:ext cx="1011942" cy="6854083"/>
+          </a:xfrm>
+          <a:prstGeom prst="rect">
+            <a:avLst/>
+          </a:prstGeom>
+          <a:gradFill flip="none" rotWithShape="1">
+            <a:gsLst>
+              <a:gs pos="50000">
+                <a:srgbClr val="D00000"/>
+              </a:gs>
+              <a:gs pos="0">
+                <a:srgbClr val="FF0000">
+                  <a:shade val="30000"/>
+                  <a:satMod val="115000"/>
+                </a:srgbClr>
+              </a:gs>
+              <a:gs pos="100000">
+                <a:schemeClr val="accent2">
+                  <a:lumMod val="60000"/>
+                  <a:lumOff val="40000"/>
+                </a:schemeClr>
+              </a:gs>
+            </a:gsLst>
+            <a:lin ang="5400000" scaled="1"/>
+            <a:tileRect/>
+          </a:gradFill>
+          <a:ln>
+            <a:noFill/>
+          </a:ln>
+        </p:spPr>
+        <p:style>
+          <a:lnRef idx="2">
+            <a:schemeClr val="accent1">
+              <a:shade val="50000"/>
+            </a:schemeClr>
+          </a:lnRef>
+          <a:fillRef idx="1">
+            <a:schemeClr val="accent1"/>
+          </a:fillRef>
+          <a:effectRef idx="0">
+            <a:schemeClr val="accent1"/>
+          </a:effectRef>
+          <a:fontRef idx="minor">
+            <a:schemeClr val="lt1"/>
+          </a:fontRef>
+        </p:style>
+        <p:txBody>
+          <a:bodyPr rtlCol="0" anchor="ctr"/>
+          <a:lstStyle/>
+          <a:p>
+            <a:pPr algn="ctr"/>
+            <a:endParaRPr lang="tr-TR"/>
+          </a:p>
+        </p:txBody>
+      </p:sp>
+      <p:cxnSp>
+        <p:nvCxnSpPr>
+          <p:cNvPr id="11" name="Straight Connector 10"/>
+          <p:cNvCxnSpPr/>
+          <p:nvPr/>
+        </p:nvCxnSpPr>
+        <p:spPr>
+          <a:xfrm>
+            <a:off x="1189918" y="838200"/>
+            <a:ext cx="7649282" cy="0"/>
+          </a:xfrm>
+          <a:prstGeom prst="line">
+            <a:avLst/>
+          </a:prstGeom>
+          <a:ln w="50800">
+            <a:solidFill>
+              <a:srgbClr val="F20000"/>
+            </a:solidFill>
+          </a:ln>
+        </p:spPr>
+        <p:style>
+          <a:lnRef idx="1">
+            <a:schemeClr val="accent1"/>
+          </a:lnRef>
+          <a:fillRef idx="0">
+            <a:schemeClr val="accent1"/>
+          </a:fillRef>
+          <a:effectRef idx="0">
+            <a:schemeClr val="accent1"/>
+          </a:effectRef>
+          <a:fontRef idx="minor">
+            <a:schemeClr val="tx1"/>
+          </a:fontRef>
+        </p:style>
+      </p:cxnSp>
+      <p:sp>
+        <p:nvSpPr>
+          <p:cNvPr id="13" name="TextBox 12"/>
+          <p:cNvSpPr txBox="1"/>
+          <p:nvPr/>
+        </p:nvSpPr>
+        <p:spPr>
+          <a:xfrm>
+            <a:off x="1386291" y="224135"/>
+            <a:ext cx="7315200" cy="553998"/>
+          </a:xfrm>
+          <a:prstGeom prst="rect">
+            <a:avLst/>
+          </a:prstGeom>
+          <a:noFill/>
+        </p:spPr>
+        <p:txBody>
+          <a:bodyPr wrap="square" rtlCol="0">
+            <a:spAutoFit/>
+          </a:bodyPr>
+          <a:lstStyle/>
+          <a:p>
+            <a:pPr algn="ctr"/>
+            <a:r>
+              <a:rPr lang="tr-TR" sz="3000" dirty="0" err="1" smtClean="0">
+                <a:latin typeface="Times New Roman" panose="02020603050405020304" pitchFamily="18" charset="0"/>
+                <a:cs typeface="Times New Roman" panose="02020603050405020304" pitchFamily="18" charset="0"/>
+              </a:rPr>
+              <a:t>References</a:t>
+            </a:r>
+            <a:endParaRPr lang="tr-TR" sz="3000" dirty="0">
+              <a:latin typeface="Times New Roman" panose="02020603050405020304" pitchFamily="18" charset="0"/>
+              <a:cs typeface="Times New Roman" panose="02020603050405020304" pitchFamily="18" charset="0"/>
+            </a:endParaRPr>
+          </a:p>
+        </p:txBody>
+      </p:sp>
+      <p:cxnSp>
+        <p:nvCxnSpPr>
+          <p:cNvPr id="15" name="Straight Connector 14"/>
+          <p:cNvCxnSpPr/>
+          <p:nvPr/>
+        </p:nvCxnSpPr>
+        <p:spPr>
+          <a:xfrm>
+            <a:off x="1189918" y="914400"/>
+            <a:ext cx="7649282" cy="0"/>
+          </a:xfrm>
+          <a:prstGeom prst="line">
+            <a:avLst/>
+          </a:prstGeom>
+          <a:ln w="19050">
+            <a:solidFill>
+              <a:srgbClr val="F20000"/>
+            </a:solidFill>
+          </a:ln>
+        </p:spPr>
+        <p:style>
+          <a:lnRef idx="1">
+            <a:schemeClr val="accent1"/>
+          </a:lnRef>
+          <a:fillRef idx="0">
+            <a:schemeClr val="accent1"/>
+          </a:fillRef>
+          <a:effectRef idx="0">
+            <a:schemeClr val="accent1"/>
+          </a:effectRef>
+          <a:fontRef idx="minor">
+            <a:schemeClr val="tx1"/>
+          </a:fontRef>
+        </p:style>
+      </p:cxnSp>
+      <p:sp>
+        <p:nvSpPr>
+          <p:cNvPr id="2" name="Slide Number Placeholder 1"/>
+          <p:cNvSpPr>
+            <a:spLocks noGrp="1"/>
+          </p:cNvSpPr>
+          <p:nvPr>
+            <p:ph type="sldNum" sz="quarter" idx="12"/>
+          </p:nvPr>
+        </p:nvSpPr>
+        <p:spPr/>
+        <p:txBody>
+          <a:bodyPr/>
+          <a:lstStyle/>
+          <a:p>
+            <a:fld id="{B6F15528-21DE-4FAA-801E-634DDDAF4B2B}" type="slidenum">
+              <a:rPr lang="en-US" smtClean="0"/>
+              <a:pPr/>
+              <a:t>22</a:t>
+            </a:fld>
+            <a:endParaRPr lang="en-US" dirty="0"/>
+          </a:p>
+        </p:txBody>
+      </p:sp>
+      <p:pic>
+        <p:nvPicPr>
+          <p:cNvPr id="14" name="Picture 2" descr="C:\Users\Mesut\Desktop\aselsan sunum\aselsan sunum 10 ekim\aselsan sunum\cezmi bey\ODTU.png"/>
+          <p:cNvPicPr>
+            <a:picLocks noChangeAspect="1" noChangeArrowheads="1"/>
+          </p:cNvPicPr>
+          <p:nvPr/>
+        </p:nvPicPr>
+        <p:blipFill>
+          <a:blip r:embed="rId2" cstate="print">
+            <a:extLst>
+              <a:ext uri="{28A0092B-C50C-407E-A947-70E740481C1C}">
+                <a14:useLocalDpi xmlns:a14="http://schemas.microsoft.com/office/drawing/2010/main" val="0"/>
+              </a:ext>
+            </a:extLst>
+          </a:blip>
+          <a:srcRect/>
+          <a:stretch>
+            <a:fillRect/>
+          </a:stretch>
+        </p:blipFill>
+        <p:spPr bwMode="auto">
+          <a:xfrm>
+            <a:off x="163507" y="266700"/>
+            <a:ext cx="684927" cy="571500"/>
+          </a:xfrm>
+          <a:prstGeom prst="rect">
+            <a:avLst/>
+          </a:prstGeom>
+          <a:noFill/>
+          <a:extLst>
+            <a:ext uri="{909E8E84-426E-40DD-AFC4-6F175D3DCCD1}">
+              <a14:hiddenFill xmlns:a14="http://schemas.microsoft.com/office/drawing/2010/main">
+                <a:solidFill>
+                  <a:srgbClr val="FFFFFF"/>
+                </a:solidFill>
+              </a14:hiddenFill>
+            </a:ext>
+          </a:extLst>
+        </p:spPr>
+      </p:pic>
+      <p:sp>
+        <p:nvSpPr>
+          <p:cNvPr id="12" name="Text Box 42"/>
+          <p:cNvSpPr txBox="1">
+            <a:spLocks noChangeArrowheads="1"/>
+          </p:cNvSpPr>
+          <p:nvPr/>
+        </p:nvSpPr>
+        <p:spPr bwMode="auto">
+          <a:xfrm>
+            <a:off x="1164518" y="1371600"/>
+            <a:ext cx="7300509" cy="1708160"/>
+          </a:xfrm>
+          <a:prstGeom prst="rect">
+            <a:avLst/>
+          </a:prstGeom>
+          <a:noFill/>
+          <a:ln w="9525">
+            <a:noFill/>
+            <a:miter lim="800000"/>
+            <a:headEnd/>
+            <a:tailEnd/>
+          </a:ln>
+          <a:effectLst/>
+        </p:spPr>
+        <p:txBody>
+          <a:bodyPr wrap="square">
+            <a:spAutoFit/>
+          </a:bodyPr>
+          <a:lstStyle/>
+          <a:p>
+            <a:pPr marL="514350" indent="-514350" algn="l" defTabSz="4389438">
+              <a:spcBef>
+                <a:spcPts val="0"/>
+              </a:spcBef>
+              <a:buFont typeface="+mj-lt"/>
+              <a:buAutoNum type="arabicPeriod"/>
+            </a:pPr>
+            <a:r>
+              <a:rPr lang="en-US" sz="1500" dirty="0" smtClean="0"/>
+              <a:t>G</a:t>
+            </a:r>
+            <a:r>
+              <a:rPr lang="en-US" sz="1500" dirty="0"/>
+              <a:t>. Lo </a:t>
+            </a:r>
+            <a:r>
+              <a:rPr lang="en-US" sz="1500" dirty="0" err="1"/>
+              <a:t>Calzo</a:t>
+            </a:r>
+            <a:r>
+              <a:rPr lang="en-US" sz="1500" dirty="0"/>
+              <a:t> </a:t>
+            </a:r>
+            <a:r>
+              <a:rPr lang="en-US" sz="1500" i="1" dirty="0"/>
+              <a:t>et al.</a:t>
+            </a:r>
+            <a:r>
+              <a:rPr lang="en-US" sz="1500" dirty="0"/>
+              <a:t>, “Integrated motor drives: state of the art and future trends,” </a:t>
+            </a:r>
+            <a:r>
+              <a:rPr lang="en-US" sz="1500" i="1" dirty="0"/>
+              <a:t>IET </a:t>
+            </a:r>
+            <a:r>
+              <a:rPr lang="en-US" sz="1500" i="1" dirty="0" err="1"/>
+              <a:t>Electr</a:t>
+            </a:r>
+            <a:r>
+              <a:rPr lang="en-US" sz="1500" i="1" dirty="0"/>
+              <a:t>. Power Appl.</a:t>
+            </a:r>
+            <a:r>
+              <a:rPr lang="en-US" sz="1500" dirty="0"/>
+              <a:t>, vol. 10, no. 8, pp. 757–771, Sep. 2016</a:t>
+            </a:r>
+            <a:r>
+              <a:rPr lang="en-US" sz="1500" dirty="0" smtClean="0"/>
+              <a:t>.</a:t>
+            </a:r>
+            <a:endParaRPr lang="tr-TR" sz="1500" dirty="0" smtClean="0"/>
+          </a:p>
+          <a:p>
+            <a:pPr marL="514350" indent="-514350" algn="l" defTabSz="4389438">
+              <a:spcBef>
+                <a:spcPts val="0"/>
+              </a:spcBef>
+              <a:buFont typeface="+mj-lt"/>
+              <a:buAutoNum type="arabicPeriod"/>
+            </a:pPr>
+            <a:r>
+              <a:rPr lang="en-US" sz="1500" dirty="0" smtClean="0"/>
+              <a:t>J</a:t>
+            </a:r>
+            <a:r>
+              <a:rPr lang="en-US" sz="1500" dirty="0"/>
+              <a:t>. Wang, Y. Li, and Y. Han, “Integrated Modular Motor Drive Design With GaN Power FETs,” </a:t>
+            </a:r>
+            <a:r>
+              <a:rPr lang="en-US" sz="1500" i="1" dirty="0"/>
+              <a:t>IEEE Trans. Ind. Appl.</a:t>
+            </a:r>
+            <a:r>
+              <a:rPr lang="en-US" sz="1500" dirty="0"/>
+              <a:t>, vol. 51, no. c, pp. 3198–3207, 2015</a:t>
+            </a:r>
+            <a:r>
+              <a:rPr lang="en-US" sz="1500" dirty="0" smtClean="0"/>
+              <a:t>.</a:t>
+            </a:r>
+            <a:endParaRPr lang="tr-TR" sz="1500" dirty="0" smtClean="0"/>
+          </a:p>
+          <a:p>
+            <a:pPr marL="514350" indent="-514350" algn="l" defTabSz="4389438">
+              <a:spcBef>
+                <a:spcPts val="0"/>
+              </a:spcBef>
+              <a:buFont typeface="+mj-lt"/>
+              <a:buAutoNum type="arabicPeriod"/>
+            </a:pPr>
+            <a:r>
+              <a:rPr lang="en-US" sz="1500" dirty="0" smtClean="0"/>
+              <a:t>J</a:t>
+            </a:r>
+            <a:r>
+              <a:rPr lang="en-US" sz="1500" dirty="0"/>
+              <a:t>. J. </a:t>
+            </a:r>
+            <a:r>
+              <a:rPr lang="en-US" sz="1500" dirty="0" err="1"/>
+              <a:t>Wolmarans</a:t>
+            </a:r>
+            <a:r>
+              <a:rPr lang="en-US" sz="1500" dirty="0"/>
+              <a:t>, M. B. Gerber, H. </a:t>
+            </a:r>
+            <a:r>
+              <a:rPr lang="en-US" sz="1500" dirty="0" err="1"/>
+              <a:t>Polinder</a:t>
+            </a:r>
+            <a:r>
+              <a:rPr lang="en-US" sz="1500" dirty="0"/>
+              <a:t>, S. W. H. De </a:t>
+            </a:r>
+            <a:r>
+              <a:rPr lang="en-US" sz="1500" dirty="0" err="1"/>
+              <a:t>Haan</a:t>
+            </a:r>
+            <a:r>
+              <a:rPr lang="en-US" sz="1500" dirty="0"/>
+              <a:t>, J. A. Ferreira, and D. </a:t>
+            </a:r>
+            <a:r>
+              <a:rPr lang="en-US" sz="1500" dirty="0" err="1"/>
+              <a:t>Clarenbach</a:t>
+            </a:r>
+            <a:r>
+              <a:rPr lang="en-US" sz="1500" dirty="0"/>
+              <a:t>, “A 50kW integrated fault tolerant permanent magnet machine and motor drive,” </a:t>
+            </a:r>
+            <a:r>
+              <a:rPr lang="en-US" sz="1500" i="1" dirty="0"/>
+              <a:t>PESC Rec. - IEEE </a:t>
+            </a:r>
+            <a:r>
+              <a:rPr lang="en-US" sz="1500" i="1" dirty="0" err="1"/>
+              <a:t>Annu</a:t>
+            </a:r>
+            <a:r>
+              <a:rPr lang="en-US" sz="1500" i="1" dirty="0"/>
+              <a:t>. Power Electron. Spec. Conf.</a:t>
+            </a:r>
+            <a:r>
+              <a:rPr lang="en-US" sz="1500" dirty="0"/>
+              <a:t>, pp. 345–351, 2008</a:t>
+            </a:r>
+            <a:r>
+              <a:rPr lang="en-US" sz="1500" dirty="0" smtClean="0"/>
+              <a:t>.</a:t>
+            </a:r>
+            <a:endParaRPr lang="tr-TR" sz="1500" dirty="0" smtClean="0"/>
+          </a:p>
+        </p:txBody>
+      </p:sp>
+    </p:spTree>
+    <p:extLst>
+      <p:ext uri="{BB962C8B-B14F-4D97-AF65-F5344CB8AC3E}">
+        <p14:creationId xmlns:p14="http://schemas.microsoft.com/office/powerpoint/2010/main" val="1246665622"/>
+      </p:ext>
+    </p:extLst>
+  </p:cSld>
+  <p:clrMapOvr>
+    <a:masterClrMapping/>
+  </p:clrMapOvr>
+  <p:timing>
+    <p:tnLst>
+      <p:par>
+        <p:cTn id="1" dur="indefinite" restart="never" nodeType="tmRoot"/>
+      </p:par>
+    </p:tnLst>
+  </p:timing>
+</p:sld>
+</file>
+
+<file path=ppt/slides/slide23.xml><?xml version="1.0" encoding="utf-8"?>
+<p:sld xmlns:a="http://schemas.openxmlformats.org/drawingml/2006/main" xmlns:r="http://schemas.openxmlformats.org/officeDocument/2006/relationships" xmlns:p="http://schemas.openxmlformats.org/presentationml/2006/main">
+  <p:cSld>
+    <p:spTree>
+      <p:nvGrpSpPr>
+        <p:cNvPr id="1" name=""/>
+        <p:cNvGrpSpPr/>
+        <p:nvPr/>
+      </p:nvGrpSpPr>
+      <p:grpSpPr>
+        <a:xfrm>
+          <a:off x="0" y="0"/>
+          <a:ext cx="0" cy="0"/>
+          <a:chOff x="0" y="0"/>
+          <a:chExt cx="0" cy="0"/>
+        </a:xfrm>
+      </p:grpSpPr>
+      <p:sp>
+        <p:nvSpPr>
+          <p:cNvPr id="10" name="Rectangle 9"/>
+          <p:cNvSpPr/>
+          <p:nvPr/>
+        </p:nvSpPr>
+        <p:spPr>
+          <a:xfrm>
+            <a:off x="0" y="12106"/>
+            <a:ext cx="1011942" cy="6854083"/>
+          </a:xfrm>
+          <a:prstGeom prst="rect">
+            <a:avLst/>
+          </a:prstGeom>
+          <a:gradFill flip="none" rotWithShape="1">
+            <a:gsLst>
+              <a:gs pos="50000">
+                <a:srgbClr val="D00000"/>
+              </a:gs>
+              <a:gs pos="0">
+                <a:srgbClr val="FF0000">
+                  <a:shade val="30000"/>
+                  <a:satMod val="115000"/>
+                </a:srgbClr>
+              </a:gs>
+              <a:gs pos="100000">
+                <a:schemeClr val="accent2">
+                  <a:lumMod val="60000"/>
+                  <a:lumOff val="40000"/>
+                </a:schemeClr>
+              </a:gs>
+            </a:gsLst>
+            <a:lin ang="5400000" scaled="1"/>
+            <a:tileRect/>
+          </a:gradFill>
+          <a:ln>
+            <a:noFill/>
+          </a:ln>
+        </p:spPr>
+        <p:style>
+          <a:lnRef idx="2">
+            <a:schemeClr val="accent1">
+              <a:shade val="50000"/>
+            </a:schemeClr>
+          </a:lnRef>
+          <a:fillRef idx="1">
+            <a:schemeClr val="accent1"/>
+          </a:fillRef>
+          <a:effectRef idx="0">
+            <a:schemeClr val="accent1"/>
+          </a:effectRef>
+          <a:fontRef idx="minor">
+            <a:schemeClr val="lt1"/>
+          </a:fontRef>
+        </p:style>
+        <p:txBody>
+          <a:bodyPr rtlCol="0" anchor="ctr"/>
+          <a:lstStyle/>
+          <a:p>
+            <a:pPr algn="ctr"/>
+            <a:endParaRPr lang="tr-TR"/>
+          </a:p>
+        </p:txBody>
+      </p:sp>
+      <p:cxnSp>
+        <p:nvCxnSpPr>
+          <p:cNvPr id="11" name="Straight Connector 10"/>
+          <p:cNvCxnSpPr/>
+          <p:nvPr/>
+        </p:nvCxnSpPr>
+        <p:spPr>
+          <a:xfrm>
+            <a:off x="1189918" y="838200"/>
+            <a:ext cx="7649282" cy="0"/>
+          </a:xfrm>
+          <a:prstGeom prst="line">
+            <a:avLst/>
+          </a:prstGeom>
+          <a:ln w="50800">
+            <a:solidFill>
+              <a:srgbClr val="F20000"/>
+            </a:solidFill>
+          </a:ln>
+        </p:spPr>
+        <p:style>
+          <a:lnRef idx="1">
+            <a:schemeClr val="accent1"/>
+          </a:lnRef>
+          <a:fillRef idx="0">
+            <a:schemeClr val="accent1"/>
+          </a:fillRef>
+          <a:effectRef idx="0">
+            <a:schemeClr val="accent1"/>
+          </a:effectRef>
+          <a:fontRef idx="minor">
+            <a:schemeClr val="tx1"/>
+          </a:fontRef>
+        </p:style>
+      </p:cxnSp>
+      <p:cxnSp>
+        <p:nvCxnSpPr>
+          <p:cNvPr id="15" name="Straight Connector 14"/>
+          <p:cNvCxnSpPr/>
+          <p:nvPr/>
+        </p:nvCxnSpPr>
+        <p:spPr>
+          <a:xfrm>
+            <a:off x="1189918" y="914400"/>
+            <a:ext cx="7649282" cy="0"/>
+          </a:xfrm>
+          <a:prstGeom prst="line">
+            <a:avLst/>
+          </a:prstGeom>
+          <a:ln w="19050">
+            <a:solidFill>
+              <a:srgbClr val="F20000"/>
+            </a:solidFill>
+          </a:ln>
+        </p:spPr>
+        <p:style>
+          <a:lnRef idx="1">
+            <a:schemeClr val="accent1"/>
+          </a:lnRef>
+          <a:fillRef idx="0">
+            <a:schemeClr val="accent1"/>
+          </a:fillRef>
+          <a:effectRef idx="0">
+            <a:schemeClr val="accent1"/>
+          </a:effectRef>
+          <a:fontRef idx="minor">
+            <a:schemeClr val="tx1"/>
+          </a:fontRef>
+        </p:style>
+      </p:cxnSp>
+      <p:sp>
+        <p:nvSpPr>
+          <p:cNvPr id="2" name="Slide Number Placeholder 1"/>
+          <p:cNvSpPr>
+            <a:spLocks noGrp="1"/>
+          </p:cNvSpPr>
+          <p:nvPr>
+            <p:ph type="sldNum" sz="quarter" idx="12"/>
+          </p:nvPr>
+        </p:nvSpPr>
+        <p:spPr/>
+        <p:txBody>
+          <a:bodyPr/>
+          <a:lstStyle/>
+          <a:p>
+            <a:fld id="{B6F15528-21DE-4FAA-801E-634DDDAF4B2B}" type="slidenum">
+              <a:rPr lang="en-US" smtClean="0"/>
+              <a:pPr/>
+              <a:t>23</a:t>
+            </a:fld>
+            <a:endParaRPr lang="en-US" dirty="0"/>
+          </a:p>
+        </p:txBody>
+      </p:sp>
+      <p:pic>
+        <p:nvPicPr>
+          <p:cNvPr id="14" name="Picture 2" descr="C:\Users\Mesut\Desktop\aselsan sunum\aselsan sunum 10 ekim\aselsan sunum\cezmi bey\ODTU.png"/>
+          <p:cNvPicPr>
+            <a:picLocks noChangeAspect="1" noChangeArrowheads="1"/>
+          </p:cNvPicPr>
+          <p:nvPr/>
+        </p:nvPicPr>
+        <p:blipFill>
+          <a:blip r:embed="rId2" cstate="print">
+            <a:extLst>
+              <a:ext uri="{28A0092B-C50C-407E-A947-70E740481C1C}">
+                <a14:useLocalDpi xmlns:a14="http://schemas.microsoft.com/office/drawing/2010/main" val="0"/>
+              </a:ext>
+            </a:extLst>
+          </a:blip>
+          <a:srcRect/>
+          <a:stretch>
+            <a:fillRect/>
+          </a:stretch>
+        </p:blipFill>
+        <p:spPr bwMode="auto">
+          <a:xfrm>
+            <a:off x="163507" y="266700"/>
+            <a:ext cx="684927" cy="571500"/>
+          </a:xfrm>
+          <a:prstGeom prst="rect">
+            <a:avLst/>
+          </a:prstGeom>
+          <a:noFill/>
+          <a:extLst>
+            <a:ext uri="{909E8E84-426E-40DD-AFC4-6F175D3DCCD1}">
+              <a14:hiddenFill xmlns:a14="http://schemas.microsoft.com/office/drawing/2010/main">
+                <a:solidFill>
+                  <a:srgbClr val="FFFFFF"/>
+                </a:solidFill>
+              </a14:hiddenFill>
+            </a:ext>
+          </a:extLst>
+        </p:spPr>
+      </p:pic>
+      <p:sp>
+        <p:nvSpPr>
           <p:cNvPr id="3" name="Rectangle 2"/>
           <p:cNvSpPr>
             <a:spLocks noChangeArrowheads="1"/>
@@ -6643,69 +11578,6 @@
       </p:sp>
       <p:sp>
         <p:nvSpPr>
-          <p:cNvPr id="7" name="Rectangle 4"/>
-          <p:cNvSpPr>
-            <a:spLocks noChangeArrowheads="1"/>
-          </p:cNvSpPr>
-          <p:nvPr/>
-        </p:nvSpPr>
-        <p:spPr bwMode="auto">
-          <a:xfrm flipV="1">
-            <a:off x="2743200" y="3700094"/>
-            <a:ext cx="6941431" cy="45719"/>
-          </a:xfrm>
-          <a:prstGeom prst="rect">
-            <a:avLst/>
-          </a:prstGeom>
-          <a:noFill/>
-          <a:ln>
-            <a:noFill/>
-          </a:ln>
-          <a:effectLst/>
-          <a:extLst>
-            <a:ext uri="{909E8E84-426E-40DD-AFC4-6F175D3DCCD1}">
-              <a14:hiddenFill xmlns:a14="http://schemas.microsoft.com/office/drawing/2010/main">
-                <a:solidFill>
-                  <a:schemeClr val="accent1"/>
-                </a:solidFill>
-              </a14:hiddenFill>
-            </a:ext>
-            <a:ext uri="{91240B29-F687-4F45-9708-019B960494DF}">
-              <a14:hiddenLine xmlns:a14="http://schemas.microsoft.com/office/drawing/2010/main" w="9525">
-                <a:solidFill>
-                  <a:schemeClr val="tx1"/>
-                </a:solidFill>
-                <a:miter lim="800000"/>
-                <a:headEnd/>
-                <a:tailEnd/>
-              </a14:hiddenLine>
-            </a:ext>
-            <a:ext uri="{AF507438-7753-43E0-B8FC-AC1667EBCBE1}">
-              <a14:hiddenEffects xmlns:a14="http://schemas.microsoft.com/office/drawing/2010/main">
-                <a:effectLst>
-                  <a:outerShdw dist="35921" dir="2700000" algn="ctr" rotWithShape="0">
-                    <a:schemeClr val="bg2"/>
-                  </a:outerShdw>
-                </a:effectLst>
-              </a14:hiddenEffects>
-            </a:ext>
-          </a:extLst>
-        </p:spPr>
-        <p:txBody>
-          <a:bodyPr vert="horz" wrap="square" lIns="91440" tIns="45720" rIns="91440" bIns="45720" numCol="1" anchor="ctr" anchorCtr="0" compatLnSpc="1">
-            <a:prstTxWarp prst="textNoShape">
-              <a:avLst/>
-            </a:prstTxWarp>
-            <a:spAutoFit/>
-          </a:bodyPr>
-          <a:lstStyle/>
-          <a:p>
-            <a:endParaRPr lang="en-US"/>
-          </a:p>
-        </p:txBody>
-      </p:sp>
-      <p:sp>
-        <p:nvSpPr>
           <p:cNvPr id="12" name="TextBox 11"/>
           <p:cNvSpPr txBox="1"/>
           <p:nvPr/>
@@ -6742,347 +11614,44 @@
       </p:sp>
       <p:pic>
         <p:nvPicPr>
-          <p:cNvPr id="4" name="Picture 3"/>
+          <p:cNvPr id="13" name="Picture 12"/>
           <p:cNvPicPr>
             <a:picLocks noChangeAspect="1"/>
           </p:cNvPicPr>
           <p:nvPr/>
         </p:nvPicPr>
         <p:blipFill>
-          <a:blip r:embed="rId3"/>
-          <a:stretch>
-            <a:fillRect/>
-          </a:stretch>
-        </p:blipFill>
-        <p:spPr>
-          <a:xfrm>
-            <a:off x="1614487" y="2071687"/>
-            <a:ext cx="5915025" cy="2714625"/>
-          </a:xfrm>
-          <a:prstGeom prst="rect">
-            <a:avLst/>
-          </a:prstGeom>
-        </p:spPr>
-      </p:pic>
-    </p:spTree>
-    <p:extLst>
-      <p:ext uri="{BB962C8B-B14F-4D97-AF65-F5344CB8AC3E}">
-        <p14:creationId xmlns:p14="http://schemas.microsoft.com/office/powerpoint/2010/main" val="229237755"/>
-      </p:ext>
-    </p:extLst>
-  </p:cSld>
-  <p:clrMapOvr>
-    <a:masterClrMapping/>
-  </p:clrMapOvr>
-  <p:timing>
-    <p:tnLst>
-      <p:par>
-        <p:cTn id="1" dur="indefinite" restart="never" nodeType="tmRoot"/>
-      </p:par>
-    </p:tnLst>
-  </p:timing>
-</p:sld>
-</file>
-
-<file path=ppt/slides/slide2.xml><?xml version="1.0" encoding="utf-8"?>
-<p:sld xmlns:a="http://schemas.openxmlformats.org/drawingml/2006/main" xmlns:r="http://schemas.openxmlformats.org/officeDocument/2006/relationships" xmlns:p="http://schemas.openxmlformats.org/presentationml/2006/main">
-  <p:cSld>
-    <p:spTree>
-      <p:nvGrpSpPr>
-        <p:cNvPr id="1" name=""/>
-        <p:cNvGrpSpPr/>
-        <p:nvPr/>
-      </p:nvGrpSpPr>
-      <p:grpSpPr>
-        <a:xfrm>
-          <a:off x="0" y="0"/>
-          <a:ext cx="0" cy="0"/>
-          <a:chOff x="0" y="0"/>
-          <a:chExt cx="0" cy="0"/>
-        </a:xfrm>
-      </p:grpSpPr>
-      <p:sp>
-        <p:nvSpPr>
-          <p:cNvPr id="10" name="Rectangle 9"/>
-          <p:cNvSpPr/>
-          <p:nvPr/>
-        </p:nvSpPr>
-        <p:spPr>
-          <a:xfrm>
-            <a:off x="0" y="12106"/>
-            <a:ext cx="1011942" cy="6854083"/>
-          </a:xfrm>
-          <a:prstGeom prst="rect">
-            <a:avLst/>
-          </a:prstGeom>
-          <a:gradFill flip="none" rotWithShape="1">
-            <a:gsLst>
-              <a:gs pos="50000">
-                <a:srgbClr val="D00000"/>
-              </a:gs>
-              <a:gs pos="0">
-                <a:srgbClr val="FF0000">
-                  <a:shade val="30000"/>
-                  <a:satMod val="115000"/>
-                </a:srgbClr>
-              </a:gs>
-              <a:gs pos="100000">
-                <a:schemeClr val="accent2">
-                  <a:lumMod val="60000"/>
-                  <a:lumOff val="40000"/>
-                </a:schemeClr>
-              </a:gs>
-            </a:gsLst>
-            <a:lin ang="5400000" scaled="1"/>
-            <a:tileRect/>
-          </a:gradFill>
-          <a:ln>
-            <a:noFill/>
-          </a:ln>
-        </p:spPr>
-        <p:style>
-          <a:lnRef idx="2">
-            <a:schemeClr val="accent1">
-              <a:shade val="50000"/>
-            </a:schemeClr>
-          </a:lnRef>
-          <a:fillRef idx="1">
-            <a:schemeClr val="accent1"/>
-          </a:fillRef>
-          <a:effectRef idx="0">
-            <a:schemeClr val="accent1"/>
-          </a:effectRef>
-          <a:fontRef idx="minor">
-            <a:schemeClr val="lt1"/>
-          </a:fontRef>
-        </p:style>
-        <p:txBody>
-          <a:bodyPr rtlCol="0" anchor="ctr"/>
-          <a:lstStyle/>
-          <a:p>
-            <a:pPr algn="ctr"/>
-            <a:endParaRPr lang="tr-TR" dirty="0"/>
-          </a:p>
-        </p:txBody>
-      </p:sp>
-      <p:cxnSp>
-        <p:nvCxnSpPr>
-          <p:cNvPr id="11" name="Straight Connector 10"/>
-          <p:cNvCxnSpPr/>
-          <p:nvPr/>
-        </p:nvCxnSpPr>
-        <p:spPr>
-          <a:xfrm>
-            <a:off x="1189918" y="838200"/>
-            <a:ext cx="7649282" cy="0"/>
-          </a:xfrm>
-          <a:prstGeom prst="line">
-            <a:avLst/>
-          </a:prstGeom>
-          <a:ln w="50800">
-            <a:solidFill>
-              <a:srgbClr val="F20000"/>
-            </a:solidFill>
-          </a:ln>
-        </p:spPr>
-        <p:style>
-          <a:lnRef idx="1">
-            <a:schemeClr val="accent1"/>
-          </a:lnRef>
-          <a:fillRef idx="0">
-            <a:schemeClr val="accent1"/>
-          </a:fillRef>
-          <a:effectRef idx="0">
-            <a:schemeClr val="accent1"/>
-          </a:effectRef>
-          <a:fontRef idx="minor">
-            <a:schemeClr val="tx1"/>
-          </a:fontRef>
-        </p:style>
-      </p:cxnSp>
-      <p:sp>
-        <p:nvSpPr>
-          <p:cNvPr id="13" name="TextBox 12"/>
-          <p:cNvSpPr txBox="1"/>
-          <p:nvPr/>
-        </p:nvSpPr>
-        <p:spPr>
-          <a:xfrm>
-            <a:off x="1386291" y="224135"/>
-            <a:ext cx="7315200" cy="553998"/>
-          </a:xfrm>
-          <a:prstGeom prst="rect">
-            <a:avLst/>
-          </a:prstGeom>
-          <a:noFill/>
-        </p:spPr>
-        <p:txBody>
-          <a:bodyPr wrap="square" rtlCol="0">
-            <a:spAutoFit/>
-          </a:bodyPr>
-          <a:lstStyle/>
-          <a:p>
-            <a:pPr algn="ctr"/>
-            <a:r>
-              <a:rPr lang="en-US" sz="3000" dirty="0" smtClean="0">
-                <a:latin typeface="Times New Roman" panose="02020603050405020304" pitchFamily="18" charset="0"/>
-                <a:cs typeface="Times New Roman" panose="02020603050405020304" pitchFamily="18" charset="0"/>
-              </a:rPr>
-              <a:t>Research Group</a:t>
-            </a:r>
-            <a:endParaRPr lang="en-US" sz="3000" dirty="0">
-              <a:latin typeface="Times New Roman" panose="02020603050405020304" pitchFamily="18" charset="0"/>
-              <a:cs typeface="Times New Roman" panose="02020603050405020304" pitchFamily="18" charset="0"/>
-            </a:endParaRPr>
-          </a:p>
-        </p:txBody>
-      </p:sp>
-      <p:cxnSp>
-        <p:nvCxnSpPr>
-          <p:cNvPr id="15" name="Straight Connector 14"/>
-          <p:cNvCxnSpPr/>
-          <p:nvPr/>
-        </p:nvCxnSpPr>
-        <p:spPr>
-          <a:xfrm>
-            <a:off x="1189918" y="914400"/>
-            <a:ext cx="7649282" cy="0"/>
-          </a:xfrm>
-          <a:prstGeom prst="line">
-            <a:avLst/>
-          </a:prstGeom>
-          <a:ln w="19050">
-            <a:solidFill>
-              <a:srgbClr val="F20000"/>
-            </a:solidFill>
-          </a:ln>
-        </p:spPr>
-        <p:style>
-          <a:lnRef idx="1">
-            <a:schemeClr val="accent1"/>
-          </a:lnRef>
-          <a:fillRef idx="0">
-            <a:schemeClr val="accent1"/>
-          </a:fillRef>
-          <a:effectRef idx="0">
-            <a:schemeClr val="accent1"/>
-          </a:effectRef>
-          <a:fontRef idx="minor">
-            <a:schemeClr val="tx1"/>
-          </a:fontRef>
-        </p:style>
-      </p:cxnSp>
-      <p:sp>
-        <p:nvSpPr>
-          <p:cNvPr id="2" name="Slide Number Placeholder 1"/>
-          <p:cNvSpPr>
-            <a:spLocks noGrp="1"/>
-          </p:cNvSpPr>
-          <p:nvPr>
-            <p:ph type="sldNum" sz="quarter" idx="12"/>
-          </p:nvPr>
-        </p:nvSpPr>
-        <p:spPr/>
-        <p:txBody>
-          <a:bodyPr/>
-          <a:lstStyle/>
-          <a:p>
-            <a:fld id="{B6F15528-21DE-4FAA-801E-634DDDAF4B2B}" type="slidenum">
-              <a:rPr lang="en-US" smtClean="0"/>
-              <a:pPr/>
-              <a:t>2</a:t>
-            </a:fld>
-            <a:endParaRPr lang="en-US" dirty="0"/>
-          </a:p>
-        </p:txBody>
-      </p:sp>
-      <p:pic>
-        <p:nvPicPr>
-          <p:cNvPr id="14" name="Picture 2" descr="C:\Users\Mesut\Desktop\aselsan sunum\aselsan sunum 10 ekim\aselsan sunum\cezmi bey\ODTU.png"/>
-          <p:cNvPicPr>
-            <a:picLocks noChangeAspect="1" noChangeArrowheads="1"/>
-          </p:cNvPicPr>
-          <p:nvPr/>
-        </p:nvPicPr>
-        <p:blipFill>
-          <a:blip r:embed="rId2" cstate="print">
+          <a:blip r:embed="rId3">
             <a:extLst>
               <a:ext uri="{28A0092B-C50C-407E-A947-70E740481C1C}">
                 <a14:useLocalDpi xmlns:a14="http://schemas.microsoft.com/office/drawing/2010/main" val="0"/>
               </a:ext>
             </a:extLst>
           </a:blip>
-          <a:srcRect/>
           <a:stretch>
             <a:fillRect/>
           </a:stretch>
         </p:blipFill>
-        <p:spPr bwMode="auto">
-          <a:xfrm>
-            <a:off x="163507" y="266700"/>
-            <a:ext cx="684927" cy="571500"/>
-          </a:xfrm>
-          <a:prstGeom prst="rect">
-            <a:avLst/>
-          </a:prstGeom>
-          <a:noFill/>
-          <a:extLst>
-            <a:ext uri="{909E8E84-426E-40DD-AFC4-6F175D3DCCD1}">
-              <a14:hiddenFill xmlns:a14="http://schemas.microsoft.com/office/drawing/2010/main">
-                <a:solidFill>
-                  <a:srgbClr val="FFFFFF"/>
-                </a:solidFill>
-              </a14:hiddenFill>
-            </a:ext>
-          </a:extLst>
+        <p:spPr>
+          <a:xfrm>
+            <a:off x="3150366" y="2438400"/>
+            <a:ext cx="3810000" cy="2616200"/>
+          </a:xfrm>
+          <a:prstGeom prst="rect">
+            <a:avLst/>
+          </a:prstGeom>
         </p:spPr>
       </p:pic>
-      <p:pic>
-        <p:nvPicPr>
-          <p:cNvPr id="17" name="Picture 16" descr="C:\Users\ugurm\Desktop\gitthub\IMMD\GRW2017\Metu5.png"/>
-          <p:cNvPicPr/>
-          <p:nvPr/>
-        </p:nvPicPr>
-        <p:blipFill rotWithShape="1">
-          <a:blip r:embed="rId3" cstate="print">
-            <a:extLst>
-              <a:ext uri="{28A0092B-C50C-407E-A947-70E740481C1C}">
-                <a14:useLocalDpi xmlns:a14="http://schemas.microsoft.com/office/drawing/2010/main" val="0"/>
-              </a:ext>
-            </a:extLst>
-          </a:blip>
-          <a:srcRect l="14652" t="39667" r="15041" b="41051"/>
-          <a:stretch/>
-        </p:blipFill>
-        <p:spPr bwMode="auto">
-          <a:xfrm>
-            <a:off x="5154972" y="2611170"/>
-            <a:ext cx="3227028" cy="734666"/>
-          </a:xfrm>
-          <a:prstGeom prst="rect">
-            <a:avLst/>
-          </a:prstGeom>
-          <a:noFill/>
-          <a:ln>
-            <a:noFill/>
-          </a:ln>
-          <a:extLst>
-            <a:ext uri="{53640926-AAD7-44D8-BBD7-CCE9431645EC}">
-              <a14:shadowObscured xmlns:a14="http://schemas.microsoft.com/office/drawing/2010/main"/>
-            </a:ext>
-          </a:extLst>
-        </p:spPr>
-      </p:pic>
-      <p:sp>
-        <p:nvSpPr>
-          <p:cNvPr id="18" name="TextBox 17"/>
+      <p:sp>
+        <p:nvSpPr>
+          <p:cNvPr id="16" name="TextBox 15"/>
           <p:cNvSpPr txBox="1"/>
           <p:nvPr/>
         </p:nvSpPr>
         <p:spPr>
           <a:xfrm>
-            <a:off x="1212086" y="1166784"/>
-            <a:ext cx="3742742" cy="5324535"/>
+            <a:off x="1386291" y="224135"/>
+            <a:ext cx="7315200" cy="553998"/>
           </a:xfrm>
           <a:prstGeom prst="rect">
             <a:avLst/>
@@ -7095,248 +11664,46 @@
           </a:bodyPr>
           <a:lstStyle/>
           <a:p>
-            <a:r>
-              <a:rPr lang="en-US" sz="2400" b="1" dirty="0" smtClean="0">
-                <a:latin typeface="Times New Roman" panose="02020603050405020304" pitchFamily="18" charset="0"/>
-                <a:cs typeface="Times New Roman" panose="02020603050405020304" pitchFamily="18" charset="0"/>
-              </a:rPr>
-              <a:t>Research Fields</a:t>
-            </a:r>
-          </a:p>
-          <a:p>
-            <a:pPr marL="342900" indent="-342900">
-              <a:buFont typeface="Wingdings" panose="05000000000000000000" pitchFamily="2" charset="2"/>
-              <a:buChar char="v"/>
-            </a:pPr>
-            <a:r>
-              <a:rPr lang="en-US" sz="2000" dirty="0" smtClean="0">
-                <a:latin typeface="Times New Roman" panose="02020603050405020304" pitchFamily="18" charset="0"/>
-                <a:cs typeface="Times New Roman" panose="02020603050405020304" pitchFamily="18" charset="0"/>
-              </a:rPr>
-              <a:t>Renewable Energy</a:t>
-            </a:r>
-          </a:p>
-          <a:p>
-            <a:pPr marL="342900" indent="-342900">
-              <a:buFont typeface="Wingdings" panose="05000000000000000000" pitchFamily="2" charset="2"/>
-              <a:buChar char="v"/>
-            </a:pPr>
-            <a:r>
-              <a:rPr lang="en-US" sz="2000" dirty="0" smtClean="0">
-                <a:latin typeface="Times New Roman" panose="02020603050405020304" pitchFamily="18" charset="0"/>
-                <a:cs typeface="Times New Roman" panose="02020603050405020304" pitchFamily="18" charset="0"/>
-              </a:rPr>
-              <a:t>Power Quality</a:t>
-            </a:r>
-          </a:p>
-          <a:p>
-            <a:pPr marL="342900" indent="-342900">
-              <a:buFont typeface="Wingdings" panose="05000000000000000000" pitchFamily="2" charset="2"/>
-              <a:buChar char="v"/>
-            </a:pPr>
-            <a:r>
-              <a:rPr lang="en-US" sz="2000" dirty="0" smtClean="0">
-                <a:latin typeface="Times New Roman" panose="02020603050405020304" pitchFamily="18" charset="0"/>
-                <a:cs typeface="Times New Roman" panose="02020603050405020304" pitchFamily="18" charset="0"/>
-              </a:rPr>
-              <a:t>Smart Grids</a:t>
-            </a:r>
-          </a:p>
-          <a:p>
-            <a:pPr marL="342900" indent="-342900">
-              <a:buFont typeface="Wingdings" panose="05000000000000000000" pitchFamily="2" charset="2"/>
-              <a:buChar char="v"/>
-            </a:pPr>
-            <a:r>
-              <a:rPr lang="en-US" sz="2000" dirty="0" smtClean="0">
-                <a:latin typeface="Times New Roman" panose="02020603050405020304" pitchFamily="18" charset="0"/>
-                <a:cs typeface="Times New Roman" panose="02020603050405020304" pitchFamily="18" charset="0"/>
-              </a:rPr>
-              <a:t>Power Electronics</a:t>
-            </a:r>
-          </a:p>
-          <a:p>
-            <a:pPr marL="342900" indent="-342900">
-              <a:buFont typeface="Wingdings" panose="05000000000000000000" pitchFamily="2" charset="2"/>
-              <a:buChar char="v"/>
-            </a:pPr>
-            <a:r>
-              <a:rPr lang="en-US" sz="2000" dirty="0" smtClean="0">
-                <a:latin typeface="Times New Roman" panose="02020603050405020304" pitchFamily="18" charset="0"/>
-                <a:cs typeface="Times New Roman" panose="02020603050405020304" pitchFamily="18" charset="0"/>
-              </a:rPr>
-              <a:t>Electrical Machines</a:t>
-            </a:r>
-          </a:p>
-          <a:p>
-            <a:endParaRPr lang="en-US" sz="2400" dirty="0" smtClean="0">
+            <a:pPr algn="ctr"/>
+            <a:r>
+              <a:rPr lang="tr-TR" sz="3000" dirty="0" err="1" smtClean="0">
+                <a:latin typeface="Times New Roman" panose="02020603050405020304" pitchFamily="18" charset="0"/>
+                <a:cs typeface="Times New Roman" panose="02020603050405020304" pitchFamily="18" charset="0"/>
+              </a:rPr>
+              <a:t>Thank</a:t>
+            </a:r>
+            <a:r>
+              <a:rPr lang="tr-TR" sz="3000" dirty="0" smtClean="0">
+                <a:latin typeface="Times New Roman" panose="02020603050405020304" pitchFamily="18" charset="0"/>
+                <a:cs typeface="Times New Roman" panose="02020603050405020304" pitchFamily="18" charset="0"/>
+              </a:rPr>
+              <a:t> </a:t>
+            </a:r>
+            <a:r>
+              <a:rPr lang="tr-TR" sz="3000" dirty="0" err="1" smtClean="0">
+                <a:latin typeface="Times New Roman" panose="02020603050405020304" pitchFamily="18" charset="0"/>
+                <a:cs typeface="Times New Roman" panose="02020603050405020304" pitchFamily="18" charset="0"/>
+              </a:rPr>
+              <a:t>you</a:t>
+            </a:r>
+            <a:r>
+              <a:rPr lang="tr-TR" sz="3000" dirty="0" smtClean="0">
+                <a:latin typeface="Times New Roman" panose="02020603050405020304" pitchFamily="18" charset="0"/>
+                <a:cs typeface="Times New Roman" panose="02020603050405020304" pitchFamily="18" charset="0"/>
+              </a:rPr>
+              <a:t> !</a:t>
+            </a:r>
+            <a:endParaRPr lang="tr-TR" sz="3000" dirty="0">
               <a:latin typeface="Times New Roman" panose="02020603050405020304" pitchFamily="18" charset="0"/>
               <a:cs typeface="Times New Roman" panose="02020603050405020304" pitchFamily="18" charset="0"/>
             </a:endParaRPr>
           </a:p>
-          <a:p>
-            <a:r>
-              <a:rPr lang="en-US" sz="2400" b="1" dirty="0" smtClean="0">
-                <a:latin typeface="Times New Roman" panose="02020603050405020304" pitchFamily="18" charset="0"/>
-                <a:cs typeface="Times New Roman" panose="02020603050405020304" pitchFamily="18" charset="0"/>
-              </a:rPr>
-              <a:t>Events</a:t>
-            </a:r>
-          </a:p>
-          <a:p>
-            <a:pPr marL="342900" indent="-342900">
-              <a:buFont typeface="Wingdings" panose="05000000000000000000" pitchFamily="2" charset="2"/>
-              <a:buChar char="v"/>
-            </a:pPr>
-            <a:r>
-              <a:rPr lang="en-US" sz="2400" dirty="0" smtClean="0">
-                <a:latin typeface="Times New Roman" panose="02020603050405020304" pitchFamily="18" charset="0"/>
-                <a:cs typeface="Times New Roman" panose="02020603050405020304" pitchFamily="18" charset="0"/>
-              </a:rPr>
-              <a:t>Weekly seminars</a:t>
-            </a:r>
-          </a:p>
-          <a:p>
-            <a:pPr marL="342900" indent="-342900">
-              <a:buFont typeface="Wingdings" panose="05000000000000000000" pitchFamily="2" charset="2"/>
-              <a:buChar char="v"/>
-            </a:pPr>
-            <a:r>
-              <a:rPr lang="en-US" sz="2400" dirty="0" smtClean="0">
-                <a:latin typeface="Times New Roman" panose="02020603050405020304" pitchFamily="18" charset="0"/>
-                <a:cs typeface="Times New Roman" panose="02020603050405020304" pitchFamily="18" charset="0"/>
-              </a:rPr>
-              <a:t>Journal Club</a:t>
-            </a:r>
-          </a:p>
-          <a:p>
-            <a:endParaRPr lang="en-US" sz="2400" dirty="0" smtClean="0">
-              <a:latin typeface="Times New Roman" panose="02020603050405020304" pitchFamily="18" charset="0"/>
-              <a:cs typeface="Times New Roman" panose="02020603050405020304" pitchFamily="18" charset="0"/>
-            </a:endParaRPr>
-          </a:p>
-          <a:p>
-            <a:r>
-              <a:rPr lang="en-US" sz="2400" b="1" dirty="0" smtClean="0">
-                <a:latin typeface="Times New Roman" panose="02020603050405020304" pitchFamily="18" charset="0"/>
-                <a:cs typeface="Times New Roman" panose="02020603050405020304" pitchFamily="18" charset="0"/>
-              </a:rPr>
-              <a:t>Research League</a:t>
-            </a:r>
-          </a:p>
-          <a:p>
-            <a:pPr marL="342900" indent="-342900">
-              <a:buFont typeface="Wingdings" panose="05000000000000000000" pitchFamily="2" charset="2"/>
-              <a:buChar char="v"/>
-            </a:pPr>
-            <a:r>
-              <a:rPr lang="en-US" sz="2400" dirty="0" smtClean="0">
-                <a:latin typeface="Times New Roman" panose="02020603050405020304" pitchFamily="18" charset="0"/>
-                <a:cs typeface="Times New Roman" panose="02020603050405020304" pitchFamily="18" charset="0"/>
-              </a:rPr>
-              <a:t>Multi-disciplinary</a:t>
-            </a:r>
-            <a:r>
-              <a:rPr lang="tr-TR" sz="2400" dirty="0" smtClean="0">
-                <a:latin typeface="Times New Roman" panose="02020603050405020304" pitchFamily="18" charset="0"/>
-                <a:cs typeface="Times New Roman" panose="02020603050405020304" pitchFamily="18" charset="0"/>
-              </a:rPr>
-              <a:t> </a:t>
-            </a:r>
-            <a:r>
-              <a:rPr lang="tr-TR" sz="2400" dirty="0" err="1" smtClean="0">
-                <a:latin typeface="Times New Roman" panose="02020603050405020304" pitchFamily="18" charset="0"/>
-                <a:cs typeface="Times New Roman" panose="02020603050405020304" pitchFamily="18" charset="0"/>
-              </a:rPr>
-              <a:t>project</a:t>
-            </a:r>
-            <a:endParaRPr lang="en-US" sz="2400" dirty="0" smtClean="0">
-              <a:latin typeface="Times New Roman" panose="02020603050405020304" pitchFamily="18" charset="0"/>
-              <a:cs typeface="Times New Roman" panose="02020603050405020304" pitchFamily="18" charset="0"/>
-            </a:endParaRPr>
-          </a:p>
-          <a:p>
-            <a:pPr marL="342900" indent="-342900">
-              <a:buFont typeface="Wingdings" panose="05000000000000000000" pitchFamily="2" charset="2"/>
-              <a:buChar char="v"/>
-            </a:pPr>
-            <a:r>
-              <a:rPr lang="en-US" sz="2400" dirty="0" smtClean="0">
-                <a:latin typeface="Times New Roman" panose="02020603050405020304" pitchFamily="18" charset="0"/>
-                <a:cs typeface="Times New Roman" panose="02020603050405020304" pitchFamily="18" charset="0"/>
-              </a:rPr>
-              <a:t>Undergraduate students</a:t>
-            </a:r>
-          </a:p>
-          <a:p>
-            <a:pPr marL="342900" indent="-342900">
-              <a:buFont typeface="Wingdings" panose="05000000000000000000" pitchFamily="2" charset="2"/>
-              <a:buChar char="v"/>
-            </a:pPr>
-            <a:endParaRPr lang="en-US" sz="2400" b="1" dirty="0" smtClean="0">
-              <a:latin typeface="Times New Roman" panose="02020603050405020304" pitchFamily="18" charset="0"/>
-              <a:cs typeface="Times New Roman" panose="02020603050405020304" pitchFamily="18" charset="0"/>
-            </a:endParaRPr>
-          </a:p>
-        </p:txBody>
-      </p:sp>
-      <p:sp>
-        <p:nvSpPr>
-          <p:cNvPr id="19" name="TextBox 18"/>
-          <p:cNvSpPr txBox="1"/>
-          <p:nvPr/>
-        </p:nvSpPr>
-        <p:spPr>
-          <a:xfrm>
-            <a:off x="5014559" y="3617882"/>
-            <a:ext cx="3884373" cy="461665"/>
-          </a:xfrm>
-          <a:prstGeom prst="rect">
-            <a:avLst/>
-          </a:prstGeom>
-          <a:noFill/>
-        </p:spPr>
-        <p:txBody>
-          <a:bodyPr wrap="square" rtlCol="0">
-            <a:spAutoFit/>
-          </a:bodyPr>
-          <a:lstStyle/>
-          <a:p>
-            <a:r>
-              <a:rPr lang="tr-TR" sz="2400" dirty="0" smtClean="0">
-                <a:latin typeface="Times New Roman" panose="02020603050405020304" pitchFamily="18" charset="0"/>
-                <a:cs typeface="Times New Roman" panose="02020603050405020304" pitchFamily="18" charset="0"/>
-                <a:hlinkClick r:id="rId4"/>
-              </a:rPr>
-              <a:t>http</a:t>
-            </a:r>
-            <a:r>
-              <a:rPr lang="tr-TR" sz="2400" dirty="0">
-                <a:latin typeface="Times New Roman" panose="02020603050405020304" pitchFamily="18" charset="0"/>
-                <a:cs typeface="Times New Roman" panose="02020603050405020304" pitchFamily="18" charset="0"/>
-                <a:hlinkClick r:id="rId4"/>
-              </a:rPr>
-              <a:t>://</a:t>
-            </a:r>
-            <a:r>
-              <a:rPr lang="tr-TR" sz="2400" dirty="0" smtClean="0">
-                <a:latin typeface="Times New Roman" panose="02020603050405020304" pitchFamily="18" charset="0"/>
-                <a:cs typeface="Times New Roman" panose="02020603050405020304" pitchFamily="18" charset="0"/>
-                <a:hlinkClick r:id="rId4"/>
-              </a:rPr>
-              <a:t>power.eee.metu.edu.tr</a:t>
-            </a:r>
-            <a:endParaRPr lang="tr-TR" sz="2400" dirty="0">
-              <a:latin typeface="Times New Roman" panose="02020603050405020304" pitchFamily="18" charset="0"/>
-              <a:cs typeface="Times New Roman" panose="02020603050405020304" pitchFamily="18" charset="0"/>
-            </a:endParaRPr>
-          </a:p>
         </p:txBody>
       </p:sp>
     </p:spTree>
     <p:extLst>
       <p:ext uri="{BB962C8B-B14F-4D97-AF65-F5344CB8AC3E}">
-        <p14:creationId xmlns:p14="http://schemas.microsoft.com/office/powerpoint/2010/main" val="439095538"/>
+        <p14:creationId xmlns:p14="http://schemas.microsoft.com/office/powerpoint/2010/main" val="229237755"/>
       </p:ext>
     </p:extLst>
   </p:cSld>

--- a/GRW2017/sunum/GRW2017_MesutUğur.pptx
+++ b/GRW2017/sunum/GRW2017_MesutUğur.pptx
@@ -5,7 +5,7 @@
     <p:sldMasterId id="2147483804" r:id="rId1"/>
   </p:sldMasterIdLst>
   <p:notesMasterIdLst>
-    <p:notesMasterId r:id="rId25"/>
+    <p:notesMasterId r:id="rId24"/>
   </p:notesMasterIdLst>
   <p:sldIdLst>
     <p:sldId id="290" r:id="rId2"/>
@@ -17,20 +17,19 @@
     <p:sldId id="500" r:id="rId8"/>
     <p:sldId id="498" r:id="rId9"/>
     <p:sldId id="504" r:id="rId10"/>
-    <p:sldId id="499" r:id="rId11"/>
-    <p:sldId id="501" r:id="rId12"/>
-    <p:sldId id="505" r:id="rId13"/>
-    <p:sldId id="506" r:id="rId14"/>
-    <p:sldId id="508" r:id="rId15"/>
-    <p:sldId id="514" r:id="rId16"/>
-    <p:sldId id="507" r:id="rId17"/>
-    <p:sldId id="509" r:id="rId18"/>
-    <p:sldId id="510" r:id="rId19"/>
-    <p:sldId id="511" r:id="rId20"/>
-    <p:sldId id="502" r:id="rId21"/>
-    <p:sldId id="512" r:id="rId22"/>
-    <p:sldId id="513" r:id="rId23"/>
-    <p:sldId id="493" r:id="rId24"/>
+    <p:sldId id="501" r:id="rId11"/>
+    <p:sldId id="505" r:id="rId12"/>
+    <p:sldId id="506" r:id="rId13"/>
+    <p:sldId id="508" r:id="rId14"/>
+    <p:sldId id="514" r:id="rId15"/>
+    <p:sldId id="507" r:id="rId16"/>
+    <p:sldId id="509" r:id="rId17"/>
+    <p:sldId id="510" r:id="rId18"/>
+    <p:sldId id="511" r:id="rId19"/>
+    <p:sldId id="502" r:id="rId20"/>
+    <p:sldId id="512" r:id="rId21"/>
+    <p:sldId id="513" r:id="rId22"/>
+    <p:sldId id="493" r:id="rId23"/>
   </p:sldIdLst>
   <p:sldSz cx="9144000" cy="6858000" type="screen4x3"/>
   <p:notesSz cx="6858000" cy="9144000"/>
@@ -3751,7 +3750,7 @@
         <p:spPr>
           <a:xfrm>
             <a:off x="1282761" y="5017599"/>
-            <a:ext cx="7649282" cy="646331"/>
+            <a:ext cx="7649282" cy="553998"/>
           </a:xfrm>
           <a:prstGeom prst="rect">
             <a:avLst/>
@@ -3766,7 +3765,7 @@
           <a:p>
             <a:pPr algn="ctr"/>
             <a:r>
-              <a:rPr lang="tr-TR" sz="3600" dirty="0" smtClean="0">
+              <a:rPr lang="tr-TR" sz="3000" dirty="0" smtClean="0">
                 <a:latin typeface="Times New Roman" panose="02020603050405020304" pitchFamily="18" charset="0"/>
                 <a:cs typeface="Times New Roman" panose="02020603050405020304" pitchFamily="18" charset="0"/>
               </a:rPr>
@@ -3791,8 +3790,8 @@
         </p:blipFill>
         <p:spPr>
           <a:xfrm>
-            <a:off x="2659726" y="1329618"/>
-            <a:ext cx="4960274" cy="1821425"/>
+            <a:off x="2926816" y="1335920"/>
+            <a:ext cx="4503074" cy="1653540"/>
           </a:xfrm>
           <a:prstGeom prst="rect">
             <a:avLst/>
@@ -3809,8 +3808,8 @@
         </p:nvSpPr>
         <p:spPr bwMode="auto">
           <a:xfrm>
-            <a:off x="1783177" y="3542396"/>
-            <a:ext cx="6648450" cy="1015663"/>
+            <a:off x="1039371" y="3403365"/>
+            <a:ext cx="8104629" cy="1200329"/>
           </a:xfrm>
           <a:prstGeom prst="rect">
             <a:avLst/>
@@ -3836,20 +3835,20 @@
               </a:spcBef>
             </a:pPr>
             <a:r>
-              <a:rPr lang="en-US" sz="3000" b="1" dirty="0" smtClean="0">
+              <a:rPr lang="en-US" sz="3600" b="1" dirty="0" smtClean="0">
                 <a:latin typeface="Times New Roman" panose="02020603050405020304" pitchFamily="18" charset="0"/>
                 <a:cs typeface="Times New Roman" panose="02020603050405020304" pitchFamily="18" charset="0"/>
               </a:rPr>
               <a:t>Development of an Integrated Modular</a:t>
             </a:r>
             <a:br>
-              <a:rPr lang="en-US" sz="3000" b="1" dirty="0" smtClean="0">
+              <a:rPr lang="en-US" sz="3600" b="1" dirty="0" smtClean="0">
                 <a:latin typeface="Times New Roman" panose="02020603050405020304" pitchFamily="18" charset="0"/>
                 <a:cs typeface="Times New Roman" panose="02020603050405020304" pitchFamily="18" charset="0"/>
               </a:rPr>
             </a:br>
             <a:r>
-              <a:rPr lang="en-US" sz="3000" b="1" dirty="0" smtClean="0">
+              <a:rPr lang="en-US" sz="3600" b="1" dirty="0" smtClean="0">
                 <a:latin typeface="Times New Roman" panose="02020603050405020304" pitchFamily="18" charset="0"/>
                 <a:cs typeface="Times New Roman" panose="02020603050405020304" pitchFamily="18" charset="0"/>
               </a:rPr>
@@ -4051,13 +4050,13 @@
           <a:p>
             <a:pPr algn="ctr"/>
             <a:r>
-              <a:rPr lang="tr-TR" sz="3000" dirty="0" err="1" smtClean="0">
-                <a:latin typeface="Times New Roman" panose="02020603050405020304" pitchFamily="18" charset="0"/>
-                <a:cs typeface="Times New Roman" panose="02020603050405020304" pitchFamily="18" charset="0"/>
-              </a:rPr>
-              <a:t>Challenges</a:t>
-            </a:r>
-            <a:endParaRPr lang="tr-TR" sz="3000" dirty="0">
+              <a:rPr lang="en-US" sz="3000" dirty="0" smtClean="0">
+                <a:latin typeface="Times New Roman" panose="02020603050405020304" pitchFamily="18" charset="0"/>
+                <a:cs typeface="Times New Roman" panose="02020603050405020304" pitchFamily="18" charset="0"/>
+              </a:rPr>
+              <a:t>Gallium Nitride (GaN) Power Semiconductors</a:t>
+            </a:r>
+            <a:endParaRPr lang="en-US" sz="3000" dirty="0">
               <a:latin typeface="Times New Roman" panose="02020603050405020304" pitchFamily="18" charset="0"/>
               <a:cs typeface="Times New Roman" panose="02020603050405020304" pitchFamily="18" charset="0"/>
             </a:endParaRPr>
@@ -4166,7 +4165,7 @@
       </p:pic>
       <p:sp>
         <p:nvSpPr>
-          <p:cNvPr id="12" name="Text Box 9"/>
+          <p:cNvPr id="16" name="Text Box 9"/>
           <p:cNvSpPr txBox="1">
             <a:spLocks noChangeArrowheads="1"/>
           </p:cNvSpPr>
@@ -4174,8 +4173,8 @@
         </p:nvSpPr>
         <p:spPr bwMode="auto">
           <a:xfrm>
-            <a:off x="1295399" y="1084656"/>
-            <a:ext cx="7672691" cy="1631216"/>
+            <a:off x="1386291" y="1267818"/>
+            <a:ext cx="7035213" cy="1015663"/>
           </a:xfrm>
           <a:prstGeom prst="rect">
             <a:avLst/>
@@ -4195,174 +4194,350 @@
           </a:bodyPr>
           <a:lstStyle/>
           <a:p>
-            <a:r>
-              <a:rPr lang="en-US" sz="2000" dirty="0">
-                <a:latin typeface="Times New Roman" panose="02020603050405020304" pitchFamily="18" charset="0"/>
-                <a:cs typeface="Times New Roman" panose="02020603050405020304" pitchFamily="18" charset="0"/>
-              </a:rPr>
-              <a:t>Power and control electronics components are subjected to </a:t>
-            </a:r>
-            <a:r>
-              <a:rPr lang="en-US" sz="2000" b="1" dirty="0">
-                <a:latin typeface="Times New Roman" panose="02020603050405020304" pitchFamily="18" charset="0"/>
-                <a:cs typeface="Times New Roman" panose="02020603050405020304" pitchFamily="18" charset="0"/>
-              </a:rPr>
-              <a:t>high temperature and vibration</a:t>
-            </a:r>
-            <a:r>
-              <a:rPr lang="tr-TR" sz="2000" dirty="0" smtClean="0">
-                <a:latin typeface="Times New Roman" panose="02020603050405020304" pitchFamily="18" charset="0"/>
-                <a:cs typeface="Times New Roman" panose="02020603050405020304" pitchFamily="18" charset="0"/>
-              </a:rPr>
-              <a:t>.</a:t>
-            </a:r>
-          </a:p>
-          <a:p>
+            <a:pPr marL="342900" indent="-342900" algn="just">
+              <a:buFont typeface="Wingdings" panose="05000000000000000000" pitchFamily="2" charset="2"/>
+              <a:buChar char="ü"/>
+            </a:pPr>
+            <a:r>
+              <a:rPr lang="tr-TR" sz="2000" b="1" dirty="0" smtClean="0">
+                <a:latin typeface="Times New Roman" panose="02020603050405020304" pitchFamily="18" charset="0"/>
+                <a:cs typeface="Times New Roman" panose="02020603050405020304" pitchFamily="18" charset="0"/>
+              </a:rPr>
+              <a:t>W</a:t>
+            </a:r>
+            <a:r>
+              <a:rPr lang="en-US" sz="2000" b="1" dirty="0" smtClean="0">
+                <a:latin typeface="Times New Roman" panose="02020603050405020304" pitchFamily="18" charset="0"/>
+                <a:cs typeface="Times New Roman" panose="02020603050405020304" pitchFamily="18" charset="0"/>
+              </a:rPr>
+              <a:t>ide </a:t>
+            </a:r>
+            <a:r>
+              <a:rPr lang="en-US" sz="2000" b="1" dirty="0" smtClean="0">
+                <a:latin typeface="Times New Roman" panose="02020603050405020304" pitchFamily="18" charset="0"/>
+                <a:cs typeface="Times New Roman" panose="02020603050405020304" pitchFamily="18" charset="0"/>
+              </a:rPr>
+              <a:t>band-gap (WBG) </a:t>
+            </a:r>
+            <a:r>
+              <a:rPr lang="en-US" sz="2000" dirty="0" smtClean="0">
+                <a:latin typeface="Times New Roman" panose="02020603050405020304" pitchFamily="18" charset="0"/>
+                <a:cs typeface="Times New Roman" panose="02020603050405020304" pitchFamily="18" charset="0"/>
+              </a:rPr>
+              <a:t>power semiconductor </a:t>
+            </a:r>
+            <a:r>
+              <a:rPr lang="en-US" sz="2000" dirty="0" smtClean="0">
+                <a:latin typeface="Times New Roman" panose="02020603050405020304" pitchFamily="18" charset="0"/>
+                <a:cs typeface="Times New Roman" panose="02020603050405020304" pitchFamily="18" charset="0"/>
+              </a:rPr>
+              <a:t>devices</a:t>
+            </a:r>
             <a:endParaRPr lang="tr-TR" sz="2000" dirty="0" smtClean="0">
               <a:latin typeface="Times New Roman" panose="02020603050405020304" pitchFamily="18" charset="0"/>
               <a:cs typeface="Times New Roman" panose="02020603050405020304" pitchFamily="18" charset="0"/>
             </a:endParaRPr>
           </a:p>
           <a:p>
+            <a:pPr marL="342900" indent="-342900" algn="l">
+              <a:buFont typeface="Wingdings" panose="05000000000000000000" pitchFamily="2" charset="2"/>
+              <a:buChar char="ü"/>
+            </a:pPr>
+            <a:r>
+              <a:rPr lang="en-US" sz="2000" dirty="0" smtClean="0">
+                <a:latin typeface="Times New Roman" panose="02020603050405020304" pitchFamily="18" charset="0"/>
+                <a:cs typeface="Times New Roman" panose="02020603050405020304" pitchFamily="18" charset="0"/>
+              </a:rPr>
+              <a:t>Low </a:t>
+            </a:r>
+            <a:r>
+              <a:rPr lang="en-US" sz="2000" dirty="0" smtClean="0">
+                <a:latin typeface="Times New Roman" panose="02020603050405020304" pitchFamily="18" charset="0"/>
+                <a:cs typeface="Times New Roman" panose="02020603050405020304" pitchFamily="18" charset="0"/>
+              </a:rPr>
+              <a:t>semiconductor </a:t>
+            </a:r>
+            <a:r>
+              <a:rPr lang="en-US" sz="2000" dirty="0" smtClean="0">
+                <a:latin typeface="Times New Roman" panose="02020603050405020304" pitchFamily="18" charset="0"/>
+                <a:cs typeface="Times New Roman" panose="02020603050405020304" pitchFamily="18" charset="0"/>
+              </a:rPr>
+              <a:t>loss</a:t>
+            </a:r>
+            <a:r>
+              <a:rPr lang="en-US" sz="2000" dirty="0" smtClean="0">
+                <a:latin typeface="Times New Roman" panose="02020603050405020304" pitchFamily="18" charset="0"/>
+                <a:cs typeface="Times New Roman" panose="02020603050405020304" pitchFamily="18" charset="0"/>
+              </a:rPr>
+              <a:t>: </a:t>
+            </a:r>
+            <a:r>
+              <a:rPr lang="en-US" sz="2000" b="1" dirty="0" smtClean="0">
+                <a:latin typeface="Times New Roman" panose="02020603050405020304" pitchFamily="18" charset="0"/>
+                <a:cs typeface="Times New Roman" panose="02020603050405020304" pitchFamily="18" charset="0"/>
+              </a:rPr>
+              <a:t>heat sink </a:t>
+            </a:r>
+            <a:r>
+              <a:rPr lang="en-US" sz="2000" dirty="0" smtClean="0">
+                <a:latin typeface="Times New Roman" panose="02020603050405020304" pitchFamily="18" charset="0"/>
+                <a:cs typeface="Times New Roman" panose="02020603050405020304" pitchFamily="18" charset="0"/>
+              </a:rPr>
+              <a:t>size is </a:t>
+            </a:r>
+            <a:r>
+              <a:rPr lang="en-US" sz="2000" dirty="0" smtClean="0">
+                <a:latin typeface="Times New Roman" panose="02020603050405020304" pitchFamily="18" charset="0"/>
+                <a:cs typeface="Times New Roman" panose="02020603050405020304" pitchFamily="18" charset="0"/>
+              </a:rPr>
+              <a:t>reduced</a:t>
+            </a:r>
+            <a:endParaRPr lang="tr-TR" sz="2000" dirty="0">
+              <a:latin typeface="Times New Roman" panose="02020603050405020304" pitchFamily="18" charset="0"/>
+              <a:cs typeface="Times New Roman" panose="02020603050405020304" pitchFamily="18" charset="0"/>
+            </a:endParaRPr>
+          </a:p>
+          <a:p>
+            <a:pPr marL="342900" indent="-342900" algn="l">
+              <a:buFont typeface="Wingdings" panose="05000000000000000000" pitchFamily="2" charset="2"/>
+              <a:buChar char="ü"/>
+            </a:pPr>
+            <a:r>
+              <a:rPr lang="en-US" sz="2000" dirty="0" smtClean="0">
+                <a:latin typeface="Times New Roman" panose="02020603050405020304" pitchFamily="18" charset="0"/>
+                <a:cs typeface="Times New Roman" panose="02020603050405020304" pitchFamily="18" charset="0"/>
+              </a:rPr>
+              <a:t>High </a:t>
+            </a:r>
+            <a:r>
+              <a:rPr lang="en-US" sz="2000" dirty="0" smtClean="0">
+                <a:latin typeface="Times New Roman" panose="02020603050405020304" pitchFamily="18" charset="0"/>
+                <a:cs typeface="Times New Roman" panose="02020603050405020304" pitchFamily="18" charset="0"/>
+              </a:rPr>
+              <a:t>operation frequency: </a:t>
+            </a:r>
+            <a:r>
+              <a:rPr lang="en-US" sz="2000" b="1" dirty="0" smtClean="0">
+                <a:latin typeface="Times New Roman" panose="02020603050405020304" pitchFamily="18" charset="0"/>
+                <a:cs typeface="Times New Roman" panose="02020603050405020304" pitchFamily="18" charset="0"/>
+              </a:rPr>
+              <a:t>passive component </a:t>
+            </a:r>
+            <a:r>
+              <a:rPr lang="en-US" sz="2000" dirty="0" smtClean="0">
+                <a:latin typeface="Times New Roman" panose="02020603050405020304" pitchFamily="18" charset="0"/>
+                <a:cs typeface="Times New Roman" panose="02020603050405020304" pitchFamily="18" charset="0"/>
+              </a:rPr>
+              <a:t>size is reduced</a:t>
+            </a:r>
             <a:endParaRPr lang="en-US" sz="2000" dirty="0">
               <a:latin typeface="Times New Roman" panose="02020603050405020304" pitchFamily="18" charset="0"/>
               <a:cs typeface="Times New Roman" panose="02020603050405020304" pitchFamily="18" charset="0"/>
             </a:endParaRPr>
           </a:p>
-          <a:p>
-            <a:r>
-              <a:rPr lang="tr-TR" sz="2000" dirty="0" err="1">
-                <a:latin typeface="Times New Roman" panose="02020603050405020304" pitchFamily="18" charset="0"/>
-                <a:cs typeface="Times New Roman" panose="02020603050405020304" pitchFamily="18" charset="0"/>
-              </a:rPr>
-              <a:t>In</a:t>
-            </a:r>
-            <a:r>
-              <a:rPr lang="tr-TR" sz="2000" dirty="0">
+        </p:txBody>
+      </p:sp>
+      <p:sp>
+        <p:nvSpPr>
+          <p:cNvPr id="19" name="Text Box 9"/>
+          <p:cNvSpPr txBox="1">
+            <a:spLocks noChangeArrowheads="1"/>
+          </p:cNvSpPr>
+          <p:nvPr/>
+        </p:nvSpPr>
+        <p:spPr bwMode="auto">
+          <a:xfrm>
+            <a:off x="5460110" y="3191211"/>
+            <a:ext cx="3350515" cy="1631216"/>
+          </a:xfrm>
+          <a:prstGeom prst="rect">
+            <a:avLst/>
+          </a:prstGeom>
+          <a:noFill/>
+          <a:ln w="9525">
+            <a:noFill/>
+            <a:miter lim="800000"/>
+            <a:headEnd/>
+            <a:tailEnd/>
+          </a:ln>
+          <a:effectLst/>
+        </p:spPr>
+        <p:txBody>
+          <a:bodyPr wrap="square">
+            <a:spAutoFit/>
+          </a:bodyPr>
+          <a:lstStyle/>
+          <a:p>
+            <a:pPr marL="342900" indent="-342900" algn="just">
+              <a:buFont typeface="Arial" panose="020B0604020202020204" pitchFamily="34" charset="0"/>
+              <a:buChar char="•"/>
+            </a:pPr>
+            <a:r>
+              <a:rPr lang="en-US" sz="2000" dirty="0" smtClean="0">
+                <a:latin typeface="Times New Roman" panose="02020603050405020304" pitchFamily="18" charset="0"/>
+                <a:cs typeface="Times New Roman" panose="02020603050405020304" pitchFamily="18" charset="0"/>
+              </a:rPr>
+              <a:t>High speed device</a:t>
+            </a:r>
+          </a:p>
+          <a:p>
+            <a:pPr marL="342900" indent="-342900" algn="l">
+              <a:buFont typeface="Arial" panose="020B0604020202020204" pitchFamily="34" charset="0"/>
+              <a:buChar char="•"/>
+            </a:pPr>
+            <a:r>
+              <a:rPr lang="en-US" sz="2000" dirty="0" smtClean="0">
+                <a:latin typeface="Times New Roman" panose="02020603050405020304" pitchFamily="18" charset="0"/>
+                <a:cs typeface="Times New Roman" panose="02020603050405020304" pitchFamily="18" charset="0"/>
+              </a:rPr>
+              <a:t>Low </a:t>
+            </a:r>
+            <a:r>
+              <a:rPr lang="en-US" sz="2000" dirty="0" err="1" smtClean="0">
+                <a:latin typeface="Times New Roman" panose="02020603050405020304" pitchFamily="18" charset="0"/>
+                <a:cs typeface="Times New Roman" panose="02020603050405020304" pitchFamily="18" charset="0"/>
+              </a:rPr>
+              <a:t>R</a:t>
+            </a:r>
+            <a:r>
+              <a:rPr lang="en-US" sz="2000" baseline="-25000" dirty="0" err="1" smtClean="0">
+                <a:latin typeface="Times New Roman" panose="02020603050405020304" pitchFamily="18" charset="0"/>
+                <a:cs typeface="Times New Roman" panose="02020603050405020304" pitchFamily="18" charset="0"/>
+              </a:rPr>
+              <a:t>ds_on</a:t>
+            </a:r>
+            <a:endParaRPr lang="en-US" sz="2000" baseline="-25000" dirty="0" smtClean="0">
+              <a:latin typeface="Times New Roman" panose="02020603050405020304" pitchFamily="18" charset="0"/>
+              <a:cs typeface="Times New Roman" panose="02020603050405020304" pitchFamily="18" charset="0"/>
+            </a:endParaRPr>
+          </a:p>
+          <a:p>
+            <a:pPr marL="342900" indent="-342900" algn="l">
+              <a:buFont typeface="Arial" panose="020B0604020202020204" pitchFamily="34" charset="0"/>
+              <a:buChar char="•"/>
+            </a:pPr>
+            <a:r>
+              <a:rPr lang="en-US" sz="2000" dirty="0" smtClean="0">
+                <a:latin typeface="Times New Roman" panose="02020603050405020304" pitchFamily="18" charset="0"/>
+                <a:cs typeface="Times New Roman" panose="02020603050405020304" pitchFamily="18" charset="0"/>
+              </a:rPr>
+              <a:t>Low E</a:t>
+            </a:r>
+            <a:r>
+              <a:rPr lang="en-US" sz="2000" baseline="-25000" dirty="0" smtClean="0">
+                <a:latin typeface="Times New Roman" panose="02020603050405020304" pitchFamily="18" charset="0"/>
+                <a:cs typeface="Times New Roman" panose="02020603050405020304" pitchFamily="18" charset="0"/>
+              </a:rPr>
+              <a:t>on </a:t>
+            </a:r>
+            <a:r>
+              <a:rPr lang="en-US" sz="2000" dirty="0" smtClean="0">
+                <a:latin typeface="Times New Roman" panose="02020603050405020304" pitchFamily="18" charset="0"/>
+                <a:cs typeface="Times New Roman" panose="02020603050405020304" pitchFamily="18" charset="0"/>
+              </a:rPr>
+              <a:t>&amp; </a:t>
+            </a:r>
+            <a:r>
+              <a:rPr lang="en-US" sz="2000" dirty="0" err="1" smtClean="0">
+                <a:latin typeface="Times New Roman" panose="02020603050405020304" pitchFamily="18" charset="0"/>
+                <a:cs typeface="Times New Roman" panose="02020603050405020304" pitchFamily="18" charset="0"/>
+              </a:rPr>
+              <a:t>E</a:t>
+            </a:r>
+            <a:r>
+              <a:rPr lang="en-US" sz="2000" baseline="-25000" dirty="0" err="1" smtClean="0">
+                <a:latin typeface="Times New Roman" panose="02020603050405020304" pitchFamily="18" charset="0"/>
+                <a:cs typeface="Times New Roman" panose="02020603050405020304" pitchFamily="18" charset="0"/>
+              </a:rPr>
+              <a:t>off</a:t>
+            </a:r>
+            <a:endParaRPr lang="en-US" sz="2000" baseline="-25000" dirty="0" smtClean="0">
+              <a:latin typeface="Times New Roman" panose="02020603050405020304" pitchFamily="18" charset="0"/>
+              <a:cs typeface="Times New Roman" panose="02020603050405020304" pitchFamily="18" charset="0"/>
+            </a:endParaRPr>
+          </a:p>
+          <a:p>
+            <a:pPr marL="342900" indent="-342900" algn="l">
+              <a:buFont typeface="Arial" panose="020B0604020202020204" pitchFamily="34" charset="0"/>
+              <a:buChar char="•"/>
+            </a:pPr>
+            <a:r>
+              <a:rPr lang="en-US" sz="2000" dirty="0" smtClean="0">
+                <a:latin typeface="Times New Roman" panose="02020603050405020304" pitchFamily="18" charset="0"/>
+                <a:cs typeface="Times New Roman" panose="02020603050405020304" pitchFamily="18" charset="0"/>
+              </a:rPr>
+              <a:t>High junction temperature</a:t>
+            </a:r>
+            <a:endParaRPr lang="tr-TR" sz="2000" dirty="0" smtClean="0">
+              <a:latin typeface="Times New Roman" panose="02020603050405020304" pitchFamily="18" charset="0"/>
+              <a:cs typeface="Times New Roman" panose="02020603050405020304" pitchFamily="18" charset="0"/>
+            </a:endParaRPr>
+          </a:p>
+          <a:p>
+            <a:pPr marL="342900" indent="-342900" algn="l">
+              <a:buFont typeface="Arial" panose="020B0604020202020204" pitchFamily="34" charset="0"/>
+              <a:buChar char="•"/>
+            </a:pPr>
+            <a:r>
+              <a:rPr lang="tr-TR" sz="2000" dirty="0" err="1" smtClean="0">
+                <a:latin typeface="Times New Roman" panose="02020603050405020304" pitchFamily="18" charset="0"/>
+                <a:cs typeface="Times New Roman" panose="02020603050405020304" pitchFamily="18" charset="0"/>
+              </a:rPr>
+              <a:t>Low</a:t>
+            </a:r>
+            <a:r>
+              <a:rPr lang="tr-TR" sz="2000" dirty="0" smtClean="0">
+                <a:latin typeface="Times New Roman" panose="02020603050405020304" pitchFamily="18" charset="0"/>
+                <a:cs typeface="Times New Roman" panose="02020603050405020304" pitchFamily="18" charset="0"/>
+              </a:rPr>
+              <a:t> C</a:t>
+            </a:r>
+            <a:r>
+              <a:rPr lang="tr-TR" sz="2000" baseline="-25000" dirty="0" smtClean="0">
+                <a:latin typeface="Times New Roman" panose="02020603050405020304" pitchFamily="18" charset="0"/>
+                <a:cs typeface="Times New Roman" panose="02020603050405020304" pitchFamily="18" charset="0"/>
+              </a:rPr>
+              <a:t>in</a:t>
+            </a:r>
+            <a:r>
+              <a:rPr lang="tr-TR" sz="2000" dirty="0" smtClean="0">
                 <a:latin typeface="Times New Roman" panose="02020603050405020304" pitchFamily="18" charset="0"/>
                 <a:cs typeface="Times New Roman" panose="02020603050405020304" pitchFamily="18" charset="0"/>
               </a:rPr>
               <a:t> </a:t>
             </a:r>
             <a:r>
-              <a:rPr lang="tr-TR" sz="2000" dirty="0" err="1">
-                <a:latin typeface="Times New Roman" panose="02020603050405020304" pitchFamily="18" charset="0"/>
-                <a:cs typeface="Times New Roman" panose="02020603050405020304" pitchFamily="18" charset="0"/>
-              </a:rPr>
-              <a:t>case</a:t>
-            </a:r>
-            <a:r>
-              <a:rPr lang="tr-TR" sz="2000" dirty="0">
+              <a:rPr lang="tr-TR" sz="2000" dirty="0" err="1" smtClean="0">
+                <a:latin typeface="Times New Roman" panose="02020603050405020304" pitchFamily="18" charset="0"/>
+                <a:cs typeface="Times New Roman" panose="02020603050405020304" pitchFamily="18" charset="0"/>
+              </a:rPr>
+              <a:t>and</a:t>
+            </a:r>
+            <a:r>
+              <a:rPr lang="tr-TR" sz="2000" dirty="0" smtClean="0">
                 <a:latin typeface="Times New Roman" panose="02020603050405020304" pitchFamily="18" charset="0"/>
                 <a:cs typeface="Times New Roman" panose="02020603050405020304" pitchFamily="18" charset="0"/>
               </a:rPr>
               <a:t> </a:t>
             </a:r>
             <a:r>
-              <a:rPr lang="tr-TR" sz="2000" dirty="0" err="1">
-                <a:latin typeface="Times New Roman" panose="02020603050405020304" pitchFamily="18" charset="0"/>
-                <a:cs typeface="Times New Roman" panose="02020603050405020304" pitchFamily="18" charset="0"/>
-              </a:rPr>
-              <a:t>one</a:t>
-            </a:r>
-            <a:r>
-              <a:rPr lang="tr-TR" sz="2000" dirty="0">
-                <a:latin typeface="Times New Roman" panose="02020603050405020304" pitchFamily="18" charset="0"/>
-                <a:cs typeface="Times New Roman" panose="02020603050405020304" pitchFamily="18" charset="0"/>
-              </a:rPr>
-              <a:t> </a:t>
-            </a:r>
-            <a:r>
               <a:rPr lang="tr-TR" sz="2000" dirty="0" err="1" smtClean="0">
                 <a:latin typeface="Times New Roman" panose="02020603050405020304" pitchFamily="18" charset="0"/>
                 <a:cs typeface="Times New Roman" panose="02020603050405020304" pitchFamily="18" charset="0"/>
               </a:rPr>
-              <a:t>module</a:t>
-            </a:r>
-            <a:r>
-              <a:rPr lang="tr-TR" sz="2000" dirty="0" smtClean="0">
-                <a:latin typeface="Times New Roman" panose="02020603050405020304" pitchFamily="18" charset="0"/>
-                <a:cs typeface="Times New Roman" panose="02020603050405020304" pitchFamily="18" charset="0"/>
-              </a:rPr>
-              <a:t> </a:t>
-            </a:r>
-            <a:r>
-              <a:rPr lang="tr-TR" sz="2000" dirty="0">
-                <a:latin typeface="Times New Roman" panose="02020603050405020304" pitchFamily="18" charset="0"/>
-                <a:cs typeface="Times New Roman" panose="02020603050405020304" pitchFamily="18" charset="0"/>
-              </a:rPr>
-              <a:t>is in </a:t>
-            </a:r>
-            <a:r>
-              <a:rPr lang="tr-TR" sz="2000" dirty="0" err="1">
-                <a:latin typeface="Times New Roman" panose="02020603050405020304" pitchFamily="18" charset="0"/>
-                <a:cs typeface="Times New Roman" panose="02020603050405020304" pitchFamily="18" charset="0"/>
-              </a:rPr>
-              <a:t>fault</a:t>
-            </a:r>
-            <a:r>
-              <a:rPr lang="tr-TR" sz="2000" dirty="0">
-                <a:latin typeface="Times New Roman" panose="02020603050405020304" pitchFamily="18" charset="0"/>
-                <a:cs typeface="Times New Roman" panose="02020603050405020304" pitchFamily="18" charset="0"/>
-              </a:rPr>
-              <a:t>, </a:t>
-            </a:r>
-            <a:r>
-              <a:rPr lang="tr-TR" sz="2000" b="1" dirty="0" err="1">
-                <a:latin typeface="Times New Roman" panose="02020603050405020304" pitchFamily="18" charset="0"/>
-                <a:cs typeface="Times New Roman" panose="02020603050405020304" pitchFamily="18" charset="0"/>
-              </a:rPr>
-              <a:t>torque</a:t>
-            </a:r>
-            <a:r>
-              <a:rPr lang="tr-TR" sz="2000" b="1" dirty="0">
-                <a:latin typeface="Times New Roman" panose="02020603050405020304" pitchFamily="18" charset="0"/>
-                <a:cs typeface="Times New Roman" panose="02020603050405020304" pitchFamily="18" charset="0"/>
-              </a:rPr>
-              <a:t> </a:t>
-            </a:r>
-            <a:r>
-              <a:rPr lang="tr-TR" sz="2000" b="1" dirty="0" err="1">
-                <a:latin typeface="Times New Roman" panose="02020603050405020304" pitchFamily="18" charset="0"/>
-                <a:cs typeface="Times New Roman" panose="02020603050405020304" pitchFamily="18" charset="0"/>
-              </a:rPr>
-              <a:t>balance</a:t>
-            </a:r>
-            <a:r>
-              <a:rPr lang="tr-TR" sz="2000" b="1" dirty="0">
-                <a:latin typeface="Times New Roman" panose="02020603050405020304" pitchFamily="18" charset="0"/>
-                <a:cs typeface="Times New Roman" panose="02020603050405020304" pitchFamily="18" charset="0"/>
-              </a:rPr>
-              <a:t> </a:t>
-            </a:r>
-            <a:r>
-              <a:rPr lang="tr-TR" sz="2000" dirty="0" err="1">
-                <a:latin typeface="Times New Roman" panose="02020603050405020304" pitchFamily="18" charset="0"/>
-                <a:cs typeface="Times New Roman" panose="02020603050405020304" pitchFamily="18" charset="0"/>
-              </a:rPr>
-              <a:t>should</a:t>
-            </a:r>
-            <a:r>
-              <a:rPr lang="tr-TR" sz="2000" dirty="0">
-                <a:latin typeface="Times New Roman" panose="02020603050405020304" pitchFamily="18" charset="0"/>
-                <a:cs typeface="Times New Roman" panose="02020603050405020304" pitchFamily="18" charset="0"/>
-              </a:rPr>
-              <a:t> be </a:t>
-            </a:r>
-            <a:r>
-              <a:rPr lang="tr-TR" sz="2000" dirty="0" err="1">
-                <a:latin typeface="Times New Roman" panose="02020603050405020304" pitchFamily="18" charset="0"/>
-                <a:cs typeface="Times New Roman" panose="02020603050405020304" pitchFamily="18" charset="0"/>
-              </a:rPr>
-              <a:t>ensured</a:t>
-            </a:r>
-            <a:r>
-              <a:rPr lang="tr-TR" sz="2000" dirty="0">
-                <a:latin typeface="Times New Roman" panose="02020603050405020304" pitchFamily="18" charset="0"/>
-                <a:cs typeface="Times New Roman" panose="02020603050405020304" pitchFamily="18" charset="0"/>
-              </a:rPr>
-              <a:t>.</a:t>
-            </a:r>
+              <a:t>C</a:t>
+            </a:r>
+            <a:r>
+              <a:rPr lang="tr-TR" sz="2000" baseline="-25000" dirty="0" err="1" smtClean="0">
+                <a:latin typeface="Times New Roman" panose="02020603050405020304" pitchFamily="18" charset="0"/>
+                <a:cs typeface="Times New Roman" panose="02020603050405020304" pitchFamily="18" charset="0"/>
+              </a:rPr>
+              <a:t>out</a:t>
+            </a:r>
+            <a:endParaRPr lang="en-US" sz="2000" baseline="-25000" dirty="0">
+              <a:latin typeface="Times New Roman" panose="02020603050405020304" pitchFamily="18" charset="0"/>
+              <a:cs typeface="Times New Roman" panose="02020603050405020304" pitchFamily="18" charset="0"/>
+            </a:endParaRPr>
           </a:p>
         </p:txBody>
       </p:sp>
@@ -4382,32 +4557,8 @@
         </p:blipFill>
         <p:spPr>
           <a:xfrm>
-            <a:off x="2299242" y="3276600"/>
-            <a:ext cx="5265500" cy="1630494"/>
-          </a:xfrm>
-          <a:prstGeom prst="rect">
-            <a:avLst/>
-          </a:prstGeom>
-        </p:spPr>
-      </p:pic>
-      <p:pic>
-        <p:nvPicPr>
-          <p:cNvPr id="5" name="Picture 4"/>
-          <p:cNvPicPr>
-            <a:picLocks noChangeAspect="1"/>
-          </p:cNvPicPr>
-          <p:nvPr/>
-        </p:nvPicPr>
-        <p:blipFill>
-          <a:blip r:embed="rId4"/>
-          <a:stretch>
-            <a:fillRect/>
-          </a:stretch>
-        </p:blipFill>
-        <p:spPr>
-          <a:xfrm>
-            <a:off x="2299242" y="5105400"/>
-            <a:ext cx="5265500" cy="1495425"/>
+            <a:off x="1524000" y="2819400"/>
+            <a:ext cx="3642051" cy="2598995"/>
           </a:xfrm>
           <a:prstGeom prst="rect">
             <a:avLst/>
@@ -4417,7 +4568,7 @@
     </p:spTree>
     <p:extLst>
       <p:ext uri="{BB962C8B-B14F-4D97-AF65-F5344CB8AC3E}">
-        <p14:creationId xmlns:p14="http://schemas.microsoft.com/office/powerpoint/2010/main" val="822431857"/>
+        <p14:creationId xmlns:p14="http://schemas.microsoft.com/office/powerpoint/2010/main" val="3899661638"/>
       </p:ext>
     </p:extLst>
   </p:cSld>
@@ -4574,13 +4725,55 @@
           <a:p>
             <a:pPr algn="ctr"/>
             <a:r>
-              <a:rPr lang="en-US" sz="3000" dirty="0" smtClean="0">
-                <a:latin typeface="Times New Roman" panose="02020603050405020304" pitchFamily="18" charset="0"/>
-                <a:cs typeface="Times New Roman" panose="02020603050405020304" pitchFamily="18" charset="0"/>
-              </a:rPr>
-              <a:t>Gallium Nitride (GaN) Power Semiconductors</a:t>
-            </a:r>
-            <a:endParaRPr lang="en-US" sz="3000" dirty="0">
+              <a:rPr lang="tr-TR" sz="3000" dirty="0" err="1" smtClean="0">
+                <a:latin typeface="Times New Roman" panose="02020603050405020304" pitchFamily="18" charset="0"/>
+                <a:cs typeface="Times New Roman" panose="02020603050405020304" pitchFamily="18" charset="0"/>
+              </a:rPr>
+              <a:t>Gallium</a:t>
+            </a:r>
+            <a:r>
+              <a:rPr lang="tr-TR" sz="3000" dirty="0" smtClean="0">
+                <a:latin typeface="Times New Roman" panose="02020603050405020304" pitchFamily="18" charset="0"/>
+                <a:cs typeface="Times New Roman" panose="02020603050405020304" pitchFamily="18" charset="0"/>
+              </a:rPr>
+              <a:t> </a:t>
+            </a:r>
+            <a:r>
+              <a:rPr lang="tr-TR" sz="3000" dirty="0" err="1" smtClean="0">
+                <a:latin typeface="Times New Roman" panose="02020603050405020304" pitchFamily="18" charset="0"/>
+                <a:cs typeface="Times New Roman" panose="02020603050405020304" pitchFamily="18" charset="0"/>
+              </a:rPr>
+              <a:t>Nitride</a:t>
+            </a:r>
+            <a:r>
+              <a:rPr lang="tr-TR" sz="3000" dirty="0" smtClean="0">
+                <a:latin typeface="Times New Roman" panose="02020603050405020304" pitchFamily="18" charset="0"/>
+                <a:cs typeface="Times New Roman" panose="02020603050405020304" pitchFamily="18" charset="0"/>
+              </a:rPr>
+              <a:t> (GaN) </a:t>
+            </a:r>
+            <a:r>
+              <a:rPr lang="tr-TR" sz="3000" dirty="0" err="1" smtClean="0">
+                <a:latin typeface="Times New Roman" panose="02020603050405020304" pitchFamily="18" charset="0"/>
+                <a:cs typeface="Times New Roman" panose="02020603050405020304" pitchFamily="18" charset="0"/>
+              </a:rPr>
+              <a:t>Power</a:t>
+            </a:r>
+            <a:r>
+              <a:rPr lang="tr-TR" sz="3000" dirty="0" smtClean="0">
+                <a:latin typeface="Times New Roman" panose="02020603050405020304" pitchFamily="18" charset="0"/>
+                <a:cs typeface="Times New Roman" panose="02020603050405020304" pitchFamily="18" charset="0"/>
+              </a:rPr>
+              <a:t> </a:t>
+            </a:r>
+            <a:r>
+              <a:rPr lang="tr-TR" sz="3000" dirty="0" err="1" smtClean="0">
+                <a:latin typeface="Times New Roman" panose="02020603050405020304" pitchFamily="18" charset="0"/>
+                <a:cs typeface="Times New Roman" panose="02020603050405020304" pitchFamily="18" charset="0"/>
+              </a:rPr>
+              <a:t>Semiconductors</a:t>
+            </a:r>
+            <a:endParaRPr lang="tr-TR" sz="3000" dirty="0">
               <a:latin typeface="Times New Roman" panose="02020603050405020304" pitchFamily="18" charset="0"/>
               <a:cs typeface="Times New Roman" panose="02020603050405020304" pitchFamily="18" charset="0"/>
             </a:endParaRPr>
@@ -4687,6 +4880,36 @@
           </a:extLst>
         </p:spPr>
       </p:pic>
+      <p:pic>
+        <p:nvPicPr>
+          <p:cNvPr id="12" name="Picture 11"/>
+          <p:cNvPicPr>
+            <a:picLocks noChangeAspect="1"/>
+          </p:cNvPicPr>
+          <p:nvPr/>
+        </p:nvPicPr>
+        <p:blipFill>
+          <a:blip r:embed="rId3">
+            <a:extLst>
+              <a:ext uri="{28A0092B-C50C-407E-A947-70E740481C1C}">
+                <a14:useLocalDpi xmlns:a14="http://schemas.microsoft.com/office/drawing/2010/main" val="0"/>
+              </a:ext>
+            </a:extLst>
+          </a:blip>
+          <a:stretch>
+            <a:fillRect/>
+          </a:stretch>
+        </p:blipFill>
+        <p:spPr>
+          <a:xfrm>
+            <a:off x="4648200" y="3502854"/>
+            <a:ext cx="3124200" cy="2759711"/>
+          </a:xfrm>
+          <a:prstGeom prst="rect">
+            <a:avLst/>
+          </a:prstGeom>
+        </p:spPr>
+      </p:pic>
       <p:sp>
         <p:nvSpPr>
           <p:cNvPr id="16" name="Text Box 9"/>
@@ -4698,7 +4921,7 @@
         <p:spPr bwMode="auto">
           <a:xfrm>
             <a:off x="1386291" y="1267818"/>
-            <a:ext cx="7035213" cy="1015663"/>
+            <a:ext cx="5014509" cy="2400657"/>
           </a:xfrm>
           <a:prstGeom prst="rect">
             <a:avLst/>
@@ -4718,141 +4941,83 @@
           </a:bodyPr>
           <a:lstStyle/>
           <a:p>
-            <a:pPr marL="342900" indent="-342900" algn="just">
-              <a:buFont typeface="Wingdings" panose="05000000000000000000" pitchFamily="2" charset="2"/>
-              <a:buChar char="ü"/>
+            <a:pPr marL="457200" indent="-457200">
+              <a:lnSpc>
+                <a:spcPct val="150000"/>
+              </a:lnSpc>
+              <a:buFont typeface="Courier New" panose="02070309020205020404" pitchFamily="49" charset="0"/>
+              <a:buChar char="o"/>
             </a:pPr>
             <a:r>
-              <a:rPr lang="tr-TR" sz="2000" b="1" dirty="0" smtClean="0">
-                <a:latin typeface="Times New Roman" panose="02020603050405020304" pitchFamily="18" charset="0"/>
-                <a:cs typeface="Times New Roman" panose="02020603050405020304" pitchFamily="18" charset="0"/>
-              </a:rPr>
-              <a:t>W</a:t>
-            </a:r>
-            <a:r>
-              <a:rPr lang="en-US" sz="2000" b="1" dirty="0" smtClean="0">
-                <a:latin typeface="Times New Roman" panose="02020603050405020304" pitchFamily="18" charset="0"/>
-                <a:cs typeface="Times New Roman" panose="02020603050405020304" pitchFamily="18" charset="0"/>
-              </a:rPr>
-              <a:t>ide </a:t>
-            </a:r>
-            <a:r>
-              <a:rPr lang="en-US" sz="2000" b="1" dirty="0" smtClean="0">
-                <a:latin typeface="Times New Roman" panose="02020603050405020304" pitchFamily="18" charset="0"/>
-                <a:cs typeface="Times New Roman" panose="02020603050405020304" pitchFamily="18" charset="0"/>
-              </a:rPr>
-              <a:t>band-gap (WBG) </a:t>
-            </a:r>
-            <a:r>
               <a:rPr lang="en-US" sz="2000" dirty="0" smtClean="0">
                 <a:latin typeface="Times New Roman" panose="02020603050405020304" pitchFamily="18" charset="0"/>
                 <a:cs typeface="Times New Roman" panose="02020603050405020304" pitchFamily="18" charset="0"/>
               </a:rPr>
-              <a:t>power semiconductor </a:t>
-            </a:r>
+              <a:t>Parasitic components become significant</a:t>
+            </a:r>
+          </a:p>
+          <a:p>
+            <a:pPr marL="457200" indent="-457200">
+              <a:lnSpc>
+                <a:spcPct val="150000"/>
+              </a:lnSpc>
+              <a:buFont typeface="Courier New" panose="02070309020205020404" pitchFamily="49" charset="0"/>
+              <a:buChar char="o"/>
+            </a:pPr>
             <a:r>
               <a:rPr lang="en-US" sz="2000" dirty="0" smtClean="0">
                 <a:latin typeface="Times New Roman" panose="02020603050405020304" pitchFamily="18" charset="0"/>
                 <a:cs typeface="Times New Roman" panose="02020603050405020304" pitchFamily="18" charset="0"/>
               </a:rPr>
-              <a:t>devices</a:t>
-            </a:r>
-            <a:endParaRPr lang="tr-TR" sz="2000" dirty="0" smtClean="0">
-              <a:latin typeface="Times New Roman" panose="02020603050405020304" pitchFamily="18" charset="0"/>
-              <a:cs typeface="Times New Roman" panose="02020603050405020304" pitchFamily="18" charset="0"/>
-            </a:endParaRPr>
-          </a:p>
-          <a:p>
-            <a:pPr marL="342900" indent="-342900" algn="l">
-              <a:buFont typeface="Wingdings" panose="05000000000000000000" pitchFamily="2" charset="2"/>
-              <a:buChar char="ü"/>
+              <a:t>Careful layout design is required</a:t>
+            </a:r>
+          </a:p>
+          <a:p>
+            <a:pPr marL="457200" indent="-457200">
+              <a:lnSpc>
+                <a:spcPct val="150000"/>
+              </a:lnSpc>
+              <a:buFont typeface="Courier New" panose="02070309020205020404" pitchFamily="49" charset="0"/>
+              <a:buChar char="o"/>
             </a:pPr>
             <a:r>
               <a:rPr lang="en-US" sz="2000" dirty="0" smtClean="0">
                 <a:latin typeface="Times New Roman" panose="02020603050405020304" pitchFamily="18" charset="0"/>
                 <a:cs typeface="Times New Roman" panose="02020603050405020304" pitchFamily="18" charset="0"/>
               </a:rPr>
-              <a:t>Low </a:t>
-            </a:r>
+              <a:t>Commercial availability</a:t>
+            </a:r>
+          </a:p>
+          <a:p>
+            <a:pPr marL="457200" indent="-457200">
+              <a:lnSpc>
+                <a:spcPct val="150000"/>
+              </a:lnSpc>
+              <a:buFont typeface="Courier New" panose="02070309020205020404" pitchFamily="49" charset="0"/>
+              <a:buChar char="o"/>
+            </a:pPr>
             <a:r>
               <a:rPr lang="en-US" sz="2000" dirty="0" smtClean="0">
                 <a:latin typeface="Times New Roman" panose="02020603050405020304" pitchFamily="18" charset="0"/>
                 <a:cs typeface="Times New Roman" panose="02020603050405020304" pitchFamily="18" charset="0"/>
               </a:rPr>
-              <a:t>semiconductor </a:t>
-            </a:r>
+              <a:t>Low ratings</a:t>
+            </a:r>
+          </a:p>
+          <a:p>
+            <a:pPr marL="457200" indent="-457200">
+              <a:lnSpc>
+                <a:spcPct val="150000"/>
+              </a:lnSpc>
+              <a:buFont typeface="Courier New" panose="02070309020205020404" pitchFamily="49" charset="0"/>
+              <a:buChar char="o"/>
+            </a:pPr>
             <a:r>
               <a:rPr lang="en-US" sz="2000" dirty="0" smtClean="0">
                 <a:latin typeface="Times New Roman" panose="02020603050405020304" pitchFamily="18" charset="0"/>
                 <a:cs typeface="Times New Roman" panose="02020603050405020304" pitchFamily="18" charset="0"/>
               </a:rPr>
-              <a:t>loss</a:t>
-            </a:r>
-            <a:r>
-              <a:rPr lang="en-US" sz="2000" dirty="0" smtClean="0">
-                <a:latin typeface="Times New Roman" panose="02020603050405020304" pitchFamily="18" charset="0"/>
-                <a:cs typeface="Times New Roman" panose="02020603050405020304" pitchFamily="18" charset="0"/>
-              </a:rPr>
-              <a:t>: </a:t>
-            </a:r>
-            <a:r>
-              <a:rPr lang="en-US" sz="2000" b="1" dirty="0" smtClean="0">
-                <a:latin typeface="Times New Roman" panose="02020603050405020304" pitchFamily="18" charset="0"/>
-                <a:cs typeface="Times New Roman" panose="02020603050405020304" pitchFamily="18" charset="0"/>
-              </a:rPr>
-              <a:t>heat sink </a:t>
-            </a:r>
-            <a:r>
-              <a:rPr lang="en-US" sz="2000" dirty="0" smtClean="0">
-                <a:latin typeface="Times New Roman" panose="02020603050405020304" pitchFamily="18" charset="0"/>
-                <a:cs typeface="Times New Roman" panose="02020603050405020304" pitchFamily="18" charset="0"/>
-              </a:rPr>
-              <a:t>size is </a:t>
-            </a:r>
-            <a:r>
-              <a:rPr lang="en-US" sz="2000" dirty="0" smtClean="0">
-                <a:latin typeface="Times New Roman" panose="02020603050405020304" pitchFamily="18" charset="0"/>
-                <a:cs typeface="Times New Roman" panose="02020603050405020304" pitchFamily="18" charset="0"/>
-              </a:rPr>
-              <a:t>reduced</a:t>
-            </a:r>
-            <a:endParaRPr lang="tr-TR" sz="2000" dirty="0">
-              <a:latin typeface="Times New Roman" panose="02020603050405020304" pitchFamily="18" charset="0"/>
-              <a:cs typeface="Times New Roman" panose="02020603050405020304" pitchFamily="18" charset="0"/>
-            </a:endParaRPr>
-          </a:p>
-          <a:p>
-            <a:pPr marL="342900" indent="-342900" algn="l">
-              <a:buFont typeface="Wingdings" panose="05000000000000000000" pitchFamily="2" charset="2"/>
-              <a:buChar char="ü"/>
-            </a:pPr>
-            <a:r>
-              <a:rPr lang="en-US" sz="2000" dirty="0" smtClean="0">
-                <a:latin typeface="Times New Roman" panose="02020603050405020304" pitchFamily="18" charset="0"/>
-                <a:cs typeface="Times New Roman" panose="02020603050405020304" pitchFamily="18" charset="0"/>
-              </a:rPr>
-              <a:t>High </a:t>
-            </a:r>
-            <a:r>
-              <a:rPr lang="en-US" sz="2000" dirty="0" smtClean="0">
-                <a:latin typeface="Times New Roman" panose="02020603050405020304" pitchFamily="18" charset="0"/>
-                <a:cs typeface="Times New Roman" panose="02020603050405020304" pitchFamily="18" charset="0"/>
-              </a:rPr>
-              <a:t>operation frequency: </a:t>
-            </a:r>
-            <a:r>
-              <a:rPr lang="en-US" sz="2000" b="1" dirty="0" smtClean="0">
-                <a:latin typeface="Times New Roman" panose="02020603050405020304" pitchFamily="18" charset="0"/>
-                <a:cs typeface="Times New Roman" panose="02020603050405020304" pitchFamily="18" charset="0"/>
-              </a:rPr>
-              <a:t>passive component </a:t>
-            </a:r>
-            <a:r>
-              <a:rPr lang="en-US" sz="2000" dirty="0" smtClean="0">
-                <a:latin typeface="Times New Roman" panose="02020603050405020304" pitchFamily="18" charset="0"/>
-                <a:cs typeface="Times New Roman" panose="02020603050405020304" pitchFamily="18" charset="0"/>
-              </a:rPr>
-              <a:t>size is reduced</a:t>
+              <a:t>Reliability</a:t>
             </a:r>
             <a:endParaRPr lang="en-US" sz="2000" dirty="0">
               <a:latin typeface="Times New Roman" panose="02020603050405020304" pitchFamily="18" charset="0"/>
@@ -4861,238 +5026,10 @@
           </a:p>
         </p:txBody>
       </p:sp>
-      <p:sp>
-        <p:nvSpPr>
-          <p:cNvPr id="19" name="Text Box 9"/>
-          <p:cNvSpPr txBox="1">
-            <a:spLocks noChangeArrowheads="1"/>
-          </p:cNvSpPr>
-          <p:nvPr/>
-        </p:nvSpPr>
-        <p:spPr bwMode="auto">
-          <a:xfrm>
-            <a:off x="5460110" y="3191211"/>
-            <a:ext cx="3350515" cy="1631216"/>
-          </a:xfrm>
-          <a:prstGeom prst="rect">
-            <a:avLst/>
-          </a:prstGeom>
-          <a:noFill/>
-          <a:ln w="9525">
-            <a:noFill/>
-            <a:miter lim="800000"/>
-            <a:headEnd/>
-            <a:tailEnd/>
-          </a:ln>
-          <a:effectLst/>
-        </p:spPr>
-        <p:txBody>
-          <a:bodyPr wrap="square">
-            <a:spAutoFit/>
-          </a:bodyPr>
-          <a:lstStyle/>
-          <a:p>
-            <a:pPr marL="342900" indent="-342900" algn="just">
-              <a:buFont typeface="Arial" panose="020B0604020202020204" pitchFamily="34" charset="0"/>
-              <a:buChar char="•"/>
-            </a:pPr>
-            <a:r>
-              <a:rPr lang="en-US" sz="2000" dirty="0" smtClean="0">
-                <a:latin typeface="Times New Roman" panose="02020603050405020304" pitchFamily="18" charset="0"/>
-                <a:cs typeface="Times New Roman" panose="02020603050405020304" pitchFamily="18" charset="0"/>
-              </a:rPr>
-              <a:t>High speed device</a:t>
-            </a:r>
-          </a:p>
-          <a:p>
-            <a:pPr marL="342900" indent="-342900" algn="l">
-              <a:buFont typeface="Arial" panose="020B0604020202020204" pitchFamily="34" charset="0"/>
-              <a:buChar char="•"/>
-            </a:pPr>
-            <a:r>
-              <a:rPr lang="en-US" sz="2000" dirty="0" smtClean="0">
-                <a:latin typeface="Times New Roman" panose="02020603050405020304" pitchFamily="18" charset="0"/>
-                <a:cs typeface="Times New Roman" panose="02020603050405020304" pitchFamily="18" charset="0"/>
-              </a:rPr>
-              <a:t>Low </a:t>
-            </a:r>
-            <a:r>
-              <a:rPr lang="en-US" sz="2000" dirty="0" err="1" smtClean="0">
-                <a:latin typeface="Times New Roman" panose="02020603050405020304" pitchFamily="18" charset="0"/>
-                <a:cs typeface="Times New Roman" panose="02020603050405020304" pitchFamily="18" charset="0"/>
-              </a:rPr>
-              <a:t>R</a:t>
-            </a:r>
-            <a:r>
-              <a:rPr lang="en-US" sz="2000" baseline="-25000" dirty="0" err="1" smtClean="0">
-                <a:latin typeface="Times New Roman" panose="02020603050405020304" pitchFamily="18" charset="0"/>
-                <a:cs typeface="Times New Roman" panose="02020603050405020304" pitchFamily="18" charset="0"/>
-              </a:rPr>
-              <a:t>ds_on</a:t>
-            </a:r>
-            <a:endParaRPr lang="en-US" sz="2000" baseline="-25000" dirty="0" smtClean="0">
-              <a:latin typeface="Times New Roman" panose="02020603050405020304" pitchFamily="18" charset="0"/>
-              <a:cs typeface="Times New Roman" panose="02020603050405020304" pitchFamily="18" charset="0"/>
-            </a:endParaRPr>
-          </a:p>
-          <a:p>
-            <a:pPr marL="342900" indent="-342900" algn="l">
-              <a:buFont typeface="Arial" panose="020B0604020202020204" pitchFamily="34" charset="0"/>
-              <a:buChar char="•"/>
-            </a:pPr>
-            <a:r>
-              <a:rPr lang="en-US" sz="2000" dirty="0" smtClean="0">
-                <a:latin typeface="Times New Roman" panose="02020603050405020304" pitchFamily="18" charset="0"/>
-                <a:cs typeface="Times New Roman" panose="02020603050405020304" pitchFamily="18" charset="0"/>
-              </a:rPr>
-              <a:t>Low E</a:t>
-            </a:r>
-            <a:r>
-              <a:rPr lang="en-US" sz="2000" baseline="-25000" dirty="0" smtClean="0">
-                <a:latin typeface="Times New Roman" panose="02020603050405020304" pitchFamily="18" charset="0"/>
-                <a:cs typeface="Times New Roman" panose="02020603050405020304" pitchFamily="18" charset="0"/>
-              </a:rPr>
-              <a:t>on </a:t>
-            </a:r>
-            <a:r>
-              <a:rPr lang="en-US" sz="2000" dirty="0" smtClean="0">
-                <a:latin typeface="Times New Roman" panose="02020603050405020304" pitchFamily="18" charset="0"/>
-                <a:cs typeface="Times New Roman" panose="02020603050405020304" pitchFamily="18" charset="0"/>
-              </a:rPr>
-              <a:t>&amp; </a:t>
-            </a:r>
-            <a:r>
-              <a:rPr lang="en-US" sz="2000" dirty="0" err="1" smtClean="0">
-                <a:latin typeface="Times New Roman" panose="02020603050405020304" pitchFamily="18" charset="0"/>
-                <a:cs typeface="Times New Roman" panose="02020603050405020304" pitchFamily="18" charset="0"/>
-              </a:rPr>
-              <a:t>E</a:t>
-            </a:r>
-            <a:r>
-              <a:rPr lang="en-US" sz="2000" baseline="-25000" dirty="0" err="1" smtClean="0">
-                <a:latin typeface="Times New Roman" panose="02020603050405020304" pitchFamily="18" charset="0"/>
-                <a:cs typeface="Times New Roman" panose="02020603050405020304" pitchFamily="18" charset="0"/>
-              </a:rPr>
-              <a:t>off</a:t>
-            </a:r>
-            <a:endParaRPr lang="en-US" sz="2000" baseline="-25000" dirty="0" smtClean="0">
-              <a:latin typeface="Times New Roman" panose="02020603050405020304" pitchFamily="18" charset="0"/>
-              <a:cs typeface="Times New Roman" panose="02020603050405020304" pitchFamily="18" charset="0"/>
-            </a:endParaRPr>
-          </a:p>
-          <a:p>
-            <a:pPr marL="342900" indent="-342900" algn="l">
-              <a:buFont typeface="Arial" panose="020B0604020202020204" pitchFamily="34" charset="0"/>
-              <a:buChar char="•"/>
-            </a:pPr>
-            <a:r>
-              <a:rPr lang="en-US" sz="2000" dirty="0" smtClean="0">
-                <a:latin typeface="Times New Roman" panose="02020603050405020304" pitchFamily="18" charset="0"/>
-                <a:cs typeface="Times New Roman" panose="02020603050405020304" pitchFamily="18" charset="0"/>
-              </a:rPr>
-              <a:t>High junction temperature</a:t>
-            </a:r>
-            <a:endParaRPr lang="tr-TR" sz="2000" dirty="0" smtClean="0">
-              <a:latin typeface="Times New Roman" panose="02020603050405020304" pitchFamily="18" charset="0"/>
-              <a:cs typeface="Times New Roman" panose="02020603050405020304" pitchFamily="18" charset="0"/>
-            </a:endParaRPr>
-          </a:p>
-          <a:p>
-            <a:pPr marL="342900" indent="-342900" algn="l">
-              <a:buFont typeface="Arial" panose="020B0604020202020204" pitchFamily="34" charset="0"/>
-              <a:buChar char="•"/>
-            </a:pPr>
-            <a:r>
-              <a:rPr lang="tr-TR" sz="2000" dirty="0" err="1" smtClean="0">
-                <a:latin typeface="Times New Roman" panose="02020603050405020304" pitchFamily="18" charset="0"/>
-                <a:cs typeface="Times New Roman" panose="02020603050405020304" pitchFamily="18" charset="0"/>
-              </a:rPr>
-              <a:t>Low</a:t>
-            </a:r>
-            <a:r>
-              <a:rPr lang="tr-TR" sz="2000" dirty="0" smtClean="0">
-                <a:latin typeface="Times New Roman" panose="02020603050405020304" pitchFamily="18" charset="0"/>
-                <a:cs typeface="Times New Roman" panose="02020603050405020304" pitchFamily="18" charset="0"/>
-              </a:rPr>
-              <a:t> C</a:t>
-            </a:r>
-            <a:r>
-              <a:rPr lang="tr-TR" sz="2000" baseline="-25000" dirty="0" smtClean="0">
-                <a:latin typeface="Times New Roman" panose="02020603050405020304" pitchFamily="18" charset="0"/>
-                <a:cs typeface="Times New Roman" panose="02020603050405020304" pitchFamily="18" charset="0"/>
-              </a:rPr>
-              <a:t>in</a:t>
-            </a:r>
-            <a:r>
-              <a:rPr lang="tr-TR" sz="2000" dirty="0" smtClean="0">
-                <a:latin typeface="Times New Roman" panose="02020603050405020304" pitchFamily="18" charset="0"/>
-                <a:cs typeface="Times New Roman" panose="02020603050405020304" pitchFamily="18" charset="0"/>
-              </a:rPr>
-              <a:t> </a:t>
-            </a:r>
-            <a:r>
-              <a:rPr lang="tr-TR" sz="2000" dirty="0" err="1" smtClean="0">
-                <a:latin typeface="Times New Roman" panose="02020603050405020304" pitchFamily="18" charset="0"/>
-                <a:cs typeface="Times New Roman" panose="02020603050405020304" pitchFamily="18" charset="0"/>
-              </a:rPr>
-              <a:t>and</a:t>
-            </a:r>
-            <a:r>
-              <a:rPr lang="tr-TR" sz="2000" dirty="0" smtClean="0">
-                <a:latin typeface="Times New Roman" panose="02020603050405020304" pitchFamily="18" charset="0"/>
-                <a:cs typeface="Times New Roman" panose="02020603050405020304" pitchFamily="18" charset="0"/>
-              </a:rPr>
-              <a:t> </a:t>
-            </a:r>
-            <a:r>
-              <a:rPr lang="tr-TR" sz="2000" dirty="0" err="1" smtClean="0">
-                <a:latin typeface="Times New Roman" panose="02020603050405020304" pitchFamily="18" charset="0"/>
-                <a:cs typeface="Times New Roman" panose="02020603050405020304" pitchFamily="18" charset="0"/>
-              </a:rPr>
-              <a:t>C</a:t>
-            </a:r>
-            <a:r>
-              <a:rPr lang="tr-TR" sz="2000" baseline="-25000" dirty="0" err="1" smtClean="0">
-                <a:latin typeface="Times New Roman" panose="02020603050405020304" pitchFamily="18" charset="0"/>
-                <a:cs typeface="Times New Roman" panose="02020603050405020304" pitchFamily="18" charset="0"/>
-              </a:rPr>
-              <a:t>out</a:t>
-            </a:r>
-            <a:endParaRPr lang="en-US" sz="2000" baseline="-25000" dirty="0">
-              <a:latin typeface="Times New Roman" panose="02020603050405020304" pitchFamily="18" charset="0"/>
-              <a:cs typeface="Times New Roman" panose="02020603050405020304" pitchFamily="18" charset="0"/>
-            </a:endParaRPr>
-          </a:p>
-        </p:txBody>
-      </p:sp>
-      <p:pic>
-        <p:nvPicPr>
-          <p:cNvPr id="4" name="Picture 3"/>
-          <p:cNvPicPr>
-            <a:picLocks noChangeAspect="1"/>
-          </p:cNvPicPr>
-          <p:nvPr/>
-        </p:nvPicPr>
-        <p:blipFill>
-          <a:blip r:embed="rId3"/>
-          <a:stretch>
-            <a:fillRect/>
-          </a:stretch>
-        </p:blipFill>
-        <p:spPr>
-          <a:xfrm>
-            <a:off x="1524000" y="2819400"/>
-            <a:ext cx="3642051" cy="2598995"/>
-          </a:xfrm>
-          <a:prstGeom prst="rect">
-            <a:avLst/>
-          </a:prstGeom>
-        </p:spPr>
-      </p:pic>
     </p:spTree>
     <p:extLst>
       <p:ext uri="{BB962C8B-B14F-4D97-AF65-F5344CB8AC3E}">
-        <p14:creationId xmlns:p14="http://schemas.microsoft.com/office/powerpoint/2010/main" val="3899661638"/>
+        <p14:creationId xmlns:p14="http://schemas.microsoft.com/office/powerpoint/2010/main" val="685465704"/>
       </p:ext>
     </p:extLst>
   </p:cSld>
@@ -5249,11 +5186,18 @@
           <a:p>
             <a:pPr algn="ctr"/>
             <a:r>
+              <a:rPr lang="tr-TR" sz="3000" dirty="0" smtClean="0">
+                <a:latin typeface="Times New Roman" panose="02020603050405020304" pitchFamily="18" charset="0"/>
+                <a:cs typeface="Times New Roman" panose="02020603050405020304" pitchFamily="18" charset="0"/>
+              </a:rPr>
+              <a:t>DC Link </a:t>
+            </a:r>
+            <a:r>
               <a:rPr lang="tr-TR" sz="3000" dirty="0" err="1" smtClean="0">
                 <a:latin typeface="Times New Roman" panose="02020603050405020304" pitchFamily="18" charset="0"/>
                 <a:cs typeface="Times New Roman" panose="02020603050405020304" pitchFamily="18" charset="0"/>
               </a:rPr>
-              <a:t>Gallium</a:t>
+              <a:t>Capacitor</a:t>
             </a:r>
             <a:r>
               <a:rPr lang="tr-TR" sz="3000" dirty="0" smtClean="0">
@@ -5267,35 +5211,7 @@
                 <a:latin typeface="Times New Roman" panose="02020603050405020304" pitchFamily="18" charset="0"/>
                 <a:cs typeface="Times New Roman" panose="02020603050405020304" pitchFamily="18" charset="0"/>
               </a:rPr>
-              <a:t>Nitride</a:t>
-            </a:r>
-            <a:r>
-              <a:rPr lang="tr-TR" sz="3000" dirty="0" smtClean="0">
-                <a:latin typeface="Times New Roman" panose="02020603050405020304" pitchFamily="18" charset="0"/>
-                <a:cs typeface="Times New Roman" panose="02020603050405020304" pitchFamily="18" charset="0"/>
-              </a:rPr>
-              <a:t> (GaN) </a:t>
-            </a:r>
-            <a:r>
-              <a:rPr lang="tr-TR" sz="3000" dirty="0" err="1" smtClean="0">
-                <a:latin typeface="Times New Roman" panose="02020603050405020304" pitchFamily="18" charset="0"/>
-                <a:cs typeface="Times New Roman" panose="02020603050405020304" pitchFamily="18" charset="0"/>
-              </a:rPr>
-              <a:t>Power</a:t>
-            </a:r>
-            <a:r>
-              <a:rPr lang="tr-TR" sz="3000" dirty="0" smtClean="0">
-                <a:latin typeface="Times New Roman" panose="02020603050405020304" pitchFamily="18" charset="0"/>
-                <a:cs typeface="Times New Roman" panose="02020603050405020304" pitchFamily="18" charset="0"/>
-              </a:rPr>
-              <a:t> </a:t>
-            </a:r>
-            <a:r>
-              <a:rPr lang="tr-TR" sz="3000" dirty="0" err="1" smtClean="0">
-                <a:latin typeface="Times New Roman" panose="02020603050405020304" pitchFamily="18" charset="0"/>
-                <a:cs typeface="Times New Roman" panose="02020603050405020304" pitchFamily="18" charset="0"/>
-              </a:rPr>
-              <a:t>Semiconductors</a:t>
+              <a:t>Optimization</a:t>
             </a:r>
             <a:endParaRPr lang="tr-TR" sz="3000" dirty="0">
               <a:latin typeface="Times New Roman" panose="02020603050405020304" pitchFamily="18" charset="0"/>
@@ -5404,16 +5320,422 @@
           </a:extLst>
         </p:spPr>
       </p:pic>
+      <p:sp>
+        <p:nvSpPr>
+          <p:cNvPr id="16" name="Text Box 9"/>
+          <p:cNvSpPr txBox="1">
+            <a:spLocks noChangeArrowheads="1"/>
+          </p:cNvSpPr>
+          <p:nvPr/>
+        </p:nvSpPr>
+        <p:spPr bwMode="auto">
+          <a:xfrm>
+            <a:off x="1189919" y="1426345"/>
+            <a:ext cx="3305882" cy="1015663"/>
+          </a:xfrm>
+          <a:prstGeom prst="rect">
+            <a:avLst/>
+          </a:prstGeom>
+          <a:noFill/>
+          <a:ln w="9525">
+            <a:noFill/>
+            <a:miter lim="800000"/>
+            <a:headEnd/>
+            <a:tailEnd/>
+          </a:ln>
+          <a:effectLst/>
+        </p:spPr>
+        <p:txBody>
+          <a:bodyPr wrap="square">
+            <a:spAutoFit/>
+          </a:bodyPr>
+          <a:lstStyle/>
+          <a:p>
+            <a:r>
+              <a:rPr lang="en-US" sz="2000" dirty="0">
+                <a:latin typeface="Times New Roman" panose="02020603050405020304" pitchFamily="18" charset="0"/>
+                <a:cs typeface="Times New Roman" panose="02020603050405020304" pitchFamily="18" charset="0"/>
+              </a:rPr>
+              <a:t>DC link capacitors </a:t>
+            </a:r>
+            <a:r>
+              <a:rPr lang="en-US" sz="2000" dirty="0" smtClean="0">
+                <a:latin typeface="Times New Roman" panose="02020603050405020304" pitchFamily="18" charset="0"/>
+                <a:cs typeface="Times New Roman" panose="02020603050405020304" pitchFamily="18" charset="0"/>
+              </a:rPr>
+              <a:t>constitute</a:t>
+            </a:r>
+            <a:endParaRPr lang="tr-TR" sz="2000" dirty="0">
+              <a:latin typeface="Times New Roman" panose="02020603050405020304" pitchFamily="18" charset="0"/>
+              <a:cs typeface="Times New Roman" panose="02020603050405020304" pitchFamily="18" charset="0"/>
+            </a:endParaRPr>
+          </a:p>
+          <a:p>
+            <a:pPr marL="457200" indent="-457200">
+              <a:buFont typeface="Arial" panose="020B0604020202020204" pitchFamily="34" charset="0"/>
+              <a:buChar char="•"/>
+            </a:pPr>
+            <a:r>
+              <a:rPr lang="en-US" sz="2000" dirty="0">
+                <a:latin typeface="Times New Roman" panose="02020603050405020304" pitchFamily="18" charset="0"/>
+                <a:cs typeface="Times New Roman" panose="02020603050405020304" pitchFamily="18" charset="0"/>
+              </a:rPr>
+              <a:t>20% of </a:t>
+            </a:r>
+            <a:r>
+              <a:rPr lang="en-US" sz="2000" b="1" dirty="0">
+                <a:latin typeface="Times New Roman" panose="02020603050405020304" pitchFamily="18" charset="0"/>
+                <a:cs typeface="Times New Roman" panose="02020603050405020304" pitchFamily="18" charset="0"/>
+              </a:rPr>
+              <a:t>cost</a:t>
+            </a:r>
+            <a:r>
+              <a:rPr lang="en-US" sz="2000" dirty="0">
+                <a:latin typeface="Times New Roman" panose="02020603050405020304" pitchFamily="18" charset="0"/>
+                <a:cs typeface="Times New Roman" panose="02020603050405020304" pitchFamily="18" charset="0"/>
+              </a:rPr>
+              <a:t> and </a:t>
+            </a:r>
+            <a:r>
+              <a:rPr lang="en-US" sz="2000" b="1" dirty="0" smtClean="0">
+                <a:latin typeface="Times New Roman" panose="02020603050405020304" pitchFamily="18" charset="0"/>
+                <a:cs typeface="Times New Roman" panose="02020603050405020304" pitchFamily="18" charset="0"/>
+              </a:rPr>
+              <a:t>weight</a:t>
+            </a:r>
+            <a:endParaRPr lang="tr-TR" sz="2000" dirty="0">
+              <a:latin typeface="Times New Roman" panose="02020603050405020304" pitchFamily="18" charset="0"/>
+              <a:cs typeface="Times New Roman" panose="02020603050405020304" pitchFamily="18" charset="0"/>
+            </a:endParaRPr>
+          </a:p>
+          <a:p>
+            <a:pPr marL="457200" indent="-457200">
+              <a:buFont typeface="Arial" panose="020B0604020202020204" pitchFamily="34" charset="0"/>
+              <a:buChar char="•"/>
+            </a:pPr>
+            <a:r>
+              <a:rPr lang="en-US" sz="2000" dirty="0">
+                <a:latin typeface="Times New Roman" panose="02020603050405020304" pitchFamily="18" charset="0"/>
+                <a:cs typeface="Times New Roman" panose="02020603050405020304" pitchFamily="18" charset="0"/>
+              </a:rPr>
+              <a:t>30% of </a:t>
+            </a:r>
+            <a:r>
+              <a:rPr lang="en-US" sz="2000" b="1" dirty="0" smtClean="0">
+                <a:latin typeface="Times New Roman" panose="02020603050405020304" pitchFamily="18" charset="0"/>
+                <a:cs typeface="Times New Roman" panose="02020603050405020304" pitchFamily="18" charset="0"/>
+              </a:rPr>
+              <a:t>volume</a:t>
+            </a:r>
+            <a:endParaRPr lang="en-US" sz="2000" b="1" dirty="0">
+              <a:latin typeface="Times New Roman" panose="02020603050405020304" pitchFamily="18" charset="0"/>
+              <a:cs typeface="Times New Roman" panose="02020603050405020304" pitchFamily="18" charset="0"/>
+            </a:endParaRPr>
+          </a:p>
+        </p:txBody>
+      </p:sp>
       <p:pic>
         <p:nvPicPr>
-          <p:cNvPr id="12" name="Picture 11"/>
+          <p:cNvPr id="17" name="Picture 16"/>
           <p:cNvPicPr>
             <a:picLocks noChangeAspect="1"/>
           </p:cNvPicPr>
           <p:nvPr/>
         </p:nvPicPr>
         <p:blipFill>
-          <a:blip r:embed="rId3">
+          <a:blip r:embed="rId3"/>
+          <a:stretch>
+            <a:fillRect/>
+          </a:stretch>
+        </p:blipFill>
+        <p:spPr>
+          <a:xfrm>
+            <a:off x="4495801" y="1102016"/>
+            <a:ext cx="4419600" cy="1771335"/>
+          </a:xfrm>
+          <a:prstGeom prst="rect">
+            <a:avLst/>
+          </a:prstGeom>
+        </p:spPr>
+      </p:pic>
+      <p:sp>
+        <p:nvSpPr>
+          <p:cNvPr id="19" name="Text Box 9"/>
+          <p:cNvSpPr txBox="1">
+            <a:spLocks noChangeArrowheads="1"/>
+          </p:cNvSpPr>
+          <p:nvPr/>
+        </p:nvSpPr>
+        <p:spPr bwMode="auto">
+          <a:xfrm>
+            <a:off x="1288105" y="3125605"/>
+            <a:ext cx="3109509" cy="400110"/>
+          </a:xfrm>
+          <a:prstGeom prst="rect">
+            <a:avLst/>
+          </a:prstGeom>
+          <a:noFill/>
+          <a:ln w="9525">
+            <a:noFill/>
+            <a:miter lim="800000"/>
+            <a:headEnd/>
+            <a:tailEnd/>
+          </a:ln>
+          <a:effectLst/>
+        </p:spPr>
+        <p:txBody>
+          <a:bodyPr wrap="square">
+            <a:spAutoFit/>
+          </a:bodyPr>
+          <a:lstStyle/>
+          <a:p>
+            <a:pPr algn="ctr"/>
+            <a:r>
+              <a:rPr lang="en-US" sz="2000" b="1" dirty="0" smtClean="0">
+                <a:latin typeface="Times New Roman" panose="02020603050405020304" pitchFamily="18" charset="0"/>
+                <a:cs typeface="Times New Roman" panose="02020603050405020304" pitchFamily="18" charset="0"/>
+              </a:rPr>
+              <a:t>DC Link capacitor types</a:t>
+            </a:r>
+          </a:p>
+        </p:txBody>
+      </p:sp>
+      <p:sp>
+        <p:nvSpPr>
+          <p:cNvPr id="20" name="Text Box 9"/>
+          <p:cNvSpPr txBox="1">
+            <a:spLocks noChangeArrowheads="1"/>
+          </p:cNvSpPr>
+          <p:nvPr/>
+        </p:nvSpPr>
+        <p:spPr bwMode="auto">
+          <a:xfrm>
+            <a:off x="1089777" y="3562290"/>
+            <a:ext cx="1577223" cy="784830"/>
+          </a:xfrm>
+          <a:prstGeom prst="rect">
+            <a:avLst/>
+          </a:prstGeom>
+          <a:noFill/>
+          <a:ln w="9525">
+            <a:noFill/>
+            <a:miter lim="800000"/>
+            <a:headEnd/>
+            <a:tailEnd/>
+          </a:ln>
+          <a:effectLst/>
+        </p:spPr>
+        <p:txBody>
+          <a:bodyPr wrap="square">
+            <a:spAutoFit/>
+          </a:bodyPr>
+          <a:lstStyle/>
+          <a:p>
+            <a:pPr>
+              <a:spcAft>
+                <a:spcPts val="600"/>
+              </a:spcAft>
+            </a:pPr>
+            <a:r>
+              <a:rPr lang="tr-TR" sz="2000" dirty="0" smtClean="0">
+                <a:latin typeface="Times New Roman" panose="02020603050405020304" pitchFamily="18" charset="0"/>
+                <a:cs typeface="Times New Roman" panose="02020603050405020304" pitchFamily="18" charset="0"/>
+              </a:rPr>
+              <a:t>E</a:t>
+            </a:r>
+            <a:r>
+              <a:rPr lang="en-US" sz="2000" dirty="0" err="1" smtClean="0">
+                <a:latin typeface="Times New Roman" panose="02020603050405020304" pitchFamily="18" charset="0"/>
+                <a:cs typeface="Times New Roman" panose="02020603050405020304" pitchFamily="18" charset="0"/>
+              </a:rPr>
+              <a:t>lectrolytic</a:t>
+            </a:r>
+            <a:endParaRPr lang="en-US" sz="2000" dirty="0" smtClean="0">
+              <a:latin typeface="Times New Roman" panose="02020603050405020304" pitchFamily="18" charset="0"/>
+              <a:cs typeface="Times New Roman" panose="02020603050405020304" pitchFamily="18" charset="0"/>
+            </a:endParaRPr>
+          </a:p>
+          <a:p>
+            <a:pPr>
+              <a:spcAft>
+                <a:spcPts val="600"/>
+              </a:spcAft>
+            </a:pPr>
+            <a:endParaRPr lang="tr-TR" sz="2000" dirty="0" smtClean="0">
+              <a:latin typeface="Times New Roman" panose="02020603050405020304" pitchFamily="18" charset="0"/>
+              <a:cs typeface="Times New Roman" panose="02020603050405020304" pitchFamily="18" charset="0"/>
+            </a:endParaRPr>
+          </a:p>
+        </p:txBody>
+      </p:sp>
+      <p:sp>
+        <p:nvSpPr>
+          <p:cNvPr id="21" name="Text Box 9"/>
+          <p:cNvSpPr txBox="1">
+            <a:spLocks noChangeArrowheads="1"/>
+          </p:cNvSpPr>
+          <p:nvPr/>
+        </p:nvSpPr>
+        <p:spPr bwMode="auto">
+          <a:xfrm>
+            <a:off x="5244299" y="3562290"/>
+            <a:ext cx="3109509" cy="400110"/>
+          </a:xfrm>
+          <a:prstGeom prst="rect">
+            <a:avLst/>
+          </a:prstGeom>
+          <a:noFill/>
+          <a:ln w="9525">
+            <a:noFill/>
+            <a:miter lim="800000"/>
+            <a:headEnd/>
+            <a:tailEnd/>
+          </a:ln>
+          <a:effectLst/>
+        </p:spPr>
+        <p:txBody>
+          <a:bodyPr wrap="square">
+            <a:spAutoFit/>
+          </a:bodyPr>
+          <a:lstStyle/>
+          <a:p>
+            <a:pPr algn="ctr"/>
+            <a:r>
+              <a:rPr lang="en-US" sz="2000" b="1" dirty="0" smtClean="0">
+                <a:latin typeface="Times New Roman" panose="02020603050405020304" pitchFamily="18" charset="0"/>
+                <a:cs typeface="Times New Roman" panose="02020603050405020304" pitchFamily="18" charset="0"/>
+              </a:rPr>
+              <a:t>Critical parameters</a:t>
+            </a:r>
+          </a:p>
+        </p:txBody>
+      </p:sp>
+      <p:sp>
+        <p:nvSpPr>
+          <p:cNvPr id="22" name="Text Box 9"/>
+          <p:cNvSpPr txBox="1">
+            <a:spLocks noChangeArrowheads="1"/>
+          </p:cNvSpPr>
+          <p:nvPr/>
+        </p:nvSpPr>
+        <p:spPr bwMode="auto">
+          <a:xfrm>
+            <a:off x="5103446" y="3962400"/>
+            <a:ext cx="3913528" cy="2323713"/>
+          </a:xfrm>
+          <a:prstGeom prst="rect">
+            <a:avLst/>
+          </a:prstGeom>
+          <a:noFill/>
+          <a:ln w="9525">
+            <a:noFill/>
+            <a:miter lim="800000"/>
+            <a:headEnd/>
+            <a:tailEnd/>
+          </a:ln>
+          <a:effectLst/>
+        </p:spPr>
+        <p:txBody>
+          <a:bodyPr wrap="square">
+            <a:spAutoFit/>
+          </a:bodyPr>
+          <a:lstStyle/>
+          <a:p>
+            <a:pPr>
+              <a:spcAft>
+                <a:spcPts val="600"/>
+              </a:spcAft>
+            </a:pPr>
+            <a:r>
+              <a:rPr lang="en-US" sz="2000" dirty="0" smtClean="0">
+                <a:latin typeface="Times New Roman" panose="02020603050405020304" pitchFamily="18" charset="0"/>
+                <a:cs typeface="Times New Roman" panose="02020603050405020304" pitchFamily="18" charset="0"/>
+              </a:rPr>
+              <a:t>Capacitance per volume</a:t>
+            </a:r>
+          </a:p>
+          <a:p>
+            <a:pPr>
+              <a:spcAft>
+                <a:spcPts val="600"/>
+              </a:spcAft>
+            </a:pPr>
+            <a:r>
+              <a:rPr lang="en-US" sz="2000" dirty="0" smtClean="0">
+                <a:latin typeface="Times New Roman" panose="02020603050405020304" pitchFamily="18" charset="0"/>
+                <a:cs typeface="Times New Roman" panose="02020603050405020304" pitchFamily="18" charset="0"/>
+              </a:rPr>
+              <a:t>RMS current per volume</a:t>
+            </a:r>
+          </a:p>
+          <a:p>
+            <a:pPr>
+              <a:spcAft>
+                <a:spcPts val="600"/>
+              </a:spcAft>
+            </a:pPr>
+            <a:r>
+              <a:rPr lang="en-US" sz="2000" dirty="0" smtClean="0">
+                <a:latin typeface="Times New Roman" panose="02020603050405020304" pitchFamily="18" charset="0"/>
+                <a:cs typeface="Times New Roman" panose="02020603050405020304" pitchFamily="18" charset="0"/>
+              </a:rPr>
+              <a:t>Cost</a:t>
+            </a:r>
+          </a:p>
+          <a:p>
+            <a:pPr>
+              <a:spcAft>
+                <a:spcPts val="600"/>
+              </a:spcAft>
+            </a:pPr>
+            <a:r>
+              <a:rPr lang="en-US" sz="2000" dirty="0" smtClean="0">
+                <a:latin typeface="Times New Roman" panose="02020603050405020304" pitchFamily="18" charset="0"/>
+                <a:cs typeface="Times New Roman" panose="02020603050405020304" pitchFamily="18" charset="0"/>
+              </a:rPr>
+              <a:t>ESL &amp; ESR</a:t>
+            </a:r>
+          </a:p>
+          <a:p>
+            <a:pPr>
+              <a:spcAft>
+                <a:spcPts val="600"/>
+              </a:spcAft>
+            </a:pPr>
+            <a:r>
+              <a:rPr lang="en-US" sz="2000" dirty="0" smtClean="0">
+                <a:latin typeface="Times New Roman" panose="02020603050405020304" pitchFamily="18" charset="0"/>
+                <a:cs typeface="Times New Roman" panose="02020603050405020304" pitchFamily="18" charset="0"/>
+              </a:rPr>
+              <a:t>Reliability &amp; lifetime</a:t>
+            </a:r>
+          </a:p>
+          <a:p>
+            <a:pPr>
+              <a:spcAft>
+                <a:spcPts val="600"/>
+              </a:spcAft>
+            </a:pPr>
+            <a:r>
+              <a:rPr lang="en-US" sz="2000" dirty="0" smtClean="0">
+                <a:latin typeface="Times New Roman" panose="02020603050405020304" pitchFamily="18" charset="0"/>
+                <a:cs typeface="Times New Roman" panose="02020603050405020304" pitchFamily="18" charset="0"/>
+              </a:rPr>
+              <a:t>Mechanical durability</a:t>
+            </a:r>
+          </a:p>
+        </p:txBody>
+      </p:sp>
+      <p:pic>
+        <p:nvPicPr>
+          <p:cNvPr id="5" name="Picture 4"/>
+          <p:cNvPicPr>
+            <a:picLocks noChangeAspect="1"/>
+          </p:cNvPicPr>
+          <p:nvPr/>
+        </p:nvPicPr>
+        <p:blipFill>
+          <a:blip r:embed="rId4">
             <a:extLst>
               <a:ext uri="{28A0092B-C50C-407E-A947-70E740481C1C}">
                 <a14:useLocalDpi xmlns:a14="http://schemas.microsoft.com/office/drawing/2010/main" val="0"/>
@@ -5426,17 +5748,47 @@
         </p:blipFill>
         <p:spPr>
           <a:xfrm>
-            <a:off x="4648200" y="3502854"/>
-            <a:ext cx="3124200" cy="2759711"/>
+            <a:off x="1221531" y="3992675"/>
+            <a:ext cx="1088194" cy="1133535"/>
           </a:xfrm>
           <a:prstGeom prst="rect">
             <a:avLst/>
           </a:prstGeom>
         </p:spPr>
       </p:pic>
-      <p:sp>
-        <p:nvSpPr>
-          <p:cNvPr id="16" name="Text Box 9"/>
+      <p:pic>
+        <p:nvPicPr>
+          <p:cNvPr id="6" name="Picture 5"/>
+          <p:cNvPicPr>
+            <a:picLocks noChangeAspect="1"/>
+          </p:cNvPicPr>
+          <p:nvPr/>
+        </p:nvPicPr>
+        <p:blipFill>
+          <a:blip r:embed="rId5">
+            <a:extLst>
+              <a:ext uri="{28A0092B-C50C-407E-A947-70E740481C1C}">
+                <a14:useLocalDpi xmlns:a14="http://schemas.microsoft.com/office/drawing/2010/main" val="0"/>
+              </a:ext>
+            </a:extLst>
+          </a:blip>
+          <a:stretch>
+            <a:fillRect/>
+          </a:stretch>
+        </p:blipFill>
+        <p:spPr>
+          <a:xfrm>
+            <a:off x="2891461" y="3992557"/>
+            <a:ext cx="1299539" cy="1167941"/>
+          </a:xfrm>
+          <a:prstGeom prst="rect">
+            <a:avLst/>
+          </a:prstGeom>
+        </p:spPr>
+      </p:pic>
+      <p:sp>
+        <p:nvSpPr>
+          <p:cNvPr id="23" name="Text Box 9"/>
           <p:cNvSpPr txBox="1">
             <a:spLocks noChangeArrowheads="1"/>
           </p:cNvSpPr>
@@ -5444,8 +5796,8 @@
         </p:nvSpPr>
         <p:spPr bwMode="auto">
           <a:xfrm>
-            <a:off x="1386291" y="1267818"/>
-            <a:ext cx="5014509" cy="2400657"/>
+            <a:off x="2891461" y="3577369"/>
+            <a:ext cx="1756739" cy="400110"/>
           </a:xfrm>
           <a:prstGeom prst="rect">
             <a:avLst/>
@@ -5465,95 +5817,115 @@
           </a:bodyPr>
           <a:lstStyle/>
           <a:p>
-            <a:pPr marL="457200" indent="-457200">
-              <a:lnSpc>
-                <a:spcPct val="150000"/>
-              </a:lnSpc>
-              <a:buFont typeface="Courier New" panose="02070309020205020404" pitchFamily="49" charset="0"/>
-              <a:buChar char="o"/>
+            <a:pPr>
+              <a:spcAft>
+                <a:spcPts val="600"/>
+              </a:spcAft>
             </a:pPr>
             <a:r>
               <a:rPr lang="en-US" sz="2000" dirty="0" smtClean="0">
                 <a:latin typeface="Times New Roman" panose="02020603050405020304" pitchFamily="18" charset="0"/>
                 <a:cs typeface="Times New Roman" panose="02020603050405020304" pitchFamily="18" charset="0"/>
               </a:rPr>
-              <a:t>Parasitic components become significant</a:t>
-            </a:r>
-          </a:p>
-          <a:p>
-            <a:pPr marL="457200" indent="-457200">
-              <a:lnSpc>
-                <a:spcPct val="150000"/>
-              </a:lnSpc>
-              <a:buFont typeface="Courier New" panose="02070309020205020404" pitchFamily="49" charset="0"/>
-              <a:buChar char="o"/>
+              <a:t>Metal Film</a:t>
+            </a:r>
+          </a:p>
+        </p:txBody>
+      </p:sp>
+      <p:pic>
+        <p:nvPicPr>
+          <p:cNvPr id="7" name="Picture 6"/>
+          <p:cNvPicPr>
+            <a:picLocks noChangeAspect="1"/>
+          </p:cNvPicPr>
+          <p:nvPr/>
+        </p:nvPicPr>
+        <p:blipFill>
+          <a:blip r:embed="rId6">
+            <a:extLst>
+              <a:ext uri="{28A0092B-C50C-407E-A947-70E740481C1C}">
+                <a14:useLocalDpi xmlns:a14="http://schemas.microsoft.com/office/drawing/2010/main" val="0"/>
+              </a:ext>
+            </a:extLst>
+          </a:blip>
+          <a:stretch>
+            <a:fillRect/>
+          </a:stretch>
+        </p:blipFill>
+        <p:spPr>
+          <a:xfrm>
+            <a:off x="1942122" y="5852608"/>
+            <a:ext cx="1486877" cy="911812"/>
+          </a:xfrm>
+          <a:prstGeom prst="rect">
+            <a:avLst/>
+          </a:prstGeom>
+        </p:spPr>
+      </p:pic>
+      <p:sp>
+        <p:nvSpPr>
+          <p:cNvPr id="24" name="Text Box 9"/>
+          <p:cNvSpPr txBox="1">
+            <a:spLocks noChangeArrowheads="1"/>
+          </p:cNvSpPr>
+          <p:nvPr/>
+        </p:nvSpPr>
+        <p:spPr bwMode="auto">
+          <a:xfrm>
+            <a:off x="1221531" y="5302102"/>
+            <a:ext cx="3305883" cy="400110"/>
+          </a:xfrm>
+          <a:prstGeom prst="rect">
+            <a:avLst/>
+          </a:prstGeom>
+          <a:noFill/>
+          <a:ln w="9525">
+            <a:noFill/>
+            <a:miter lim="800000"/>
+            <a:headEnd/>
+            <a:tailEnd/>
+          </a:ln>
+          <a:effectLst/>
+        </p:spPr>
+        <p:txBody>
+          <a:bodyPr wrap="square">
+            <a:spAutoFit/>
+          </a:bodyPr>
+          <a:lstStyle/>
+          <a:p>
+            <a:pPr>
+              <a:spcAft>
+                <a:spcPts val="600"/>
+              </a:spcAft>
             </a:pPr>
             <a:r>
               <a:rPr lang="en-US" sz="2000" dirty="0" smtClean="0">
                 <a:latin typeface="Times New Roman" panose="02020603050405020304" pitchFamily="18" charset="0"/>
                 <a:cs typeface="Times New Roman" panose="02020603050405020304" pitchFamily="18" charset="0"/>
               </a:rPr>
-              <a:t>Careful layout design is required</a:t>
-            </a:r>
-          </a:p>
-          <a:p>
-            <a:pPr marL="457200" indent="-457200">
-              <a:lnSpc>
-                <a:spcPct val="150000"/>
-              </a:lnSpc>
-              <a:buFont typeface="Courier New" panose="02070309020205020404" pitchFamily="49" charset="0"/>
-              <a:buChar char="o"/>
-            </a:pPr>
+              <a:t>Multi</a:t>
+            </a:r>
+            <a:r>
+              <a:rPr lang="tr-TR" sz="2000" dirty="0" smtClean="0">
+                <a:latin typeface="Times New Roman" panose="02020603050405020304" pitchFamily="18" charset="0"/>
+                <a:cs typeface="Times New Roman" panose="02020603050405020304" pitchFamily="18" charset="0"/>
+              </a:rPr>
+              <a:t>-</a:t>
+            </a:r>
             <a:r>
               <a:rPr lang="en-US" sz="2000" dirty="0" smtClean="0">
                 <a:latin typeface="Times New Roman" panose="02020603050405020304" pitchFamily="18" charset="0"/>
                 <a:cs typeface="Times New Roman" panose="02020603050405020304" pitchFamily="18" charset="0"/>
               </a:rPr>
-              <a:t>Commercial availability</a:t>
-            </a:r>
-          </a:p>
-          <a:p>
-            <a:pPr marL="457200" indent="-457200">
-              <a:lnSpc>
-                <a:spcPct val="150000"/>
-              </a:lnSpc>
-              <a:buFont typeface="Courier New" panose="02070309020205020404" pitchFamily="49" charset="0"/>
-              <a:buChar char="o"/>
-            </a:pPr>
-            <a:r>
-              <a:rPr lang="en-US" sz="2000" dirty="0" smtClean="0">
-                <a:latin typeface="Times New Roman" panose="02020603050405020304" pitchFamily="18" charset="0"/>
-                <a:cs typeface="Times New Roman" panose="02020603050405020304" pitchFamily="18" charset="0"/>
-              </a:rPr>
-              <a:t>Low ratings</a:t>
-            </a:r>
-          </a:p>
-          <a:p>
-            <a:pPr marL="457200" indent="-457200">
-              <a:lnSpc>
-                <a:spcPct val="150000"/>
-              </a:lnSpc>
-              <a:buFont typeface="Courier New" panose="02070309020205020404" pitchFamily="49" charset="0"/>
-              <a:buChar char="o"/>
-            </a:pPr>
-            <a:r>
-              <a:rPr lang="en-US" sz="2000" dirty="0" smtClean="0">
-                <a:latin typeface="Times New Roman" panose="02020603050405020304" pitchFamily="18" charset="0"/>
-                <a:cs typeface="Times New Roman" panose="02020603050405020304" pitchFamily="18" charset="0"/>
-              </a:rPr>
-              <a:t>Reliability</a:t>
-            </a:r>
-            <a:endParaRPr lang="en-US" sz="2000" dirty="0">
-              <a:latin typeface="Times New Roman" panose="02020603050405020304" pitchFamily="18" charset="0"/>
-              <a:cs typeface="Times New Roman" panose="02020603050405020304" pitchFamily="18" charset="0"/>
-            </a:endParaRPr>
+              <a:t>layer ceramic (MLCC)</a:t>
+            </a:r>
           </a:p>
         </p:txBody>
       </p:sp>
     </p:spTree>
     <p:extLst>
       <p:ext uri="{BB962C8B-B14F-4D97-AF65-F5344CB8AC3E}">
-        <p14:creationId xmlns:p14="http://schemas.microsoft.com/office/powerpoint/2010/main" val="685465704"/>
+        <p14:creationId xmlns:p14="http://schemas.microsoft.com/office/powerpoint/2010/main" val="2100869910"/>
       </p:ext>
     </p:extLst>
   </p:cSld>
@@ -5686,64 +6058,6 @@
           </a:fontRef>
         </p:style>
       </p:cxnSp>
-      <p:sp>
-        <p:nvSpPr>
-          <p:cNvPr id="13" name="TextBox 12"/>
-          <p:cNvSpPr txBox="1"/>
-          <p:nvPr/>
-        </p:nvSpPr>
-        <p:spPr>
-          <a:xfrm>
-            <a:off x="1386291" y="224135"/>
-            <a:ext cx="7315200" cy="553998"/>
-          </a:xfrm>
-          <a:prstGeom prst="rect">
-            <a:avLst/>
-          </a:prstGeom>
-          <a:noFill/>
-        </p:spPr>
-        <p:txBody>
-          <a:bodyPr wrap="square" rtlCol="0">
-            <a:spAutoFit/>
-          </a:bodyPr>
-          <a:lstStyle/>
-          <a:p>
-            <a:pPr algn="ctr"/>
-            <a:r>
-              <a:rPr lang="tr-TR" sz="3000" dirty="0" smtClean="0">
-                <a:latin typeface="Times New Roman" panose="02020603050405020304" pitchFamily="18" charset="0"/>
-                <a:cs typeface="Times New Roman" panose="02020603050405020304" pitchFamily="18" charset="0"/>
-              </a:rPr>
-              <a:t>DC Link </a:t>
-            </a:r>
-            <a:r>
-              <a:rPr lang="tr-TR" sz="3000" dirty="0" err="1" smtClean="0">
-                <a:latin typeface="Times New Roman" panose="02020603050405020304" pitchFamily="18" charset="0"/>
-                <a:cs typeface="Times New Roman" panose="02020603050405020304" pitchFamily="18" charset="0"/>
-              </a:rPr>
-              <a:t>Capacitor</a:t>
-            </a:r>
-            <a:r>
-              <a:rPr lang="tr-TR" sz="3000" dirty="0" smtClean="0">
-                <a:latin typeface="Times New Roman" panose="02020603050405020304" pitchFamily="18" charset="0"/>
-                <a:cs typeface="Times New Roman" panose="02020603050405020304" pitchFamily="18" charset="0"/>
-              </a:rPr>
-              <a:t> </a:t>
-            </a:r>
-            <a:r>
-              <a:rPr lang="tr-TR" sz="3000" dirty="0" err="1" smtClean="0">
-                <a:latin typeface="Times New Roman" panose="02020603050405020304" pitchFamily="18" charset="0"/>
-                <a:cs typeface="Times New Roman" panose="02020603050405020304" pitchFamily="18" charset="0"/>
-              </a:rPr>
-              <a:t>Optimization</a:t>
-            </a:r>
-            <a:endParaRPr lang="tr-TR" sz="3000" dirty="0">
-              <a:latin typeface="Times New Roman" panose="02020603050405020304" pitchFamily="18" charset="0"/>
-              <a:cs typeface="Times New Roman" panose="02020603050405020304" pitchFamily="18" charset="0"/>
-            </a:endParaRPr>
-          </a:p>
-        </p:txBody>
-      </p:sp>
       <p:cxnSp>
         <p:nvCxnSpPr>
           <p:cNvPr id="15" name="Straight Connector 14"/>
@@ -5846,7 +6160,164 @@
       </p:pic>
       <p:sp>
         <p:nvSpPr>
-          <p:cNvPr id="16" name="Text Box 9"/>
+          <p:cNvPr id="9" name="TextBox 8"/>
+          <p:cNvSpPr txBox="1"/>
+          <p:nvPr/>
+        </p:nvSpPr>
+        <p:spPr>
+          <a:xfrm>
+            <a:off x="1386291" y="224135"/>
+            <a:ext cx="7315200" cy="553998"/>
+          </a:xfrm>
+          <a:prstGeom prst="rect">
+            <a:avLst/>
+          </a:prstGeom>
+          <a:noFill/>
+        </p:spPr>
+        <p:txBody>
+          <a:bodyPr wrap="square" rtlCol="0">
+            <a:spAutoFit/>
+          </a:bodyPr>
+          <a:lstStyle/>
+          <a:p>
+            <a:pPr algn="ctr"/>
+            <a:r>
+              <a:rPr lang="en-US" sz="3000" dirty="0" smtClean="0">
+                <a:latin typeface="Times New Roman" panose="02020603050405020304" pitchFamily="18" charset="0"/>
+                <a:cs typeface="Times New Roman" panose="02020603050405020304" pitchFamily="18" charset="0"/>
+              </a:rPr>
+              <a:t>DC Link Capacitor Optimization</a:t>
+            </a:r>
+            <a:endParaRPr lang="en-US" sz="3000" dirty="0">
+              <a:latin typeface="Times New Roman" panose="02020603050405020304" pitchFamily="18" charset="0"/>
+              <a:cs typeface="Times New Roman" panose="02020603050405020304" pitchFamily="18" charset="0"/>
+            </a:endParaRPr>
+          </a:p>
+        </p:txBody>
+      </p:sp>
+      <p:pic>
+        <p:nvPicPr>
+          <p:cNvPr id="3" name="Picture 2"/>
+          <p:cNvPicPr>
+            <a:picLocks noChangeAspect="1"/>
+          </p:cNvPicPr>
+          <p:nvPr/>
+        </p:nvPicPr>
+        <p:blipFill>
+          <a:blip r:embed="rId3"/>
+          <a:stretch>
+            <a:fillRect/>
+          </a:stretch>
+        </p:blipFill>
+        <p:spPr>
+          <a:xfrm>
+            <a:off x="6044657" y="1520035"/>
+            <a:ext cx="2242093" cy="613565"/>
+          </a:xfrm>
+          <a:prstGeom prst="rect">
+            <a:avLst/>
+          </a:prstGeom>
+        </p:spPr>
+      </p:pic>
+      <p:pic>
+        <p:nvPicPr>
+          <p:cNvPr id="4" name="Picture 3"/>
+          <p:cNvPicPr>
+            <a:picLocks noChangeAspect="1"/>
+          </p:cNvPicPr>
+          <p:nvPr/>
+        </p:nvPicPr>
+        <p:blipFill>
+          <a:blip r:embed="rId4"/>
+          <a:stretch>
+            <a:fillRect/>
+          </a:stretch>
+        </p:blipFill>
+        <p:spPr>
+          <a:xfrm>
+            <a:off x="4876800" y="4945524"/>
+            <a:ext cx="4267200" cy="635745"/>
+          </a:xfrm>
+          <a:prstGeom prst="rect">
+            <a:avLst/>
+          </a:prstGeom>
+        </p:spPr>
+      </p:pic>
+      <p:pic>
+        <p:nvPicPr>
+          <p:cNvPr id="5" name="Picture 4"/>
+          <p:cNvPicPr>
+            <a:picLocks noChangeAspect="1"/>
+          </p:cNvPicPr>
+          <p:nvPr/>
+        </p:nvPicPr>
+        <p:blipFill>
+          <a:blip r:embed="rId5"/>
+          <a:stretch>
+            <a:fillRect/>
+          </a:stretch>
+        </p:blipFill>
+        <p:spPr>
+          <a:xfrm>
+            <a:off x="5846221" y="3124024"/>
+            <a:ext cx="2688179" cy="666669"/>
+          </a:xfrm>
+          <a:prstGeom prst="rect">
+            <a:avLst/>
+          </a:prstGeom>
+        </p:spPr>
+      </p:pic>
+      <p:pic>
+        <p:nvPicPr>
+          <p:cNvPr id="7" name="Picture 6"/>
+          <p:cNvPicPr>
+            <a:picLocks noChangeAspect="1"/>
+          </p:cNvPicPr>
+          <p:nvPr/>
+        </p:nvPicPr>
+        <p:blipFill>
+          <a:blip r:embed="rId6"/>
+          <a:stretch>
+            <a:fillRect/>
+          </a:stretch>
+        </p:blipFill>
+        <p:spPr>
+          <a:xfrm>
+            <a:off x="1320897" y="1583603"/>
+            <a:ext cx="3823094" cy="2232117"/>
+          </a:xfrm>
+          <a:prstGeom prst="rect">
+            <a:avLst/>
+          </a:prstGeom>
+        </p:spPr>
+      </p:pic>
+      <p:pic>
+        <p:nvPicPr>
+          <p:cNvPr id="8" name="Picture 7"/>
+          <p:cNvPicPr>
+            <a:picLocks noChangeAspect="1"/>
+          </p:cNvPicPr>
+          <p:nvPr/>
+        </p:nvPicPr>
+        <p:blipFill>
+          <a:blip r:embed="rId7"/>
+          <a:stretch>
+            <a:fillRect/>
+          </a:stretch>
+        </p:blipFill>
+        <p:spPr>
+          <a:xfrm>
+            <a:off x="1524000" y="4673737"/>
+            <a:ext cx="2721832" cy="1100966"/>
+          </a:xfrm>
+          <a:prstGeom prst="rect">
+            <a:avLst/>
+          </a:prstGeom>
+        </p:spPr>
+      </p:pic>
+      <p:sp>
+        <p:nvSpPr>
+          <p:cNvPr id="19" name="Text Box 9"/>
           <p:cNvSpPr txBox="1">
             <a:spLocks noChangeArrowheads="1"/>
           </p:cNvSpPr>
@@ -5854,8 +6325,8 @@
         </p:nvSpPr>
         <p:spPr bwMode="auto">
           <a:xfrm>
-            <a:off x="1189919" y="1426345"/>
-            <a:ext cx="3305882" cy="1015663"/>
+            <a:off x="5638800" y="1106248"/>
+            <a:ext cx="3048000" cy="338554"/>
           </a:xfrm>
           <a:prstGeom prst="rect">
             <a:avLst/>
@@ -5875,116 +6346,24 @@
           </a:bodyPr>
           <a:lstStyle/>
           <a:p>
-            <a:r>
-              <a:rPr lang="en-US" sz="2000" dirty="0">
-                <a:latin typeface="Times New Roman" panose="02020603050405020304" pitchFamily="18" charset="0"/>
-                <a:cs typeface="Times New Roman" panose="02020603050405020304" pitchFamily="18" charset="0"/>
-              </a:rPr>
-              <a:t>DC link capacitors </a:t>
-            </a:r>
-            <a:r>
-              <a:rPr lang="en-US" sz="2000" dirty="0" smtClean="0">
-                <a:latin typeface="Times New Roman" panose="02020603050405020304" pitchFamily="18" charset="0"/>
-                <a:cs typeface="Times New Roman" panose="02020603050405020304" pitchFamily="18" charset="0"/>
-              </a:rPr>
-              <a:t>constitute</a:t>
-            </a:r>
-            <a:endParaRPr lang="tr-TR" sz="2000" dirty="0">
-              <a:latin typeface="Times New Roman" panose="02020603050405020304" pitchFamily="18" charset="0"/>
-              <a:cs typeface="Times New Roman" panose="02020603050405020304" pitchFamily="18" charset="0"/>
-            </a:endParaRPr>
-          </a:p>
-          <a:p>
-            <a:pPr marL="457200" indent="-457200">
-              <a:buFont typeface="Arial" panose="020B0604020202020204" pitchFamily="34" charset="0"/>
-              <a:buChar char="•"/>
+            <a:pPr algn="ctr">
+              <a:spcAft>
+                <a:spcPts val="600"/>
+              </a:spcAft>
             </a:pPr>
             <a:r>
-              <a:rPr lang="en-US" sz="2000" dirty="0">
-                <a:latin typeface="Times New Roman" panose="02020603050405020304" pitchFamily="18" charset="0"/>
-                <a:cs typeface="Times New Roman" panose="02020603050405020304" pitchFamily="18" charset="0"/>
-              </a:rPr>
-              <a:t>20% of </a:t>
-            </a:r>
-            <a:r>
-              <a:rPr lang="en-US" sz="2000" b="1" dirty="0">
-                <a:latin typeface="Times New Roman" panose="02020603050405020304" pitchFamily="18" charset="0"/>
-                <a:cs typeface="Times New Roman" panose="02020603050405020304" pitchFamily="18" charset="0"/>
-              </a:rPr>
-              <a:t>cost</a:t>
-            </a:r>
-            <a:r>
-              <a:rPr lang="en-US" sz="2000" dirty="0">
-                <a:latin typeface="Times New Roman" panose="02020603050405020304" pitchFamily="18" charset="0"/>
-                <a:cs typeface="Times New Roman" panose="02020603050405020304" pitchFamily="18" charset="0"/>
-              </a:rPr>
-              <a:t> and </a:t>
-            </a:r>
-            <a:r>
-              <a:rPr lang="en-US" sz="2000" b="1" dirty="0" smtClean="0">
-                <a:latin typeface="Times New Roman" panose="02020603050405020304" pitchFamily="18" charset="0"/>
-                <a:cs typeface="Times New Roman" panose="02020603050405020304" pitchFamily="18" charset="0"/>
-              </a:rPr>
-              <a:t>weight</a:t>
-            </a:r>
-            <a:endParaRPr lang="tr-TR" sz="2000" dirty="0">
-              <a:latin typeface="Times New Roman" panose="02020603050405020304" pitchFamily="18" charset="0"/>
-              <a:cs typeface="Times New Roman" panose="02020603050405020304" pitchFamily="18" charset="0"/>
-            </a:endParaRPr>
-          </a:p>
-          <a:p>
-            <a:pPr marL="457200" indent="-457200">
-              <a:buFont typeface="Arial" panose="020B0604020202020204" pitchFamily="34" charset="0"/>
-              <a:buChar char="•"/>
-            </a:pPr>
-            <a:r>
-              <a:rPr lang="en-US" sz="2000" dirty="0">
-                <a:latin typeface="Times New Roman" panose="02020603050405020304" pitchFamily="18" charset="0"/>
-                <a:cs typeface="Times New Roman" panose="02020603050405020304" pitchFamily="18" charset="0"/>
-              </a:rPr>
-              <a:t>30% of </a:t>
-            </a:r>
-            <a:r>
-              <a:rPr lang="en-US" sz="2000" b="1" dirty="0" smtClean="0">
-                <a:latin typeface="Times New Roman" panose="02020603050405020304" pitchFamily="18" charset="0"/>
-                <a:cs typeface="Times New Roman" panose="02020603050405020304" pitchFamily="18" charset="0"/>
-              </a:rPr>
-              <a:t>volume</a:t>
-            </a:r>
-            <a:endParaRPr lang="en-US" sz="2000" b="1" dirty="0">
-              <a:latin typeface="Times New Roman" panose="02020603050405020304" pitchFamily="18" charset="0"/>
-              <a:cs typeface="Times New Roman" panose="02020603050405020304" pitchFamily="18" charset="0"/>
-            </a:endParaRPr>
-          </a:p>
-        </p:txBody>
-      </p:sp>
-      <p:pic>
-        <p:nvPicPr>
-          <p:cNvPr id="17" name="Picture 16"/>
-          <p:cNvPicPr>
-            <a:picLocks noChangeAspect="1"/>
-          </p:cNvPicPr>
-          <p:nvPr/>
-        </p:nvPicPr>
-        <p:blipFill>
-          <a:blip r:embed="rId3"/>
-          <a:stretch>
-            <a:fillRect/>
-          </a:stretch>
-        </p:blipFill>
-        <p:spPr>
-          <a:xfrm>
-            <a:off x="4495800" y="1199210"/>
-            <a:ext cx="4419600" cy="1771335"/>
-          </a:xfrm>
-          <a:prstGeom prst="rect">
-            <a:avLst/>
-          </a:prstGeom>
-        </p:spPr>
-      </p:pic>
-      <p:sp>
-        <p:nvSpPr>
-          <p:cNvPr id="19" name="Text Box 9"/>
+              <a:rPr lang="en-US" sz="1600" dirty="0" smtClean="0">
+                <a:latin typeface="Times New Roman" panose="02020603050405020304" pitchFamily="18" charset="0"/>
+                <a:cs typeface="Times New Roman" panose="02020603050405020304" pitchFamily="18" charset="0"/>
+              </a:rPr>
+              <a:t>DC Link average current</a:t>
+            </a:r>
+          </a:p>
+        </p:txBody>
+      </p:sp>
+      <p:sp>
+        <p:nvSpPr>
+          <p:cNvPr id="20" name="Text Box 9"/>
           <p:cNvSpPr txBox="1">
             <a:spLocks noChangeArrowheads="1"/>
           </p:cNvSpPr>
@@ -5992,8 +6371,8 @@
         </p:nvSpPr>
         <p:spPr bwMode="auto">
           <a:xfrm>
-            <a:off x="1403205" y="3714690"/>
-            <a:ext cx="3109509" cy="400110"/>
+            <a:off x="5653491" y="2636077"/>
+            <a:ext cx="3048000" cy="338554"/>
           </a:xfrm>
           <a:prstGeom prst="rect">
             <a:avLst/>
@@ -6013,20 +6392,24 @@
           </a:bodyPr>
           <a:lstStyle/>
           <a:p>
-            <a:pPr algn="ctr"/>
-            <a:r>
-              <a:rPr lang="en-US" sz="2000" b="1" dirty="0" smtClean="0">
-                <a:latin typeface="Times New Roman" panose="02020603050405020304" pitchFamily="18" charset="0"/>
-                <a:cs typeface="Times New Roman" panose="02020603050405020304" pitchFamily="18" charset="0"/>
-              </a:rPr>
-              <a:t>DC Link capacitor types</a:t>
-            </a:r>
-          </a:p>
-        </p:txBody>
-      </p:sp>
-      <p:sp>
-        <p:nvSpPr>
-          <p:cNvPr id="20" name="Text Box 9"/>
+            <a:pPr algn="ctr">
+              <a:spcAft>
+                <a:spcPts val="600"/>
+              </a:spcAft>
+            </a:pPr>
+            <a:r>
+              <a:rPr lang="en-US" sz="1600" dirty="0" smtClean="0">
+                <a:latin typeface="Times New Roman" panose="02020603050405020304" pitchFamily="18" charset="0"/>
+                <a:cs typeface="Times New Roman" panose="02020603050405020304" pitchFamily="18" charset="0"/>
+              </a:rPr>
+              <a:t>DC Link ripple voltage</a:t>
+            </a:r>
+          </a:p>
+        </p:txBody>
+      </p:sp>
+      <p:sp>
+        <p:nvSpPr>
+          <p:cNvPr id="21" name="Text Box 9"/>
           <p:cNvSpPr txBox="1">
             <a:spLocks noChangeArrowheads="1"/>
           </p:cNvSpPr>
@@ -6034,8 +6417,8 @@
         </p:nvSpPr>
         <p:spPr bwMode="auto">
           <a:xfrm>
-            <a:off x="1189918" y="4191000"/>
-            <a:ext cx="3913528" cy="1169551"/>
+            <a:off x="5486400" y="4504460"/>
+            <a:ext cx="3048000" cy="338554"/>
           </a:xfrm>
           <a:prstGeom prst="rect">
             <a:avLst/>
@@ -6055,52 +6438,24 @@
           </a:bodyPr>
           <a:lstStyle/>
           <a:p>
-            <a:pPr>
+            <a:pPr algn="ctr">
               <a:spcAft>
                 <a:spcPts val="600"/>
               </a:spcAft>
             </a:pPr>
             <a:r>
-              <a:rPr lang="en-US" sz="2000" dirty="0" smtClean="0">
-                <a:latin typeface="Times New Roman" panose="02020603050405020304" pitchFamily="18" charset="0"/>
-                <a:cs typeface="Times New Roman" panose="02020603050405020304" pitchFamily="18" charset="0"/>
-              </a:rPr>
-              <a:t>Aluminum electrolytic</a:t>
-            </a:r>
-          </a:p>
-          <a:p>
-            <a:pPr>
-              <a:spcAft>
-                <a:spcPts val="600"/>
-              </a:spcAft>
-            </a:pPr>
-            <a:r>
-              <a:rPr lang="en-US" sz="2000" dirty="0" smtClean="0">
-                <a:latin typeface="Times New Roman" panose="02020603050405020304" pitchFamily="18" charset="0"/>
-                <a:cs typeface="Times New Roman" panose="02020603050405020304" pitchFamily="18" charset="0"/>
-              </a:rPr>
-              <a:t>Metal Film</a:t>
-            </a:r>
-          </a:p>
-          <a:p>
-            <a:pPr>
-              <a:spcAft>
-                <a:spcPts val="600"/>
-              </a:spcAft>
-            </a:pPr>
-            <a:r>
-              <a:rPr lang="en-US" sz="2000" dirty="0" smtClean="0">
-                <a:latin typeface="Times New Roman" panose="02020603050405020304" pitchFamily="18" charset="0"/>
-                <a:cs typeface="Times New Roman" panose="02020603050405020304" pitchFamily="18" charset="0"/>
-              </a:rPr>
-              <a:t>Multilayer ceramic (MLCC)</a:t>
-            </a:r>
-          </a:p>
-        </p:txBody>
-      </p:sp>
-      <p:sp>
-        <p:nvSpPr>
-          <p:cNvPr id="21" name="Text Box 9"/>
+              <a:rPr lang="en-US" sz="1600" dirty="0" smtClean="0">
+                <a:latin typeface="Times New Roman" panose="02020603050405020304" pitchFamily="18" charset="0"/>
+                <a:cs typeface="Times New Roman" panose="02020603050405020304" pitchFamily="18" charset="0"/>
+              </a:rPr>
+              <a:t>DC Link RMS current</a:t>
+            </a:r>
+          </a:p>
+        </p:txBody>
+      </p:sp>
+      <p:sp>
+        <p:nvSpPr>
+          <p:cNvPr id="22" name="Text Box 9"/>
           <p:cNvSpPr txBox="1">
             <a:spLocks noChangeArrowheads="1"/>
           </p:cNvSpPr>
@@ -6108,8 +6463,8 @@
         </p:nvSpPr>
         <p:spPr bwMode="auto">
           <a:xfrm>
-            <a:off x="5244299" y="3562290"/>
-            <a:ext cx="3109509" cy="400110"/>
+            <a:off x="1356722" y="4152229"/>
+            <a:ext cx="3048000" cy="338554"/>
           </a:xfrm>
           <a:prstGeom prst="rect">
             <a:avLst/>
@@ -6129,20 +6484,24 @@
           </a:bodyPr>
           <a:lstStyle/>
           <a:p>
-            <a:pPr algn="ctr"/>
-            <a:r>
-              <a:rPr lang="en-US" sz="2000" b="1" dirty="0" smtClean="0">
-                <a:latin typeface="Times New Roman" panose="02020603050405020304" pitchFamily="18" charset="0"/>
-                <a:cs typeface="Times New Roman" panose="02020603050405020304" pitchFamily="18" charset="0"/>
-              </a:rPr>
-              <a:t>Critical parameters</a:t>
-            </a:r>
-          </a:p>
-        </p:txBody>
-      </p:sp>
-      <p:sp>
-        <p:nvSpPr>
-          <p:cNvPr id="22" name="Text Box 9"/>
+            <a:pPr algn="ctr">
+              <a:spcAft>
+                <a:spcPts val="600"/>
+              </a:spcAft>
+            </a:pPr>
+            <a:r>
+              <a:rPr lang="en-US" sz="1600" dirty="0" smtClean="0">
+                <a:latin typeface="Times New Roman" panose="02020603050405020304" pitchFamily="18" charset="0"/>
+                <a:cs typeface="Times New Roman" panose="02020603050405020304" pitchFamily="18" charset="0"/>
+              </a:rPr>
+              <a:t>Capacitor heating</a:t>
+            </a:r>
+          </a:p>
+        </p:txBody>
+      </p:sp>
+      <p:sp>
+        <p:nvSpPr>
+          <p:cNvPr id="23" name="Text Box 9"/>
           <p:cNvSpPr txBox="1">
             <a:spLocks noChangeArrowheads="1"/>
           </p:cNvSpPr>
@@ -6150,8 +6509,8 @@
         </p:nvSpPr>
         <p:spPr bwMode="auto">
           <a:xfrm>
-            <a:off x="5103446" y="3962400"/>
-            <a:ext cx="3913528" cy="2323713"/>
+            <a:off x="1725171" y="1140749"/>
+            <a:ext cx="3048000" cy="400110"/>
           </a:xfrm>
           <a:prstGeom prst="rect">
             <a:avLst/>
@@ -6171,95 +6530,29 @@
           </a:bodyPr>
           <a:lstStyle/>
           <a:p>
-            <a:pPr>
+            <a:pPr algn="ctr">
               <a:spcAft>
                 <a:spcPts val="600"/>
               </a:spcAft>
             </a:pPr>
             <a:r>
-              <a:rPr lang="en-US" sz="2000" dirty="0" smtClean="0">
-                <a:latin typeface="Times New Roman" panose="02020603050405020304" pitchFamily="18" charset="0"/>
-                <a:cs typeface="Times New Roman" panose="02020603050405020304" pitchFamily="18" charset="0"/>
-              </a:rPr>
-              <a:t>Capacitance per volume</a:t>
-            </a:r>
-          </a:p>
-          <a:p>
-            <a:pPr>
-              <a:spcAft>
-                <a:spcPts val="600"/>
-              </a:spcAft>
-            </a:pPr>
-            <a:r>
-              <a:rPr lang="en-US" sz="2000" dirty="0" smtClean="0">
-                <a:latin typeface="Times New Roman" panose="02020603050405020304" pitchFamily="18" charset="0"/>
-                <a:cs typeface="Times New Roman" panose="02020603050405020304" pitchFamily="18" charset="0"/>
-              </a:rPr>
-              <a:t>RMS current per volume</a:t>
-            </a:r>
-          </a:p>
-          <a:p>
-            <a:pPr>
-              <a:spcAft>
-                <a:spcPts val="600"/>
-              </a:spcAft>
-            </a:pPr>
-            <a:r>
-              <a:rPr lang="en-US" sz="2000" dirty="0" smtClean="0">
-                <a:latin typeface="Times New Roman" panose="02020603050405020304" pitchFamily="18" charset="0"/>
-                <a:cs typeface="Times New Roman" panose="02020603050405020304" pitchFamily="18" charset="0"/>
-              </a:rPr>
-              <a:t>Cost</a:t>
-            </a:r>
-          </a:p>
-          <a:p>
-            <a:pPr>
-              <a:spcAft>
-                <a:spcPts val="600"/>
-              </a:spcAft>
-            </a:pPr>
-            <a:r>
-              <a:rPr lang="en-US" sz="2000" dirty="0" smtClean="0">
-                <a:latin typeface="Times New Roman" panose="02020603050405020304" pitchFamily="18" charset="0"/>
-                <a:cs typeface="Times New Roman" panose="02020603050405020304" pitchFamily="18" charset="0"/>
-              </a:rPr>
-              <a:t>ESL &amp; ESR</a:t>
-            </a:r>
-          </a:p>
-          <a:p>
-            <a:pPr>
-              <a:spcAft>
-                <a:spcPts val="600"/>
-              </a:spcAft>
-            </a:pPr>
-            <a:r>
-              <a:rPr lang="en-US" sz="2000" dirty="0" smtClean="0">
-                <a:latin typeface="Times New Roman" panose="02020603050405020304" pitchFamily="18" charset="0"/>
-                <a:cs typeface="Times New Roman" panose="02020603050405020304" pitchFamily="18" charset="0"/>
-              </a:rPr>
-              <a:t>Reliability &amp; lifetime</a:t>
-            </a:r>
-          </a:p>
-          <a:p>
-            <a:pPr>
-              <a:spcAft>
-                <a:spcPts val="600"/>
-              </a:spcAft>
-            </a:pPr>
-            <a:r>
-              <a:rPr lang="en-US" sz="2000" dirty="0" smtClean="0">
-                <a:latin typeface="Times New Roman" panose="02020603050405020304" pitchFamily="18" charset="0"/>
-                <a:cs typeface="Times New Roman" panose="02020603050405020304" pitchFamily="18" charset="0"/>
-              </a:rPr>
-              <a:t>Mechanical durability</a:t>
-            </a:r>
+              <a:rPr lang="tr-TR" sz="2000" dirty="0" smtClean="0">
+                <a:latin typeface="Times New Roman" panose="02020603050405020304" pitchFamily="18" charset="0"/>
+                <a:cs typeface="Times New Roman" panose="02020603050405020304" pitchFamily="18" charset="0"/>
+              </a:rPr>
+              <a:t>DC Link model</a:t>
+            </a:r>
+            <a:endParaRPr lang="en-US" sz="2000" dirty="0" smtClean="0">
+              <a:latin typeface="Times New Roman" panose="02020603050405020304" pitchFamily="18" charset="0"/>
+              <a:cs typeface="Times New Roman" panose="02020603050405020304" pitchFamily="18" charset="0"/>
+            </a:endParaRPr>
           </a:p>
         </p:txBody>
       </p:sp>
     </p:spTree>
     <p:extLst>
       <p:ext uri="{BB962C8B-B14F-4D97-AF65-F5344CB8AC3E}">
-        <p14:creationId xmlns:p14="http://schemas.microsoft.com/office/powerpoint/2010/main" val="2100869910"/>
+        <p14:creationId xmlns:p14="http://schemas.microsoft.com/office/powerpoint/2010/main" val="2406531876"/>
       </p:ext>
     </p:extLst>
   </p:cSld>
@@ -6494,185 +6787,7 @@
       </p:pic>
       <p:sp>
         <p:nvSpPr>
-          <p:cNvPr id="9" name="TextBox 8"/>
-          <p:cNvSpPr txBox="1"/>
-          <p:nvPr/>
-        </p:nvSpPr>
-        <p:spPr>
-          <a:xfrm>
-            <a:off x="1386291" y="224135"/>
-            <a:ext cx="7315200" cy="553998"/>
-          </a:xfrm>
-          <a:prstGeom prst="rect">
-            <a:avLst/>
-          </a:prstGeom>
-          <a:noFill/>
-        </p:spPr>
-        <p:txBody>
-          <a:bodyPr wrap="square" rtlCol="0">
-            <a:spAutoFit/>
-          </a:bodyPr>
-          <a:lstStyle/>
-          <a:p>
-            <a:pPr algn="ctr"/>
-            <a:r>
-              <a:rPr lang="tr-TR" sz="3000" dirty="0" smtClean="0">
-                <a:latin typeface="Times New Roman" panose="02020603050405020304" pitchFamily="18" charset="0"/>
-                <a:cs typeface="Times New Roman" panose="02020603050405020304" pitchFamily="18" charset="0"/>
-              </a:rPr>
-              <a:t>DC Link </a:t>
-            </a:r>
-            <a:r>
-              <a:rPr lang="tr-TR" sz="3000" dirty="0" err="1" smtClean="0">
-                <a:latin typeface="Times New Roman" panose="02020603050405020304" pitchFamily="18" charset="0"/>
-                <a:cs typeface="Times New Roman" panose="02020603050405020304" pitchFamily="18" charset="0"/>
-              </a:rPr>
-              <a:t>Capacitor</a:t>
-            </a:r>
-            <a:r>
-              <a:rPr lang="tr-TR" sz="3000" dirty="0" smtClean="0">
-                <a:latin typeface="Times New Roman" panose="02020603050405020304" pitchFamily="18" charset="0"/>
-                <a:cs typeface="Times New Roman" panose="02020603050405020304" pitchFamily="18" charset="0"/>
-              </a:rPr>
-              <a:t> </a:t>
-            </a:r>
-            <a:r>
-              <a:rPr lang="tr-TR" sz="3000" dirty="0" err="1" smtClean="0">
-                <a:latin typeface="Times New Roman" panose="02020603050405020304" pitchFamily="18" charset="0"/>
-                <a:cs typeface="Times New Roman" panose="02020603050405020304" pitchFamily="18" charset="0"/>
-              </a:rPr>
-              <a:t>Optimization</a:t>
-            </a:r>
-            <a:endParaRPr lang="tr-TR" sz="3000" dirty="0">
-              <a:latin typeface="Times New Roman" panose="02020603050405020304" pitchFamily="18" charset="0"/>
-              <a:cs typeface="Times New Roman" panose="02020603050405020304" pitchFamily="18" charset="0"/>
-            </a:endParaRPr>
-          </a:p>
-        </p:txBody>
-      </p:sp>
-      <p:pic>
-        <p:nvPicPr>
-          <p:cNvPr id="3" name="Picture 2"/>
-          <p:cNvPicPr>
-            <a:picLocks noChangeAspect="1"/>
-          </p:cNvPicPr>
-          <p:nvPr/>
-        </p:nvPicPr>
-        <p:blipFill>
-          <a:blip r:embed="rId3"/>
-          <a:stretch>
-            <a:fillRect/>
-          </a:stretch>
-        </p:blipFill>
-        <p:spPr>
-          <a:xfrm>
-            <a:off x="6044657" y="1520035"/>
-            <a:ext cx="2242093" cy="613565"/>
-          </a:xfrm>
-          <a:prstGeom prst="rect">
-            <a:avLst/>
-          </a:prstGeom>
-        </p:spPr>
-      </p:pic>
-      <p:pic>
-        <p:nvPicPr>
-          <p:cNvPr id="4" name="Picture 3"/>
-          <p:cNvPicPr>
-            <a:picLocks noChangeAspect="1"/>
-          </p:cNvPicPr>
-          <p:nvPr/>
-        </p:nvPicPr>
-        <p:blipFill>
-          <a:blip r:embed="rId4"/>
-          <a:stretch>
-            <a:fillRect/>
-          </a:stretch>
-        </p:blipFill>
-        <p:spPr>
-          <a:xfrm>
-            <a:off x="4876800" y="4945524"/>
-            <a:ext cx="4267200" cy="635745"/>
-          </a:xfrm>
-          <a:prstGeom prst="rect">
-            <a:avLst/>
-          </a:prstGeom>
-        </p:spPr>
-      </p:pic>
-      <p:pic>
-        <p:nvPicPr>
-          <p:cNvPr id="5" name="Picture 4"/>
-          <p:cNvPicPr>
-            <a:picLocks noChangeAspect="1"/>
-          </p:cNvPicPr>
-          <p:nvPr/>
-        </p:nvPicPr>
-        <p:blipFill>
-          <a:blip r:embed="rId5"/>
-          <a:stretch>
-            <a:fillRect/>
-          </a:stretch>
-        </p:blipFill>
-        <p:spPr>
-          <a:xfrm>
-            <a:off x="5846221" y="3124024"/>
-            <a:ext cx="2688179" cy="666669"/>
-          </a:xfrm>
-          <a:prstGeom prst="rect">
-            <a:avLst/>
-          </a:prstGeom>
-        </p:spPr>
-      </p:pic>
-      <p:pic>
-        <p:nvPicPr>
-          <p:cNvPr id="7" name="Picture 6"/>
-          <p:cNvPicPr>
-            <a:picLocks noChangeAspect="1"/>
-          </p:cNvPicPr>
-          <p:nvPr/>
-        </p:nvPicPr>
-        <p:blipFill>
-          <a:blip r:embed="rId6"/>
-          <a:stretch>
-            <a:fillRect/>
-          </a:stretch>
-        </p:blipFill>
-        <p:spPr>
-          <a:xfrm>
-            <a:off x="1356722" y="1275525"/>
-            <a:ext cx="3823094" cy="2232117"/>
-          </a:xfrm>
-          <a:prstGeom prst="rect">
-            <a:avLst/>
-          </a:prstGeom>
-        </p:spPr>
-      </p:pic>
-      <p:pic>
-        <p:nvPicPr>
-          <p:cNvPr id="8" name="Picture 7"/>
-          <p:cNvPicPr>
-            <a:picLocks noChangeAspect="1"/>
-          </p:cNvPicPr>
-          <p:nvPr/>
-        </p:nvPicPr>
-        <p:blipFill>
-          <a:blip r:embed="rId7"/>
-          <a:stretch>
-            <a:fillRect/>
-          </a:stretch>
-        </p:blipFill>
-        <p:spPr>
-          <a:xfrm>
-            <a:off x="1524000" y="4673737"/>
-            <a:ext cx="2721832" cy="1100966"/>
-          </a:xfrm>
-          <a:prstGeom prst="rect">
-            <a:avLst/>
-          </a:prstGeom>
-        </p:spPr>
-      </p:pic>
-      <p:sp>
-        <p:nvSpPr>
-          <p:cNvPr id="19" name="Text Box 9"/>
+          <p:cNvPr id="18" name="Text Box 9"/>
           <p:cNvSpPr txBox="1">
             <a:spLocks noChangeArrowheads="1"/>
           </p:cNvSpPr>
@@ -6680,8 +6795,8 @@
         </p:nvSpPr>
         <p:spPr bwMode="auto">
           <a:xfrm>
-            <a:off x="5638800" y="1106248"/>
-            <a:ext cx="3048000" cy="338554"/>
+            <a:off x="1189918" y="1143000"/>
+            <a:ext cx="4267907" cy="707886"/>
           </a:xfrm>
           <a:prstGeom prst="rect">
             <a:avLst/>
@@ -6701,181 +6816,183 @@
           </a:bodyPr>
           <a:lstStyle/>
           <a:p>
-            <a:pPr algn="ctr">
-              <a:spcAft>
-                <a:spcPts val="600"/>
-              </a:spcAft>
-            </a:pPr>
-            <a:r>
-              <a:rPr lang="en-US" sz="1600" dirty="0" smtClean="0">
-                <a:latin typeface="Times New Roman" panose="02020603050405020304" pitchFamily="18" charset="0"/>
-                <a:cs typeface="Times New Roman" panose="02020603050405020304" pitchFamily="18" charset="0"/>
-              </a:rPr>
-              <a:t>DC Link average current</a:t>
-            </a:r>
-          </a:p>
-        </p:txBody>
-      </p:sp>
-      <p:sp>
-        <p:nvSpPr>
-          <p:cNvPr id="20" name="Text Box 9"/>
-          <p:cNvSpPr txBox="1">
-            <a:spLocks noChangeArrowheads="1"/>
-          </p:cNvSpPr>
-          <p:nvPr/>
-        </p:nvSpPr>
-        <p:spPr bwMode="auto">
-          <a:xfrm>
-            <a:off x="5653491" y="2636077"/>
-            <a:ext cx="3048000" cy="338554"/>
-          </a:xfrm>
-          <a:prstGeom prst="rect">
-            <a:avLst/>
-          </a:prstGeom>
-          <a:noFill/>
-          <a:ln w="9525">
-            <a:noFill/>
-            <a:miter lim="800000"/>
-            <a:headEnd/>
-            <a:tailEnd/>
-          </a:ln>
-          <a:effectLst/>
-        </p:spPr>
-        <p:txBody>
-          <a:bodyPr wrap="square">
-            <a:spAutoFit/>
-          </a:bodyPr>
-          <a:lstStyle/>
-          <a:p>
-            <a:pPr algn="ctr">
-              <a:spcAft>
-                <a:spcPts val="600"/>
-              </a:spcAft>
-            </a:pPr>
-            <a:r>
-              <a:rPr lang="en-US" sz="1600" dirty="0" smtClean="0">
-                <a:latin typeface="Times New Roman" panose="02020603050405020304" pitchFamily="18" charset="0"/>
-                <a:cs typeface="Times New Roman" panose="02020603050405020304" pitchFamily="18" charset="0"/>
-              </a:rPr>
-              <a:t>DC Link ripple voltage</a:t>
-            </a:r>
-          </a:p>
-        </p:txBody>
-      </p:sp>
-      <p:sp>
-        <p:nvSpPr>
-          <p:cNvPr id="21" name="Text Box 9"/>
-          <p:cNvSpPr txBox="1">
-            <a:spLocks noChangeArrowheads="1"/>
-          </p:cNvSpPr>
-          <p:nvPr/>
-        </p:nvSpPr>
-        <p:spPr bwMode="auto">
-          <a:xfrm>
-            <a:off x="5486400" y="4504460"/>
-            <a:ext cx="3048000" cy="338554"/>
-          </a:xfrm>
-          <a:prstGeom prst="rect">
-            <a:avLst/>
-          </a:prstGeom>
-          <a:noFill/>
-          <a:ln w="9525">
-            <a:noFill/>
-            <a:miter lim="800000"/>
-            <a:headEnd/>
-            <a:tailEnd/>
-          </a:ln>
-          <a:effectLst/>
-        </p:spPr>
-        <p:txBody>
-          <a:bodyPr wrap="square">
-            <a:spAutoFit/>
-          </a:bodyPr>
-          <a:lstStyle/>
-          <a:p>
-            <a:pPr algn="ctr">
-              <a:spcAft>
-                <a:spcPts val="600"/>
-              </a:spcAft>
-            </a:pPr>
-            <a:r>
-              <a:rPr lang="en-US" sz="1600" dirty="0" smtClean="0">
-                <a:latin typeface="Times New Roman" panose="02020603050405020304" pitchFamily="18" charset="0"/>
-                <a:cs typeface="Times New Roman" panose="02020603050405020304" pitchFamily="18" charset="0"/>
-              </a:rPr>
-              <a:t>DC Link RMS current</a:t>
-            </a:r>
-          </a:p>
-        </p:txBody>
-      </p:sp>
-      <p:sp>
-        <p:nvSpPr>
-          <p:cNvPr id="22" name="Text Box 9"/>
-          <p:cNvSpPr txBox="1">
-            <a:spLocks noChangeArrowheads="1"/>
-          </p:cNvSpPr>
-          <p:nvPr/>
-        </p:nvSpPr>
-        <p:spPr bwMode="auto">
-          <a:xfrm>
-            <a:off x="1356722" y="4152229"/>
-            <a:ext cx="3048000" cy="338554"/>
-          </a:xfrm>
-          <a:prstGeom prst="rect">
-            <a:avLst/>
-          </a:prstGeom>
-          <a:noFill/>
-          <a:ln w="9525">
-            <a:noFill/>
-            <a:miter lim="800000"/>
-            <a:headEnd/>
-            <a:tailEnd/>
-          </a:ln>
-          <a:effectLst/>
-        </p:spPr>
-        <p:txBody>
-          <a:bodyPr wrap="square">
-            <a:spAutoFit/>
-          </a:bodyPr>
-          <a:lstStyle/>
-          <a:p>
-            <a:pPr algn="ctr">
-              <a:spcAft>
-                <a:spcPts val="600"/>
-              </a:spcAft>
-            </a:pPr>
-            <a:r>
-              <a:rPr lang="tr-TR" sz="1600" dirty="0" err="1" smtClean="0">
-                <a:latin typeface="Times New Roman" panose="02020603050405020304" pitchFamily="18" charset="0"/>
-                <a:cs typeface="Times New Roman" panose="02020603050405020304" pitchFamily="18" charset="0"/>
-              </a:rPr>
-              <a:t>Capacitor</a:t>
-            </a:r>
-            <a:r>
-              <a:rPr lang="tr-TR" sz="1600" dirty="0" smtClean="0">
-                <a:latin typeface="Times New Roman" panose="02020603050405020304" pitchFamily="18" charset="0"/>
-                <a:cs typeface="Times New Roman" panose="02020603050405020304" pitchFamily="18" charset="0"/>
-              </a:rPr>
-              <a:t> </a:t>
-            </a:r>
-            <a:r>
-              <a:rPr lang="tr-TR" sz="1600" dirty="0" err="1" smtClean="0">
-                <a:latin typeface="Times New Roman" panose="02020603050405020304" pitchFamily="18" charset="0"/>
-                <a:cs typeface="Times New Roman" panose="02020603050405020304" pitchFamily="18" charset="0"/>
-              </a:rPr>
-              <a:t>heating</a:t>
-            </a:r>
-            <a:endParaRPr lang="en-US" sz="1600" dirty="0" smtClean="0">
+            <a:r>
+              <a:rPr lang="tr-TR" sz="2000" b="1" dirty="0" err="1" smtClean="0">
+                <a:latin typeface="Times New Roman" panose="02020603050405020304" pitchFamily="18" charset="0"/>
+                <a:cs typeface="Times New Roman" panose="02020603050405020304" pitchFamily="18" charset="0"/>
+              </a:rPr>
+              <a:t>Effect</a:t>
+            </a:r>
+            <a:r>
+              <a:rPr lang="tr-TR" sz="2000" b="1" dirty="0" smtClean="0">
+                <a:latin typeface="Times New Roman" panose="02020603050405020304" pitchFamily="18" charset="0"/>
+                <a:cs typeface="Times New Roman" panose="02020603050405020304" pitchFamily="18" charset="0"/>
+              </a:rPr>
+              <a:t> of </a:t>
+            </a:r>
+            <a:r>
+              <a:rPr lang="tr-TR" sz="2000" b="1" dirty="0" err="1" smtClean="0">
+                <a:latin typeface="Times New Roman" panose="02020603050405020304" pitchFamily="18" charset="0"/>
+                <a:cs typeface="Times New Roman" panose="02020603050405020304" pitchFamily="18" charset="0"/>
+              </a:rPr>
+              <a:t>interleaving</a:t>
+            </a:r>
+            <a:endParaRPr lang="en-US" sz="2000" b="1" dirty="0" smtClean="0">
               <a:latin typeface="Times New Roman" panose="02020603050405020304" pitchFamily="18" charset="0"/>
               <a:cs typeface="Times New Roman" panose="02020603050405020304" pitchFamily="18" charset="0"/>
             </a:endParaRPr>
           </a:p>
-        </p:txBody>
-      </p:sp>
+          <a:p>
+            <a:pPr marL="800100" lvl="1" indent="-342900">
+              <a:buFont typeface="Wingdings" panose="05000000000000000000" pitchFamily="2" charset="2"/>
+              <a:buChar char="ü"/>
+            </a:pPr>
+            <a:endParaRPr lang="en-US" sz="2000" b="1" dirty="0">
+              <a:latin typeface="Times New Roman" panose="02020603050405020304" pitchFamily="18" charset="0"/>
+              <a:cs typeface="Times New Roman" panose="02020603050405020304" pitchFamily="18" charset="0"/>
+            </a:endParaRPr>
+          </a:p>
+        </p:txBody>
+      </p:sp>
+      <p:sp>
+        <p:nvSpPr>
+          <p:cNvPr id="9" name="TextBox 8"/>
+          <p:cNvSpPr txBox="1"/>
+          <p:nvPr/>
+        </p:nvSpPr>
+        <p:spPr>
+          <a:xfrm>
+            <a:off x="1386291" y="224135"/>
+            <a:ext cx="7315200" cy="553998"/>
+          </a:xfrm>
+          <a:prstGeom prst="rect">
+            <a:avLst/>
+          </a:prstGeom>
+          <a:noFill/>
+        </p:spPr>
+        <p:txBody>
+          <a:bodyPr wrap="square" rtlCol="0">
+            <a:spAutoFit/>
+          </a:bodyPr>
+          <a:lstStyle/>
+          <a:p>
+            <a:pPr algn="ctr"/>
+            <a:r>
+              <a:rPr lang="tr-TR" sz="3000" dirty="0" smtClean="0">
+                <a:latin typeface="Times New Roman" panose="02020603050405020304" pitchFamily="18" charset="0"/>
+                <a:cs typeface="Times New Roman" panose="02020603050405020304" pitchFamily="18" charset="0"/>
+              </a:rPr>
+              <a:t>DC Link </a:t>
+            </a:r>
+            <a:r>
+              <a:rPr lang="tr-TR" sz="3000" dirty="0" err="1" smtClean="0">
+                <a:latin typeface="Times New Roman" panose="02020603050405020304" pitchFamily="18" charset="0"/>
+                <a:cs typeface="Times New Roman" panose="02020603050405020304" pitchFamily="18" charset="0"/>
+              </a:rPr>
+              <a:t>Capacitor</a:t>
+            </a:r>
+            <a:r>
+              <a:rPr lang="tr-TR" sz="3000" dirty="0" smtClean="0">
+                <a:latin typeface="Times New Roman" panose="02020603050405020304" pitchFamily="18" charset="0"/>
+                <a:cs typeface="Times New Roman" panose="02020603050405020304" pitchFamily="18" charset="0"/>
+              </a:rPr>
+              <a:t> </a:t>
+            </a:r>
+            <a:r>
+              <a:rPr lang="tr-TR" sz="3000" dirty="0" err="1" smtClean="0">
+                <a:latin typeface="Times New Roman" panose="02020603050405020304" pitchFamily="18" charset="0"/>
+                <a:cs typeface="Times New Roman" panose="02020603050405020304" pitchFamily="18" charset="0"/>
+              </a:rPr>
+              <a:t>Optimization</a:t>
+            </a:r>
+            <a:endParaRPr lang="tr-TR" sz="3000" dirty="0">
+              <a:latin typeface="Times New Roman" panose="02020603050405020304" pitchFamily="18" charset="0"/>
+              <a:cs typeface="Times New Roman" panose="02020603050405020304" pitchFamily="18" charset="0"/>
+            </a:endParaRPr>
+          </a:p>
+        </p:txBody>
+      </p:sp>
+      <p:pic>
+        <p:nvPicPr>
+          <p:cNvPr id="12" name="Picture 11"/>
+          <p:cNvPicPr>
+            <a:picLocks noChangeAspect="1"/>
+          </p:cNvPicPr>
+          <p:nvPr/>
+        </p:nvPicPr>
+        <p:blipFill>
+          <a:blip r:embed="rId3"/>
+          <a:stretch>
+            <a:fillRect/>
+          </a:stretch>
+        </p:blipFill>
+        <p:spPr>
+          <a:xfrm>
+            <a:off x="1143000" y="3507625"/>
+            <a:ext cx="4572000" cy="3274518"/>
+          </a:xfrm>
+          <a:prstGeom prst="rect">
+            <a:avLst/>
+          </a:prstGeom>
+        </p:spPr>
+      </p:pic>
+      <p:pic>
+        <p:nvPicPr>
+          <p:cNvPr id="16" name="Picture 15"/>
+          <p:cNvPicPr>
+            <a:picLocks noChangeAspect="1"/>
+          </p:cNvPicPr>
+          <p:nvPr/>
+        </p:nvPicPr>
+        <p:blipFill>
+          <a:blip r:embed="rId4"/>
+          <a:stretch>
+            <a:fillRect/>
+          </a:stretch>
+        </p:blipFill>
+        <p:spPr>
+          <a:xfrm>
+            <a:off x="5481349" y="1208176"/>
+            <a:ext cx="3682189" cy="2725242"/>
+          </a:xfrm>
+          <a:prstGeom prst="rect">
+            <a:avLst/>
+          </a:prstGeom>
+        </p:spPr>
+      </p:pic>
+      <p:pic>
+        <p:nvPicPr>
+          <p:cNvPr id="6" name="Picture 5"/>
+          <p:cNvPicPr>
+            <a:picLocks noChangeAspect="1"/>
+          </p:cNvPicPr>
+          <p:nvPr/>
+        </p:nvPicPr>
+        <p:blipFill rotWithShape="1">
+          <a:blip r:embed="rId5">
+            <a:extLst>
+              <a:ext uri="{28A0092B-C50C-407E-A947-70E740481C1C}">
+                <a14:useLocalDpi xmlns:a14="http://schemas.microsoft.com/office/drawing/2010/main" val="0"/>
+              </a:ext>
+            </a:extLst>
+          </a:blip>
+          <a:srcRect l="65856" r="991" b="37842"/>
+          <a:stretch/>
+        </p:blipFill>
+        <p:spPr>
+          <a:xfrm>
+            <a:off x="1295400" y="1639787"/>
+            <a:ext cx="1567269" cy="1741884"/>
+          </a:xfrm>
+          <a:prstGeom prst="rect">
+            <a:avLst/>
+          </a:prstGeom>
+        </p:spPr>
+      </p:pic>
     </p:spTree>
     <p:extLst>
       <p:ext uri="{BB962C8B-B14F-4D97-AF65-F5344CB8AC3E}">
-        <p14:creationId xmlns:p14="http://schemas.microsoft.com/office/powerpoint/2010/main" val="2406531876"/>
+        <p14:creationId xmlns:p14="http://schemas.microsoft.com/office/powerpoint/2010/main" val="3170489505"/>
       </p:ext>
     </p:extLst>
   </p:cSld>
@@ -7110,136 +7227,7 @@
       </p:pic>
       <p:sp>
         <p:nvSpPr>
-          <p:cNvPr id="18" name="Text Box 9"/>
-          <p:cNvSpPr txBox="1">
-            <a:spLocks noChangeArrowheads="1"/>
-          </p:cNvSpPr>
-          <p:nvPr/>
-        </p:nvSpPr>
-        <p:spPr bwMode="auto">
-          <a:xfrm>
-            <a:off x="1189918" y="1143000"/>
-            <a:ext cx="4267907" cy="2246769"/>
-          </a:xfrm>
-          <a:prstGeom prst="rect">
-            <a:avLst/>
-          </a:prstGeom>
-          <a:noFill/>
-          <a:ln w="9525">
-            <a:noFill/>
-            <a:miter lim="800000"/>
-            <a:headEnd/>
-            <a:tailEnd/>
-          </a:ln>
-          <a:effectLst/>
-        </p:spPr>
-        <p:txBody>
-          <a:bodyPr wrap="square">
-            <a:spAutoFit/>
-          </a:bodyPr>
-          <a:lstStyle/>
-          <a:p>
-            <a:pPr marL="342900" indent="-342900">
-              <a:buFont typeface="Wingdings" panose="05000000000000000000" pitchFamily="2" charset="2"/>
-              <a:buChar char="ü"/>
-            </a:pPr>
-            <a:r>
-              <a:rPr lang="en-US" sz="2000" b="1" dirty="0" smtClean="0">
-                <a:latin typeface="Times New Roman" panose="02020603050405020304" pitchFamily="18" charset="0"/>
-                <a:cs typeface="Times New Roman" panose="02020603050405020304" pitchFamily="18" charset="0"/>
-              </a:rPr>
-              <a:t>Analytical model</a:t>
-            </a:r>
-          </a:p>
-          <a:p>
-            <a:pPr marL="800100" lvl="1" indent="-342900">
-              <a:buFont typeface="Wingdings" panose="05000000000000000000" pitchFamily="2" charset="2"/>
-              <a:buChar char="ü"/>
-            </a:pPr>
-            <a:r>
-              <a:rPr lang="en-US" sz="2000" b="1" dirty="0" smtClean="0">
-                <a:latin typeface="Times New Roman" panose="02020603050405020304" pitchFamily="18" charset="0"/>
-                <a:cs typeface="Times New Roman" panose="02020603050405020304" pitchFamily="18" charset="0"/>
-              </a:rPr>
-              <a:t>RMS current</a:t>
-            </a:r>
-          </a:p>
-          <a:p>
-            <a:pPr marL="800100" lvl="1" indent="-342900">
-              <a:buFont typeface="Wingdings" panose="05000000000000000000" pitchFamily="2" charset="2"/>
-              <a:buChar char="ü"/>
-            </a:pPr>
-            <a:r>
-              <a:rPr lang="en-US" sz="2000" b="1" dirty="0" smtClean="0">
-                <a:latin typeface="Times New Roman" panose="02020603050405020304" pitchFamily="18" charset="0"/>
-                <a:cs typeface="Times New Roman" panose="02020603050405020304" pitchFamily="18" charset="0"/>
-              </a:rPr>
-              <a:t>Capacitance (ripple voltage)</a:t>
-            </a:r>
-            <a:endParaRPr lang="tr-TR" sz="2000" b="1" dirty="0" smtClean="0">
-              <a:latin typeface="Times New Roman" panose="02020603050405020304" pitchFamily="18" charset="0"/>
-              <a:cs typeface="Times New Roman" panose="02020603050405020304" pitchFamily="18" charset="0"/>
-            </a:endParaRPr>
-          </a:p>
-          <a:p>
-            <a:pPr marL="800100" lvl="1" indent="-342900">
-              <a:buFont typeface="Wingdings" panose="05000000000000000000" pitchFamily="2" charset="2"/>
-              <a:buChar char="ü"/>
-            </a:pPr>
-            <a:r>
-              <a:rPr lang="tr-TR" sz="2000" b="1" dirty="0" err="1" smtClean="0">
-                <a:latin typeface="Times New Roman" panose="02020603050405020304" pitchFamily="18" charset="0"/>
-                <a:cs typeface="Times New Roman" panose="02020603050405020304" pitchFamily="18" charset="0"/>
-              </a:rPr>
-              <a:t>Heating</a:t>
-            </a:r>
-            <a:endParaRPr lang="tr-TR" sz="2000" b="1" dirty="0" smtClean="0">
-              <a:latin typeface="Times New Roman" panose="02020603050405020304" pitchFamily="18" charset="0"/>
-              <a:cs typeface="Times New Roman" panose="02020603050405020304" pitchFamily="18" charset="0"/>
-            </a:endParaRPr>
-          </a:p>
-          <a:p>
-            <a:pPr marL="342900" indent="-342900">
-              <a:buFont typeface="Wingdings" panose="05000000000000000000" pitchFamily="2" charset="2"/>
-              <a:buChar char="ü"/>
-            </a:pPr>
-            <a:r>
-              <a:rPr lang="tr-TR" sz="2000" b="1" dirty="0" err="1" smtClean="0">
-                <a:latin typeface="Times New Roman" panose="02020603050405020304" pitchFamily="18" charset="0"/>
-                <a:cs typeface="Times New Roman" panose="02020603050405020304" pitchFamily="18" charset="0"/>
-              </a:rPr>
-              <a:t>Interleaving</a:t>
-            </a:r>
-            <a:endParaRPr lang="en-US" sz="2000" b="1" dirty="0">
-              <a:latin typeface="Times New Roman" panose="02020603050405020304" pitchFamily="18" charset="0"/>
-              <a:cs typeface="Times New Roman" panose="02020603050405020304" pitchFamily="18" charset="0"/>
-            </a:endParaRPr>
-          </a:p>
-          <a:p>
-            <a:pPr marL="800100" lvl="1" indent="-342900">
-              <a:buFont typeface="Wingdings" panose="05000000000000000000" pitchFamily="2" charset="2"/>
-              <a:buChar char="ü"/>
-            </a:pPr>
-            <a:endParaRPr lang="en-US" sz="2000" b="1" dirty="0" smtClean="0">
-              <a:latin typeface="Times New Roman" panose="02020603050405020304" pitchFamily="18" charset="0"/>
-              <a:cs typeface="Times New Roman" panose="02020603050405020304" pitchFamily="18" charset="0"/>
-            </a:endParaRPr>
-          </a:p>
-          <a:p>
-            <a:pPr marL="800100" lvl="1" indent="-342900">
-              <a:buFont typeface="Wingdings" panose="05000000000000000000" pitchFamily="2" charset="2"/>
-              <a:buChar char="ü"/>
-            </a:pPr>
-            <a:endParaRPr lang="en-US" sz="2000" b="1" dirty="0">
-              <a:latin typeface="Times New Roman" panose="02020603050405020304" pitchFamily="18" charset="0"/>
-              <a:cs typeface="Times New Roman" panose="02020603050405020304" pitchFamily="18" charset="0"/>
-            </a:endParaRPr>
-          </a:p>
-        </p:txBody>
-      </p:sp>
-      <p:sp>
-        <p:nvSpPr>
-          <p:cNvPr id="9" name="TextBox 8"/>
+          <p:cNvPr id="12" name="TextBox 11"/>
           <p:cNvSpPr txBox="1"/>
           <p:nvPr/>
         </p:nvSpPr>
@@ -7297,7 +7285,7 @@
       </p:sp>
       <p:pic>
         <p:nvPicPr>
-          <p:cNvPr id="12" name="Picture 11"/>
+          <p:cNvPr id="19" name="Picture 18"/>
           <p:cNvPicPr>
             <a:picLocks noChangeAspect="1"/>
           </p:cNvPicPr>
@@ -7311,8 +7299,8 @@
         </p:blipFill>
         <p:spPr>
           <a:xfrm>
-            <a:off x="5101041" y="3637418"/>
-            <a:ext cx="3465033" cy="2481696"/>
+            <a:off x="1241194" y="1225916"/>
+            <a:ext cx="5478396" cy="5289550"/>
           </a:xfrm>
           <a:prstGeom prst="rect">
             <a:avLst/>
@@ -7321,7 +7309,7 @@
       </p:pic>
       <p:pic>
         <p:nvPicPr>
-          <p:cNvPr id="16" name="Picture 15"/>
+          <p:cNvPr id="20" name="Picture 19"/>
           <p:cNvPicPr>
             <a:picLocks noChangeAspect="1"/>
           </p:cNvPicPr>
@@ -7335,114 +7323,23 @@
         </p:blipFill>
         <p:spPr>
           <a:xfrm>
-            <a:off x="1170868" y="3352450"/>
-            <a:ext cx="4123187" cy="3051631"/>
-          </a:xfrm>
-          <a:prstGeom prst="rect">
-            <a:avLst/>
-          </a:prstGeom>
-        </p:spPr>
-      </p:pic>
-      <p:pic>
-        <p:nvPicPr>
-          <p:cNvPr id="3" name="Picture 2"/>
-          <p:cNvPicPr>
-            <a:picLocks noChangeAspect="1"/>
-          </p:cNvPicPr>
-          <p:nvPr/>
-        </p:nvPicPr>
-        <p:blipFill>
-          <a:blip r:embed="rId5"/>
-          <a:stretch>
-            <a:fillRect/>
-          </a:stretch>
-        </p:blipFill>
-        <p:spPr>
-          <a:xfrm>
-            <a:off x="4191000" y="2481975"/>
-            <a:ext cx="3724275" cy="1019175"/>
-          </a:xfrm>
-          <a:prstGeom prst="rect">
-            <a:avLst/>
-          </a:prstGeom>
-        </p:spPr>
-      </p:pic>
-      <p:pic>
-        <p:nvPicPr>
-          <p:cNvPr id="4" name="Picture 3"/>
-          <p:cNvPicPr>
-            <a:picLocks noChangeAspect="1"/>
-          </p:cNvPicPr>
-          <p:nvPr/>
-        </p:nvPicPr>
-        <p:blipFill>
-          <a:blip r:embed="rId6"/>
-          <a:stretch>
-            <a:fillRect/>
-          </a:stretch>
-        </p:blipFill>
-        <p:spPr>
-          <a:xfrm>
-            <a:off x="1252456" y="3376574"/>
-            <a:ext cx="8439150" cy="1257300"/>
-          </a:xfrm>
-          <a:prstGeom prst="rect">
-            <a:avLst/>
-          </a:prstGeom>
-        </p:spPr>
-      </p:pic>
-      <p:pic>
-        <p:nvPicPr>
-          <p:cNvPr id="5" name="Picture 4"/>
-          <p:cNvPicPr>
-            <a:picLocks noChangeAspect="1"/>
-          </p:cNvPicPr>
-          <p:nvPr/>
-        </p:nvPicPr>
-        <p:blipFill>
-          <a:blip r:embed="rId7"/>
-          <a:stretch>
-            <a:fillRect/>
-          </a:stretch>
-        </p:blipFill>
-        <p:spPr>
-          <a:xfrm>
-            <a:off x="5472031" y="1175245"/>
-            <a:ext cx="3571875" cy="885825"/>
-          </a:xfrm>
-          <a:prstGeom prst="rect">
-            <a:avLst/>
-          </a:prstGeom>
-        </p:spPr>
-      </p:pic>
-      <p:pic>
-        <p:nvPicPr>
-          <p:cNvPr id="7" name="Picture 6"/>
-          <p:cNvPicPr>
-            <a:picLocks noChangeAspect="1"/>
-          </p:cNvPicPr>
-          <p:nvPr/>
-        </p:nvPicPr>
-        <p:blipFill>
-          <a:blip r:embed="rId8"/>
-          <a:stretch>
-            <a:fillRect/>
-          </a:stretch>
-        </p:blipFill>
-        <p:spPr>
-          <a:xfrm>
-            <a:off x="1504950" y="2987582"/>
-            <a:ext cx="3823094" cy="2232117"/>
-          </a:xfrm>
-          <a:prstGeom prst="rect">
-            <a:avLst/>
-          </a:prstGeom>
+            <a:off x="6172200" y="5131095"/>
+            <a:ext cx="2855296" cy="1114387"/>
+          </a:xfrm>
+          <a:prstGeom prst="rect">
+            <a:avLst/>
+          </a:prstGeom>
+          <a:ln w="12700">
+            <a:solidFill>
+              <a:schemeClr val="tx1"/>
+            </a:solidFill>
+          </a:ln>
         </p:spPr>
       </p:pic>
     </p:spTree>
     <p:extLst>
       <p:ext uri="{BB962C8B-B14F-4D97-AF65-F5344CB8AC3E}">
-        <p14:creationId xmlns:p14="http://schemas.microsoft.com/office/powerpoint/2010/main" val="3170489505"/>
+        <p14:creationId xmlns:p14="http://schemas.microsoft.com/office/powerpoint/2010/main" val="3946266199"/>
       </p:ext>
     </p:extLst>
   </p:cSld>
@@ -7677,7 +7574,161 @@
       </p:pic>
       <p:sp>
         <p:nvSpPr>
-          <p:cNvPr id="18" name="Text Box 9"/>
+          <p:cNvPr id="9" name="TextBox 8"/>
+          <p:cNvSpPr txBox="1"/>
+          <p:nvPr/>
+        </p:nvSpPr>
+        <p:spPr>
+          <a:xfrm>
+            <a:off x="1386291" y="224135"/>
+            <a:ext cx="7315200" cy="553998"/>
+          </a:xfrm>
+          <a:prstGeom prst="rect">
+            <a:avLst/>
+          </a:prstGeom>
+          <a:noFill/>
+        </p:spPr>
+        <p:txBody>
+          <a:bodyPr wrap="square" rtlCol="0">
+            <a:spAutoFit/>
+          </a:bodyPr>
+          <a:lstStyle/>
+          <a:p>
+            <a:pPr algn="ctr"/>
+            <a:r>
+              <a:rPr lang="tr-TR" sz="3000" dirty="0" smtClean="0">
+                <a:latin typeface="Times New Roman" panose="02020603050405020304" pitchFamily="18" charset="0"/>
+                <a:cs typeface="Times New Roman" panose="02020603050405020304" pitchFamily="18" charset="0"/>
+              </a:rPr>
+              <a:t>DC Link </a:t>
+            </a:r>
+            <a:r>
+              <a:rPr lang="tr-TR" sz="3000" dirty="0" err="1" smtClean="0">
+                <a:latin typeface="Times New Roman" panose="02020603050405020304" pitchFamily="18" charset="0"/>
+                <a:cs typeface="Times New Roman" panose="02020603050405020304" pitchFamily="18" charset="0"/>
+              </a:rPr>
+              <a:t>Capacitor</a:t>
+            </a:r>
+            <a:r>
+              <a:rPr lang="tr-TR" sz="3000" dirty="0" smtClean="0">
+                <a:latin typeface="Times New Roman" panose="02020603050405020304" pitchFamily="18" charset="0"/>
+                <a:cs typeface="Times New Roman" panose="02020603050405020304" pitchFamily="18" charset="0"/>
+              </a:rPr>
+              <a:t> </a:t>
+            </a:r>
+            <a:r>
+              <a:rPr lang="tr-TR" sz="3000" dirty="0" err="1" smtClean="0">
+                <a:latin typeface="Times New Roman" panose="02020603050405020304" pitchFamily="18" charset="0"/>
+                <a:cs typeface="Times New Roman" panose="02020603050405020304" pitchFamily="18" charset="0"/>
+              </a:rPr>
+              <a:t>Optimization</a:t>
+            </a:r>
+            <a:endParaRPr lang="tr-TR" sz="3000" dirty="0">
+              <a:latin typeface="Times New Roman" panose="02020603050405020304" pitchFamily="18" charset="0"/>
+              <a:cs typeface="Times New Roman" panose="02020603050405020304" pitchFamily="18" charset="0"/>
+            </a:endParaRPr>
+          </a:p>
+        </p:txBody>
+      </p:sp>
+      <p:pic>
+        <p:nvPicPr>
+          <p:cNvPr id="4" name="Picture 3"/>
+          <p:cNvPicPr>
+            <a:picLocks noChangeAspect="1"/>
+          </p:cNvPicPr>
+          <p:nvPr/>
+        </p:nvPicPr>
+        <p:blipFill>
+          <a:blip r:embed="rId3"/>
+          <a:stretch>
+            <a:fillRect/>
+          </a:stretch>
+        </p:blipFill>
+        <p:spPr>
+          <a:xfrm>
+            <a:off x="1397131" y="1285155"/>
+            <a:ext cx="2928749" cy="2338387"/>
+          </a:xfrm>
+          <a:prstGeom prst="rect">
+            <a:avLst/>
+          </a:prstGeom>
+        </p:spPr>
+      </p:pic>
+      <p:pic>
+        <p:nvPicPr>
+          <p:cNvPr id="5" name="Picture 4"/>
+          <p:cNvPicPr>
+            <a:picLocks noChangeAspect="1"/>
+          </p:cNvPicPr>
+          <p:nvPr/>
+        </p:nvPicPr>
+        <p:blipFill>
+          <a:blip r:embed="rId4"/>
+          <a:stretch>
+            <a:fillRect/>
+          </a:stretch>
+        </p:blipFill>
+        <p:spPr>
+          <a:xfrm>
+            <a:off x="5562598" y="1304283"/>
+            <a:ext cx="2928749" cy="2310255"/>
+          </a:xfrm>
+          <a:prstGeom prst="rect">
+            <a:avLst/>
+          </a:prstGeom>
+        </p:spPr>
+      </p:pic>
+      <p:pic>
+        <p:nvPicPr>
+          <p:cNvPr id="7" name="Picture 6"/>
+          <p:cNvPicPr>
+            <a:picLocks noChangeAspect="1"/>
+          </p:cNvPicPr>
+          <p:nvPr/>
+        </p:nvPicPr>
+        <p:blipFill>
+          <a:blip r:embed="rId5"/>
+          <a:stretch>
+            <a:fillRect/>
+          </a:stretch>
+        </p:blipFill>
+        <p:spPr>
+          <a:xfrm>
+            <a:off x="5181600" y="3733800"/>
+            <a:ext cx="3368163" cy="3110523"/>
+          </a:xfrm>
+          <a:prstGeom prst="rect">
+            <a:avLst/>
+          </a:prstGeom>
+        </p:spPr>
+      </p:pic>
+      <p:pic>
+        <p:nvPicPr>
+          <p:cNvPr id="6" name="Picture 5"/>
+          <p:cNvPicPr>
+            <a:picLocks noChangeAspect="1"/>
+          </p:cNvPicPr>
+          <p:nvPr/>
+        </p:nvPicPr>
+        <p:blipFill>
+          <a:blip r:embed="rId6"/>
+          <a:stretch>
+            <a:fillRect/>
+          </a:stretch>
+        </p:blipFill>
+        <p:spPr>
+          <a:xfrm>
+            <a:off x="1162564" y="3945927"/>
+            <a:ext cx="3739508" cy="2854825"/>
+          </a:xfrm>
+          <a:prstGeom prst="rect">
+            <a:avLst/>
+          </a:prstGeom>
+        </p:spPr>
+      </p:pic>
+      <p:sp>
+        <p:nvSpPr>
+          <p:cNvPr id="16" name="Text Box 9"/>
           <p:cNvSpPr txBox="1">
             <a:spLocks noChangeArrowheads="1"/>
           </p:cNvSpPr>
@@ -7685,8 +7736,8 @@
         </p:nvSpPr>
         <p:spPr bwMode="auto">
           <a:xfrm>
-            <a:off x="1189918" y="1143000"/>
-            <a:ext cx="4267907" cy="1631216"/>
+            <a:off x="1397131" y="962770"/>
+            <a:ext cx="2928749" cy="338554"/>
           </a:xfrm>
           <a:prstGeom prst="rect">
             <a:avLst/>
@@ -7706,192 +7757,148 @@
           </a:bodyPr>
           <a:lstStyle/>
           <a:p>
-            <a:pPr marL="342900" indent="-342900">
-              <a:buFont typeface="Wingdings" panose="05000000000000000000" pitchFamily="2" charset="2"/>
-              <a:buChar char="ü"/>
-            </a:pPr>
-            <a:r>
-              <a:rPr lang="tr-TR" sz="2000" b="1" dirty="0" err="1" smtClean="0">
-                <a:latin typeface="Times New Roman" panose="02020603050405020304" pitchFamily="18" charset="0"/>
-                <a:cs typeface="Times New Roman" panose="02020603050405020304" pitchFamily="18" charset="0"/>
-              </a:rPr>
-              <a:t>Selection</a:t>
-            </a:r>
-            <a:r>
-              <a:rPr lang="tr-TR" sz="2000" b="1" dirty="0" smtClean="0">
+            <a:pPr algn="ctr"/>
+            <a:r>
+              <a:rPr lang="tr-TR" sz="1600" b="1" dirty="0" smtClean="0">
+                <a:latin typeface="Times New Roman" panose="02020603050405020304" pitchFamily="18" charset="0"/>
+                <a:cs typeface="Times New Roman" panose="02020603050405020304" pitchFamily="18" charset="0"/>
+              </a:rPr>
+              <a:t>RMS </a:t>
+            </a:r>
+            <a:r>
+              <a:rPr lang="tr-TR" sz="1600" b="1" dirty="0" err="1" smtClean="0">
+                <a:latin typeface="Times New Roman" panose="02020603050405020304" pitchFamily="18" charset="0"/>
+                <a:cs typeface="Times New Roman" panose="02020603050405020304" pitchFamily="18" charset="0"/>
+              </a:rPr>
+              <a:t>current</a:t>
+            </a:r>
+            <a:r>
+              <a:rPr lang="tr-TR" sz="1600" b="1" dirty="0" smtClean="0">
                 <a:latin typeface="Times New Roman" panose="02020603050405020304" pitchFamily="18" charset="0"/>
                 <a:cs typeface="Times New Roman" panose="02020603050405020304" pitchFamily="18" charset="0"/>
               </a:rPr>
               <a:t> </a:t>
             </a:r>
             <a:r>
-              <a:rPr lang="tr-TR" sz="2000" b="1" dirty="0" err="1" smtClean="0">
-                <a:latin typeface="Times New Roman" panose="02020603050405020304" pitchFamily="18" charset="0"/>
-                <a:cs typeface="Times New Roman" panose="02020603050405020304" pitchFamily="18" charset="0"/>
-              </a:rPr>
-              <a:t>aspects</a:t>
-            </a:r>
-            <a:endParaRPr lang="tr-TR" sz="2000" b="1" dirty="0" smtClean="0">
+              <a:rPr lang="tr-TR" sz="1600" b="1" dirty="0" err="1" smtClean="0">
+                <a:latin typeface="Times New Roman" panose="02020603050405020304" pitchFamily="18" charset="0"/>
+                <a:cs typeface="Times New Roman" panose="02020603050405020304" pitchFamily="18" charset="0"/>
+              </a:rPr>
+              <a:t>vs</a:t>
+            </a:r>
+            <a:r>
+              <a:rPr lang="tr-TR" sz="1600" b="1" dirty="0" smtClean="0">
+                <a:latin typeface="Times New Roman" panose="02020603050405020304" pitchFamily="18" charset="0"/>
+                <a:cs typeface="Times New Roman" panose="02020603050405020304" pitchFamily="18" charset="0"/>
+              </a:rPr>
+              <a:t> </a:t>
+            </a:r>
+            <a:r>
+              <a:rPr lang="tr-TR" sz="1600" b="1" dirty="0" err="1" smtClean="0">
+                <a:latin typeface="Times New Roman" panose="02020603050405020304" pitchFamily="18" charset="0"/>
+                <a:cs typeface="Times New Roman" panose="02020603050405020304" pitchFamily="18" charset="0"/>
+              </a:rPr>
+              <a:t>m</a:t>
+            </a:r>
+            <a:r>
+              <a:rPr lang="tr-TR" sz="1600" b="1" baseline="-25000" dirty="0" err="1" smtClean="0">
+                <a:latin typeface="Times New Roman" panose="02020603050405020304" pitchFamily="18" charset="0"/>
+                <a:cs typeface="Times New Roman" panose="02020603050405020304" pitchFamily="18" charset="0"/>
+              </a:rPr>
+              <a:t>a</a:t>
+            </a:r>
+            <a:endParaRPr lang="en-US" sz="1600" b="1" baseline="-25000" dirty="0" smtClean="0">
               <a:latin typeface="Times New Roman" panose="02020603050405020304" pitchFamily="18" charset="0"/>
               <a:cs typeface="Times New Roman" panose="02020603050405020304" pitchFamily="18" charset="0"/>
             </a:endParaRPr>
           </a:p>
-          <a:p>
-            <a:pPr marL="342900" indent="-342900">
-              <a:buFont typeface="Wingdings" panose="05000000000000000000" pitchFamily="2" charset="2"/>
-              <a:buChar char="ü"/>
-            </a:pPr>
-            <a:r>
-              <a:rPr lang="tr-TR" sz="2000" b="1" dirty="0" err="1" smtClean="0">
-                <a:latin typeface="Times New Roman" panose="02020603050405020304" pitchFamily="18" charset="0"/>
-                <a:cs typeface="Times New Roman" panose="02020603050405020304" pitchFamily="18" charset="0"/>
-              </a:rPr>
-              <a:t>Selection</a:t>
-            </a:r>
-            <a:r>
-              <a:rPr lang="tr-TR" sz="2000" b="1" dirty="0" smtClean="0">
+        </p:txBody>
+      </p:sp>
+      <p:sp>
+        <p:nvSpPr>
+          <p:cNvPr id="17" name="Text Box 9"/>
+          <p:cNvSpPr txBox="1">
+            <a:spLocks noChangeArrowheads="1"/>
+          </p:cNvSpPr>
+          <p:nvPr/>
+        </p:nvSpPr>
+        <p:spPr bwMode="auto">
+          <a:xfrm>
+            <a:off x="5562598" y="951976"/>
+            <a:ext cx="2928749" cy="338554"/>
+          </a:xfrm>
+          <a:prstGeom prst="rect">
+            <a:avLst/>
+          </a:prstGeom>
+          <a:noFill/>
+          <a:ln w="9525">
+            <a:noFill/>
+            <a:miter lim="800000"/>
+            <a:headEnd/>
+            <a:tailEnd/>
+          </a:ln>
+          <a:effectLst/>
+        </p:spPr>
+        <p:txBody>
+          <a:bodyPr wrap="square">
+            <a:spAutoFit/>
+          </a:bodyPr>
+          <a:lstStyle/>
+          <a:p>
+            <a:pPr algn="ctr"/>
+            <a:r>
+              <a:rPr lang="tr-TR" sz="1600" b="1" dirty="0" err="1" smtClean="0">
+                <a:latin typeface="Times New Roman" panose="02020603050405020304" pitchFamily="18" charset="0"/>
+                <a:cs typeface="Times New Roman" panose="02020603050405020304" pitchFamily="18" charset="0"/>
+              </a:rPr>
+              <a:t>Capacitance</a:t>
+            </a:r>
+            <a:r>
+              <a:rPr lang="tr-TR" sz="1600" b="1" dirty="0" smtClean="0">
                 <a:latin typeface="Times New Roman" panose="02020603050405020304" pitchFamily="18" charset="0"/>
                 <a:cs typeface="Times New Roman" panose="02020603050405020304" pitchFamily="18" charset="0"/>
               </a:rPr>
               <a:t> </a:t>
             </a:r>
             <a:r>
-              <a:rPr lang="tr-TR" sz="2000" b="1" dirty="0" err="1" smtClean="0">
-                <a:latin typeface="Times New Roman" panose="02020603050405020304" pitchFamily="18" charset="0"/>
-                <a:cs typeface="Times New Roman" panose="02020603050405020304" pitchFamily="18" charset="0"/>
-              </a:rPr>
-              <a:t>algorithm</a:t>
-            </a:r>
-            <a:endParaRPr lang="tr-TR" sz="2000" b="1" dirty="0" smtClean="0">
+              <a:rPr lang="tr-TR" sz="1600" b="1" dirty="0" err="1" smtClean="0">
+                <a:latin typeface="Times New Roman" panose="02020603050405020304" pitchFamily="18" charset="0"/>
+                <a:cs typeface="Times New Roman" panose="02020603050405020304" pitchFamily="18" charset="0"/>
+              </a:rPr>
+              <a:t>vs</a:t>
+            </a:r>
+            <a:r>
+              <a:rPr lang="tr-TR" sz="1600" b="1" dirty="0" smtClean="0">
+                <a:latin typeface="Times New Roman" panose="02020603050405020304" pitchFamily="18" charset="0"/>
+                <a:cs typeface="Times New Roman" panose="02020603050405020304" pitchFamily="18" charset="0"/>
+              </a:rPr>
+              <a:t> </a:t>
+            </a:r>
+            <a:r>
+              <a:rPr lang="tr-TR" sz="1600" b="1" dirty="0" err="1" smtClean="0">
+                <a:latin typeface="Times New Roman" panose="02020603050405020304" pitchFamily="18" charset="0"/>
+                <a:cs typeface="Times New Roman" panose="02020603050405020304" pitchFamily="18" charset="0"/>
+              </a:rPr>
+              <a:t>f</a:t>
+            </a:r>
+            <a:r>
+              <a:rPr lang="tr-TR" sz="1600" b="1" baseline="-25000" dirty="0" err="1" smtClean="0">
+                <a:latin typeface="Times New Roman" panose="02020603050405020304" pitchFamily="18" charset="0"/>
+                <a:cs typeface="Times New Roman" panose="02020603050405020304" pitchFamily="18" charset="0"/>
+              </a:rPr>
+              <a:t>sw</a:t>
+            </a:r>
+            <a:endParaRPr lang="en-US" sz="1600" b="1" baseline="-25000" dirty="0" smtClean="0">
               <a:latin typeface="Times New Roman" panose="02020603050405020304" pitchFamily="18" charset="0"/>
               <a:cs typeface="Times New Roman" panose="02020603050405020304" pitchFamily="18" charset="0"/>
             </a:endParaRPr>
           </a:p>
-          <a:p>
-            <a:pPr marL="342900" indent="-342900">
-              <a:buFont typeface="Wingdings" panose="05000000000000000000" pitchFamily="2" charset="2"/>
-              <a:buChar char="ü"/>
-            </a:pPr>
-            <a:r>
-              <a:rPr lang="tr-TR" sz="2000" b="1" dirty="0" err="1" smtClean="0">
-                <a:latin typeface="Times New Roman" panose="02020603050405020304" pitchFamily="18" charset="0"/>
-                <a:cs typeface="Times New Roman" panose="02020603050405020304" pitchFamily="18" charset="0"/>
-              </a:rPr>
-              <a:t>Results</a:t>
-            </a:r>
-            <a:endParaRPr lang="en-US" sz="2000" b="1" dirty="0" smtClean="0">
-              <a:latin typeface="Times New Roman" panose="02020603050405020304" pitchFamily="18" charset="0"/>
-              <a:cs typeface="Times New Roman" panose="02020603050405020304" pitchFamily="18" charset="0"/>
-            </a:endParaRPr>
-          </a:p>
-          <a:p>
-            <a:pPr marL="800100" lvl="1" indent="-342900">
-              <a:buFont typeface="Wingdings" panose="05000000000000000000" pitchFamily="2" charset="2"/>
-              <a:buChar char="ü"/>
-            </a:pPr>
-            <a:endParaRPr lang="en-US" sz="2000" b="1" dirty="0" smtClean="0">
-              <a:latin typeface="Times New Roman" panose="02020603050405020304" pitchFamily="18" charset="0"/>
-              <a:cs typeface="Times New Roman" panose="02020603050405020304" pitchFamily="18" charset="0"/>
-            </a:endParaRPr>
-          </a:p>
-          <a:p>
-            <a:pPr marL="800100" lvl="1" indent="-342900">
-              <a:buFont typeface="Wingdings" panose="05000000000000000000" pitchFamily="2" charset="2"/>
-              <a:buChar char="ü"/>
-            </a:pPr>
-            <a:endParaRPr lang="en-US" sz="2000" b="1" dirty="0">
-              <a:latin typeface="Times New Roman" panose="02020603050405020304" pitchFamily="18" charset="0"/>
-              <a:cs typeface="Times New Roman" panose="02020603050405020304" pitchFamily="18" charset="0"/>
-            </a:endParaRPr>
-          </a:p>
-        </p:txBody>
-      </p:sp>
-      <p:sp>
-        <p:nvSpPr>
-          <p:cNvPr id="12" name="TextBox 11"/>
-          <p:cNvSpPr txBox="1"/>
-          <p:nvPr/>
-        </p:nvSpPr>
-        <p:spPr>
-          <a:xfrm>
-            <a:off x="1386291" y="224135"/>
-            <a:ext cx="7315200" cy="553998"/>
-          </a:xfrm>
-          <a:prstGeom prst="rect">
-            <a:avLst/>
-          </a:prstGeom>
-          <a:noFill/>
-        </p:spPr>
-        <p:txBody>
-          <a:bodyPr wrap="square" rtlCol="0">
-            <a:spAutoFit/>
-          </a:bodyPr>
-          <a:lstStyle/>
-          <a:p>
-            <a:pPr algn="ctr"/>
-            <a:r>
-              <a:rPr lang="tr-TR" sz="3000" dirty="0" smtClean="0">
-                <a:latin typeface="Times New Roman" panose="02020603050405020304" pitchFamily="18" charset="0"/>
-                <a:cs typeface="Times New Roman" panose="02020603050405020304" pitchFamily="18" charset="0"/>
-              </a:rPr>
-              <a:t>DC Link </a:t>
-            </a:r>
-            <a:r>
-              <a:rPr lang="tr-TR" sz="3000" dirty="0" err="1" smtClean="0">
-                <a:latin typeface="Times New Roman" panose="02020603050405020304" pitchFamily="18" charset="0"/>
-                <a:cs typeface="Times New Roman" panose="02020603050405020304" pitchFamily="18" charset="0"/>
-              </a:rPr>
-              <a:t>Capacitor</a:t>
-            </a:r>
-            <a:r>
-              <a:rPr lang="tr-TR" sz="3000" dirty="0" smtClean="0">
-                <a:latin typeface="Times New Roman" panose="02020603050405020304" pitchFamily="18" charset="0"/>
-                <a:cs typeface="Times New Roman" panose="02020603050405020304" pitchFamily="18" charset="0"/>
-              </a:rPr>
-              <a:t> </a:t>
-            </a:r>
-            <a:r>
-              <a:rPr lang="tr-TR" sz="3000" dirty="0" err="1" smtClean="0">
-                <a:latin typeface="Times New Roman" panose="02020603050405020304" pitchFamily="18" charset="0"/>
-                <a:cs typeface="Times New Roman" panose="02020603050405020304" pitchFamily="18" charset="0"/>
-              </a:rPr>
-              <a:t>Optimization</a:t>
-            </a:r>
-            <a:endParaRPr lang="tr-TR" sz="3000" dirty="0">
-              <a:latin typeface="Times New Roman" panose="02020603050405020304" pitchFamily="18" charset="0"/>
-              <a:cs typeface="Times New Roman" panose="02020603050405020304" pitchFamily="18" charset="0"/>
-            </a:endParaRPr>
-          </a:p>
-        </p:txBody>
-      </p:sp>
-      <p:pic>
-        <p:nvPicPr>
-          <p:cNvPr id="19" name="Picture 18"/>
-          <p:cNvPicPr>
-            <a:picLocks noChangeAspect="1"/>
-          </p:cNvPicPr>
-          <p:nvPr/>
-        </p:nvPicPr>
-        <p:blipFill>
-          <a:blip r:embed="rId3"/>
-          <a:stretch>
-            <a:fillRect/>
-          </a:stretch>
-        </p:blipFill>
-        <p:spPr>
-          <a:xfrm>
-            <a:off x="3285771" y="1905000"/>
-            <a:ext cx="4145322" cy="4002428"/>
-          </a:xfrm>
-          <a:prstGeom prst="rect">
-            <a:avLst/>
-          </a:prstGeom>
-        </p:spPr>
-      </p:pic>
+        </p:txBody>
+      </p:sp>
     </p:spTree>
     <p:extLst>
       <p:ext uri="{BB962C8B-B14F-4D97-AF65-F5344CB8AC3E}">
-        <p14:creationId xmlns:p14="http://schemas.microsoft.com/office/powerpoint/2010/main" val="3946266199"/>
+        <p14:creationId xmlns:p14="http://schemas.microsoft.com/office/powerpoint/2010/main" val="1314151076"/>
       </p:ext>
     </p:extLst>
   </p:cSld>
@@ -8024,6 +8031,43 @@
           </a:fontRef>
         </p:style>
       </p:cxnSp>
+      <p:sp>
+        <p:nvSpPr>
+          <p:cNvPr id="13" name="TextBox 12"/>
+          <p:cNvSpPr txBox="1"/>
+          <p:nvPr/>
+        </p:nvSpPr>
+        <p:spPr>
+          <a:xfrm>
+            <a:off x="1386291" y="224135"/>
+            <a:ext cx="7315200" cy="553998"/>
+          </a:xfrm>
+          <a:prstGeom prst="rect">
+            <a:avLst/>
+          </a:prstGeom>
+          <a:noFill/>
+        </p:spPr>
+        <p:txBody>
+          <a:bodyPr wrap="square" rtlCol="0">
+            <a:spAutoFit/>
+          </a:bodyPr>
+          <a:lstStyle/>
+          <a:p>
+            <a:pPr algn="ctr"/>
+            <a:r>
+              <a:rPr lang="tr-TR" sz="3000" dirty="0" smtClean="0">
+                <a:latin typeface="Times New Roman" panose="02020603050405020304" pitchFamily="18" charset="0"/>
+                <a:cs typeface="Times New Roman" panose="02020603050405020304" pitchFamily="18" charset="0"/>
+              </a:rPr>
+              <a:t>IMMD Design</a:t>
+            </a:r>
+            <a:endParaRPr lang="tr-TR" sz="3000" dirty="0">
+              <a:latin typeface="Times New Roman" panose="02020603050405020304" pitchFamily="18" charset="0"/>
+              <a:cs typeface="Times New Roman" panose="02020603050405020304" pitchFamily="18" charset="0"/>
+            </a:endParaRPr>
+          </a:p>
+        </p:txBody>
+      </p:sp>
       <p:cxnSp>
         <p:nvCxnSpPr>
           <p:cNvPr id="15" name="Straight Connector 14"/>
@@ -8126,7 +8170,7 @@
       </p:pic>
       <p:sp>
         <p:nvSpPr>
-          <p:cNvPr id="18" name="Text Box 9"/>
+          <p:cNvPr id="8" name="Text Box 9"/>
           <p:cNvSpPr txBox="1">
             <a:spLocks noChangeArrowheads="1"/>
           </p:cNvSpPr>
@@ -8134,8 +8178,8 @@
         </p:nvSpPr>
         <p:spPr bwMode="auto">
           <a:xfrm>
-            <a:off x="1189918" y="1143000"/>
-            <a:ext cx="4267907" cy="1015663"/>
+            <a:off x="1367630" y="1143000"/>
+            <a:ext cx="7293858" cy="1554272"/>
           </a:xfrm>
           <a:prstGeom prst="rect">
             <a:avLst/>
@@ -8155,106 +8199,278 @@
           </a:bodyPr>
           <a:lstStyle/>
           <a:p>
-            <a:pPr marL="342900" indent="-342900">
-              <a:buFont typeface="Wingdings" panose="05000000000000000000" pitchFamily="2" charset="2"/>
-              <a:buChar char="ü"/>
+            <a:pPr algn="l">
+              <a:spcAft>
+                <a:spcPts val="600"/>
+              </a:spcAft>
             </a:pPr>
             <a:r>
-              <a:rPr lang="tr-TR" sz="2000" b="1" dirty="0" err="1" smtClean="0">
-                <a:latin typeface="Times New Roman" panose="02020603050405020304" pitchFamily="18" charset="0"/>
-                <a:cs typeface="Times New Roman" panose="02020603050405020304" pitchFamily="18" charset="0"/>
-              </a:rPr>
-              <a:t>Results</a:t>
-            </a:r>
-            <a:endParaRPr lang="en-US" sz="2000" b="1" dirty="0" smtClean="0">
+              <a:rPr lang="en-US" sz="2000" dirty="0" smtClean="0">
+                <a:latin typeface="Times New Roman" panose="02020603050405020304" pitchFamily="18" charset="0"/>
+                <a:cs typeface="Times New Roman" panose="02020603050405020304" pitchFamily="18" charset="0"/>
+              </a:rPr>
+              <a:t>Four three-phase inverter modules (two-series and two-parallel)</a:t>
+            </a:r>
+          </a:p>
+          <a:p>
+            <a:pPr algn="l">
+              <a:spcAft>
+                <a:spcPts val="600"/>
+              </a:spcAft>
+            </a:pPr>
+            <a:r>
+              <a:rPr lang="tr-TR" sz="2000" dirty="0" smtClean="0">
+                <a:latin typeface="Times New Roman" panose="02020603050405020304" pitchFamily="18" charset="0"/>
+                <a:cs typeface="Times New Roman" panose="02020603050405020304" pitchFamily="18" charset="0"/>
+              </a:rPr>
+              <a:t>Power stage with cascode GaN FETs</a:t>
+            </a:r>
+          </a:p>
+          <a:p>
+            <a:pPr algn="l">
+              <a:spcAft>
+                <a:spcPts val="600"/>
+              </a:spcAft>
+            </a:pPr>
+            <a:r>
+              <a:rPr lang="en-US" sz="2000" dirty="0">
+                <a:latin typeface="Times New Roman" panose="02020603050405020304" pitchFamily="18" charset="0"/>
+                <a:cs typeface="Times New Roman" panose="02020603050405020304" pitchFamily="18" charset="0"/>
+              </a:rPr>
+              <a:t>Permanent Magnet Brushless DC (PM-BLDC) </a:t>
+            </a:r>
+            <a:r>
+              <a:rPr lang="en-US" sz="2000" dirty="0" smtClean="0">
+                <a:latin typeface="Times New Roman" panose="02020603050405020304" pitchFamily="18" charset="0"/>
+                <a:cs typeface="Times New Roman" panose="02020603050405020304" pitchFamily="18" charset="0"/>
+              </a:rPr>
+              <a:t>motor</a:t>
+            </a:r>
+          </a:p>
+          <a:p>
+            <a:pPr algn="l">
+              <a:spcAft>
+                <a:spcPts val="600"/>
+              </a:spcAft>
+            </a:pPr>
+            <a:r>
+              <a:rPr lang="en-US" sz="2000" dirty="0" smtClean="0">
+                <a:latin typeface="Times New Roman" panose="02020603050405020304" pitchFamily="18" charset="0"/>
+                <a:cs typeface="Times New Roman" panose="02020603050405020304" pitchFamily="18" charset="0"/>
+              </a:rPr>
+              <a:t>Fractional Slot Concentrated Winding (FSCW) stator</a:t>
+            </a:r>
+          </a:p>
+        </p:txBody>
+      </p:sp>
+      <p:sp>
+        <p:nvSpPr>
+          <p:cNvPr id="9" name="Text Box 9"/>
+          <p:cNvSpPr txBox="1">
+            <a:spLocks noChangeArrowheads="1"/>
+          </p:cNvSpPr>
+          <p:nvPr/>
+        </p:nvSpPr>
+        <p:spPr bwMode="auto">
+          <a:xfrm>
+            <a:off x="1412197" y="3657600"/>
+            <a:ext cx="4740748" cy="1938992"/>
+          </a:xfrm>
+          <a:prstGeom prst="rect">
+            <a:avLst/>
+          </a:prstGeom>
+          <a:noFill/>
+          <a:ln w="9525">
+            <a:noFill/>
+            <a:miter lim="800000"/>
+            <a:headEnd/>
+            <a:tailEnd/>
+          </a:ln>
+          <a:effectLst/>
+        </p:spPr>
+        <p:txBody>
+          <a:bodyPr wrap="square">
+            <a:spAutoFit/>
+          </a:bodyPr>
+          <a:lstStyle/>
+          <a:p>
+            <a:pPr marL="457200" indent="-457200" algn="l">
+              <a:buFont typeface="Arial" panose="020B0604020202020204" pitchFamily="34" charset="0"/>
+              <a:buChar char="•"/>
+            </a:pPr>
+            <a:r>
+              <a:rPr lang="tr-TR" sz="2000" dirty="0" smtClean="0">
+                <a:latin typeface="Times New Roman" panose="02020603050405020304" pitchFamily="18" charset="0"/>
+                <a:cs typeface="Times New Roman" panose="02020603050405020304" pitchFamily="18" charset="0"/>
+              </a:rPr>
+              <a:t>Four</a:t>
+            </a:r>
+            <a:r>
+              <a:rPr lang="en-US" sz="2000" dirty="0" smtClean="0">
+                <a:latin typeface="Times New Roman" panose="02020603050405020304" pitchFamily="18" charset="0"/>
+                <a:cs typeface="Times New Roman" panose="02020603050405020304" pitchFamily="18" charset="0"/>
+              </a:rPr>
+              <a:t> three-phase modules</a:t>
+            </a:r>
+          </a:p>
+          <a:p>
+            <a:pPr marL="457200" indent="-457200" algn="l">
+              <a:buFont typeface="Arial" panose="020B0604020202020204" pitchFamily="34" charset="0"/>
+              <a:buChar char="•"/>
+            </a:pPr>
+            <a:r>
+              <a:rPr lang="tr-TR" sz="2000" dirty="0" smtClean="0">
+                <a:latin typeface="Times New Roman" panose="02020603050405020304" pitchFamily="18" charset="0"/>
+                <a:cs typeface="Times New Roman" panose="02020603050405020304" pitchFamily="18" charset="0"/>
+              </a:rPr>
+              <a:t>6 </a:t>
+            </a:r>
+            <a:r>
+              <a:rPr lang="en-US" sz="2000" dirty="0" smtClean="0">
+                <a:latin typeface="Times New Roman" panose="02020603050405020304" pitchFamily="18" charset="0"/>
+                <a:cs typeface="Times New Roman" panose="02020603050405020304" pitchFamily="18" charset="0"/>
+              </a:rPr>
+              <a:t>kW total output power</a:t>
+            </a:r>
+          </a:p>
+          <a:p>
+            <a:pPr marL="457200" indent="-457200" algn="l">
+              <a:buFont typeface="Arial" panose="020B0604020202020204" pitchFamily="34" charset="0"/>
+              <a:buChar char="•"/>
+            </a:pPr>
+            <a:r>
+              <a:rPr lang="en-US" sz="2000" dirty="0" smtClean="0">
+                <a:latin typeface="Times New Roman" panose="02020603050405020304" pitchFamily="18" charset="0"/>
+                <a:cs typeface="Times New Roman" panose="02020603050405020304" pitchFamily="18" charset="0"/>
+              </a:rPr>
+              <a:t>24 slot double layer stator</a:t>
+            </a:r>
+          </a:p>
+          <a:p>
+            <a:pPr marL="457200" indent="-457200" algn="l">
+              <a:buFont typeface="Arial" panose="020B0604020202020204" pitchFamily="34" charset="0"/>
+              <a:buChar char="•"/>
+            </a:pPr>
+            <a:r>
+              <a:rPr lang="en-US" sz="2000" dirty="0" smtClean="0">
+                <a:latin typeface="Times New Roman" panose="02020603050405020304" pitchFamily="18" charset="0"/>
+                <a:cs typeface="Times New Roman" panose="02020603050405020304" pitchFamily="18" charset="0"/>
+              </a:rPr>
+              <a:t>20 pole </a:t>
+            </a:r>
+            <a:r>
+              <a:rPr lang="tr-TR" sz="2000" dirty="0" smtClean="0">
+                <a:latin typeface="Times New Roman" panose="02020603050405020304" pitchFamily="18" charset="0"/>
+                <a:cs typeface="Times New Roman" panose="02020603050405020304" pitchFamily="18" charset="0"/>
+              </a:rPr>
+              <a:t>PM </a:t>
+            </a:r>
+            <a:r>
+              <a:rPr lang="en-US" sz="2000" dirty="0" smtClean="0">
+                <a:latin typeface="Times New Roman" panose="02020603050405020304" pitchFamily="18" charset="0"/>
+                <a:cs typeface="Times New Roman" panose="02020603050405020304" pitchFamily="18" charset="0"/>
+              </a:rPr>
+              <a:t>rotor</a:t>
+            </a:r>
+          </a:p>
+          <a:p>
+            <a:pPr marL="457200" indent="-457200" algn="l">
+              <a:buFont typeface="Arial" panose="020B0604020202020204" pitchFamily="34" charset="0"/>
+              <a:buChar char="•"/>
+            </a:pPr>
+            <a:r>
+              <a:rPr lang="en-US" sz="2000" dirty="0" smtClean="0">
+                <a:latin typeface="Times New Roman" panose="02020603050405020304" pitchFamily="18" charset="0"/>
+                <a:cs typeface="Times New Roman" panose="02020603050405020304" pitchFamily="18" charset="0"/>
+              </a:rPr>
+              <a:t>600V – 20A GaN FETs</a:t>
+            </a:r>
+          </a:p>
+          <a:p>
+            <a:pPr marL="457200" indent="-457200" algn="l">
+              <a:buFont typeface="Arial" panose="020B0604020202020204" pitchFamily="34" charset="0"/>
+              <a:buChar char="•"/>
+            </a:pPr>
+            <a:r>
+              <a:rPr lang="tr-TR" sz="2000" dirty="0" smtClean="0">
+                <a:latin typeface="Times New Roman" panose="02020603050405020304" pitchFamily="18" charset="0"/>
+                <a:cs typeface="Times New Roman" panose="02020603050405020304" pitchFamily="18" charset="0"/>
+              </a:rPr>
+              <a:t>Four</a:t>
+            </a:r>
+            <a:r>
+              <a:rPr lang="en-US" sz="2000" dirty="0" smtClean="0">
+                <a:latin typeface="Times New Roman" panose="02020603050405020304" pitchFamily="18" charset="0"/>
+                <a:cs typeface="Times New Roman" panose="02020603050405020304" pitchFamily="18" charset="0"/>
+              </a:rPr>
+              <a:t> 20</a:t>
+            </a:r>
+            <a:r>
+              <a:rPr lang="el-GR" sz="2000" dirty="0" smtClean="0">
+                <a:latin typeface="Times New Roman" panose="02020603050405020304" pitchFamily="18" charset="0"/>
+                <a:cs typeface="Times New Roman" panose="02020603050405020304" pitchFamily="18" charset="0"/>
+              </a:rPr>
+              <a:t>μ</a:t>
+            </a:r>
+            <a:r>
+              <a:rPr lang="en-US" sz="2000" dirty="0" smtClean="0">
+                <a:latin typeface="Times New Roman" panose="02020603050405020304" pitchFamily="18" charset="0"/>
+                <a:cs typeface="Times New Roman" panose="02020603050405020304" pitchFamily="18" charset="0"/>
+              </a:rPr>
+              <a:t>F, 450V capacitors</a:t>
+            </a:r>
+          </a:p>
+        </p:txBody>
+      </p:sp>
+      <p:sp>
+        <p:nvSpPr>
+          <p:cNvPr id="12" name="Text Box 9"/>
+          <p:cNvSpPr txBox="1">
+            <a:spLocks noChangeArrowheads="1"/>
+          </p:cNvSpPr>
+          <p:nvPr/>
+        </p:nvSpPr>
+        <p:spPr bwMode="auto">
+          <a:xfrm>
+            <a:off x="1386291" y="3035210"/>
+            <a:ext cx="6514138" cy="400110"/>
+          </a:xfrm>
+          <a:prstGeom prst="rect">
+            <a:avLst/>
+          </a:prstGeom>
+          <a:noFill/>
+          <a:ln w="9525">
+            <a:noFill/>
+            <a:miter lim="800000"/>
+            <a:headEnd/>
+            <a:tailEnd/>
+          </a:ln>
+          <a:effectLst/>
+        </p:spPr>
+        <p:txBody>
+          <a:bodyPr wrap="square">
+            <a:spAutoFit/>
+          </a:bodyPr>
+          <a:lstStyle/>
+          <a:p>
+            <a:r>
+              <a:rPr lang="en-US" sz="2000" b="1" dirty="0" smtClean="0">
+                <a:latin typeface="Times New Roman" panose="02020603050405020304" pitchFamily="18" charset="0"/>
+                <a:cs typeface="Times New Roman" panose="02020603050405020304" pitchFamily="18" charset="0"/>
+              </a:rPr>
+              <a:t>Specifications</a:t>
+            </a:r>
+            <a:endParaRPr lang="en-US" sz="2000" dirty="0" smtClean="0">
               <a:latin typeface="Times New Roman" panose="02020603050405020304" pitchFamily="18" charset="0"/>
               <a:cs typeface="Times New Roman" panose="02020603050405020304" pitchFamily="18" charset="0"/>
             </a:endParaRPr>
           </a:p>
-          <a:p>
-            <a:pPr marL="800100" lvl="1" indent="-342900">
-              <a:buFont typeface="Wingdings" panose="05000000000000000000" pitchFamily="2" charset="2"/>
-              <a:buChar char="ü"/>
-            </a:pPr>
-            <a:endParaRPr lang="en-US" sz="2000" b="1" dirty="0" smtClean="0">
-              <a:latin typeface="Times New Roman" panose="02020603050405020304" pitchFamily="18" charset="0"/>
-              <a:cs typeface="Times New Roman" panose="02020603050405020304" pitchFamily="18" charset="0"/>
-            </a:endParaRPr>
-          </a:p>
-          <a:p>
-            <a:pPr marL="800100" lvl="1" indent="-342900">
-              <a:buFont typeface="Wingdings" panose="05000000000000000000" pitchFamily="2" charset="2"/>
-              <a:buChar char="ü"/>
-            </a:pPr>
-            <a:endParaRPr lang="en-US" sz="2000" b="1" dirty="0">
-              <a:latin typeface="Times New Roman" panose="02020603050405020304" pitchFamily="18" charset="0"/>
-              <a:cs typeface="Times New Roman" panose="02020603050405020304" pitchFamily="18" charset="0"/>
-            </a:endParaRPr>
-          </a:p>
-        </p:txBody>
-      </p:sp>
-      <p:sp>
-        <p:nvSpPr>
-          <p:cNvPr id="9" name="TextBox 8"/>
-          <p:cNvSpPr txBox="1"/>
-          <p:nvPr/>
-        </p:nvSpPr>
-        <p:spPr>
-          <a:xfrm>
-            <a:off x="1386291" y="224135"/>
-            <a:ext cx="7315200" cy="553998"/>
-          </a:xfrm>
-          <a:prstGeom prst="rect">
-            <a:avLst/>
-          </a:prstGeom>
-          <a:noFill/>
-        </p:spPr>
-        <p:txBody>
-          <a:bodyPr wrap="square" rtlCol="0">
-            <a:spAutoFit/>
-          </a:bodyPr>
-          <a:lstStyle/>
-          <a:p>
-            <a:pPr algn="ctr"/>
-            <a:r>
-              <a:rPr lang="tr-TR" sz="3000" dirty="0" smtClean="0">
-                <a:latin typeface="Times New Roman" panose="02020603050405020304" pitchFamily="18" charset="0"/>
-                <a:cs typeface="Times New Roman" panose="02020603050405020304" pitchFamily="18" charset="0"/>
-              </a:rPr>
-              <a:t>DC Link </a:t>
-            </a:r>
-            <a:r>
-              <a:rPr lang="tr-TR" sz="3000" dirty="0" err="1" smtClean="0">
-                <a:latin typeface="Times New Roman" panose="02020603050405020304" pitchFamily="18" charset="0"/>
-                <a:cs typeface="Times New Roman" panose="02020603050405020304" pitchFamily="18" charset="0"/>
-              </a:rPr>
-              <a:t>Capacitor</a:t>
-            </a:r>
-            <a:r>
-              <a:rPr lang="tr-TR" sz="3000" dirty="0" smtClean="0">
-                <a:latin typeface="Times New Roman" panose="02020603050405020304" pitchFamily="18" charset="0"/>
-                <a:cs typeface="Times New Roman" panose="02020603050405020304" pitchFamily="18" charset="0"/>
-              </a:rPr>
-              <a:t> </a:t>
-            </a:r>
-            <a:r>
-              <a:rPr lang="tr-TR" sz="3000" dirty="0" err="1" smtClean="0">
-                <a:latin typeface="Times New Roman" panose="02020603050405020304" pitchFamily="18" charset="0"/>
-                <a:cs typeface="Times New Roman" panose="02020603050405020304" pitchFamily="18" charset="0"/>
-              </a:rPr>
-              <a:t>Optimization</a:t>
-            </a:r>
-            <a:endParaRPr lang="tr-TR" sz="3000" dirty="0">
-              <a:latin typeface="Times New Roman" panose="02020603050405020304" pitchFamily="18" charset="0"/>
-              <a:cs typeface="Times New Roman" panose="02020603050405020304" pitchFamily="18" charset="0"/>
-            </a:endParaRPr>
-          </a:p>
         </p:txBody>
       </p:sp>
     </p:spTree>
     <p:extLst>
       <p:ext uri="{BB962C8B-B14F-4D97-AF65-F5344CB8AC3E}">
-        <p14:creationId xmlns:p14="http://schemas.microsoft.com/office/powerpoint/2010/main" val="1314151076"/>
+        <p14:creationId xmlns:p14="http://schemas.microsoft.com/office/powerpoint/2010/main" val="2349354778"/>
       </p:ext>
     </p:extLst>
   </p:cSld>
@@ -8534,8 +8750,8 @@
         </p:nvSpPr>
         <p:spPr bwMode="auto">
           <a:xfrm>
-            <a:off x="1011942" y="2090308"/>
-            <a:ext cx="7293858" cy="1323439"/>
+            <a:off x="1398991" y="1295400"/>
+            <a:ext cx="6781800" cy="707886"/>
           </a:xfrm>
           <a:prstGeom prst="rect">
             <a:avLst/>
@@ -8560,11 +8776,11 @@
               <a:buChar char="ü"/>
             </a:pPr>
             <a:r>
-              <a:rPr lang="en-US" sz="2000" dirty="0" smtClean="0">
-                <a:latin typeface="Times New Roman" panose="02020603050405020304" pitchFamily="18" charset="0"/>
-                <a:cs typeface="Times New Roman" panose="02020603050405020304" pitchFamily="18" charset="0"/>
-              </a:rPr>
-              <a:t>Four three-phase inverter modules (two-series and two-parallel)</a:t>
+              <a:rPr lang="tr-TR" sz="2000" dirty="0" smtClean="0">
+                <a:latin typeface="Times New Roman" panose="02020603050405020304" pitchFamily="18" charset="0"/>
+                <a:cs typeface="Times New Roman" panose="02020603050405020304" pitchFamily="18" charset="0"/>
+              </a:rPr>
+              <a:t>Buraya bir çizim koyalım</a:t>
             </a:r>
           </a:p>
           <a:p>
@@ -8577,240 +8793,7 @@
                 <a:latin typeface="Times New Roman" panose="02020603050405020304" pitchFamily="18" charset="0"/>
                 <a:cs typeface="Times New Roman" panose="02020603050405020304" pitchFamily="18" charset="0"/>
               </a:rPr>
-              <a:t>Power stage with cascode GaN FETs</a:t>
-            </a:r>
-          </a:p>
-          <a:p>
-            <a:pPr marL="457200" indent="-457200" algn="l">
-              <a:buFont typeface="Wingdings" panose="05000000000000000000" pitchFamily="2" charset="2"/>
-              <a:buChar char="ü"/>
-            </a:pPr>
-            <a:r>
-              <a:rPr lang="en-US" sz="2000" dirty="0">
-                <a:latin typeface="Times New Roman" panose="02020603050405020304" pitchFamily="18" charset="0"/>
-                <a:cs typeface="Times New Roman" panose="02020603050405020304" pitchFamily="18" charset="0"/>
-              </a:rPr>
-              <a:t>Permanent Magnet Brushless DC (PM-BLDC) </a:t>
-            </a:r>
-            <a:r>
-              <a:rPr lang="en-US" sz="2000" dirty="0" smtClean="0">
-                <a:latin typeface="Times New Roman" panose="02020603050405020304" pitchFamily="18" charset="0"/>
-                <a:cs typeface="Times New Roman" panose="02020603050405020304" pitchFamily="18" charset="0"/>
-              </a:rPr>
-              <a:t>motor</a:t>
-            </a:r>
-          </a:p>
-          <a:p>
-            <a:pPr marL="457200" indent="-457200" algn="l">
-              <a:buFont typeface="Wingdings" panose="05000000000000000000" pitchFamily="2" charset="2"/>
-              <a:buChar char="ü"/>
-            </a:pPr>
-            <a:r>
-              <a:rPr lang="en-US" sz="2000" dirty="0" smtClean="0">
-                <a:latin typeface="Times New Roman" panose="02020603050405020304" pitchFamily="18" charset="0"/>
-                <a:cs typeface="Times New Roman" panose="02020603050405020304" pitchFamily="18" charset="0"/>
-              </a:rPr>
-              <a:t>Fractional Slot Concentrated Winding (FSCW) stator</a:t>
-            </a:r>
-          </a:p>
-        </p:txBody>
-      </p:sp>
-      <p:sp>
-        <p:nvSpPr>
-          <p:cNvPr id="9" name="Text Box 9"/>
-          <p:cNvSpPr txBox="1">
-            <a:spLocks noChangeArrowheads="1"/>
-          </p:cNvSpPr>
-          <p:nvPr/>
-        </p:nvSpPr>
-        <p:spPr bwMode="auto">
-          <a:xfrm>
-            <a:off x="1507653" y="4694357"/>
-            <a:ext cx="4740748" cy="1938992"/>
-          </a:xfrm>
-          <a:prstGeom prst="rect">
-            <a:avLst/>
-          </a:prstGeom>
-          <a:noFill/>
-          <a:ln w="9525">
-            <a:noFill/>
-            <a:miter lim="800000"/>
-            <a:headEnd/>
-            <a:tailEnd/>
-          </a:ln>
-          <a:effectLst/>
-        </p:spPr>
-        <p:txBody>
-          <a:bodyPr wrap="square">
-            <a:spAutoFit/>
-          </a:bodyPr>
-          <a:lstStyle/>
-          <a:p>
-            <a:pPr marL="457200" indent="-457200" algn="l">
-              <a:buFont typeface="Arial" panose="020B0604020202020204" pitchFamily="34" charset="0"/>
-              <a:buChar char="•"/>
-            </a:pPr>
-            <a:r>
-              <a:rPr lang="tr-TR" sz="2000" dirty="0" smtClean="0">
-                <a:latin typeface="Times New Roman" panose="02020603050405020304" pitchFamily="18" charset="0"/>
-                <a:cs typeface="Times New Roman" panose="02020603050405020304" pitchFamily="18" charset="0"/>
-              </a:rPr>
-              <a:t>Four</a:t>
-            </a:r>
-            <a:r>
-              <a:rPr lang="en-US" sz="2000" dirty="0" smtClean="0">
-                <a:latin typeface="Times New Roman" panose="02020603050405020304" pitchFamily="18" charset="0"/>
-                <a:cs typeface="Times New Roman" panose="02020603050405020304" pitchFamily="18" charset="0"/>
-              </a:rPr>
-              <a:t> three-phase modules</a:t>
-            </a:r>
-          </a:p>
-          <a:p>
-            <a:pPr marL="457200" indent="-457200" algn="l">
-              <a:buFont typeface="Arial" panose="020B0604020202020204" pitchFamily="34" charset="0"/>
-              <a:buChar char="•"/>
-            </a:pPr>
-            <a:r>
-              <a:rPr lang="tr-TR" sz="2000" dirty="0" smtClean="0">
-                <a:latin typeface="Times New Roman" panose="02020603050405020304" pitchFamily="18" charset="0"/>
-                <a:cs typeface="Times New Roman" panose="02020603050405020304" pitchFamily="18" charset="0"/>
-              </a:rPr>
-              <a:t>6 </a:t>
-            </a:r>
-            <a:r>
-              <a:rPr lang="en-US" sz="2000" dirty="0" smtClean="0">
-                <a:latin typeface="Times New Roman" panose="02020603050405020304" pitchFamily="18" charset="0"/>
-                <a:cs typeface="Times New Roman" panose="02020603050405020304" pitchFamily="18" charset="0"/>
-              </a:rPr>
-              <a:t>kW total output power</a:t>
-            </a:r>
-          </a:p>
-          <a:p>
-            <a:pPr marL="457200" indent="-457200" algn="l">
-              <a:buFont typeface="Arial" panose="020B0604020202020204" pitchFamily="34" charset="0"/>
-              <a:buChar char="•"/>
-            </a:pPr>
-            <a:r>
-              <a:rPr lang="en-US" sz="2000" dirty="0" smtClean="0">
-                <a:latin typeface="Times New Roman" panose="02020603050405020304" pitchFamily="18" charset="0"/>
-                <a:cs typeface="Times New Roman" panose="02020603050405020304" pitchFamily="18" charset="0"/>
-              </a:rPr>
-              <a:t>24 slot double layer stator</a:t>
-            </a:r>
-          </a:p>
-          <a:p>
-            <a:pPr marL="457200" indent="-457200" algn="l">
-              <a:buFont typeface="Arial" panose="020B0604020202020204" pitchFamily="34" charset="0"/>
-              <a:buChar char="•"/>
-            </a:pPr>
-            <a:r>
-              <a:rPr lang="en-US" sz="2000" dirty="0" smtClean="0">
-                <a:latin typeface="Times New Roman" panose="02020603050405020304" pitchFamily="18" charset="0"/>
-                <a:cs typeface="Times New Roman" panose="02020603050405020304" pitchFamily="18" charset="0"/>
-              </a:rPr>
-              <a:t>20 pole </a:t>
-            </a:r>
-            <a:r>
-              <a:rPr lang="tr-TR" sz="2000" dirty="0" smtClean="0">
-                <a:latin typeface="Times New Roman" panose="02020603050405020304" pitchFamily="18" charset="0"/>
-                <a:cs typeface="Times New Roman" panose="02020603050405020304" pitchFamily="18" charset="0"/>
-              </a:rPr>
-              <a:t>PM </a:t>
-            </a:r>
-            <a:r>
-              <a:rPr lang="en-US" sz="2000" dirty="0" smtClean="0">
-                <a:latin typeface="Times New Roman" panose="02020603050405020304" pitchFamily="18" charset="0"/>
-                <a:cs typeface="Times New Roman" panose="02020603050405020304" pitchFamily="18" charset="0"/>
-              </a:rPr>
-              <a:t>rotor</a:t>
-            </a:r>
-          </a:p>
-          <a:p>
-            <a:pPr marL="457200" indent="-457200" algn="l">
-              <a:buFont typeface="Arial" panose="020B0604020202020204" pitchFamily="34" charset="0"/>
-              <a:buChar char="•"/>
-            </a:pPr>
-            <a:r>
-              <a:rPr lang="en-US" sz="2000" dirty="0" smtClean="0">
-                <a:latin typeface="Times New Roman" panose="02020603050405020304" pitchFamily="18" charset="0"/>
-                <a:cs typeface="Times New Roman" panose="02020603050405020304" pitchFamily="18" charset="0"/>
-              </a:rPr>
-              <a:t>600V – 20A GaN FETs</a:t>
-            </a:r>
-          </a:p>
-          <a:p>
-            <a:pPr marL="457200" indent="-457200" algn="l">
-              <a:buFont typeface="Arial" panose="020B0604020202020204" pitchFamily="34" charset="0"/>
-              <a:buChar char="•"/>
-            </a:pPr>
-            <a:r>
-              <a:rPr lang="tr-TR" sz="2000" dirty="0" smtClean="0">
-                <a:latin typeface="Times New Roman" panose="02020603050405020304" pitchFamily="18" charset="0"/>
-                <a:cs typeface="Times New Roman" panose="02020603050405020304" pitchFamily="18" charset="0"/>
-              </a:rPr>
-              <a:t>Four</a:t>
-            </a:r>
-            <a:r>
-              <a:rPr lang="en-US" sz="2000" dirty="0" smtClean="0">
-                <a:latin typeface="Times New Roman" panose="02020603050405020304" pitchFamily="18" charset="0"/>
-                <a:cs typeface="Times New Roman" panose="02020603050405020304" pitchFamily="18" charset="0"/>
-              </a:rPr>
-              <a:t> 20</a:t>
-            </a:r>
-            <a:r>
-              <a:rPr lang="el-GR" sz="2000" dirty="0" smtClean="0">
-                <a:latin typeface="Times New Roman" panose="02020603050405020304" pitchFamily="18" charset="0"/>
-                <a:cs typeface="Times New Roman" panose="02020603050405020304" pitchFamily="18" charset="0"/>
-              </a:rPr>
-              <a:t>μ</a:t>
-            </a:r>
-            <a:r>
-              <a:rPr lang="en-US" sz="2000" dirty="0" smtClean="0">
-                <a:latin typeface="Times New Roman" panose="02020603050405020304" pitchFamily="18" charset="0"/>
-                <a:cs typeface="Times New Roman" panose="02020603050405020304" pitchFamily="18" charset="0"/>
-              </a:rPr>
-              <a:t>F, 450V capacitors</a:t>
-            </a:r>
-          </a:p>
-        </p:txBody>
-      </p:sp>
-      <p:sp>
-        <p:nvSpPr>
-          <p:cNvPr id="12" name="Text Box 9"/>
-          <p:cNvSpPr txBox="1">
-            <a:spLocks noChangeArrowheads="1"/>
-          </p:cNvSpPr>
-          <p:nvPr/>
-        </p:nvSpPr>
-        <p:spPr bwMode="auto">
-          <a:xfrm>
-            <a:off x="1363702" y="3700957"/>
-            <a:ext cx="6514138" cy="400110"/>
-          </a:xfrm>
-          <a:prstGeom prst="rect">
-            <a:avLst/>
-          </a:prstGeom>
-          <a:noFill/>
-          <a:ln w="9525">
-            <a:noFill/>
-            <a:miter lim="800000"/>
-            <a:headEnd/>
-            <a:tailEnd/>
-          </a:ln>
-          <a:effectLst/>
-        </p:spPr>
-        <p:txBody>
-          <a:bodyPr wrap="square">
-            <a:spAutoFit/>
-          </a:bodyPr>
-          <a:lstStyle/>
-          <a:p>
-            <a:r>
-              <a:rPr lang="en-US" sz="2000" b="1" dirty="0" smtClean="0">
-                <a:latin typeface="Times New Roman" panose="02020603050405020304" pitchFamily="18" charset="0"/>
-                <a:cs typeface="Times New Roman" panose="02020603050405020304" pitchFamily="18" charset="0"/>
-              </a:rPr>
-              <a:t>Specifications</a:t>
+              <a:t>Devre ve motor</a:t>
             </a:r>
             <a:endParaRPr lang="en-US" sz="2000" dirty="0" smtClean="0">
               <a:latin typeface="Times New Roman" panose="02020603050405020304" pitchFamily="18" charset="0"/>
@@ -8822,7 +8805,7 @@
     </p:spTree>
     <p:extLst>
       <p:ext uri="{BB962C8B-B14F-4D97-AF65-F5344CB8AC3E}">
-        <p14:creationId xmlns:p14="http://schemas.microsoft.com/office/powerpoint/2010/main" val="2349354778"/>
+        <p14:creationId xmlns:p14="http://schemas.microsoft.com/office/powerpoint/2010/main" val="3266298364"/>
       </p:ext>
     </p:extLst>
   </p:cSld>
@@ -8979,13 +8962,13 @@
           <a:p>
             <a:pPr algn="ctr"/>
             <a:r>
-              <a:rPr lang="tr-TR" sz="3000" dirty="0" smtClean="0">
-                <a:latin typeface="Times New Roman" panose="02020603050405020304" pitchFamily="18" charset="0"/>
-                <a:cs typeface="Times New Roman" panose="02020603050405020304" pitchFamily="18" charset="0"/>
-              </a:rPr>
-              <a:t>IMMD Design</a:t>
-            </a:r>
-            <a:endParaRPr lang="tr-TR" sz="3000" dirty="0">
+              <a:rPr lang="en-US" sz="3000" dirty="0" smtClean="0">
+                <a:latin typeface="Times New Roman" panose="02020603050405020304" pitchFamily="18" charset="0"/>
+                <a:cs typeface="Times New Roman" panose="02020603050405020304" pitchFamily="18" charset="0"/>
+              </a:rPr>
+              <a:t>How efficient?</a:t>
+            </a:r>
+            <a:endParaRPr lang="en-US" sz="3000" dirty="0">
               <a:latin typeface="Times New Roman" panose="02020603050405020304" pitchFamily="18" charset="0"/>
               <a:cs typeface="Times New Roman" panose="02020603050405020304" pitchFamily="18" charset="0"/>
             </a:endParaRPr>
@@ -9094,7 +9077,7 @@
       </p:pic>
       <p:sp>
         <p:nvSpPr>
-          <p:cNvPr id="8" name="Text Box 9"/>
+          <p:cNvPr id="9" name="Text Box 9"/>
           <p:cNvSpPr txBox="1">
             <a:spLocks noChangeArrowheads="1"/>
           </p:cNvSpPr>
@@ -9102,8 +9085,8 @@
         </p:nvSpPr>
         <p:spPr bwMode="auto">
           <a:xfrm>
-            <a:off x="1398991" y="1295400"/>
-            <a:ext cx="6781800" cy="707886"/>
+            <a:off x="1348190" y="952500"/>
+            <a:ext cx="7491009" cy="400110"/>
           </a:xfrm>
           <a:prstGeom prst="rect">
             <a:avLst/>
@@ -9123,29 +9106,13 @@
           </a:bodyPr>
           <a:lstStyle/>
           <a:p>
-            <a:pPr marL="457200" indent="-457200" algn="l">
-              <a:buFont typeface="Wingdings" panose="05000000000000000000" pitchFamily="2" charset="2"/>
-              <a:buChar char="ü"/>
-            </a:pPr>
-            <a:r>
-              <a:rPr lang="tr-TR" sz="2000" dirty="0" smtClean="0">
-                <a:latin typeface="Times New Roman" panose="02020603050405020304" pitchFamily="18" charset="0"/>
-                <a:cs typeface="Times New Roman" panose="02020603050405020304" pitchFamily="18" charset="0"/>
-              </a:rPr>
-              <a:t>Buraya bir çizim koyalım</a:t>
-            </a:r>
-          </a:p>
-          <a:p>
-            <a:pPr marL="457200" indent="-457200" algn="l">
-              <a:buFont typeface="Wingdings" panose="05000000000000000000" pitchFamily="2" charset="2"/>
-              <a:buChar char="ü"/>
-            </a:pPr>
-            <a:r>
-              <a:rPr lang="tr-TR" sz="2000" dirty="0" smtClean="0">
-                <a:latin typeface="Times New Roman" panose="02020603050405020304" pitchFamily="18" charset="0"/>
-                <a:cs typeface="Times New Roman" panose="02020603050405020304" pitchFamily="18" charset="0"/>
-              </a:rPr>
-              <a:t>Devre ve motor</a:t>
+            <a:pPr algn="ctr"/>
+            <a:r>
+              <a:rPr lang="en-US" sz="2000" b="1" dirty="0" smtClean="0">
+                <a:latin typeface="Times New Roman" panose="02020603050405020304" pitchFamily="18" charset="0"/>
+                <a:cs typeface="Times New Roman" panose="02020603050405020304" pitchFamily="18" charset="0"/>
+              </a:rPr>
+              <a:t>Loss Characterization</a:t>
             </a:r>
             <a:endParaRPr lang="en-US" sz="2000" dirty="0" smtClean="0">
               <a:latin typeface="Times New Roman" panose="02020603050405020304" pitchFamily="18" charset="0"/>
@@ -9154,10 +9121,134 @@
           </a:p>
         </p:txBody>
       </p:sp>
+      <p:pic>
+        <p:nvPicPr>
+          <p:cNvPr id="12" name="Picture 11"/>
+          <p:cNvPicPr>
+            <a:picLocks noChangeAspect="1"/>
+          </p:cNvPicPr>
+          <p:nvPr/>
+        </p:nvPicPr>
+        <p:blipFill>
+          <a:blip r:embed="rId3"/>
+          <a:stretch>
+            <a:fillRect/>
+          </a:stretch>
+        </p:blipFill>
+        <p:spPr>
+          <a:xfrm>
+            <a:off x="4776861" y="2667000"/>
+            <a:ext cx="3552678" cy="3380190"/>
+          </a:xfrm>
+          <a:prstGeom prst="rect">
+            <a:avLst/>
+          </a:prstGeom>
+        </p:spPr>
+      </p:pic>
+      <p:sp>
+        <p:nvSpPr>
+          <p:cNvPr id="16" name="Text Box 9"/>
+          <p:cNvSpPr txBox="1">
+            <a:spLocks noChangeArrowheads="1"/>
+          </p:cNvSpPr>
+          <p:nvPr/>
+        </p:nvSpPr>
+        <p:spPr bwMode="auto">
+          <a:xfrm>
+            <a:off x="1334514" y="3179093"/>
+            <a:ext cx="3442347" cy="1938992"/>
+          </a:xfrm>
+          <a:prstGeom prst="rect">
+            <a:avLst/>
+          </a:prstGeom>
+          <a:noFill/>
+          <a:ln w="9525">
+            <a:noFill/>
+            <a:miter lim="800000"/>
+            <a:headEnd/>
+            <a:tailEnd/>
+          </a:ln>
+          <a:effectLst/>
+        </p:spPr>
+        <p:txBody>
+          <a:bodyPr wrap="square">
+            <a:spAutoFit/>
+          </a:bodyPr>
+          <a:lstStyle/>
+          <a:p>
+            <a:r>
+              <a:rPr lang="tr-TR" sz="2000" dirty="0" smtClean="0">
+                <a:latin typeface="Times New Roman" panose="02020603050405020304" pitchFamily="18" charset="0"/>
+                <a:cs typeface="Times New Roman" panose="02020603050405020304" pitchFamily="18" charset="0"/>
+              </a:rPr>
+              <a:t>Hangi güçte akımda/voltajda elde edildiğini yazalım</a:t>
+            </a:r>
+          </a:p>
+          <a:p>
+            <a:r>
+              <a:rPr lang="tr-TR" sz="2000" dirty="0" err="1" smtClean="0">
+                <a:latin typeface="Times New Roman" panose="02020603050405020304" pitchFamily="18" charset="0"/>
+                <a:cs typeface="Times New Roman" panose="02020603050405020304" pitchFamily="18" charset="0"/>
+              </a:rPr>
+              <a:t>Device’ları</a:t>
+            </a:r>
+            <a:r>
+              <a:rPr lang="tr-TR" sz="2000" dirty="0" smtClean="0">
+                <a:latin typeface="Times New Roman" panose="02020603050405020304" pitchFamily="18" charset="0"/>
+                <a:cs typeface="Times New Roman" panose="02020603050405020304" pitchFamily="18" charset="0"/>
+              </a:rPr>
+              <a:t> koyalım</a:t>
+            </a:r>
+          </a:p>
+          <a:p>
+            <a:r>
+              <a:rPr lang="tr-TR" sz="2000" dirty="0" smtClean="0">
+                <a:latin typeface="Times New Roman" panose="02020603050405020304" pitchFamily="18" charset="0"/>
+                <a:cs typeface="Times New Roman" panose="02020603050405020304" pitchFamily="18" charset="0"/>
+              </a:rPr>
+              <a:t>Hangi rengin hangi </a:t>
+            </a:r>
+            <a:r>
+              <a:rPr lang="tr-TR" sz="2000" dirty="0" err="1" smtClean="0">
+                <a:latin typeface="Times New Roman" panose="02020603050405020304" pitchFamily="18" charset="0"/>
+                <a:cs typeface="Times New Roman" panose="02020603050405020304" pitchFamily="18" charset="0"/>
+              </a:rPr>
+              <a:t>loss</a:t>
+            </a:r>
+            <a:r>
+              <a:rPr lang="tr-TR" sz="2000" dirty="0" smtClean="0">
+                <a:latin typeface="Times New Roman" panose="02020603050405020304" pitchFamily="18" charset="0"/>
+                <a:cs typeface="Times New Roman" panose="02020603050405020304" pitchFamily="18" charset="0"/>
+              </a:rPr>
+              <a:t> olduğunu yazalım</a:t>
+            </a:r>
+          </a:p>
+          <a:p>
+            <a:r>
+              <a:rPr lang="tr-TR" sz="2000" dirty="0" err="1" smtClean="0">
+                <a:latin typeface="Times New Roman" panose="02020603050405020304" pitchFamily="18" charset="0"/>
+                <a:cs typeface="Times New Roman" panose="02020603050405020304" pitchFamily="18" charset="0"/>
+              </a:rPr>
+              <a:t>Vektörel</a:t>
+            </a:r>
+            <a:r>
+              <a:rPr lang="tr-TR" sz="2000" dirty="0" smtClean="0">
+                <a:latin typeface="Times New Roman" panose="02020603050405020304" pitchFamily="18" charset="0"/>
+                <a:cs typeface="Times New Roman" panose="02020603050405020304" pitchFamily="18" charset="0"/>
+              </a:rPr>
+              <a:t> koyalım</a:t>
+            </a:r>
+            <a:endParaRPr lang="en-US" sz="2000" dirty="0" smtClean="0">
+              <a:latin typeface="Times New Roman" panose="02020603050405020304" pitchFamily="18" charset="0"/>
+              <a:cs typeface="Times New Roman" panose="02020603050405020304" pitchFamily="18" charset="0"/>
+            </a:endParaRPr>
+          </a:p>
+        </p:txBody>
+      </p:sp>
     </p:spTree>
     <p:extLst>
       <p:ext uri="{BB962C8B-B14F-4D97-AF65-F5344CB8AC3E}">
-        <p14:creationId xmlns:p14="http://schemas.microsoft.com/office/powerpoint/2010/main" val="3266298364"/>
+        <p14:creationId xmlns:p14="http://schemas.microsoft.com/office/powerpoint/2010/main" val="471846561"/>
       </p:ext>
     </p:extLst>
   </p:cSld>
@@ -9446,8 +9537,8 @@
         </p:blipFill>
         <p:spPr bwMode="auto">
           <a:xfrm>
-            <a:off x="5154972" y="2611170"/>
-            <a:ext cx="3227028" cy="734666"/>
+            <a:off x="5117849" y="2514600"/>
+            <a:ext cx="3427172" cy="831236"/>
           </a:xfrm>
           <a:prstGeom prst="rect">
             <a:avLst/>
@@ -9472,7 +9563,7 @@
         <p:spPr>
           <a:xfrm>
             <a:off x="1212086" y="1166784"/>
-            <a:ext cx="3742742" cy="5324535"/>
+            <a:ext cx="3742742" cy="4955203"/>
           </a:xfrm>
           <a:prstGeom prst="rect">
             <a:avLst/>
@@ -9596,16 +9687,34 @@
                 <a:latin typeface="Times New Roman" panose="02020603050405020304" pitchFamily="18" charset="0"/>
                 <a:cs typeface="Times New Roman" panose="02020603050405020304" pitchFamily="18" charset="0"/>
               </a:rPr>
-              <a:t>Journal Club</a:t>
-            </a:r>
-          </a:p>
-          <a:p>
+              <a:t>Journal </a:t>
+            </a:r>
+            <a:r>
+              <a:rPr lang="tr-TR" sz="2400" dirty="0" smtClean="0">
+                <a:latin typeface="Times New Roman" panose="02020603050405020304" pitchFamily="18" charset="0"/>
+                <a:cs typeface="Times New Roman" panose="02020603050405020304" pitchFamily="18" charset="0"/>
+              </a:rPr>
+              <a:t>b</a:t>
+            </a:r>
+            <a:r>
+              <a:rPr lang="en-US" sz="2400" dirty="0" err="1" smtClean="0">
+                <a:latin typeface="Times New Roman" panose="02020603050405020304" pitchFamily="18" charset="0"/>
+                <a:cs typeface="Times New Roman" panose="02020603050405020304" pitchFamily="18" charset="0"/>
+              </a:rPr>
+              <a:t>lub</a:t>
+            </a:r>
             <a:endParaRPr lang="en-US" sz="2400" dirty="0" smtClean="0">
               <a:latin typeface="Times New Roman" panose="02020603050405020304" pitchFamily="18" charset="0"/>
               <a:cs typeface="Times New Roman" panose="02020603050405020304" pitchFamily="18" charset="0"/>
             </a:endParaRPr>
           </a:p>
           <a:p>
+            <a:endParaRPr lang="en-US" sz="2400" dirty="0" smtClean="0">
+              <a:latin typeface="Times New Roman" panose="02020603050405020304" pitchFamily="18" charset="0"/>
+              <a:cs typeface="Times New Roman" panose="02020603050405020304" pitchFamily="18" charset="0"/>
+            </a:endParaRPr>
+          </a:p>
+          <a:p>
             <a:r>
               <a:rPr lang="en-US" sz="2400" b="1" dirty="0" smtClean="0">
                 <a:latin typeface="Times New Roman" panose="02020603050405020304" pitchFamily="18" charset="0"/>
@@ -9658,16 +9767,6 @@
               <a:t>Undergraduate students</a:t>
             </a:r>
           </a:p>
-          <a:p>
-            <a:pPr marL="342900" indent="-342900">
-              <a:buFont typeface="Wingdings" panose="05000000000000000000" pitchFamily="2" charset="2"/>
-              <a:buChar char="v"/>
-            </a:pPr>
-            <a:endParaRPr lang="en-US" sz="2400" b="1" dirty="0" smtClean="0">
-              <a:latin typeface="Times New Roman" panose="02020603050405020304" pitchFamily="18" charset="0"/>
-              <a:cs typeface="Times New Roman" panose="02020603050405020304" pitchFamily="18" charset="0"/>
-            </a:endParaRPr>
-          </a:p>
         </p:txBody>
       </p:sp>
       <p:sp>
@@ -9678,7 +9777,7 @@
         </p:nvSpPr>
         <p:spPr>
           <a:xfrm>
-            <a:off x="5014559" y="3617882"/>
+            <a:off x="5143249" y="3667747"/>
             <a:ext cx="3884373" cy="461665"/>
           </a:xfrm>
           <a:prstGeom prst="rect">
@@ -9883,13 +9982,13 @@
           <a:p>
             <a:pPr algn="ctr"/>
             <a:r>
-              <a:rPr lang="tr-TR" sz="3000" dirty="0" smtClean="0">
-                <a:latin typeface="Times New Roman" panose="02020603050405020304" pitchFamily="18" charset="0"/>
-                <a:cs typeface="Times New Roman" panose="02020603050405020304" pitchFamily="18" charset="0"/>
-              </a:rPr>
-              <a:t>IMMD Design</a:t>
-            </a:r>
-            <a:endParaRPr lang="tr-TR" sz="3000" dirty="0">
+              <a:rPr lang="en-US" sz="3000" dirty="0" smtClean="0">
+                <a:latin typeface="Times New Roman" panose="02020603050405020304" pitchFamily="18" charset="0"/>
+                <a:cs typeface="Times New Roman" panose="02020603050405020304" pitchFamily="18" charset="0"/>
+              </a:rPr>
+              <a:t>So, what now?</a:t>
+            </a:r>
+            <a:endParaRPr lang="en-US" sz="3000" dirty="0">
               <a:latin typeface="Times New Roman" panose="02020603050405020304" pitchFamily="18" charset="0"/>
               <a:cs typeface="Times New Roman" panose="02020603050405020304" pitchFamily="18" charset="0"/>
             </a:endParaRPr>
@@ -10006,7 +10105,7 @@
         </p:nvSpPr>
         <p:spPr bwMode="auto">
           <a:xfrm>
-            <a:off x="1348191" y="952500"/>
+            <a:off x="1348191" y="1073459"/>
             <a:ext cx="6514138" cy="400110"/>
           </a:xfrm>
           <a:prstGeom prst="rect">
@@ -10032,7 +10131,202 @@
                 <a:latin typeface="Times New Roman" panose="02020603050405020304" pitchFamily="18" charset="0"/>
                 <a:cs typeface="Times New Roman" panose="02020603050405020304" pitchFamily="18" charset="0"/>
               </a:rPr>
-              <a:t>Loss Characterization</a:t>
+              <a:t>Near future</a:t>
+            </a:r>
+            <a:r>
+              <a:rPr lang="tr-TR" sz="2000" b="1" dirty="0" smtClean="0">
+                <a:latin typeface="Times New Roman" panose="02020603050405020304" pitchFamily="18" charset="0"/>
+                <a:cs typeface="Times New Roman" panose="02020603050405020304" pitchFamily="18" charset="0"/>
+              </a:rPr>
+              <a:t>:</a:t>
+            </a:r>
+            <a:endParaRPr lang="en-US" sz="2000" b="1" dirty="0" smtClean="0">
+              <a:latin typeface="Times New Roman" panose="02020603050405020304" pitchFamily="18" charset="0"/>
+              <a:cs typeface="Times New Roman" panose="02020603050405020304" pitchFamily="18" charset="0"/>
+            </a:endParaRPr>
+          </a:p>
+        </p:txBody>
+      </p:sp>
+      <p:sp>
+        <p:nvSpPr>
+          <p:cNvPr id="16" name="Text Box 9"/>
+          <p:cNvSpPr txBox="1">
+            <a:spLocks noChangeArrowheads="1"/>
+          </p:cNvSpPr>
+          <p:nvPr/>
+        </p:nvSpPr>
+        <p:spPr bwMode="auto">
+          <a:xfrm>
+            <a:off x="1348191" y="1524189"/>
+            <a:ext cx="7643409" cy="1938992"/>
+          </a:xfrm>
+          <a:prstGeom prst="rect">
+            <a:avLst/>
+          </a:prstGeom>
+          <a:noFill/>
+          <a:ln w="9525">
+            <a:noFill/>
+            <a:miter lim="800000"/>
+            <a:headEnd/>
+            <a:tailEnd/>
+          </a:ln>
+          <a:effectLst/>
+        </p:spPr>
+        <p:txBody>
+          <a:bodyPr wrap="square">
+            <a:spAutoFit/>
+          </a:bodyPr>
+          <a:lstStyle/>
+          <a:p>
+            <a:pPr algn="l"/>
+            <a:r>
+              <a:rPr lang="en-US" sz="2000" dirty="0" smtClean="0">
+                <a:latin typeface="Times New Roman" panose="02020603050405020304" pitchFamily="18" charset="0"/>
+                <a:cs typeface="Times New Roman" panose="02020603050405020304" pitchFamily="18" charset="0"/>
+              </a:rPr>
+              <a:t>Build a </a:t>
+            </a:r>
+            <a:r>
+              <a:rPr lang="tr-TR" sz="2000" b="1" dirty="0" smtClean="0">
+                <a:latin typeface="Times New Roman" panose="02020603050405020304" pitchFamily="18" charset="0"/>
+                <a:cs typeface="Times New Roman" panose="02020603050405020304" pitchFamily="18" charset="0"/>
+              </a:rPr>
+              <a:t>6</a:t>
+            </a:r>
+            <a:r>
+              <a:rPr lang="en-US" sz="2000" b="1" dirty="0" smtClean="0">
+                <a:latin typeface="Times New Roman" panose="02020603050405020304" pitchFamily="18" charset="0"/>
+                <a:cs typeface="Times New Roman" panose="02020603050405020304" pitchFamily="18" charset="0"/>
+              </a:rPr>
+              <a:t> kW </a:t>
+            </a:r>
+            <a:r>
+              <a:rPr lang="en-US" sz="2000" dirty="0" smtClean="0">
+                <a:latin typeface="Times New Roman" panose="02020603050405020304" pitchFamily="18" charset="0"/>
+                <a:cs typeface="Times New Roman" panose="02020603050405020304" pitchFamily="18" charset="0"/>
+              </a:rPr>
+              <a:t>laboratory </a:t>
+            </a:r>
+            <a:r>
+              <a:rPr lang="en-US" sz="2000" b="1" dirty="0" smtClean="0">
+                <a:latin typeface="Times New Roman" panose="02020603050405020304" pitchFamily="18" charset="0"/>
+                <a:cs typeface="Times New Roman" panose="02020603050405020304" pitchFamily="18" charset="0"/>
+              </a:rPr>
+              <a:t>prototype</a:t>
+            </a:r>
+            <a:r>
+              <a:rPr lang="en-US" sz="2000" dirty="0" smtClean="0">
+                <a:latin typeface="Times New Roman" panose="02020603050405020304" pitchFamily="18" charset="0"/>
+                <a:cs typeface="Times New Roman" panose="02020603050405020304" pitchFamily="18" charset="0"/>
+              </a:rPr>
+              <a:t> with the specifications</a:t>
+            </a:r>
+          </a:p>
+          <a:p>
+            <a:pPr marL="457200" indent="-457200" algn="l">
+              <a:buFont typeface="Wingdings" panose="05000000000000000000" pitchFamily="2" charset="2"/>
+              <a:buChar char="ü"/>
+            </a:pPr>
+            <a:r>
+              <a:rPr lang="en-US" sz="2000" dirty="0" smtClean="0">
+                <a:latin typeface="Times New Roman" panose="02020603050405020304" pitchFamily="18" charset="0"/>
+                <a:cs typeface="Times New Roman" panose="02020603050405020304" pitchFamily="18" charset="0"/>
+              </a:rPr>
+              <a:t>Proof of concept</a:t>
+            </a:r>
+          </a:p>
+          <a:p>
+            <a:pPr marL="457200" indent="-457200" algn="l">
+              <a:buFont typeface="Wingdings" panose="05000000000000000000" pitchFamily="2" charset="2"/>
+              <a:buChar char="ü"/>
+            </a:pPr>
+            <a:r>
+              <a:rPr lang="en-US" sz="2000" dirty="0" smtClean="0">
+                <a:latin typeface="Times New Roman" panose="02020603050405020304" pitchFamily="18" charset="0"/>
+                <a:cs typeface="Times New Roman" panose="02020603050405020304" pitchFamily="18" charset="0"/>
+              </a:rPr>
+              <a:t>Drive efficiency</a:t>
+            </a:r>
+            <a:r>
+              <a:rPr lang="en-US" sz="2000" b="1" dirty="0" smtClean="0">
+                <a:latin typeface="Times New Roman" panose="02020603050405020304" pitchFamily="18" charset="0"/>
+                <a:cs typeface="Times New Roman" panose="02020603050405020304" pitchFamily="18" charset="0"/>
+              </a:rPr>
+              <a:t>: 98.5%</a:t>
+            </a:r>
+          </a:p>
+          <a:p>
+            <a:pPr marL="457200" indent="-457200" algn="l">
+              <a:buFont typeface="Wingdings" panose="05000000000000000000" pitchFamily="2" charset="2"/>
+              <a:buChar char="ü"/>
+            </a:pPr>
+            <a:r>
+              <a:rPr lang="en-US" sz="2000" dirty="0" smtClean="0">
+                <a:latin typeface="Times New Roman" panose="02020603050405020304" pitchFamily="18" charset="0"/>
+                <a:cs typeface="Times New Roman" panose="02020603050405020304" pitchFamily="18" charset="0"/>
+              </a:rPr>
+              <a:t>Drive power density</a:t>
+            </a:r>
+            <a:r>
+              <a:rPr lang="en-US" sz="2000" b="1" dirty="0" smtClean="0">
+                <a:latin typeface="Times New Roman" panose="02020603050405020304" pitchFamily="18" charset="0"/>
+                <a:cs typeface="Times New Roman" panose="02020603050405020304" pitchFamily="18" charset="0"/>
+              </a:rPr>
+              <a:t>: 15 W/cm</a:t>
+            </a:r>
+            <a:r>
+              <a:rPr lang="en-US" sz="2000" b="1" baseline="30000" dirty="0" smtClean="0">
+                <a:latin typeface="Times New Roman" panose="02020603050405020304" pitchFamily="18" charset="0"/>
+                <a:cs typeface="Times New Roman" panose="02020603050405020304" pitchFamily="18" charset="0"/>
+              </a:rPr>
+              <a:t>3</a:t>
+            </a:r>
+          </a:p>
+          <a:p>
+            <a:pPr marL="457200" indent="-457200" algn="l">
+              <a:buFont typeface="Wingdings" panose="05000000000000000000" pitchFamily="2" charset="2"/>
+              <a:buChar char="ü"/>
+            </a:pPr>
+            <a:r>
+              <a:rPr lang="en-US" sz="2000" b="1" dirty="0" smtClean="0">
+                <a:latin typeface="Times New Roman" panose="02020603050405020304" pitchFamily="18" charset="0"/>
+                <a:cs typeface="Times New Roman" panose="02020603050405020304" pitchFamily="18" charset="0"/>
+              </a:rPr>
+              <a:t>Fault tolerance </a:t>
+            </a:r>
+            <a:r>
+              <a:rPr lang="en-US" sz="2000" dirty="0" smtClean="0">
+                <a:latin typeface="Times New Roman" panose="02020603050405020304" pitchFamily="18" charset="0"/>
+                <a:cs typeface="Times New Roman" panose="02020603050405020304" pitchFamily="18" charset="0"/>
+              </a:rPr>
+              <a:t>tests</a:t>
+            </a:r>
+          </a:p>
+          <a:p>
+            <a:pPr marL="457200" indent="-457200" algn="l">
+              <a:buFont typeface="Wingdings" panose="05000000000000000000" pitchFamily="2" charset="2"/>
+              <a:buChar char="ü"/>
+            </a:pPr>
+            <a:r>
+              <a:rPr lang="en-US" sz="2000" dirty="0" smtClean="0">
+                <a:latin typeface="Times New Roman" panose="02020603050405020304" pitchFamily="18" charset="0"/>
+                <a:cs typeface="Times New Roman" panose="02020603050405020304" pitchFamily="18" charset="0"/>
+              </a:rPr>
+              <a:t>Motor housing for cooling (</a:t>
+            </a:r>
+            <a:r>
+              <a:rPr lang="en-US" sz="2000" b="1" dirty="0" smtClean="0">
+                <a:latin typeface="Times New Roman" panose="02020603050405020304" pitchFamily="18" charset="0"/>
+                <a:cs typeface="Times New Roman" panose="02020603050405020304" pitchFamily="18" charset="0"/>
+              </a:rPr>
+              <a:t>no heatsink</a:t>
+            </a:r>
+            <a:r>
+              <a:rPr lang="en-US" sz="2000" dirty="0" smtClean="0">
+                <a:latin typeface="Times New Roman" panose="02020603050405020304" pitchFamily="18" charset="0"/>
+                <a:cs typeface="Times New Roman" panose="02020603050405020304" pitchFamily="18" charset="0"/>
+              </a:rPr>
+              <a:t>)</a:t>
             </a:r>
             <a:endParaRPr lang="en-US" sz="2000" dirty="0" smtClean="0">
               <a:latin typeface="Times New Roman" panose="02020603050405020304" pitchFamily="18" charset="0"/>
@@ -10041,34 +10335,147 @@
           </a:p>
         </p:txBody>
       </p:sp>
-      <p:pic>
-        <p:nvPicPr>
-          <p:cNvPr id="12" name="Picture 11"/>
-          <p:cNvPicPr>
-            <a:picLocks noChangeAspect="1"/>
-          </p:cNvPicPr>
-          <p:nvPr/>
-        </p:nvPicPr>
-        <p:blipFill>
-          <a:blip r:embed="rId3"/>
-          <a:stretch>
-            <a:fillRect/>
-          </a:stretch>
-        </p:blipFill>
-        <p:spPr>
-          <a:xfrm>
-            <a:off x="1429861" y="1757454"/>
-            <a:ext cx="4513739" cy="4294590"/>
-          </a:xfrm>
-          <a:prstGeom prst="rect">
-            <a:avLst/>
-          </a:prstGeom>
-        </p:spPr>
-      </p:pic>
+      <p:sp>
+        <p:nvSpPr>
+          <p:cNvPr id="17" name="Text Box 9"/>
+          <p:cNvSpPr txBox="1">
+            <a:spLocks noChangeArrowheads="1"/>
+          </p:cNvSpPr>
+          <p:nvPr/>
+        </p:nvSpPr>
+        <p:spPr bwMode="auto">
+          <a:xfrm>
+            <a:off x="1386291" y="3840839"/>
+            <a:ext cx="6514138" cy="400110"/>
+          </a:xfrm>
+          <a:prstGeom prst="rect">
+            <a:avLst/>
+          </a:prstGeom>
+          <a:noFill/>
+          <a:ln w="9525">
+            <a:noFill/>
+            <a:miter lim="800000"/>
+            <a:headEnd/>
+            <a:tailEnd/>
+          </a:ln>
+          <a:effectLst/>
+        </p:spPr>
+        <p:txBody>
+          <a:bodyPr wrap="square">
+            <a:spAutoFit/>
+          </a:bodyPr>
+          <a:lstStyle/>
+          <a:p>
+            <a:r>
+              <a:rPr lang="en-US" sz="2000" b="1" dirty="0" smtClean="0">
+                <a:latin typeface="Times New Roman" panose="02020603050405020304" pitchFamily="18" charset="0"/>
+                <a:cs typeface="Times New Roman" panose="02020603050405020304" pitchFamily="18" charset="0"/>
+              </a:rPr>
+              <a:t>Ultimately</a:t>
+            </a:r>
+            <a:r>
+              <a:rPr lang="tr-TR" sz="2000" b="1" dirty="0" smtClean="0">
+                <a:latin typeface="Times New Roman" panose="02020603050405020304" pitchFamily="18" charset="0"/>
+                <a:cs typeface="Times New Roman" panose="02020603050405020304" pitchFamily="18" charset="0"/>
+              </a:rPr>
+              <a:t>:</a:t>
+            </a:r>
+            <a:endParaRPr lang="en-US" sz="2000" b="1" dirty="0" smtClean="0">
+              <a:latin typeface="Times New Roman" panose="02020603050405020304" pitchFamily="18" charset="0"/>
+              <a:cs typeface="Times New Roman" panose="02020603050405020304" pitchFamily="18" charset="0"/>
+            </a:endParaRPr>
+          </a:p>
+        </p:txBody>
+      </p:sp>
+      <p:sp>
+        <p:nvSpPr>
+          <p:cNvPr id="18" name="Text Box 9"/>
+          <p:cNvSpPr txBox="1">
+            <a:spLocks noChangeArrowheads="1"/>
+          </p:cNvSpPr>
+          <p:nvPr/>
+        </p:nvSpPr>
+        <p:spPr bwMode="auto">
+          <a:xfrm>
+            <a:off x="1348190" y="4378461"/>
+            <a:ext cx="7643409" cy="1323439"/>
+          </a:xfrm>
+          <a:prstGeom prst="rect">
+            <a:avLst/>
+          </a:prstGeom>
+          <a:noFill/>
+          <a:ln w="9525">
+            <a:noFill/>
+            <a:miter lim="800000"/>
+            <a:headEnd/>
+            <a:tailEnd/>
+          </a:ln>
+          <a:effectLst/>
+        </p:spPr>
+        <p:txBody>
+          <a:bodyPr wrap="square">
+            <a:spAutoFit/>
+          </a:bodyPr>
+          <a:lstStyle/>
+          <a:p>
+            <a:pPr algn="l"/>
+            <a:r>
+              <a:rPr lang="en-US" sz="2000" dirty="0" smtClean="0">
+                <a:latin typeface="Times New Roman" panose="02020603050405020304" pitchFamily="18" charset="0"/>
+                <a:cs typeface="Times New Roman" panose="02020603050405020304" pitchFamily="18" charset="0"/>
+              </a:rPr>
+              <a:t>IMMD design for an actual </a:t>
+            </a:r>
+            <a:r>
+              <a:rPr lang="en-US" sz="2000" b="1" dirty="0" smtClean="0">
+                <a:latin typeface="Times New Roman" panose="02020603050405020304" pitchFamily="18" charset="0"/>
+                <a:cs typeface="Times New Roman" panose="02020603050405020304" pitchFamily="18" charset="0"/>
+              </a:rPr>
+              <a:t>application</a:t>
+            </a:r>
+          </a:p>
+          <a:p>
+            <a:pPr marL="342900" indent="-342900" algn="l">
+              <a:buFont typeface="Wingdings" panose="05000000000000000000" pitchFamily="2" charset="2"/>
+              <a:buChar char="ü"/>
+            </a:pPr>
+            <a:r>
+              <a:rPr lang="en-US" sz="2000" dirty="0" smtClean="0">
+                <a:latin typeface="Times New Roman" panose="02020603050405020304" pitchFamily="18" charset="0"/>
+                <a:cs typeface="Times New Roman" panose="02020603050405020304" pitchFamily="18" charset="0"/>
+              </a:rPr>
+              <a:t>Fully modular and complete design</a:t>
+            </a:r>
+          </a:p>
+          <a:p>
+            <a:pPr marL="342900" indent="-342900" algn="l">
+              <a:buFont typeface="Wingdings" panose="05000000000000000000" pitchFamily="2" charset="2"/>
+              <a:buChar char="ü"/>
+            </a:pPr>
+            <a:r>
+              <a:rPr lang="en-US" sz="2000" dirty="0" smtClean="0">
+                <a:latin typeface="Times New Roman" panose="02020603050405020304" pitchFamily="18" charset="0"/>
+                <a:cs typeface="Times New Roman" panose="02020603050405020304" pitchFamily="18" charset="0"/>
+              </a:rPr>
+              <a:t>Reliability tests</a:t>
+            </a:r>
+          </a:p>
+          <a:p>
+            <a:pPr marL="342900" indent="-342900" algn="l">
+              <a:buFont typeface="Wingdings" panose="05000000000000000000" pitchFamily="2" charset="2"/>
+              <a:buChar char="ü"/>
+            </a:pPr>
+            <a:endParaRPr lang="en-US" sz="2000" dirty="0" smtClean="0">
+              <a:latin typeface="Times New Roman" panose="02020603050405020304" pitchFamily="18" charset="0"/>
+              <a:cs typeface="Times New Roman" panose="02020603050405020304" pitchFamily="18" charset="0"/>
+            </a:endParaRPr>
+          </a:p>
+        </p:txBody>
+      </p:sp>
     </p:spTree>
     <p:extLst>
       <p:ext uri="{BB962C8B-B14F-4D97-AF65-F5344CB8AC3E}">
-        <p14:creationId xmlns:p14="http://schemas.microsoft.com/office/powerpoint/2010/main" val="471846561"/>
+        <p14:creationId xmlns:p14="http://schemas.microsoft.com/office/powerpoint/2010/main" val="3007486762"/>
       </p:ext>
     </p:extLst>
   </p:cSld>
@@ -10225,27 +10632,13 @@
           <a:p>
             <a:pPr algn="ctr"/>
             <a:r>
-              <a:rPr lang="tr-TR" sz="3000" dirty="0" err="1" smtClean="0">
-                <a:latin typeface="Times New Roman" panose="02020603050405020304" pitchFamily="18" charset="0"/>
-                <a:cs typeface="Times New Roman" panose="02020603050405020304" pitchFamily="18" charset="0"/>
-              </a:rPr>
-              <a:t>Future</a:t>
-            </a:r>
-            <a:r>
-              <a:rPr lang="tr-TR" sz="3000" dirty="0" smtClean="0">
-                <a:latin typeface="Times New Roman" panose="02020603050405020304" pitchFamily="18" charset="0"/>
-                <a:cs typeface="Times New Roman" panose="02020603050405020304" pitchFamily="18" charset="0"/>
-              </a:rPr>
-              <a:t> </a:t>
-            </a:r>
-            <a:r>
-              <a:rPr lang="tr-TR" sz="3000" dirty="0" err="1" smtClean="0">
-                <a:latin typeface="Times New Roman" panose="02020603050405020304" pitchFamily="18" charset="0"/>
-                <a:cs typeface="Times New Roman" panose="02020603050405020304" pitchFamily="18" charset="0"/>
-              </a:rPr>
-              <a:t>Work</a:t>
-            </a:r>
-            <a:endParaRPr lang="tr-TR" sz="3000" dirty="0">
+              <a:rPr lang="en-US" sz="3000" dirty="0" smtClean="0">
+                <a:latin typeface="Times New Roman" panose="02020603050405020304" pitchFamily="18" charset="0"/>
+                <a:cs typeface="Times New Roman" panose="02020603050405020304" pitchFamily="18" charset="0"/>
+              </a:rPr>
+              <a:t>References</a:t>
+            </a:r>
+            <a:endParaRPr lang="en-US" sz="3000" dirty="0">
               <a:latin typeface="Times New Roman" panose="02020603050405020304" pitchFamily="18" charset="0"/>
               <a:cs typeface="Times New Roman" panose="02020603050405020304" pitchFamily="18" charset="0"/>
             </a:endParaRPr>
@@ -10354,7 +10747,7 @@
       </p:pic>
       <p:sp>
         <p:nvSpPr>
-          <p:cNvPr id="9" name="Text Box 9"/>
+          <p:cNvPr id="12" name="Text Box 42"/>
           <p:cNvSpPr txBox="1">
             <a:spLocks noChangeArrowheads="1"/>
           </p:cNvSpPr>
@@ -10362,8 +10755,8 @@
         </p:nvSpPr>
         <p:spPr bwMode="auto">
           <a:xfrm>
-            <a:off x="1348191" y="952500"/>
-            <a:ext cx="6514138" cy="707886"/>
+            <a:off x="1164518" y="1371600"/>
+            <a:ext cx="7300509" cy="5047536"/>
           </a:xfrm>
           <a:prstGeom prst="rect">
             <a:avLst/>
@@ -10383,445 +10776,375 @@
           </a:bodyPr>
           <a:lstStyle/>
           <a:p>
-            <a:r>
-              <a:rPr lang="tr-TR" sz="2000" b="1" dirty="0" err="1" smtClean="0">
-                <a:latin typeface="Times New Roman" panose="02020603050405020304" pitchFamily="18" charset="0"/>
-                <a:cs typeface="Times New Roman" panose="02020603050405020304" pitchFamily="18" charset="0"/>
-              </a:rPr>
-              <a:t>Near</a:t>
-            </a:r>
-            <a:r>
-              <a:rPr lang="tr-TR" sz="2000" b="1" dirty="0" smtClean="0">
-                <a:latin typeface="Times New Roman" panose="02020603050405020304" pitchFamily="18" charset="0"/>
-                <a:cs typeface="Times New Roman" panose="02020603050405020304" pitchFamily="18" charset="0"/>
-              </a:rPr>
+            <a:pPr marL="514350" indent="-514350" algn="l" defTabSz="4389438">
+              <a:spcAft>
+                <a:spcPts val="1200"/>
+              </a:spcAft>
+              <a:buFont typeface="+mj-lt"/>
+              <a:buAutoNum type="arabicPeriod"/>
+            </a:pPr>
+            <a:r>
+              <a:rPr lang="en-US" sz="1600" dirty="0" smtClean="0"/>
+              <a:t>G</a:t>
+            </a:r>
+            <a:r>
+              <a:rPr lang="en-US" sz="1600" dirty="0"/>
+              <a:t>. Lo </a:t>
+            </a:r>
+            <a:r>
+              <a:rPr lang="en-US" sz="1600" dirty="0" err="1"/>
+              <a:t>Calzo</a:t>
+            </a:r>
+            <a:r>
+              <a:rPr lang="en-US" sz="1600" dirty="0"/>
               <a:t> </a:t>
             </a:r>
             <a:r>
-              <a:rPr lang="tr-TR" sz="2000" b="1" dirty="0" err="1" smtClean="0">
-                <a:latin typeface="Times New Roman" panose="02020603050405020304" pitchFamily="18" charset="0"/>
-                <a:cs typeface="Times New Roman" panose="02020603050405020304" pitchFamily="18" charset="0"/>
-              </a:rPr>
-              <a:t>future</a:t>
-            </a:r>
-            <a:endParaRPr lang="tr-TR" sz="2000" b="1" dirty="0" smtClean="0">
-              <a:latin typeface="Times New Roman" panose="02020603050405020304" pitchFamily="18" charset="0"/>
-              <a:cs typeface="Times New Roman" panose="02020603050405020304" pitchFamily="18" charset="0"/>
-            </a:endParaRPr>
-          </a:p>
-          <a:p>
-            <a:endParaRPr lang="en-US" sz="2000" dirty="0" smtClean="0">
-              <a:latin typeface="Times New Roman" panose="02020603050405020304" pitchFamily="18" charset="0"/>
-              <a:cs typeface="Times New Roman" panose="02020603050405020304" pitchFamily="18" charset="0"/>
-            </a:endParaRPr>
-          </a:p>
-        </p:txBody>
-      </p:sp>
-      <p:sp>
-        <p:nvSpPr>
-          <p:cNvPr id="16" name="Text Box 9"/>
-          <p:cNvSpPr txBox="1">
-            <a:spLocks noChangeArrowheads="1"/>
-          </p:cNvSpPr>
-          <p:nvPr/>
-        </p:nvSpPr>
-        <p:spPr bwMode="auto">
-          <a:xfrm>
-            <a:off x="1348191" y="1524189"/>
-            <a:ext cx="7643409" cy="1938992"/>
-          </a:xfrm>
-          <a:prstGeom prst="rect">
-            <a:avLst/>
-          </a:prstGeom>
-          <a:noFill/>
-          <a:ln w="9525">
-            <a:noFill/>
-            <a:miter lim="800000"/>
-            <a:headEnd/>
-            <a:tailEnd/>
-          </a:ln>
-          <a:effectLst/>
-        </p:spPr>
-        <p:txBody>
-          <a:bodyPr wrap="square">
-            <a:spAutoFit/>
-          </a:bodyPr>
-          <a:lstStyle/>
-          <a:p>
-            <a:pPr algn="l"/>
-            <a:r>
-              <a:rPr lang="en-US" sz="2000" dirty="0" smtClean="0">
-                <a:latin typeface="Times New Roman" panose="02020603050405020304" pitchFamily="18" charset="0"/>
-                <a:cs typeface="Times New Roman" panose="02020603050405020304" pitchFamily="18" charset="0"/>
-              </a:rPr>
+              <a:rPr lang="en-US" sz="1600" i="1" dirty="0"/>
+              <a:t>et al.</a:t>
+            </a:r>
+            <a:r>
+              <a:rPr lang="en-US" sz="1600" dirty="0"/>
+              <a:t>, “</a:t>
+            </a:r>
+            <a:r>
+              <a:rPr lang="en-US" sz="1600" b="1" dirty="0"/>
+              <a:t>Integrated motor drives: state of the art and future trends</a:t>
+            </a:r>
+            <a:r>
+              <a:rPr lang="en-US" sz="1600" dirty="0"/>
+              <a:t>,” </a:t>
+            </a:r>
+            <a:r>
+              <a:rPr lang="en-US" sz="1600" i="1" dirty="0"/>
+              <a:t>IET </a:t>
+            </a:r>
+            <a:r>
+              <a:rPr lang="en-US" sz="1600" i="1" dirty="0" err="1"/>
+              <a:t>Electr</a:t>
+            </a:r>
+            <a:r>
+              <a:rPr lang="en-US" sz="1600" i="1" dirty="0"/>
+              <a:t>. Power Appl.</a:t>
+            </a:r>
+            <a:r>
+              <a:rPr lang="en-US" sz="1600" dirty="0"/>
+              <a:t>, vol. 10, no. 8, pp. 757–771, Sep. 2016</a:t>
+            </a:r>
+            <a:r>
+              <a:rPr lang="en-US" sz="1600" dirty="0" smtClean="0"/>
+              <a:t>.</a:t>
+            </a:r>
+            <a:endParaRPr lang="tr-TR" sz="1600" dirty="0" smtClean="0"/>
+          </a:p>
+          <a:p>
+            <a:pPr marL="514350" indent="-514350" algn="l" defTabSz="4389438">
+              <a:spcAft>
+                <a:spcPts val="1200"/>
+              </a:spcAft>
+              <a:buFont typeface="+mj-lt"/>
+              <a:buAutoNum type="arabicPeriod"/>
+            </a:pPr>
+            <a:r>
+              <a:rPr lang="en-US" sz="1600" dirty="0" smtClean="0"/>
+              <a:t>J</a:t>
+            </a:r>
+            <a:r>
+              <a:rPr lang="en-US" sz="1600" dirty="0"/>
+              <a:t>. Wang, Y. Li, and Y. Han, “</a:t>
+            </a:r>
+            <a:r>
+              <a:rPr lang="en-US" sz="1600" b="1" dirty="0"/>
+              <a:t>Integrated Modular Motor Drive Design With GaN Power FETs</a:t>
+            </a:r>
+            <a:r>
+              <a:rPr lang="en-US" sz="1600" dirty="0"/>
+              <a:t>,” </a:t>
+            </a:r>
+            <a:r>
+              <a:rPr lang="en-US" sz="1600" i="1" dirty="0"/>
+              <a:t>IEEE Trans. Ind. Appl.</a:t>
+            </a:r>
+            <a:r>
+              <a:rPr lang="en-US" sz="1600" dirty="0"/>
+              <a:t>, vol. 51, no. c, pp. 3198–3207, 2015</a:t>
+            </a:r>
+            <a:r>
+              <a:rPr lang="en-US" sz="1600" dirty="0" smtClean="0"/>
+              <a:t>.</a:t>
+            </a:r>
+            <a:endParaRPr lang="tr-TR" sz="1600" dirty="0" smtClean="0"/>
+          </a:p>
+          <a:p>
+            <a:pPr marL="514350" indent="-514350" algn="l" defTabSz="4389438">
+              <a:spcAft>
+                <a:spcPts val="1200"/>
+              </a:spcAft>
+              <a:buFont typeface="+mj-lt"/>
+              <a:buAutoNum type="arabicPeriod"/>
+            </a:pPr>
+            <a:r>
+              <a:rPr lang="en-US" sz="1600" dirty="0" smtClean="0"/>
+              <a:t>J</a:t>
+            </a:r>
+            <a:r>
+              <a:rPr lang="en-US" sz="1600" dirty="0"/>
+              <a:t>. J. </a:t>
+            </a:r>
+            <a:r>
+              <a:rPr lang="en-US" sz="1600" dirty="0" err="1"/>
+              <a:t>Wolmarans</a:t>
+            </a:r>
+            <a:r>
+              <a:rPr lang="en-US" sz="1600" dirty="0"/>
+              <a:t>, M. B. Gerber, H. </a:t>
+            </a:r>
+            <a:r>
+              <a:rPr lang="en-US" sz="1600" dirty="0" err="1"/>
+              <a:t>Polinder</a:t>
+            </a:r>
+            <a:r>
+              <a:rPr lang="en-US" sz="1600" dirty="0"/>
+              <a:t>, S. W. H. De </a:t>
+            </a:r>
+            <a:r>
+              <a:rPr lang="en-US" sz="1600" dirty="0" err="1"/>
+              <a:t>Haan</a:t>
+            </a:r>
+            <a:r>
+              <a:rPr lang="en-US" sz="1600" dirty="0"/>
+              <a:t>, J. A. Ferreira, and D. </a:t>
+            </a:r>
+            <a:r>
+              <a:rPr lang="en-US" sz="1600" dirty="0" err="1"/>
+              <a:t>Clarenbach</a:t>
+            </a:r>
+            <a:r>
+              <a:rPr lang="en-US" sz="1600" dirty="0"/>
+              <a:t>, “</a:t>
+            </a:r>
+            <a:r>
+              <a:rPr lang="en-US" sz="1600" b="1" dirty="0"/>
+              <a:t>A 50kW integrated fault tolerant permanent magnet machine and motor drive</a:t>
+            </a:r>
+            <a:r>
+              <a:rPr lang="en-US" sz="1600" dirty="0"/>
+              <a:t>,” </a:t>
+            </a:r>
+            <a:r>
+              <a:rPr lang="en-US" sz="1600" i="1" dirty="0"/>
+              <a:t>PESC Rec. - IEEE </a:t>
+            </a:r>
+            <a:r>
+              <a:rPr lang="en-US" sz="1600" i="1" dirty="0" err="1"/>
+              <a:t>Annu</a:t>
+            </a:r>
+            <a:r>
+              <a:rPr lang="en-US" sz="1600" i="1" dirty="0"/>
+              <a:t>. Power Electron. Spec. Conf.</a:t>
+            </a:r>
+            <a:r>
+              <a:rPr lang="en-US" sz="1600" dirty="0"/>
+              <a:t>, pp. 345–351, 2008</a:t>
+            </a:r>
+            <a:r>
+              <a:rPr lang="en-US" sz="1600" dirty="0" smtClean="0"/>
+              <a:t>.</a:t>
+            </a:r>
+            <a:endParaRPr lang="tr-TR" sz="1600" dirty="0" smtClean="0"/>
+          </a:p>
+          <a:p>
+            <a:pPr marL="514350" indent="-514350" defTabSz="4389438">
+              <a:spcAft>
+                <a:spcPts val="1200"/>
+              </a:spcAft>
+              <a:buFont typeface="+mj-lt"/>
+              <a:buAutoNum type="arabicPeriod"/>
+            </a:pPr>
+            <a:r>
+              <a:rPr lang="en-US" sz="1600" dirty="0" smtClean="0"/>
+              <a:t>N</a:t>
+            </a:r>
+            <a:r>
+              <a:rPr lang="en-US" sz="1600" dirty="0"/>
+              <a:t>. R. Brown, T. M. </a:t>
+            </a:r>
+            <a:r>
+              <a:rPr lang="en-US" sz="1600" dirty="0" err="1"/>
+              <a:t>Jahns</a:t>
+            </a:r>
+            <a:r>
+              <a:rPr lang="en-US" sz="1600" dirty="0"/>
+              <a:t>, and R. D. Lorenz, “</a:t>
+            </a:r>
+            <a:r>
+              <a:rPr lang="en-US" sz="1600" b="1" dirty="0"/>
+              <a:t>Power Converter Design for an Integrated Modular Motor Drive</a:t>
+            </a:r>
+            <a:r>
+              <a:rPr lang="en-US" sz="1600" dirty="0"/>
+              <a:t>,” </a:t>
+            </a:r>
+            <a:r>
+              <a:rPr lang="en-US" sz="1600" i="1" dirty="0"/>
+              <a:t>Ind. Appl. Conf. 2007. 42nd IAS </a:t>
+            </a:r>
+            <a:r>
+              <a:rPr lang="en-US" sz="1600" i="1" dirty="0" err="1"/>
+              <a:t>Annu</a:t>
+            </a:r>
+            <a:r>
+              <a:rPr lang="en-US" sz="1600" i="1" dirty="0"/>
+              <a:t>. Meet. Conf. Rec. 2007 IEEE</a:t>
+            </a:r>
+            <a:r>
+              <a:rPr lang="en-US" sz="1600" dirty="0"/>
+              <a:t>, pp. 1322–1328, 2007</a:t>
+            </a:r>
+            <a:r>
+              <a:rPr lang="en-US" sz="1600" dirty="0" smtClean="0"/>
+              <a:t>.</a:t>
+            </a:r>
+            <a:endParaRPr lang="tr-TR" sz="1600" dirty="0" smtClean="0"/>
+          </a:p>
+          <a:p>
+            <a:pPr marL="514350" indent="-514350" defTabSz="4389438">
+              <a:spcAft>
+                <a:spcPts val="1200"/>
+              </a:spcAft>
+              <a:buFont typeface="+mj-lt"/>
+              <a:buAutoNum type="arabicPeriod"/>
+            </a:pPr>
+            <a:r>
+              <a:rPr lang="en-US" sz="1600" dirty="0" smtClean="0"/>
+              <a:t>S</a:t>
+            </a:r>
+            <a:r>
+              <a:rPr lang="en-US" sz="1600" dirty="0"/>
+              <a:t>. M. Lambert, B. C. </a:t>
+            </a:r>
+            <a:r>
+              <a:rPr lang="en-US" sz="1600" dirty="0" err="1"/>
+              <a:t>Mecrow</a:t>
+            </a:r>
+            <a:r>
+              <a:rPr lang="en-US" sz="1600" dirty="0"/>
+              <a:t>, R. </a:t>
+            </a:r>
+            <a:r>
+              <a:rPr lang="en-US" sz="1600" dirty="0" err="1"/>
+              <a:t>Abebe</a:t>
+            </a:r>
+            <a:r>
+              <a:rPr lang="en-US" sz="1600" dirty="0"/>
+              <a:t>, G. </a:t>
+            </a:r>
+            <a:r>
+              <a:rPr lang="en-US" sz="1600" dirty="0" err="1"/>
+              <a:t>Vakil</a:t>
+            </a:r>
+            <a:r>
+              <a:rPr lang="en-US" sz="1600" dirty="0"/>
+              <a:t>, and C. M. Johnson, “</a:t>
+            </a:r>
+            <a:r>
+              <a:rPr lang="en-US" sz="1600" b="1" dirty="0"/>
+              <a:t>Integrated Drives for Transport - A Review of the Enabling Electronics Technology</a:t>
+            </a:r>
+            <a:r>
+              <a:rPr lang="en-US" sz="1600" dirty="0"/>
+              <a:t>,” </a:t>
+            </a:r>
+            <a:r>
+              <a:rPr lang="en-US" sz="1600" i="1" dirty="0"/>
+              <a:t>IEEE </a:t>
+            </a:r>
+            <a:r>
+              <a:rPr lang="en-US" sz="1600" i="1" dirty="0" err="1"/>
+              <a:t>Veh</a:t>
+            </a:r>
+            <a:r>
+              <a:rPr lang="en-US" sz="1600" i="1" dirty="0"/>
+              <a:t>. Power </a:t>
+            </a:r>
+            <a:r>
+              <a:rPr lang="en-US" sz="1600" i="1" dirty="0" err="1"/>
+              <a:t>Propuls</a:t>
+            </a:r>
+            <a:r>
+              <a:rPr lang="en-US" sz="1600" i="1" dirty="0"/>
+              <a:t>. Conf.</a:t>
+            </a:r>
+            <a:r>
+              <a:rPr lang="en-US" sz="1600" dirty="0"/>
+              <a:t>, pp. 1–6, 2015</a:t>
+            </a:r>
+            <a:r>
+              <a:rPr lang="en-US" sz="1600" dirty="0" smtClean="0"/>
+              <a:t>.</a:t>
+            </a:r>
+            <a:endParaRPr lang="tr-TR" sz="1600" dirty="0" smtClean="0"/>
+          </a:p>
+          <a:p>
+            <a:pPr marL="514350" indent="-514350" defTabSz="4389438">
+              <a:spcAft>
+                <a:spcPts val="1200"/>
+              </a:spcAft>
+              <a:buFont typeface="+mj-lt"/>
+              <a:buAutoNum type="arabicPeriod"/>
+            </a:pPr>
+            <a:r>
+              <a:rPr lang="en-US" sz="1600" dirty="0" smtClean="0"/>
               <a:t>A</a:t>
             </a:r>
             <a:r>
-              <a:rPr lang="tr-TR" sz="2000" dirty="0" smtClean="0">
-                <a:latin typeface="Times New Roman" panose="02020603050405020304" pitchFamily="18" charset="0"/>
-                <a:cs typeface="Times New Roman" panose="02020603050405020304" pitchFamily="18" charset="0"/>
-              </a:rPr>
-              <a:t>n IMMD</a:t>
-            </a:r>
-            <a:r>
-              <a:rPr lang="en-US" sz="2000" dirty="0" smtClean="0">
-                <a:latin typeface="Times New Roman" panose="02020603050405020304" pitchFamily="18" charset="0"/>
-                <a:cs typeface="Times New Roman" panose="02020603050405020304" pitchFamily="18" charset="0"/>
-              </a:rPr>
-              <a:t> laboratory prototype is being developed</a:t>
-            </a:r>
-            <a:r>
-              <a:rPr lang="tr-TR" sz="2000" dirty="0" smtClean="0">
-                <a:latin typeface="Times New Roman" panose="02020603050405020304" pitchFamily="18" charset="0"/>
-                <a:cs typeface="Times New Roman" panose="02020603050405020304" pitchFamily="18" charset="0"/>
-              </a:rPr>
-              <a:t> with the given specifications. The aimed performance is:</a:t>
-            </a:r>
-          </a:p>
-          <a:p>
-            <a:pPr marL="457200" indent="-457200" algn="l">
-              <a:buFont typeface="Wingdings" panose="05000000000000000000" pitchFamily="2" charset="2"/>
-              <a:buChar char="q"/>
-            </a:pPr>
-            <a:r>
-              <a:rPr lang="en-US" sz="2000" dirty="0">
-                <a:latin typeface="Times New Roman" panose="02020603050405020304" pitchFamily="18" charset="0"/>
-                <a:cs typeface="Times New Roman" panose="02020603050405020304" pitchFamily="18" charset="0"/>
-              </a:rPr>
-              <a:t>Drive efficiency</a:t>
-            </a:r>
-            <a:r>
-              <a:rPr lang="en-US" sz="2000" b="1" dirty="0">
-                <a:latin typeface="Times New Roman" panose="02020603050405020304" pitchFamily="18" charset="0"/>
-                <a:cs typeface="Times New Roman" panose="02020603050405020304" pitchFamily="18" charset="0"/>
-              </a:rPr>
-              <a:t>: 9</a:t>
-            </a:r>
-            <a:r>
-              <a:rPr lang="tr-TR" sz="2000" b="1" dirty="0">
-                <a:latin typeface="Times New Roman" panose="02020603050405020304" pitchFamily="18" charset="0"/>
-                <a:cs typeface="Times New Roman" panose="02020603050405020304" pitchFamily="18" charset="0"/>
-              </a:rPr>
-              <a:t>8.5</a:t>
-            </a:r>
-            <a:r>
-              <a:rPr lang="en-US" sz="2000" b="1" dirty="0">
-                <a:latin typeface="Times New Roman" panose="02020603050405020304" pitchFamily="18" charset="0"/>
-                <a:cs typeface="Times New Roman" panose="02020603050405020304" pitchFamily="18" charset="0"/>
-              </a:rPr>
-              <a:t>%</a:t>
-            </a:r>
-          </a:p>
-          <a:p>
-            <a:pPr marL="457200" indent="-457200" algn="l">
-              <a:buFont typeface="Wingdings" panose="05000000000000000000" pitchFamily="2" charset="2"/>
-              <a:buChar char="q"/>
-            </a:pPr>
-            <a:r>
-              <a:rPr lang="en-US" sz="2000" dirty="0">
-                <a:latin typeface="Times New Roman" panose="02020603050405020304" pitchFamily="18" charset="0"/>
-                <a:cs typeface="Times New Roman" panose="02020603050405020304" pitchFamily="18" charset="0"/>
-              </a:rPr>
-              <a:t>Drive power density</a:t>
-            </a:r>
-            <a:r>
-              <a:rPr lang="en-US" sz="2000" b="1" dirty="0">
-                <a:latin typeface="Times New Roman" panose="02020603050405020304" pitchFamily="18" charset="0"/>
-                <a:cs typeface="Times New Roman" panose="02020603050405020304" pitchFamily="18" charset="0"/>
-              </a:rPr>
-              <a:t>: 15 W/cm</a:t>
-            </a:r>
-            <a:r>
-              <a:rPr lang="en-US" sz="2000" b="1" baseline="30000" dirty="0">
-                <a:latin typeface="Times New Roman" panose="02020603050405020304" pitchFamily="18" charset="0"/>
-                <a:cs typeface="Times New Roman" panose="02020603050405020304" pitchFamily="18" charset="0"/>
-              </a:rPr>
-              <a:t>3</a:t>
-            </a:r>
-          </a:p>
-          <a:p>
-            <a:pPr marL="457200" indent="-457200" algn="l">
-              <a:buFont typeface="Wingdings" panose="05000000000000000000" pitchFamily="2" charset="2"/>
-              <a:buChar char="q"/>
-            </a:pPr>
-            <a:r>
-              <a:rPr lang="tr-TR" sz="2000" dirty="0" smtClean="0">
-                <a:latin typeface="Times New Roman" panose="02020603050405020304" pitchFamily="18" charset="0"/>
-                <a:cs typeface="Times New Roman" panose="02020603050405020304" pitchFamily="18" charset="0"/>
-              </a:rPr>
-              <a:t>Increased </a:t>
-            </a:r>
-            <a:r>
-              <a:rPr lang="tr-TR" sz="2000" b="1" dirty="0" smtClean="0">
-                <a:latin typeface="Times New Roman" panose="02020603050405020304" pitchFamily="18" charset="0"/>
-                <a:cs typeface="Times New Roman" panose="02020603050405020304" pitchFamily="18" charset="0"/>
-              </a:rPr>
-              <a:t>fault tolerance</a:t>
-            </a:r>
-          </a:p>
-          <a:p>
-            <a:pPr marL="457200" indent="-457200" algn="l">
-              <a:buFont typeface="Wingdings" panose="05000000000000000000" pitchFamily="2" charset="2"/>
-              <a:buChar char="q"/>
-            </a:pPr>
-            <a:r>
-              <a:rPr lang="tr-TR" sz="2000" dirty="0" smtClean="0">
-                <a:latin typeface="Times New Roman" panose="02020603050405020304" pitchFamily="18" charset="0"/>
-                <a:cs typeface="Times New Roman" panose="02020603050405020304" pitchFamily="18" charset="0"/>
-              </a:rPr>
-              <a:t>Motor housing for cooling (</a:t>
-            </a:r>
-            <a:r>
-              <a:rPr lang="tr-TR" sz="2000" b="1" dirty="0" smtClean="0">
-                <a:latin typeface="Times New Roman" panose="02020603050405020304" pitchFamily="18" charset="0"/>
-                <a:cs typeface="Times New Roman" panose="02020603050405020304" pitchFamily="18" charset="0"/>
-              </a:rPr>
-              <a:t>no heatsink</a:t>
-            </a:r>
-            <a:r>
-              <a:rPr lang="tr-TR" sz="2000" dirty="0" smtClean="0">
-                <a:latin typeface="Times New Roman" panose="02020603050405020304" pitchFamily="18" charset="0"/>
-                <a:cs typeface="Times New Roman" panose="02020603050405020304" pitchFamily="18" charset="0"/>
-              </a:rPr>
-              <a:t>)</a:t>
-            </a:r>
-            <a:endParaRPr lang="en-US" sz="2000" dirty="0" smtClean="0">
-              <a:latin typeface="Times New Roman" panose="02020603050405020304" pitchFamily="18" charset="0"/>
-              <a:cs typeface="Times New Roman" panose="02020603050405020304" pitchFamily="18" charset="0"/>
-            </a:endParaRPr>
-          </a:p>
-        </p:txBody>
-      </p:sp>
-      <p:sp>
-        <p:nvSpPr>
-          <p:cNvPr id="17" name="Text Box 9"/>
-          <p:cNvSpPr txBox="1">
-            <a:spLocks noChangeArrowheads="1"/>
-          </p:cNvSpPr>
-          <p:nvPr/>
-        </p:nvSpPr>
-        <p:spPr bwMode="auto">
-          <a:xfrm>
-            <a:off x="1386291" y="3845669"/>
-            <a:ext cx="6514138" cy="707886"/>
-          </a:xfrm>
-          <a:prstGeom prst="rect">
-            <a:avLst/>
-          </a:prstGeom>
-          <a:noFill/>
-          <a:ln w="9525">
-            <a:noFill/>
-            <a:miter lim="800000"/>
-            <a:headEnd/>
-            <a:tailEnd/>
-          </a:ln>
-          <a:effectLst/>
-        </p:spPr>
-        <p:txBody>
-          <a:bodyPr wrap="square">
-            <a:spAutoFit/>
-          </a:bodyPr>
-          <a:lstStyle/>
-          <a:p>
-            <a:r>
-              <a:rPr lang="tr-TR" sz="2000" b="1" dirty="0" err="1" smtClean="0">
-                <a:latin typeface="Times New Roman" panose="02020603050405020304" pitchFamily="18" charset="0"/>
-                <a:cs typeface="Times New Roman" panose="02020603050405020304" pitchFamily="18" charset="0"/>
-              </a:rPr>
-              <a:t>Ultimately</a:t>
-            </a:r>
-            <a:endParaRPr lang="tr-TR" sz="2000" b="1" dirty="0" smtClean="0">
-              <a:latin typeface="Times New Roman" panose="02020603050405020304" pitchFamily="18" charset="0"/>
-              <a:cs typeface="Times New Roman" panose="02020603050405020304" pitchFamily="18" charset="0"/>
-            </a:endParaRPr>
-          </a:p>
-          <a:p>
-            <a:endParaRPr lang="en-US" sz="2000" dirty="0" smtClean="0">
-              <a:latin typeface="Times New Roman" panose="02020603050405020304" pitchFamily="18" charset="0"/>
-              <a:cs typeface="Times New Roman" panose="02020603050405020304" pitchFamily="18" charset="0"/>
-            </a:endParaRPr>
-          </a:p>
-        </p:txBody>
-      </p:sp>
-      <p:sp>
-        <p:nvSpPr>
-          <p:cNvPr id="18" name="Text Box 9"/>
-          <p:cNvSpPr txBox="1">
-            <a:spLocks noChangeArrowheads="1"/>
-          </p:cNvSpPr>
-          <p:nvPr/>
-        </p:nvSpPr>
-        <p:spPr bwMode="auto">
-          <a:xfrm>
-            <a:off x="1335491" y="4417358"/>
-            <a:ext cx="7643409" cy="1938992"/>
-          </a:xfrm>
-          <a:prstGeom prst="rect">
-            <a:avLst/>
-          </a:prstGeom>
-          <a:noFill/>
-          <a:ln w="9525">
-            <a:noFill/>
-            <a:miter lim="800000"/>
-            <a:headEnd/>
-            <a:tailEnd/>
-          </a:ln>
-          <a:effectLst/>
-        </p:spPr>
-        <p:txBody>
-          <a:bodyPr wrap="square">
-            <a:spAutoFit/>
-          </a:bodyPr>
-          <a:lstStyle/>
-          <a:p>
-            <a:pPr algn="l"/>
-            <a:r>
-              <a:rPr lang="en-US" sz="2000" dirty="0" smtClean="0">
-                <a:latin typeface="Times New Roman" panose="02020603050405020304" pitchFamily="18" charset="0"/>
-                <a:cs typeface="Times New Roman" panose="02020603050405020304" pitchFamily="18" charset="0"/>
-              </a:rPr>
-              <a:t>A</a:t>
-            </a:r>
-            <a:r>
-              <a:rPr lang="tr-TR" sz="2000" dirty="0" smtClean="0">
-                <a:latin typeface="Times New Roman" panose="02020603050405020304" pitchFamily="18" charset="0"/>
-                <a:cs typeface="Times New Roman" panose="02020603050405020304" pitchFamily="18" charset="0"/>
-              </a:rPr>
-              <a:t>n IMMD</a:t>
-            </a:r>
-            <a:r>
-              <a:rPr lang="en-US" sz="2000" dirty="0" smtClean="0">
-                <a:latin typeface="Times New Roman" panose="02020603050405020304" pitchFamily="18" charset="0"/>
-                <a:cs typeface="Times New Roman" panose="02020603050405020304" pitchFamily="18" charset="0"/>
-              </a:rPr>
-              <a:t> laboratory prototype is being developed</a:t>
-            </a:r>
-            <a:r>
-              <a:rPr lang="tr-TR" sz="2000" dirty="0" smtClean="0">
-                <a:latin typeface="Times New Roman" panose="02020603050405020304" pitchFamily="18" charset="0"/>
-                <a:cs typeface="Times New Roman" panose="02020603050405020304" pitchFamily="18" charset="0"/>
-              </a:rPr>
-              <a:t> with the given specifications. The aimed performance is:</a:t>
-            </a:r>
-          </a:p>
-          <a:p>
-            <a:pPr marL="457200" indent="-457200" algn="l">
-              <a:buFont typeface="Wingdings" panose="05000000000000000000" pitchFamily="2" charset="2"/>
-              <a:buChar char="q"/>
-            </a:pPr>
-            <a:r>
-              <a:rPr lang="en-US" sz="2000" dirty="0">
-                <a:latin typeface="Times New Roman" panose="02020603050405020304" pitchFamily="18" charset="0"/>
-                <a:cs typeface="Times New Roman" panose="02020603050405020304" pitchFamily="18" charset="0"/>
-              </a:rPr>
-              <a:t>Drive efficiency</a:t>
-            </a:r>
-            <a:r>
-              <a:rPr lang="en-US" sz="2000" b="1" dirty="0">
-                <a:latin typeface="Times New Roman" panose="02020603050405020304" pitchFamily="18" charset="0"/>
-                <a:cs typeface="Times New Roman" panose="02020603050405020304" pitchFamily="18" charset="0"/>
-              </a:rPr>
-              <a:t>: 9</a:t>
-            </a:r>
-            <a:r>
-              <a:rPr lang="tr-TR" sz="2000" b="1" dirty="0">
-                <a:latin typeface="Times New Roman" panose="02020603050405020304" pitchFamily="18" charset="0"/>
-                <a:cs typeface="Times New Roman" panose="02020603050405020304" pitchFamily="18" charset="0"/>
-              </a:rPr>
-              <a:t>8.5</a:t>
-            </a:r>
-            <a:r>
-              <a:rPr lang="en-US" sz="2000" b="1" dirty="0">
-                <a:latin typeface="Times New Roman" panose="02020603050405020304" pitchFamily="18" charset="0"/>
-                <a:cs typeface="Times New Roman" panose="02020603050405020304" pitchFamily="18" charset="0"/>
-              </a:rPr>
-              <a:t>%</a:t>
-            </a:r>
-          </a:p>
-          <a:p>
-            <a:pPr marL="457200" indent="-457200" algn="l">
-              <a:buFont typeface="Wingdings" panose="05000000000000000000" pitchFamily="2" charset="2"/>
-              <a:buChar char="q"/>
-            </a:pPr>
-            <a:r>
-              <a:rPr lang="en-US" sz="2000" dirty="0">
-                <a:latin typeface="Times New Roman" panose="02020603050405020304" pitchFamily="18" charset="0"/>
-                <a:cs typeface="Times New Roman" panose="02020603050405020304" pitchFamily="18" charset="0"/>
-              </a:rPr>
-              <a:t>Drive power density</a:t>
-            </a:r>
-            <a:r>
-              <a:rPr lang="en-US" sz="2000" b="1" dirty="0">
-                <a:latin typeface="Times New Roman" panose="02020603050405020304" pitchFamily="18" charset="0"/>
-                <a:cs typeface="Times New Roman" panose="02020603050405020304" pitchFamily="18" charset="0"/>
-              </a:rPr>
-              <a:t>: 15 W/cm</a:t>
-            </a:r>
-            <a:r>
-              <a:rPr lang="en-US" sz="2000" b="1" baseline="30000" dirty="0">
-                <a:latin typeface="Times New Roman" panose="02020603050405020304" pitchFamily="18" charset="0"/>
-                <a:cs typeface="Times New Roman" panose="02020603050405020304" pitchFamily="18" charset="0"/>
-              </a:rPr>
-              <a:t>3</a:t>
-            </a:r>
-          </a:p>
-          <a:p>
-            <a:pPr marL="457200" indent="-457200" algn="l">
-              <a:buFont typeface="Wingdings" panose="05000000000000000000" pitchFamily="2" charset="2"/>
-              <a:buChar char="q"/>
-            </a:pPr>
-            <a:r>
-              <a:rPr lang="tr-TR" sz="2000" dirty="0" smtClean="0">
-                <a:latin typeface="Times New Roman" panose="02020603050405020304" pitchFamily="18" charset="0"/>
-                <a:cs typeface="Times New Roman" panose="02020603050405020304" pitchFamily="18" charset="0"/>
-              </a:rPr>
-              <a:t>Increased </a:t>
-            </a:r>
-            <a:r>
-              <a:rPr lang="tr-TR" sz="2000" b="1" dirty="0" smtClean="0">
-                <a:latin typeface="Times New Roman" panose="02020603050405020304" pitchFamily="18" charset="0"/>
-                <a:cs typeface="Times New Roman" panose="02020603050405020304" pitchFamily="18" charset="0"/>
-              </a:rPr>
-              <a:t>fault tolerance</a:t>
-            </a:r>
-          </a:p>
-          <a:p>
-            <a:pPr marL="457200" indent="-457200" algn="l">
-              <a:buFont typeface="Wingdings" panose="05000000000000000000" pitchFamily="2" charset="2"/>
-              <a:buChar char="q"/>
-            </a:pPr>
-            <a:r>
-              <a:rPr lang="tr-TR" sz="2000" dirty="0" smtClean="0">
-                <a:latin typeface="Times New Roman" panose="02020603050405020304" pitchFamily="18" charset="0"/>
-                <a:cs typeface="Times New Roman" panose="02020603050405020304" pitchFamily="18" charset="0"/>
-              </a:rPr>
-              <a:t>Motor housing for cooling (</a:t>
-            </a:r>
-            <a:r>
-              <a:rPr lang="tr-TR" sz="2000" b="1" dirty="0" smtClean="0">
-                <a:latin typeface="Times New Roman" panose="02020603050405020304" pitchFamily="18" charset="0"/>
-                <a:cs typeface="Times New Roman" panose="02020603050405020304" pitchFamily="18" charset="0"/>
-              </a:rPr>
-              <a:t>no heatsink</a:t>
-            </a:r>
-            <a:r>
-              <a:rPr lang="tr-TR" sz="2000" dirty="0" smtClean="0">
-                <a:latin typeface="Times New Roman" panose="02020603050405020304" pitchFamily="18" charset="0"/>
-                <a:cs typeface="Times New Roman" panose="02020603050405020304" pitchFamily="18" charset="0"/>
-              </a:rPr>
-              <a:t>)</a:t>
-            </a:r>
-            <a:endParaRPr lang="en-US" sz="2000" dirty="0" smtClean="0">
-              <a:latin typeface="Times New Roman" panose="02020603050405020304" pitchFamily="18" charset="0"/>
-              <a:cs typeface="Times New Roman" panose="02020603050405020304" pitchFamily="18" charset="0"/>
-            </a:endParaRPr>
+              <a:rPr lang="en-US" sz="1600" dirty="0"/>
+              <a:t>. </a:t>
+            </a:r>
+            <a:r>
+              <a:rPr lang="en-US" sz="1600" dirty="0" err="1"/>
+              <a:t>Shea</a:t>
+            </a:r>
+            <a:r>
+              <a:rPr lang="en-US" sz="1600" dirty="0"/>
+              <a:t> and T. M. </a:t>
+            </a:r>
+            <a:r>
+              <a:rPr lang="en-US" sz="1600" dirty="0" err="1"/>
+              <a:t>Jahns</a:t>
+            </a:r>
+            <a:r>
+              <a:rPr lang="en-US" sz="1600" dirty="0"/>
+              <a:t>, “</a:t>
+            </a:r>
+            <a:r>
+              <a:rPr lang="en-US" sz="1600" b="1" dirty="0"/>
+              <a:t>Hardware integration for an integrated modular motor drive including distributed control</a:t>
+            </a:r>
+            <a:r>
+              <a:rPr lang="en-US" sz="1600" dirty="0"/>
+              <a:t>,” in </a:t>
+            </a:r>
+            <a:r>
+              <a:rPr lang="en-US" sz="1600" i="1" dirty="0"/>
+              <a:t>2014 IEEE Energy Conversion Congress and Exposition (ECCE)</a:t>
+            </a:r>
+            <a:r>
+              <a:rPr lang="en-US" sz="1600" dirty="0"/>
+              <a:t>, 2014, pp. 4881–4887</a:t>
+            </a:r>
+            <a:r>
+              <a:rPr lang="en-US" sz="1600" dirty="0" smtClean="0"/>
+              <a:t>.</a:t>
+            </a:r>
+            <a:endParaRPr lang="tr-TR" sz="1600" dirty="0" smtClean="0"/>
           </a:p>
         </p:txBody>
       </p:sp>
     </p:spTree>
     <p:extLst>
       <p:ext uri="{BB962C8B-B14F-4D97-AF65-F5344CB8AC3E}">
-        <p14:creationId xmlns:p14="http://schemas.microsoft.com/office/powerpoint/2010/main" val="3007486762"/>
+        <p14:creationId xmlns:p14="http://schemas.microsoft.com/office/powerpoint/2010/main" val="1246665622"/>
       </p:ext>
     </p:extLst>
   </p:cSld>
@@ -10954,43 +11277,6 @@
           </a:fontRef>
         </p:style>
       </p:cxnSp>
-      <p:sp>
-        <p:nvSpPr>
-          <p:cNvPr id="13" name="TextBox 12"/>
-          <p:cNvSpPr txBox="1"/>
-          <p:nvPr/>
-        </p:nvSpPr>
-        <p:spPr>
-          <a:xfrm>
-            <a:off x="1386291" y="224135"/>
-            <a:ext cx="7315200" cy="553998"/>
-          </a:xfrm>
-          <a:prstGeom prst="rect">
-            <a:avLst/>
-          </a:prstGeom>
-          <a:noFill/>
-        </p:spPr>
-        <p:txBody>
-          <a:bodyPr wrap="square" rtlCol="0">
-            <a:spAutoFit/>
-          </a:bodyPr>
-          <a:lstStyle/>
-          <a:p>
-            <a:pPr algn="ctr"/>
-            <a:r>
-              <a:rPr lang="tr-TR" sz="3000" dirty="0" err="1" smtClean="0">
-                <a:latin typeface="Times New Roman" panose="02020603050405020304" pitchFamily="18" charset="0"/>
-                <a:cs typeface="Times New Roman" panose="02020603050405020304" pitchFamily="18" charset="0"/>
-              </a:rPr>
-              <a:t>References</a:t>
-            </a:r>
-            <a:endParaRPr lang="tr-TR" sz="3000" dirty="0">
-              <a:latin typeface="Times New Roman" panose="02020603050405020304" pitchFamily="18" charset="0"/>
-              <a:cs typeface="Times New Roman" panose="02020603050405020304" pitchFamily="18" charset="0"/>
-            </a:endParaRPr>
-          </a:p>
-        </p:txBody>
-      </p:sp>
       <p:cxnSp>
         <p:nvCxnSpPr>
           <p:cNvPr id="15" name="Straight Connector 14"/>
@@ -11045,428 +11331,6 @@
               <a:rPr lang="en-US" smtClean="0"/>
               <a:pPr/>
               <a:t>22</a:t>
-            </a:fld>
-            <a:endParaRPr lang="en-US" dirty="0"/>
-          </a:p>
-        </p:txBody>
-      </p:sp>
-      <p:pic>
-        <p:nvPicPr>
-          <p:cNvPr id="14" name="Picture 2" descr="C:\Users\Mesut\Desktop\aselsan sunum\aselsan sunum 10 ekim\aselsan sunum\cezmi bey\ODTU.png"/>
-          <p:cNvPicPr>
-            <a:picLocks noChangeAspect="1" noChangeArrowheads="1"/>
-          </p:cNvPicPr>
-          <p:nvPr/>
-        </p:nvPicPr>
-        <p:blipFill>
-          <a:blip r:embed="rId2" cstate="print">
-            <a:extLst>
-              <a:ext uri="{28A0092B-C50C-407E-A947-70E740481C1C}">
-                <a14:useLocalDpi xmlns:a14="http://schemas.microsoft.com/office/drawing/2010/main" val="0"/>
-              </a:ext>
-            </a:extLst>
-          </a:blip>
-          <a:srcRect/>
-          <a:stretch>
-            <a:fillRect/>
-          </a:stretch>
-        </p:blipFill>
-        <p:spPr bwMode="auto">
-          <a:xfrm>
-            <a:off x="163507" y="266700"/>
-            <a:ext cx="684927" cy="571500"/>
-          </a:xfrm>
-          <a:prstGeom prst="rect">
-            <a:avLst/>
-          </a:prstGeom>
-          <a:noFill/>
-          <a:extLst>
-            <a:ext uri="{909E8E84-426E-40DD-AFC4-6F175D3DCCD1}">
-              <a14:hiddenFill xmlns:a14="http://schemas.microsoft.com/office/drawing/2010/main">
-                <a:solidFill>
-                  <a:srgbClr val="FFFFFF"/>
-                </a:solidFill>
-              </a14:hiddenFill>
-            </a:ext>
-          </a:extLst>
-        </p:spPr>
-      </p:pic>
-      <p:sp>
-        <p:nvSpPr>
-          <p:cNvPr id="12" name="Text Box 42"/>
-          <p:cNvSpPr txBox="1">
-            <a:spLocks noChangeArrowheads="1"/>
-          </p:cNvSpPr>
-          <p:nvPr/>
-        </p:nvSpPr>
-        <p:spPr bwMode="auto">
-          <a:xfrm>
-            <a:off x="1164518" y="1371600"/>
-            <a:ext cx="7300509" cy="1708160"/>
-          </a:xfrm>
-          <a:prstGeom prst="rect">
-            <a:avLst/>
-          </a:prstGeom>
-          <a:noFill/>
-          <a:ln w="9525">
-            <a:noFill/>
-            <a:miter lim="800000"/>
-            <a:headEnd/>
-            <a:tailEnd/>
-          </a:ln>
-          <a:effectLst/>
-        </p:spPr>
-        <p:txBody>
-          <a:bodyPr wrap="square">
-            <a:spAutoFit/>
-          </a:bodyPr>
-          <a:lstStyle/>
-          <a:p>
-            <a:pPr marL="514350" indent="-514350" algn="l" defTabSz="4389438">
-              <a:spcBef>
-                <a:spcPts val="0"/>
-              </a:spcBef>
-              <a:buFont typeface="+mj-lt"/>
-              <a:buAutoNum type="arabicPeriod"/>
-            </a:pPr>
-            <a:r>
-              <a:rPr lang="en-US" sz="1500" dirty="0" smtClean="0"/>
-              <a:t>G</a:t>
-            </a:r>
-            <a:r>
-              <a:rPr lang="en-US" sz="1500" dirty="0"/>
-              <a:t>. Lo </a:t>
-            </a:r>
-            <a:r>
-              <a:rPr lang="en-US" sz="1500" dirty="0" err="1"/>
-              <a:t>Calzo</a:t>
-            </a:r>
-            <a:r>
-              <a:rPr lang="en-US" sz="1500" dirty="0"/>
-              <a:t> </a:t>
-            </a:r>
-            <a:r>
-              <a:rPr lang="en-US" sz="1500" i="1" dirty="0"/>
-              <a:t>et al.</a:t>
-            </a:r>
-            <a:r>
-              <a:rPr lang="en-US" sz="1500" dirty="0"/>
-              <a:t>, “Integrated motor drives: state of the art and future trends,” </a:t>
-            </a:r>
-            <a:r>
-              <a:rPr lang="en-US" sz="1500" i="1" dirty="0"/>
-              <a:t>IET </a:t>
-            </a:r>
-            <a:r>
-              <a:rPr lang="en-US" sz="1500" i="1" dirty="0" err="1"/>
-              <a:t>Electr</a:t>
-            </a:r>
-            <a:r>
-              <a:rPr lang="en-US" sz="1500" i="1" dirty="0"/>
-              <a:t>. Power Appl.</a:t>
-            </a:r>
-            <a:r>
-              <a:rPr lang="en-US" sz="1500" dirty="0"/>
-              <a:t>, vol. 10, no. 8, pp. 757–771, Sep. 2016</a:t>
-            </a:r>
-            <a:r>
-              <a:rPr lang="en-US" sz="1500" dirty="0" smtClean="0"/>
-              <a:t>.</a:t>
-            </a:r>
-            <a:endParaRPr lang="tr-TR" sz="1500" dirty="0" smtClean="0"/>
-          </a:p>
-          <a:p>
-            <a:pPr marL="514350" indent="-514350" algn="l" defTabSz="4389438">
-              <a:spcBef>
-                <a:spcPts val="0"/>
-              </a:spcBef>
-              <a:buFont typeface="+mj-lt"/>
-              <a:buAutoNum type="arabicPeriod"/>
-            </a:pPr>
-            <a:r>
-              <a:rPr lang="en-US" sz="1500" dirty="0" smtClean="0"/>
-              <a:t>J</a:t>
-            </a:r>
-            <a:r>
-              <a:rPr lang="en-US" sz="1500" dirty="0"/>
-              <a:t>. Wang, Y. Li, and Y. Han, “Integrated Modular Motor Drive Design With GaN Power FETs,” </a:t>
-            </a:r>
-            <a:r>
-              <a:rPr lang="en-US" sz="1500" i="1" dirty="0"/>
-              <a:t>IEEE Trans. Ind. Appl.</a:t>
-            </a:r>
-            <a:r>
-              <a:rPr lang="en-US" sz="1500" dirty="0"/>
-              <a:t>, vol. 51, no. c, pp. 3198–3207, 2015</a:t>
-            </a:r>
-            <a:r>
-              <a:rPr lang="en-US" sz="1500" dirty="0" smtClean="0"/>
-              <a:t>.</a:t>
-            </a:r>
-            <a:endParaRPr lang="tr-TR" sz="1500" dirty="0" smtClean="0"/>
-          </a:p>
-          <a:p>
-            <a:pPr marL="514350" indent="-514350" algn="l" defTabSz="4389438">
-              <a:spcBef>
-                <a:spcPts val="0"/>
-              </a:spcBef>
-              <a:buFont typeface="+mj-lt"/>
-              <a:buAutoNum type="arabicPeriod"/>
-            </a:pPr>
-            <a:r>
-              <a:rPr lang="en-US" sz="1500" dirty="0" smtClean="0"/>
-              <a:t>J</a:t>
-            </a:r>
-            <a:r>
-              <a:rPr lang="en-US" sz="1500" dirty="0"/>
-              <a:t>. J. </a:t>
-            </a:r>
-            <a:r>
-              <a:rPr lang="en-US" sz="1500" dirty="0" err="1"/>
-              <a:t>Wolmarans</a:t>
-            </a:r>
-            <a:r>
-              <a:rPr lang="en-US" sz="1500" dirty="0"/>
-              <a:t>, M. B. Gerber, H. </a:t>
-            </a:r>
-            <a:r>
-              <a:rPr lang="en-US" sz="1500" dirty="0" err="1"/>
-              <a:t>Polinder</a:t>
-            </a:r>
-            <a:r>
-              <a:rPr lang="en-US" sz="1500" dirty="0"/>
-              <a:t>, S. W. H. De </a:t>
-            </a:r>
-            <a:r>
-              <a:rPr lang="en-US" sz="1500" dirty="0" err="1"/>
-              <a:t>Haan</a:t>
-            </a:r>
-            <a:r>
-              <a:rPr lang="en-US" sz="1500" dirty="0"/>
-              <a:t>, J. A. Ferreira, and D. </a:t>
-            </a:r>
-            <a:r>
-              <a:rPr lang="en-US" sz="1500" dirty="0" err="1"/>
-              <a:t>Clarenbach</a:t>
-            </a:r>
-            <a:r>
-              <a:rPr lang="en-US" sz="1500" dirty="0"/>
-              <a:t>, “A 50kW integrated fault tolerant permanent magnet machine and motor drive,” </a:t>
-            </a:r>
-            <a:r>
-              <a:rPr lang="en-US" sz="1500" i="1" dirty="0"/>
-              <a:t>PESC Rec. - IEEE </a:t>
-            </a:r>
-            <a:r>
-              <a:rPr lang="en-US" sz="1500" i="1" dirty="0" err="1"/>
-              <a:t>Annu</a:t>
-            </a:r>
-            <a:r>
-              <a:rPr lang="en-US" sz="1500" i="1" dirty="0"/>
-              <a:t>. Power Electron. Spec. Conf.</a:t>
-            </a:r>
-            <a:r>
-              <a:rPr lang="en-US" sz="1500" dirty="0"/>
-              <a:t>, pp. 345–351, 2008</a:t>
-            </a:r>
-            <a:r>
-              <a:rPr lang="en-US" sz="1500" dirty="0" smtClean="0"/>
-              <a:t>.</a:t>
-            </a:r>
-            <a:endParaRPr lang="tr-TR" sz="1500" dirty="0" smtClean="0"/>
-          </a:p>
-        </p:txBody>
-      </p:sp>
-    </p:spTree>
-    <p:extLst>
-      <p:ext uri="{BB962C8B-B14F-4D97-AF65-F5344CB8AC3E}">
-        <p14:creationId xmlns:p14="http://schemas.microsoft.com/office/powerpoint/2010/main" val="1246665622"/>
-      </p:ext>
-    </p:extLst>
-  </p:cSld>
-  <p:clrMapOvr>
-    <a:masterClrMapping/>
-  </p:clrMapOvr>
-  <p:timing>
-    <p:tnLst>
-      <p:par>
-        <p:cTn id="1" dur="indefinite" restart="never" nodeType="tmRoot"/>
-      </p:par>
-    </p:tnLst>
-  </p:timing>
-</p:sld>
-</file>
-
-<file path=ppt/slides/slide23.xml><?xml version="1.0" encoding="utf-8"?>
-<p:sld xmlns:a="http://schemas.openxmlformats.org/drawingml/2006/main" xmlns:r="http://schemas.openxmlformats.org/officeDocument/2006/relationships" xmlns:p="http://schemas.openxmlformats.org/presentationml/2006/main">
-  <p:cSld>
-    <p:spTree>
-      <p:nvGrpSpPr>
-        <p:cNvPr id="1" name=""/>
-        <p:cNvGrpSpPr/>
-        <p:nvPr/>
-      </p:nvGrpSpPr>
-      <p:grpSpPr>
-        <a:xfrm>
-          <a:off x="0" y="0"/>
-          <a:ext cx="0" cy="0"/>
-          <a:chOff x="0" y="0"/>
-          <a:chExt cx="0" cy="0"/>
-        </a:xfrm>
-      </p:grpSpPr>
-      <p:sp>
-        <p:nvSpPr>
-          <p:cNvPr id="10" name="Rectangle 9"/>
-          <p:cNvSpPr/>
-          <p:nvPr/>
-        </p:nvSpPr>
-        <p:spPr>
-          <a:xfrm>
-            <a:off x="0" y="12106"/>
-            <a:ext cx="1011942" cy="6854083"/>
-          </a:xfrm>
-          <a:prstGeom prst="rect">
-            <a:avLst/>
-          </a:prstGeom>
-          <a:gradFill flip="none" rotWithShape="1">
-            <a:gsLst>
-              <a:gs pos="50000">
-                <a:srgbClr val="D00000"/>
-              </a:gs>
-              <a:gs pos="0">
-                <a:srgbClr val="FF0000">
-                  <a:shade val="30000"/>
-                  <a:satMod val="115000"/>
-                </a:srgbClr>
-              </a:gs>
-              <a:gs pos="100000">
-                <a:schemeClr val="accent2">
-                  <a:lumMod val="60000"/>
-                  <a:lumOff val="40000"/>
-                </a:schemeClr>
-              </a:gs>
-            </a:gsLst>
-            <a:lin ang="5400000" scaled="1"/>
-            <a:tileRect/>
-          </a:gradFill>
-          <a:ln>
-            <a:noFill/>
-          </a:ln>
-        </p:spPr>
-        <p:style>
-          <a:lnRef idx="2">
-            <a:schemeClr val="accent1">
-              <a:shade val="50000"/>
-            </a:schemeClr>
-          </a:lnRef>
-          <a:fillRef idx="1">
-            <a:schemeClr val="accent1"/>
-          </a:fillRef>
-          <a:effectRef idx="0">
-            <a:schemeClr val="accent1"/>
-          </a:effectRef>
-          <a:fontRef idx="minor">
-            <a:schemeClr val="lt1"/>
-          </a:fontRef>
-        </p:style>
-        <p:txBody>
-          <a:bodyPr rtlCol="0" anchor="ctr"/>
-          <a:lstStyle/>
-          <a:p>
-            <a:pPr algn="ctr"/>
-            <a:endParaRPr lang="tr-TR"/>
-          </a:p>
-        </p:txBody>
-      </p:sp>
-      <p:cxnSp>
-        <p:nvCxnSpPr>
-          <p:cNvPr id="11" name="Straight Connector 10"/>
-          <p:cNvCxnSpPr/>
-          <p:nvPr/>
-        </p:nvCxnSpPr>
-        <p:spPr>
-          <a:xfrm>
-            <a:off x="1189918" y="838200"/>
-            <a:ext cx="7649282" cy="0"/>
-          </a:xfrm>
-          <a:prstGeom prst="line">
-            <a:avLst/>
-          </a:prstGeom>
-          <a:ln w="50800">
-            <a:solidFill>
-              <a:srgbClr val="F20000"/>
-            </a:solidFill>
-          </a:ln>
-        </p:spPr>
-        <p:style>
-          <a:lnRef idx="1">
-            <a:schemeClr val="accent1"/>
-          </a:lnRef>
-          <a:fillRef idx="0">
-            <a:schemeClr val="accent1"/>
-          </a:fillRef>
-          <a:effectRef idx="0">
-            <a:schemeClr val="accent1"/>
-          </a:effectRef>
-          <a:fontRef idx="minor">
-            <a:schemeClr val="tx1"/>
-          </a:fontRef>
-        </p:style>
-      </p:cxnSp>
-      <p:cxnSp>
-        <p:nvCxnSpPr>
-          <p:cNvPr id="15" name="Straight Connector 14"/>
-          <p:cNvCxnSpPr/>
-          <p:nvPr/>
-        </p:nvCxnSpPr>
-        <p:spPr>
-          <a:xfrm>
-            <a:off x="1189918" y="914400"/>
-            <a:ext cx="7649282" cy="0"/>
-          </a:xfrm>
-          <a:prstGeom prst="line">
-            <a:avLst/>
-          </a:prstGeom>
-          <a:ln w="19050">
-            <a:solidFill>
-              <a:srgbClr val="F20000"/>
-            </a:solidFill>
-          </a:ln>
-        </p:spPr>
-        <p:style>
-          <a:lnRef idx="1">
-            <a:schemeClr val="accent1"/>
-          </a:lnRef>
-          <a:fillRef idx="0">
-            <a:schemeClr val="accent1"/>
-          </a:fillRef>
-          <a:effectRef idx="0">
-            <a:schemeClr val="accent1"/>
-          </a:effectRef>
-          <a:fontRef idx="minor">
-            <a:schemeClr val="tx1"/>
-          </a:fontRef>
-        </p:style>
-      </p:cxnSp>
-      <p:sp>
-        <p:nvSpPr>
-          <p:cNvPr id="2" name="Slide Number Placeholder 1"/>
-          <p:cNvSpPr>
-            <a:spLocks noGrp="1"/>
-          </p:cNvSpPr>
-          <p:nvPr>
-            <p:ph type="sldNum" sz="quarter" idx="12"/>
-          </p:nvPr>
-        </p:nvSpPr>
-        <p:spPr/>
-        <p:txBody>
-          <a:bodyPr/>
-          <a:lstStyle/>
-          <a:p>
-            <a:fld id="{B6F15528-21DE-4FAA-801E-634DDDAF4B2B}" type="slidenum">
-              <a:rPr lang="en-US" smtClean="0"/>
-              <a:pPr/>
-              <a:t>23</a:t>
             </a:fld>
             <a:endParaRPr lang="en-US" dirty="0"/>
           </a:p>
@@ -11612,16 +11476,53 @@
           </a:p>
         </p:txBody>
       </p:sp>
+      <p:sp>
+        <p:nvSpPr>
+          <p:cNvPr id="16" name="TextBox 15"/>
+          <p:cNvSpPr txBox="1"/>
+          <p:nvPr/>
+        </p:nvSpPr>
+        <p:spPr>
+          <a:xfrm>
+            <a:off x="1356959" y="1323201"/>
+            <a:ext cx="7315200" cy="646331"/>
+          </a:xfrm>
+          <a:prstGeom prst="rect">
+            <a:avLst/>
+          </a:prstGeom>
+          <a:noFill/>
+        </p:spPr>
+        <p:txBody>
+          <a:bodyPr wrap="square" rtlCol="0">
+            <a:spAutoFit/>
+          </a:bodyPr>
+          <a:lstStyle/>
+          <a:p>
+            <a:pPr algn="ctr"/>
+            <a:r>
+              <a:rPr lang="en-US" sz="3600" dirty="0" smtClean="0">
+                <a:latin typeface="Times New Roman" panose="02020603050405020304" pitchFamily="18" charset="0"/>
+                <a:cs typeface="Times New Roman" panose="02020603050405020304" pitchFamily="18" charset="0"/>
+              </a:rPr>
+              <a:t>Thank you !</a:t>
+            </a:r>
+            <a:endParaRPr lang="en-US" sz="3600" dirty="0">
+              <a:latin typeface="Times New Roman" panose="02020603050405020304" pitchFamily="18" charset="0"/>
+              <a:cs typeface="Times New Roman" panose="02020603050405020304" pitchFamily="18" charset="0"/>
+            </a:endParaRPr>
+          </a:p>
+        </p:txBody>
+      </p:sp>
       <p:pic>
         <p:nvPicPr>
-          <p:cNvPr id="13" name="Picture 12"/>
+          <p:cNvPr id="17" name="Picture 16"/>
           <p:cNvPicPr>
             <a:picLocks noChangeAspect="1"/>
           </p:cNvPicPr>
           <p:nvPr/>
         </p:nvPicPr>
         <p:blipFill>
-          <a:blip r:embed="rId3">
+          <a:blip r:embed="rId3" cstate="print">
             <a:extLst>
               <a:ext uri="{28A0092B-C50C-407E-A947-70E740481C1C}">
                 <a14:useLocalDpi xmlns:a14="http://schemas.microsoft.com/office/drawing/2010/main" val="0"/>
@@ -11634,8 +11535,8 @@
         </p:blipFill>
         <p:spPr>
           <a:xfrm>
-            <a:off x="3150366" y="2438400"/>
-            <a:ext cx="3810000" cy="2616200"/>
+            <a:off x="3584120" y="2907269"/>
+            <a:ext cx="2942492" cy="2942492"/>
           </a:xfrm>
           <a:prstGeom prst="rect">
             <a:avLst/>
@@ -11644,14 +11545,14 @@
       </p:pic>
       <p:sp>
         <p:nvSpPr>
-          <p:cNvPr id="16" name="TextBox 15"/>
+          <p:cNvPr id="18" name="TextBox 17"/>
           <p:cNvSpPr txBox="1"/>
           <p:nvPr/>
         </p:nvSpPr>
         <p:spPr>
           <a:xfrm>
-            <a:off x="1386291" y="224135"/>
-            <a:ext cx="7315200" cy="553998"/>
+            <a:off x="1189918" y="150600"/>
+            <a:ext cx="7801682" cy="492443"/>
           </a:xfrm>
           <a:prstGeom prst="rect">
             <a:avLst/>
@@ -11666,34 +11567,27 @@
           <a:p>
             <a:pPr algn="ctr"/>
             <a:r>
-              <a:rPr lang="tr-TR" sz="3000" dirty="0" err="1" smtClean="0">
-                <a:latin typeface="Times New Roman" panose="02020603050405020304" pitchFamily="18" charset="0"/>
-                <a:cs typeface="Times New Roman" panose="02020603050405020304" pitchFamily="18" charset="0"/>
-              </a:rPr>
-              <a:t>Thank</a:t>
-            </a:r>
-            <a:r>
-              <a:rPr lang="tr-TR" sz="3000" dirty="0" smtClean="0">
-                <a:latin typeface="Times New Roman" panose="02020603050405020304" pitchFamily="18" charset="0"/>
-                <a:cs typeface="Times New Roman" panose="02020603050405020304" pitchFamily="18" charset="0"/>
-              </a:rPr>
-              <a:t> </a:t>
-            </a:r>
-            <a:r>
-              <a:rPr lang="tr-TR" sz="3000" dirty="0" err="1" smtClean="0">
-                <a:latin typeface="Times New Roman" panose="02020603050405020304" pitchFamily="18" charset="0"/>
-                <a:cs typeface="Times New Roman" panose="02020603050405020304" pitchFamily="18" charset="0"/>
-              </a:rPr>
-              <a:t>you</a:t>
-            </a:r>
-            <a:r>
-              <a:rPr lang="tr-TR" sz="3000" dirty="0" smtClean="0">
-                <a:latin typeface="Times New Roman" panose="02020603050405020304" pitchFamily="18" charset="0"/>
-                <a:cs typeface="Times New Roman" panose="02020603050405020304" pitchFamily="18" charset="0"/>
-              </a:rPr>
-              <a:t> !</a:t>
-            </a:r>
-            <a:endParaRPr lang="tr-TR" sz="3000" dirty="0">
+              <a:rPr lang="en-US" sz="2600" dirty="0" smtClean="0">
+                <a:latin typeface="Times New Roman" panose="02020603050405020304" pitchFamily="18" charset="0"/>
+                <a:cs typeface="Times New Roman" panose="02020603050405020304" pitchFamily="18" charset="0"/>
+              </a:rPr>
+              <a:t>Questions, </a:t>
+            </a:r>
+            <a:r>
+              <a:rPr lang="tr-TR" sz="2600" dirty="0">
+                <a:latin typeface="Times New Roman" panose="02020603050405020304" pitchFamily="18" charset="0"/>
+                <a:cs typeface="Times New Roman" panose="02020603050405020304" pitchFamily="18" charset="0"/>
+              </a:rPr>
+              <a:t>o</a:t>
+            </a:r>
+            <a:r>
+              <a:rPr lang="en-US" sz="2600" dirty="0" smtClean="0">
+                <a:latin typeface="Times New Roman" panose="02020603050405020304" pitchFamily="18" charset="0"/>
+                <a:cs typeface="Times New Roman" panose="02020603050405020304" pitchFamily="18" charset="0"/>
+              </a:rPr>
+              <a:t>pinions and suggestions</a:t>
+            </a:r>
+            <a:endParaRPr lang="en-US" sz="2600" dirty="0">
               <a:latin typeface="Times New Roman" panose="02020603050405020304" pitchFamily="18" charset="0"/>
               <a:cs typeface="Times New Roman" panose="02020603050405020304" pitchFamily="18" charset="0"/>
             </a:endParaRPr>
@@ -14817,7 +14711,7 @@
         <p:spPr bwMode="auto">
           <a:xfrm>
             <a:off x="1295399" y="1084656"/>
-            <a:ext cx="7672691" cy="5016758"/>
+            <a:ext cx="7672691" cy="3477875"/>
           </a:xfrm>
           <a:prstGeom prst="rect">
             <a:avLst/>
@@ -14856,14 +14750,7 @@
                 <a:latin typeface="Times New Roman" panose="02020603050405020304" pitchFamily="18" charset="0"/>
                 <a:cs typeface="Times New Roman" panose="02020603050405020304" pitchFamily="18" charset="0"/>
               </a:rPr>
-              <a:t>requires size reduction and optimum placement of components</a:t>
-            </a:r>
-            <a:r>
-              <a:rPr lang="tr-TR" sz="2000" dirty="0" smtClean="0">
-                <a:latin typeface="Times New Roman" panose="02020603050405020304" pitchFamily="18" charset="0"/>
-                <a:cs typeface="Times New Roman" panose="02020603050405020304" pitchFamily="18" charset="0"/>
-              </a:rPr>
-              <a:t>.</a:t>
+              <a:t>requires size reduction and optimum placement of components.</a:t>
             </a:r>
             <a:endParaRPr lang="en-US" sz="2000" dirty="0" smtClean="0">
               <a:latin typeface="Times New Roman" panose="02020603050405020304" pitchFamily="18" charset="0"/>
@@ -14895,113 +14782,97 @@
               </a:rPr>
               <a:t>Heat sink size reduction</a:t>
             </a:r>
-          </a:p>
-          <a:p>
-            <a:endParaRPr lang="tr-TR" sz="2000" dirty="0">
-              <a:latin typeface="Times New Roman" panose="02020603050405020304" pitchFamily="18" charset="0"/>
-              <a:cs typeface="Times New Roman" panose="02020603050405020304" pitchFamily="18" charset="0"/>
-            </a:endParaRPr>
-          </a:p>
-          <a:p>
             <a:endParaRPr lang="tr-TR" sz="2000" dirty="0" smtClean="0">
               <a:latin typeface="Times New Roman" panose="02020603050405020304" pitchFamily="18" charset="0"/>
               <a:cs typeface="Times New Roman" panose="02020603050405020304" pitchFamily="18" charset="0"/>
             </a:endParaRPr>
           </a:p>
           <a:p>
-            <a:endParaRPr lang="tr-TR" sz="2000" dirty="0">
+            <a:pPr lvl="1"/>
+            <a:endParaRPr lang="en-US" sz="2000" dirty="0" smtClean="0">
               <a:latin typeface="Times New Roman" panose="02020603050405020304" pitchFamily="18" charset="0"/>
               <a:cs typeface="Times New Roman" panose="02020603050405020304" pitchFamily="18" charset="0"/>
             </a:endParaRPr>
           </a:p>
           <a:p>
+            <a:r>
+              <a:rPr lang="en-US" sz="2000" b="1" dirty="0" smtClean="0">
+                <a:latin typeface="Times New Roman" panose="02020603050405020304" pitchFamily="18" charset="0"/>
+                <a:cs typeface="Times New Roman" panose="02020603050405020304" pitchFamily="18" charset="0"/>
+              </a:rPr>
+              <a:t>Cooling</a:t>
+            </a:r>
+            <a:r>
+              <a:rPr lang="en-US" sz="2000" dirty="0" smtClean="0">
+                <a:latin typeface="Times New Roman" panose="02020603050405020304" pitchFamily="18" charset="0"/>
+                <a:cs typeface="Times New Roman" panose="02020603050405020304" pitchFamily="18" charset="0"/>
+              </a:rPr>
+              <a:t> of both units should be achieved simultaneously.</a:t>
+            </a:r>
+          </a:p>
+          <a:p>
+            <a:pPr marL="800100" lvl="1" indent="-342900">
+              <a:buFont typeface="Wingdings" panose="05000000000000000000" pitchFamily="2" charset="2"/>
+              <a:buChar char="ü"/>
+            </a:pPr>
+            <a:r>
+              <a:rPr lang="en-US" sz="2000" dirty="0" smtClean="0">
+                <a:latin typeface="Times New Roman" panose="02020603050405020304" pitchFamily="18" charset="0"/>
+                <a:cs typeface="Times New Roman" panose="02020603050405020304" pitchFamily="18" charset="0"/>
+              </a:rPr>
+              <a:t>Achieve superior drive efficiency</a:t>
+            </a:r>
+          </a:p>
+          <a:p>
+            <a:pPr marL="800100" lvl="1" indent="-342900">
+              <a:buFont typeface="Wingdings" panose="05000000000000000000" pitchFamily="2" charset="2"/>
+              <a:buChar char="ü"/>
+            </a:pPr>
+            <a:r>
+              <a:rPr lang="en-US" sz="2000" dirty="0" smtClean="0">
+                <a:latin typeface="Times New Roman" panose="02020603050405020304" pitchFamily="18" charset="0"/>
+                <a:cs typeface="Times New Roman" panose="02020603050405020304" pitchFamily="18" charset="0"/>
+              </a:rPr>
+              <a:t>Heat distribution</a:t>
+            </a:r>
             <a:endParaRPr lang="tr-TR" sz="2000" dirty="0" smtClean="0">
               <a:latin typeface="Times New Roman" panose="02020603050405020304" pitchFamily="18" charset="0"/>
               <a:cs typeface="Times New Roman" panose="02020603050405020304" pitchFamily="18" charset="0"/>
             </a:endParaRPr>
           </a:p>
           <a:p>
-            <a:endParaRPr lang="tr-TR" sz="2000" dirty="0">
+            <a:pPr lvl="1"/>
+            <a:endParaRPr lang="en-US" sz="2000" dirty="0" smtClean="0">
               <a:latin typeface="Times New Roman" panose="02020603050405020304" pitchFamily="18" charset="0"/>
               <a:cs typeface="Times New Roman" panose="02020603050405020304" pitchFamily="18" charset="0"/>
             </a:endParaRPr>
           </a:p>
           <a:p>
+            <a:r>
+              <a:rPr lang="en-US" sz="2000" dirty="0" smtClean="0">
+                <a:latin typeface="Times New Roman" panose="02020603050405020304" pitchFamily="18" charset="0"/>
+                <a:cs typeface="Times New Roman" panose="02020603050405020304" pitchFamily="18" charset="0"/>
+              </a:rPr>
+              <a:t>Power and control electronics components are subjected to </a:t>
+            </a:r>
+            <a:r>
+              <a:rPr lang="en-US" sz="2000" b="1" dirty="0" smtClean="0">
+                <a:latin typeface="Times New Roman" panose="02020603050405020304" pitchFamily="18" charset="0"/>
+                <a:cs typeface="Times New Roman" panose="02020603050405020304" pitchFamily="18" charset="0"/>
+              </a:rPr>
+              <a:t>high temperature and vibration</a:t>
+            </a:r>
+            <a:r>
+              <a:rPr lang="en-US" sz="2000" dirty="0" smtClean="0">
+                <a:latin typeface="Times New Roman" panose="02020603050405020304" pitchFamily="18" charset="0"/>
+                <a:cs typeface="Times New Roman" panose="02020603050405020304" pitchFamily="18" charset="0"/>
+              </a:rPr>
+              <a:t>.</a:t>
+            </a:r>
             <a:endParaRPr lang="tr-TR" sz="2000" dirty="0" smtClean="0">
               <a:latin typeface="Times New Roman" panose="02020603050405020304" pitchFamily="18" charset="0"/>
               <a:cs typeface="Times New Roman" panose="02020603050405020304" pitchFamily="18" charset="0"/>
             </a:endParaRPr>
-          </a:p>
-          <a:p>
-            <a:endParaRPr lang="tr-TR" sz="2000" dirty="0">
-              <a:latin typeface="Times New Roman" panose="02020603050405020304" pitchFamily="18" charset="0"/>
-              <a:cs typeface="Times New Roman" panose="02020603050405020304" pitchFamily="18" charset="0"/>
-            </a:endParaRPr>
-          </a:p>
-          <a:p>
-            <a:endParaRPr lang="tr-TR" sz="2000" dirty="0" smtClean="0">
-              <a:latin typeface="Times New Roman" panose="02020603050405020304" pitchFamily="18" charset="0"/>
-              <a:cs typeface="Times New Roman" panose="02020603050405020304" pitchFamily="18" charset="0"/>
-            </a:endParaRPr>
-          </a:p>
-          <a:p>
-            <a:endParaRPr lang="en-US" sz="2000" dirty="0">
-              <a:latin typeface="Times New Roman" panose="02020603050405020304" pitchFamily="18" charset="0"/>
-              <a:cs typeface="Times New Roman" panose="02020603050405020304" pitchFamily="18" charset="0"/>
-            </a:endParaRPr>
-          </a:p>
-          <a:p>
-            <a:r>
-              <a:rPr lang="en-US" sz="2000" b="1" dirty="0">
-                <a:latin typeface="Times New Roman" panose="02020603050405020304" pitchFamily="18" charset="0"/>
-                <a:cs typeface="Times New Roman" panose="02020603050405020304" pitchFamily="18" charset="0"/>
-              </a:rPr>
-              <a:t>Cooling</a:t>
-            </a:r>
-            <a:r>
-              <a:rPr lang="en-US" sz="2000" dirty="0">
-                <a:latin typeface="Times New Roman" panose="02020603050405020304" pitchFamily="18" charset="0"/>
-                <a:cs typeface="Times New Roman" panose="02020603050405020304" pitchFamily="18" charset="0"/>
-              </a:rPr>
-              <a:t> of both units should be achieved simultaneously</a:t>
-            </a:r>
-            <a:r>
-              <a:rPr lang="tr-TR" sz="2000" dirty="0" smtClean="0">
-                <a:latin typeface="Times New Roman" panose="02020603050405020304" pitchFamily="18" charset="0"/>
-                <a:cs typeface="Times New Roman" panose="02020603050405020304" pitchFamily="18" charset="0"/>
-              </a:rPr>
-              <a:t>.</a:t>
-            </a:r>
-          </a:p>
-          <a:p>
-            <a:pPr marL="800100" lvl="1" indent="-342900">
-              <a:buFont typeface="Wingdings" panose="05000000000000000000" pitchFamily="2" charset="2"/>
-              <a:buChar char="ü"/>
-            </a:pPr>
-            <a:r>
-              <a:rPr lang="en-US" sz="2000" dirty="0" smtClean="0">
-                <a:latin typeface="Times New Roman" panose="02020603050405020304" pitchFamily="18" charset="0"/>
-                <a:cs typeface="Times New Roman" panose="02020603050405020304" pitchFamily="18" charset="0"/>
-              </a:rPr>
-              <a:t>Achieve superior drive efficiency</a:t>
-            </a:r>
-            <a:endParaRPr lang="tr-TR" sz="2000" dirty="0" smtClean="0">
-              <a:latin typeface="Times New Roman" panose="02020603050405020304" pitchFamily="18" charset="0"/>
-              <a:cs typeface="Times New Roman" panose="02020603050405020304" pitchFamily="18" charset="0"/>
-            </a:endParaRPr>
-          </a:p>
-          <a:p>
-            <a:pPr marL="800100" lvl="1" indent="-342900">
-              <a:buFont typeface="Wingdings" panose="05000000000000000000" pitchFamily="2" charset="2"/>
-              <a:buChar char="ü"/>
-            </a:pPr>
-            <a:r>
-              <a:rPr lang="en-US" sz="2000" dirty="0" smtClean="0">
-                <a:latin typeface="Times New Roman" panose="02020603050405020304" pitchFamily="18" charset="0"/>
-                <a:cs typeface="Times New Roman" panose="02020603050405020304" pitchFamily="18" charset="0"/>
-              </a:rPr>
-              <a:t>Heat distribution</a:t>
-            </a:r>
           </a:p>
         </p:txBody>
       </p:sp>
@@ -15021,8 +14892,8 @@
         </p:blipFill>
         <p:spPr>
           <a:xfrm>
-            <a:off x="2565068" y="2590800"/>
-            <a:ext cx="5133352" cy="2057400"/>
+            <a:off x="2590800" y="4808986"/>
+            <a:ext cx="4597732" cy="1842728"/>
           </a:xfrm>
           <a:prstGeom prst="rect">
             <a:avLst/>

--- a/GRW2017/sunum/GRW2017_MesutUğur.pptx
+++ b/GRW2017/sunum/GRW2017_MesutUğur.pptx
@@ -5,31 +5,28 @@
     <p:sldMasterId id="2147483804" r:id="rId1"/>
   </p:sldMasterIdLst>
   <p:notesMasterIdLst>
-    <p:notesMasterId r:id="rId24"/>
+    <p:notesMasterId r:id="rId21"/>
   </p:notesMasterIdLst>
   <p:sldIdLst>
     <p:sldId id="290" r:id="rId2"/>
     <p:sldId id="388" r:id="rId3"/>
     <p:sldId id="494" r:id="rId4"/>
-    <p:sldId id="495" r:id="rId5"/>
-    <p:sldId id="496" r:id="rId6"/>
-    <p:sldId id="497" r:id="rId7"/>
-    <p:sldId id="500" r:id="rId8"/>
-    <p:sldId id="498" r:id="rId9"/>
-    <p:sldId id="504" r:id="rId10"/>
-    <p:sldId id="501" r:id="rId11"/>
-    <p:sldId id="505" r:id="rId12"/>
-    <p:sldId id="506" r:id="rId13"/>
-    <p:sldId id="508" r:id="rId14"/>
-    <p:sldId id="514" r:id="rId15"/>
-    <p:sldId id="507" r:id="rId16"/>
-    <p:sldId id="509" r:id="rId17"/>
-    <p:sldId id="510" r:id="rId18"/>
-    <p:sldId id="511" r:id="rId19"/>
-    <p:sldId id="502" r:id="rId20"/>
-    <p:sldId id="512" r:id="rId21"/>
-    <p:sldId id="513" r:id="rId22"/>
-    <p:sldId id="493" r:id="rId23"/>
+    <p:sldId id="515" r:id="rId5"/>
+    <p:sldId id="497" r:id="rId6"/>
+    <p:sldId id="498" r:id="rId7"/>
+    <p:sldId id="504" r:id="rId8"/>
+    <p:sldId id="501" r:id="rId9"/>
+    <p:sldId id="506" r:id="rId10"/>
+    <p:sldId id="508" r:id="rId11"/>
+    <p:sldId id="514" r:id="rId12"/>
+    <p:sldId id="507" r:id="rId13"/>
+    <p:sldId id="509" r:id="rId14"/>
+    <p:sldId id="510" r:id="rId15"/>
+    <p:sldId id="511" r:id="rId16"/>
+    <p:sldId id="502" r:id="rId17"/>
+    <p:sldId id="512" r:id="rId18"/>
+    <p:sldId id="513" r:id="rId19"/>
+    <p:sldId id="493" r:id="rId20"/>
   </p:sldIdLst>
   <p:sldSz cx="9144000" cy="6858000" type="screen4x3"/>
   <p:notesSz cx="6858000" cy="9144000"/>
@@ -229,7 +226,7 @@
           <a:p>
             <a:fld id="{D1C008C1-D970-43BD-9678-58985B84B3B0}" type="datetimeFigureOut">
               <a:rPr lang="tr-TR" smtClean="0"/>
-              <a:t>29.05.2017</a:t>
+              <a:t>30.05.2017</a:t>
             </a:fld>
             <a:endParaRPr lang="tr-TR"/>
           </a:p>
@@ -678,7 +675,7 @@
           <a:p>
             <a:fld id="{D275723C-A363-4114-BE18-3E9589C2B9C2}" type="datetime1">
               <a:rPr lang="en-US" smtClean="0"/>
-              <a:t>5/29/2017</a:t>
+              <a:t>5/30/2017</a:t>
             </a:fld>
             <a:endParaRPr lang="en-US" dirty="0"/>
           </a:p>
@@ -849,7 +846,7 @@
           <a:p>
             <a:fld id="{C5592633-93A2-4DB7-B3D8-5F6714E7EFEC}" type="datetime1">
               <a:rPr lang="en-US" smtClean="0"/>
-              <a:t>5/29/2017</a:t>
+              <a:t>5/30/2017</a:t>
             </a:fld>
             <a:endParaRPr lang="en-US" dirty="0"/>
           </a:p>
@@ -1030,7 +1027,7 @@
           <a:p>
             <a:fld id="{6F760D8D-AE05-4AF5-8666-75C48EA7B609}" type="datetime1">
               <a:rPr lang="en-US" smtClean="0"/>
-              <a:t>5/29/2017</a:t>
+              <a:t>5/30/2017</a:t>
             </a:fld>
             <a:endParaRPr lang="en-US" dirty="0"/>
           </a:p>
@@ -1201,7 +1198,7 @@
           <a:p>
             <a:fld id="{6D87B8C0-62AE-47C8-A8EF-FC863B0F06E5}" type="datetime1">
               <a:rPr lang="en-US" smtClean="0"/>
-              <a:t>5/29/2017</a:t>
+              <a:t>5/30/2017</a:t>
             </a:fld>
             <a:endParaRPr lang="en-US" dirty="0"/>
           </a:p>
@@ -1448,7 +1445,7 @@
           <a:p>
             <a:fld id="{A76C8472-C309-40FA-8240-FF6234B7F0D0}" type="datetime1">
               <a:rPr lang="en-US" smtClean="0"/>
-              <a:t>5/29/2017</a:t>
+              <a:t>5/30/2017</a:t>
             </a:fld>
             <a:endParaRPr lang="en-US" dirty="0"/>
           </a:p>
@@ -1737,7 +1734,7 @@
           <a:p>
             <a:fld id="{33196F6B-6F2E-418E-A1A6-2F06576F6EF7}" type="datetime1">
               <a:rPr lang="en-US" smtClean="0"/>
-              <a:t>5/29/2017</a:t>
+              <a:t>5/30/2017</a:t>
             </a:fld>
             <a:endParaRPr lang="en-US" dirty="0"/>
           </a:p>
@@ -2160,7 +2157,7 @@
           <a:p>
             <a:fld id="{D09CD6EC-2E00-46F1-9BD2-E1865A200410}" type="datetime1">
               <a:rPr lang="en-US" smtClean="0"/>
-              <a:t>5/29/2017</a:t>
+              <a:t>5/30/2017</a:t>
             </a:fld>
             <a:endParaRPr lang="en-US" dirty="0"/>
           </a:p>
@@ -2279,7 +2276,7 @@
           <a:p>
             <a:fld id="{C40B9E5A-6330-4749-ACDB-FB892FCFE6A5}" type="datetime1">
               <a:rPr lang="en-US" smtClean="0"/>
-              <a:t>5/29/2017</a:t>
+              <a:t>5/30/2017</a:t>
             </a:fld>
             <a:endParaRPr lang="en-US" dirty="0"/>
           </a:p>
@@ -2375,7 +2372,7 @@
           <a:p>
             <a:fld id="{1C181CB3-A768-4AD8-A97F-12E47CC1200D}" type="datetime1">
               <a:rPr lang="en-US" smtClean="0"/>
-              <a:t>5/29/2017</a:t>
+              <a:t>5/30/2017</a:t>
             </a:fld>
             <a:endParaRPr lang="en-US" dirty="0"/>
           </a:p>
@@ -2653,7 +2650,7 @@
           <a:p>
             <a:fld id="{AF3D8106-484C-46C6-8BE9-348BFA7F2DCB}" type="datetime1">
               <a:rPr lang="en-US" smtClean="0"/>
-              <a:t>5/29/2017</a:t>
+              <a:t>5/30/2017</a:t>
             </a:fld>
             <a:endParaRPr lang="en-US" dirty="0"/>
           </a:p>
@@ -2907,7 +2904,7 @@
           <a:p>
             <a:fld id="{F2A57B0D-110E-4AAD-9411-DA6CB39E8776}" type="datetime1">
               <a:rPr lang="en-US" smtClean="0"/>
-              <a:t>5/29/2017</a:t>
+              <a:t>5/30/2017</a:t>
             </a:fld>
             <a:endParaRPr lang="en-US" dirty="0"/>
           </a:p>
@@ -3142,7 +3139,7 @@
           <a:p>
             <a:fld id="{FB4B5B0E-55D6-4DAA-879D-58BBFFC7379B}" type="datetime1">
               <a:rPr lang="en-US" smtClean="0"/>
-              <a:t>5/29/2017</a:t>
+              <a:t>5/30/2017</a:t>
             </a:fld>
             <a:endParaRPr lang="en-US" dirty="0"/>
           </a:p>
@@ -4026,43 +4023,6 @@
           </a:fontRef>
         </p:style>
       </p:cxnSp>
-      <p:sp>
-        <p:nvSpPr>
-          <p:cNvPr id="13" name="TextBox 12"/>
-          <p:cNvSpPr txBox="1"/>
-          <p:nvPr/>
-        </p:nvSpPr>
-        <p:spPr>
-          <a:xfrm>
-            <a:off x="1386291" y="224135"/>
-            <a:ext cx="7315200" cy="553998"/>
-          </a:xfrm>
-          <a:prstGeom prst="rect">
-            <a:avLst/>
-          </a:prstGeom>
-          <a:noFill/>
-        </p:spPr>
-        <p:txBody>
-          <a:bodyPr wrap="square" rtlCol="0">
-            <a:spAutoFit/>
-          </a:bodyPr>
-          <a:lstStyle/>
-          <a:p>
-            <a:pPr algn="ctr"/>
-            <a:r>
-              <a:rPr lang="en-US" sz="3000" dirty="0" smtClean="0">
-                <a:latin typeface="Times New Roman" panose="02020603050405020304" pitchFamily="18" charset="0"/>
-                <a:cs typeface="Times New Roman" panose="02020603050405020304" pitchFamily="18" charset="0"/>
-              </a:rPr>
-              <a:t>Gallium Nitride (GaN) Power Semiconductors</a:t>
-            </a:r>
-            <a:endParaRPr lang="en-US" sz="3000" dirty="0">
-              <a:latin typeface="Times New Roman" panose="02020603050405020304" pitchFamily="18" charset="0"/>
-              <a:cs typeface="Times New Roman" panose="02020603050405020304" pitchFamily="18" charset="0"/>
-            </a:endParaRPr>
-          </a:p>
-        </p:txBody>
-      </p:sp>
       <p:cxnSp>
         <p:nvCxnSpPr>
           <p:cNvPr id="15" name="Straight Connector 14"/>
@@ -4165,7 +4125,164 @@
       </p:pic>
       <p:sp>
         <p:nvSpPr>
-          <p:cNvPr id="16" name="Text Box 9"/>
+          <p:cNvPr id="9" name="TextBox 8"/>
+          <p:cNvSpPr txBox="1"/>
+          <p:nvPr/>
+        </p:nvSpPr>
+        <p:spPr>
+          <a:xfrm>
+            <a:off x="1386291" y="224135"/>
+            <a:ext cx="7315200" cy="553998"/>
+          </a:xfrm>
+          <a:prstGeom prst="rect">
+            <a:avLst/>
+          </a:prstGeom>
+          <a:noFill/>
+        </p:spPr>
+        <p:txBody>
+          <a:bodyPr wrap="square" rtlCol="0">
+            <a:spAutoFit/>
+          </a:bodyPr>
+          <a:lstStyle/>
+          <a:p>
+            <a:pPr algn="ctr"/>
+            <a:r>
+              <a:rPr lang="en-US" sz="3000" dirty="0" smtClean="0">
+                <a:latin typeface="Times New Roman" panose="02020603050405020304" pitchFamily="18" charset="0"/>
+                <a:cs typeface="Times New Roman" panose="02020603050405020304" pitchFamily="18" charset="0"/>
+              </a:rPr>
+              <a:t>DC Link Capacitor Optimization</a:t>
+            </a:r>
+            <a:endParaRPr lang="en-US" sz="3000" dirty="0">
+              <a:latin typeface="Times New Roman" panose="02020603050405020304" pitchFamily="18" charset="0"/>
+              <a:cs typeface="Times New Roman" panose="02020603050405020304" pitchFamily="18" charset="0"/>
+            </a:endParaRPr>
+          </a:p>
+        </p:txBody>
+      </p:sp>
+      <p:pic>
+        <p:nvPicPr>
+          <p:cNvPr id="3" name="Picture 2"/>
+          <p:cNvPicPr>
+            <a:picLocks noChangeAspect="1"/>
+          </p:cNvPicPr>
+          <p:nvPr/>
+        </p:nvPicPr>
+        <p:blipFill>
+          <a:blip r:embed="rId3"/>
+          <a:stretch>
+            <a:fillRect/>
+          </a:stretch>
+        </p:blipFill>
+        <p:spPr>
+          <a:xfrm>
+            <a:off x="6044657" y="1520035"/>
+            <a:ext cx="2242093" cy="613565"/>
+          </a:xfrm>
+          <a:prstGeom prst="rect">
+            <a:avLst/>
+          </a:prstGeom>
+        </p:spPr>
+      </p:pic>
+      <p:pic>
+        <p:nvPicPr>
+          <p:cNvPr id="4" name="Picture 3"/>
+          <p:cNvPicPr>
+            <a:picLocks noChangeAspect="1"/>
+          </p:cNvPicPr>
+          <p:nvPr/>
+        </p:nvPicPr>
+        <p:blipFill>
+          <a:blip r:embed="rId4"/>
+          <a:stretch>
+            <a:fillRect/>
+          </a:stretch>
+        </p:blipFill>
+        <p:spPr>
+          <a:xfrm>
+            <a:off x="4876800" y="4945524"/>
+            <a:ext cx="4267200" cy="635745"/>
+          </a:xfrm>
+          <a:prstGeom prst="rect">
+            <a:avLst/>
+          </a:prstGeom>
+        </p:spPr>
+      </p:pic>
+      <p:pic>
+        <p:nvPicPr>
+          <p:cNvPr id="5" name="Picture 4"/>
+          <p:cNvPicPr>
+            <a:picLocks noChangeAspect="1"/>
+          </p:cNvPicPr>
+          <p:nvPr/>
+        </p:nvPicPr>
+        <p:blipFill>
+          <a:blip r:embed="rId5"/>
+          <a:stretch>
+            <a:fillRect/>
+          </a:stretch>
+        </p:blipFill>
+        <p:spPr>
+          <a:xfrm>
+            <a:off x="5846221" y="3124024"/>
+            <a:ext cx="2688179" cy="666669"/>
+          </a:xfrm>
+          <a:prstGeom prst="rect">
+            <a:avLst/>
+          </a:prstGeom>
+        </p:spPr>
+      </p:pic>
+      <p:pic>
+        <p:nvPicPr>
+          <p:cNvPr id="7" name="Picture 6"/>
+          <p:cNvPicPr>
+            <a:picLocks noChangeAspect="1"/>
+          </p:cNvPicPr>
+          <p:nvPr/>
+        </p:nvPicPr>
+        <p:blipFill>
+          <a:blip r:embed="rId6"/>
+          <a:stretch>
+            <a:fillRect/>
+          </a:stretch>
+        </p:blipFill>
+        <p:spPr>
+          <a:xfrm>
+            <a:off x="1320897" y="1583603"/>
+            <a:ext cx="3823094" cy="2232117"/>
+          </a:xfrm>
+          <a:prstGeom prst="rect">
+            <a:avLst/>
+          </a:prstGeom>
+        </p:spPr>
+      </p:pic>
+      <p:pic>
+        <p:nvPicPr>
+          <p:cNvPr id="8" name="Picture 7"/>
+          <p:cNvPicPr>
+            <a:picLocks noChangeAspect="1"/>
+          </p:cNvPicPr>
+          <p:nvPr/>
+        </p:nvPicPr>
+        <p:blipFill>
+          <a:blip r:embed="rId7"/>
+          <a:stretch>
+            <a:fillRect/>
+          </a:stretch>
+        </p:blipFill>
+        <p:spPr>
+          <a:xfrm>
+            <a:off x="1524000" y="4673737"/>
+            <a:ext cx="2721832" cy="1100966"/>
+          </a:xfrm>
+          <a:prstGeom prst="rect">
+            <a:avLst/>
+          </a:prstGeom>
+        </p:spPr>
+      </p:pic>
+      <p:sp>
+        <p:nvSpPr>
+          <p:cNvPr id="19" name="Text Box 9"/>
           <p:cNvSpPr txBox="1">
             <a:spLocks noChangeArrowheads="1"/>
           </p:cNvSpPr>
@@ -4173,8 +4290,8 @@
         </p:nvSpPr>
         <p:spPr bwMode="auto">
           <a:xfrm>
-            <a:off x="1386291" y="1267818"/>
-            <a:ext cx="7035213" cy="1015663"/>
+            <a:off x="5638800" y="1106248"/>
+            <a:ext cx="3048000" cy="338554"/>
           </a:xfrm>
           <a:prstGeom prst="rect">
             <a:avLst/>
@@ -4194,152 +4311,24 @@
           </a:bodyPr>
           <a:lstStyle/>
           <a:p>
-            <a:pPr marL="342900" indent="-342900" algn="just">
-              <a:buFont typeface="Wingdings" panose="05000000000000000000" pitchFamily="2" charset="2"/>
-              <a:buChar char="ü"/>
+            <a:pPr algn="ctr">
+              <a:spcAft>
+                <a:spcPts val="600"/>
+              </a:spcAft>
             </a:pPr>
             <a:r>
-              <a:rPr lang="tr-TR" sz="2000" b="1" dirty="0" smtClean="0">
-                <a:latin typeface="Times New Roman" panose="02020603050405020304" pitchFamily="18" charset="0"/>
-                <a:cs typeface="Times New Roman" panose="02020603050405020304" pitchFamily="18" charset="0"/>
-              </a:rPr>
-              <a:t>W</a:t>
-            </a:r>
-            <a:r>
-              <a:rPr lang="en-US" sz="2000" b="1" dirty="0" smtClean="0">
-                <a:latin typeface="Times New Roman" panose="02020603050405020304" pitchFamily="18" charset="0"/>
-                <a:cs typeface="Times New Roman" panose="02020603050405020304" pitchFamily="18" charset="0"/>
-              </a:rPr>
-              <a:t>ide </a:t>
-            </a:r>
-            <a:r>
-              <a:rPr lang="en-US" sz="2000" b="1" dirty="0" smtClean="0">
-                <a:latin typeface="Times New Roman" panose="02020603050405020304" pitchFamily="18" charset="0"/>
-                <a:cs typeface="Times New Roman" panose="02020603050405020304" pitchFamily="18" charset="0"/>
-              </a:rPr>
-              <a:t>band-gap (WBG) </a:t>
-            </a:r>
-            <a:r>
-              <a:rPr lang="en-US" sz="2000" dirty="0" smtClean="0">
-                <a:latin typeface="Times New Roman" panose="02020603050405020304" pitchFamily="18" charset="0"/>
-                <a:cs typeface="Times New Roman" panose="02020603050405020304" pitchFamily="18" charset="0"/>
-              </a:rPr>
-              <a:t>power semiconductor </a:t>
-            </a:r>
-            <a:r>
-              <a:rPr lang="en-US" sz="2000" dirty="0" smtClean="0">
-                <a:latin typeface="Times New Roman" panose="02020603050405020304" pitchFamily="18" charset="0"/>
-                <a:cs typeface="Times New Roman" panose="02020603050405020304" pitchFamily="18" charset="0"/>
-              </a:rPr>
-              <a:t>devices</a:t>
-            </a:r>
-            <a:endParaRPr lang="tr-TR" sz="2000" dirty="0" smtClean="0">
-              <a:latin typeface="Times New Roman" panose="02020603050405020304" pitchFamily="18" charset="0"/>
-              <a:cs typeface="Times New Roman" panose="02020603050405020304" pitchFamily="18" charset="0"/>
-            </a:endParaRPr>
-          </a:p>
-          <a:p>
-            <a:pPr marL="342900" indent="-342900" algn="l">
-              <a:buFont typeface="Wingdings" panose="05000000000000000000" pitchFamily="2" charset="2"/>
-              <a:buChar char="ü"/>
-            </a:pPr>
-            <a:r>
-              <a:rPr lang="en-US" sz="2000" dirty="0" smtClean="0">
-                <a:latin typeface="Times New Roman" panose="02020603050405020304" pitchFamily="18" charset="0"/>
-                <a:cs typeface="Times New Roman" panose="02020603050405020304" pitchFamily="18" charset="0"/>
-              </a:rPr>
-              <a:t>Low </a:t>
-            </a:r>
-            <a:r>
-              <a:rPr lang="en-US" sz="2000" dirty="0" smtClean="0">
-                <a:latin typeface="Times New Roman" panose="02020603050405020304" pitchFamily="18" charset="0"/>
-                <a:cs typeface="Times New Roman" panose="02020603050405020304" pitchFamily="18" charset="0"/>
-              </a:rPr>
-              <a:t>semiconductor </a:t>
-            </a:r>
-            <a:r>
-              <a:rPr lang="en-US" sz="2000" dirty="0" smtClean="0">
-                <a:latin typeface="Times New Roman" panose="02020603050405020304" pitchFamily="18" charset="0"/>
-                <a:cs typeface="Times New Roman" panose="02020603050405020304" pitchFamily="18" charset="0"/>
-              </a:rPr>
-              <a:t>loss</a:t>
-            </a:r>
-            <a:r>
-              <a:rPr lang="en-US" sz="2000" dirty="0" smtClean="0">
-                <a:latin typeface="Times New Roman" panose="02020603050405020304" pitchFamily="18" charset="0"/>
-                <a:cs typeface="Times New Roman" panose="02020603050405020304" pitchFamily="18" charset="0"/>
-              </a:rPr>
-              <a:t>: </a:t>
-            </a:r>
-            <a:r>
-              <a:rPr lang="en-US" sz="2000" b="1" dirty="0" smtClean="0">
-                <a:latin typeface="Times New Roman" panose="02020603050405020304" pitchFamily="18" charset="0"/>
-                <a:cs typeface="Times New Roman" panose="02020603050405020304" pitchFamily="18" charset="0"/>
-              </a:rPr>
-              <a:t>heat sink </a:t>
-            </a:r>
-            <a:r>
-              <a:rPr lang="en-US" sz="2000" dirty="0" smtClean="0">
-                <a:latin typeface="Times New Roman" panose="02020603050405020304" pitchFamily="18" charset="0"/>
-                <a:cs typeface="Times New Roman" panose="02020603050405020304" pitchFamily="18" charset="0"/>
-              </a:rPr>
-              <a:t>size is </a:t>
-            </a:r>
-            <a:r>
-              <a:rPr lang="en-US" sz="2000" dirty="0" smtClean="0">
-                <a:latin typeface="Times New Roman" panose="02020603050405020304" pitchFamily="18" charset="0"/>
-                <a:cs typeface="Times New Roman" panose="02020603050405020304" pitchFamily="18" charset="0"/>
-              </a:rPr>
-              <a:t>reduced</a:t>
-            </a:r>
-            <a:endParaRPr lang="tr-TR" sz="2000" dirty="0">
-              <a:latin typeface="Times New Roman" panose="02020603050405020304" pitchFamily="18" charset="0"/>
-              <a:cs typeface="Times New Roman" panose="02020603050405020304" pitchFamily="18" charset="0"/>
-            </a:endParaRPr>
-          </a:p>
-          <a:p>
-            <a:pPr marL="342900" indent="-342900" algn="l">
-              <a:buFont typeface="Wingdings" panose="05000000000000000000" pitchFamily="2" charset="2"/>
-              <a:buChar char="ü"/>
-            </a:pPr>
-            <a:r>
-              <a:rPr lang="en-US" sz="2000" dirty="0" smtClean="0">
-                <a:latin typeface="Times New Roman" panose="02020603050405020304" pitchFamily="18" charset="0"/>
-                <a:cs typeface="Times New Roman" panose="02020603050405020304" pitchFamily="18" charset="0"/>
-              </a:rPr>
-              <a:t>High </a:t>
-            </a:r>
-            <a:r>
-              <a:rPr lang="en-US" sz="2000" dirty="0" smtClean="0">
-                <a:latin typeface="Times New Roman" panose="02020603050405020304" pitchFamily="18" charset="0"/>
-                <a:cs typeface="Times New Roman" panose="02020603050405020304" pitchFamily="18" charset="0"/>
-              </a:rPr>
-              <a:t>operation frequency: </a:t>
-            </a:r>
-            <a:r>
-              <a:rPr lang="en-US" sz="2000" b="1" dirty="0" smtClean="0">
-                <a:latin typeface="Times New Roman" panose="02020603050405020304" pitchFamily="18" charset="0"/>
-                <a:cs typeface="Times New Roman" panose="02020603050405020304" pitchFamily="18" charset="0"/>
-              </a:rPr>
-              <a:t>passive component </a:t>
-            </a:r>
-            <a:r>
-              <a:rPr lang="en-US" sz="2000" dirty="0" smtClean="0">
-                <a:latin typeface="Times New Roman" panose="02020603050405020304" pitchFamily="18" charset="0"/>
-                <a:cs typeface="Times New Roman" panose="02020603050405020304" pitchFamily="18" charset="0"/>
-              </a:rPr>
-              <a:t>size is reduced</a:t>
-            </a:r>
-            <a:endParaRPr lang="en-US" sz="2000" dirty="0">
-              <a:latin typeface="Times New Roman" panose="02020603050405020304" pitchFamily="18" charset="0"/>
-              <a:cs typeface="Times New Roman" panose="02020603050405020304" pitchFamily="18" charset="0"/>
-            </a:endParaRPr>
-          </a:p>
-        </p:txBody>
-      </p:sp>
-      <p:sp>
-        <p:nvSpPr>
-          <p:cNvPr id="19" name="Text Box 9"/>
+              <a:rPr lang="en-US" sz="1600" dirty="0" smtClean="0">
+                <a:latin typeface="Times New Roman" panose="02020603050405020304" pitchFamily="18" charset="0"/>
+                <a:cs typeface="Times New Roman" panose="02020603050405020304" pitchFamily="18" charset="0"/>
+              </a:rPr>
+              <a:t>DC Link average current</a:t>
+            </a:r>
+          </a:p>
+        </p:txBody>
+      </p:sp>
+      <p:sp>
+        <p:nvSpPr>
+          <p:cNvPr id="20" name="Text Box 9"/>
           <p:cNvSpPr txBox="1">
             <a:spLocks noChangeArrowheads="1"/>
           </p:cNvSpPr>
@@ -4347,8 +4336,8 @@
         </p:nvSpPr>
         <p:spPr bwMode="auto">
           <a:xfrm>
-            <a:off x="5460110" y="3191211"/>
-            <a:ext cx="3350515" cy="1631216"/>
+            <a:off x="5653491" y="2636077"/>
+            <a:ext cx="3048000" cy="338554"/>
           </a:xfrm>
           <a:prstGeom prst="rect">
             <a:avLst/>
@@ -4368,207 +4357,167 @@
           </a:bodyPr>
           <a:lstStyle/>
           <a:p>
-            <a:pPr marL="342900" indent="-342900" algn="just">
-              <a:buFont typeface="Arial" panose="020B0604020202020204" pitchFamily="34" charset="0"/>
-              <a:buChar char="•"/>
+            <a:pPr algn="ctr">
+              <a:spcAft>
+                <a:spcPts val="600"/>
+              </a:spcAft>
             </a:pPr>
             <a:r>
-              <a:rPr lang="en-US" sz="2000" dirty="0" smtClean="0">
-                <a:latin typeface="Times New Roman" panose="02020603050405020304" pitchFamily="18" charset="0"/>
-                <a:cs typeface="Times New Roman" panose="02020603050405020304" pitchFamily="18" charset="0"/>
-              </a:rPr>
-              <a:t>High speed device</a:t>
-            </a:r>
-          </a:p>
-          <a:p>
-            <a:pPr marL="342900" indent="-342900" algn="l">
-              <a:buFont typeface="Arial" panose="020B0604020202020204" pitchFamily="34" charset="0"/>
-              <a:buChar char="•"/>
+              <a:rPr lang="en-US" sz="1600" dirty="0" smtClean="0">
+                <a:latin typeface="Times New Roman" panose="02020603050405020304" pitchFamily="18" charset="0"/>
+                <a:cs typeface="Times New Roman" panose="02020603050405020304" pitchFamily="18" charset="0"/>
+              </a:rPr>
+              <a:t>DC Link ripple voltage</a:t>
+            </a:r>
+          </a:p>
+        </p:txBody>
+      </p:sp>
+      <p:sp>
+        <p:nvSpPr>
+          <p:cNvPr id="21" name="Text Box 9"/>
+          <p:cNvSpPr txBox="1">
+            <a:spLocks noChangeArrowheads="1"/>
+          </p:cNvSpPr>
+          <p:nvPr/>
+        </p:nvSpPr>
+        <p:spPr bwMode="auto">
+          <a:xfrm>
+            <a:off x="5486400" y="4504460"/>
+            <a:ext cx="3048000" cy="338554"/>
+          </a:xfrm>
+          <a:prstGeom prst="rect">
+            <a:avLst/>
+          </a:prstGeom>
+          <a:noFill/>
+          <a:ln w="9525">
+            <a:noFill/>
+            <a:miter lim="800000"/>
+            <a:headEnd/>
+            <a:tailEnd/>
+          </a:ln>
+          <a:effectLst/>
+        </p:spPr>
+        <p:txBody>
+          <a:bodyPr wrap="square">
+            <a:spAutoFit/>
+          </a:bodyPr>
+          <a:lstStyle/>
+          <a:p>
+            <a:pPr algn="ctr">
+              <a:spcAft>
+                <a:spcPts val="600"/>
+              </a:spcAft>
             </a:pPr>
             <a:r>
-              <a:rPr lang="en-US" sz="2000" dirty="0" smtClean="0">
-                <a:latin typeface="Times New Roman" panose="02020603050405020304" pitchFamily="18" charset="0"/>
-                <a:cs typeface="Times New Roman" panose="02020603050405020304" pitchFamily="18" charset="0"/>
-              </a:rPr>
-              <a:t>Low </a:t>
-            </a:r>
-            <a:r>
-              <a:rPr lang="en-US" sz="2000" dirty="0" err="1" smtClean="0">
-                <a:latin typeface="Times New Roman" panose="02020603050405020304" pitchFamily="18" charset="0"/>
-                <a:cs typeface="Times New Roman" panose="02020603050405020304" pitchFamily="18" charset="0"/>
-              </a:rPr>
-              <a:t>R</a:t>
-            </a:r>
-            <a:r>
-              <a:rPr lang="en-US" sz="2000" baseline="-25000" dirty="0" err="1" smtClean="0">
-                <a:latin typeface="Times New Roman" panose="02020603050405020304" pitchFamily="18" charset="0"/>
-                <a:cs typeface="Times New Roman" panose="02020603050405020304" pitchFamily="18" charset="0"/>
-              </a:rPr>
-              <a:t>ds_on</a:t>
-            </a:r>
-            <a:endParaRPr lang="en-US" sz="2000" baseline="-25000" dirty="0" smtClean="0">
+              <a:rPr lang="en-US" sz="1600" dirty="0" smtClean="0">
+                <a:latin typeface="Times New Roman" panose="02020603050405020304" pitchFamily="18" charset="0"/>
+                <a:cs typeface="Times New Roman" panose="02020603050405020304" pitchFamily="18" charset="0"/>
+              </a:rPr>
+              <a:t>DC Link RMS current</a:t>
+            </a:r>
+          </a:p>
+        </p:txBody>
+      </p:sp>
+      <p:sp>
+        <p:nvSpPr>
+          <p:cNvPr id="22" name="Text Box 9"/>
+          <p:cNvSpPr txBox="1">
+            <a:spLocks noChangeArrowheads="1"/>
+          </p:cNvSpPr>
+          <p:nvPr/>
+        </p:nvSpPr>
+        <p:spPr bwMode="auto">
+          <a:xfrm>
+            <a:off x="1356722" y="4152229"/>
+            <a:ext cx="3048000" cy="338554"/>
+          </a:xfrm>
+          <a:prstGeom prst="rect">
+            <a:avLst/>
+          </a:prstGeom>
+          <a:noFill/>
+          <a:ln w="9525">
+            <a:noFill/>
+            <a:miter lim="800000"/>
+            <a:headEnd/>
+            <a:tailEnd/>
+          </a:ln>
+          <a:effectLst/>
+        </p:spPr>
+        <p:txBody>
+          <a:bodyPr wrap="square">
+            <a:spAutoFit/>
+          </a:bodyPr>
+          <a:lstStyle/>
+          <a:p>
+            <a:pPr algn="ctr">
+              <a:spcAft>
+                <a:spcPts val="600"/>
+              </a:spcAft>
+            </a:pPr>
+            <a:r>
+              <a:rPr lang="en-US" sz="1600" dirty="0" smtClean="0">
+                <a:latin typeface="Times New Roman" panose="02020603050405020304" pitchFamily="18" charset="0"/>
+                <a:cs typeface="Times New Roman" panose="02020603050405020304" pitchFamily="18" charset="0"/>
+              </a:rPr>
+              <a:t>Capacitor heating</a:t>
+            </a:r>
+          </a:p>
+        </p:txBody>
+      </p:sp>
+      <p:sp>
+        <p:nvSpPr>
+          <p:cNvPr id="23" name="Text Box 9"/>
+          <p:cNvSpPr txBox="1">
+            <a:spLocks noChangeArrowheads="1"/>
+          </p:cNvSpPr>
+          <p:nvPr/>
+        </p:nvSpPr>
+        <p:spPr bwMode="auto">
+          <a:xfrm>
+            <a:off x="1725171" y="1140749"/>
+            <a:ext cx="3048000" cy="400110"/>
+          </a:xfrm>
+          <a:prstGeom prst="rect">
+            <a:avLst/>
+          </a:prstGeom>
+          <a:noFill/>
+          <a:ln w="9525">
+            <a:noFill/>
+            <a:miter lim="800000"/>
+            <a:headEnd/>
+            <a:tailEnd/>
+          </a:ln>
+          <a:effectLst/>
+        </p:spPr>
+        <p:txBody>
+          <a:bodyPr wrap="square">
+            <a:spAutoFit/>
+          </a:bodyPr>
+          <a:lstStyle/>
+          <a:p>
+            <a:pPr algn="ctr">
+              <a:spcAft>
+                <a:spcPts val="600"/>
+              </a:spcAft>
+            </a:pPr>
+            <a:r>
+              <a:rPr lang="tr-TR" sz="2000" dirty="0" smtClean="0">
+                <a:latin typeface="Times New Roman" panose="02020603050405020304" pitchFamily="18" charset="0"/>
+                <a:cs typeface="Times New Roman" panose="02020603050405020304" pitchFamily="18" charset="0"/>
+              </a:rPr>
+              <a:t>DC Link model</a:t>
+            </a:r>
+            <a:endParaRPr lang="en-US" sz="2000" dirty="0" smtClean="0">
               <a:latin typeface="Times New Roman" panose="02020603050405020304" pitchFamily="18" charset="0"/>
               <a:cs typeface="Times New Roman" panose="02020603050405020304" pitchFamily="18" charset="0"/>
             </a:endParaRPr>
           </a:p>
-          <a:p>
-            <a:pPr marL="342900" indent="-342900" algn="l">
-              <a:buFont typeface="Arial" panose="020B0604020202020204" pitchFamily="34" charset="0"/>
-              <a:buChar char="•"/>
-            </a:pPr>
-            <a:r>
-              <a:rPr lang="en-US" sz="2000" dirty="0" smtClean="0">
-                <a:latin typeface="Times New Roman" panose="02020603050405020304" pitchFamily="18" charset="0"/>
-                <a:cs typeface="Times New Roman" panose="02020603050405020304" pitchFamily="18" charset="0"/>
-              </a:rPr>
-              <a:t>Low E</a:t>
-            </a:r>
-            <a:r>
-              <a:rPr lang="en-US" sz="2000" baseline="-25000" dirty="0" smtClean="0">
-                <a:latin typeface="Times New Roman" panose="02020603050405020304" pitchFamily="18" charset="0"/>
-                <a:cs typeface="Times New Roman" panose="02020603050405020304" pitchFamily="18" charset="0"/>
-              </a:rPr>
-              <a:t>on </a:t>
-            </a:r>
-            <a:r>
-              <a:rPr lang="en-US" sz="2000" dirty="0" smtClean="0">
-                <a:latin typeface="Times New Roman" panose="02020603050405020304" pitchFamily="18" charset="0"/>
-                <a:cs typeface="Times New Roman" panose="02020603050405020304" pitchFamily="18" charset="0"/>
-              </a:rPr>
-              <a:t>&amp; </a:t>
-            </a:r>
-            <a:r>
-              <a:rPr lang="en-US" sz="2000" dirty="0" err="1" smtClean="0">
-                <a:latin typeface="Times New Roman" panose="02020603050405020304" pitchFamily="18" charset="0"/>
-                <a:cs typeface="Times New Roman" panose="02020603050405020304" pitchFamily="18" charset="0"/>
-              </a:rPr>
-              <a:t>E</a:t>
-            </a:r>
-            <a:r>
-              <a:rPr lang="en-US" sz="2000" baseline="-25000" dirty="0" err="1" smtClean="0">
-                <a:latin typeface="Times New Roman" panose="02020603050405020304" pitchFamily="18" charset="0"/>
-                <a:cs typeface="Times New Roman" panose="02020603050405020304" pitchFamily="18" charset="0"/>
-              </a:rPr>
-              <a:t>off</a:t>
-            </a:r>
-            <a:endParaRPr lang="en-US" sz="2000" baseline="-25000" dirty="0" smtClean="0">
-              <a:latin typeface="Times New Roman" panose="02020603050405020304" pitchFamily="18" charset="0"/>
-              <a:cs typeface="Times New Roman" panose="02020603050405020304" pitchFamily="18" charset="0"/>
-            </a:endParaRPr>
-          </a:p>
-          <a:p>
-            <a:pPr marL="342900" indent="-342900" algn="l">
-              <a:buFont typeface="Arial" panose="020B0604020202020204" pitchFamily="34" charset="0"/>
-              <a:buChar char="•"/>
-            </a:pPr>
-            <a:r>
-              <a:rPr lang="en-US" sz="2000" dirty="0" smtClean="0">
-                <a:latin typeface="Times New Roman" panose="02020603050405020304" pitchFamily="18" charset="0"/>
-                <a:cs typeface="Times New Roman" panose="02020603050405020304" pitchFamily="18" charset="0"/>
-              </a:rPr>
-              <a:t>High junction temperature</a:t>
-            </a:r>
-            <a:endParaRPr lang="tr-TR" sz="2000" dirty="0" smtClean="0">
-              <a:latin typeface="Times New Roman" panose="02020603050405020304" pitchFamily="18" charset="0"/>
-              <a:cs typeface="Times New Roman" panose="02020603050405020304" pitchFamily="18" charset="0"/>
-            </a:endParaRPr>
-          </a:p>
-          <a:p>
-            <a:pPr marL="342900" indent="-342900" algn="l">
-              <a:buFont typeface="Arial" panose="020B0604020202020204" pitchFamily="34" charset="0"/>
-              <a:buChar char="•"/>
-            </a:pPr>
-            <a:r>
-              <a:rPr lang="tr-TR" sz="2000" dirty="0" err="1" smtClean="0">
-                <a:latin typeface="Times New Roman" panose="02020603050405020304" pitchFamily="18" charset="0"/>
-                <a:cs typeface="Times New Roman" panose="02020603050405020304" pitchFamily="18" charset="0"/>
-              </a:rPr>
-              <a:t>Low</a:t>
-            </a:r>
-            <a:r>
-              <a:rPr lang="tr-TR" sz="2000" dirty="0" smtClean="0">
-                <a:latin typeface="Times New Roman" panose="02020603050405020304" pitchFamily="18" charset="0"/>
-                <a:cs typeface="Times New Roman" panose="02020603050405020304" pitchFamily="18" charset="0"/>
-              </a:rPr>
-              <a:t> C</a:t>
-            </a:r>
-            <a:r>
-              <a:rPr lang="tr-TR" sz="2000" baseline="-25000" dirty="0" smtClean="0">
-                <a:latin typeface="Times New Roman" panose="02020603050405020304" pitchFamily="18" charset="0"/>
-                <a:cs typeface="Times New Roman" panose="02020603050405020304" pitchFamily="18" charset="0"/>
-              </a:rPr>
-              <a:t>in</a:t>
-            </a:r>
-            <a:r>
-              <a:rPr lang="tr-TR" sz="2000" dirty="0" smtClean="0">
-                <a:latin typeface="Times New Roman" panose="02020603050405020304" pitchFamily="18" charset="0"/>
-                <a:cs typeface="Times New Roman" panose="02020603050405020304" pitchFamily="18" charset="0"/>
-              </a:rPr>
-              <a:t> </a:t>
-            </a:r>
-            <a:r>
-              <a:rPr lang="tr-TR" sz="2000" dirty="0" err="1" smtClean="0">
-                <a:latin typeface="Times New Roman" panose="02020603050405020304" pitchFamily="18" charset="0"/>
-                <a:cs typeface="Times New Roman" panose="02020603050405020304" pitchFamily="18" charset="0"/>
-              </a:rPr>
-              <a:t>and</a:t>
-            </a:r>
-            <a:r>
-              <a:rPr lang="tr-TR" sz="2000" dirty="0" smtClean="0">
-                <a:latin typeface="Times New Roman" panose="02020603050405020304" pitchFamily="18" charset="0"/>
-                <a:cs typeface="Times New Roman" panose="02020603050405020304" pitchFamily="18" charset="0"/>
-              </a:rPr>
-              <a:t> </a:t>
-            </a:r>
-            <a:r>
-              <a:rPr lang="tr-TR" sz="2000" dirty="0" err="1" smtClean="0">
-                <a:latin typeface="Times New Roman" panose="02020603050405020304" pitchFamily="18" charset="0"/>
-                <a:cs typeface="Times New Roman" panose="02020603050405020304" pitchFamily="18" charset="0"/>
-              </a:rPr>
-              <a:t>C</a:t>
-            </a:r>
-            <a:r>
-              <a:rPr lang="tr-TR" sz="2000" baseline="-25000" dirty="0" err="1" smtClean="0">
-                <a:latin typeface="Times New Roman" panose="02020603050405020304" pitchFamily="18" charset="0"/>
-                <a:cs typeface="Times New Roman" panose="02020603050405020304" pitchFamily="18" charset="0"/>
-              </a:rPr>
-              <a:t>out</a:t>
-            </a:r>
-            <a:endParaRPr lang="en-US" sz="2000" baseline="-25000" dirty="0">
-              <a:latin typeface="Times New Roman" panose="02020603050405020304" pitchFamily="18" charset="0"/>
-              <a:cs typeface="Times New Roman" panose="02020603050405020304" pitchFamily="18" charset="0"/>
-            </a:endParaRPr>
-          </a:p>
-        </p:txBody>
-      </p:sp>
-      <p:pic>
-        <p:nvPicPr>
-          <p:cNvPr id="4" name="Picture 3"/>
-          <p:cNvPicPr>
-            <a:picLocks noChangeAspect="1"/>
-          </p:cNvPicPr>
-          <p:nvPr/>
-        </p:nvPicPr>
-        <p:blipFill>
-          <a:blip r:embed="rId3"/>
-          <a:stretch>
-            <a:fillRect/>
-          </a:stretch>
-        </p:blipFill>
-        <p:spPr>
-          <a:xfrm>
-            <a:off x="1524000" y="2819400"/>
-            <a:ext cx="3642051" cy="2598995"/>
-          </a:xfrm>
-          <a:prstGeom prst="rect">
-            <a:avLst/>
-          </a:prstGeom>
-        </p:spPr>
-      </p:pic>
+        </p:txBody>
+      </p:sp>
     </p:spTree>
     <p:extLst>
       <p:ext uri="{BB962C8B-B14F-4D97-AF65-F5344CB8AC3E}">
-        <p14:creationId xmlns:p14="http://schemas.microsoft.com/office/powerpoint/2010/main" val="3899661638"/>
+        <p14:creationId xmlns:p14="http://schemas.microsoft.com/office/powerpoint/2010/main" val="2406531876"/>
       </p:ext>
     </p:extLst>
   </p:cSld>
@@ -4701,85 +4650,6 @@
           </a:fontRef>
         </p:style>
       </p:cxnSp>
-      <p:sp>
-        <p:nvSpPr>
-          <p:cNvPr id="13" name="TextBox 12"/>
-          <p:cNvSpPr txBox="1"/>
-          <p:nvPr/>
-        </p:nvSpPr>
-        <p:spPr>
-          <a:xfrm>
-            <a:off x="1386291" y="224135"/>
-            <a:ext cx="7315200" cy="553998"/>
-          </a:xfrm>
-          <a:prstGeom prst="rect">
-            <a:avLst/>
-          </a:prstGeom>
-          <a:noFill/>
-        </p:spPr>
-        <p:txBody>
-          <a:bodyPr wrap="square" rtlCol="0">
-            <a:spAutoFit/>
-          </a:bodyPr>
-          <a:lstStyle/>
-          <a:p>
-            <a:pPr algn="ctr"/>
-            <a:r>
-              <a:rPr lang="tr-TR" sz="3000" dirty="0" err="1" smtClean="0">
-                <a:latin typeface="Times New Roman" panose="02020603050405020304" pitchFamily="18" charset="0"/>
-                <a:cs typeface="Times New Roman" panose="02020603050405020304" pitchFamily="18" charset="0"/>
-              </a:rPr>
-              <a:t>Gallium</a:t>
-            </a:r>
-            <a:r>
-              <a:rPr lang="tr-TR" sz="3000" dirty="0" smtClean="0">
-                <a:latin typeface="Times New Roman" panose="02020603050405020304" pitchFamily="18" charset="0"/>
-                <a:cs typeface="Times New Roman" panose="02020603050405020304" pitchFamily="18" charset="0"/>
-              </a:rPr>
-              <a:t> </a:t>
-            </a:r>
-            <a:r>
-              <a:rPr lang="tr-TR" sz="3000" dirty="0" err="1" smtClean="0">
-                <a:latin typeface="Times New Roman" panose="02020603050405020304" pitchFamily="18" charset="0"/>
-                <a:cs typeface="Times New Roman" panose="02020603050405020304" pitchFamily="18" charset="0"/>
-              </a:rPr>
-              <a:t>Nitride</a:t>
-            </a:r>
-            <a:r>
-              <a:rPr lang="tr-TR" sz="3000" dirty="0" smtClean="0">
-                <a:latin typeface="Times New Roman" panose="02020603050405020304" pitchFamily="18" charset="0"/>
-                <a:cs typeface="Times New Roman" panose="02020603050405020304" pitchFamily="18" charset="0"/>
-              </a:rPr>
-              <a:t> (GaN) </a:t>
-            </a:r>
-            <a:r>
-              <a:rPr lang="tr-TR" sz="3000" dirty="0" err="1" smtClean="0">
-                <a:latin typeface="Times New Roman" panose="02020603050405020304" pitchFamily="18" charset="0"/>
-                <a:cs typeface="Times New Roman" panose="02020603050405020304" pitchFamily="18" charset="0"/>
-              </a:rPr>
-              <a:t>Power</a:t>
-            </a:r>
-            <a:r>
-              <a:rPr lang="tr-TR" sz="3000" dirty="0" smtClean="0">
-                <a:latin typeface="Times New Roman" panose="02020603050405020304" pitchFamily="18" charset="0"/>
-                <a:cs typeface="Times New Roman" panose="02020603050405020304" pitchFamily="18" charset="0"/>
-              </a:rPr>
-              <a:t> </a:t>
-            </a:r>
-            <a:r>
-              <a:rPr lang="tr-TR" sz="3000" dirty="0" err="1" smtClean="0">
-                <a:latin typeface="Times New Roman" panose="02020603050405020304" pitchFamily="18" charset="0"/>
-                <a:cs typeface="Times New Roman" panose="02020603050405020304" pitchFamily="18" charset="0"/>
-              </a:rPr>
-              <a:t>Semiconductors</a:t>
-            </a:r>
-            <a:endParaRPr lang="tr-TR" sz="3000" dirty="0">
-              <a:latin typeface="Times New Roman" panose="02020603050405020304" pitchFamily="18" charset="0"/>
-              <a:cs typeface="Times New Roman" panose="02020603050405020304" pitchFamily="18" charset="0"/>
-            </a:endParaRPr>
-          </a:p>
-        </p:txBody>
-      </p:sp>
       <p:cxnSp>
         <p:nvCxnSpPr>
           <p:cNvPr id="15" name="Straight Connector 14"/>
@@ -4880,39 +4750,9 @@
           </a:extLst>
         </p:spPr>
       </p:pic>
-      <p:pic>
-        <p:nvPicPr>
-          <p:cNvPr id="12" name="Picture 11"/>
-          <p:cNvPicPr>
-            <a:picLocks noChangeAspect="1"/>
-          </p:cNvPicPr>
-          <p:nvPr/>
-        </p:nvPicPr>
-        <p:blipFill>
-          <a:blip r:embed="rId3">
-            <a:extLst>
-              <a:ext uri="{28A0092B-C50C-407E-A947-70E740481C1C}">
-                <a14:useLocalDpi xmlns:a14="http://schemas.microsoft.com/office/drawing/2010/main" val="0"/>
-              </a:ext>
-            </a:extLst>
-          </a:blip>
-          <a:stretch>
-            <a:fillRect/>
-          </a:stretch>
-        </p:blipFill>
-        <p:spPr>
-          <a:xfrm>
-            <a:off x="4648200" y="3502854"/>
-            <a:ext cx="3124200" cy="2759711"/>
-          </a:xfrm>
-          <a:prstGeom prst="rect">
-            <a:avLst/>
-          </a:prstGeom>
-        </p:spPr>
-      </p:pic>
-      <p:sp>
-        <p:nvSpPr>
-          <p:cNvPr id="16" name="Text Box 9"/>
+      <p:sp>
+        <p:nvSpPr>
+          <p:cNvPr id="18" name="Text Box 9"/>
           <p:cNvSpPr txBox="1">
             <a:spLocks noChangeArrowheads="1"/>
           </p:cNvSpPr>
@@ -4920,8 +4760,8 @@
         </p:nvSpPr>
         <p:spPr bwMode="auto">
           <a:xfrm>
-            <a:off x="1386291" y="1267818"/>
-            <a:ext cx="5014509" cy="2400657"/>
+            <a:off x="1189918" y="1143000"/>
+            <a:ext cx="4267907" cy="707886"/>
           </a:xfrm>
           <a:prstGeom prst="rect">
             <a:avLst/>
@@ -4941,95 +4781,183 @@
           </a:bodyPr>
           <a:lstStyle/>
           <a:p>
-            <a:pPr marL="457200" indent="-457200">
-              <a:lnSpc>
-                <a:spcPct val="150000"/>
-              </a:lnSpc>
-              <a:buFont typeface="Courier New" panose="02070309020205020404" pitchFamily="49" charset="0"/>
-              <a:buChar char="o"/>
-            </a:pPr>
-            <a:r>
-              <a:rPr lang="en-US" sz="2000" dirty="0" smtClean="0">
-                <a:latin typeface="Times New Roman" panose="02020603050405020304" pitchFamily="18" charset="0"/>
-                <a:cs typeface="Times New Roman" panose="02020603050405020304" pitchFamily="18" charset="0"/>
-              </a:rPr>
-              <a:t>Parasitic components become significant</a:t>
-            </a:r>
-          </a:p>
-          <a:p>
-            <a:pPr marL="457200" indent="-457200">
-              <a:lnSpc>
-                <a:spcPct val="150000"/>
-              </a:lnSpc>
-              <a:buFont typeface="Courier New" panose="02070309020205020404" pitchFamily="49" charset="0"/>
-              <a:buChar char="o"/>
-            </a:pPr>
-            <a:r>
-              <a:rPr lang="en-US" sz="2000" dirty="0" smtClean="0">
-                <a:latin typeface="Times New Roman" panose="02020603050405020304" pitchFamily="18" charset="0"/>
-                <a:cs typeface="Times New Roman" panose="02020603050405020304" pitchFamily="18" charset="0"/>
-              </a:rPr>
-              <a:t>Careful layout design is required</a:t>
-            </a:r>
-          </a:p>
-          <a:p>
-            <a:pPr marL="457200" indent="-457200">
-              <a:lnSpc>
-                <a:spcPct val="150000"/>
-              </a:lnSpc>
-              <a:buFont typeface="Courier New" panose="02070309020205020404" pitchFamily="49" charset="0"/>
-              <a:buChar char="o"/>
-            </a:pPr>
-            <a:r>
-              <a:rPr lang="en-US" sz="2000" dirty="0" smtClean="0">
-                <a:latin typeface="Times New Roman" panose="02020603050405020304" pitchFamily="18" charset="0"/>
-                <a:cs typeface="Times New Roman" panose="02020603050405020304" pitchFamily="18" charset="0"/>
-              </a:rPr>
-              <a:t>Commercial availability</a:t>
-            </a:r>
-          </a:p>
-          <a:p>
-            <a:pPr marL="457200" indent="-457200">
-              <a:lnSpc>
-                <a:spcPct val="150000"/>
-              </a:lnSpc>
-              <a:buFont typeface="Courier New" panose="02070309020205020404" pitchFamily="49" charset="0"/>
-              <a:buChar char="o"/>
-            </a:pPr>
-            <a:r>
-              <a:rPr lang="en-US" sz="2000" dirty="0" smtClean="0">
-                <a:latin typeface="Times New Roman" panose="02020603050405020304" pitchFamily="18" charset="0"/>
-                <a:cs typeface="Times New Roman" panose="02020603050405020304" pitchFamily="18" charset="0"/>
-              </a:rPr>
-              <a:t>Low ratings</a:t>
-            </a:r>
-          </a:p>
-          <a:p>
-            <a:pPr marL="457200" indent="-457200">
-              <a:lnSpc>
-                <a:spcPct val="150000"/>
-              </a:lnSpc>
-              <a:buFont typeface="Courier New" panose="02070309020205020404" pitchFamily="49" charset="0"/>
-              <a:buChar char="o"/>
-            </a:pPr>
-            <a:r>
-              <a:rPr lang="en-US" sz="2000" dirty="0" smtClean="0">
-                <a:latin typeface="Times New Roman" panose="02020603050405020304" pitchFamily="18" charset="0"/>
-                <a:cs typeface="Times New Roman" panose="02020603050405020304" pitchFamily="18" charset="0"/>
-              </a:rPr>
-              <a:t>Reliability</a:t>
-            </a:r>
-            <a:endParaRPr lang="en-US" sz="2000" dirty="0">
+            <a:r>
+              <a:rPr lang="tr-TR" sz="2000" b="1" dirty="0" err="1" smtClean="0">
+                <a:latin typeface="Times New Roman" panose="02020603050405020304" pitchFamily="18" charset="0"/>
+                <a:cs typeface="Times New Roman" panose="02020603050405020304" pitchFamily="18" charset="0"/>
+              </a:rPr>
+              <a:t>Effect</a:t>
+            </a:r>
+            <a:r>
+              <a:rPr lang="tr-TR" sz="2000" b="1" dirty="0" smtClean="0">
+                <a:latin typeface="Times New Roman" panose="02020603050405020304" pitchFamily="18" charset="0"/>
+                <a:cs typeface="Times New Roman" panose="02020603050405020304" pitchFamily="18" charset="0"/>
+              </a:rPr>
+              <a:t> of </a:t>
+            </a:r>
+            <a:r>
+              <a:rPr lang="tr-TR" sz="2000" b="1" dirty="0" err="1" smtClean="0">
+                <a:latin typeface="Times New Roman" panose="02020603050405020304" pitchFamily="18" charset="0"/>
+                <a:cs typeface="Times New Roman" panose="02020603050405020304" pitchFamily="18" charset="0"/>
+              </a:rPr>
+              <a:t>interleaving</a:t>
+            </a:r>
+            <a:endParaRPr lang="en-US" sz="2000" b="1" dirty="0" smtClean="0">
               <a:latin typeface="Times New Roman" panose="02020603050405020304" pitchFamily="18" charset="0"/>
               <a:cs typeface="Times New Roman" panose="02020603050405020304" pitchFamily="18" charset="0"/>
             </a:endParaRPr>
           </a:p>
-        </p:txBody>
-      </p:sp>
+          <a:p>
+            <a:pPr marL="800100" lvl="1" indent="-342900">
+              <a:buFont typeface="Wingdings" panose="05000000000000000000" pitchFamily="2" charset="2"/>
+              <a:buChar char="ü"/>
+            </a:pPr>
+            <a:endParaRPr lang="en-US" sz="2000" b="1" dirty="0">
+              <a:latin typeface="Times New Roman" panose="02020603050405020304" pitchFamily="18" charset="0"/>
+              <a:cs typeface="Times New Roman" panose="02020603050405020304" pitchFamily="18" charset="0"/>
+            </a:endParaRPr>
+          </a:p>
+        </p:txBody>
+      </p:sp>
+      <p:sp>
+        <p:nvSpPr>
+          <p:cNvPr id="9" name="TextBox 8"/>
+          <p:cNvSpPr txBox="1"/>
+          <p:nvPr/>
+        </p:nvSpPr>
+        <p:spPr>
+          <a:xfrm>
+            <a:off x="1386291" y="224135"/>
+            <a:ext cx="7315200" cy="553998"/>
+          </a:xfrm>
+          <a:prstGeom prst="rect">
+            <a:avLst/>
+          </a:prstGeom>
+          <a:noFill/>
+        </p:spPr>
+        <p:txBody>
+          <a:bodyPr wrap="square" rtlCol="0">
+            <a:spAutoFit/>
+          </a:bodyPr>
+          <a:lstStyle/>
+          <a:p>
+            <a:pPr algn="ctr"/>
+            <a:r>
+              <a:rPr lang="tr-TR" sz="3000" dirty="0" smtClean="0">
+                <a:latin typeface="Times New Roman" panose="02020603050405020304" pitchFamily="18" charset="0"/>
+                <a:cs typeface="Times New Roman" panose="02020603050405020304" pitchFamily="18" charset="0"/>
+              </a:rPr>
+              <a:t>DC Link </a:t>
+            </a:r>
+            <a:r>
+              <a:rPr lang="tr-TR" sz="3000" dirty="0" err="1" smtClean="0">
+                <a:latin typeface="Times New Roman" panose="02020603050405020304" pitchFamily="18" charset="0"/>
+                <a:cs typeface="Times New Roman" panose="02020603050405020304" pitchFamily="18" charset="0"/>
+              </a:rPr>
+              <a:t>Capacitor</a:t>
+            </a:r>
+            <a:r>
+              <a:rPr lang="tr-TR" sz="3000" dirty="0" smtClean="0">
+                <a:latin typeface="Times New Roman" panose="02020603050405020304" pitchFamily="18" charset="0"/>
+                <a:cs typeface="Times New Roman" panose="02020603050405020304" pitchFamily="18" charset="0"/>
+              </a:rPr>
+              <a:t> </a:t>
+            </a:r>
+            <a:r>
+              <a:rPr lang="tr-TR" sz="3000" dirty="0" err="1" smtClean="0">
+                <a:latin typeface="Times New Roman" panose="02020603050405020304" pitchFamily="18" charset="0"/>
+                <a:cs typeface="Times New Roman" panose="02020603050405020304" pitchFamily="18" charset="0"/>
+              </a:rPr>
+              <a:t>Optimization</a:t>
+            </a:r>
+            <a:endParaRPr lang="tr-TR" sz="3000" dirty="0">
+              <a:latin typeface="Times New Roman" panose="02020603050405020304" pitchFamily="18" charset="0"/>
+              <a:cs typeface="Times New Roman" panose="02020603050405020304" pitchFamily="18" charset="0"/>
+            </a:endParaRPr>
+          </a:p>
+        </p:txBody>
+      </p:sp>
+      <p:pic>
+        <p:nvPicPr>
+          <p:cNvPr id="12" name="Picture 11"/>
+          <p:cNvPicPr>
+            <a:picLocks noChangeAspect="1"/>
+          </p:cNvPicPr>
+          <p:nvPr/>
+        </p:nvPicPr>
+        <p:blipFill>
+          <a:blip r:embed="rId3"/>
+          <a:stretch>
+            <a:fillRect/>
+          </a:stretch>
+        </p:blipFill>
+        <p:spPr>
+          <a:xfrm>
+            <a:off x="1143000" y="3507625"/>
+            <a:ext cx="4572000" cy="3274518"/>
+          </a:xfrm>
+          <a:prstGeom prst="rect">
+            <a:avLst/>
+          </a:prstGeom>
+        </p:spPr>
+      </p:pic>
+      <p:pic>
+        <p:nvPicPr>
+          <p:cNvPr id="16" name="Picture 15"/>
+          <p:cNvPicPr>
+            <a:picLocks noChangeAspect="1"/>
+          </p:cNvPicPr>
+          <p:nvPr/>
+        </p:nvPicPr>
+        <p:blipFill>
+          <a:blip r:embed="rId4"/>
+          <a:stretch>
+            <a:fillRect/>
+          </a:stretch>
+        </p:blipFill>
+        <p:spPr>
+          <a:xfrm>
+            <a:off x="5481349" y="1208176"/>
+            <a:ext cx="3682189" cy="2725242"/>
+          </a:xfrm>
+          <a:prstGeom prst="rect">
+            <a:avLst/>
+          </a:prstGeom>
+        </p:spPr>
+      </p:pic>
+      <p:pic>
+        <p:nvPicPr>
+          <p:cNvPr id="6" name="Picture 5"/>
+          <p:cNvPicPr>
+            <a:picLocks noChangeAspect="1"/>
+          </p:cNvPicPr>
+          <p:nvPr/>
+        </p:nvPicPr>
+        <p:blipFill rotWithShape="1">
+          <a:blip r:embed="rId5">
+            <a:extLst>
+              <a:ext uri="{28A0092B-C50C-407E-A947-70E740481C1C}">
+                <a14:useLocalDpi xmlns:a14="http://schemas.microsoft.com/office/drawing/2010/main" val="0"/>
+              </a:ext>
+            </a:extLst>
+          </a:blip>
+          <a:srcRect l="65856" r="991" b="37842"/>
+          <a:stretch/>
+        </p:blipFill>
+        <p:spPr>
+          <a:xfrm>
+            <a:off x="1447800" y="1649011"/>
+            <a:ext cx="1567269" cy="1741884"/>
+          </a:xfrm>
+          <a:prstGeom prst="rect">
+            <a:avLst/>
+          </a:prstGeom>
+        </p:spPr>
+      </p:pic>
     </p:spTree>
     <p:extLst>
       <p:ext uri="{BB962C8B-B14F-4D97-AF65-F5344CB8AC3E}">
-        <p14:creationId xmlns:p14="http://schemas.microsoft.com/office/powerpoint/2010/main" val="685465704"/>
+        <p14:creationId xmlns:p14="http://schemas.microsoft.com/office/powerpoint/2010/main" val="3170489505"/>
       </p:ext>
     </p:extLst>
   </p:cSld>
@@ -5162,64 +5090,6 @@
           </a:fontRef>
         </p:style>
       </p:cxnSp>
-      <p:sp>
-        <p:nvSpPr>
-          <p:cNvPr id="13" name="TextBox 12"/>
-          <p:cNvSpPr txBox="1"/>
-          <p:nvPr/>
-        </p:nvSpPr>
-        <p:spPr>
-          <a:xfrm>
-            <a:off x="1386291" y="224135"/>
-            <a:ext cx="7315200" cy="553998"/>
-          </a:xfrm>
-          <a:prstGeom prst="rect">
-            <a:avLst/>
-          </a:prstGeom>
-          <a:noFill/>
-        </p:spPr>
-        <p:txBody>
-          <a:bodyPr wrap="square" rtlCol="0">
-            <a:spAutoFit/>
-          </a:bodyPr>
-          <a:lstStyle/>
-          <a:p>
-            <a:pPr algn="ctr"/>
-            <a:r>
-              <a:rPr lang="tr-TR" sz="3000" dirty="0" smtClean="0">
-                <a:latin typeface="Times New Roman" panose="02020603050405020304" pitchFamily="18" charset="0"/>
-                <a:cs typeface="Times New Roman" panose="02020603050405020304" pitchFamily="18" charset="0"/>
-              </a:rPr>
-              <a:t>DC Link </a:t>
-            </a:r>
-            <a:r>
-              <a:rPr lang="tr-TR" sz="3000" dirty="0" err="1" smtClean="0">
-                <a:latin typeface="Times New Roman" panose="02020603050405020304" pitchFamily="18" charset="0"/>
-                <a:cs typeface="Times New Roman" panose="02020603050405020304" pitchFamily="18" charset="0"/>
-              </a:rPr>
-              <a:t>Capacitor</a:t>
-            </a:r>
-            <a:r>
-              <a:rPr lang="tr-TR" sz="3000" dirty="0" smtClean="0">
-                <a:latin typeface="Times New Roman" panose="02020603050405020304" pitchFamily="18" charset="0"/>
-                <a:cs typeface="Times New Roman" panose="02020603050405020304" pitchFamily="18" charset="0"/>
-              </a:rPr>
-              <a:t> </a:t>
-            </a:r>
-            <a:r>
-              <a:rPr lang="tr-TR" sz="3000" dirty="0" err="1" smtClean="0">
-                <a:latin typeface="Times New Roman" panose="02020603050405020304" pitchFamily="18" charset="0"/>
-                <a:cs typeface="Times New Roman" panose="02020603050405020304" pitchFamily="18" charset="0"/>
-              </a:rPr>
-              <a:t>Optimization</a:t>
-            </a:r>
-            <a:endParaRPr lang="tr-TR" sz="3000" dirty="0">
-              <a:latin typeface="Times New Roman" panose="02020603050405020304" pitchFamily="18" charset="0"/>
-              <a:cs typeface="Times New Roman" panose="02020603050405020304" pitchFamily="18" charset="0"/>
-            </a:endParaRPr>
-          </a:p>
-        </p:txBody>
-      </p:sp>
       <p:cxnSp>
         <p:nvCxnSpPr>
           <p:cNvPr id="15" name="Straight Connector 14"/>
@@ -5322,121 +5192,65 @@
       </p:pic>
       <p:sp>
         <p:nvSpPr>
-          <p:cNvPr id="16" name="Text Box 9"/>
-          <p:cNvSpPr txBox="1">
-            <a:spLocks noChangeArrowheads="1"/>
-          </p:cNvSpPr>
-          <p:nvPr/>
-        </p:nvSpPr>
-        <p:spPr bwMode="auto">
-          <a:xfrm>
-            <a:off x="1189919" y="1426345"/>
-            <a:ext cx="3305882" cy="1015663"/>
+          <p:cNvPr id="12" name="TextBox 11"/>
+          <p:cNvSpPr txBox="1"/>
+          <p:nvPr/>
+        </p:nvSpPr>
+        <p:spPr>
+          <a:xfrm>
+            <a:off x="1386291" y="224135"/>
+            <a:ext cx="7315200" cy="553998"/>
           </a:xfrm>
           <a:prstGeom prst="rect">
             <a:avLst/>
           </a:prstGeom>
           <a:noFill/>
-          <a:ln w="9525">
-            <a:noFill/>
-            <a:miter lim="800000"/>
-            <a:headEnd/>
-            <a:tailEnd/>
-          </a:ln>
-          <a:effectLst/>
-        </p:spPr>
-        <p:txBody>
-          <a:bodyPr wrap="square">
+        </p:spPr>
+        <p:txBody>
+          <a:bodyPr wrap="square" rtlCol="0">
             <a:spAutoFit/>
           </a:bodyPr>
           <a:lstStyle/>
           <a:p>
-            <a:r>
-              <a:rPr lang="en-US" sz="2000" dirty="0">
-                <a:latin typeface="Times New Roman" panose="02020603050405020304" pitchFamily="18" charset="0"/>
-                <a:cs typeface="Times New Roman" panose="02020603050405020304" pitchFamily="18" charset="0"/>
-              </a:rPr>
-              <a:t>DC link capacitors </a:t>
-            </a:r>
-            <a:r>
-              <a:rPr lang="en-US" sz="2000" dirty="0" smtClean="0">
-                <a:latin typeface="Times New Roman" panose="02020603050405020304" pitchFamily="18" charset="0"/>
-                <a:cs typeface="Times New Roman" panose="02020603050405020304" pitchFamily="18" charset="0"/>
-              </a:rPr>
-              <a:t>constitute</a:t>
-            </a:r>
-            <a:endParaRPr lang="tr-TR" sz="2000" dirty="0">
+            <a:pPr algn="ctr"/>
+            <a:r>
+              <a:rPr lang="tr-TR" sz="3000" dirty="0" smtClean="0">
+                <a:latin typeface="Times New Roman" panose="02020603050405020304" pitchFamily="18" charset="0"/>
+                <a:cs typeface="Times New Roman" panose="02020603050405020304" pitchFamily="18" charset="0"/>
+              </a:rPr>
+              <a:t>DC Link </a:t>
+            </a:r>
+            <a:r>
+              <a:rPr lang="tr-TR" sz="3000" dirty="0" err="1" smtClean="0">
+                <a:latin typeface="Times New Roman" panose="02020603050405020304" pitchFamily="18" charset="0"/>
+                <a:cs typeface="Times New Roman" panose="02020603050405020304" pitchFamily="18" charset="0"/>
+              </a:rPr>
+              <a:t>Capacitor</a:t>
+            </a:r>
+            <a:r>
+              <a:rPr lang="tr-TR" sz="3000" dirty="0" smtClean="0">
+                <a:latin typeface="Times New Roman" panose="02020603050405020304" pitchFamily="18" charset="0"/>
+                <a:cs typeface="Times New Roman" panose="02020603050405020304" pitchFamily="18" charset="0"/>
+              </a:rPr>
+              <a:t> </a:t>
+            </a:r>
+            <a:r>
+              <a:rPr lang="tr-TR" sz="3000" dirty="0" err="1" smtClean="0">
+                <a:latin typeface="Times New Roman" panose="02020603050405020304" pitchFamily="18" charset="0"/>
+                <a:cs typeface="Times New Roman" panose="02020603050405020304" pitchFamily="18" charset="0"/>
+              </a:rPr>
+              <a:t>Optimization</a:t>
+            </a:r>
+            <a:endParaRPr lang="tr-TR" sz="3000" dirty="0">
               <a:latin typeface="Times New Roman" panose="02020603050405020304" pitchFamily="18" charset="0"/>
               <a:cs typeface="Times New Roman" panose="02020603050405020304" pitchFamily="18" charset="0"/>
             </a:endParaRPr>
           </a:p>
-          <a:p>
-            <a:pPr marL="457200" indent="-457200">
-              <a:buFont typeface="Arial" panose="020B0604020202020204" pitchFamily="34" charset="0"/>
-              <a:buChar char="•"/>
-            </a:pPr>
-            <a:r>
-              <a:rPr lang="en-US" sz="2000" dirty="0">
-                <a:latin typeface="Times New Roman" panose="02020603050405020304" pitchFamily="18" charset="0"/>
-                <a:cs typeface="Times New Roman" panose="02020603050405020304" pitchFamily="18" charset="0"/>
-              </a:rPr>
-              <a:t>20% of </a:t>
-            </a:r>
-            <a:r>
-              <a:rPr lang="en-US" sz="2000" b="1" dirty="0">
-                <a:latin typeface="Times New Roman" panose="02020603050405020304" pitchFamily="18" charset="0"/>
-                <a:cs typeface="Times New Roman" panose="02020603050405020304" pitchFamily="18" charset="0"/>
-              </a:rPr>
-              <a:t>cost</a:t>
-            </a:r>
-            <a:r>
-              <a:rPr lang="en-US" sz="2000" dirty="0">
-                <a:latin typeface="Times New Roman" panose="02020603050405020304" pitchFamily="18" charset="0"/>
-                <a:cs typeface="Times New Roman" panose="02020603050405020304" pitchFamily="18" charset="0"/>
-              </a:rPr>
-              <a:t> and </a:t>
-            </a:r>
-            <a:r>
-              <a:rPr lang="en-US" sz="2000" b="1" dirty="0" smtClean="0">
-                <a:latin typeface="Times New Roman" panose="02020603050405020304" pitchFamily="18" charset="0"/>
-                <a:cs typeface="Times New Roman" panose="02020603050405020304" pitchFamily="18" charset="0"/>
-              </a:rPr>
-              <a:t>weight</a:t>
-            </a:r>
-            <a:endParaRPr lang="tr-TR" sz="2000" dirty="0">
-              <a:latin typeface="Times New Roman" panose="02020603050405020304" pitchFamily="18" charset="0"/>
-              <a:cs typeface="Times New Roman" panose="02020603050405020304" pitchFamily="18" charset="0"/>
-            </a:endParaRPr>
-          </a:p>
-          <a:p>
-            <a:pPr marL="457200" indent="-457200">
-              <a:buFont typeface="Arial" panose="020B0604020202020204" pitchFamily="34" charset="0"/>
-              <a:buChar char="•"/>
-            </a:pPr>
-            <a:r>
-              <a:rPr lang="en-US" sz="2000" dirty="0">
-                <a:latin typeface="Times New Roman" panose="02020603050405020304" pitchFamily="18" charset="0"/>
-                <a:cs typeface="Times New Roman" panose="02020603050405020304" pitchFamily="18" charset="0"/>
-              </a:rPr>
-              <a:t>30% of </a:t>
-            </a:r>
-            <a:r>
-              <a:rPr lang="en-US" sz="2000" b="1" dirty="0" smtClean="0">
-                <a:latin typeface="Times New Roman" panose="02020603050405020304" pitchFamily="18" charset="0"/>
-                <a:cs typeface="Times New Roman" panose="02020603050405020304" pitchFamily="18" charset="0"/>
-              </a:rPr>
-              <a:t>volume</a:t>
-            </a:r>
-            <a:endParaRPr lang="en-US" sz="2000" b="1" dirty="0">
-              <a:latin typeface="Times New Roman" panose="02020603050405020304" pitchFamily="18" charset="0"/>
-              <a:cs typeface="Times New Roman" panose="02020603050405020304" pitchFamily="18" charset="0"/>
-            </a:endParaRPr>
-          </a:p>
         </p:txBody>
       </p:sp>
       <p:pic>
         <p:nvPicPr>
-          <p:cNvPr id="17" name="Picture 16"/>
+          <p:cNvPr id="19" name="Picture 18"/>
           <p:cNvPicPr>
             <a:picLocks noChangeAspect="1"/>
           </p:cNvPicPr>
@@ -5450,482 +5264,47 @@
         </p:blipFill>
         <p:spPr>
           <a:xfrm>
-            <a:off x="4495801" y="1102016"/>
-            <a:ext cx="4419600" cy="1771335"/>
+            <a:off x="1241194" y="1225916"/>
+            <a:ext cx="5478396" cy="5289550"/>
           </a:xfrm>
           <a:prstGeom prst="rect">
             <a:avLst/>
           </a:prstGeom>
         </p:spPr>
       </p:pic>
-      <p:sp>
-        <p:nvSpPr>
-          <p:cNvPr id="19" name="Text Box 9"/>
-          <p:cNvSpPr txBox="1">
-            <a:spLocks noChangeArrowheads="1"/>
-          </p:cNvSpPr>
-          <p:nvPr/>
-        </p:nvSpPr>
-        <p:spPr bwMode="auto">
-          <a:xfrm>
-            <a:off x="1288105" y="3125605"/>
-            <a:ext cx="3109509" cy="400110"/>
-          </a:xfrm>
-          <a:prstGeom prst="rect">
-            <a:avLst/>
-          </a:prstGeom>
-          <a:noFill/>
-          <a:ln w="9525">
-            <a:noFill/>
-            <a:miter lim="800000"/>
-            <a:headEnd/>
-            <a:tailEnd/>
-          </a:ln>
-          <a:effectLst/>
-        </p:spPr>
-        <p:txBody>
-          <a:bodyPr wrap="square">
-            <a:spAutoFit/>
-          </a:bodyPr>
-          <a:lstStyle/>
-          <a:p>
-            <a:pPr algn="ctr"/>
-            <a:r>
-              <a:rPr lang="en-US" sz="2000" b="1" dirty="0" smtClean="0">
-                <a:latin typeface="Times New Roman" panose="02020603050405020304" pitchFamily="18" charset="0"/>
-                <a:cs typeface="Times New Roman" panose="02020603050405020304" pitchFamily="18" charset="0"/>
-              </a:rPr>
-              <a:t>DC Link capacitor types</a:t>
-            </a:r>
-          </a:p>
-        </p:txBody>
-      </p:sp>
-      <p:sp>
-        <p:nvSpPr>
-          <p:cNvPr id="20" name="Text Box 9"/>
-          <p:cNvSpPr txBox="1">
-            <a:spLocks noChangeArrowheads="1"/>
-          </p:cNvSpPr>
-          <p:nvPr/>
-        </p:nvSpPr>
-        <p:spPr bwMode="auto">
-          <a:xfrm>
-            <a:off x="1089777" y="3562290"/>
-            <a:ext cx="1577223" cy="784830"/>
-          </a:xfrm>
-          <a:prstGeom prst="rect">
-            <a:avLst/>
-          </a:prstGeom>
-          <a:noFill/>
-          <a:ln w="9525">
-            <a:noFill/>
-            <a:miter lim="800000"/>
-            <a:headEnd/>
-            <a:tailEnd/>
-          </a:ln>
-          <a:effectLst/>
-        </p:spPr>
-        <p:txBody>
-          <a:bodyPr wrap="square">
-            <a:spAutoFit/>
-          </a:bodyPr>
-          <a:lstStyle/>
-          <a:p>
-            <a:pPr>
-              <a:spcAft>
-                <a:spcPts val="600"/>
-              </a:spcAft>
-            </a:pPr>
-            <a:r>
-              <a:rPr lang="tr-TR" sz="2000" dirty="0" smtClean="0">
-                <a:latin typeface="Times New Roman" panose="02020603050405020304" pitchFamily="18" charset="0"/>
-                <a:cs typeface="Times New Roman" panose="02020603050405020304" pitchFamily="18" charset="0"/>
-              </a:rPr>
-              <a:t>E</a:t>
-            </a:r>
-            <a:r>
-              <a:rPr lang="en-US" sz="2000" dirty="0" err="1" smtClean="0">
-                <a:latin typeface="Times New Roman" panose="02020603050405020304" pitchFamily="18" charset="0"/>
-                <a:cs typeface="Times New Roman" panose="02020603050405020304" pitchFamily="18" charset="0"/>
-              </a:rPr>
-              <a:t>lectrolytic</a:t>
-            </a:r>
-            <a:endParaRPr lang="en-US" sz="2000" dirty="0" smtClean="0">
-              <a:latin typeface="Times New Roman" panose="02020603050405020304" pitchFamily="18" charset="0"/>
-              <a:cs typeface="Times New Roman" panose="02020603050405020304" pitchFamily="18" charset="0"/>
-            </a:endParaRPr>
-          </a:p>
-          <a:p>
-            <a:pPr>
-              <a:spcAft>
-                <a:spcPts val="600"/>
-              </a:spcAft>
-            </a:pPr>
-            <a:endParaRPr lang="tr-TR" sz="2000" dirty="0" smtClean="0">
-              <a:latin typeface="Times New Roman" panose="02020603050405020304" pitchFamily="18" charset="0"/>
-              <a:cs typeface="Times New Roman" panose="02020603050405020304" pitchFamily="18" charset="0"/>
-            </a:endParaRPr>
-          </a:p>
-        </p:txBody>
-      </p:sp>
-      <p:sp>
-        <p:nvSpPr>
-          <p:cNvPr id="21" name="Text Box 9"/>
-          <p:cNvSpPr txBox="1">
-            <a:spLocks noChangeArrowheads="1"/>
-          </p:cNvSpPr>
-          <p:nvPr/>
-        </p:nvSpPr>
-        <p:spPr bwMode="auto">
-          <a:xfrm>
-            <a:off x="5244299" y="3562290"/>
-            <a:ext cx="3109509" cy="400110"/>
-          </a:xfrm>
-          <a:prstGeom prst="rect">
-            <a:avLst/>
-          </a:prstGeom>
-          <a:noFill/>
-          <a:ln w="9525">
-            <a:noFill/>
-            <a:miter lim="800000"/>
-            <a:headEnd/>
-            <a:tailEnd/>
-          </a:ln>
-          <a:effectLst/>
-        </p:spPr>
-        <p:txBody>
-          <a:bodyPr wrap="square">
-            <a:spAutoFit/>
-          </a:bodyPr>
-          <a:lstStyle/>
-          <a:p>
-            <a:pPr algn="ctr"/>
-            <a:r>
-              <a:rPr lang="en-US" sz="2000" b="1" dirty="0" smtClean="0">
-                <a:latin typeface="Times New Roman" panose="02020603050405020304" pitchFamily="18" charset="0"/>
-                <a:cs typeface="Times New Roman" panose="02020603050405020304" pitchFamily="18" charset="0"/>
-              </a:rPr>
-              <a:t>Critical parameters</a:t>
-            </a:r>
-          </a:p>
-        </p:txBody>
-      </p:sp>
-      <p:sp>
-        <p:nvSpPr>
-          <p:cNvPr id="22" name="Text Box 9"/>
-          <p:cNvSpPr txBox="1">
-            <a:spLocks noChangeArrowheads="1"/>
-          </p:cNvSpPr>
-          <p:nvPr/>
-        </p:nvSpPr>
-        <p:spPr bwMode="auto">
-          <a:xfrm>
-            <a:off x="5103446" y="3962400"/>
-            <a:ext cx="3913528" cy="2323713"/>
-          </a:xfrm>
-          <a:prstGeom prst="rect">
-            <a:avLst/>
-          </a:prstGeom>
-          <a:noFill/>
-          <a:ln w="9525">
-            <a:noFill/>
-            <a:miter lim="800000"/>
-            <a:headEnd/>
-            <a:tailEnd/>
-          </a:ln>
-          <a:effectLst/>
-        </p:spPr>
-        <p:txBody>
-          <a:bodyPr wrap="square">
-            <a:spAutoFit/>
-          </a:bodyPr>
-          <a:lstStyle/>
-          <a:p>
-            <a:pPr>
-              <a:spcAft>
-                <a:spcPts val="600"/>
-              </a:spcAft>
-            </a:pPr>
-            <a:r>
-              <a:rPr lang="en-US" sz="2000" dirty="0" smtClean="0">
-                <a:latin typeface="Times New Roman" panose="02020603050405020304" pitchFamily="18" charset="0"/>
-                <a:cs typeface="Times New Roman" panose="02020603050405020304" pitchFamily="18" charset="0"/>
-              </a:rPr>
-              <a:t>Capacitance per volume</a:t>
-            </a:r>
-          </a:p>
-          <a:p>
-            <a:pPr>
-              <a:spcAft>
-                <a:spcPts val="600"/>
-              </a:spcAft>
-            </a:pPr>
-            <a:r>
-              <a:rPr lang="en-US" sz="2000" dirty="0" smtClean="0">
-                <a:latin typeface="Times New Roman" panose="02020603050405020304" pitchFamily="18" charset="0"/>
-                <a:cs typeface="Times New Roman" panose="02020603050405020304" pitchFamily="18" charset="0"/>
-              </a:rPr>
-              <a:t>RMS current per volume</a:t>
-            </a:r>
-          </a:p>
-          <a:p>
-            <a:pPr>
-              <a:spcAft>
-                <a:spcPts val="600"/>
-              </a:spcAft>
-            </a:pPr>
-            <a:r>
-              <a:rPr lang="en-US" sz="2000" dirty="0" smtClean="0">
-                <a:latin typeface="Times New Roman" panose="02020603050405020304" pitchFamily="18" charset="0"/>
-                <a:cs typeface="Times New Roman" panose="02020603050405020304" pitchFamily="18" charset="0"/>
-              </a:rPr>
-              <a:t>Cost</a:t>
-            </a:r>
-          </a:p>
-          <a:p>
-            <a:pPr>
-              <a:spcAft>
-                <a:spcPts val="600"/>
-              </a:spcAft>
-            </a:pPr>
-            <a:r>
-              <a:rPr lang="en-US" sz="2000" dirty="0" smtClean="0">
-                <a:latin typeface="Times New Roman" panose="02020603050405020304" pitchFamily="18" charset="0"/>
-                <a:cs typeface="Times New Roman" panose="02020603050405020304" pitchFamily="18" charset="0"/>
-              </a:rPr>
-              <a:t>ESL &amp; ESR</a:t>
-            </a:r>
-          </a:p>
-          <a:p>
-            <a:pPr>
-              <a:spcAft>
-                <a:spcPts val="600"/>
-              </a:spcAft>
-            </a:pPr>
-            <a:r>
-              <a:rPr lang="en-US" sz="2000" dirty="0" smtClean="0">
-                <a:latin typeface="Times New Roman" panose="02020603050405020304" pitchFamily="18" charset="0"/>
-                <a:cs typeface="Times New Roman" panose="02020603050405020304" pitchFamily="18" charset="0"/>
-              </a:rPr>
-              <a:t>Reliability &amp; lifetime</a:t>
-            </a:r>
-          </a:p>
-          <a:p>
-            <a:pPr>
-              <a:spcAft>
-                <a:spcPts val="600"/>
-              </a:spcAft>
-            </a:pPr>
-            <a:r>
-              <a:rPr lang="en-US" sz="2000" dirty="0" smtClean="0">
-                <a:latin typeface="Times New Roman" panose="02020603050405020304" pitchFamily="18" charset="0"/>
-                <a:cs typeface="Times New Roman" panose="02020603050405020304" pitchFamily="18" charset="0"/>
-              </a:rPr>
-              <a:t>Mechanical durability</a:t>
-            </a:r>
-          </a:p>
-        </p:txBody>
-      </p:sp>
       <p:pic>
         <p:nvPicPr>
-          <p:cNvPr id="5" name="Picture 4"/>
+          <p:cNvPr id="20" name="Picture 19"/>
           <p:cNvPicPr>
             <a:picLocks noChangeAspect="1"/>
           </p:cNvPicPr>
           <p:nvPr/>
         </p:nvPicPr>
         <p:blipFill>
-          <a:blip r:embed="rId4">
-            <a:extLst>
-              <a:ext uri="{28A0092B-C50C-407E-A947-70E740481C1C}">
-                <a14:useLocalDpi xmlns:a14="http://schemas.microsoft.com/office/drawing/2010/main" val="0"/>
-              </a:ext>
-            </a:extLst>
-          </a:blip>
+          <a:blip r:embed="rId4"/>
           <a:stretch>
             <a:fillRect/>
           </a:stretch>
         </p:blipFill>
         <p:spPr>
           <a:xfrm>
-            <a:off x="1221531" y="3992675"/>
-            <a:ext cx="1088194" cy="1133535"/>
-          </a:xfrm>
-          <a:prstGeom prst="rect">
-            <a:avLst/>
-          </a:prstGeom>
+            <a:off x="6172200" y="5131095"/>
+            <a:ext cx="2855296" cy="1114387"/>
+          </a:xfrm>
+          <a:prstGeom prst="rect">
+            <a:avLst/>
+          </a:prstGeom>
+          <a:ln w="12700">
+            <a:solidFill>
+              <a:schemeClr val="tx1"/>
+            </a:solidFill>
+          </a:ln>
         </p:spPr>
       </p:pic>
-      <p:pic>
-        <p:nvPicPr>
-          <p:cNvPr id="6" name="Picture 5"/>
-          <p:cNvPicPr>
-            <a:picLocks noChangeAspect="1"/>
-          </p:cNvPicPr>
-          <p:nvPr/>
-        </p:nvPicPr>
-        <p:blipFill>
-          <a:blip r:embed="rId5">
-            <a:extLst>
-              <a:ext uri="{28A0092B-C50C-407E-A947-70E740481C1C}">
-                <a14:useLocalDpi xmlns:a14="http://schemas.microsoft.com/office/drawing/2010/main" val="0"/>
-              </a:ext>
-            </a:extLst>
-          </a:blip>
-          <a:stretch>
-            <a:fillRect/>
-          </a:stretch>
-        </p:blipFill>
-        <p:spPr>
-          <a:xfrm>
-            <a:off x="2891461" y="3992557"/>
-            <a:ext cx="1299539" cy="1167941"/>
-          </a:xfrm>
-          <a:prstGeom prst="rect">
-            <a:avLst/>
-          </a:prstGeom>
-        </p:spPr>
-      </p:pic>
-      <p:sp>
-        <p:nvSpPr>
-          <p:cNvPr id="23" name="Text Box 9"/>
-          <p:cNvSpPr txBox="1">
-            <a:spLocks noChangeArrowheads="1"/>
-          </p:cNvSpPr>
-          <p:nvPr/>
-        </p:nvSpPr>
-        <p:spPr bwMode="auto">
-          <a:xfrm>
-            <a:off x="2891461" y="3577369"/>
-            <a:ext cx="1756739" cy="400110"/>
-          </a:xfrm>
-          <a:prstGeom prst="rect">
-            <a:avLst/>
-          </a:prstGeom>
-          <a:noFill/>
-          <a:ln w="9525">
-            <a:noFill/>
-            <a:miter lim="800000"/>
-            <a:headEnd/>
-            <a:tailEnd/>
-          </a:ln>
-          <a:effectLst/>
-        </p:spPr>
-        <p:txBody>
-          <a:bodyPr wrap="square">
-            <a:spAutoFit/>
-          </a:bodyPr>
-          <a:lstStyle/>
-          <a:p>
-            <a:pPr>
-              <a:spcAft>
-                <a:spcPts val="600"/>
-              </a:spcAft>
-            </a:pPr>
-            <a:r>
-              <a:rPr lang="en-US" sz="2000" dirty="0" smtClean="0">
-                <a:latin typeface="Times New Roman" panose="02020603050405020304" pitchFamily="18" charset="0"/>
-                <a:cs typeface="Times New Roman" panose="02020603050405020304" pitchFamily="18" charset="0"/>
-              </a:rPr>
-              <a:t>Metal Film</a:t>
-            </a:r>
-          </a:p>
-        </p:txBody>
-      </p:sp>
-      <p:pic>
-        <p:nvPicPr>
-          <p:cNvPr id="7" name="Picture 6"/>
-          <p:cNvPicPr>
-            <a:picLocks noChangeAspect="1"/>
-          </p:cNvPicPr>
-          <p:nvPr/>
-        </p:nvPicPr>
-        <p:blipFill>
-          <a:blip r:embed="rId6">
-            <a:extLst>
-              <a:ext uri="{28A0092B-C50C-407E-A947-70E740481C1C}">
-                <a14:useLocalDpi xmlns:a14="http://schemas.microsoft.com/office/drawing/2010/main" val="0"/>
-              </a:ext>
-            </a:extLst>
-          </a:blip>
-          <a:stretch>
-            <a:fillRect/>
-          </a:stretch>
-        </p:blipFill>
-        <p:spPr>
-          <a:xfrm>
-            <a:off x="1942122" y="5852608"/>
-            <a:ext cx="1486877" cy="911812"/>
-          </a:xfrm>
-          <a:prstGeom prst="rect">
-            <a:avLst/>
-          </a:prstGeom>
-        </p:spPr>
-      </p:pic>
-      <p:sp>
-        <p:nvSpPr>
-          <p:cNvPr id="24" name="Text Box 9"/>
-          <p:cNvSpPr txBox="1">
-            <a:spLocks noChangeArrowheads="1"/>
-          </p:cNvSpPr>
-          <p:nvPr/>
-        </p:nvSpPr>
-        <p:spPr bwMode="auto">
-          <a:xfrm>
-            <a:off x="1221531" y="5302102"/>
-            <a:ext cx="3305883" cy="400110"/>
-          </a:xfrm>
-          <a:prstGeom prst="rect">
-            <a:avLst/>
-          </a:prstGeom>
-          <a:noFill/>
-          <a:ln w="9525">
-            <a:noFill/>
-            <a:miter lim="800000"/>
-            <a:headEnd/>
-            <a:tailEnd/>
-          </a:ln>
-          <a:effectLst/>
-        </p:spPr>
-        <p:txBody>
-          <a:bodyPr wrap="square">
-            <a:spAutoFit/>
-          </a:bodyPr>
-          <a:lstStyle/>
-          <a:p>
-            <a:pPr>
-              <a:spcAft>
-                <a:spcPts val="600"/>
-              </a:spcAft>
-            </a:pPr>
-            <a:r>
-              <a:rPr lang="en-US" sz="2000" dirty="0" smtClean="0">
-                <a:latin typeface="Times New Roman" panose="02020603050405020304" pitchFamily="18" charset="0"/>
-                <a:cs typeface="Times New Roman" panose="02020603050405020304" pitchFamily="18" charset="0"/>
-              </a:rPr>
-              <a:t>Multi</a:t>
-            </a:r>
-            <a:r>
-              <a:rPr lang="tr-TR" sz="2000" dirty="0" smtClean="0">
-                <a:latin typeface="Times New Roman" panose="02020603050405020304" pitchFamily="18" charset="0"/>
-                <a:cs typeface="Times New Roman" panose="02020603050405020304" pitchFamily="18" charset="0"/>
-              </a:rPr>
-              <a:t>-</a:t>
-            </a:r>
-            <a:r>
-              <a:rPr lang="en-US" sz="2000" dirty="0" smtClean="0">
-                <a:latin typeface="Times New Roman" panose="02020603050405020304" pitchFamily="18" charset="0"/>
-                <a:cs typeface="Times New Roman" panose="02020603050405020304" pitchFamily="18" charset="0"/>
-              </a:rPr>
-              <a:t>layer ceramic (MLCC)</a:t>
-            </a:r>
-          </a:p>
-        </p:txBody>
-      </p:sp>
     </p:spTree>
     <p:extLst>
       <p:ext uri="{BB962C8B-B14F-4D97-AF65-F5344CB8AC3E}">
-        <p14:creationId xmlns:p14="http://schemas.microsoft.com/office/powerpoint/2010/main" val="2100869910"/>
+        <p14:creationId xmlns:p14="http://schemas.microsoft.com/office/powerpoint/2010/main" val="3946266199"/>
       </p:ext>
     </p:extLst>
   </p:cSld>
@@ -6182,13 +5561,34 @@
           <a:p>
             <a:pPr algn="ctr"/>
             <a:r>
-              <a:rPr lang="en-US" sz="3000" dirty="0" smtClean="0">
-                <a:latin typeface="Times New Roman" panose="02020603050405020304" pitchFamily="18" charset="0"/>
-                <a:cs typeface="Times New Roman" panose="02020603050405020304" pitchFamily="18" charset="0"/>
-              </a:rPr>
-              <a:t>DC Link Capacitor Optimization</a:t>
-            </a:r>
-            <a:endParaRPr lang="en-US" sz="3000" dirty="0">
+              <a:rPr lang="tr-TR" sz="3000" dirty="0" smtClean="0">
+                <a:latin typeface="Times New Roman" panose="02020603050405020304" pitchFamily="18" charset="0"/>
+                <a:cs typeface="Times New Roman" panose="02020603050405020304" pitchFamily="18" charset="0"/>
+              </a:rPr>
+              <a:t>DC Link </a:t>
+            </a:r>
+            <a:r>
+              <a:rPr lang="tr-TR" sz="3000" dirty="0" err="1" smtClean="0">
+                <a:latin typeface="Times New Roman" panose="02020603050405020304" pitchFamily="18" charset="0"/>
+                <a:cs typeface="Times New Roman" panose="02020603050405020304" pitchFamily="18" charset="0"/>
+              </a:rPr>
+              <a:t>Capacitor</a:t>
+            </a:r>
+            <a:r>
+              <a:rPr lang="tr-TR" sz="3000" dirty="0" smtClean="0">
+                <a:latin typeface="Times New Roman" panose="02020603050405020304" pitchFamily="18" charset="0"/>
+                <a:cs typeface="Times New Roman" panose="02020603050405020304" pitchFamily="18" charset="0"/>
+              </a:rPr>
+              <a:t> </a:t>
+            </a:r>
+            <a:r>
+              <a:rPr lang="tr-TR" sz="3000" dirty="0" err="1" smtClean="0">
+                <a:latin typeface="Times New Roman" panose="02020603050405020304" pitchFamily="18" charset="0"/>
+                <a:cs typeface="Times New Roman" panose="02020603050405020304" pitchFamily="18" charset="0"/>
+              </a:rPr>
+              <a:t>Optimization</a:t>
+            </a:r>
+            <a:endParaRPr lang="tr-TR" sz="3000" dirty="0">
               <a:latin typeface="Times New Roman" panose="02020603050405020304" pitchFamily="18" charset="0"/>
               <a:cs typeface="Times New Roman" panose="02020603050405020304" pitchFamily="18" charset="0"/>
             </a:endParaRPr>
@@ -6197,7 +5597,7 @@
       </p:sp>
       <p:pic>
         <p:nvPicPr>
-          <p:cNvPr id="3" name="Picture 2"/>
+          <p:cNvPr id="4" name="Picture 3"/>
           <p:cNvPicPr>
             <a:picLocks noChangeAspect="1"/>
           </p:cNvPicPr>
@@ -6211,8 +5611,8 @@
         </p:blipFill>
         <p:spPr>
           <a:xfrm>
-            <a:off x="6044657" y="1520035"/>
-            <a:ext cx="2242093" cy="613565"/>
+            <a:off x="1397131" y="1285155"/>
+            <a:ext cx="2928749" cy="2338387"/>
           </a:xfrm>
           <a:prstGeom prst="rect">
             <a:avLst/>
@@ -6221,7 +5621,7 @@
       </p:pic>
       <p:pic>
         <p:nvPicPr>
-          <p:cNvPr id="4" name="Picture 3"/>
+          <p:cNvPr id="5" name="Picture 4"/>
           <p:cNvPicPr>
             <a:picLocks noChangeAspect="1"/>
           </p:cNvPicPr>
@@ -6235,8 +5635,8 @@
         </p:blipFill>
         <p:spPr>
           <a:xfrm>
-            <a:off x="4876800" y="4945524"/>
-            <a:ext cx="4267200" cy="635745"/>
+            <a:off x="5562598" y="1304283"/>
+            <a:ext cx="2928749" cy="2310255"/>
           </a:xfrm>
           <a:prstGeom prst="rect">
             <a:avLst/>
@@ -6245,7 +5645,7 @@
       </p:pic>
       <p:pic>
         <p:nvPicPr>
-          <p:cNvPr id="5" name="Picture 4"/>
+          <p:cNvPr id="7" name="Picture 6"/>
           <p:cNvPicPr>
             <a:picLocks noChangeAspect="1"/>
           </p:cNvPicPr>
@@ -6259,8 +5659,8 @@
         </p:blipFill>
         <p:spPr>
           <a:xfrm>
-            <a:off x="5846221" y="3124024"/>
-            <a:ext cx="2688179" cy="666669"/>
+            <a:off x="5181600" y="3733800"/>
+            <a:ext cx="3368163" cy="3110523"/>
           </a:xfrm>
           <a:prstGeom prst="rect">
             <a:avLst/>
@@ -6269,7 +5669,7 @@
       </p:pic>
       <p:pic>
         <p:nvPicPr>
-          <p:cNvPr id="7" name="Picture 6"/>
+          <p:cNvPr id="6" name="Picture 5"/>
           <p:cNvPicPr>
             <a:picLocks noChangeAspect="1"/>
           </p:cNvPicPr>
@@ -6283,41 +5683,17 @@
         </p:blipFill>
         <p:spPr>
           <a:xfrm>
-            <a:off x="1320897" y="1583603"/>
-            <a:ext cx="3823094" cy="2232117"/>
+            <a:off x="1162564" y="3945927"/>
+            <a:ext cx="3739508" cy="2854825"/>
           </a:xfrm>
           <a:prstGeom prst="rect">
             <a:avLst/>
           </a:prstGeom>
         </p:spPr>
       </p:pic>
-      <p:pic>
-        <p:nvPicPr>
-          <p:cNvPr id="8" name="Picture 7"/>
-          <p:cNvPicPr>
-            <a:picLocks noChangeAspect="1"/>
-          </p:cNvPicPr>
-          <p:nvPr/>
-        </p:nvPicPr>
-        <p:blipFill>
-          <a:blip r:embed="rId7"/>
-          <a:stretch>
-            <a:fillRect/>
-          </a:stretch>
-        </p:blipFill>
-        <p:spPr>
-          <a:xfrm>
-            <a:off x="1524000" y="4673737"/>
-            <a:ext cx="2721832" cy="1100966"/>
-          </a:xfrm>
-          <a:prstGeom prst="rect">
-            <a:avLst/>
-          </a:prstGeom>
-        </p:spPr>
-      </p:pic>
-      <p:sp>
-        <p:nvSpPr>
-          <p:cNvPr id="19" name="Text Box 9"/>
+      <p:sp>
+        <p:nvSpPr>
+          <p:cNvPr id="16" name="Text Box 9"/>
           <p:cNvSpPr txBox="1">
             <a:spLocks noChangeArrowheads="1"/>
           </p:cNvSpPr>
@@ -6325,8 +5701,8 @@
         </p:nvSpPr>
         <p:spPr bwMode="auto">
           <a:xfrm>
-            <a:off x="5638800" y="1106248"/>
-            <a:ext cx="3048000" cy="338554"/>
+            <a:off x="1397131" y="962770"/>
+            <a:ext cx="2928749" cy="338554"/>
           </a:xfrm>
           <a:prstGeom prst="rect">
             <a:avLst/>
@@ -6346,24 +5722,66 @@
           </a:bodyPr>
           <a:lstStyle/>
           <a:p>
-            <a:pPr algn="ctr">
-              <a:spcAft>
-                <a:spcPts val="600"/>
-              </a:spcAft>
-            </a:pPr>
-            <a:r>
-              <a:rPr lang="en-US" sz="1600" dirty="0" smtClean="0">
-                <a:latin typeface="Times New Roman" panose="02020603050405020304" pitchFamily="18" charset="0"/>
-                <a:cs typeface="Times New Roman" panose="02020603050405020304" pitchFamily="18" charset="0"/>
-              </a:rPr>
-              <a:t>DC Link average current</a:t>
-            </a:r>
-          </a:p>
-        </p:txBody>
-      </p:sp>
-      <p:sp>
-        <p:nvSpPr>
-          <p:cNvPr id="20" name="Text Box 9"/>
+            <a:pPr algn="ctr"/>
+            <a:r>
+              <a:rPr lang="tr-TR" sz="1600" b="1" dirty="0" smtClean="0">
+                <a:latin typeface="Times New Roman" panose="02020603050405020304" pitchFamily="18" charset="0"/>
+                <a:cs typeface="Times New Roman" panose="02020603050405020304" pitchFamily="18" charset="0"/>
+              </a:rPr>
+              <a:t>RMS </a:t>
+            </a:r>
+            <a:r>
+              <a:rPr lang="tr-TR" sz="1600" b="1" dirty="0" err="1" smtClean="0">
+                <a:latin typeface="Times New Roman" panose="02020603050405020304" pitchFamily="18" charset="0"/>
+                <a:cs typeface="Times New Roman" panose="02020603050405020304" pitchFamily="18" charset="0"/>
+              </a:rPr>
+              <a:t>current</a:t>
+            </a:r>
+            <a:r>
+              <a:rPr lang="tr-TR" sz="1600" b="1" dirty="0" smtClean="0">
+                <a:latin typeface="Times New Roman" panose="02020603050405020304" pitchFamily="18" charset="0"/>
+                <a:cs typeface="Times New Roman" panose="02020603050405020304" pitchFamily="18" charset="0"/>
+              </a:rPr>
+              <a:t> </a:t>
+            </a:r>
+            <a:r>
+              <a:rPr lang="tr-TR" sz="1600" b="1" dirty="0" err="1" smtClean="0">
+                <a:latin typeface="Times New Roman" panose="02020603050405020304" pitchFamily="18" charset="0"/>
+                <a:cs typeface="Times New Roman" panose="02020603050405020304" pitchFamily="18" charset="0"/>
+              </a:rPr>
+              <a:t>vs</a:t>
+            </a:r>
+            <a:r>
+              <a:rPr lang="tr-TR" sz="1600" b="1" dirty="0" smtClean="0">
+                <a:latin typeface="Times New Roman" panose="02020603050405020304" pitchFamily="18" charset="0"/>
+                <a:cs typeface="Times New Roman" panose="02020603050405020304" pitchFamily="18" charset="0"/>
+              </a:rPr>
+              <a:t> </a:t>
+            </a:r>
+            <a:r>
+              <a:rPr lang="tr-TR" sz="1600" b="1" dirty="0" err="1" smtClean="0">
+                <a:latin typeface="Times New Roman" panose="02020603050405020304" pitchFamily="18" charset="0"/>
+                <a:cs typeface="Times New Roman" panose="02020603050405020304" pitchFamily="18" charset="0"/>
+              </a:rPr>
+              <a:t>m</a:t>
+            </a:r>
+            <a:r>
+              <a:rPr lang="tr-TR" sz="1600" b="1" baseline="-25000" dirty="0" err="1" smtClean="0">
+                <a:latin typeface="Times New Roman" panose="02020603050405020304" pitchFamily="18" charset="0"/>
+                <a:cs typeface="Times New Roman" panose="02020603050405020304" pitchFamily="18" charset="0"/>
+              </a:rPr>
+              <a:t>a</a:t>
+            </a:r>
+            <a:endParaRPr lang="en-US" sz="1600" b="1" baseline="-25000" dirty="0" smtClean="0">
+              <a:latin typeface="Times New Roman" panose="02020603050405020304" pitchFamily="18" charset="0"/>
+              <a:cs typeface="Times New Roman" panose="02020603050405020304" pitchFamily="18" charset="0"/>
+            </a:endParaRPr>
+          </a:p>
+        </p:txBody>
+      </p:sp>
+      <p:sp>
+        <p:nvSpPr>
+          <p:cNvPr id="17" name="Text Box 9"/>
           <p:cNvSpPr txBox="1">
             <a:spLocks noChangeArrowheads="1"/>
           </p:cNvSpPr>
@@ -6371,8 +5789,8 @@
         </p:nvSpPr>
         <p:spPr bwMode="auto">
           <a:xfrm>
-            <a:off x="5653491" y="2636077"/>
-            <a:ext cx="3048000" cy="338554"/>
+            <a:off x="5562598" y="951976"/>
+            <a:ext cx="2928749" cy="338554"/>
           </a:xfrm>
           <a:prstGeom prst="rect">
             <a:avLst/>
@@ -6392,157 +5810,50 @@
           </a:bodyPr>
           <a:lstStyle/>
           <a:p>
-            <a:pPr algn="ctr">
-              <a:spcAft>
-                <a:spcPts val="600"/>
-              </a:spcAft>
-            </a:pPr>
-            <a:r>
-              <a:rPr lang="en-US" sz="1600" dirty="0" smtClean="0">
-                <a:latin typeface="Times New Roman" panose="02020603050405020304" pitchFamily="18" charset="0"/>
-                <a:cs typeface="Times New Roman" panose="02020603050405020304" pitchFamily="18" charset="0"/>
-              </a:rPr>
-              <a:t>DC Link ripple voltage</a:t>
-            </a:r>
-          </a:p>
-        </p:txBody>
-      </p:sp>
-      <p:sp>
-        <p:nvSpPr>
-          <p:cNvPr id="21" name="Text Box 9"/>
-          <p:cNvSpPr txBox="1">
-            <a:spLocks noChangeArrowheads="1"/>
-          </p:cNvSpPr>
-          <p:nvPr/>
-        </p:nvSpPr>
-        <p:spPr bwMode="auto">
-          <a:xfrm>
-            <a:off x="5486400" y="4504460"/>
-            <a:ext cx="3048000" cy="338554"/>
-          </a:xfrm>
-          <a:prstGeom prst="rect">
-            <a:avLst/>
-          </a:prstGeom>
-          <a:noFill/>
-          <a:ln w="9525">
-            <a:noFill/>
-            <a:miter lim="800000"/>
-            <a:headEnd/>
-            <a:tailEnd/>
-          </a:ln>
-          <a:effectLst/>
-        </p:spPr>
-        <p:txBody>
-          <a:bodyPr wrap="square">
-            <a:spAutoFit/>
-          </a:bodyPr>
-          <a:lstStyle/>
-          <a:p>
-            <a:pPr algn="ctr">
-              <a:spcAft>
-                <a:spcPts val="600"/>
-              </a:spcAft>
-            </a:pPr>
-            <a:r>
-              <a:rPr lang="en-US" sz="1600" dirty="0" smtClean="0">
-                <a:latin typeface="Times New Roman" panose="02020603050405020304" pitchFamily="18" charset="0"/>
-                <a:cs typeface="Times New Roman" panose="02020603050405020304" pitchFamily="18" charset="0"/>
-              </a:rPr>
-              <a:t>DC Link RMS current</a:t>
-            </a:r>
-          </a:p>
-        </p:txBody>
-      </p:sp>
-      <p:sp>
-        <p:nvSpPr>
-          <p:cNvPr id="22" name="Text Box 9"/>
-          <p:cNvSpPr txBox="1">
-            <a:spLocks noChangeArrowheads="1"/>
-          </p:cNvSpPr>
-          <p:nvPr/>
-        </p:nvSpPr>
-        <p:spPr bwMode="auto">
-          <a:xfrm>
-            <a:off x="1356722" y="4152229"/>
-            <a:ext cx="3048000" cy="338554"/>
-          </a:xfrm>
-          <a:prstGeom prst="rect">
-            <a:avLst/>
-          </a:prstGeom>
-          <a:noFill/>
-          <a:ln w="9525">
-            <a:noFill/>
-            <a:miter lim="800000"/>
-            <a:headEnd/>
-            <a:tailEnd/>
-          </a:ln>
-          <a:effectLst/>
-        </p:spPr>
-        <p:txBody>
-          <a:bodyPr wrap="square">
-            <a:spAutoFit/>
-          </a:bodyPr>
-          <a:lstStyle/>
-          <a:p>
-            <a:pPr algn="ctr">
-              <a:spcAft>
-                <a:spcPts val="600"/>
-              </a:spcAft>
-            </a:pPr>
-            <a:r>
-              <a:rPr lang="en-US" sz="1600" dirty="0" smtClean="0">
-                <a:latin typeface="Times New Roman" panose="02020603050405020304" pitchFamily="18" charset="0"/>
-                <a:cs typeface="Times New Roman" panose="02020603050405020304" pitchFamily="18" charset="0"/>
-              </a:rPr>
-              <a:t>Capacitor heating</a:t>
-            </a:r>
-          </a:p>
-        </p:txBody>
-      </p:sp>
-      <p:sp>
-        <p:nvSpPr>
-          <p:cNvPr id="23" name="Text Box 9"/>
-          <p:cNvSpPr txBox="1">
-            <a:spLocks noChangeArrowheads="1"/>
-          </p:cNvSpPr>
-          <p:nvPr/>
-        </p:nvSpPr>
-        <p:spPr bwMode="auto">
-          <a:xfrm>
-            <a:off x="1725171" y="1140749"/>
-            <a:ext cx="3048000" cy="400110"/>
-          </a:xfrm>
-          <a:prstGeom prst="rect">
-            <a:avLst/>
-          </a:prstGeom>
-          <a:noFill/>
-          <a:ln w="9525">
-            <a:noFill/>
-            <a:miter lim="800000"/>
-            <a:headEnd/>
-            <a:tailEnd/>
-          </a:ln>
-          <a:effectLst/>
-        </p:spPr>
-        <p:txBody>
-          <a:bodyPr wrap="square">
-            <a:spAutoFit/>
-          </a:bodyPr>
-          <a:lstStyle/>
-          <a:p>
-            <a:pPr algn="ctr">
-              <a:spcAft>
-                <a:spcPts val="600"/>
-              </a:spcAft>
-            </a:pPr>
-            <a:r>
-              <a:rPr lang="tr-TR" sz="2000" dirty="0" smtClean="0">
-                <a:latin typeface="Times New Roman" panose="02020603050405020304" pitchFamily="18" charset="0"/>
-                <a:cs typeface="Times New Roman" panose="02020603050405020304" pitchFamily="18" charset="0"/>
-              </a:rPr>
-              <a:t>DC Link model</a:t>
-            </a:r>
-            <a:endParaRPr lang="en-US" sz="2000" dirty="0" smtClean="0">
+            <a:pPr algn="ctr"/>
+            <a:r>
+              <a:rPr lang="tr-TR" sz="1600" b="1" dirty="0" err="1" smtClean="0">
+                <a:latin typeface="Times New Roman" panose="02020603050405020304" pitchFamily="18" charset="0"/>
+                <a:cs typeface="Times New Roman" panose="02020603050405020304" pitchFamily="18" charset="0"/>
+              </a:rPr>
+              <a:t>Capacitance</a:t>
+            </a:r>
+            <a:r>
+              <a:rPr lang="tr-TR" sz="1600" b="1" dirty="0" smtClean="0">
+                <a:latin typeface="Times New Roman" panose="02020603050405020304" pitchFamily="18" charset="0"/>
+                <a:cs typeface="Times New Roman" panose="02020603050405020304" pitchFamily="18" charset="0"/>
+              </a:rPr>
+              <a:t> </a:t>
+            </a:r>
+            <a:r>
+              <a:rPr lang="tr-TR" sz="1600" b="1" dirty="0" err="1" smtClean="0">
+                <a:latin typeface="Times New Roman" panose="02020603050405020304" pitchFamily="18" charset="0"/>
+                <a:cs typeface="Times New Roman" panose="02020603050405020304" pitchFamily="18" charset="0"/>
+              </a:rPr>
+              <a:t>vs</a:t>
+            </a:r>
+            <a:r>
+              <a:rPr lang="tr-TR" sz="1600" b="1" dirty="0" smtClean="0">
+                <a:latin typeface="Times New Roman" panose="02020603050405020304" pitchFamily="18" charset="0"/>
+                <a:cs typeface="Times New Roman" panose="02020603050405020304" pitchFamily="18" charset="0"/>
+              </a:rPr>
+              <a:t> </a:t>
+            </a:r>
+            <a:r>
+              <a:rPr lang="tr-TR" sz="1600" b="1" dirty="0" err="1" smtClean="0">
+                <a:latin typeface="Times New Roman" panose="02020603050405020304" pitchFamily="18" charset="0"/>
+                <a:cs typeface="Times New Roman" panose="02020603050405020304" pitchFamily="18" charset="0"/>
+              </a:rPr>
+              <a:t>f</a:t>
+            </a:r>
+            <a:r>
+              <a:rPr lang="tr-TR" sz="1600" b="1" baseline="-25000" dirty="0" err="1" smtClean="0">
+                <a:latin typeface="Times New Roman" panose="02020603050405020304" pitchFamily="18" charset="0"/>
+                <a:cs typeface="Times New Roman" panose="02020603050405020304" pitchFamily="18" charset="0"/>
+              </a:rPr>
+              <a:t>sw</a:t>
+            </a:r>
+            <a:endParaRPr lang="en-US" sz="1600" b="1" baseline="-25000" dirty="0" smtClean="0">
               <a:latin typeface="Times New Roman" panose="02020603050405020304" pitchFamily="18" charset="0"/>
               <a:cs typeface="Times New Roman" panose="02020603050405020304" pitchFamily="18" charset="0"/>
             </a:endParaRPr>
@@ -6552,7 +5863,7 @@
     </p:spTree>
     <p:extLst>
       <p:ext uri="{BB962C8B-B14F-4D97-AF65-F5344CB8AC3E}">
-        <p14:creationId xmlns:p14="http://schemas.microsoft.com/office/powerpoint/2010/main" val="2406531876"/>
+        <p14:creationId xmlns:p14="http://schemas.microsoft.com/office/powerpoint/2010/main" val="1314151076"/>
       </p:ext>
     </p:extLst>
   </p:cSld>
@@ -6685,6 +5996,43 @@
           </a:fontRef>
         </p:style>
       </p:cxnSp>
+      <p:sp>
+        <p:nvSpPr>
+          <p:cNvPr id="13" name="TextBox 12"/>
+          <p:cNvSpPr txBox="1"/>
+          <p:nvPr/>
+        </p:nvSpPr>
+        <p:spPr>
+          <a:xfrm>
+            <a:off x="1386291" y="224135"/>
+            <a:ext cx="7315200" cy="553998"/>
+          </a:xfrm>
+          <a:prstGeom prst="rect">
+            <a:avLst/>
+          </a:prstGeom>
+          <a:noFill/>
+        </p:spPr>
+        <p:txBody>
+          <a:bodyPr wrap="square" rtlCol="0">
+            <a:spAutoFit/>
+          </a:bodyPr>
+          <a:lstStyle/>
+          <a:p>
+            <a:pPr algn="ctr"/>
+            <a:r>
+              <a:rPr lang="tr-TR" sz="3000" dirty="0" smtClean="0">
+                <a:latin typeface="Times New Roman" panose="02020603050405020304" pitchFamily="18" charset="0"/>
+                <a:cs typeface="Times New Roman" panose="02020603050405020304" pitchFamily="18" charset="0"/>
+              </a:rPr>
+              <a:t>IMMD Design</a:t>
+            </a:r>
+            <a:endParaRPr lang="tr-TR" sz="3000" dirty="0">
+              <a:latin typeface="Times New Roman" panose="02020603050405020304" pitchFamily="18" charset="0"/>
+              <a:cs typeface="Times New Roman" panose="02020603050405020304" pitchFamily="18" charset="0"/>
+            </a:endParaRPr>
+          </a:p>
+        </p:txBody>
+      </p:sp>
       <p:cxnSp>
         <p:nvCxnSpPr>
           <p:cNvPr id="15" name="Straight Connector 14"/>
@@ -6787,7 +6135,7 @@
       </p:pic>
       <p:sp>
         <p:nvSpPr>
-          <p:cNvPr id="18" name="Text Box 9"/>
+          <p:cNvPr id="8" name="Text Box 9"/>
           <p:cNvSpPr txBox="1">
             <a:spLocks noChangeArrowheads="1"/>
           </p:cNvSpPr>
@@ -6795,8 +6143,8 @@
         </p:nvSpPr>
         <p:spPr bwMode="auto">
           <a:xfrm>
-            <a:off x="1189918" y="1143000"/>
-            <a:ext cx="4267907" cy="707886"/>
+            <a:off x="1367630" y="1143000"/>
+            <a:ext cx="5687708" cy="1554272"/>
           </a:xfrm>
           <a:prstGeom prst="rect">
             <a:avLst/>
@@ -6816,105 +6164,84 @@
           </a:bodyPr>
           <a:lstStyle/>
           <a:p>
-            <a:r>
-              <a:rPr lang="tr-TR" sz="2000" b="1" dirty="0" err="1" smtClean="0">
-                <a:latin typeface="Times New Roman" panose="02020603050405020304" pitchFamily="18" charset="0"/>
-                <a:cs typeface="Times New Roman" panose="02020603050405020304" pitchFamily="18" charset="0"/>
-              </a:rPr>
-              <a:t>Effect</a:t>
-            </a:r>
-            <a:r>
-              <a:rPr lang="tr-TR" sz="2000" b="1" dirty="0" smtClean="0">
-                <a:latin typeface="Times New Roman" panose="02020603050405020304" pitchFamily="18" charset="0"/>
-                <a:cs typeface="Times New Roman" panose="02020603050405020304" pitchFamily="18" charset="0"/>
-              </a:rPr>
-              <a:t> of </a:t>
-            </a:r>
-            <a:r>
-              <a:rPr lang="tr-TR" sz="2000" b="1" dirty="0" err="1" smtClean="0">
-                <a:latin typeface="Times New Roman" panose="02020603050405020304" pitchFamily="18" charset="0"/>
-                <a:cs typeface="Times New Roman" panose="02020603050405020304" pitchFamily="18" charset="0"/>
-              </a:rPr>
-              <a:t>interleaving</a:t>
-            </a:r>
-            <a:endParaRPr lang="en-US" sz="2000" b="1" dirty="0" smtClean="0">
+            <a:pPr algn="l">
+              <a:spcAft>
+                <a:spcPts val="600"/>
+              </a:spcAft>
+            </a:pPr>
+            <a:r>
+              <a:rPr lang="en-US" sz="2000" dirty="0" smtClean="0">
+                <a:latin typeface="Times New Roman" panose="02020603050405020304" pitchFamily="18" charset="0"/>
+                <a:cs typeface="Times New Roman" panose="02020603050405020304" pitchFamily="18" charset="0"/>
+              </a:rPr>
+              <a:t>Four three-phase inverter modules</a:t>
+            </a:r>
+            <a:endParaRPr lang="tr-TR" sz="2000" dirty="0" smtClean="0">
               <a:latin typeface="Times New Roman" panose="02020603050405020304" pitchFamily="18" charset="0"/>
               <a:cs typeface="Times New Roman" panose="02020603050405020304" pitchFamily="18" charset="0"/>
             </a:endParaRPr>
           </a:p>
           <a:p>
-            <a:pPr marL="800100" lvl="1" indent="-342900">
-              <a:buFont typeface="Wingdings" panose="05000000000000000000" pitchFamily="2" charset="2"/>
-              <a:buChar char="ü"/>
+            <a:pPr algn="l">
+              <a:spcAft>
+                <a:spcPts val="600"/>
+              </a:spcAft>
             </a:pPr>
-            <a:endParaRPr lang="en-US" sz="2000" b="1" dirty="0">
-              <a:latin typeface="Times New Roman" panose="02020603050405020304" pitchFamily="18" charset="0"/>
-              <a:cs typeface="Times New Roman" panose="02020603050405020304" pitchFamily="18" charset="0"/>
-            </a:endParaRPr>
-          </a:p>
-        </p:txBody>
-      </p:sp>
-      <p:sp>
-        <p:nvSpPr>
-          <p:cNvPr id="9" name="TextBox 8"/>
-          <p:cNvSpPr txBox="1"/>
-          <p:nvPr/>
-        </p:nvSpPr>
-        <p:spPr>
-          <a:xfrm>
-            <a:off x="1386291" y="224135"/>
-            <a:ext cx="7315200" cy="553998"/>
-          </a:xfrm>
-          <a:prstGeom prst="rect">
-            <a:avLst/>
-          </a:prstGeom>
-          <a:noFill/>
-        </p:spPr>
-        <p:txBody>
-          <a:bodyPr wrap="square" rtlCol="0">
-            <a:spAutoFit/>
-          </a:bodyPr>
-          <a:lstStyle/>
-          <a:p>
-            <a:pPr algn="ctr"/>
-            <a:r>
-              <a:rPr lang="tr-TR" sz="3000" dirty="0" smtClean="0">
-                <a:latin typeface="Times New Roman" panose="02020603050405020304" pitchFamily="18" charset="0"/>
-                <a:cs typeface="Times New Roman" panose="02020603050405020304" pitchFamily="18" charset="0"/>
-              </a:rPr>
-              <a:t>DC Link </a:t>
-            </a:r>
-            <a:r>
-              <a:rPr lang="tr-TR" sz="3000" dirty="0" err="1" smtClean="0">
-                <a:latin typeface="Times New Roman" panose="02020603050405020304" pitchFamily="18" charset="0"/>
-                <a:cs typeface="Times New Roman" panose="02020603050405020304" pitchFamily="18" charset="0"/>
-              </a:rPr>
-              <a:t>Capacitor</a:t>
-            </a:r>
-            <a:r>
-              <a:rPr lang="tr-TR" sz="3000" dirty="0" smtClean="0">
-                <a:latin typeface="Times New Roman" panose="02020603050405020304" pitchFamily="18" charset="0"/>
-                <a:cs typeface="Times New Roman" panose="02020603050405020304" pitchFamily="18" charset="0"/>
-              </a:rPr>
-              <a:t> </a:t>
-            </a:r>
-            <a:r>
-              <a:rPr lang="tr-TR" sz="3000" dirty="0" err="1" smtClean="0">
-                <a:latin typeface="Times New Roman" panose="02020603050405020304" pitchFamily="18" charset="0"/>
-                <a:cs typeface="Times New Roman" panose="02020603050405020304" pitchFamily="18" charset="0"/>
-              </a:rPr>
-              <a:t>Optimization</a:t>
-            </a:r>
-            <a:endParaRPr lang="tr-TR" sz="3000" dirty="0">
-              <a:latin typeface="Times New Roman" panose="02020603050405020304" pitchFamily="18" charset="0"/>
-              <a:cs typeface="Times New Roman" panose="02020603050405020304" pitchFamily="18" charset="0"/>
-            </a:endParaRPr>
+            <a:r>
+              <a:rPr lang="tr-TR" sz="2000" dirty="0" err="1" smtClean="0">
+                <a:latin typeface="Times New Roman" panose="02020603050405020304" pitchFamily="18" charset="0"/>
+                <a:cs typeface="Times New Roman" panose="02020603050405020304" pitchFamily="18" charset="0"/>
+              </a:rPr>
+              <a:t>Power</a:t>
+            </a:r>
+            <a:r>
+              <a:rPr lang="tr-TR" sz="2000" dirty="0" smtClean="0">
+                <a:latin typeface="Times New Roman" panose="02020603050405020304" pitchFamily="18" charset="0"/>
+                <a:cs typeface="Times New Roman" panose="02020603050405020304" pitchFamily="18" charset="0"/>
+              </a:rPr>
+              <a:t> stage with cascode GaN FETs</a:t>
+            </a:r>
+          </a:p>
+          <a:p>
+            <a:pPr algn="l">
+              <a:spcAft>
+                <a:spcPts val="600"/>
+              </a:spcAft>
+            </a:pPr>
+            <a:r>
+              <a:rPr lang="en-US" sz="2000" dirty="0">
+                <a:latin typeface="Times New Roman" panose="02020603050405020304" pitchFamily="18" charset="0"/>
+                <a:cs typeface="Times New Roman" panose="02020603050405020304" pitchFamily="18" charset="0"/>
+              </a:rPr>
+              <a:t>Permanent Magnet Brushless DC </a:t>
+            </a:r>
+            <a:r>
+              <a:rPr lang="en-US" sz="2000" dirty="0" smtClean="0">
+                <a:latin typeface="Times New Roman" panose="02020603050405020304" pitchFamily="18" charset="0"/>
+                <a:cs typeface="Times New Roman" panose="02020603050405020304" pitchFamily="18" charset="0"/>
+              </a:rPr>
+              <a:t>motor</a:t>
+            </a:r>
+          </a:p>
+          <a:p>
+            <a:pPr algn="l">
+              <a:spcAft>
+                <a:spcPts val="600"/>
+              </a:spcAft>
+            </a:pPr>
+            <a:r>
+              <a:rPr lang="en-US" sz="2000" dirty="0" smtClean="0">
+                <a:latin typeface="Times New Roman" panose="02020603050405020304" pitchFamily="18" charset="0"/>
+                <a:cs typeface="Times New Roman" panose="02020603050405020304" pitchFamily="18" charset="0"/>
+              </a:rPr>
+              <a:t>Fractional Slot Concentrated Winding</a:t>
+            </a:r>
           </a:p>
         </p:txBody>
       </p:sp>
       <p:pic>
         <p:nvPicPr>
-          <p:cNvPr id="12" name="Picture 11"/>
+          <p:cNvPr id="3" name="Picture 2"/>
           <p:cNvPicPr>
             <a:picLocks noChangeAspect="1"/>
           </p:cNvPicPr>
@@ -6928,8 +6255,8 @@
         </p:blipFill>
         <p:spPr>
           <a:xfrm>
-            <a:off x="1143000" y="3507625"/>
-            <a:ext cx="4572000" cy="3274518"/>
+            <a:off x="1295400" y="2925871"/>
+            <a:ext cx="2373399" cy="1860232"/>
           </a:xfrm>
           <a:prstGeom prst="rect">
             <a:avLst/>
@@ -6938,7 +6265,7 @@
       </p:pic>
       <p:pic>
         <p:nvPicPr>
-          <p:cNvPr id="16" name="Picture 15"/>
+          <p:cNvPr id="4" name="Picture 3"/>
           <p:cNvPicPr>
             <a:picLocks noChangeAspect="1"/>
           </p:cNvPicPr>
@@ -6952,8 +6279,8 @@
         </p:blipFill>
         <p:spPr>
           <a:xfrm>
-            <a:off x="5481349" y="1208176"/>
-            <a:ext cx="3682189" cy="2725242"/>
+            <a:off x="3885323" y="2925871"/>
+            <a:ext cx="2081188" cy="1905870"/>
           </a:xfrm>
           <a:prstGeom prst="rect">
             <a:avLst/>
@@ -6962,7 +6289,7 @@
       </p:pic>
       <p:pic>
         <p:nvPicPr>
-          <p:cNvPr id="6" name="Picture 5"/>
+          <p:cNvPr id="5" name="Picture 4"/>
           <p:cNvPicPr>
             <a:picLocks noChangeAspect="1"/>
           </p:cNvPicPr>
@@ -6976,13 +6303,61 @@
               </a:ext>
             </a:extLst>
           </a:blip>
-          <a:srcRect l="65856" r="991" b="37842"/>
+          <a:srcRect l="65247" t="4007" r="3086" b="42000"/>
           <a:stretch/>
         </p:blipFill>
         <p:spPr>
           <a:xfrm>
-            <a:off x="1295400" y="1639787"/>
-            <a:ext cx="1567269" cy="1741884"/>
+            <a:off x="2458675" y="4976602"/>
+            <a:ext cx="1752809" cy="1752809"/>
+          </a:xfrm>
+          <a:prstGeom prst="rect">
+            <a:avLst/>
+          </a:prstGeom>
+        </p:spPr>
+      </p:pic>
+      <p:pic>
+        <p:nvPicPr>
+          <p:cNvPr id="23" name="Picture 22"/>
+          <p:cNvPicPr>
+            <a:picLocks noChangeAspect="1"/>
+          </p:cNvPicPr>
+          <p:nvPr/>
+        </p:nvPicPr>
+        <p:blipFill>
+          <a:blip r:embed="rId6"/>
+          <a:stretch>
+            <a:fillRect/>
+          </a:stretch>
+        </p:blipFill>
+        <p:spPr>
+          <a:xfrm>
+            <a:off x="6096001" y="1206525"/>
+            <a:ext cx="2758440" cy="2732294"/>
+          </a:xfrm>
+          <a:prstGeom prst="rect">
+            <a:avLst/>
+          </a:prstGeom>
+        </p:spPr>
+      </p:pic>
+      <p:pic>
+        <p:nvPicPr>
+          <p:cNvPr id="24" name="Picture 23"/>
+          <p:cNvPicPr>
+            <a:picLocks noChangeAspect="1"/>
+          </p:cNvPicPr>
+          <p:nvPr/>
+        </p:nvPicPr>
+        <p:blipFill>
+          <a:blip r:embed="rId7"/>
+          <a:stretch>
+            <a:fillRect/>
+          </a:stretch>
+        </p:blipFill>
+        <p:spPr>
+          <a:xfrm>
+            <a:off x="6143081" y="4066870"/>
+            <a:ext cx="2740221" cy="2289480"/>
           </a:xfrm>
           <a:prstGeom prst="rect">
             <a:avLst/>
@@ -6992,7 +6367,7 @@
     </p:spTree>
     <p:extLst>
       <p:ext uri="{BB962C8B-B14F-4D97-AF65-F5344CB8AC3E}">
-        <p14:creationId xmlns:p14="http://schemas.microsoft.com/office/powerpoint/2010/main" val="3170489505"/>
+        <p14:creationId xmlns:p14="http://schemas.microsoft.com/office/powerpoint/2010/main" val="2349354778"/>
       </p:ext>
     </p:extLst>
   </p:cSld>
@@ -7125,6 +6500,43 @@
           </a:fontRef>
         </p:style>
       </p:cxnSp>
+      <p:sp>
+        <p:nvSpPr>
+          <p:cNvPr id="13" name="TextBox 12"/>
+          <p:cNvSpPr txBox="1"/>
+          <p:nvPr/>
+        </p:nvSpPr>
+        <p:spPr>
+          <a:xfrm>
+            <a:off x="1386291" y="224135"/>
+            <a:ext cx="7315200" cy="553998"/>
+          </a:xfrm>
+          <a:prstGeom prst="rect">
+            <a:avLst/>
+          </a:prstGeom>
+          <a:noFill/>
+        </p:spPr>
+        <p:txBody>
+          <a:bodyPr wrap="square" rtlCol="0">
+            <a:spAutoFit/>
+          </a:bodyPr>
+          <a:lstStyle/>
+          <a:p>
+            <a:pPr algn="ctr"/>
+            <a:r>
+              <a:rPr lang="tr-TR" sz="3000" dirty="0" smtClean="0">
+                <a:latin typeface="Times New Roman" panose="02020603050405020304" pitchFamily="18" charset="0"/>
+                <a:cs typeface="Times New Roman" panose="02020603050405020304" pitchFamily="18" charset="0"/>
+              </a:rPr>
+              <a:t>IMMD Design</a:t>
+            </a:r>
+            <a:endParaRPr lang="tr-TR" sz="3000" dirty="0">
+              <a:latin typeface="Times New Roman" panose="02020603050405020304" pitchFamily="18" charset="0"/>
+              <a:cs typeface="Times New Roman" panose="02020603050405020304" pitchFamily="18" charset="0"/>
+            </a:endParaRPr>
+          </a:p>
+        </p:txBody>
+      </p:sp>
       <p:cxnSp>
         <p:nvCxnSpPr>
           <p:cNvPr id="15" name="Straight Connector 14"/>
@@ -7227,119 +6639,274 @@
       </p:pic>
       <p:sp>
         <p:nvSpPr>
-          <p:cNvPr id="12" name="TextBox 11"/>
-          <p:cNvSpPr txBox="1"/>
-          <p:nvPr/>
-        </p:nvSpPr>
-        <p:spPr>
-          <a:xfrm>
-            <a:off x="1386291" y="224135"/>
-            <a:ext cx="7315200" cy="553998"/>
+          <p:cNvPr id="8" name="Text Box 9"/>
+          <p:cNvSpPr txBox="1">
+            <a:spLocks noChangeArrowheads="1"/>
+          </p:cNvSpPr>
+          <p:nvPr/>
+        </p:nvSpPr>
+        <p:spPr bwMode="auto">
+          <a:xfrm>
+            <a:off x="1398991" y="1295400"/>
+            <a:ext cx="6781800" cy="707886"/>
           </a:xfrm>
           <a:prstGeom prst="rect">
             <a:avLst/>
           </a:prstGeom>
           <a:noFill/>
-        </p:spPr>
-        <p:txBody>
-          <a:bodyPr wrap="square" rtlCol="0">
+          <a:ln w="9525">
+            <a:noFill/>
+            <a:miter lim="800000"/>
+            <a:headEnd/>
+            <a:tailEnd/>
+          </a:ln>
+          <a:effectLst/>
+        </p:spPr>
+        <p:txBody>
+          <a:bodyPr wrap="square">
             <a:spAutoFit/>
           </a:bodyPr>
           <a:lstStyle/>
           <a:p>
-            <a:pPr algn="ctr"/>
-            <a:r>
-              <a:rPr lang="tr-TR" sz="3000" dirty="0" smtClean="0">
-                <a:latin typeface="Times New Roman" panose="02020603050405020304" pitchFamily="18" charset="0"/>
-                <a:cs typeface="Times New Roman" panose="02020603050405020304" pitchFamily="18" charset="0"/>
-              </a:rPr>
-              <a:t>DC Link </a:t>
-            </a:r>
-            <a:r>
-              <a:rPr lang="tr-TR" sz="3000" dirty="0" err="1" smtClean="0">
-                <a:latin typeface="Times New Roman" panose="02020603050405020304" pitchFamily="18" charset="0"/>
-                <a:cs typeface="Times New Roman" panose="02020603050405020304" pitchFamily="18" charset="0"/>
-              </a:rPr>
-              <a:t>Capacitor</a:t>
-            </a:r>
-            <a:r>
-              <a:rPr lang="tr-TR" sz="3000" dirty="0" smtClean="0">
-                <a:latin typeface="Times New Roman" panose="02020603050405020304" pitchFamily="18" charset="0"/>
-                <a:cs typeface="Times New Roman" panose="02020603050405020304" pitchFamily="18" charset="0"/>
-              </a:rPr>
-              <a:t> </a:t>
-            </a:r>
-            <a:r>
-              <a:rPr lang="tr-TR" sz="3000" dirty="0" err="1" smtClean="0">
-                <a:latin typeface="Times New Roman" panose="02020603050405020304" pitchFamily="18" charset="0"/>
-                <a:cs typeface="Times New Roman" panose="02020603050405020304" pitchFamily="18" charset="0"/>
-              </a:rPr>
-              <a:t>Optimization</a:t>
-            </a:r>
-            <a:endParaRPr lang="tr-TR" sz="3000" dirty="0">
+            <a:pPr marL="457200" indent="-457200" algn="l">
+              <a:buFont typeface="Wingdings" panose="05000000000000000000" pitchFamily="2" charset="2"/>
+              <a:buChar char="ü"/>
+            </a:pPr>
+            <a:r>
+              <a:rPr lang="tr-TR" sz="2000" dirty="0" smtClean="0">
+                <a:latin typeface="Times New Roman" panose="02020603050405020304" pitchFamily="18" charset="0"/>
+                <a:cs typeface="Times New Roman" panose="02020603050405020304" pitchFamily="18" charset="0"/>
+              </a:rPr>
+              <a:t>Buraya bir çizim koyalım</a:t>
+            </a:r>
+          </a:p>
+          <a:p>
+            <a:pPr marL="457200" indent="-457200" algn="l">
+              <a:buFont typeface="Wingdings" panose="05000000000000000000" pitchFamily="2" charset="2"/>
+              <a:buChar char="ü"/>
+            </a:pPr>
+            <a:r>
+              <a:rPr lang="tr-TR" sz="2000" dirty="0" smtClean="0">
+                <a:latin typeface="Times New Roman" panose="02020603050405020304" pitchFamily="18" charset="0"/>
+                <a:cs typeface="Times New Roman" panose="02020603050405020304" pitchFamily="18" charset="0"/>
+              </a:rPr>
+              <a:t>Devre ve motor</a:t>
+            </a:r>
+            <a:endParaRPr lang="en-US" sz="2000" dirty="0" smtClean="0">
               <a:latin typeface="Times New Roman" panose="02020603050405020304" pitchFamily="18" charset="0"/>
               <a:cs typeface="Times New Roman" panose="02020603050405020304" pitchFamily="18" charset="0"/>
             </a:endParaRPr>
           </a:p>
         </p:txBody>
       </p:sp>
-      <p:pic>
-        <p:nvPicPr>
-          <p:cNvPr id="19" name="Picture 18"/>
-          <p:cNvPicPr>
-            <a:picLocks noChangeAspect="1"/>
-          </p:cNvPicPr>
-          <p:nvPr/>
-        </p:nvPicPr>
-        <p:blipFill>
-          <a:blip r:embed="rId3"/>
-          <a:stretch>
-            <a:fillRect/>
-          </a:stretch>
-        </p:blipFill>
-        <p:spPr>
-          <a:xfrm>
-            <a:off x="1241194" y="1225916"/>
-            <a:ext cx="5478396" cy="5289550"/>
-          </a:xfrm>
-          <a:prstGeom prst="rect">
-            <a:avLst/>
-          </a:prstGeom>
-        </p:spPr>
-      </p:pic>
-      <p:pic>
-        <p:nvPicPr>
-          <p:cNvPr id="20" name="Picture 19"/>
-          <p:cNvPicPr>
-            <a:picLocks noChangeAspect="1"/>
-          </p:cNvPicPr>
-          <p:nvPr/>
-        </p:nvPicPr>
-        <p:blipFill>
-          <a:blip r:embed="rId4"/>
-          <a:stretch>
-            <a:fillRect/>
-          </a:stretch>
-        </p:blipFill>
-        <p:spPr>
-          <a:xfrm>
-            <a:off x="6172200" y="5131095"/>
-            <a:ext cx="2855296" cy="1114387"/>
-          </a:xfrm>
-          <a:prstGeom prst="rect">
-            <a:avLst/>
-          </a:prstGeom>
-          <a:ln w="12700">
-            <a:solidFill>
-              <a:schemeClr val="tx1"/>
-            </a:solidFill>
+      <p:sp>
+        <p:nvSpPr>
+          <p:cNvPr id="16" name="Text Box 9"/>
+          <p:cNvSpPr txBox="1">
+            <a:spLocks noChangeArrowheads="1"/>
+          </p:cNvSpPr>
+          <p:nvPr/>
+        </p:nvSpPr>
+        <p:spPr bwMode="auto">
+          <a:xfrm>
+            <a:off x="1412197" y="3657600"/>
+            <a:ext cx="4740748" cy="1938992"/>
+          </a:xfrm>
+          <a:prstGeom prst="rect">
+            <a:avLst/>
+          </a:prstGeom>
+          <a:noFill/>
+          <a:ln w="9525">
+            <a:noFill/>
+            <a:miter lim="800000"/>
+            <a:headEnd/>
+            <a:tailEnd/>
           </a:ln>
-        </p:spPr>
-      </p:pic>
+          <a:effectLst/>
+        </p:spPr>
+        <p:txBody>
+          <a:bodyPr wrap="square">
+            <a:spAutoFit/>
+          </a:bodyPr>
+          <a:lstStyle/>
+          <a:p>
+            <a:pPr marL="457200" indent="-457200" algn="l">
+              <a:buFont typeface="Arial" panose="020B0604020202020204" pitchFamily="34" charset="0"/>
+              <a:buChar char="•"/>
+            </a:pPr>
+            <a:r>
+              <a:rPr lang="tr-TR" sz="2000" dirty="0" smtClean="0">
+                <a:latin typeface="Times New Roman" panose="02020603050405020304" pitchFamily="18" charset="0"/>
+                <a:cs typeface="Times New Roman" panose="02020603050405020304" pitchFamily="18" charset="0"/>
+              </a:rPr>
+              <a:t>Four</a:t>
+            </a:r>
+            <a:r>
+              <a:rPr lang="en-US" sz="2000" dirty="0" smtClean="0">
+                <a:latin typeface="Times New Roman" panose="02020603050405020304" pitchFamily="18" charset="0"/>
+                <a:cs typeface="Times New Roman" panose="02020603050405020304" pitchFamily="18" charset="0"/>
+              </a:rPr>
+              <a:t> three-phase modules</a:t>
+            </a:r>
+          </a:p>
+          <a:p>
+            <a:pPr marL="457200" indent="-457200" algn="l">
+              <a:buFont typeface="Arial" panose="020B0604020202020204" pitchFamily="34" charset="0"/>
+              <a:buChar char="•"/>
+            </a:pPr>
+            <a:r>
+              <a:rPr lang="tr-TR" sz="2000" dirty="0" smtClean="0">
+                <a:latin typeface="Times New Roman" panose="02020603050405020304" pitchFamily="18" charset="0"/>
+                <a:cs typeface="Times New Roman" panose="02020603050405020304" pitchFamily="18" charset="0"/>
+              </a:rPr>
+              <a:t>6 </a:t>
+            </a:r>
+            <a:r>
+              <a:rPr lang="en-US" sz="2000" dirty="0" smtClean="0">
+                <a:latin typeface="Times New Roman" panose="02020603050405020304" pitchFamily="18" charset="0"/>
+                <a:cs typeface="Times New Roman" panose="02020603050405020304" pitchFamily="18" charset="0"/>
+              </a:rPr>
+              <a:t>kW total output power</a:t>
+            </a:r>
+          </a:p>
+          <a:p>
+            <a:pPr marL="457200" indent="-457200" algn="l">
+              <a:buFont typeface="Arial" panose="020B0604020202020204" pitchFamily="34" charset="0"/>
+              <a:buChar char="•"/>
+            </a:pPr>
+            <a:r>
+              <a:rPr lang="en-US" sz="2000" dirty="0" smtClean="0">
+                <a:latin typeface="Times New Roman" panose="02020603050405020304" pitchFamily="18" charset="0"/>
+                <a:cs typeface="Times New Roman" panose="02020603050405020304" pitchFamily="18" charset="0"/>
+              </a:rPr>
+              <a:t>24 slot double layer stator</a:t>
+            </a:r>
+          </a:p>
+          <a:p>
+            <a:pPr marL="457200" indent="-457200" algn="l">
+              <a:buFont typeface="Arial" panose="020B0604020202020204" pitchFamily="34" charset="0"/>
+              <a:buChar char="•"/>
+            </a:pPr>
+            <a:r>
+              <a:rPr lang="en-US" sz="2000" dirty="0" smtClean="0">
+                <a:latin typeface="Times New Roman" panose="02020603050405020304" pitchFamily="18" charset="0"/>
+                <a:cs typeface="Times New Roman" panose="02020603050405020304" pitchFamily="18" charset="0"/>
+              </a:rPr>
+              <a:t>20 pole </a:t>
+            </a:r>
+            <a:r>
+              <a:rPr lang="tr-TR" sz="2000" dirty="0" smtClean="0">
+                <a:latin typeface="Times New Roman" panose="02020603050405020304" pitchFamily="18" charset="0"/>
+                <a:cs typeface="Times New Roman" panose="02020603050405020304" pitchFamily="18" charset="0"/>
+              </a:rPr>
+              <a:t>PM </a:t>
+            </a:r>
+            <a:r>
+              <a:rPr lang="en-US" sz="2000" dirty="0" smtClean="0">
+                <a:latin typeface="Times New Roman" panose="02020603050405020304" pitchFamily="18" charset="0"/>
+                <a:cs typeface="Times New Roman" panose="02020603050405020304" pitchFamily="18" charset="0"/>
+              </a:rPr>
+              <a:t>rotor</a:t>
+            </a:r>
+          </a:p>
+          <a:p>
+            <a:pPr marL="457200" indent="-457200" algn="l">
+              <a:buFont typeface="Arial" panose="020B0604020202020204" pitchFamily="34" charset="0"/>
+              <a:buChar char="•"/>
+            </a:pPr>
+            <a:r>
+              <a:rPr lang="en-US" sz="2000" dirty="0" smtClean="0">
+                <a:latin typeface="Times New Roman" panose="02020603050405020304" pitchFamily="18" charset="0"/>
+                <a:cs typeface="Times New Roman" panose="02020603050405020304" pitchFamily="18" charset="0"/>
+              </a:rPr>
+              <a:t>600V – 20A GaN FETs</a:t>
+            </a:r>
+          </a:p>
+          <a:p>
+            <a:pPr marL="457200" indent="-457200" algn="l">
+              <a:buFont typeface="Arial" panose="020B0604020202020204" pitchFamily="34" charset="0"/>
+              <a:buChar char="•"/>
+            </a:pPr>
+            <a:r>
+              <a:rPr lang="tr-TR" sz="2000" dirty="0" smtClean="0">
+                <a:latin typeface="Times New Roman" panose="02020603050405020304" pitchFamily="18" charset="0"/>
+                <a:cs typeface="Times New Roman" panose="02020603050405020304" pitchFamily="18" charset="0"/>
+              </a:rPr>
+              <a:t>Four</a:t>
+            </a:r>
+            <a:r>
+              <a:rPr lang="en-US" sz="2000" dirty="0" smtClean="0">
+                <a:latin typeface="Times New Roman" panose="02020603050405020304" pitchFamily="18" charset="0"/>
+                <a:cs typeface="Times New Roman" panose="02020603050405020304" pitchFamily="18" charset="0"/>
+              </a:rPr>
+              <a:t> 20</a:t>
+            </a:r>
+            <a:r>
+              <a:rPr lang="el-GR" sz="2000" dirty="0" smtClean="0">
+                <a:latin typeface="Times New Roman" panose="02020603050405020304" pitchFamily="18" charset="0"/>
+                <a:cs typeface="Times New Roman" panose="02020603050405020304" pitchFamily="18" charset="0"/>
+              </a:rPr>
+              <a:t>μ</a:t>
+            </a:r>
+            <a:r>
+              <a:rPr lang="en-US" sz="2000" dirty="0" smtClean="0">
+                <a:latin typeface="Times New Roman" panose="02020603050405020304" pitchFamily="18" charset="0"/>
+                <a:cs typeface="Times New Roman" panose="02020603050405020304" pitchFamily="18" charset="0"/>
+              </a:rPr>
+              <a:t>F, 450V capacitors</a:t>
+            </a:r>
+          </a:p>
+        </p:txBody>
+      </p:sp>
+      <p:sp>
+        <p:nvSpPr>
+          <p:cNvPr id="17" name="Text Box 9"/>
+          <p:cNvSpPr txBox="1">
+            <a:spLocks noChangeArrowheads="1"/>
+          </p:cNvSpPr>
+          <p:nvPr/>
+        </p:nvSpPr>
+        <p:spPr bwMode="auto">
+          <a:xfrm>
+            <a:off x="1386291" y="3035210"/>
+            <a:ext cx="6514138" cy="400110"/>
+          </a:xfrm>
+          <a:prstGeom prst="rect">
+            <a:avLst/>
+          </a:prstGeom>
+          <a:noFill/>
+          <a:ln w="9525">
+            <a:noFill/>
+            <a:miter lim="800000"/>
+            <a:headEnd/>
+            <a:tailEnd/>
+          </a:ln>
+          <a:effectLst/>
+        </p:spPr>
+        <p:txBody>
+          <a:bodyPr wrap="square">
+            <a:spAutoFit/>
+          </a:bodyPr>
+          <a:lstStyle/>
+          <a:p>
+            <a:r>
+              <a:rPr lang="en-US" sz="2000" b="1" dirty="0" smtClean="0">
+                <a:latin typeface="Times New Roman" panose="02020603050405020304" pitchFamily="18" charset="0"/>
+                <a:cs typeface="Times New Roman" panose="02020603050405020304" pitchFamily="18" charset="0"/>
+              </a:rPr>
+              <a:t>Specifications</a:t>
+            </a:r>
+            <a:endParaRPr lang="en-US" sz="2000" dirty="0" smtClean="0">
+              <a:latin typeface="Times New Roman" panose="02020603050405020304" pitchFamily="18" charset="0"/>
+              <a:cs typeface="Times New Roman" panose="02020603050405020304" pitchFamily="18" charset="0"/>
+            </a:endParaRPr>
+          </a:p>
+        </p:txBody>
+      </p:sp>
     </p:spTree>
     <p:extLst>
       <p:ext uri="{BB962C8B-B14F-4D97-AF65-F5344CB8AC3E}">
-        <p14:creationId xmlns:p14="http://schemas.microsoft.com/office/powerpoint/2010/main" val="3946266199"/>
+        <p14:creationId xmlns:p14="http://schemas.microsoft.com/office/powerpoint/2010/main" val="3266298364"/>
       </p:ext>
     </p:extLst>
   </p:cSld>
@@ -7472,6 +7039,43 @@
           </a:fontRef>
         </p:style>
       </p:cxnSp>
+      <p:sp>
+        <p:nvSpPr>
+          <p:cNvPr id="13" name="TextBox 12"/>
+          <p:cNvSpPr txBox="1"/>
+          <p:nvPr/>
+        </p:nvSpPr>
+        <p:spPr>
+          <a:xfrm>
+            <a:off x="1386291" y="224135"/>
+            <a:ext cx="7315200" cy="553998"/>
+          </a:xfrm>
+          <a:prstGeom prst="rect">
+            <a:avLst/>
+          </a:prstGeom>
+          <a:noFill/>
+        </p:spPr>
+        <p:txBody>
+          <a:bodyPr wrap="square" rtlCol="0">
+            <a:spAutoFit/>
+          </a:bodyPr>
+          <a:lstStyle/>
+          <a:p>
+            <a:pPr algn="ctr"/>
+            <a:r>
+              <a:rPr lang="en-US" sz="3000" dirty="0" smtClean="0">
+                <a:latin typeface="Times New Roman" panose="02020603050405020304" pitchFamily="18" charset="0"/>
+                <a:cs typeface="Times New Roman" panose="02020603050405020304" pitchFamily="18" charset="0"/>
+              </a:rPr>
+              <a:t>How efficient?</a:t>
+            </a:r>
+            <a:endParaRPr lang="en-US" sz="3000" dirty="0">
+              <a:latin typeface="Times New Roman" panose="02020603050405020304" pitchFamily="18" charset="0"/>
+              <a:cs typeface="Times New Roman" panose="02020603050405020304" pitchFamily="18" charset="0"/>
+            </a:endParaRPr>
+          </a:p>
+        </p:txBody>
+      </p:sp>
       <p:cxnSp>
         <p:nvCxnSpPr>
           <p:cNvPr id="15" name="Straight Connector 14"/>
@@ -7574,161 +7178,7 @@
       </p:pic>
       <p:sp>
         <p:nvSpPr>
-          <p:cNvPr id="9" name="TextBox 8"/>
-          <p:cNvSpPr txBox="1"/>
-          <p:nvPr/>
-        </p:nvSpPr>
-        <p:spPr>
-          <a:xfrm>
-            <a:off x="1386291" y="224135"/>
-            <a:ext cx="7315200" cy="553998"/>
-          </a:xfrm>
-          <a:prstGeom prst="rect">
-            <a:avLst/>
-          </a:prstGeom>
-          <a:noFill/>
-        </p:spPr>
-        <p:txBody>
-          <a:bodyPr wrap="square" rtlCol="0">
-            <a:spAutoFit/>
-          </a:bodyPr>
-          <a:lstStyle/>
-          <a:p>
-            <a:pPr algn="ctr"/>
-            <a:r>
-              <a:rPr lang="tr-TR" sz="3000" dirty="0" smtClean="0">
-                <a:latin typeface="Times New Roman" panose="02020603050405020304" pitchFamily="18" charset="0"/>
-                <a:cs typeface="Times New Roman" panose="02020603050405020304" pitchFamily="18" charset="0"/>
-              </a:rPr>
-              <a:t>DC Link </a:t>
-            </a:r>
-            <a:r>
-              <a:rPr lang="tr-TR" sz="3000" dirty="0" err="1" smtClean="0">
-                <a:latin typeface="Times New Roman" panose="02020603050405020304" pitchFamily="18" charset="0"/>
-                <a:cs typeface="Times New Roman" panose="02020603050405020304" pitchFamily="18" charset="0"/>
-              </a:rPr>
-              <a:t>Capacitor</a:t>
-            </a:r>
-            <a:r>
-              <a:rPr lang="tr-TR" sz="3000" dirty="0" smtClean="0">
-                <a:latin typeface="Times New Roman" panose="02020603050405020304" pitchFamily="18" charset="0"/>
-                <a:cs typeface="Times New Roman" panose="02020603050405020304" pitchFamily="18" charset="0"/>
-              </a:rPr>
-              <a:t> </a:t>
-            </a:r>
-            <a:r>
-              <a:rPr lang="tr-TR" sz="3000" dirty="0" err="1" smtClean="0">
-                <a:latin typeface="Times New Roman" panose="02020603050405020304" pitchFamily="18" charset="0"/>
-                <a:cs typeface="Times New Roman" panose="02020603050405020304" pitchFamily="18" charset="0"/>
-              </a:rPr>
-              <a:t>Optimization</a:t>
-            </a:r>
-            <a:endParaRPr lang="tr-TR" sz="3000" dirty="0">
-              <a:latin typeface="Times New Roman" panose="02020603050405020304" pitchFamily="18" charset="0"/>
-              <a:cs typeface="Times New Roman" panose="02020603050405020304" pitchFamily="18" charset="0"/>
-            </a:endParaRPr>
-          </a:p>
-        </p:txBody>
-      </p:sp>
-      <p:pic>
-        <p:nvPicPr>
-          <p:cNvPr id="4" name="Picture 3"/>
-          <p:cNvPicPr>
-            <a:picLocks noChangeAspect="1"/>
-          </p:cNvPicPr>
-          <p:nvPr/>
-        </p:nvPicPr>
-        <p:blipFill>
-          <a:blip r:embed="rId3"/>
-          <a:stretch>
-            <a:fillRect/>
-          </a:stretch>
-        </p:blipFill>
-        <p:spPr>
-          <a:xfrm>
-            <a:off x="1397131" y="1285155"/>
-            <a:ext cx="2928749" cy="2338387"/>
-          </a:xfrm>
-          <a:prstGeom prst="rect">
-            <a:avLst/>
-          </a:prstGeom>
-        </p:spPr>
-      </p:pic>
-      <p:pic>
-        <p:nvPicPr>
-          <p:cNvPr id="5" name="Picture 4"/>
-          <p:cNvPicPr>
-            <a:picLocks noChangeAspect="1"/>
-          </p:cNvPicPr>
-          <p:nvPr/>
-        </p:nvPicPr>
-        <p:blipFill>
-          <a:blip r:embed="rId4"/>
-          <a:stretch>
-            <a:fillRect/>
-          </a:stretch>
-        </p:blipFill>
-        <p:spPr>
-          <a:xfrm>
-            <a:off x="5562598" y="1304283"/>
-            <a:ext cx="2928749" cy="2310255"/>
-          </a:xfrm>
-          <a:prstGeom prst="rect">
-            <a:avLst/>
-          </a:prstGeom>
-        </p:spPr>
-      </p:pic>
-      <p:pic>
-        <p:nvPicPr>
-          <p:cNvPr id="7" name="Picture 6"/>
-          <p:cNvPicPr>
-            <a:picLocks noChangeAspect="1"/>
-          </p:cNvPicPr>
-          <p:nvPr/>
-        </p:nvPicPr>
-        <p:blipFill>
-          <a:blip r:embed="rId5"/>
-          <a:stretch>
-            <a:fillRect/>
-          </a:stretch>
-        </p:blipFill>
-        <p:spPr>
-          <a:xfrm>
-            <a:off x="5181600" y="3733800"/>
-            <a:ext cx="3368163" cy="3110523"/>
-          </a:xfrm>
-          <a:prstGeom prst="rect">
-            <a:avLst/>
-          </a:prstGeom>
-        </p:spPr>
-      </p:pic>
-      <p:pic>
-        <p:nvPicPr>
-          <p:cNvPr id="6" name="Picture 5"/>
-          <p:cNvPicPr>
-            <a:picLocks noChangeAspect="1"/>
-          </p:cNvPicPr>
-          <p:nvPr/>
-        </p:nvPicPr>
-        <p:blipFill>
-          <a:blip r:embed="rId6"/>
-          <a:stretch>
-            <a:fillRect/>
-          </a:stretch>
-        </p:blipFill>
-        <p:spPr>
-          <a:xfrm>
-            <a:off x="1162564" y="3945927"/>
-            <a:ext cx="3739508" cy="2854825"/>
-          </a:xfrm>
-          <a:prstGeom prst="rect">
-            <a:avLst/>
-          </a:prstGeom>
-        </p:spPr>
-      </p:pic>
-      <p:sp>
-        <p:nvSpPr>
-          <p:cNvPr id="16" name="Text Box 9"/>
+          <p:cNvPr id="9" name="Text Box 9"/>
           <p:cNvSpPr txBox="1">
             <a:spLocks noChangeArrowheads="1"/>
           </p:cNvSpPr>
@@ -7736,8 +7186,8 @@
         </p:nvSpPr>
         <p:spPr bwMode="auto">
           <a:xfrm>
-            <a:off x="1397131" y="962770"/>
-            <a:ext cx="2928749" cy="338554"/>
+            <a:off x="1348190" y="952500"/>
+            <a:ext cx="7491009" cy="400110"/>
           </a:xfrm>
           <a:prstGeom prst="rect">
             <a:avLst/>
@@ -7759,64 +7209,46 @@
           <a:p>
             <a:pPr algn="ctr"/>
             <a:r>
-              <a:rPr lang="tr-TR" sz="1600" b="1" dirty="0" smtClean="0">
-                <a:latin typeface="Times New Roman" panose="02020603050405020304" pitchFamily="18" charset="0"/>
-                <a:cs typeface="Times New Roman" panose="02020603050405020304" pitchFamily="18" charset="0"/>
-              </a:rPr>
-              <a:t>RMS </a:t>
-            </a:r>
-            <a:r>
-              <a:rPr lang="tr-TR" sz="1600" b="1" dirty="0" err="1" smtClean="0">
-                <a:latin typeface="Times New Roman" panose="02020603050405020304" pitchFamily="18" charset="0"/>
-                <a:cs typeface="Times New Roman" panose="02020603050405020304" pitchFamily="18" charset="0"/>
-              </a:rPr>
-              <a:t>current</a:t>
-            </a:r>
-            <a:r>
-              <a:rPr lang="tr-TR" sz="1600" b="1" dirty="0" smtClean="0">
-                <a:latin typeface="Times New Roman" panose="02020603050405020304" pitchFamily="18" charset="0"/>
-                <a:cs typeface="Times New Roman" panose="02020603050405020304" pitchFamily="18" charset="0"/>
-              </a:rPr>
-              <a:t> </a:t>
-            </a:r>
-            <a:r>
-              <a:rPr lang="tr-TR" sz="1600" b="1" dirty="0" err="1" smtClean="0">
-                <a:latin typeface="Times New Roman" panose="02020603050405020304" pitchFamily="18" charset="0"/>
-                <a:cs typeface="Times New Roman" panose="02020603050405020304" pitchFamily="18" charset="0"/>
-              </a:rPr>
-              <a:t>vs</a:t>
-            </a:r>
-            <a:r>
-              <a:rPr lang="tr-TR" sz="1600" b="1" dirty="0" smtClean="0">
-                <a:latin typeface="Times New Roman" panose="02020603050405020304" pitchFamily="18" charset="0"/>
-                <a:cs typeface="Times New Roman" panose="02020603050405020304" pitchFamily="18" charset="0"/>
-              </a:rPr>
-              <a:t> </a:t>
-            </a:r>
-            <a:r>
-              <a:rPr lang="tr-TR" sz="1600" b="1" dirty="0" err="1" smtClean="0">
-                <a:latin typeface="Times New Roman" panose="02020603050405020304" pitchFamily="18" charset="0"/>
-                <a:cs typeface="Times New Roman" panose="02020603050405020304" pitchFamily="18" charset="0"/>
-              </a:rPr>
-              <a:t>m</a:t>
-            </a:r>
-            <a:r>
-              <a:rPr lang="tr-TR" sz="1600" b="1" baseline="-25000" dirty="0" err="1" smtClean="0">
-                <a:latin typeface="Times New Roman" panose="02020603050405020304" pitchFamily="18" charset="0"/>
-                <a:cs typeface="Times New Roman" panose="02020603050405020304" pitchFamily="18" charset="0"/>
-              </a:rPr>
-              <a:t>a</a:t>
-            </a:r>
-            <a:endParaRPr lang="en-US" sz="1600" b="1" baseline="-25000" dirty="0" smtClean="0">
+              <a:rPr lang="en-US" sz="2000" b="1" dirty="0" smtClean="0">
+                <a:latin typeface="Times New Roman" panose="02020603050405020304" pitchFamily="18" charset="0"/>
+                <a:cs typeface="Times New Roman" panose="02020603050405020304" pitchFamily="18" charset="0"/>
+              </a:rPr>
+              <a:t>Loss Characterization</a:t>
+            </a:r>
+            <a:endParaRPr lang="en-US" sz="2000" dirty="0" smtClean="0">
               <a:latin typeface="Times New Roman" panose="02020603050405020304" pitchFamily="18" charset="0"/>
               <a:cs typeface="Times New Roman" panose="02020603050405020304" pitchFamily="18" charset="0"/>
             </a:endParaRPr>
           </a:p>
         </p:txBody>
       </p:sp>
-      <p:sp>
-        <p:nvSpPr>
-          <p:cNvPr id="17" name="Text Box 9"/>
+      <p:pic>
+        <p:nvPicPr>
+          <p:cNvPr id="12" name="Picture 11"/>
+          <p:cNvPicPr>
+            <a:picLocks noChangeAspect="1"/>
+          </p:cNvPicPr>
+          <p:nvPr/>
+        </p:nvPicPr>
+        <p:blipFill>
+          <a:blip r:embed="rId3"/>
+          <a:stretch>
+            <a:fillRect/>
+          </a:stretch>
+        </p:blipFill>
+        <p:spPr>
+          <a:xfrm>
+            <a:off x="4776861" y="2667000"/>
+            <a:ext cx="3552678" cy="3380190"/>
+          </a:xfrm>
+          <a:prstGeom prst="rect">
+            <a:avLst/>
+          </a:prstGeom>
+        </p:spPr>
+      </p:pic>
+      <p:sp>
+        <p:nvSpPr>
+          <p:cNvPr id="16" name="Text Box 9"/>
           <p:cNvSpPr txBox="1">
             <a:spLocks noChangeArrowheads="1"/>
           </p:cNvSpPr>
@@ -7824,8 +7256,8 @@
         </p:nvSpPr>
         <p:spPr bwMode="auto">
           <a:xfrm>
-            <a:off x="5562598" y="951976"/>
-            <a:ext cx="2928749" cy="338554"/>
+            <a:off x="1334514" y="3179093"/>
+            <a:ext cx="3442347" cy="1938992"/>
           </a:xfrm>
           <a:prstGeom prst="rect">
             <a:avLst/>
@@ -7845,50 +7277,69 @@
           </a:bodyPr>
           <a:lstStyle/>
           <a:p>
-            <a:pPr algn="ctr"/>
-            <a:r>
-              <a:rPr lang="tr-TR" sz="1600" b="1" dirty="0" err="1" smtClean="0">
-                <a:latin typeface="Times New Roman" panose="02020603050405020304" pitchFamily="18" charset="0"/>
-                <a:cs typeface="Times New Roman" panose="02020603050405020304" pitchFamily="18" charset="0"/>
-              </a:rPr>
-              <a:t>Capacitance</a:t>
-            </a:r>
-            <a:r>
-              <a:rPr lang="tr-TR" sz="1600" b="1" dirty="0" smtClean="0">
-                <a:latin typeface="Times New Roman" panose="02020603050405020304" pitchFamily="18" charset="0"/>
-                <a:cs typeface="Times New Roman" panose="02020603050405020304" pitchFamily="18" charset="0"/>
-              </a:rPr>
-              <a:t> </a:t>
-            </a:r>
-            <a:r>
-              <a:rPr lang="tr-TR" sz="1600" b="1" dirty="0" err="1" smtClean="0">
-                <a:latin typeface="Times New Roman" panose="02020603050405020304" pitchFamily="18" charset="0"/>
-                <a:cs typeface="Times New Roman" panose="02020603050405020304" pitchFamily="18" charset="0"/>
-              </a:rPr>
-              <a:t>vs</a:t>
-            </a:r>
-            <a:r>
-              <a:rPr lang="tr-TR" sz="1600" b="1" dirty="0" smtClean="0">
-                <a:latin typeface="Times New Roman" panose="02020603050405020304" pitchFamily="18" charset="0"/>
-                <a:cs typeface="Times New Roman" panose="02020603050405020304" pitchFamily="18" charset="0"/>
-              </a:rPr>
-              <a:t> </a:t>
-            </a:r>
-            <a:r>
-              <a:rPr lang="tr-TR" sz="1600" b="1" dirty="0" err="1" smtClean="0">
-                <a:latin typeface="Times New Roman" panose="02020603050405020304" pitchFamily="18" charset="0"/>
-                <a:cs typeface="Times New Roman" panose="02020603050405020304" pitchFamily="18" charset="0"/>
-              </a:rPr>
-              <a:t>f</a:t>
-            </a:r>
-            <a:r>
-              <a:rPr lang="tr-TR" sz="1600" b="1" baseline="-25000" dirty="0" err="1" smtClean="0">
-                <a:latin typeface="Times New Roman" panose="02020603050405020304" pitchFamily="18" charset="0"/>
-                <a:cs typeface="Times New Roman" panose="02020603050405020304" pitchFamily="18" charset="0"/>
-              </a:rPr>
-              <a:t>sw</a:t>
-            </a:r>
-            <a:endParaRPr lang="en-US" sz="1600" b="1" baseline="-25000" dirty="0" smtClean="0">
+            <a:r>
+              <a:rPr lang="tr-TR" sz="2000" dirty="0" smtClean="0">
+                <a:latin typeface="Times New Roman" panose="02020603050405020304" pitchFamily="18" charset="0"/>
+                <a:cs typeface="Times New Roman" panose="02020603050405020304" pitchFamily="18" charset="0"/>
+              </a:rPr>
+              <a:t>Hangi güçte akımda/voltajda elde edildiğini yazalım</a:t>
+            </a:r>
+          </a:p>
+          <a:p>
+            <a:r>
+              <a:rPr lang="tr-TR" sz="2000" dirty="0" err="1" smtClean="0">
+                <a:latin typeface="Times New Roman" panose="02020603050405020304" pitchFamily="18" charset="0"/>
+                <a:cs typeface="Times New Roman" panose="02020603050405020304" pitchFamily="18" charset="0"/>
+              </a:rPr>
+              <a:t>Device’ları</a:t>
+            </a:r>
+            <a:r>
+              <a:rPr lang="tr-TR" sz="2000" dirty="0" smtClean="0">
+                <a:latin typeface="Times New Roman" panose="02020603050405020304" pitchFamily="18" charset="0"/>
+                <a:cs typeface="Times New Roman" panose="02020603050405020304" pitchFamily="18" charset="0"/>
+              </a:rPr>
+              <a:t> koyalım</a:t>
+            </a:r>
+          </a:p>
+          <a:p>
+            <a:r>
+              <a:rPr lang="tr-TR" sz="2000" dirty="0" smtClean="0">
+                <a:latin typeface="Times New Roman" panose="02020603050405020304" pitchFamily="18" charset="0"/>
+                <a:cs typeface="Times New Roman" panose="02020603050405020304" pitchFamily="18" charset="0"/>
+              </a:rPr>
+              <a:t>Hangi rengin hangi </a:t>
+            </a:r>
+            <a:r>
+              <a:rPr lang="tr-TR" sz="2000" dirty="0" err="1" smtClean="0">
+                <a:latin typeface="Times New Roman" panose="02020603050405020304" pitchFamily="18" charset="0"/>
+                <a:cs typeface="Times New Roman" panose="02020603050405020304" pitchFamily="18" charset="0"/>
+              </a:rPr>
+              <a:t>loss</a:t>
+            </a:r>
+            <a:r>
+              <a:rPr lang="tr-TR" sz="2000" dirty="0" smtClean="0">
+                <a:latin typeface="Times New Roman" panose="02020603050405020304" pitchFamily="18" charset="0"/>
+                <a:cs typeface="Times New Roman" panose="02020603050405020304" pitchFamily="18" charset="0"/>
+              </a:rPr>
+              <a:t> olduğunu yazalım</a:t>
+            </a:r>
+          </a:p>
+          <a:p>
+            <a:r>
+              <a:rPr lang="tr-TR" sz="2000" dirty="0" err="1" smtClean="0">
+                <a:latin typeface="Times New Roman" panose="02020603050405020304" pitchFamily="18" charset="0"/>
+                <a:cs typeface="Times New Roman" panose="02020603050405020304" pitchFamily="18" charset="0"/>
+              </a:rPr>
+              <a:t>Vektörel</a:t>
+            </a:r>
+            <a:r>
+              <a:rPr lang="tr-TR" sz="2000" dirty="0" smtClean="0">
+                <a:latin typeface="Times New Roman" panose="02020603050405020304" pitchFamily="18" charset="0"/>
+                <a:cs typeface="Times New Roman" panose="02020603050405020304" pitchFamily="18" charset="0"/>
+              </a:rPr>
+              <a:t> koyalım</a:t>
+            </a:r>
+            <a:endParaRPr lang="en-US" sz="2000" dirty="0" smtClean="0">
               <a:latin typeface="Times New Roman" panose="02020603050405020304" pitchFamily="18" charset="0"/>
               <a:cs typeface="Times New Roman" panose="02020603050405020304" pitchFamily="18" charset="0"/>
             </a:endParaRPr>
@@ -7898,7 +7349,7 @@
     </p:spTree>
     <p:extLst>
       <p:ext uri="{BB962C8B-B14F-4D97-AF65-F5344CB8AC3E}">
-        <p14:creationId xmlns:p14="http://schemas.microsoft.com/office/powerpoint/2010/main" val="1314151076"/>
+        <p14:creationId xmlns:p14="http://schemas.microsoft.com/office/powerpoint/2010/main" val="471846561"/>
       </p:ext>
     </p:extLst>
   </p:cSld>
@@ -8055,13 +7506,27 @@
           <a:p>
             <a:pPr algn="ctr"/>
             <a:r>
+              <a:rPr lang="tr-TR" sz="3000" dirty="0" err="1" smtClean="0">
+                <a:latin typeface="Times New Roman" panose="02020603050405020304" pitchFamily="18" charset="0"/>
+                <a:cs typeface="Times New Roman" panose="02020603050405020304" pitchFamily="18" charset="0"/>
+              </a:rPr>
+              <a:t>Future</a:t>
+            </a:r>
+            <a:r>
               <a:rPr lang="tr-TR" sz="3000" dirty="0" smtClean="0">
                 <a:latin typeface="Times New Roman" panose="02020603050405020304" pitchFamily="18" charset="0"/>
                 <a:cs typeface="Times New Roman" panose="02020603050405020304" pitchFamily="18" charset="0"/>
               </a:rPr>
-              <a:t>IMMD Design</a:t>
-            </a:r>
-            <a:endParaRPr lang="tr-TR" sz="3000" dirty="0">
+              <a:t> </a:t>
+            </a:r>
+            <a:r>
+              <a:rPr lang="tr-TR" sz="3000" dirty="0" err="1" smtClean="0">
+                <a:latin typeface="Times New Roman" panose="02020603050405020304" pitchFamily="18" charset="0"/>
+                <a:cs typeface="Times New Roman" panose="02020603050405020304" pitchFamily="18" charset="0"/>
+              </a:rPr>
+              <a:t>Work</a:t>
+            </a:r>
+            <a:endParaRPr lang="en-US" sz="3000" dirty="0">
               <a:latin typeface="Times New Roman" panose="02020603050405020304" pitchFamily="18" charset="0"/>
               <a:cs typeface="Times New Roman" panose="02020603050405020304" pitchFamily="18" charset="0"/>
             </a:endParaRPr>
@@ -8170,7 +7635,7 @@
       </p:pic>
       <p:sp>
         <p:nvSpPr>
-          <p:cNvPr id="8" name="Text Box 9"/>
+          <p:cNvPr id="16" name="Text Box 9"/>
           <p:cNvSpPr txBox="1">
             <a:spLocks noChangeArrowheads="1"/>
           </p:cNvSpPr>
@@ -8178,8 +7643,8 @@
         </p:nvSpPr>
         <p:spPr bwMode="auto">
           <a:xfrm>
-            <a:off x="1367630" y="1143000"/>
-            <a:ext cx="7293858" cy="1554272"/>
+            <a:off x="1386291" y="1600200"/>
+            <a:ext cx="7643409" cy="2246769"/>
           </a:xfrm>
           <a:prstGeom prst="rect">
             <a:avLst/>
@@ -8199,278 +7664,196 @@
           </a:bodyPr>
           <a:lstStyle/>
           <a:p>
-            <a:pPr algn="l">
-              <a:spcAft>
-                <a:spcPts val="600"/>
-              </a:spcAft>
-            </a:pPr>
+            <a:pPr algn="l"/>
             <a:r>
               <a:rPr lang="en-US" sz="2000" dirty="0" smtClean="0">
                 <a:latin typeface="Times New Roman" panose="02020603050405020304" pitchFamily="18" charset="0"/>
                 <a:cs typeface="Times New Roman" panose="02020603050405020304" pitchFamily="18" charset="0"/>
               </a:rPr>
-              <a:t>Four three-phase inverter modules (two-series and two-parallel)</a:t>
-            </a:r>
-          </a:p>
-          <a:p>
-            <a:pPr algn="l">
-              <a:spcAft>
-                <a:spcPts val="600"/>
-              </a:spcAft>
-            </a:pPr>
-            <a:r>
-              <a:rPr lang="tr-TR" sz="2000" dirty="0" smtClean="0">
-                <a:latin typeface="Times New Roman" panose="02020603050405020304" pitchFamily="18" charset="0"/>
-                <a:cs typeface="Times New Roman" panose="02020603050405020304" pitchFamily="18" charset="0"/>
-              </a:rPr>
-              <a:t>Power stage with cascode GaN FETs</a:t>
-            </a:r>
-          </a:p>
-          <a:p>
-            <a:pPr algn="l">
-              <a:spcAft>
-                <a:spcPts val="600"/>
-              </a:spcAft>
-            </a:pPr>
-            <a:r>
-              <a:rPr lang="en-US" sz="2000" dirty="0">
-                <a:latin typeface="Times New Roman" panose="02020603050405020304" pitchFamily="18" charset="0"/>
-                <a:cs typeface="Times New Roman" panose="02020603050405020304" pitchFamily="18" charset="0"/>
-              </a:rPr>
-              <a:t>Permanent Magnet Brushless DC (PM-BLDC) </a:t>
+              <a:t>Build a </a:t>
+            </a:r>
+            <a:r>
+              <a:rPr lang="tr-TR" sz="2000" b="1" dirty="0" smtClean="0">
+                <a:latin typeface="Times New Roman" panose="02020603050405020304" pitchFamily="18" charset="0"/>
+                <a:cs typeface="Times New Roman" panose="02020603050405020304" pitchFamily="18" charset="0"/>
+              </a:rPr>
+              <a:t>6</a:t>
+            </a:r>
+            <a:r>
+              <a:rPr lang="en-US" sz="2000" b="1" dirty="0" smtClean="0">
+                <a:latin typeface="Times New Roman" panose="02020603050405020304" pitchFamily="18" charset="0"/>
+                <a:cs typeface="Times New Roman" panose="02020603050405020304" pitchFamily="18" charset="0"/>
+              </a:rPr>
+              <a:t> kW </a:t>
             </a:r>
             <a:r>
               <a:rPr lang="en-US" sz="2000" dirty="0" smtClean="0">
                 <a:latin typeface="Times New Roman" panose="02020603050405020304" pitchFamily="18" charset="0"/>
                 <a:cs typeface="Times New Roman" panose="02020603050405020304" pitchFamily="18" charset="0"/>
               </a:rPr>
-              <a:t>motor</a:t>
-            </a:r>
-          </a:p>
-          <a:p>
-            <a:pPr algn="l">
-              <a:spcAft>
-                <a:spcPts val="600"/>
-              </a:spcAft>
-            </a:pPr>
+              <a:t>laboratory </a:t>
+            </a:r>
+            <a:r>
+              <a:rPr lang="en-US" sz="2000" b="1" dirty="0" smtClean="0">
+                <a:latin typeface="Times New Roman" panose="02020603050405020304" pitchFamily="18" charset="0"/>
+                <a:cs typeface="Times New Roman" panose="02020603050405020304" pitchFamily="18" charset="0"/>
+              </a:rPr>
+              <a:t>prototype</a:t>
+            </a:r>
             <a:r>
               <a:rPr lang="en-US" sz="2000" dirty="0" smtClean="0">
                 <a:latin typeface="Times New Roman" panose="02020603050405020304" pitchFamily="18" charset="0"/>
                 <a:cs typeface="Times New Roman" panose="02020603050405020304" pitchFamily="18" charset="0"/>
               </a:rPr>
-              <a:t>Fractional Slot Concentrated Winding (FSCW) stator</a:t>
-            </a:r>
-          </a:p>
-        </p:txBody>
-      </p:sp>
-      <p:sp>
-        <p:nvSpPr>
-          <p:cNvPr id="9" name="Text Box 9"/>
-          <p:cNvSpPr txBox="1">
-            <a:spLocks noChangeArrowheads="1"/>
-          </p:cNvSpPr>
-          <p:nvPr/>
-        </p:nvSpPr>
-        <p:spPr bwMode="auto">
-          <a:xfrm>
-            <a:off x="1412197" y="3657600"/>
-            <a:ext cx="4740748" cy="1938992"/>
-          </a:xfrm>
-          <a:prstGeom prst="rect">
-            <a:avLst/>
-          </a:prstGeom>
-          <a:noFill/>
-          <a:ln w="9525">
-            <a:noFill/>
-            <a:miter lim="800000"/>
-            <a:headEnd/>
-            <a:tailEnd/>
-          </a:ln>
-          <a:effectLst/>
-        </p:spPr>
-        <p:txBody>
-          <a:bodyPr wrap="square">
-            <a:spAutoFit/>
-          </a:bodyPr>
-          <a:lstStyle/>
-          <a:p>
-            <a:pPr marL="457200" indent="-457200" algn="l">
-              <a:buFont typeface="Arial" panose="020B0604020202020204" pitchFamily="34" charset="0"/>
-              <a:buChar char="•"/>
-            </a:pPr>
-            <a:r>
-              <a:rPr lang="tr-TR" sz="2000" dirty="0" smtClean="0">
-                <a:latin typeface="Times New Roman" panose="02020603050405020304" pitchFamily="18" charset="0"/>
-                <a:cs typeface="Times New Roman" panose="02020603050405020304" pitchFamily="18" charset="0"/>
-              </a:rPr>
-              <a:t>Four</a:t>
+              <a:t> with the </a:t>
             </a:r>
             <a:r>
               <a:rPr lang="en-US" sz="2000" dirty="0" smtClean="0">
                 <a:latin typeface="Times New Roman" panose="02020603050405020304" pitchFamily="18" charset="0"/>
                 <a:cs typeface="Times New Roman" panose="02020603050405020304" pitchFamily="18" charset="0"/>
               </a:rPr>
-              <a:t> three-phase modules</a:t>
-            </a:r>
-          </a:p>
-          <a:p>
-            <a:pPr marL="457200" indent="-457200" algn="l">
-              <a:buFont typeface="Arial" panose="020B0604020202020204" pitchFamily="34" charset="0"/>
-              <a:buChar char="•"/>
-            </a:pPr>
-            <a:r>
-              <a:rPr lang="tr-TR" sz="2000" dirty="0" smtClean="0">
-                <a:latin typeface="Times New Roman" panose="02020603050405020304" pitchFamily="18" charset="0"/>
-                <a:cs typeface="Times New Roman" panose="02020603050405020304" pitchFamily="18" charset="0"/>
-              </a:rPr>
-              <a:t>6 </a:t>
-            </a:r>
-            <a:r>
-              <a:rPr lang="en-US" sz="2000" dirty="0" smtClean="0">
-                <a:latin typeface="Times New Roman" panose="02020603050405020304" pitchFamily="18" charset="0"/>
-                <a:cs typeface="Times New Roman" panose="02020603050405020304" pitchFamily="18" charset="0"/>
-              </a:rPr>
-              <a:t>kW total output power</a:t>
-            </a:r>
-          </a:p>
-          <a:p>
-            <a:pPr marL="457200" indent="-457200" algn="l">
-              <a:buFont typeface="Arial" panose="020B0604020202020204" pitchFamily="34" charset="0"/>
-              <a:buChar char="•"/>
-            </a:pPr>
-            <a:r>
-              <a:rPr lang="en-US" sz="2000" dirty="0" smtClean="0">
-                <a:latin typeface="Times New Roman" panose="02020603050405020304" pitchFamily="18" charset="0"/>
-                <a:cs typeface="Times New Roman" panose="02020603050405020304" pitchFamily="18" charset="0"/>
-              </a:rPr>
-              <a:t>24 slot double layer stator</a:t>
-            </a:r>
-          </a:p>
-          <a:p>
-            <a:pPr marL="457200" indent="-457200" algn="l">
-              <a:buFont typeface="Arial" panose="020B0604020202020204" pitchFamily="34" charset="0"/>
-              <a:buChar char="•"/>
-            </a:pPr>
-            <a:r>
-              <a:rPr lang="en-US" sz="2000" dirty="0" smtClean="0">
-                <a:latin typeface="Times New Roman" panose="02020603050405020304" pitchFamily="18" charset="0"/>
-                <a:cs typeface="Times New Roman" panose="02020603050405020304" pitchFamily="18" charset="0"/>
-              </a:rPr>
-              <a:t>20 pole </a:t>
-            </a:r>
-            <a:r>
-              <a:rPr lang="tr-TR" sz="2000" dirty="0" smtClean="0">
-                <a:latin typeface="Times New Roman" panose="02020603050405020304" pitchFamily="18" charset="0"/>
-                <a:cs typeface="Times New Roman" panose="02020603050405020304" pitchFamily="18" charset="0"/>
-              </a:rPr>
-              <a:t>PM </a:t>
-            </a:r>
-            <a:r>
-              <a:rPr lang="en-US" sz="2000" dirty="0" smtClean="0">
-                <a:latin typeface="Times New Roman" panose="02020603050405020304" pitchFamily="18" charset="0"/>
-                <a:cs typeface="Times New Roman" panose="02020603050405020304" pitchFamily="18" charset="0"/>
-              </a:rPr>
-              <a:t>rotor</a:t>
-            </a:r>
-          </a:p>
-          <a:p>
-            <a:pPr marL="457200" indent="-457200" algn="l">
-              <a:buFont typeface="Arial" panose="020B0604020202020204" pitchFamily="34" charset="0"/>
-              <a:buChar char="•"/>
-            </a:pPr>
-            <a:r>
-              <a:rPr lang="en-US" sz="2000" dirty="0" smtClean="0">
-                <a:latin typeface="Times New Roman" panose="02020603050405020304" pitchFamily="18" charset="0"/>
-                <a:cs typeface="Times New Roman" panose="02020603050405020304" pitchFamily="18" charset="0"/>
-              </a:rPr>
-              <a:t>600V – 20A GaN FETs</a:t>
-            </a:r>
-          </a:p>
-          <a:p>
-            <a:pPr marL="457200" indent="-457200" algn="l">
-              <a:buFont typeface="Arial" panose="020B0604020202020204" pitchFamily="34" charset="0"/>
-              <a:buChar char="•"/>
-            </a:pPr>
-            <a:r>
-              <a:rPr lang="tr-TR" sz="2000" dirty="0" smtClean="0">
-                <a:latin typeface="Times New Roman" panose="02020603050405020304" pitchFamily="18" charset="0"/>
-                <a:cs typeface="Times New Roman" panose="02020603050405020304" pitchFamily="18" charset="0"/>
-              </a:rPr>
-              <a:t>Four</a:t>
-            </a:r>
-            <a:r>
-              <a:rPr lang="en-US" sz="2000" dirty="0" smtClean="0">
-                <a:latin typeface="Times New Roman" panose="02020603050405020304" pitchFamily="18" charset="0"/>
-                <a:cs typeface="Times New Roman" panose="02020603050405020304" pitchFamily="18" charset="0"/>
-              </a:rPr>
-              <a:t> 20</a:t>
-            </a:r>
-            <a:r>
-              <a:rPr lang="el-GR" sz="2000" dirty="0" smtClean="0">
-                <a:latin typeface="Times New Roman" panose="02020603050405020304" pitchFamily="18" charset="0"/>
-                <a:cs typeface="Times New Roman" panose="02020603050405020304" pitchFamily="18" charset="0"/>
-              </a:rPr>
-              <a:t>μ</a:t>
-            </a:r>
-            <a:r>
-              <a:rPr lang="en-US" sz="2000" dirty="0" smtClean="0">
-                <a:latin typeface="Times New Roman" panose="02020603050405020304" pitchFamily="18" charset="0"/>
-                <a:cs typeface="Times New Roman" panose="02020603050405020304" pitchFamily="18" charset="0"/>
-              </a:rPr>
-              <a:t>F, 450V capacitors</a:t>
-            </a:r>
-          </a:p>
-        </p:txBody>
-      </p:sp>
-      <p:sp>
-        <p:nvSpPr>
-          <p:cNvPr id="12" name="Text Box 9"/>
-          <p:cNvSpPr txBox="1">
-            <a:spLocks noChangeArrowheads="1"/>
-          </p:cNvSpPr>
-          <p:nvPr/>
-        </p:nvSpPr>
-        <p:spPr bwMode="auto">
-          <a:xfrm>
-            <a:off x="1386291" y="3035210"/>
-            <a:ext cx="6514138" cy="400110"/>
-          </a:xfrm>
-          <a:prstGeom prst="rect">
-            <a:avLst/>
-          </a:prstGeom>
-          <a:noFill/>
-          <a:ln w="9525">
-            <a:noFill/>
-            <a:miter lim="800000"/>
-            <a:headEnd/>
-            <a:tailEnd/>
-          </a:ln>
-          <a:effectLst/>
-        </p:spPr>
-        <p:txBody>
-          <a:bodyPr wrap="square">
-            <a:spAutoFit/>
-          </a:bodyPr>
-          <a:lstStyle/>
-          <a:p>
-            <a:r>
-              <a:rPr lang="en-US" sz="2000" b="1" dirty="0" smtClean="0">
-                <a:latin typeface="Times New Roman" panose="02020603050405020304" pitchFamily="18" charset="0"/>
-                <a:cs typeface="Times New Roman" panose="02020603050405020304" pitchFamily="18" charset="0"/>
-              </a:rPr>
-              <a:t>Specifications</a:t>
-            </a:r>
+              <a:t>specifications</a:t>
+            </a:r>
+            <a:endParaRPr lang="tr-TR" sz="2000" dirty="0" smtClean="0">
+              <a:latin typeface="Times New Roman" panose="02020603050405020304" pitchFamily="18" charset="0"/>
+              <a:cs typeface="Times New Roman" panose="02020603050405020304" pitchFamily="18" charset="0"/>
+            </a:endParaRPr>
+          </a:p>
+          <a:p>
+            <a:pPr algn="l"/>
             <a:endParaRPr lang="en-US" sz="2000" dirty="0" smtClean="0">
               <a:latin typeface="Times New Roman" panose="02020603050405020304" pitchFamily="18" charset="0"/>
               <a:cs typeface="Times New Roman" panose="02020603050405020304" pitchFamily="18" charset="0"/>
             </a:endParaRPr>
           </a:p>
+          <a:p>
+            <a:pPr marL="457200" indent="-457200" algn="l">
+              <a:buFont typeface="Wingdings" panose="05000000000000000000" pitchFamily="2" charset="2"/>
+              <a:buChar char="ü"/>
+            </a:pPr>
+            <a:r>
+              <a:rPr lang="en-US" sz="2000" dirty="0" smtClean="0">
+                <a:latin typeface="Times New Roman" panose="02020603050405020304" pitchFamily="18" charset="0"/>
+                <a:cs typeface="Times New Roman" panose="02020603050405020304" pitchFamily="18" charset="0"/>
+              </a:rPr>
+              <a:t>Proof of concept</a:t>
+            </a:r>
+          </a:p>
+          <a:p>
+            <a:pPr marL="457200" indent="-457200" algn="l">
+              <a:buFont typeface="Wingdings" panose="05000000000000000000" pitchFamily="2" charset="2"/>
+              <a:buChar char="ü"/>
+            </a:pPr>
+            <a:r>
+              <a:rPr lang="en-US" sz="2000" dirty="0" smtClean="0">
+                <a:latin typeface="Times New Roman" panose="02020603050405020304" pitchFamily="18" charset="0"/>
+                <a:cs typeface="Times New Roman" panose="02020603050405020304" pitchFamily="18" charset="0"/>
+              </a:rPr>
+              <a:t>Drive efficiency</a:t>
+            </a:r>
+            <a:r>
+              <a:rPr lang="en-US" sz="2000" b="1" dirty="0" smtClean="0">
+                <a:latin typeface="Times New Roman" panose="02020603050405020304" pitchFamily="18" charset="0"/>
+                <a:cs typeface="Times New Roman" panose="02020603050405020304" pitchFamily="18" charset="0"/>
+              </a:rPr>
+              <a:t>: 98.5%</a:t>
+            </a:r>
+          </a:p>
+          <a:p>
+            <a:pPr marL="457200" indent="-457200" algn="l">
+              <a:buFont typeface="Wingdings" panose="05000000000000000000" pitchFamily="2" charset="2"/>
+              <a:buChar char="ü"/>
+            </a:pPr>
+            <a:r>
+              <a:rPr lang="en-US" sz="2000" dirty="0" smtClean="0">
+                <a:latin typeface="Times New Roman" panose="02020603050405020304" pitchFamily="18" charset="0"/>
+                <a:cs typeface="Times New Roman" panose="02020603050405020304" pitchFamily="18" charset="0"/>
+              </a:rPr>
+              <a:t>Drive power density</a:t>
+            </a:r>
+            <a:r>
+              <a:rPr lang="en-US" sz="2000" b="1" dirty="0" smtClean="0">
+                <a:latin typeface="Times New Roman" panose="02020603050405020304" pitchFamily="18" charset="0"/>
+                <a:cs typeface="Times New Roman" panose="02020603050405020304" pitchFamily="18" charset="0"/>
+              </a:rPr>
+              <a:t>: 15 W/cm</a:t>
+            </a:r>
+            <a:r>
+              <a:rPr lang="en-US" sz="2000" b="1" baseline="30000" dirty="0" smtClean="0">
+                <a:latin typeface="Times New Roman" panose="02020603050405020304" pitchFamily="18" charset="0"/>
+                <a:cs typeface="Times New Roman" panose="02020603050405020304" pitchFamily="18" charset="0"/>
+              </a:rPr>
+              <a:t>3</a:t>
+            </a:r>
+          </a:p>
+          <a:p>
+            <a:pPr marL="457200" indent="-457200" algn="l">
+              <a:buFont typeface="Wingdings" panose="05000000000000000000" pitchFamily="2" charset="2"/>
+              <a:buChar char="ü"/>
+            </a:pPr>
+            <a:r>
+              <a:rPr lang="en-US" sz="2000" dirty="0" smtClean="0">
+                <a:latin typeface="Times New Roman" panose="02020603050405020304" pitchFamily="18" charset="0"/>
+                <a:cs typeface="Times New Roman" panose="02020603050405020304" pitchFamily="18" charset="0"/>
+              </a:rPr>
+              <a:t>Motor </a:t>
+            </a:r>
+            <a:r>
+              <a:rPr lang="en-US" sz="2000" dirty="0" smtClean="0">
+                <a:latin typeface="Times New Roman" panose="02020603050405020304" pitchFamily="18" charset="0"/>
+                <a:cs typeface="Times New Roman" panose="02020603050405020304" pitchFamily="18" charset="0"/>
+              </a:rPr>
+              <a:t>housing for cooling (</a:t>
+            </a:r>
+            <a:r>
+              <a:rPr lang="en-US" sz="2000" b="1" dirty="0" smtClean="0">
+                <a:latin typeface="Times New Roman" panose="02020603050405020304" pitchFamily="18" charset="0"/>
+                <a:cs typeface="Times New Roman" panose="02020603050405020304" pitchFamily="18" charset="0"/>
+              </a:rPr>
+              <a:t>no heatsink</a:t>
+            </a:r>
+            <a:r>
+              <a:rPr lang="en-US" sz="2000" dirty="0" smtClean="0">
+                <a:latin typeface="Times New Roman" panose="02020603050405020304" pitchFamily="18" charset="0"/>
+                <a:cs typeface="Times New Roman" panose="02020603050405020304" pitchFamily="18" charset="0"/>
+              </a:rPr>
+              <a:t>)</a:t>
+            </a:r>
+            <a:endParaRPr lang="tr-TR" sz="2000" dirty="0" smtClean="0">
+              <a:latin typeface="Times New Roman" panose="02020603050405020304" pitchFamily="18" charset="0"/>
+              <a:cs typeface="Times New Roman" panose="02020603050405020304" pitchFamily="18" charset="0"/>
+            </a:endParaRPr>
+          </a:p>
+          <a:p>
+            <a:pPr marL="457200" indent="-457200">
+              <a:buFont typeface="Wingdings" panose="05000000000000000000" pitchFamily="2" charset="2"/>
+              <a:buChar char="ü"/>
+            </a:pPr>
+            <a:r>
+              <a:rPr lang="en-US" sz="2000" b="1" dirty="0">
+                <a:latin typeface="Times New Roman" panose="02020603050405020304" pitchFamily="18" charset="0"/>
+                <a:cs typeface="Times New Roman" panose="02020603050405020304" pitchFamily="18" charset="0"/>
+              </a:rPr>
+              <a:t>Fault tolerance </a:t>
+            </a:r>
+            <a:r>
+              <a:rPr lang="en-US" sz="2000" dirty="0" smtClean="0">
+                <a:latin typeface="Times New Roman" panose="02020603050405020304" pitchFamily="18" charset="0"/>
+                <a:cs typeface="Times New Roman" panose="02020603050405020304" pitchFamily="18" charset="0"/>
+              </a:rPr>
+              <a:t>tests</a:t>
+            </a:r>
+            <a:endParaRPr lang="en-US" sz="2000" dirty="0">
+              <a:latin typeface="Times New Roman" panose="02020603050405020304" pitchFamily="18" charset="0"/>
+              <a:cs typeface="Times New Roman" panose="02020603050405020304" pitchFamily="18" charset="0"/>
+            </a:endParaRPr>
+          </a:p>
         </p:txBody>
       </p:sp>
     </p:spTree>
     <p:extLst>
       <p:ext uri="{BB962C8B-B14F-4D97-AF65-F5344CB8AC3E}">
-        <p14:creationId xmlns:p14="http://schemas.microsoft.com/office/powerpoint/2010/main" val="2349354778"/>
+        <p14:creationId xmlns:p14="http://schemas.microsoft.com/office/powerpoint/2010/main" val="3007486762"/>
       </p:ext>
     </p:extLst>
   </p:cSld>
@@ -8627,13 +8010,13 @@
           <a:p>
             <a:pPr algn="ctr"/>
             <a:r>
-              <a:rPr lang="tr-TR" sz="3000" dirty="0" smtClean="0">
-                <a:latin typeface="Times New Roman" panose="02020603050405020304" pitchFamily="18" charset="0"/>
-                <a:cs typeface="Times New Roman" panose="02020603050405020304" pitchFamily="18" charset="0"/>
-              </a:rPr>
-              <a:t>IMMD Design</a:t>
-            </a:r>
-            <a:endParaRPr lang="tr-TR" sz="3000" dirty="0">
+              <a:rPr lang="en-US" sz="3000" dirty="0" smtClean="0">
+                <a:latin typeface="Times New Roman" panose="02020603050405020304" pitchFamily="18" charset="0"/>
+                <a:cs typeface="Times New Roman" panose="02020603050405020304" pitchFamily="18" charset="0"/>
+              </a:rPr>
+              <a:t>References</a:t>
+            </a:r>
+            <a:endParaRPr lang="en-US" sz="3000" dirty="0">
               <a:latin typeface="Times New Roman" panose="02020603050405020304" pitchFamily="18" charset="0"/>
               <a:cs typeface="Times New Roman" panose="02020603050405020304" pitchFamily="18" charset="0"/>
             </a:endParaRPr>
@@ -8742,7 +8125,7 @@
       </p:pic>
       <p:sp>
         <p:nvSpPr>
-          <p:cNvPr id="8" name="Text Box 9"/>
+          <p:cNvPr id="12" name="Text Box 42"/>
           <p:cNvSpPr txBox="1">
             <a:spLocks noChangeArrowheads="1"/>
           </p:cNvSpPr>
@@ -8750,8 +8133,8 @@
         </p:nvSpPr>
         <p:spPr bwMode="auto">
           <a:xfrm>
-            <a:off x="1398991" y="1295400"/>
-            <a:ext cx="6781800" cy="707886"/>
+            <a:off x="1164518" y="1371600"/>
+            <a:ext cx="7300509" cy="5047536"/>
           </a:xfrm>
           <a:prstGeom prst="rect">
             <a:avLst/>
@@ -8771,41 +8154,375 @@
           </a:bodyPr>
           <a:lstStyle/>
           <a:p>
-            <a:pPr marL="457200" indent="-457200" algn="l">
-              <a:buFont typeface="Wingdings" panose="05000000000000000000" pitchFamily="2" charset="2"/>
-              <a:buChar char="ü"/>
+            <a:pPr marL="514350" indent="-514350" algn="l" defTabSz="4389438">
+              <a:spcAft>
+                <a:spcPts val="1200"/>
+              </a:spcAft>
+              <a:buFont typeface="+mj-lt"/>
+              <a:buAutoNum type="arabicPeriod"/>
             </a:pPr>
             <a:r>
-              <a:rPr lang="tr-TR" sz="2000" dirty="0" smtClean="0">
-                <a:latin typeface="Times New Roman" panose="02020603050405020304" pitchFamily="18" charset="0"/>
-                <a:cs typeface="Times New Roman" panose="02020603050405020304" pitchFamily="18" charset="0"/>
-              </a:rPr>
-              <a:t>Buraya bir çizim koyalım</a:t>
-            </a:r>
-          </a:p>
-          <a:p>
-            <a:pPr marL="457200" indent="-457200" algn="l">
-              <a:buFont typeface="Wingdings" panose="05000000000000000000" pitchFamily="2" charset="2"/>
-              <a:buChar char="ü"/>
+              <a:rPr lang="en-US" sz="1600" dirty="0" smtClean="0"/>
+              <a:t>G</a:t>
+            </a:r>
+            <a:r>
+              <a:rPr lang="en-US" sz="1600" dirty="0"/>
+              <a:t>. Lo </a:t>
+            </a:r>
+            <a:r>
+              <a:rPr lang="en-US" sz="1600" dirty="0" err="1"/>
+              <a:t>Calzo</a:t>
+            </a:r>
+            <a:r>
+              <a:rPr lang="en-US" sz="1600" dirty="0"/>
+              <a:t> </a:t>
+            </a:r>
+            <a:r>
+              <a:rPr lang="en-US" sz="1600" i="1" dirty="0"/>
+              <a:t>et al.</a:t>
+            </a:r>
+            <a:r>
+              <a:rPr lang="en-US" sz="1600" dirty="0"/>
+              <a:t>, “</a:t>
+            </a:r>
+            <a:r>
+              <a:rPr lang="en-US" sz="1600" b="1" dirty="0"/>
+              <a:t>Integrated motor drives: state of the art and future trends</a:t>
+            </a:r>
+            <a:r>
+              <a:rPr lang="en-US" sz="1600" dirty="0"/>
+              <a:t>,” </a:t>
+            </a:r>
+            <a:r>
+              <a:rPr lang="en-US" sz="1600" i="1" dirty="0"/>
+              <a:t>IET </a:t>
+            </a:r>
+            <a:r>
+              <a:rPr lang="en-US" sz="1600" i="1" dirty="0" err="1"/>
+              <a:t>Electr</a:t>
+            </a:r>
+            <a:r>
+              <a:rPr lang="en-US" sz="1600" i="1" dirty="0"/>
+              <a:t>. Power Appl.</a:t>
+            </a:r>
+            <a:r>
+              <a:rPr lang="en-US" sz="1600" dirty="0"/>
+              <a:t>, vol. 10, no. 8, pp. 757–771, Sep. 2016</a:t>
+            </a:r>
+            <a:r>
+              <a:rPr lang="en-US" sz="1600" dirty="0" smtClean="0"/>
+              <a:t>.</a:t>
+            </a:r>
+            <a:endParaRPr lang="tr-TR" sz="1600" dirty="0" smtClean="0"/>
+          </a:p>
+          <a:p>
+            <a:pPr marL="514350" indent="-514350" algn="l" defTabSz="4389438">
+              <a:spcAft>
+                <a:spcPts val="1200"/>
+              </a:spcAft>
+              <a:buFont typeface="+mj-lt"/>
+              <a:buAutoNum type="arabicPeriod"/>
             </a:pPr>
             <a:r>
-              <a:rPr lang="tr-TR" sz="2000" dirty="0" smtClean="0">
-                <a:latin typeface="Times New Roman" panose="02020603050405020304" pitchFamily="18" charset="0"/>
-                <a:cs typeface="Times New Roman" panose="02020603050405020304" pitchFamily="18" charset="0"/>
-              </a:rPr>
-              <a:t>Devre ve motor</a:t>
-            </a:r>
-            <a:endParaRPr lang="en-US" sz="2000" dirty="0" smtClean="0">
-              <a:latin typeface="Times New Roman" panose="02020603050405020304" pitchFamily="18" charset="0"/>
-              <a:cs typeface="Times New Roman" panose="02020603050405020304" pitchFamily="18" charset="0"/>
-            </a:endParaRPr>
+              <a:rPr lang="en-US" sz="1600" dirty="0" smtClean="0"/>
+              <a:t>J</a:t>
+            </a:r>
+            <a:r>
+              <a:rPr lang="en-US" sz="1600" dirty="0"/>
+              <a:t>. Wang, Y. Li, and Y. Han, “</a:t>
+            </a:r>
+            <a:r>
+              <a:rPr lang="en-US" sz="1600" b="1" dirty="0"/>
+              <a:t>Integrated Modular Motor Drive Design With GaN Power FETs</a:t>
+            </a:r>
+            <a:r>
+              <a:rPr lang="en-US" sz="1600" dirty="0"/>
+              <a:t>,” </a:t>
+            </a:r>
+            <a:r>
+              <a:rPr lang="en-US" sz="1600" i="1" dirty="0"/>
+              <a:t>IEEE Trans. Ind. Appl.</a:t>
+            </a:r>
+            <a:r>
+              <a:rPr lang="en-US" sz="1600" dirty="0"/>
+              <a:t>, vol. 51, no. c, pp. 3198–3207, 2015</a:t>
+            </a:r>
+            <a:r>
+              <a:rPr lang="en-US" sz="1600" dirty="0" smtClean="0"/>
+              <a:t>.</a:t>
+            </a:r>
+            <a:endParaRPr lang="tr-TR" sz="1600" dirty="0" smtClean="0"/>
+          </a:p>
+          <a:p>
+            <a:pPr marL="514350" indent="-514350" algn="l" defTabSz="4389438">
+              <a:spcAft>
+                <a:spcPts val="1200"/>
+              </a:spcAft>
+              <a:buFont typeface="+mj-lt"/>
+              <a:buAutoNum type="arabicPeriod"/>
+            </a:pPr>
+            <a:r>
+              <a:rPr lang="en-US" sz="1600" dirty="0" smtClean="0"/>
+              <a:t>J</a:t>
+            </a:r>
+            <a:r>
+              <a:rPr lang="en-US" sz="1600" dirty="0"/>
+              <a:t>. J. </a:t>
+            </a:r>
+            <a:r>
+              <a:rPr lang="en-US" sz="1600" dirty="0" err="1"/>
+              <a:t>Wolmarans</a:t>
+            </a:r>
+            <a:r>
+              <a:rPr lang="en-US" sz="1600" dirty="0"/>
+              <a:t>, M. B. Gerber, H. </a:t>
+            </a:r>
+            <a:r>
+              <a:rPr lang="en-US" sz="1600" dirty="0" err="1"/>
+              <a:t>Polinder</a:t>
+            </a:r>
+            <a:r>
+              <a:rPr lang="en-US" sz="1600" dirty="0"/>
+              <a:t>, S. W. H. De </a:t>
+            </a:r>
+            <a:r>
+              <a:rPr lang="en-US" sz="1600" dirty="0" err="1"/>
+              <a:t>Haan</a:t>
+            </a:r>
+            <a:r>
+              <a:rPr lang="en-US" sz="1600" dirty="0"/>
+              <a:t>, J. A. Ferreira, and D. </a:t>
+            </a:r>
+            <a:r>
+              <a:rPr lang="en-US" sz="1600" dirty="0" err="1"/>
+              <a:t>Clarenbach</a:t>
+            </a:r>
+            <a:r>
+              <a:rPr lang="en-US" sz="1600" dirty="0"/>
+              <a:t>, “</a:t>
+            </a:r>
+            <a:r>
+              <a:rPr lang="en-US" sz="1600" b="1" dirty="0"/>
+              <a:t>A 50kW integrated fault tolerant permanent magnet machine and motor drive</a:t>
+            </a:r>
+            <a:r>
+              <a:rPr lang="en-US" sz="1600" dirty="0"/>
+              <a:t>,” </a:t>
+            </a:r>
+            <a:r>
+              <a:rPr lang="en-US" sz="1600" i="1" dirty="0"/>
+              <a:t>PESC Rec. - IEEE </a:t>
+            </a:r>
+            <a:r>
+              <a:rPr lang="en-US" sz="1600" i="1" dirty="0" err="1"/>
+              <a:t>Annu</a:t>
+            </a:r>
+            <a:r>
+              <a:rPr lang="en-US" sz="1600" i="1" dirty="0"/>
+              <a:t>. Power Electron. Spec. Conf.</a:t>
+            </a:r>
+            <a:r>
+              <a:rPr lang="en-US" sz="1600" dirty="0"/>
+              <a:t>, pp. 345–351, 2008</a:t>
+            </a:r>
+            <a:r>
+              <a:rPr lang="en-US" sz="1600" dirty="0" smtClean="0"/>
+              <a:t>.</a:t>
+            </a:r>
+            <a:endParaRPr lang="tr-TR" sz="1600" dirty="0" smtClean="0"/>
+          </a:p>
+          <a:p>
+            <a:pPr marL="514350" indent="-514350" defTabSz="4389438">
+              <a:spcAft>
+                <a:spcPts val="1200"/>
+              </a:spcAft>
+              <a:buFont typeface="+mj-lt"/>
+              <a:buAutoNum type="arabicPeriod"/>
+            </a:pPr>
+            <a:r>
+              <a:rPr lang="en-US" sz="1600" dirty="0" smtClean="0"/>
+              <a:t>N</a:t>
+            </a:r>
+            <a:r>
+              <a:rPr lang="en-US" sz="1600" dirty="0"/>
+              <a:t>. R. Brown, T. M. </a:t>
+            </a:r>
+            <a:r>
+              <a:rPr lang="en-US" sz="1600" dirty="0" err="1"/>
+              <a:t>Jahns</a:t>
+            </a:r>
+            <a:r>
+              <a:rPr lang="en-US" sz="1600" dirty="0"/>
+              <a:t>, and R. D. Lorenz, “</a:t>
+            </a:r>
+            <a:r>
+              <a:rPr lang="en-US" sz="1600" b="1" dirty="0"/>
+              <a:t>Power Converter Design for an Integrated Modular Motor Drive</a:t>
+            </a:r>
+            <a:r>
+              <a:rPr lang="en-US" sz="1600" dirty="0"/>
+              <a:t>,” </a:t>
+            </a:r>
+            <a:r>
+              <a:rPr lang="en-US" sz="1600" i="1" dirty="0"/>
+              <a:t>Ind. Appl. Conf. 2007. 42nd IAS </a:t>
+            </a:r>
+            <a:r>
+              <a:rPr lang="en-US" sz="1600" i="1" dirty="0" err="1"/>
+              <a:t>Annu</a:t>
+            </a:r>
+            <a:r>
+              <a:rPr lang="en-US" sz="1600" i="1" dirty="0"/>
+              <a:t>. Meet. Conf. Rec. 2007 IEEE</a:t>
+            </a:r>
+            <a:r>
+              <a:rPr lang="en-US" sz="1600" dirty="0"/>
+              <a:t>, pp. 1322–1328, 2007</a:t>
+            </a:r>
+            <a:r>
+              <a:rPr lang="en-US" sz="1600" dirty="0" smtClean="0"/>
+              <a:t>.</a:t>
+            </a:r>
+            <a:endParaRPr lang="tr-TR" sz="1600" dirty="0" smtClean="0"/>
+          </a:p>
+          <a:p>
+            <a:pPr marL="514350" indent="-514350" defTabSz="4389438">
+              <a:spcAft>
+                <a:spcPts val="1200"/>
+              </a:spcAft>
+              <a:buFont typeface="+mj-lt"/>
+              <a:buAutoNum type="arabicPeriod"/>
+            </a:pPr>
+            <a:r>
+              <a:rPr lang="en-US" sz="1600" dirty="0" smtClean="0"/>
+              <a:t>S</a:t>
+            </a:r>
+            <a:r>
+              <a:rPr lang="en-US" sz="1600" dirty="0"/>
+              <a:t>. M. Lambert, B. C. </a:t>
+            </a:r>
+            <a:r>
+              <a:rPr lang="en-US" sz="1600" dirty="0" err="1"/>
+              <a:t>Mecrow</a:t>
+            </a:r>
+            <a:r>
+              <a:rPr lang="en-US" sz="1600" dirty="0"/>
+              <a:t>, R. </a:t>
+            </a:r>
+            <a:r>
+              <a:rPr lang="en-US" sz="1600" dirty="0" err="1"/>
+              <a:t>Abebe</a:t>
+            </a:r>
+            <a:r>
+              <a:rPr lang="en-US" sz="1600" dirty="0"/>
+              <a:t>, G. </a:t>
+            </a:r>
+            <a:r>
+              <a:rPr lang="en-US" sz="1600" dirty="0" err="1"/>
+              <a:t>Vakil</a:t>
+            </a:r>
+            <a:r>
+              <a:rPr lang="en-US" sz="1600" dirty="0"/>
+              <a:t>, and C. M. Johnson, “</a:t>
+            </a:r>
+            <a:r>
+              <a:rPr lang="en-US" sz="1600" b="1" dirty="0"/>
+              <a:t>Integrated Drives for Transport - A Review of the Enabling Electronics Technology</a:t>
+            </a:r>
+            <a:r>
+              <a:rPr lang="en-US" sz="1600" dirty="0"/>
+              <a:t>,” </a:t>
+            </a:r>
+            <a:r>
+              <a:rPr lang="en-US" sz="1600" i="1" dirty="0"/>
+              <a:t>IEEE </a:t>
+            </a:r>
+            <a:r>
+              <a:rPr lang="en-US" sz="1600" i="1" dirty="0" err="1"/>
+              <a:t>Veh</a:t>
+            </a:r>
+            <a:r>
+              <a:rPr lang="en-US" sz="1600" i="1" dirty="0"/>
+              <a:t>. Power </a:t>
+            </a:r>
+            <a:r>
+              <a:rPr lang="en-US" sz="1600" i="1" dirty="0" err="1"/>
+              <a:t>Propuls</a:t>
+            </a:r>
+            <a:r>
+              <a:rPr lang="en-US" sz="1600" i="1" dirty="0"/>
+              <a:t>. Conf.</a:t>
+            </a:r>
+            <a:r>
+              <a:rPr lang="en-US" sz="1600" dirty="0"/>
+              <a:t>, pp. 1–6, 2015</a:t>
+            </a:r>
+            <a:r>
+              <a:rPr lang="en-US" sz="1600" dirty="0" smtClean="0"/>
+              <a:t>.</a:t>
+            </a:r>
+            <a:endParaRPr lang="tr-TR" sz="1600" dirty="0" smtClean="0"/>
+          </a:p>
+          <a:p>
+            <a:pPr marL="514350" indent="-514350" defTabSz="4389438">
+              <a:spcAft>
+                <a:spcPts val="1200"/>
+              </a:spcAft>
+              <a:buFont typeface="+mj-lt"/>
+              <a:buAutoNum type="arabicPeriod"/>
+            </a:pPr>
+            <a:r>
+              <a:rPr lang="en-US" sz="1600" dirty="0" smtClean="0"/>
+              <a:t>A</a:t>
+            </a:r>
+            <a:r>
+              <a:rPr lang="en-US" sz="1600" dirty="0"/>
+              <a:t>. </a:t>
+            </a:r>
+            <a:r>
+              <a:rPr lang="en-US" sz="1600" dirty="0" err="1"/>
+              <a:t>Shea</a:t>
+            </a:r>
+            <a:r>
+              <a:rPr lang="en-US" sz="1600" dirty="0"/>
+              <a:t> and T. M. </a:t>
+            </a:r>
+            <a:r>
+              <a:rPr lang="en-US" sz="1600" dirty="0" err="1"/>
+              <a:t>Jahns</a:t>
+            </a:r>
+            <a:r>
+              <a:rPr lang="en-US" sz="1600" dirty="0"/>
+              <a:t>, “</a:t>
+            </a:r>
+            <a:r>
+              <a:rPr lang="en-US" sz="1600" b="1" dirty="0"/>
+              <a:t>Hardware integration for an integrated modular motor drive including distributed control</a:t>
+            </a:r>
+            <a:r>
+              <a:rPr lang="en-US" sz="1600" dirty="0"/>
+              <a:t>,” in </a:t>
+            </a:r>
+            <a:r>
+              <a:rPr lang="en-US" sz="1600" i="1" dirty="0"/>
+              <a:t>2014 IEEE Energy Conversion Congress and Exposition (ECCE)</a:t>
+            </a:r>
+            <a:r>
+              <a:rPr lang="en-US" sz="1600" dirty="0"/>
+              <a:t>, 2014, pp. 4881–4887</a:t>
+            </a:r>
+            <a:r>
+              <a:rPr lang="en-US" sz="1600" dirty="0" smtClean="0"/>
+              <a:t>.</a:t>
+            </a:r>
+            <a:endParaRPr lang="tr-TR" sz="1600" dirty="0" smtClean="0"/>
           </a:p>
         </p:txBody>
       </p:sp>
     </p:spTree>
     <p:extLst>
       <p:ext uri="{BB962C8B-B14F-4D97-AF65-F5344CB8AC3E}">
-        <p14:creationId xmlns:p14="http://schemas.microsoft.com/office/powerpoint/2010/main" val="3266298364"/>
+        <p14:creationId xmlns:p14="http://schemas.microsoft.com/office/powerpoint/2010/main" val="1246665622"/>
       </p:ext>
     </p:extLst>
   </p:cSld>
@@ -8938,43 +8655,6 @@
           </a:fontRef>
         </p:style>
       </p:cxnSp>
-      <p:sp>
-        <p:nvSpPr>
-          <p:cNvPr id="13" name="TextBox 12"/>
-          <p:cNvSpPr txBox="1"/>
-          <p:nvPr/>
-        </p:nvSpPr>
-        <p:spPr>
-          <a:xfrm>
-            <a:off x="1386291" y="224135"/>
-            <a:ext cx="7315200" cy="553998"/>
-          </a:xfrm>
-          <a:prstGeom prst="rect">
-            <a:avLst/>
-          </a:prstGeom>
-          <a:noFill/>
-        </p:spPr>
-        <p:txBody>
-          <a:bodyPr wrap="square" rtlCol="0">
-            <a:spAutoFit/>
-          </a:bodyPr>
-          <a:lstStyle/>
-          <a:p>
-            <a:pPr algn="ctr"/>
-            <a:r>
-              <a:rPr lang="en-US" sz="3000" dirty="0" smtClean="0">
-                <a:latin typeface="Times New Roman" panose="02020603050405020304" pitchFamily="18" charset="0"/>
-                <a:cs typeface="Times New Roman" panose="02020603050405020304" pitchFamily="18" charset="0"/>
-              </a:rPr>
-              <a:t>How efficient?</a:t>
-            </a:r>
-            <a:endParaRPr lang="en-US" sz="3000" dirty="0">
-              <a:latin typeface="Times New Roman" panose="02020603050405020304" pitchFamily="18" charset="0"/>
-              <a:cs typeface="Times New Roman" panose="02020603050405020304" pitchFamily="18" charset="0"/>
-            </a:endParaRPr>
-          </a:p>
-        </p:txBody>
-      </p:sp>
       <p:cxnSp>
         <p:nvCxnSpPr>
           <p:cNvPr id="15" name="Straight Connector 14"/>
@@ -9077,178 +8757,174 @@
       </p:pic>
       <p:sp>
         <p:nvSpPr>
-          <p:cNvPr id="9" name="Text Box 9"/>
-          <p:cNvSpPr txBox="1">
+          <p:cNvPr id="3" name="Rectangle 2"/>
+          <p:cNvSpPr>
             <a:spLocks noChangeArrowheads="1"/>
           </p:cNvSpPr>
           <p:nvPr/>
         </p:nvSpPr>
         <p:spPr bwMode="auto">
           <a:xfrm>
-            <a:off x="1348190" y="952500"/>
-            <a:ext cx="7491009" cy="400110"/>
+            <a:off x="2057400" y="2438400"/>
+            <a:ext cx="9144000" cy="0"/>
           </a:xfrm>
           <a:prstGeom prst="rect">
             <a:avLst/>
           </a:prstGeom>
           <a:noFill/>
-          <a:ln w="9525">
+          <a:ln>
             <a:noFill/>
-            <a:miter lim="800000"/>
-            <a:headEnd/>
-            <a:tailEnd/>
           </a:ln>
           <a:effectLst/>
-        </p:spPr>
-        <p:txBody>
-          <a:bodyPr wrap="square">
+          <a:extLst>
+            <a:ext uri="{909E8E84-426E-40DD-AFC4-6F175D3DCCD1}">
+              <a14:hiddenFill xmlns:a14="http://schemas.microsoft.com/office/drawing/2010/main">
+                <a:solidFill>
+                  <a:schemeClr val="accent1"/>
+                </a:solidFill>
+              </a14:hiddenFill>
+            </a:ext>
+            <a:ext uri="{91240B29-F687-4F45-9708-019B960494DF}">
+              <a14:hiddenLine xmlns:a14="http://schemas.microsoft.com/office/drawing/2010/main" w="9525">
+                <a:solidFill>
+                  <a:schemeClr val="tx1"/>
+                </a:solidFill>
+                <a:miter lim="800000"/>
+                <a:headEnd/>
+                <a:tailEnd/>
+              </a14:hiddenLine>
+            </a:ext>
+            <a:ext uri="{AF507438-7753-43E0-B8FC-AC1667EBCBE1}">
+              <a14:hiddenEffects xmlns:a14="http://schemas.microsoft.com/office/drawing/2010/main">
+                <a:effectLst>
+                  <a:outerShdw dist="35921" dir="2700000" algn="ctr" rotWithShape="0">
+                    <a:schemeClr val="bg2"/>
+                  </a:outerShdw>
+                </a:effectLst>
+              </a14:hiddenEffects>
+            </a:ext>
+          </a:extLst>
+        </p:spPr>
+        <p:txBody>
+          <a:bodyPr vert="horz" wrap="none" lIns="91440" tIns="45720" rIns="91440" bIns="45720" numCol="1" anchor="ctr" anchorCtr="0" compatLnSpc="1">
+            <a:prstTxWarp prst="textNoShape">
+              <a:avLst/>
+            </a:prstTxWarp>
             <a:spAutoFit/>
           </a:bodyPr>
           <a:lstStyle/>
           <a:p>
-            <a:pPr algn="ctr"/>
-            <a:r>
-              <a:rPr lang="en-US" sz="2000" b="1" dirty="0" smtClean="0">
-                <a:latin typeface="Times New Roman" panose="02020603050405020304" pitchFamily="18" charset="0"/>
-                <a:cs typeface="Times New Roman" panose="02020603050405020304" pitchFamily="18" charset="0"/>
-              </a:rPr>
-              <a:t>Loss Characterization</a:t>
-            </a:r>
-            <a:endParaRPr lang="en-US" sz="2000" dirty="0" smtClean="0">
+            <a:endParaRPr lang="en-US"/>
+          </a:p>
+        </p:txBody>
+      </p:sp>
+      <p:sp>
+        <p:nvSpPr>
+          <p:cNvPr id="12" name="TextBox 11"/>
+          <p:cNvSpPr txBox="1"/>
+          <p:nvPr/>
+        </p:nvSpPr>
+        <p:spPr>
+          <a:xfrm>
+            <a:off x="1414235" y="150600"/>
+            <a:ext cx="7282263" cy="553998"/>
+          </a:xfrm>
+          <a:prstGeom prst="rect">
+            <a:avLst/>
+          </a:prstGeom>
+          <a:noFill/>
+        </p:spPr>
+        <p:txBody>
+          <a:bodyPr wrap="square" rtlCol="0">
+            <a:spAutoFit/>
+          </a:bodyPr>
+          <a:lstStyle/>
+          <a:p>
+            <a:r>
+              <a:rPr lang="tr-TR" sz="3000" dirty="0" smtClean="0">
+                <a:latin typeface="Times New Roman" panose="02020603050405020304" pitchFamily="18" charset="0"/>
+                <a:cs typeface="Times New Roman" panose="02020603050405020304" pitchFamily="18" charset="0"/>
+              </a:rPr>
+              <a:t> </a:t>
+            </a:r>
+            <a:endParaRPr lang="en-US" sz="3000" dirty="0" smtClean="0">
               <a:latin typeface="Times New Roman" panose="02020603050405020304" pitchFamily="18" charset="0"/>
               <a:cs typeface="Times New Roman" panose="02020603050405020304" pitchFamily="18" charset="0"/>
             </a:endParaRPr>
           </a:p>
         </p:txBody>
       </p:sp>
+      <p:sp>
+        <p:nvSpPr>
+          <p:cNvPr id="16" name="TextBox 15"/>
+          <p:cNvSpPr txBox="1"/>
+          <p:nvPr/>
+        </p:nvSpPr>
+        <p:spPr>
+          <a:xfrm>
+            <a:off x="1356959" y="1323201"/>
+            <a:ext cx="7315200" cy="646331"/>
+          </a:xfrm>
+          <a:prstGeom prst="rect">
+            <a:avLst/>
+          </a:prstGeom>
+          <a:noFill/>
+        </p:spPr>
+        <p:txBody>
+          <a:bodyPr wrap="square" rtlCol="0">
+            <a:spAutoFit/>
+          </a:bodyPr>
+          <a:lstStyle/>
+          <a:p>
+            <a:pPr algn="ctr"/>
+            <a:r>
+              <a:rPr lang="en-US" sz="3600" dirty="0" smtClean="0">
+                <a:latin typeface="Times New Roman" panose="02020603050405020304" pitchFamily="18" charset="0"/>
+                <a:cs typeface="Times New Roman" panose="02020603050405020304" pitchFamily="18" charset="0"/>
+              </a:rPr>
+              <a:t>Thank you !</a:t>
+            </a:r>
+            <a:endParaRPr lang="en-US" sz="3600" dirty="0">
+              <a:latin typeface="Times New Roman" panose="02020603050405020304" pitchFamily="18" charset="0"/>
+              <a:cs typeface="Times New Roman" panose="02020603050405020304" pitchFamily="18" charset="0"/>
+            </a:endParaRPr>
+          </a:p>
+        </p:txBody>
+      </p:sp>
       <p:pic>
         <p:nvPicPr>
-          <p:cNvPr id="12" name="Picture 11"/>
+          <p:cNvPr id="17" name="Picture 16"/>
           <p:cNvPicPr>
             <a:picLocks noChangeAspect="1"/>
           </p:cNvPicPr>
           <p:nvPr/>
         </p:nvPicPr>
         <p:blipFill>
-          <a:blip r:embed="rId3"/>
+          <a:blip r:embed="rId3" cstate="print">
+            <a:extLst>
+              <a:ext uri="{28A0092B-C50C-407E-A947-70E740481C1C}">
+                <a14:useLocalDpi xmlns:a14="http://schemas.microsoft.com/office/drawing/2010/main" val="0"/>
+              </a:ext>
+            </a:extLst>
+          </a:blip>
           <a:stretch>
             <a:fillRect/>
           </a:stretch>
         </p:blipFill>
         <p:spPr>
           <a:xfrm>
-            <a:off x="4776861" y="2667000"/>
-            <a:ext cx="3552678" cy="3380190"/>
+            <a:off x="3584120" y="2907269"/>
+            <a:ext cx="2942492" cy="2942492"/>
           </a:xfrm>
           <a:prstGeom prst="rect">
             <a:avLst/>
           </a:prstGeom>
         </p:spPr>
       </p:pic>
-      <p:sp>
-        <p:nvSpPr>
-          <p:cNvPr id="16" name="Text Box 9"/>
-          <p:cNvSpPr txBox="1">
-            <a:spLocks noChangeArrowheads="1"/>
-          </p:cNvSpPr>
-          <p:nvPr/>
-        </p:nvSpPr>
-        <p:spPr bwMode="auto">
-          <a:xfrm>
-            <a:off x="1334514" y="3179093"/>
-            <a:ext cx="3442347" cy="1938992"/>
-          </a:xfrm>
-          <a:prstGeom prst="rect">
-            <a:avLst/>
-          </a:prstGeom>
-          <a:noFill/>
-          <a:ln w="9525">
-            <a:noFill/>
-            <a:miter lim="800000"/>
-            <a:headEnd/>
-            <a:tailEnd/>
-          </a:ln>
-          <a:effectLst/>
-        </p:spPr>
-        <p:txBody>
-          <a:bodyPr wrap="square">
-            <a:spAutoFit/>
-          </a:bodyPr>
-          <a:lstStyle/>
-          <a:p>
-            <a:r>
-              <a:rPr lang="tr-TR" sz="2000" dirty="0" smtClean="0">
-                <a:latin typeface="Times New Roman" panose="02020603050405020304" pitchFamily="18" charset="0"/>
-                <a:cs typeface="Times New Roman" panose="02020603050405020304" pitchFamily="18" charset="0"/>
-              </a:rPr>
-              <a:t>Hangi güçte akımda/voltajda elde edildiğini yazalım</a:t>
-            </a:r>
-          </a:p>
-          <a:p>
-            <a:r>
-              <a:rPr lang="tr-TR" sz="2000" dirty="0" err="1" smtClean="0">
-                <a:latin typeface="Times New Roman" panose="02020603050405020304" pitchFamily="18" charset="0"/>
-                <a:cs typeface="Times New Roman" panose="02020603050405020304" pitchFamily="18" charset="0"/>
-              </a:rPr>
-              <a:t>Device’ları</a:t>
-            </a:r>
-            <a:r>
-              <a:rPr lang="tr-TR" sz="2000" dirty="0" smtClean="0">
-                <a:latin typeface="Times New Roman" panose="02020603050405020304" pitchFamily="18" charset="0"/>
-                <a:cs typeface="Times New Roman" panose="02020603050405020304" pitchFamily="18" charset="0"/>
-              </a:rPr>
-              <a:t> koyalım</a:t>
-            </a:r>
-          </a:p>
-          <a:p>
-            <a:r>
-              <a:rPr lang="tr-TR" sz="2000" dirty="0" smtClean="0">
-                <a:latin typeface="Times New Roman" panose="02020603050405020304" pitchFamily="18" charset="0"/>
-                <a:cs typeface="Times New Roman" panose="02020603050405020304" pitchFamily="18" charset="0"/>
-              </a:rPr>
-              <a:t>Hangi rengin hangi </a:t>
-            </a:r>
-            <a:r>
-              <a:rPr lang="tr-TR" sz="2000" dirty="0" err="1" smtClean="0">
-                <a:latin typeface="Times New Roman" panose="02020603050405020304" pitchFamily="18" charset="0"/>
-                <a:cs typeface="Times New Roman" panose="02020603050405020304" pitchFamily="18" charset="0"/>
-              </a:rPr>
-              <a:t>loss</a:t>
-            </a:r>
-            <a:r>
-              <a:rPr lang="tr-TR" sz="2000" dirty="0" smtClean="0">
-                <a:latin typeface="Times New Roman" panose="02020603050405020304" pitchFamily="18" charset="0"/>
-                <a:cs typeface="Times New Roman" panose="02020603050405020304" pitchFamily="18" charset="0"/>
-              </a:rPr>
-              <a:t> olduğunu yazalım</a:t>
-            </a:r>
-          </a:p>
-          <a:p>
-            <a:r>
-              <a:rPr lang="tr-TR" sz="2000" dirty="0" err="1" smtClean="0">
-                <a:latin typeface="Times New Roman" panose="02020603050405020304" pitchFamily="18" charset="0"/>
-                <a:cs typeface="Times New Roman" panose="02020603050405020304" pitchFamily="18" charset="0"/>
-              </a:rPr>
-              <a:t>Vektörel</a:t>
-            </a:r>
-            <a:r>
-              <a:rPr lang="tr-TR" sz="2000" dirty="0" smtClean="0">
-                <a:latin typeface="Times New Roman" panose="02020603050405020304" pitchFamily="18" charset="0"/>
-                <a:cs typeface="Times New Roman" panose="02020603050405020304" pitchFamily="18" charset="0"/>
-              </a:rPr>
-              <a:t> koyalım</a:t>
-            </a:r>
-            <a:endParaRPr lang="en-US" sz="2000" dirty="0" smtClean="0">
-              <a:latin typeface="Times New Roman" panose="02020603050405020304" pitchFamily="18" charset="0"/>
-              <a:cs typeface="Times New Roman" panose="02020603050405020304" pitchFamily="18" charset="0"/>
-            </a:endParaRPr>
-          </a:p>
-        </p:txBody>
-      </p:sp>
     </p:spTree>
     <p:extLst>
       <p:ext uri="{BB962C8B-B14F-4D97-AF65-F5344CB8AC3E}">
-        <p14:creationId xmlns:p14="http://schemas.microsoft.com/office/powerpoint/2010/main" val="471846561"/>
+        <p14:creationId xmlns:p14="http://schemas.microsoft.com/office/powerpoint/2010/main" val="229237755"/>
       </p:ext>
     </p:extLst>
   </p:cSld>
@@ -9826,1778 +9502,6 @@
     <p:extLst>
       <p:ext uri="{BB962C8B-B14F-4D97-AF65-F5344CB8AC3E}">
         <p14:creationId xmlns:p14="http://schemas.microsoft.com/office/powerpoint/2010/main" val="439095538"/>
-      </p:ext>
-    </p:extLst>
-  </p:cSld>
-  <p:clrMapOvr>
-    <a:masterClrMapping/>
-  </p:clrMapOvr>
-  <p:timing>
-    <p:tnLst>
-      <p:par>
-        <p:cTn id="1" dur="indefinite" restart="never" nodeType="tmRoot"/>
-      </p:par>
-    </p:tnLst>
-  </p:timing>
-</p:sld>
-</file>
-
-<file path=ppt/slides/slide20.xml><?xml version="1.0" encoding="utf-8"?>
-<p:sld xmlns:a="http://schemas.openxmlformats.org/drawingml/2006/main" xmlns:r="http://schemas.openxmlformats.org/officeDocument/2006/relationships" xmlns:p="http://schemas.openxmlformats.org/presentationml/2006/main">
-  <p:cSld>
-    <p:spTree>
-      <p:nvGrpSpPr>
-        <p:cNvPr id="1" name=""/>
-        <p:cNvGrpSpPr/>
-        <p:nvPr/>
-      </p:nvGrpSpPr>
-      <p:grpSpPr>
-        <a:xfrm>
-          <a:off x="0" y="0"/>
-          <a:ext cx="0" cy="0"/>
-          <a:chOff x="0" y="0"/>
-          <a:chExt cx="0" cy="0"/>
-        </a:xfrm>
-      </p:grpSpPr>
-      <p:sp>
-        <p:nvSpPr>
-          <p:cNvPr id="10" name="Rectangle 9"/>
-          <p:cNvSpPr/>
-          <p:nvPr/>
-        </p:nvSpPr>
-        <p:spPr>
-          <a:xfrm>
-            <a:off x="0" y="12106"/>
-            <a:ext cx="1011942" cy="6854083"/>
-          </a:xfrm>
-          <a:prstGeom prst="rect">
-            <a:avLst/>
-          </a:prstGeom>
-          <a:gradFill flip="none" rotWithShape="1">
-            <a:gsLst>
-              <a:gs pos="50000">
-                <a:srgbClr val="D00000"/>
-              </a:gs>
-              <a:gs pos="0">
-                <a:srgbClr val="FF0000">
-                  <a:shade val="30000"/>
-                  <a:satMod val="115000"/>
-                </a:srgbClr>
-              </a:gs>
-              <a:gs pos="100000">
-                <a:schemeClr val="accent2">
-                  <a:lumMod val="60000"/>
-                  <a:lumOff val="40000"/>
-                </a:schemeClr>
-              </a:gs>
-            </a:gsLst>
-            <a:lin ang="5400000" scaled="1"/>
-            <a:tileRect/>
-          </a:gradFill>
-          <a:ln>
-            <a:noFill/>
-          </a:ln>
-        </p:spPr>
-        <p:style>
-          <a:lnRef idx="2">
-            <a:schemeClr val="accent1">
-              <a:shade val="50000"/>
-            </a:schemeClr>
-          </a:lnRef>
-          <a:fillRef idx="1">
-            <a:schemeClr val="accent1"/>
-          </a:fillRef>
-          <a:effectRef idx="0">
-            <a:schemeClr val="accent1"/>
-          </a:effectRef>
-          <a:fontRef idx="minor">
-            <a:schemeClr val="lt1"/>
-          </a:fontRef>
-        </p:style>
-        <p:txBody>
-          <a:bodyPr rtlCol="0" anchor="ctr"/>
-          <a:lstStyle/>
-          <a:p>
-            <a:pPr algn="ctr"/>
-            <a:endParaRPr lang="tr-TR"/>
-          </a:p>
-        </p:txBody>
-      </p:sp>
-      <p:cxnSp>
-        <p:nvCxnSpPr>
-          <p:cNvPr id="11" name="Straight Connector 10"/>
-          <p:cNvCxnSpPr/>
-          <p:nvPr/>
-        </p:nvCxnSpPr>
-        <p:spPr>
-          <a:xfrm>
-            <a:off x="1189918" y="838200"/>
-            <a:ext cx="7649282" cy="0"/>
-          </a:xfrm>
-          <a:prstGeom prst="line">
-            <a:avLst/>
-          </a:prstGeom>
-          <a:ln w="50800">
-            <a:solidFill>
-              <a:srgbClr val="F20000"/>
-            </a:solidFill>
-          </a:ln>
-        </p:spPr>
-        <p:style>
-          <a:lnRef idx="1">
-            <a:schemeClr val="accent1"/>
-          </a:lnRef>
-          <a:fillRef idx="0">
-            <a:schemeClr val="accent1"/>
-          </a:fillRef>
-          <a:effectRef idx="0">
-            <a:schemeClr val="accent1"/>
-          </a:effectRef>
-          <a:fontRef idx="minor">
-            <a:schemeClr val="tx1"/>
-          </a:fontRef>
-        </p:style>
-      </p:cxnSp>
-      <p:sp>
-        <p:nvSpPr>
-          <p:cNvPr id="13" name="TextBox 12"/>
-          <p:cNvSpPr txBox="1"/>
-          <p:nvPr/>
-        </p:nvSpPr>
-        <p:spPr>
-          <a:xfrm>
-            <a:off x="1386291" y="224135"/>
-            <a:ext cx="7315200" cy="553998"/>
-          </a:xfrm>
-          <a:prstGeom prst="rect">
-            <a:avLst/>
-          </a:prstGeom>
-          <a:noFill/>
-        </p:spPr>
-        <p:txBody>
-          <a:bodyPr wrap="square" rtlCol="0">
-            <a:spAutoFit/>
-          </a:bodyPr>
-          <a:lstStyle/>
-          <a:p>
-            <a:pPr algn="ctr"/>
-            <a:r>
-              <a:rPr lang="en-US" sz="3000" dirty="0" smtClean="0">
-                <a:latin typeface="Times New Roman" panose="02020603050405020304" pitchFamily="18" charset="0"/>
-                <a:cs typeface="Times New Roman" panose="02020603050405020304" pitchFamily="18" charset="0"/>
-              </a:rPr>
-              <a:t>So, what now?</a:t>
-            </a:r>
-            <a:endParaRPr lang="en-US" sz="3000" dirty="0">
-              <a:latin typeface="Times New Roman" panose="02020603050405020304" pitchFamily="18" charset="0"/>
-              <a:cs typeface="Times New Roman" panose="02020603050405020304" pitchFamily="18" charset="0"/>
-            </a:endParaRPr>
-          </a:p>
-        </p:txBody>
-      </p:sp>
-      <p:cxnSp>
-        <p:nvCxnSpPr>
-          <p:cNvPr id="15" name="Straight Connector 14"/>
-          <p:cNvCxnSpPr/>
-          <p:nvPr/>
-        </p:nvCxnSpPr>
-        <p:spPr>
-          <a:xfrm>
-            <a:off x="1189918" y="914400"/>
-            <a:ext cx="7649282" cy="0"/>
-          </a:xfrm>
-          <a:prstGeom prst="line">
-            <a:avLst/>
-          </a:prstGeom>
-          <a:ln w="19050">
-            <a:solidFill>
-              <a:srgbClr val="F20000"/>
-            </a:solidFill>
-          </a:ln>
-        </p:spPr>
-        <p:style>
-          <a:lnRef idx="1">
-            <a:schemeClr val="accent1"/>
-          </a:lnRef>
-          <a:fillRef idx="0">
-            <a:schemeClr val="accent1"/>
-          </a:fillRef>
-          <a:effectRef idx="0">
-            <a:schemeClr val="accent1"/>
-          </a:effectRef>
-          <a:fontRef idx="minor">
-            <a:schemeClr val="tx1"/>
-          </a:fontRef>
-        </p:style>
-      </p:cxnSp>
-      <p:sp>
-        <p:nvSpPr>
-          <p:cNvPr id="2" name="Slide Number Placeholder 1"/>
-          <p:cNvSpPr>
-            <a:spLocks noGrp="1"/>
-          </p:cNvSpPr>
-          <p:nvPr>
-            <p:ph type="sldNum" sz="quarter" idx="12"/>
-          </p:nvPr>
-        </p:nvSpPr>
-        <p:spPr/>
-        <p:txBody>
-          <a:bodyPr/>
-          <a:lstStyle/>
-          <a:p>
-            <a:fld id="{B6F15528-21DE-4FAA-801E-634DDDAF4B2B}" type="slidenum">
-              <a:rPr lang="en-US" smtClean="0"/>
-              <a:pPr/>
-              <a:t>20</a:t>
-            </a:fld>
-            <a:endParaRPr lang="en-US" dirty="0"/>
-          </a:p>
-        </p:txBody>
-      </p:sp>
-      <p:pic>
-        <p:nvPicPr>
-          <p:cNvPr id="14" name="Picture 2" descr="C:\Users\Mesut\Desktop\aselsan sunum\aselsan sunum 10 ekim\aselsan sunum\cezmi bey\ODTU.png"/>
-          <p:cNvPicPr>
-            <a:picLocks noChangeAspect="1" noChangeArrowheads="1"/>
-          </p:cNvPicPr>
-          <p:nvPr/>
-        </p:nvPicPr>
-        <p:blipFill>
-          <a:blip r:embed="rId2" cstate="print">
-            <a:extLst>
-              <a:ext uri="{28A0092B-C50C-407E-A947-70E740481C1C}">
-                <a14:useLocalDpi xmlns:a14="http://schemas.microsoft.com/office/drawing/2010/main" val="0"/>
-              </a:ext>
-            </a:extLst>
-          </a:blip>
-          <a:srcRect/>
-          <a:stretch>
-            <a:fillRect/>
-          </a:stretch>
-        </p:blipFill>
-        <p:spPr bwMode="auto">
-          <a:xfrm>
-            <a:off x="163507" y="266700"/>
-            <a:ext cx="684927" cy="571500"/>
-          </a:xfrm>
-          <a:prstGeom prst="rect">
-            <a:avLst/>
-          </a:prstGeom>
-          <a:noFill/>
-          <a:extLst>
-            <a:ext uri="{909E8E84-426E-40DD-AFC4-6F175D3DCCD1}">
-              <a14:hiddenFill xmlns:a14="http://schemas.microsoft.com/office/drawing/2010/main">
-                <a:solidFill>
-                  <a:srgbClr val="FFFFFF"/>
-                </a:solidFill>
-              </a14:hiddenFill>
-            </a:ext>
-          </a:extLst>
-        </p:spPr>
-      </p:pic>
-      <p:sp>
-        <p:nvSpPr>
-          <p:cNvPr id="9" name="Text Box 9"/>
-          <p:cNvSpPr txBox="1">
-            <a:spLocks noChangeArrowheads="1"/>
-          </p:cNvSpPr>
-          <p:nvPr/>
-        </p:nvSpPr>
-        <p:spPr bwMode="auto">
-          <a:xfrm>
-            <a:off x="1348191" y="1073459"/>
-            <a:ext cx="6514138" cy="400110"/>
-          </a:xfrm>
-          <a:prstGeom prst="rect">
-            <a:avLst/>
-          </a:prstGeom>
-          <a:noFill/>
-          <a:ln w="9525">
-            <a:noFill/>
-            <a:miter lim="800000"/>
-            <a:headEnd/>
-            <a:tailEnd/>
-          </a:ln>
-          <a:effectLst/>
-        </p:spPr>
-        <p:txBody>
-          <a:bodyPr wrap="square">
-            <a:spAutoFit/>
-          </a:bodyPr>
-          <a:lstStyle/>
-          <a:p>
-            <a:r>
-              <a:rPr lang="en-US" sz="2000" b="1" dirty="0" smtClean="0">
-                <a:latin typeface="Times New Roman" panose="02020603050405020304" pitchFamily="18" charset="0"/>
-                <a:cs typeface="Times New Roman" panose="02020603050405020304" pitchFamily="18" charset="0"/>
-              </a:rPr>
-              <a:t>Near future</a:t>
-            </a:r>
-            <a:r>
-              <a:rPr lang="tr-TR" sz="2000" b="1" dirty="0" smtClean="0">
-                <a:latin typeface="Times New Roman" panose="02020603050405020304" pitchFamily="18" charset="0"/>
-                <a:cs typeface="Times New Roman" panose="02020603050405020304" pitchFamily="18" charset="0"/>
-              </a:rPr>
-              <a:t>:</a:t>
-            </a:r>
-            <a:endParaRPr lang="en-US" sz="2000" b="1" dirty="0" smtClean="0">
-              <a:latin typeface="Times New Roman" panose="02020603050405020304" pitchFamily="18" charset="0"/>
-              <a:cs typeface="Times New Roman" panose="02020603050405020304" pitchFamily="18" charset="0"/>
-            </a:endParaRPr>
-          </a:p>
-        </p:txBody>
-      </p:sp>
-      <p:sp>
-        <p:nvSpPr>
-          <p:cNvPr id="16" name="Text Box 9"/>
-          <p:cNvSpPr txBox="1">
-            <a:spLocks noChangeArrowheads="1"/>
-          </p:cNvSpPr>
-          <p:nvPr/>
-        </p:nvSpPr>
-        <p:spPr bwMode="auto">
-          <a:xfrm>
-            <a:off x="1348191" y="1524189"/>
-            <a:ext cx="7643409" cy="1938992"/>
-          </a:xfrm>
-          <a:prstGeom prst="rect">
-            <a:avLst/>
-          </a:prstGeom>
-          <a:noFill/>
-          <a:ln w="9525">
-            <a:noFill/>
-            <a:miter lim="800000"/>
-            <a:headEnd/>
-            <a:tailEnd/>
-          </a:ln>
-          <a:effectLst/>
-        </p:spPr>
-        <p:txBody>
-          <a:bodyPr wrap="square">
-            <a:spAutoFit/>
-          </a:bodyPr>
-          <a:lstStyle/>
-          <a:p>
-            <a:pPr algn="l"/>
-            <a:r>
-              <a:rPr lang="en-US" sz="2000" dirty="0" smtClean="0">
-                <a:latin typeface="Times New Roman" panose="02020603050405020304" pitchFamily="18" charset="0"/>
-                <a:cs typeface="Times New Roman" panose="02020603050405020304" pitchFamily="18" charset="0"/>
-              </a:rPr>
-              <a:t>Build a </a:t>
-            </a:r>
-            <a:r>
-              <a:rPr lang="tr-TR" sz="2000" b="1" dirty="0" smtClean="0">
-                <a:latin typeface="Times New Roman" panose="02020603050405020304" pitchFamily="18" charset="0"/>
-                <a:cs typeface="Times New Roman" panose="02020603050405020304" pitchFamily="18" charset="0"/>
-              </a:rPr>
-              <a:t>6</a:t>
-            </a:r>
-            <a:r>
-              <a:rPr lang="en-US" sz="2000" b="1" dirty="0" smtClean="0">
-                <a:latin typeface="Times New Roman" panose="02020603050405020304" pitchFamily="18" charset="0"/>
-                <a:cs typeface="Times New Roman" panose="02020603050405020304" pitchFamily="18" charset="0"/>
-              </a:rPr>
-              <a:t> kW </a:t>
-            </a:r>
-            <a:r>
-              <a:rPr lang="en-US" sz="2000" dirty="0" smtClean="0">
-                <a:latin typeface="Times New Roman" panose="02020603050405020304" pitchFamily="18" charset="0"/>
-                <a:cs typeface="Times New Roman" panose="02020603050405020304" pitchFamily="18" charset="0"/>
-              </a:rPr>
-              <a:t>laboratory </a:t>
-            </a:r>
-            <a:r>
-              <a:rPr lang="en-US" sz="2000" b="1" dirty="0" smtClean="0">
-                <a:latin typeface="Times New Roman" panose="02020603050405020304" pitchFamily="18" charset="0"/>
-                <a:cs typeface="Times New Roman" panose="02020603050405020304" pitchFamily="18" charset="0"/>
-              </a:rPr>
-              <a:t>prototype</a:t>
-            </a:r>
-            <a:r>
-              <a:rPr lang="en-US" sz="2000" dirty="0" smtClean="0">
-                <a:latin typeface="Times New Roman" panose="02020603050405020304" pitchFamily="18" charset="0"/>
-                <a:cs typeface="Times New Roman" panose="02020603050405020304" pitchFamily="18" charset="0"/>
-              </a:rPr>
-              <a:t> with the specifications</a:t>
-            </a:r>
-          </a:p>
-          <a:p>
-            <a:pPr marL="457200" indent="-457200" algn="l">
-              <a:buFont typeface="Wingdings" panose="05000000000000000000" pitchFamily="2" charset="2"/>
-              <a:buChar char="ü"/>
-            </a:pPr>
-            <a:r>
-              <a:rPr lang="en-US" sz="2000" dirty="0" smtClean="0">
-                <a:latin typeface="Times New Roman" panose="02020603050405020304" pitchFamily="18" charset="0"/>
-                <a:cs typeface="Times New Roman" panose="02020603050405020304" pitchFamily="18" charset="0"/>
-              </a:rPr>
-              <a:t>Proof of concept</a:t>
-            </a:r>
-          </a:p>
-          <a:p>
-            <a:pPr marL="457200" indent="-457200" algn="l">
-              <a:buFont typeface="Wingdings" panose="05000000000000000000" pitchFamily="2" charset="2"/>
-              <a:buChar char="ü"/>
-            </a:pPr>
-            <a:r>
-              <a:rPr lang="en-US" sz="2000" dirty="0" smtClean="0">
-                <a:latin typeface="Times New Roman" panose="02020603050405020304" pitchFamily="18" charset="0"/>
-                <a:cs typeface="Times New Roman" panose="02020603050405020304" pitchFamily="18" charset="0"/>
-              </a:rPr>
-              <a:t>Drive efficiency</a:t>
-            </a:r>
-            <a:r>
-              <a:rPr lang="en-US" sz="2000" b="1" dirty="0" smtClean="0">
-                <a:latin typeface="Times New Roman" panose="02020603050405020304" pitchFamily="18" charset="0"/>
-                <a:cs typeface="Times New Roman" panose="02020603050405020304" pitchFamily="18" charset="0"/>
-              </a:rPr>
-              <a:t>: 98.5%</a:t>
-            </a:r>
-          </a:p>
-          <a:p>
-            <a:pPr marL="457200" indent="-457200" algn="l">
-              <a:buFont typeface="Wingdings" panose="05000000000000000000" pitchFamily="2" charset="2"/>
-              <a:buChar char="ü"/>
-            </a:pPr>
-            <a:r>
-              <a:rPr lang="en-US" sz="2000" dirty="0" smtClean="0">
-                <a:latin typeface="Times New Roman" panose="02020603050405020304" pitchFamily="18" charset="0"/>
-                <a:cs typeface="Times New Roman" panose="02020603050405020304" pitchFamily="18" charset="0"/>
-              </a:rPr>
-              <a:t>Drive power density</a:t>
-            </a:r>
-            <a:r>
-              <a:rPr lang="en-US" sz="2000" b="1" dirty="0" smtClean="0">
-                <a:latin typeface="Times New Roman" panose="02020603050405020304" pitchFamily="18" charset="0"/>
-                <a:cs typeface="Times New Roman" panose="02020603050405020304" pitchFamily="18" charset="0"/>
-              </a:rPr>
-              <a:t>: 15 W/cm</a:t>
-            </a:r>
-            <a:r>
-              <a:rPr lang="en-US" sz="2000" b="1" baseline="30000" dirty="0" smtClean="0">
-                <a:latin typeface="Times New Roman" panose="02020603050405020304" pitchFamily="18" charset="0"/>
-                <a:cs typeface="Times New Roman" panose="02020603050405020304" pitchFamily="18" charset="0"/>
-              </a:rPr>
-              <a:t>3</a:t>
-            </a:r>
-          </a:p>
-          <a:p>
-            <a:pPr marL="457200" indent="-457200" algn="l">
-              <a:buFont typeface="Wingdings" panose="05000000000000000000" pitchFamily="2" charset="2"/>
-              <a:buChar char="ü"/>
-            </a:pPr>
-            <a:r>
-              <a:rPr lang="en-US" sz="2000" b="1" dirty="0" smtClean="0">
-                <a:latin typeface="Times New Roman" panose="02020603050405020304" pitchFamily="18" charset="0"/>
-                <a:cs typeface="Times New Roman" panose="02020603050405020304" pitchFamily="18" charset="0"/>
-              </a:rPr>
-              <a:t>Fault tolerance </a:t>
-            </a:r>
-            <a:r>
-              <a:rPr lang="en-US" sz="2000" dirty="0" smtClean="0">
-                <a:latin typeface="Times New Roman" panose="02020603050405020304" pitchFamily="18" charset="0"/>
-                <a:cs typeface="Times New Roman" panose="02020603050405020304" pitchFamily="18" charset="0"/>
-              </a:rPr>
-              <a:t>tests</a:t>
-            </a:r>
-          </a:p>
-          <a:p>
-            <a:pPr marL="457200" indent="-457200" algn="l">
-              <a:buFont typeface="Wingdings" panose="05000000000000000000" pitchFamily="2" charset="2"/>
-              <a:buChar char="ü"/>
-            </a:pPr>
-            <a:r>
-              <a:rPr lang="en-US" sz="2000" dirty="0" smtClean="0">
-                <a:latin typeface="Times New Roman" panose="02020603050405020304" pitchFamily="18" charset="0"/>
-                <a:cs typeface="Times New Roman" panose="02020603050405020304" pitchFamily="18" charset="0"/>
-              </a:rPr>
-              <a:t>Motor housing for cooling (</a:t>
-            </a:r>
-            <a:r>
-              <a:rPr lang="en-US" sz="2000" b="1" dirty="0" smtClean="0">
-                <a:latin typeface="Times New Roman" panose="02020603050405020304" pitchFamily="18" charset="0"/>
-                <a:cs typeface="Times New Roman" panose="02020603050405020304" pitchFamily="18" charset="0"/>
-              </a:rPr>
-              <a:t>no heatsink</a:t>
-            </a:r>
-            <a:r>
-              <a:rPr lang="en-US" sz="2000" dirty="0" smtClean="0">
-                <a:latin typeface="Times New Roman" panose="02020603050405020304" pitchFamily="18" charset="0"/>
-                <a:cs typeface="Times New Roman" panose="02020603050405020304" pitchFamily="18" charset="0"/>
-              </a:rPr>
-              <a:t>)</a:t>
-            </a:r>
-            <a:endParaRPr lang="en-US" sz="2000" dirty="0" smtClean="0">
-              <a:latin typeface="Times New Roman" panose="02020603050405020304" pitchFamily="18" charset="0"/>
-              <a:cs typeface="Times New Roman" panose="02020603050405020304" pitchFamily="18" charset="0"/>
-            </a:endParaRPr>
-          </a:p>
-        </p:txBody>
-      </p:sp>
-      <p:sp>
-        <p:nvSpPr>
-          <p:cNvPr id="17" name="Text Box 9"/>
-          <p:cNvSpPr txBox="1">
-            <a:spLocks noChangeArrowheads="1"/>
-          </p:cNvSpPr>
-          <p:nvPr/>
-        </p:nvSpPr>
-        <p:spPr bwMode="auto">
-          <a:xfrm>
-            <a:off x="1386291" y="3840839"/>
-            <a:ext cx="6514138" cy="400110"/>
-          </a:xfrm>
-          <a:prstGeom prst="rect">
-            <a:avLst/>
-          </a:prstGeom>
-          <a:noFill/>
-          <a:ln w="9525">
-            <a:noFill/>
-            <a:miter lim="800000"/>
-            <a:headEnd/>
-            <a:tailEnd/>
-          </a:ln>
-          <a:effectLst/>
-        </p:spPr>
-        <p:txBody>
-          <a:bodyPr wrap="square">
-            <a:spAutoFit/>
-          </a:bodyPr>
-          <a:lstStyle/>
-          <a:p>
-            <a:r>
-              <a:rPr lang="en-US" sz="2000" b="1" dirty="0" smtClean="0">
-                <a:latin typeface="Times New Roman" panose="02020603050405020304" pitchFamily="18" charset="0"/>
-                <a:cs typeface="Times New Roman" panose="02020603050405020304" pitchFamily="18" charset="0"/>
-              </a:rPr>
-              <a:t>Ultimately</a:t>
-            </a:r>
-            <a:r>
-              <a:rPr lang="tr-TR" sz="2000" b="1" dirty="0" smtClean="0">
-                <a:latin typeface="Times New Roman" panose="02020603050405020304" pitchFamily="18" charset="0"/>
-                <a:cs typeface="Times New Roman" panose="02020603050405020304" pitchFamily="18" charset="0"/>
-              </a:rPr>
-              <a:t>:</a:t>
-            </a:r>
-            <a:endParaRPr lang="en-US" sz="2000" b="1" dirty="0" smtClean="0">
-              <a:latin typeface="Times New Roman" panose="02020603050405020304" pitchFamily="18" charset="0"/>
-              <a:cs typeface="Times New Roman" panose="02020603050405020304" pitchFamily="18" charset="0"/>
-            </a:endParaRPr>
-          </a:p>
-        </p:txBody>
-      </p:sp>
-      <p:sp>
-        <p:nvSpPr>
-          <p:cNvPr id="18" name="Text Box 9"/>
-          <p:cNvSpPr txBox="1">
-            <a:spLocks noChangeArrowheads="1"/>
-          </p:cNvSpPr>
-          <p:nvPr/>
-        </p:nvSpPr>
-        <p:spPr bwMode="auto">
-          <a:xfrm>
-            <a:off x="1348190" y="4378461"/>
-            <a:ext cx="7643409" cy="1323439"/>
-          </a:xfrm>
-          <a:prstGeom prst="rect">
-            <a:avLst/>
-          </a:prstGeom>
-          <a:noFill/>
-          <a:ln w="9525">
-            <a:noFill/>
-            <a:miter lim="800000"/>
-            <a:headEnd/>
-            <a:tailEnd/>
-          </a:ln>
-          <a:effectLst/>
-        </p:spPr>
-        <p:txBody>
-          <a:bodyPr wrap="square">
-            <a:spAutoFit/>
-          </a:bodyPr>
-          <a:lstStyle/>
-          <a:p>
-            <a:pPr algn="l"/>
-            <a:r>
-              <a:rPr lang="en-US" sz="2000" dirty="0" smtClean="0">
-                <a:latin typeface="Times New Roman" panose="02020603050405020304" pitchFamily="18" charset="0"/>
-                <a:cs typeface="Times New Roman" panose="02020603050405020304" pitchFamily="18" charset="0"/>
-              </a:rPr>
-              <a:t>IMMD design for an actual </a:t>
-            </a:r>
-            <a:r>
-              <a:rPr lang="en-US" sz="2000" b="1" dirty="0" smtClean="0">
-                <a:latin typeface="Times New Roman" panose="02020603050405020304" pitchFamily="18" charset="0"/>
-                <a:cs typeface="Times New Roman" panose="02020603050405020304" pitchFamily="18" charset="0"/>
-              </a:rPr>
-              <a:t>application</a:t>
-            </a:r>
-          </a:p>
-          <a:p>
-            <a:pPr marL="342900" indent="-342900" algn="l">
-              <a:buFont typeface="Wingdings" panose="05000000000000000000" pitchFamily="2" charset="2"/>
-              <a:buChar char="ü"/>
-            </a:pPr>
-            <a:r>
-              <a:rPr lang="en-US" sz="2000" dirty="0" smtClean="0">
-                <a:latin typeface="Times New Roman" panose="02020603050405020304" pitchFamily="18" charset="0"/>
-                <a:cs typeface="Times New Roman" panose="02020603050405020304" pitchFamily="18" charset="0"/>
-              </a:rPr>
-              <a:t>Fully modular and complete design</a:t>
-            </a:r>
-          </a:p>
-          <a:p>
-            <a:pPr marL="342900" indent="-342900" algn="l">
-              <a:buFont typeface="Wingdings" panose="05000000000000000000" pitchFamily="2" charset="2"/>
-              <a:buChar char="ü"/>
-            </a:pPr>
-            <a:r>
-              <a:rPr lang="en-US" sz="2000" dirty="0" smtClean="0">
-                <a:latin typeface="Times New Roman" panose="02020603050405020304" pitchFamily="18" charset="0"/>
-                <a:cs typeface="Times New Roman" panose="02020603050405020304" pitchFamily="18" charset="0"/>
-              </a:rPr>
-              <a:t>Reliability tests</a:t>
-            </a:r>
-          </a:p>
-          <a:p>
-            <a:pPr marL="342900" indent="-342900" algn="l">
-              <a:buFont typeface="Wingdings" panose="05000000000000000000" pitchFamily="2" charset="2"/>
-              <a:buChar char="ü"/>
-            </a:pPr>
-            <a:endParaRPr lang="en-US" sz="2000" dirty="0" smtClean="0">
-              <a:latin typeface="Times New Roman" panose="02020603050405020304" pitchFamily="18" charset="0"/>
-              <a:cs typeface="Times New Roman" panose="02020603050405020304" pitchFamily="18" charset="0"/>
-            </a:endParaRPr>
-          </a:p>
-        </p:txBody>
-      </p:sp>
-    </p:spTree>
-    <p:extLst>
-      <p:ext uri="{BB962C8B-B14F-4D97-AF65-F5344CB8AC3E}">
-        <p14:creationId xmlns:p14="http://schemas.microsoft.com/office/powerpoint/2010/main" val="3007486762"/>
-      </p:ext>
-    </p:extLst>
-  </p:cSld>
-  <p:clrMapOvr>
-    <a:masterClrMapping/>
-  </p:clrMapOvr>
-  <p:timing>
-    <p:tnLst>
-      <p:par>
-        <p:cTn id="1" dur="indefinite" restart="never" nodeType="tmRoot"/>
-      </p:par>
-    </p:tnLst>
-  </p:timing>
-</p:sld>
-</file>
-
-<file path=ppt/slides/slide21.xml><?xml version="1.0" encoding="utf-8"?>
-<p:sld xmlns:a="http://schemas.openxmlformats.org/drawingml/2006/main" xmlns:r="http://schemas.openxmlformats.org/officeDocument/2006/relationships" xmlns:p="http://schemas.openxmlformats.org/presentationml/2006/main">
-  <p:cSld>
-    <p:spTree>
-      <p:nvGrpSpPr>
-        <p:cNvPr id="1" name=""/>
-        <p:cNvGrpSpPr/>
-        <p:nvPr/>
-      </p:nvGrpSpPr>
-      <p:grpSpPr>
-        <a:xfrm>
-          <a:off x="0" y="0"/>
-          <a:ext cx="0" cy="0"/>
-          <a:chOff x="0" y="0"/>
-          <a:chExt cx="0" cy="0"/>
-        </a:xfrm>
-      </p:grpSpPr>
-      <p:sp>
-        <p:nvSpPr>
-          <p:cNvPr id="10" name="Rectangle 9"/>
-          <p:cNvSpPr/>
-          <p:nvPr/>
-        </p:nvSpPr>
-        <p:spPr>
-          <a:xfrm>
-            <a:off x="0" y="12106"/>
-            <a:ext cx="1011942" cy="6854083"/>
-          </a:xfrm>
-          <a:prstGeom prst="rect">
-            <a:avLst/>
-          </a:prstGeom>
-          <a:gradFill flip="none" rotWithShape="1">
-            <a:gsLst>
-              <a:gs pos="50000">
-                <a:srgbClr val="D00000"/>
-              </a:gs>
-              <a:gs pos="0">
-                <a:srgbClr val="FF0000">
-                  <a:shade val="30000"/>
-                  <a:satMod val="115000"/>
-                </a:srgbClr>
-              </a:gs>
-              <a:gs pos="100000">
-                <a:schemeClr val="accent2">
-                  <a:lumMod val="60000"/>
-                  <a:lumOff val="40000"/>
-                </a:schemeClr>
-              </a:gs>
-            </a:gsLst>
-            <a:lin ang="5400000" scaled="1"/>
-            <a:tileRect/>
-          </a:gradFill>
-          <a:ln>
-            <a:noFill/>
-          </a:ln>
-        </p:spPr>
-        <p:style>
-          <a:lnRef idx="2">
-            <a:schemeClr val="accent1">
-              <a:shade val="50000"/>
-            </a:schemeClr>
-          </a:lnRef>
-          <a:fillRef idx="1">
-            <a:schemeClr val="accent1"/>
-          </a:fillRef>
-          <a:effectRef idx="0">
-            <a:schemeClr val="accent1"/>
-          </a:effectRef>
-          <a:fontRef idx="minor">
-            <a:schemeClr val="lt1"/>
-          </a:fontRef>
-        </p:style>
-        <p:txBody>
-          <a:bodyPr rtlCol="0" anchor="ctr"/>
-          <a:lstStyle/>
-          <a:p>
-            <a:pPr algn="ctr"/>
-            <a:endParaRPr lang="tr-TR"/>
-          </a:p>
-        </p:txBody>
-      </p:sp>
-      <p:cxnSp>
-        <p:nvCxnSpPr>
-          <p:cNvPr id="11" name="Straight Connector 10"/>
-          <p:cNvCxnSpPr/>
-          <p:nvPr/>
-        </p:nvCxnSpPr>
-        <p:spPr>
-          <a:xfrm>
-            <a:off x="1189918" y="838200"/>
-            <a:ext cx="7649282" cy="0"/>
-          </a:xfrm>
-          <a:prstGeom prst="line">
-            <a:avLst/>
-          </a:prstGeom>
-          <a:ln w="50800">
-            <a:solidFill>
-              <a:srgbClr val="F20000"/>
-            </a:solidFill>
-          </a:ln>
-        </p:spPr>
-        <p:style>
-          <a:lnRef idx="1">
-            <a:schemeClr val="accent1"/>
-          </a:lnRef>
-          <a:fillRef idx="0">
-            <a:schemeClr val="accent1"/>
-          </a:fillRef>
-          <a:effectRef idx="0">
-            <a:schemeClr val="accent1"/>
-          </a:effectRef>
-          <a:fontRef idx="minor">
-            <a:schemeClr val="tx1"/>
-          </a:fontRef>
-        </p:style>
-      </p:cxnSp>
-      <p:sp>
-        <p:nvSpPr>
-          <p:cNvPr id="13" name="TextBox 12"/>
-          <p:cNvSpPr txBox="1"/>
-          <p:nvPr/>
-        </p:nvSpPr>
-        <p:spPr>
-          <a:xfrm>
-            <a:off x="1386291" y="224135"/>
-            <a:ext cx="7315200" cy="553998"/>
-          </a:xfrm>
-          <a:prstGeom prst="rect">
-            <a:avLst/>
-          </a:prstGeom>
-          <a:noFill/>
-        </p:spPr>
-        <p:txBody>
-          <a:bodyPr wrap="square" rtlCol="0">
-            <a:spAutoFit/>
-          </a:bodyPr>
-          <a:lstStyle/>
-          <a:p>
-            <a:pPr algn="ctr"/>
-            <a:r>
-              <a:rPr lang="en-US" sz="3000" dirty="0" smtClean="0">
-                <a:latin typeface="Times New Roman" panose="02020603050405020304" pitchFamily="18" charset="0"/>
-                <a:cs typeface="Times New Roman" panose="02020603050405020304" pitchFamily="18" charset="0"/>
-              </a:rPr>
-              <a:t>References</a:t>
-            </a:r>
-            <a:endParaRPr lang="en-US" sz="3000" dirty="0">
-              <a:latin typeface="Times New Roman" panose="02020603050405020304" pitchFamily="18" charset="0"/>
-              <a:cs typeface="Times New Roman" panose="02020603050405020304" pitchFamily="18" charset="0"/>
-            </a:endParaRPr>
-          </a:p>
-        </p:txBody>
-      </p:sp>
-      <p:cxnSp>
-        <p:nvCxnSpPr>
-          <p:cNvPr id="15" name="Straight Connector 14"/>
-          <p:cNvCxnSpPr/>
-          <p:nvPr/>
-        </p:nvCxnSpPr>
-        <p:spPr>
-          <a:xfrm>
-            <a:off x="1189918" y="914400"/>
-            <a:ext cx="7649282" cy="0"/>
-          </a:xfrm>
-          <a:prstGeom prst="line">
-            <a:avLst/>
-          </a:prstGeom>
-          <a:ln w="19050">
-            <a:solidFill>
-              <a:srgbClr val="F20000"/>
-            </a:solidFill>
-          </a:ln>
-        </p:spPr>
-        <p:style>
-          <a:lnRef idx="1">
-            <a:schemeClr val="accent1"/>
-          </a:lnRef>
-          <a:fillRef idx="0">
-            <a:schemeClr val="accent1"/>
-          </a:fillRef>
-          <a:effectRef idx="0">
-            <a:schemeClr val="accent1"/>
-          </a:effectRef>
-          <a:fontRef idx="minor">
-            <a:schemeClr val="tx1"/>
-          </a:fontRef>
-        </p:style>
-      </p:cxnSp>
-      <p:sp>
-        <p:nvSpPr>
-          <p:cNvPr id="2" name="Slide Number Placeholder 1"/>
-          <p:cNvSpPr>
-            <a:spLocks noGrp="1"/>
-          </p:cNvSpPr>
-          <p:nvPr>
-            <p:ph type="sldNum" sz="quarter" idx="12"/>
-          </p:nvPr>
-        </p:nvSpPr>
-        <p:spPr/>
-        <p:txBody>
-          <a:bodyPr/>
-          <a:lstStyle/>
-          <a:p>
-            <a:fld id="{B6F15528-21DE-4FAA-801E-634DDDAF4B2B}" type="slidenum">
-              <a:rPr lang="en-US" smtClean="0"/>
-              <a:pPr/>
-              <a:t>21</a:t>
-            </a:fld>
-            <a:endParaRPr lang="en-US" dirty="0"/>
-          </a:p>
-        </p:txBody>
-      </p:sp>
-      <p:pic>
-        <p:nvPicPr>
-          <p:cNvPr id="14" name="Picture 2" descr="C:\Users\Mesut\Desktop\aselsan sunum\aselsan sunum 10 ekim\aselsan sunum\cezmi bey\ODTU.png"/>
-          <p:cNvPicPr>
-            <a:picLocks noChangeAspect="1" noChangeArrowheads="1"/>
-          </p:cNvPicPr>
-          <p:nvPr/>
-        </p:nvPicPr>
-        <p:blipFill>
-          <a:blip r:embed="rId2" cstate="print">
-            <a:extLst>
-              <a:ext uri="{28A0092B-C50C-407E-A947-70E740481C1C}">
-                <a14:useLocalDpi xmlns:a14="http://schemas.microsoft.com/office/drawing/2010/main" val="0"/>
-              </a:ext>
-            </a:extLst>
-          </a:blip>
-          <a:srcRect/>
-          <a:stretch>
-            <a:fillRect/>
-          </a:stretch>
-        </p:blipFill>
-        <p:spPr bwMode="auto">
-          <a:xfrm>
-            <a:off x="163507" y="266700"/>
-            <a:ext cx="684927" cy="571500"/>
-          </a:xfrm>
-          <a:prstGeom prst="rect">
-            <a:avLst/>
-          </a:prstGeom>
-          <a:noFill/>
-          <a:extLst>
-            <a:ext uri="{909E8E84-426E-40DD-AFC4-6F175D3DCCD1}">
-              <a14:hiddenFill xmlns:a14="http://schemas.microsoft.com/office/drawing/2010/main">
-                <a:solidFill>
-                  <a:srgbClr val="FFFFFF"/>
-                </a:solidFill>
-              </a14:hiddenFill>
-            </a:ext>
-          </a:extLst>
-        </p:spPr>
-      </p:pic>
-      <p:sp>
-        <p:nvSpPr>
-          <p:cNvPr id="12" name="Text Box 42"/>
-          <p:cNvSpPr txBox="1">
-            <a:spLocks noChangeArrowheads="1"/>
-          </p:cNvSpPr>
-          <p:nvPr/>
-        </p:nvSpPr>
-        <p:spPr bwMode="auto">
-          <a:xfrm>
-            <a:off x="1164518" y="1371600"/>
-            <a:ext cx="7300509" cy="5047536"/>
-          </a:xfrm>
-          <a:prstGeom prst="rect">
-            <a:avLst/>
-          </a:prstGeom>
-          <a:noFill/>
-          <a:ln w="9525">
-            <a:noFill/>
-            <a:miter lim="800000"/>
-            <a:headEnd/>
-            <a:tailEnd/>
-          </a:ln>
-          <a:effectLst/>
-        </p:spPr>
-        <p:txBody>
-          <a:bodyPr wrap="square">
-            <a:spAutoFit/>
-          </a:bodyPr>
-          <a:lstStyle/>
-          <a:p>
-            <a:pPr marL="514350" indent="-514350" algn="l" defTabSz="4389438">
-              <a:spcAft>
-                <a:spcPts val="1200"/>
-              </a:spcAft>
-              <a:buFont typeface="+mj-lt"/>
-              <a:buAutoNum type="arabicPeriod"/>
-            </a:pPr>
-            <a:r>
-              <a:rPr lang="en-US" sz="1600" dirty="0" smtClean="0"/>
-              <a:t>G</a:t>
-            </a:r>
-            <a:r>
-              <a:rPr lang="en-US" sz="1600" dirty="0"/>
-              <a:t>. Lo </a:t>
-            </a:r>
-            <a:r>
-              <a:rPr lang="en-US" sz="1600" dirty="0" err="1"/>
-              <a:t>Calzo</a:t>
-            </a:r>
-            <a:r>
-              <a:rPr lang="en-US" sz="1600" dirty="0"/>
-              <a:t> </a:t>
-            </a:r>
-            <a:r>
-              <a:rPr lang="en-US" sz="1600" i="1" dirty="0"/>
-              <a:t>et al.</a:t>
-            </a:r>
-            <a:r>
-              <a:rPr lang="en-US" sz="1600" dirty="0"/>
-              <a:t>, “</a:t>
-            </a:r>
-            <a:r>
-              <a:rPr lang="en-US" sz="1600" b="1" dirty="0"/>
-              <a:t>Integrated motor drives: state of the art and future trends</a:t>
-            </a:r>
-            <a:r>
-              <a:rPr lang="en-US" sz="1600" dirty="0"/>
-              <a:t>,” </a:t>
-            </a:r>
-            <a:r>
-              <a:rPr lang="en-US" sz="1600" i="1" dirty="0"/>
-              <a:t>IET </a:t>
-            </a:r>
-            <a:r>
-              <a:rPr lang="en-US" sz="1600" i="1" dirty="0" err="1"/>
-              <a:t>Electr</a:t>
-            </a:r>
-            <a:r>
-              <a:rPr lang="en-US" sz="1600" i="1" dirty="0"/>
-              <a:t>. Power Appl.</a:t>
-            </a:r>
-            <a:r>
-              <a:rPr lang="en-US" sz="1600" dirty="0"/>
-              <a:t>, vol. 10, no. 8, pp. 757–771, Sep. 2016</a:t>
-            </a:r>
-            <a:r>
-              <a:rPr lang="en-US" sz="1600" dirty="0" smtClean="0"/>
-              <a:t>.</a:t>
-            </a:r>
-            <a:endParaRPr lang="tr-TR" sz="1600" dirty="0" smtClean="0"/>
-          </a:p>
-          <a:p>
-            <a:pPr marL="514350" indent="-514350" algn="l" defTabSz="4389438">
-              <a:spcAft>
-                <a:spcPts val="1200"/>
-              </a:spcAft>
-              <a:buFont typeface="+mj-lt"/>
-              <a:buAutoNum type="arabicPeriod"/>
-            </a:pPr>
-            <a:r>
-              <a:rPr lang="en-US" sz="1600" dirty="0" smtClean="0"/>
-              <a:t>J</a:t>
-            </a:r>
-            <a:r>
-              <a:rPr lang="en-US" sz="1600" dirty="0"/>
-              <a:t>. Wang, Y. Li, and Y. Han, “</a:t>
-            </a:r>
-            <a:r>
-              <a:rPr lang="en-US" sz="1600" b="1" dirty="0"/>
-              <a:t>Integrated Modular Motor Drive Design With GaN Power FETs</a:t>
-            </a:r>
-            <a:r>
-              <a:rPr lang="en-US" sz="1600" dirty="0"/>
-              <a:t>,” </a:t>
-            </a:r>
-            <a:r>
-              <a:rPr lang="en-US" sz="1600" i="1" dirty="0"/>
-              <a:t>IEEE Trans. Ind. Appl.</a:t>
-            </a:r>
-            <a:r>
-              <a:rPr lang="en-US" sz="1600" dirty="0"/>
-              <a:t>, vol. 51, no. c, pp. 3198–3207, 2015</a:t>
-            </a:r>
-            <a:r>
-              <a:rPr lang="en-US" sz="1600" dirty="0" smtClean="0"/>
-              <a:t>.</a:t>
-            </a:r>
-            <a:endParaRPr lang="tr-TR" sz="1600" dirty="0" smtClean="0"/>
-          </a:p>
-          <a:p>
-            <a:pPr marL="514350" indent="-514350" algn="l" defTabSz="4389438">
-              <a:spcAft>
-                <a:spcPts val="1200"/>
-              </a:spcAft>
-              <a:buFont typeface="+mj-lt"/>
-              <a:buAutoNum type="arabicPeriod"/>
-            </a:pPr>
-            <a:r>
-              <a:rPr lang="en-US" sz="1600" dirty="0" smtClean="0"/>
-              <a:t>J</a:t>
-            </a:r>
-            <a:r>
-              <a:rPr lang="en-US" sz="1600" dirty="0"/>
-              <a:t>. J. </a:t>
-            </a:r>
-            <a:r>
-              <a:rPr lang="en-US" sz="1600" dirty="0" err="1"/>
-              <a:t>Wolmarans</a:t>
-            </a:r>
-            <a:r>
-              <a:rPr lang="en-US" sz="1600" dirty="0"/>
-              <a:t>, M. B. Gerber, H. </a:t>
-            </a:r>
-            <a:r>
-              <a:rPr lang="en-US" sz="1600" dirty="0" err="1"/>
-              <a:t>Polinder</a:t>
-            </a:r>
-            <a:r>
-              <a:rPr lang="en-US" sz="1600" dirty="0"/>
-              <a:t>, S. W. H. De </a:t>
-            </a:r>
-            <a:r>
-              <a:rPr lang="en-US" sz="1600" dirty="0" err="1"/>
-              <a:t>Haan</a:t>
-            </a:r>
-            <a:r>
-              <a:rPr lang="en-US" sz="1600" dirty="0"/>
-              <a:t>, J. A. Ferreira, and D. </a:t>
-            </a:r>
-            <a:r>
-              <a:rPr lang="en-US" sz="1600" dirty="0" err="1"/>
-              <a:t>Clarenbach</a:t>
-            </a:r>
-            <a:r>
-              <a:rPr lang="en-US" sz="1600" dirty="0"/>
-              <a:t>, “</a:t>
-            </a:r>
-            <a:r>
-              <a:rPr lang="en-US" sz="1600" b="1" dirty="0"/>
-              <a:t>A 50kW integrated fault tolerant permanent magnet machine and motor drive</a:t>
-            </a:r>
-            <a:r>
-              <a:rPr lang="en-US" sz="1600" dirty="0"/>
-              <a:t>,” </a:t>
-            </a:r>
-            <a:r>
-              <a:rPr lang="en-US" sz="1600" i="1" dirty="0"/>
-              <a:t>PESC Rec. - IEEE </a:t>
-            </a:r>
-            <a:r>
-              <a:rPr lang="en-US" sz="1600" i="1" dirty="0" err="1"/>
-              <a:t>Annu</a:t>
-            </a:r>
-            <a:r>
-              <a:rPr lang="en-US" sz="1600" i="1" dirty="0"/>
-              <a:t>. Power Electron. Spec. Conf.</a:t>
-            </a:r>
-            <a:r>
-              <a:rPr lang="en-US" sz="1600" dirty="0"/>
-              <a:t>, pp. 345–351, 2008</a:t>
-            </a:r>
-            <a:r>
-              <a:rPr lang="en-US" sz="1600" dirty="0" smtClean="0"/>
-              <a:t>.</a:t>
-            </a:r>
-            <a:endParaRPr lang="tr-TR" sz="1600" dirty="0" smtClean="0"/>
-          </a:p>
-          <a:p>
-            <a:pPr marL="514350" indent="-514350" defTabSz="4389438">
-              <a:spcAft>
-                <a:spcPts val="1200"/>
-              </a:spcAft>
-              <a:buFont typeface="+mj-lt"/>
-              <a:buAutoNum type="arabicPeriod"/>
-            </a:pPr>
-            <a:r>
-              <a:rPr lang="en-US" sz="1600" dirty="0" smtClean="0"/>
-              <a:t>N</a:t>
-            </a:r>
-            <a:r>
-              <a:rPr lang="en-US" sz="1600" dirty="0"/>
-              <a:t>. R. Brown, T. M. </a:t>
-            </a:r>
-            <a:r>
-              <a:rPr lang="en-US" sz="1600" dirty="0" err="1"/>
-              <a:t>Jahns</a:t>
-            </a:r>
-            <a:r>
-              <a:rPr lang="en-US" sz="1600" dirty="0"/>
-              <a:t>, and R. D. Lorenz, “</a:t>
-            </a:r>
-            <a:r>
-              <a:rPr lang="en-US" sz="1600" b="1" dirty="0"/>
-              <a:t>Power Converter Design for an Integrated Modular Motor Drive</a:t>
-            </a:r>
-            <a:r>
-              <a:rPr lang="en-US" sz="1600" dirty="0"/>
-              <a:t>,” </a:t>
-            </a:r>
-            <a:r>
-              <a:rPr lang="en-US" sz="1600" i="1" dirty="0"/>
-              <a:t>Ind. Appl. Conf. 2007. 42nd IAS </a:t>
-            </a:r>
-            <a:r>
-              <a:rPr lang="en-US" sz="1600" i="1" dirty="0" err="1"/>
-              <a:t>Annu</a:t>
-            </a:r>
-            <a:r>
-              <a:rPr lang="en-US" sz="1600" i="1" dirty="0"/>
-              <a:t>. Meet. Conf. Rec. 2007 IEEE</a:t>
-            </a:r>
-            <a:r>
-              <a:rPr lang="en-US" sz="1600" dirty="0"/>
-              <a:t>, pp. 1322–1328, 2007</a:t>
-            </a:r>
-            <a:r>
-              <a:rPr lang="en-US" sz="1600" dirty="0" smtClean="0"/>
-              <a:t>.</a:t>
-            </a:r>
-            <a:endParaRPr lang="tr-TR" sz="1600" dirty="0" smtClean="0"/>
-          </a:p>
-          <a:p>
-            <a:pPr marL="514350" indent="-514350" defTabSz="4389438">
-              <a:spcAft>
-                <a:spcPts val="1200"/>
-              </a:spcAft>
-              <a:buFont typeface="+mj-lt"/>
-              <a:buAutoNum type="arabicPeriod"/>
-            </a:pPr>
-            <a:r>
-              <a:rPr lang="en-US" sz="1600" dirty="0" smtClean="0"/>
-              <a:t>S</a:t>
-            </a:r>
-            <a:r>
-              <a:rPr lang="en-US" sz="1600" dirty="0"/>
-              <a:t>. M. Lambert, B. C. </a:t>
-            </a:r>
-            <a:r>
-              <a:rPr lang="en-US" sz="1600" dirty="0" err="1"/>
-              <a:t>Mecrow</a:t>
-            </a:r>
-            <a:r>
-              <a:rPr lang="en-US" sz="1600" dirty="0"/>
-              <a:t>, R. </a:t>
-            </a:r>
-            <a:r>
-              <a:rPr lang="en-US" sz="1600" dirty="0" err="1"/>
-              <a:t>Abebe</a:t>
-            </a:r>
-            <a:r>
-              <a:rPr lang="en-US" sz="1600" dirty="0"/>
-              <a:t>, G. </a:t>
-            </a:r>
-            <a:r>
-              <a:rPr lang="en-US" sz="1600" dirty="0" err="1"/>
-              <a:t>Vakil</a:t>
-            </a:r>
-            <a:r>
-              <a:rPr lang="en-US" sz="1600" dirty="0"/>
-              <a:t>, and C. M. Johnson, “</a:t>
-            </a:r>
-            <a:r>
-              <a:rPr lang="en-US" sz="1600" b="1" dirty="0"/>
-              <a:t>Integrated Drives for Transport - A Review of the Enabling Electronics Technology</a:t>
-            </a:r>
-            <a:r>
-              <a:rPr lang="en-US" sz="1600" dirty="0"/>
-              <a:t>,” </a:t>
-            </a:r>
-            <a:r>
-              <a:rPr lang="en-US" sz="1600" i="1" dirty="0"/>
-              <a:t>IEEE </a:t>
-            </a:r>
-            <a:r>
-              <a:rPr lang="en-US" sz="1600" i="1" dirty="0" err="1"/>
-              <a:t>Veh</a:t>
-            </a:r>
-            <a:r>
-              <a:rPr lang="en-US" sz="1600" i="1" dirty="0"/>
-              <a:t>. Power </a:t>
-            </a:r>
-            <a:r>
-              <a:rPr lang="en-US" sz="1600" i="1" dirty="0" err="1"/>
-              <a:t>Propuls</a:t>
-            </a:r>
-            <a:r>
-              <a:rPr lang="en-US" sz="1600" i="1" dirty="0"/>
-              <a:t>. Conf.</a:t>
-            </a:r>
-            <a:r>
-              <a:rPr lang="en-US" sz="1600" dirty="0"/>
-              <a:t>, pp. 1–6, 2015</a:t>
-            </a:r>
-            <a:r>
-              <a:rPr lang="en-US" sz="1600" dirty="0" smtClean="0"/>
-              <a:t>.</a:t>
-            </a:r>
-            <a:endParaRPr lang="tr-TR" sz="1600" dirty="0" smtClean="0"/>
-          </a:p>
-          <a:p>
-            <a:pPr marL="514350" indent="-514350" defTabSz="4389438">
-              <a:spcAft>
-                <a:spcPts val="1200"/>
-              </a:spcAft>
-              <a:buFont typeface="+mj-lt"/>
-              <a:buAutoNum type="arabicPeriod"/>
-            </a:pPr>
-            <a:r>
-              <a:rPr lang="en-US" sz="1600" dirty="0" smtClean="0"/>
-              <a:t>A</a:t>
-            </a:r>
-            <a:r>
-              <a:rPr lang="en-US" sz="1600" dirty="0"/>
-              <a:t>. </a:t>
-            </a:r>
-            <a:r>
-              <a:rPr lang="en-US" sz="1600" dirty="0" err="1"/>
-              <a:t>Shea</a:t>
-            </a:r>
-            <a:r>
-              <a:rPr lang="en-US" sz="1600" dirty="0"/>
-              <a:t> and T. M. </a:t>
-            </a:r>
-            <a:r>
-              <a:rPr lang="en-US" sz="1600" dirty="0" err="1"/>
-              <a:t>Jahns</a:t>
-            </a:r>
-            <a:r>
-              <a:rPr lang="en-US" sz="1600" dirty="0"/>
-              <a:t>, “</a:t>
-            </a:r>
-            <a:r>
-              <a:rPr lang="en-US" sz="1600" b="1" dirty="0"/>
-              <a:t>Hardware integration for an integrated modular motor drive including distributed control</a:t>
-            </a:r>
-            <a:r>
-              <a:rPr lang="en-US" sz="1600" dirty="0"/>
-              <a:t>,” in </a:t>
-            </a:r>
-            <a:r>
-              <a:rPr lang="en-US" sz="1600" i="1" dirty="0"/>
-              <a:t>2014 IEEE Energy Conversion Congress and Exposition (ECCE)</a:t>
-            </a:r>
-            <a:r>
-              <a:rPr lang="en-US" sz="1600" dirty="0"/>
-              <a:t>, 2014, pp. 4881–4887</a:t>
-            </a:r>
-            <a:r>
-              <a:rPr lang="en-US" sz="1600" dirty="0" smtClean="0"/>
-              <a:t>.</a:t>
-            </a:r>
-            <a:endParaRPr lang="tr-TR" sz="1600" dirty="0" smtClean="0"/>
-          </a:p>
-        </p:txBody>
-      </p:sp>
-    </p:spTree>
-    <p:extLst>
-      <p:ext uri="{BB962C8B-B14F-4D97-AF65-F5344CB8AC3E}">
-        <p14:creationId xmlns:p14="http://schemas.microsoft.com/office/powerpoint/2010/main" val="1246665622"/>
-      </p:ext>
-    </p:extLst>
-  </p:cSld>
-  <p:clrMapOvr>
-    <a:masterClrMapping/>
-  </p:clrMapOvr>
-  <p:timing>
-    <p:tnLst>
-      <p:par>
-        <p:cTn id="1" dur="indefinite" restart="never" nodeType="tmRoot"/>
-      </p:par>
-    </p:tnLst>
-  </p:timing>
-</p:sld>
-</file>
-
-<file path=ppt/slides/slide22.xml><?xml version="1.0" encoding="utf-8"?>
-<p:sld xmlns:a="http://schemas.openxmlformats.org/drawingml/2006/main" xmlns:r="http://schemas.openxmlformats.org/officeDocument/2006/relationships" xmlns:p="http://schemas.openxmlformats.org/presentationml/2006/main">
-  <p:cSld>
-    <p:spTree>
-      <p:nvGrpSpPr>
-        <p:cNvPr id="1" name=""/>
-        <p:cNvGrpSpPr/>
-        <p:nvPr/>
-      </p:nvGrpSpPr>
-      <p:grpSpPr>
-        <a:xfrm>
-          <a:off x="0" y="0"/>
-          <a:ext cx="0" cy="0"/>
-          <a:chOff x="0" y="0"/>
-          <a:chExt cx="0" cy="0"/>
-        </a:xfrm>
-      </p:grpSpPr>
-      <p:sp>
-        <p:nvSpPr>
-          <p:cNvPr id="10" name="Rectangle 9"/>
-          <p:cNvSpPr/>
-          <p:nvPr/>
-        </p:nvSpPr>
-        <p:spPr>
-          <a:xfrm>
-            <a:off x="0" y="12106"/>
-            <a:ext cx="1011942" cy="6854083"/>
-          </a:xfrm>
-          <a:prstGeom prst="rect">
-            <a:avLst/>
-          </a:prstGeom>
-          <a:gradFill flip="none" rotWithShape="1">
-            <a:gsLst>
-              <a:gs pos="50000">
-                <a:srgbClr val="D00000"/>
-              </a:gs>
-              <a:gs pos="0">
-                <a:srgbClr val="FF0000">
-                  <a:shade val="30000"/>
-                  <a:satMod val="115000"/>
-                </a:srgbClr>
-              </a:gs>
-              <a:gs pos="100000">
-                <a:schemeClr val="accent2">
-                  <a:lumMod val="60000"/>
-                  <a:lumOff val="40000"/>
-                </a:schemeClr>
-              </a:gs>
-            </a:gsLst>
-            <a:lin ang="5400000" scaled="1"/>
-            <a:tileRect/>
-          </a:gradFill>
-          <a:ln>
-            <a:noFill/>
-          </a:ln>
-        </p:spPr>
-        <p:style>
-          <a:lnRef idx="2">
-            <a:schemeClr val="accent1">
-              <a:shade val="50000"/>
-            </a:schemeClr>
-          </a:lnRef>
-          <a:fillRef idx="1">
-            <a:schemeClr val="accent1"/>
-          </a:fillRef>
-          <a:effectRef idx="0">
-            <a:schemeClr val="accent1"/>
-          </a:effectRef>
-          <a:fontRef idx="minor">
-            <a:schemeClr val="lt1"/>
-          </a:fontRef>
-        </p:style>
-        <p:txBody>
-          <a:bodyPr rtlCol="0" anchor="ctr"/>
-          <a:lstStyle/>
-          <a:p>
-            <a:pPr algn="ctr"/>
-            <a:endParaRPr lang="tr-TR"/>
-          </a:p>
-        </p:txBody>
-      </p:sp>
-      <p:cxnSp>
-        <p:nvCxnSpPr>
-          <p:cNvPr id="11" name="Straight Connector 10"/>
-          <p:cNvCxnSpPr/>
-          <p:nvPr/>
-        </p:nvCxnSpPr>
-        <p:spPr>
-          <a:xfrm>
-            <a:off x="1189918" y="838200"/>
-            <a:ext cx="7649282" cy="0"/>
-          </a:xfrm>
-          <a:prstGeom prst="line">
-            <a:avLst/>
-          </a:prstGeom>
-          <a:ln w="50800">
-            <a:solidFill>
-              <a:srgbClr val="F20000"/>
-            </a:solidFill>
-          </a:ln>
-        </p:spPr>
-        <p:style>
-          <a:lnRef idx="1">
-            <a:schemeClr val="accent1"/>
-          </a:lnRef>
-          <a:fillRef idx="0">
-            <a:schemeClr val="accent1"/>
-          </a:fillRef>
-          <a:effectRef idx="0">
-            <a:schemeClr val="accent1"/>
-          </a:effectRef>
-          <a:fontRef idx="minor">
-            <a:schemeClr val="tx1"/>
-          </a:fontRef>
-        </p:style>
-      </p:cxnSp>
-      <p:cxnSp>
-        <p:nvCxnSpPr>
-          <p:cNvPr id="15" name="Straight Connector 14"/>
-          <p:cNvCxnSpPr/>
-          <p:nvPr/>
-        </p:nvCxnSpPr>
-        <p:spPr>
-          <a:xfrm>
-            <a:off x="1189918" y="914400"/>
-            <a:ext cx="7649282" cy="0"/>
-          </a:xfrm>
-          <a:prstGeom prst="line">
-            <a:avLst/>
-          </a:prstGeom>
-          <a:ln w="19050">
-            <a:solidFill>
-              <a:srgbClr val="F20000"/>
-            </a:solidFill>
-          </a:ln>
-        </p:spPr>
-        <p:style>
-          <a:lnRef idx="1">
-            <a:schemeClr val="accent1"/>
-          </a:lnRef>
-          <a:fillRef idx="0">
-            <a:schemeClr val="accent1"/>
-          </a:fillRef>
-          <a:effectRef idx="0">
-            <a:schemeClr val="accent1"/>
-          </a:effectRef>
-          <a:fontRef idx="minor">
-            <a:schemeClr val="tx1"/>
-          </a:fontRef>
-        </p:style>
-      </p:cxnSp>
-      <p:sp>
-        <p:nvSpPr>
-          <p:cNvPr id="2" name="Slide Number Placeholder 1"/>
-          <p:cNvSpPr>
-            <a:spLocks noGrp="1"/>
-          </p:cNvSpPr>
-          <p:nvPr>
-            <p:ph type="sldNum" sz="quarter" idx="12"/>
-          </p:nvPr>
-        </p:nvSpPr>
-        <p:spPr/>
-        <p:txBody>
-          <a:bodyPr/>
-          <a:lstStyle/>
-          <a:p>
-            <a:fld id="{B6F15528-21DE-4FAA-801E-634DDDAF4B2B}" type="slidenum">
-              <a:rPr lang="en-US" smtClean="0"/>
-              <a:pPr/>
-              <a:t>22</a:t>
-            </a:fld>
-            <a:endParaRPr lang="en-US" dirty="0"/>
-          </a:p>
-        </p:txBody>
-      </p:sp>
-      <p:pic>
-        <p:nvPicPr>
-          <p:cNvPr id="14" name="Picture 2" descr="C:\Users\Mesut\Desktop\aselsan sunum\aselsan sunum 10 ekim\aselsan sunum\cezmi bey\ODTU.png"/>
-          <p:cNvPicPr>
-            <a:picLocks noChangeAspect="1" noChangeArrowheads="1"/>
-          </p:cNvPicPr>
-          <p:nvPr/>
-        </p:nvPicPr>
-        <p:blipFill>
-          <a:blip r:embed="rId2" cstate="print">
-            <a:extLst>
-              <a:ext uri="{28A0092B-C50C-407E-A947-70E740481C1C}">
-                <a14:useLocalDpi xmlns:a14="http://schemas.microsoft.com/office/drawing/2010/main" val="0"/>
-              </a:ext>
-            </a:extLst>
-          </a:blip>
-          <a:srcRect/>
-          <a:stretch>
-            <a:fillRect/>
-          </a:stretch>
-        </p:blipFill>
-        <p:spPr bwMode="auto">
-          <a:xfrm>
-            <a:off x="163507" y="266700"/>
-            <a:ext cx="684927" cy="571500"/>
-          </a:xfrm>
-          <a:prstGeom prst="rect">
-            <a:avLst/>
-          </a:prstGeom>
-          <a:noFill/>
-          <a:extLst>
-            <a:ext uri="{909E8E84-426E-40DD-AFC4-6F175D3DCCD1}">
-              <a14:hiddenFill xmlns:a14="http://schemas.microsoft.com/office/drawing/2010/main">
-                <a:solidFill>
-                  <a:srgbClr val="FFFFFF"/>
-                </a:solidFill>
-              </a14:hiddenFill>
-            </a:ext>
-          </a:extLst>
-        </p:spPr>
-      </p:pic>
-      <p:sp>
-        <p:nvSpPr>
-          <p:cNvPr id="3" name="Rectangle 2"/>
-          <p:cNvSpPr>
-            <a:spLocks noChangeArrowheads="1"/>
-          </p:cNvSpPr>
-          <p:nvPr/>
-        </p:nvSpPr>
-        <p:spPr bwMode="auto">
-          <a:xfrm>
-            <a:off x="2057400" y="2438400"/>
-            <a:ext cx="9144000" cy="0"/>
-          </a:xfrm>
-          <a:prstGeom prst="rect">
-            <a:avLst/>
-          </a:prstGeom>
-          <a:noFill/>
-          <a:ln>
-            <a:noFill/>
-          </a:ln>
-          <a:effectLst/>
-          <a:extLst>
-            <a:ext uri="{909E8E84-426E-40DD-AFC4-6F175D3DCCD1}">
-              <a14:hiddenFill xmlns:a14="http://schemas.microsoft.com/office/drawing/2010/main">
-                <a:solidFill>
-                  <a:schemeClr val="accent1"/>
-                </a:solidFill>
-              </a14:hiddenFill>
-            </a:ext>
-            <a:ext uri="{91240B29-F687-4F45-9708-019B960494DF}">
-              <a14:hiddenLine xmlns:a14="http://schemas.microsoft.com/office/drawing/2010/main" w="9525">
-                <a:solidFill>
-                  <a:schemeClr val="tx1"/>
-                </a:solidFill>
-                <a:miter lim="800000"/>
-                <a:headEnd/>
-                <a:tailEnd/>
-              </a14:hiddenLine>
-            </a:ext>
-            <a:ext uri="{AF507438-7753-43E0-B8FC-AC1667EBCBE1}">
-              <a14:hiddenEffects xmlns:a14="http://schemas.microsoft.com/office/drawing/2010/main">
-                <a:effectLst>
-                  <a:outerShdw dist="35921" dir="2700000" algn="ctr" rotWithShape="0">
-                    <a:schemeClr val="bg2"/>
-                  </a:outerShdw>
-                </a:effectLst>
-              </a14:hiddenEffects>
-            </a:ext>
-          </a:extLst>
-        </p:spPr>
-        <p:txBody>
-          <a:bodyPr vert="horz" wrap="none" lIns="91440" tIns="45720" rIns="91440" bIns="45720" numCol="1" anchor="ctr" anchorCtr="0" compatLnSpc="1">
-            <a:prstTxWarp prst="textNoShape">
-              <a:avLst/>
-            </a:prstTxWarp>
-            <a:spAutoFit/>
-          </a:bodyPr>
-          <a:lstStyle/>
-          <a:p>
-            <a:endParaRPr lang="en-US"/>
-          </a:p>
-        </p:txBody>
-      </p:sp>
-      <p:sp>
-        <p:nvSpPr>
-          <p:cNvPr id="12" name="TextBox 11"/>
-          <p:cNvSpPr txBox="1"/>
-          <p:nvPr/>
-        </p:nvSpPr>
-        <p:spPr>
-          <a:xfrm>
-            <a:off x="1414235" y="150600"/>
-            <a:ext cx="7282263" cy="553998"/>
-          </a:xfrm>
-          <a:prstGeom prst="rect">
-            <a:avLst/>
-          </a:prstGeom>
-          <a:noFill/>
-        </p:spPr>
-        <p:txBody>
-          <a:bodyPr wrap="square" rtlCol="0">
-            <a:spAutoFit/>
-          </a:bodyPr>
-          <a:lstStyle/>
-          <a:p>
-            <a:r>
-              <a:rPr lang="tr-TR" sz="3000" dirty="0" smtClean="0">
-                <a:latin typeface="Times New Roman" panose="02020603050405020304" pitchFamily="18" charset="0"/>
-                <a:cs typeface="Times New Roman" panose="02020603050405020304" pitchFamily="18" charset="0"/>
-              </a:rPr>
-              <a:t> </a:t>
-            </a:r>
-            <a:endParaRPr lang="en-US" sz="3000" dirty="0" smtClean="0">
-              <a:latin typeface="Times New Roman" panose="02020603050405020304" pitchFamily="18" charset="0"/>
-              <a:cs typeface="Times New Roman" panose="02020603050405020304" pitchFamily="18" charset="0"/>
-            </a:endParaRPr>
-          </a:p>
-        </p:txBody>
-      </p:sp>
-      <p:sp>
-        <p:nvSpPr>
-          <p:cNvPr id="16" name="TextBox 15"/>
-          <p:cNvSpPr txBox="1"/>
-          <p:nvPr/>
-        </p:nvSpPr>
-        <p:spPr>
-          <a:xfrm>
-            <a:off x="1356959" y="1323201"/>
-            <a:ext cx="7315200" cy="646331"/>
-          </a:xfrm>
-          <a:prstGeom prst="rect">
-            <a:avLst/>
-          </a:prstGeom>
-          <a:noFill/>
-        </p:spPr>
-        <p:txBody>
-          <a:bodyPr wrap="square" rtlCol="0">
-            <a:spAutoFit/>
-          </a:bodyPr>
-          <a:lstStyle/>
-          <a:p>
-            <a:pPr algn="ctr"/>
-            <a:r>
-              <a:rPr lang="en-US" sz="3600" dirty="0" smtClean="0">
-                <a:latin typeface="Times New Roman" panose="02020603050405020304" pitchFamily="18" charset="0"/>
-                <a:cs typeface="Times New Roman" panose="02020603050405020304" pitchFamily="18" charset="0"/>
-              </a:rPr>
-              <a:t>Thank you !</a:t>
-            </a:r>
-            <a:endParaRPr lang="en-US" sz="3600" dirty="0">
-              <a:latin typeface="Times New Roman" panose="02020603050405020304" pitchFamily="18" charset="0"/>
-              <a:cs typeface="Times New Roman" panose="02020603050405020304" pitchFamily="18" charset="0"/>
-            </a:endParaRPr>
-          </a:p>
-        </p:txBody>
-      </p:sp>
-      <p:pic>
-        <p:nvPicPr>
-          <p:cNvPr id="17" name="Picture 16"/>
-          <p:cNvPicPr>
-            <a:picLocks noChangeAspect="1"/>
-          </p:cNvPicPr>
-          <p:nvPr/>
-        </p:nvPicPr>
-        <p:blipFill>
-          <a:blip r:embed="rId3" cstate="print">
-            <a:extLst>
-              <a:ext uri="{28A0092B-C50C-407E-A947-70E740481C1C}">
-                <a14:useLocalDpi xmlns:a14="http://schemas.microsoft.com/office/drawing/2010/main" val="0"/>
-              </a:ext>
-            </a:extLst>
-          </a:blip>
-          <a:stretch>
-            <a:fillRect/>
-          </a:stretch>
-        </p:blipFill>
-        <p:spPr>
-          <a:xfrm>
-            <a:off x="3584120" y="2907269"/>
-            <a:ext cx="2942492" cy="2942492"/>
-          </a:xfrm>
-          <a:prstGeom prst="rect">
-            <a:avLst/>
-          </a:prstGeom>
-        </p:spPr>
-      </p:pic>
-      <p:sp>
-        <p:nvSpPr>
-          <p:cNvPr id="18" name="TextBox 17"/>
-          <p:cNvSpPr txBox="1"/>
-          <p:nvPr/>
-        </p:nvSpPr>
-        <p:spPr>
-          <a:xfrm>
-            <a:off x="1189918" y="150600"/>
-            <a:ext cx="7801682" cy="492443"/>
-          </a:xfrm>
-          <a:prstGeom prst="rect">
-            <a:avLst/>
-          </a:prstGeom>
-          <a:noFill/>
-        </p:spPr>
-        <p:txBody>
-          <a:bodyPr wrap="square" rtlCol="0">
-            <a:spAutoFit/>
-          </a:bodyPr>
-          <a:lstStyle/>
-          <a:p>
-            <a:pPr algn="ctr"/>
-            <a:r>
-              <a:rPr lang="en-US" sz="2600" dirty="0" smtClean="0">
-                <a:latin typeface="Times New Roman" panose="02020603050405020304" pitchFamily="18" charset="0"/>
-                <a:cs typeface="Times New Roman" panose="02020603050405020304" pitchFamily="18" charset="0"/>
-              </a:rPr>
-              <a:t>Questions, </a:t>
-            </a:r>
-            <a:r>
-              <a:rPr lang="tr-TR" sz="2600" dirty="0">
-                <a:latin typeface="Times New Roman" panose="02020603050405020304" pitchFamily="18" charset="0"/>
-                <a:cs typeface="Times New Roman" panose="02020603050405020304" pitchFamily="18" charset="0"/>
-              </a:rPr>
-              <a:t>o</a:t>
-            </a:r>
-            <a:r>
-              <a:rPr lang="en-US" sz="2600" dirty="0" smtClean="0">
-                <a:latin typeface="Times New Roman" panose="02020603050405020304" pitchFamily="18" charset="0"/>
-                <a:cs typeface="Times New Roman" panose="02020603050405020304" pitchFamily="18" charset="0"/>
-              </a:rPr>
-              <a:t>pinions and suggestions</a:t>
-            </a:r>
-            <a:endParaRPr lang="en-US" sz="2600" dirty="0">
-              <a:latin typeface="Times New Roman" panose="02020603050405020304" pitchFamily="18" charset="0"/>
-              <a:cs typeface="Times New Roman" panose="02020603050405020304" pitchFamily="18" charset="0"/>
-            </a:endParaRPr>
-          </a:p>
-        </p:txBody>
-      </p:sp>
-    </p:spTree>
-    <p:extLst>
-      <p:ext uri="{BB962C8B-B14F-4D97-AF65-F5344CB8AC3E}">
-        <p14:creationId xmlns:p14="http://schemas.microsoft.com/office/powerpoint/2010/main" val="229237755"/>
       </p:ext>
     </p:extLst>
   </p:cSld>
@@ -12152,6 +10056,27 @@
               </a:rPr>
               <a:t>Conventional Motor Drives</a:t>
             </a:r>
+            <a:r>
+              <a:rPr lang="tr-TR" sz="3000" dirty="0" smtClean="0">
+                <a:latin typeface="Times New Roman" panose="02020603050405020304" pitchFamily="18" charset="0"/>
+                <a:cs typeface="Times New Roman" panose="02020603050405020304" pitchFamily="18" charset="0"/>
+              </a:rPr>
+              <a:t> </a:t>
+            </a:r>
+            <a:r>
+              <a:rPr lang="tr-TR" sz="3000" dirty="0" err="1" smtClean="0">
+                <a:latin typeface="Times New Roman" panose="02020603050405020304" pitchFamily="18" charset="0"/>
+                <a:cs typeface="Times New Roman" panose="02020603050405020304" pitchFamily="18" charset="0"/>
+              </a:rPr>
+              <a:t>vs</a:t>
+            </a:r>
+            <a:r>
+              <a:rPr lang="tr-TR" sz="3000" dirty="0" smtClean="0">
+                <a:latin typeface="Times New Roman" panose="02020603050405020304" pitchFamily="18" charset="0"/>
+                <a:cs typeface="Times New Roman" panose="02020603050405020304" pitchFamily="18" charset="0"/>
+              </a:rPr>
+              <a:t> IMMD</a:t>
+            </a:r>
             <a:endParaRPr lang="en-US" sz="3000" dirty="0">
               <a:latin typeface="Times New Roman" panose="02020603050405020304" pitchFamily="18" charset="0"/>
               <a:cs typeface="Times New Roman" panose="02020603050405020304" pitchFamily="18" charset="0"/>
@@ -12267,8 +10192,8 @@
         </p:nvSpPr>
         <p:spPr>
           <a:xfrm>
-            <a:off x="1981200" y="3959290"/>
-            <a:ext cx="6703822" cy="1938992"/>
+            <a:off x="4335300" y="1208758"/>
+            <a:ext cx="4503900" cy="1631216"/>
           </a:xfrm>
           <a:prstGeom prst="rect">
             <a:avLst/>
@@ -12282,13 +10207,13 @@
           <a:lstStyle/>
           <a:p>
             <a:r>
-              <a:rPr lang="en-US" sz="2400" dirty="0" smtClean="0">
+              <a:rPr lang="en-US" sz="2000" dirty="0" smtClean="0">
                 <a:latin typeface="Times New Roman" panose="02020603050405020304" pitchFamily="18" charset="0"/>
                 <a:cs typeface="Times New Roman" panose="02020603050405020304" pitchFamily="18" charset="0"/>
               </a:rPr>
               <a:t>Drives are placed in a separate cabinet</a:t>
             </a:r>
-            <a:endParaRPr lang="tr-TR" sz="2400" dirty="0">
+            <a:endParaRPr lang="tr-TR" sz="2000" dirty="0">
               <a:latin typeface="Times New Roman" panose="02020603050405020304" pitchFamily="18" charset="0"/>
               <a:cs typeface="Times New Roman" panose="02020603050405020304" pitchFamily="18" charset="0"/>
             </a:endParaRPr>
@@ -12299,7 +10224,7 @@
               <a:buChar char="o"/>
             </a:pPr>
             <a:r>
-              <a:rPr lang="en-US" sz="2400" dirty="0" smtClean="0">
+              <a:rPr lang="en-US" sz="2000" dirty="0" smtClean="0">
                 <a:latin typeface="Times New Roman" panose="02020603050405020304" pitchFamily="18" charset="0"/>
                 <a:cs typeface="Times New Roman" panose="02020603050405020304" pitchFamily="18" charset="0"/>
               </a:rPr>
@@ -12308,20 +10233,20 @@
           </a:p>
           <a:p>
             <a:pPr lvl="1"/>
-            <a:endParaRPr lang="tr-TR" sz="2400" dirty="0">
+            <a:endParaRPr lang="tr-TR" sz="2000" dirty="0">
               <a:latin typeface="Times New Roman" panose="02020603050405020304" pitchFamily="18" charset="0"/>
               <a:cs typeface="Times New Roman" panose="02020603050405020304" pitchFamily="18" charset="0"/>
             </a:endParaRPr>
           </a:p>
           <a:p>
             <a:r>
-              <a:rPr lang="en-US" sz="2400" dirty="0" smtClean="0">
+              <a:rPr lang="en-US" sz="2000" dirty="0" smtClean="0">
                 <a:latin typeface="Times New Roman" panose="02020603050405020304" pitchFamily="18" charset="0"/>
                 <a:cs typeface="Times New Roman" panose="02020603050405020304" pitchFamily="18" charset="0"/>
               </a:rPr>
               <a:t>Connection with long cables</a:t>
             </a:r>
-            <a:endParaRPr lang="tr-TR" sz="2400" dirty="0" smtClean="0">
+            <a:endParaRPr lang="tr-TR" sz="2000" dirty="0" smtClean="0">
               <a:latin typeface="Times New Roman" panose="02020603050405020304" pitchFamily="18" charset="0"/>
               <a:cs typeface="Times New Roman" panose="02020603050405020304" pitchFamily="18" charset="0"/>
             </a:endParaRPr>
@@ -12332,13 +10257,13 @@
               <a:buChar char="o"/>
             </a:pPr>
             <a:r>
-              <a:rPr lang="en-US" sz="2400" dirty="0" smtClean="0">
+              <a:rPr lang="en-US" sz="2000" dirty="0" smtClean="0">
                 <a:latin typeface="Times New Roman" panose="02020603050405020304" pitchFamily="18" charset="0"/>
                 <a:cs typeface="Times New Roman" panose="02020603050405020304" pitchFamily="18" charset="0"/>
               </a:rPr>
               <a:t>Long cable effect, EMI problems</a:t>
             </a:r>
-            <a:endParaRPr lang="en-US" sz="2400" dirty="0" smtClean="0">
+            <a:endParaRPr lang="en-US" sz="2000" dirty="0" smtClean="0">
               <a:latin typeface="Times New Roman" panose="02020603050405020304" pitchFamily="18" charset="0"/>
               <a:cs typeface="Times New Roman" panose="02020603050405020304" pitchFamily="18" charset="0"/>
             </a:endParaRPr>
@@ -12354,7 +10279,7 @@
           <p:nvPr/>
         </p:nvPicPr>
         <p:blipFill>
-          <a:blip r:embed="rId3">
+          <a:blip r:embed="rId3" cstate="print">
             <a:extLst>
               <a:ext uri="{28A0092B-C50C-407E-A947-70E740481C1C}">
                 <a14:useLocalDpi xmlns:a14="http://schemas.microsoft.com/office/drawing/2010/main" val="0"/>
@@ -12367,8 +10292,8 @@
         </p:blipFill>
         <p:spPr>
           <a:xfrm>
-            <a:off x="5867400" y="1676400"/>
-            <a:ext cx="2061622" cy="1718019"/>
+            <a:off x="2794131" y="1550864"/>
+            <a:ext cx="1028769" cy="857308"/>
           </a:xfrm>
           <a:prstGeom prst="rect">
             <a:avLst/>
@@ -12397,18 +10322,115 @@
         </p:blipFill>
         <p:spPr>
           <a:xfrm>
-            <a:off x="2438400" y="1560957"/>
-            <a:ext cx="1600200" cy="2228850"/>
+            <a:off x="1295400" y="1185898"/>
+            <a:ext cx="1122328" cy="1563243"/>
           </a:xfrm>
           <a:prstGeom prst="rect">
             <a:avLst/>
           </a:prstGeom>
         </p:spPr>
       </p:pic>
+      <p:pic>
+        <p:nvPicPr>
+          <p:cNvPr id="16" name="Picture 15"/>
+          <p:cNvPicPr>
+            <a:picLocks noChangeAspect="1"/>
+          </p:cNvPicPr>
+          <p:nvPr/>
+        </p:nvPicPr>
+        <p:blipFill>
+          <a:blip r:embed="rId5"/>
+          <a:stretch>
+            <a:fillRect/>
+          </a:stretch>
+        </p:blipFill>
+        <p:spPr>
+          <a:xfrm>
+            <a:off x="1386291" y="3508061"/>
+            <a:ext cx="3058421" cy="2438400"/>
+          </a:xfrm>
+          <a:prstGeom prst="rect">
+            <a:avLst/>
+          </a:prstGeom>
+        </p:spPr>
+      </p:pic>
+      <p:sp>
+        <p:nvSpPr>
+          <p:cNvPr id="17" name="TextBox 16"/>
+          <p:cNvSpPr txBox="1"/>
+          <p:nvPr/>
+        </p:nvSpPr>
+        <p:spPr>
+          <a:xfrm>
+            <a:off x="4819061" y="3782554"/>
+            <a:ext cx="3733800" cy="1631216"/>
+          </a:xfrm>
+          <a:prstGeom prst="rect">
+            <a:avLst/>
+          </a:prstGeom>
+          <a:noFill/>
+        </p:spPr>
+        <p:txBody>
+          <a:bodyPr wrap="square" rtlCol="0">
+            <a:spAutoFit/>
+          </a:bodyPr>
+          <a:lstStyle/>
+          <a:p>
+            <a:r>
+              <a:rPr lang="en-US" sz="2000" dirty="0" smtClean="0">
+                <a:latin typeface="Times New Roman" panose="02020603050405020304" pitchFamily="18" charset="0"/>
+                <a:cs typeface="Times New Roman" panose="02020603050405020304" pitchFamily="18" charset="0"/>
+              </a:rPr>
+              <a:t>The motor drive is </a:t>
+            </a:r>
+            <a:r>
+              <a:rPr lang="en-US" sz="2000" b="1" dirty="0" smtClean="0">
+                <a:latin typeface="Times New Roman" panose="02020603050405020304" pitchFamily="18" charset="0"/>
+                <a:cs typeface="Times New Roman" panose="02020603050405020304" pitchFamily="18" charset="0"/>
+              </a:rPr>
+              <a:t>integrated</a:t>
+            </a:r>
+            <a:r>
+              <a:rPr lang="en-US" sz="2000" dirty="0" smtClean="0">
+                <a:latin typeface="Times New Roman" panose="02020603050405020304" pitchFamily="18" charset="0"/>
+                <a:cs typeface="Times New Roman" panose="02020603050405020304" pitchFamily="18" charset="0"/>
+              </a:rPr>
+              <a:t> to the motor back-end</a:t>
+            </a:r>
+          </a:p>
+          <a:p>
+            <a:pPr lvl="1"/>
+            <a:endParaRPr lang="en-US" sz="2000" dirty="0" smtClean="0">
+              <a:latin typeface="Times New Roman" panose="02020603050405020304" pitchFamily="18" charset="0"/>
+              <a:cs typeface="Times New Roman" panose="02020603050405020304" pitchFamily="18" charset="0"/>
+            </a:endParaRPr>
+          </a:p>
+          <a:p>
+            <a:r>
+              <a:rPr lang="en-US" sz="2000" dirty="0" smtClean="0">
+                <a:latin typeface="Times New Roman" panose="02020603050405020304" pitchFamily="18" charset="0"/>
+                <a:cs typeface="Times New Roman" panose="02020603050405020304" pitchFamily="18" charset="0"/>
+              </a:rPr>
+              <a:t>Both the motor and the drive are </a:t>
+            </a:r>
+            <a:r>
+              <a:rPr lang="en-US" sz="2000" b="1" dirty="0" smtClean="0">
+                <a:latin typeface="Times New Roman" panose="02020603050405020304" pitchFamily="18" charset="0"/>
+                <a:cs typeface="Times New Roman" panose="02020603050405020304" pitchFamily="18" charset="0"/>
+              </a:rPr>
+              <a:t>modularized</a:t>
+            </a:r>
+            <a:endParaRPr lang="en-US" sz="2000" dirty="0" smtClean="0">
+              <a:latin typeface="Times New Roman" panose="02020603050405020304" pitchFamily="18" charset="0"/>
+              <a:cs typeface="Times New Roman" panose="02020603050405020304" pitchFamily="18" charset="0"/>
+            </a:endParaRPr>
+          </a:p>
+        </p:txBody>
+      </p:sp>
     </p:spTree>
     <p:extLst>
       <p:ext uri="{BB962C8B-B14F-4D97-AF65-F5344CB8AC3E}">
-        <p14:creationId xmlns:p14="http://schemas.microsoft.com/office/powerpoint/2010/main" val="2892852173"/>
+        <p14:creationId xmlns:p14="http://schemas.microsoft.com/office/powerpoint/2010/main" val="331250169"/>
       </p:ext>
     </p:extLst>
   </p:cSld>
@@ -12565,39 +10587,11 @@
           <a:p>
             <a:pPr algn="ctr"/>
             <a:r>
-              <a:rPr lang="tr-TR" sz="3000" dirty="0" smtClean="0">
-                <a:latin typeface="Times New Roman" panose="02020603050405020304" pitchFamily="18" charset="0"/>
-                <a:cs typeface="Times New Roman" panose="02020603050405020304" pitchFamily="18" charset="0"/>
-              </a:rPr>
-              <a:t>Integrated Modular Motor </a:t>
-            </a:r>
-            <a:r>
               <a:rPr lang="tr-TR" sz="3000" dirty="0" err="1" smtClean="0">
                 <a:latin typeface="Times New Roman" panose="02020603050405020304" pitchFamily="18" charset="0"/>
                 <a:cs typeface="Times New Roman" panose="02020603050405020304" pitchFamily="18" charset="0"/>
               </a:rPr>
-              <a:t>Drives</a:t>
-            </a:r>
-            <a:r>
-              <a:rPr lang="tr-TR" sz="3000" dirty="0" smtClean="0">
-                <a:latin typeface="Times New Roman" panose="02020603050405020304" pitchFamily="18" charset="0"/>
-                <a:cs typeface="Times New Roman" panose="02020603050405020304" pitchFamily="18" charset="0"/>
-              </a:rPr>
-              <a:t> (</a:t>
-            </a:r>
-            <a:r>
-              <a:rPr lang="tr-TR" sz="3000" dirty="0" err="1" smtClean="0">
-                <a:latin typeface="Times New Roman" panose="02020603050405020304" pitchFamily="18" charset="0"/>
-                <a:cs typeface="Times New Roman" panose="02020603050405020304" pitchFamily="18" charset="0"/>
-              </a:rPr>
-              <a:t>IMMDs</a:t>
-            </a:r>
-            <a:r>
-              <a:rPr lang="tr-TR" sz="3000" dirty="0" smtClean="0">
-                <a:latin typeface="Times New Roman" panose="02020603050405020304" pitchFamily="18" charset="0"/>
-                <a:cs typeface="Times New Roman" panose="02020603050405020304" pitchFamily="18" charset="0"/>
-              </a:rPr>
-              <a:t>)</a:t>
+              <a:t>Motivation</a:t>
             </a:r>
             <a:endParaRPr lang="tr-TR" sz="3000" dirty="0">
               <a:latin typeface="Times New Roman" panose="02020603050405020304" pitchFamily="18" charset="0"/>
@@ -12706,73 +10700,138 @@
           </a:extLst>
         </p:spPr>
       </p:pic>
-      <p:sp>
-        <p:nvSpPr>
-          <p:cNvPr id="18" name="TextBox 17"/>
-          <p:cNvSpPr txBox="1"/>
-          <p:nvPr/>
-        </p:nvSpPr>
-        <p:spPr>
-          <a:xfrm>
-            <a:off x="1828800" y="4528346"/>
-            <a:ext cx="6703822" cy="1200329"/>
-          </a:xfrm>
-          <a:prstGeom prst="rect">
-            <a:avLst/>
-          </a:prstGeom>
-          <a:noFill/>
-        </p:spPr>
-        <p:txBody>
-          <a:bodyPr wrap="square" rtlCol="0">
+      <p:pic>
+        <p:nvPicPr>
+          <p:cNvPr id="18" name="Picture 17"/>
+          <p:cNvPicPr>
+            <a:picLocks noChangeAspect="1"/>
+          </p:cNvPicPr>
+          <p:nvPr/>
+        </p:nvPicPr>
+        <p:blipFill>
+          <a:blip r:embed="rId3"/>
+          <a:stretch>
+            <a:fillRect/>
+          </a:stretch>
+        </p:blipFill>
+        <p:spPr>
+          <a:xfrm>
+            <a:off x="5434143" y="1176858"/>
+            <a:ext cx="3245602" cy="1155364"/>
+          </a:xfrm>
+          <a:prstGeom prst="rect">
+            <a:avLst/>
+          </a:prstGeom>
+        </p:spPr>
+      </p:pic>
+      <p:sp>
+        <p:nvSpPr>
+          <p:cNvPr id="4" name="Rectangle 3"/>
+          <p:cNvSpPr/>
+          <p:nvPr/>
+        </p:nvSpPr>
+        <p:spPr>
+          <a:xfrm>
+            <a:off x="1226012" y="1219680"/>
+            <a:ext cx="3803187" cy="2246769"/>
+          </a:xfrm>
+          <a:prstGeom prst="rect">
+            <a:avLst/>
+          </a:prstGeom>
+        </p:spPr>
+        <p:txBody>
+          <a:bodyPr wrap="square">
             <a:spAutoFit/>
           </a:bodyPr>
           <a:lstStyle/>
           <a:p>
-            <a:r>
-              <a:rPr lang="en-US" sz="2400" dirty="0" smtClean="0">
-                <a:latin typeface="Times New Roman" panose="02020603050405020304" pitchFamily="18" charset="0"/>
-                <a:cs typeface="Times New Roman" panose="02020603050405020304" pitchFamily="18" charset="0"/>
-              </a:rPr>
-              <a:t>The motor drive is </a:t>
-            </a:r>
-            <a:r>
-              <a:rPr lang="en-US" sz="2400" b="1" dirty="0" smtClean="0">
-                <a:latin typeface="Times New Roman" panose="02020603050405020304" pitchFamily="18" charset="0"/>
-                <a:cs typeface="Times New Roman" panose="02020603050405020304" pitchFamily="18" charset="0"/>
-              </a:rPr>
-              <a:t>integrated</a:t>
-            </a:r>
-            <a:r>
-              <a:rPr lang="en-US" sz="2400" dirty="0" smtClean="0">
-                <a:latin typeface="Times New Roman" panose="02020603050405020304" pitchFamily="18" charset="0"/>
-                <a:cs typeface="Times New Roman" panose="02020603050405020304" pitchFamily="18" charset="0"/>
-              </a:rPr>
-              <a:t> to the motor back-end</a:t>
-            </a:r>
-          </a:p>
-          <a:p>
-            <a:pPr lvl="1"/>
-            <a:endParaRPr lang="en-US" sz="2400" dirty="0" smtClean="0">
+            <a:pPr marL="342900" indent="-342900">
+              <a:buFont typeface="Wingdings" panose="05000000000000000000" pitchFamily="2" charset="2"/>
+              <a:buChar char="ü"/>
+            </a:pPr>
+            <a:r>
+              <a:rPr lang="en-US" sz="2000" dirty="0" smtClean="0">
+                <a:latin typeface="Times New Roman" panose="02020603050405020304" pitchFamily="18" charset="0"/>
+                <a:cs typeface="Times New Roman" panose="02020603050405020304" pitchFamily="18" charset="0"/>
+              </a:rPr>
+              <a:t>Power density</a:t>
+            </a:r>
+          </a:p>
+          <a:p>
+            <a:pPr marL="342900" indent="-342900">
+              <a:buFont typeface="Wingdings" panose="05000000000000000000" pitchFamily="2" charset="2"/>
+              <a:buChar char="ü"/>
+            </a:pPr>
+            <a:r>
+              <a:rPr lang="en-US" sz="2000" dirty="0" smtClean="0">
+                <a:latin typeface="Times New Roman" panose="02020603050405020304" pitchFamily="18" charset="0"/>
+                <a:cs typeface="Times New Roman" panose="02020603050405020304" pitchFamily="18" charset="0"/>
+              </a:rPr>
+              <a:t>Voltage overshoots</a:t>
+            </a:r>
+          </a:p>
+          <a:p>
+            <a:pPr marL="342900" indent="-342900">
+              <a:buFont typeface="Wingdings" panose="05000000000000000000" pitchFamily="2" charset="2"/>
+              <a:buChar char="ü"/>
+            </a:pPr>
+            <a:r>
+              <a:rPr lang="en-US" sz="2000" dirty="0" smtClean="0">
+                <a:latin typeface="Times New Roman" panose="02020603050405020304" pitchFamily="18" charset="0"/>
+                <a:cs typeface="Times New Roman" panose="02020603050405020304" pitchFamily="18" charset="0"/>
+              </a:rPr>
+              <a:t>Motor lifetime</a:t>
+            </a:r>
+          </a:p>
+          <a:p>
+            <a:pPr marL="342900" indent="-342900">
+              <a:buFont typeface="Wingdings" panose="05000000000000000000" pitchFamily="2" charset="2"/>
+              <a:buChar char="ü"/>
+            </a:pPr>
+            <a:endParaRPr lang="en-US" sz="2000" dirty="0" smtClean="0">
               <a:latin typeface="Times New Roman" panose="02020603050405020304" pitchFamily="18" charset="0"/>
               <a:cs typeface="Times New Roman" panose="02020603050405020304" pitchFamily="18" charset="0"/>
             </a:endParaRPr>
           </a:p>
           <a:p>
-            <a:r>
-              <a:rPr lang="en-US" sz="2400" dirty="0" smtClean="0">
-                <a:latin typeface="Times New Roman" panose="02020603050405020304" pitchFamily="18" charset="0"/>
-                <a:cs typeface="Times New Roman" panose="02020603050405020304" pitchFamily="18" charset="0"/>
-              </a:rPr>
-              <a:t>Both the motor and the drive are </a:t>
-            </a:r>
-            <a:r>
-              <a:rPr lang="en-US" sz="2400" b="1" dirty="0" smtClean="0">
-                <a:latin typeface="Times New Roman" panose="02020603050405020304" pitchFamily="18" charset="0"/>
-                <a:cs typeface="Times New Roman" panose="02020603050405020304" pitchFamily="18" charset="0"/>
-              </a:rPr>
-              <a:t>modularized</a:t>
-            </a:r>
-            <a:endParaRPr lang="en-US" sz="2400" dirty="0" smtClean="0">
+            <a:pPr marL="342900" indent="-342900">
+              <a:buFont typeface="Wingdings" panose="05000000000000000000" pitchFamily="2" charset="2"/>
+              <a:buChar char="ü"/>
+            </a:pPr>
+            <a:r>
+              <a:rPr lang="en-US" sz="2000" dirty="0" smtClean="0">
+                <a:latin typeface="Times New Roman" panose="02020603050405020304" pitchFamily="18" charset="0"/>
+                <a:cs typeface="Times New Roman" panose="02020603050405020304" pitchFamily="18" charset="0"/>
+              </a:rPr>
+              <a:t>Increased fault tolerance</a:t>
+            </a:r>
+          </a:p>
+          <a:p>
+            <a:pPr marL="342900" indent="-342900">
+              <a:buFont typeface="Wingdings" panose="05000000000000000000" pitchFamily="2" charset="2"/>
+              <a:buChar char="ü"/>
+            </a:pPr>
+            <a:r>
+              <a:rPr lang="en-US" sz="2000" dirty="0" smtClean="0">
+                <a:latin typeface="Times New Roman" panose="02020603050405020304" pitchFamily="18" charset="0"/>
+                <a:cs typeface="Times New Roman" panose="02020603050405020304" pitchFamily="18" charset="0"/>
+              </a:rPr>
+              <a:t>Distributed heat dissipation</a:t>
+            </a:r>
+          </a:p>
+          <a:p>
+            <a:pPr marL="342900" indent="-342900">
+              <a:buFont typeface="Wingdings" panose="05000000000000000000" pitchFamily="2" charset="2"/>
+              <a:buChar char="ü"/>
+            </a:pPr>
+            <a:r>
+              <a:rPr lang="en-US" sz="2000" dirty="0" smtClean="0">
+                <a:latin typeface="Times New Roman" panose="02020603050405020304" pitchFamily="18" charset="0"/>
+                <a:cs typeface="Times New Roman" panose="02020603050405020304" pitchFamily="18" charset="0"/>
+              </a:rPr>
+              <a:t>Reduced voltage stress</a:t>
+            </a:r>
+            <a:endParaRPr lang="en-US" sz="2000" dirty="0">
               <a:latin typeface="Times New Roman" panose="02020603050405020304" pitchFamily="18" charset="0"/>
               <a:cs typeface="Times New Roman" panose="02020603050405020304" pitchFamily="18" charset="0"/>
             </a:endParaRPr>
@@ -12781,30 +10840,7 @@
       </p:sp>
       <p:pic>
         <p:nvPicPr>
-          <p:cNvPr id="12" name="Picture 11"/>
-          <p:cNvPicPr>
-            <a:picLocks noChangeAspect="1"/>
-          </p:cNvPicPr>
-          <p:nvPr/>
-        </p:nvPicPr>
-        <p:blipFill rotWithShape="1">
-          <a:blip r:embed="rId3"/>
-          <a:srcRect r="51470"/>
-          <a:stretch/>
-        </p:blipFill>
-        <p:spPr>
-          <a:xfrm>
-            <a:off x="1329530" y="1109326"/>
-            <a:ext cx="3305882" cy="2826895"/>
-          </a:xfrm>
-          <a:prstGeom prst="rect">
-            <a:avLst/>
-          </a:prstGeom>
-        </p:spPr>
-      </p:pic>
-      <p:pic>
-        <p:nvPicPr>
-          <p:cNvPr id="16" name="Picture 15"/>
+          <p:cNvPr id="17" name="Picture 16"/>
           <p:cNvPicPr>
             <a:picLocks noChangeAspect="1"/>
           </p:cNvPicPr>
@@ -12818,18 +10854,138 @@
         </p:blipFill>
         <p:spPr>
           <a:xfrm>
-            <a:off x="4953000" y="1141996"/>
-            <a:ext cx="3505200" cy="2794605"/>
+            <a:off x="1005924" y="3950368"/>
+            <a:ext cx="2558716" cy="1878137"/>
           </a:xfrm>
           <a:prstGeom prst="rect">
             <a:avLst/>
           </a:prstGeom>
         </p:spPr>
       </p:pic>
+      <p:pic>
+        <p:nvPicPr>
+          <p:cNvPr id="19" name="Picture 18"/>
+          <p:cNvPicPr>
+            <a:picLocks noChangeAspect="1"/>
+          </p:cNvPicPr>
+          <p:nvPr/>
+        </p:nvPicPr>
+        <p:blipFill>
+          <a:blip r:embed="rId5"/>
+          <a:stretch>
+            <a:fillRect/>
+          </a:stretch>
+        </p:blipFill>
+        <p:spPr>
+          <a:xfrm>
+            <a:off x="3663400" y="3899398"/>
+            <a:ext cx="1964872" cy="1921086"/>
+          </a:xfrm>
+          <a:prstGeom prst="rect">
+            <a:avLst/>
+          </a:prstGeom>
+        </p:spPr>
+      </p:pic>
+      <p:pic>
+        <p:nvPicPr>
+          <p:cNvPr id="22" name="Picture 21"/>
+          <p:cNvPicPr>
+            <a:picLocks noChangeAspect="1"/>
+          </p:cNvPicPr>
+          <p:nvPr/>
+        </p:nvPicPr>
+        <p:blipFill>
+          <a:blip r:embed="rId6"/>
+          <a:stretch>
+            <a:fillRect/>
+          </a:stretch>
+        </p:blipFill>
+        <p:spPr>
+          <a:xfrm>
+            <a:off x="5951584" y="2594679"/>
+            <a:ext cx="2728161" cy="3761671"/>
+          </a:xfrm>
+          <a:prstGeom prst="rect">
+            <a:avLst/>
+          </a:prstGeom>
+        </p:spPr>
+      </p:pic>
+      <p:sp>
+        <p:nvSpPr>
+          <p:cNvPr id="23" name="Rectangle 22"/>
+          <p:cNvSpPr/>
+          <p:nvPr/>
+        </p:nvSpPr>
+        <p:spPr>
+          <a:xfrm>
+            <a:off x="1005924" y="5900282"/>
+            <a:ext cx="2558716" cy="338554"/>
+          </a:xfrm>
+          <a:prstGeom prst="rect">
+            <a:avLst/>
+          </a:prstGeom>
+        </p:spPr>
+        <p:txBody>
+          <a:bodyPr wrap="square">
+            <a:spAutoFit/>
+          </a:bodyPr>
+          <a:lstStyle/>
+          <a:p>
+            <a:pPr algn="ctr"/>
+            <a:r>
+              <a:rPr lang="tr-TR" sz="1600" dirty="0" err="1" smtClean="0">
+                <a:latin typeface="Times New Roman" panose="02020603050405020304" pitchFamily="18" charset="0"/>
+                <a:cs typeface="Times New Roman" panose="02020603050405020304" pitchFamily="18" charset="0"/>
+              </a:rPr>
+              <a:t>Conventional</a:t>
+            </a:r>
+            <a:endParaRPr lang="tr-TR" sz="1600" dirty="0">
+              <a:latin typeface="Times New Roman" panose="02020603050405020304" pitchFamily="18" charset="0"/>
+              <a:cs typeface="Times New Roman" panose="02020603050405020304" pitchFamily="18" charset="0"/>
+            </a:endParaRPr>
+          </a:p>
+        </p:txBody>
+      </p:sp>
+      <p:sp>
+        <p:nvSpPr>
+          <p:cNvPr id="24" name="Rectangle 23"/>
+          <p:cNvSpPr/>
+          <p:nvPr/>
+        </p:nvSpPr>
+        <p:spPr>
+          <a:xfrm>
+            <a:off x="3663400" y="5884408"/>
+            <a:ext cx="1960361" cy="338554"/>
+          </a:xfrm>
+          <a:prstGeom prst="rect">
+            <a:avLst/>
+          </a:prstGeom>
+        </p:spPr>
+        <p:txBody>
+          <a:bodyPr wrap="square">
+            <a:spAutoFit/>
+          </a:bodyPr>
+          <a:lstStyle/>
+          <a:p>
+            <a:pPr algn="ctr"/>
+            <a:r>
+              <a:rPr lang="tr-TR" sz="1600" dirty="0" smtClean="0">
+                <a:latin typeface="Times New Roman" panose="02020603050405020304" pitchFamily="18" charset="0"/>
+                <a:cs typeface="Times New Roman" panose="02020603050405020304" pitchFamily="18" charset="0"/>
+              </a:rPr>
+              <a:t>Modular</a:t>
+            </a:r>
+            <a:endParaRPr lang="tr-TR" sz="1600" dirty="0">
+              <a:latin typeface="Times New Roman" panose="02020603050405020304" pitchFamily="18" charset="0"/>
+              <a:cs typeface="Times New Roman" panose="02020603050405020304" pitchFamily="18" charset="0"/>
+            </a:endParaRPr>
+          </a:p>
+        </p:txBody>
+      </p:sp>
     </p:spTree>
     <p:extLst>
       <p:ext uri="{BB962C8B-B14F-4D97-AF65-F5344CB8AC3E}">
-        <p14:creationId xmlns:p14="http://schemas.microsoft.com/office/powerpoint/2010/main" val="2946699879"/>
+        <p14:creationId xmlns:p14="http://schemas.microsoft.com/office/powerpoint/2010/main" val="2436750328"/>
       </p:ext>
     </p:extLst>
   </p:cSld>
@@ -12986,18 +11142,11 @@
           <a:p>
             <a:pPr algn="ctr"/>
             <a:r>
-              <a:rPr lang="tr-TR" sz="3000" dirty="0" err="1" smtClean="0">
-                <a:latin typeface="Times New Roman" panose="02020603050405020304" pitchFamily="18" charset="0"/>
-                <a:cs typeface="Times New Roman" panose="02020603050405020304" pitchFamily="18" charset="0"/>
-              </a:rPr>
-              <a:t>Motivation</a:t>
-            </a:r>
-            <a:r>
               <a:rPr lang="tr-TR" sz="3000" dirty="0" smtClean="0">
                 <a:latin typeface="Times New Roman" panose="02020603050405020304" pitchFamily="18" charset="0"/>
                 <a:cs typeface="Times New Roman" panose="02020603050405020304" pitchFamily="18" charset="0"/>
               </a:rPr>
-              <a:t> - Integration</a:t>
+              <a:t>Critical Applications</a:t>
             </a:r>
             <a:endParaRPr lang="tr-TR" sz="3000" dirty="0">
               <a:latin typeface="Times New Roman" panose="02020603050405020304" pitchFamily="18" charset="0"/>
@@ -13106,30 +11255,232 @@
           </a:extLst>
         </p:spPr>
       </p:pic>
+      <p:sp>
+        <p:nvSpPr>
+          <p:cNvPr id="17" name="Text Box 9"/>
+          <p:cNvSpPr txBox="1">
+            <a:spLocks noChangeArrowheads="1"/>
+          </p:cNvSpPr>
+          <p:nvPr/>
+        </p:nvSpPr>
+        <p:spPr bwMode="auto">
+          <a:xfrm>
+            <a:off x="1213407" y="1069400"/>
+            <a:ext cx="7672691" cy="400110"/>
+          </a:xfrm>
+          <a:prstGeom prst="rect">
+            <a:avLst/>
+          </a:prstGeom>
+          <a:noFill/>
+          <a:ln w="9525">
+            <a:noFill/>
+            <a:miter lim="800000"/>
+            <a:headEnd/>
+            <a:tailEnd/>
+          </a:ln>
+          <a:effectLst/>
+        </p:spPr>
+        <p:txBody>
+          <a:bodyPr wrap="square">
+            <a:spAutoFit/>
+          </a:bodyPr>
+          <a:lstStyle/>
+          <a:p>
+            <a:pPr algn="ctr"/>
+            <a:r>
+              <a:rPr lang="en-US" sz="2000" b="1" dirty="0" smtClean="0">
+                <a:latin typeface="Times New Roman" panose="02020603050405020304" pitchFamily="18" charset="0"/>
+                <a:cs typeface="Times New Roman" panose="02020603050405020304" pitchFamily="18" charset="0"/>
+              </a:rPr>
+              <a:t>Electric </a:t>
+            </a:r>
+            <a:r>
+              <a:rPr lang="en-US" sz="2000" b="1" dirty="0">
+                <a:latin typeface="Times New Roman" panose="02020603050405020304" pitchFamily="18" charset="0"/>
+                <a:cs typeface="Times New Roman" panose="02020603050405020304" pitchFamily="18" charset="0"/>
+              </a:rPr>
+              <a:t>traction</a:t>
+            </a:r>
+            <a:r>
+              <a:rPr lang="tr-TR" sz="2000" dirty="0">
+                <a:latin typeface="Times New Roman" panose="02020603050405020304" pitchFamily="18" charset="0"/>
+                <a:cs typeface="Times New Roman" panose="02020603050405020304" pitchFamily="18" charset="0"/>
+              </a:rPr>
+              <a:t>:</a:t>
+            </a:r>
+            <a:r>
+              <a:rPr lang="en-US" sz="2000" dirty="0">
+                <a:latin typeface="Times New Roman" panose="02020603050405020304" pitchFamily="18" charset="0"/>
+                <a:cs typeface="Times New Roman" panose="02020603050405020304" pitchFamily="18" charset="0"/>
+              </a:rPr>
+              <a:t> </a:t>
+            </a:r>
+            <a:r>
+              <a:rPr lang="tr-TR" sz="2000" dirty="0" smtClean="0">
+                <a:latin typeface="Times New Roman" panose="02020603050405020304" pitchFamily="18" charset="0"/>
+                <a:cs typeface="Times New Roman" panose="02020603050405020304" pitchFamily="18" charset="0"/>
+              </a:rPr>
+              <a:t>EVs</a:t>
+            </a:r>
+            <a:r>
+              <a:rPr lang="en-US" sz="2000" dirty="0" smtClean="0">
+                <a:latin typeface="Times New Roman" panose="02020603050405020304" pitchFamily="18" charset="0"/>
+                <a:cs typeface="Times New Roman" panose="02020603050405020304" pitchFamily="18" charset="0"/>
+              </a:rPr>
+              <a:t>,</a:t>
+            </a:r>
+            <a:r>
+              <a:rPr lang="tr-TR" sz="2000" dirty="0" smtClean="0">
+                <a:latin typeface="Times New Roman" panose="02020603050405020304" pitchFamily="18" charset="0"/>
+                <a:cs typeface="Times New Roman" panose="02020603050405020304" pitchFamily="18" charset="0"/>
+              </a:rPr>
+              <a:t> HEVs,</a:t>
+            </a:r>
+            <a:r>
+              <a:rPr lang="en-US" sz="2000" dirty="0" smtClean="0">
+                <a:latin typeface="Times New Roman" panose="02020603050405020304" pitchFamily="18" charset="0"/>
+                <a:cs typeface="Times New Roman" panose="02020603050405020304" pitchFamily="18" charset="0"/>
+              </a:rPr>
+              <a:t> </a:t>
+            </a:r>
+            <a:r>
+              <a:rPr lang="tr-TR" sz="2000" dirty="0" smtClean="0">
+                <a:latin typeface="Times New Roman" panose="02020603050405020304" pitchFamily="18" charset="0"/>
+                <a:cs typeface="Times New Roman" panose="02020603050405020304" pitchFamily="18" charset="0"/>
+              </a:rPr>
+              <a:t>T</a:t>
+            </a:r>
+            <a:r>
+              <a:rPr lang="en-US" sz="2000" dirty="0" smtClean="0">
+                <a:latin typeface="Times New Roman" panose="02020603050405020304" pitchFamily="18" charset="0"/>
+                <a:cs typeface="Times New Roman" panose="02020603050405020304" pitchFamily="18" charset="0"/>
+              </a:rPr>
+              <a:t>rain</a:t>
+            </a:r>
+            <a:r>
+              <a:rPr lang="tr-TR" sz="2000" dirty="0" smtClean="0">
+                <a:latin typeface="Times New Roman" panose="02020603050405020304" pitchFamily="18" charset="0"/>
+                <a:cs typeface="Times New Roman" panose="02020603050405020304" pitchFamily="18" charset="0"/>
+              </a:rPr>
+              <a:t>s</a:t>
+            </a:r>
+          </a:p>
+        </p:txBody>
+      </p:sp>
       <p:pic>
         <p:nvPicPr>
-          <p:cNvPr id="16" name="Picture 15"/>
+          <p:cNvPr id="3" name="Picture 2"/>
           <p:cNvPicPr>
             <a:picLocks noChangeAspect="1"/>
           </p:cNvPicPr>
           <p:nvPr/>
         </p:nvPicPr>
         <p:blipFill>
-          <a:blip r:embed="rId3">
+          <a:blip r:embed="rId3"/>
+          <a:stretch>
+            <a:fillRect/>
+          </a:stretch>
+        </p:blipFill>
+        <p:spPr>
+          <a:xfrm>
+            <a:off x="2971800" y="4797047"/>
+            <a:ext cx="3867150" cy="1910827"/>
+          </a:xfrm>
+          <a:prstGeom prst="rect">
+            <a:avLst/>
+          </a:prstGeom>
+        </p:spPr>
+      </p:pic>
+      <p:sp>
+        <p:nvSpPr>
+          <p:cNvPr id="12" name="Text Box 9"/>
+          <p:cNvSpPr txBox="1">
+            <a:spLocks noChangeArrowheads="1"/>
+          </p:cNvSpPr>
+          <p:nvPr/>
+        </p:nvSpPr>
+        <p:spPr bwMode="auto">
+          <a:xfrm>
+            <a:off x="1207545" y="4169646"/>
+            <a:ext cx="7672691" cy="400110"/>
+          </a:xfrm>
+          <a:prstGeom prst="rect">
+            <a:avLst/>
+          </a:prstGeom>
+          <a:noFill/>
+          <a:ln w="9525">
+            <a:noFill/>
+            <a:miter lim="800000"/>
+            <a:headEnd/>
+            <a:tailEnd/>
+          </a:ln>
+          <a:effectLst/>
+        </p:spPr>
+        <p:txBody>
+          <a:bodyPr wrap="square">
+            <a:spAutoFit/>
+          </a:bodyPr>
+          <a:lstStyle/>
+          <a:p>
+            <a:pPr algn="ctr"/>
+            <a:r>
+              <a:rPr lang="en-US" sz="2000" b="1" dirty="0" smtClean="0">
+                <a:latin typeface="Times New Roman" panose="02020603050405020304" pitchFamily="18" charset="0"/>
+                <a:cs typeface="Times New Roman" panose="02020603050405020304" pitchFamily="18" charset="0"/>
+              </a:rPr>
+              <a:t>Aerospace: </a:t>
+            </a:r>
+            <a:r>
+              <a:rPr lang="en-US" sz="2000" dirty="0" smtClean="0">
+                <a:latin typeface="Times New Roman" panose="02020603050405020304" pitchFamily="18" charset="0"/>
+                <a:cs typeface="Times New Roman" panose="02020603050405020304" pitchFamily="18" charset="0"/>
+              </a:rPr>
+              <a:t>Aircrafts, Space</a:t>
+            </a:r>
+            <a:r>
+              <a:rPr lang="tr-TR" sz="2000" dirty="0" smtClean="0">
+                <a:latin typeface="Times New Roman" panose="02020603050405020304" pitchFamily="18" charset="0"/>
+                <a:cs typeface="Times New Roman" panose="02020603050405020304" pitchFamily="18" charset="0"/>
+              </a:rPr>
+              <a:t> </a:t>
+            </a:r>
+            <a:r>
+              <a:rPr lang="en-US" sz="2000" dirty="0" smtClean="0">
+                <a:latin typeface="Times New Roman" panose="02020603050405020304" pitchFamily="18" charset="0"/>
+                <a:cs typeface="Times New Roman" panose="02020603050405020304" pitchFamily="18" charset="0"/>
+              </a:rPr>
+              <a:t>crafts</a:t>
+            </a:r>
+            <a:endParaRPr lang="en-US" sz="2000" dirty="0">
+              <a:latin typeface="Times New Roman" panose="02020603050405020304" pitchFamily="18" charset="0"/>
+              <a:cs typeface="Times New Roman" panose="02020603050405020304" pitchFamily="18" charset="0"/>
+            </a:endParaRPr>
+          </a:p>
+        </p:txBody>
+      </p:sp>
+      <p:pic>
+        <p:nvPicPr>
+          <p:cNvPr id="4" name="Picture 3"/>
+          <p:cNvPicPr>
+            <a:picLocks noChangeAspect="1"/>
+          </p:cNvPicPr>
+          <p:nvPr/>
+        </p:nvPicPr>
+        <p:blipFill rotWithShape="1">
+          <a:blip r:embed="rId4">
             <a:extLst>
               <a:ext uri="{28A0092B-C50C-407E-A947-70E740481C1C}">
                 <a14:useLocalDpi xmlns:a14="http://schemas.microsoft.com/office/drawing/2010/main" val="0"/>
               </a:ext>
             </a:extLst>
           </a:blip>
-          <a:stretch>
-            <a:fillRect/>
-          </a:stretch>
+          <a:srcRect l="12500" t="9091" r="9091" b="2273"/>
+          <a:stretch/>
         </p:blipFill>
         <p:spPr>
           <a:xfrm>
-            <a:off x="1600200" y="2133600"/>
-            <a:ext cx="2866245" cy="3818096"/>
+            <a:off x="5562600" y="1556486"/>
+            <a:ext cx="2691068" cy="2281558"/>
           </a:xfrm>
           <a:prstGeom prst="rect">
             <a:avLst/>
@@ -13145,179 +11496,25 @@
           <p:nvPr/>
         </p:nvPicPr>
         <p:blipFill>
-          <a:blip r:embed="rId4"/>
+          <a:blip r:embed="rId5"/>
           <a:stretch>
             <a:fillRect/>
           </a:stretch>
         </p:blipFill>
         <p:spPr>
           <a:xfrm>
-            <a:off x="5267188" y="1844583"/>
-            <a:ext cx="3691487" cy="1314089"/>
+            <a:off x="1600200" y="1516440"/>
+            <a:ext cx="3365770" cy="2321604"/>
           </a:xfrm>
           <a:prstGeom prst="rect">
             <a:avLst/>
           </a:prstGeom>
         </p:spPr>
       </p:pic>
-      <p:pic>
-        <p:nvPicPr>
-          <p:cNvPr id="3" name="Picture 2"/>
-          <p:cNvPicPr>
-            <a:picLocks noChangeAspect="1"/>
-          </p:cNvPicPr>
-          <p:nvPr/>
-        </p:nvPicPr>
-        <p:blipFill rotWithShape="1">
-          <a:blip r:embed="rId5" cstate="print">
-            <a:extLst>
-              <a:ext uri="{28A0092B-C50C-407E-A947-70E740481C1C}">
-                <a14:useLocalDpi xmlns:a14="http://schemas.microsoft.com/office/drawing/2010/main" val="0"/>
-              </a:ext>
-            </a:extLst>
-          </a:blip>
-          <a:srcRect l="6969" t="14966" r="20531" b="23333"/>
-          <a:stretch/>
-        </p:blipFill>
-        <p:spPr>
-          <a:xfrm>
-            <a:off x="5805891" y="3973645"/>
-            <a:ext cx="2895600" cy="1848206"/>
-          </a:xfrm>
-          <a:prstGeom prst="rect">
-            <a:avLst/>
-          </a:prstGeom>
-        </p:spPr>
-      </p:pic>
-      <p:sp>
-        <p:nvSpPr>
-          <p:cNvPr id="4" name="Rectangle 3"/>
-          <p:cNvSpPr/>
-          <p:nvPr/>
-        </p:nvSpPr>
-        <p:spPr>
-          <a:xfrm>
-            <a:off x="1656702" y="1500923"/>
-            <a:ext cx="2590800" cy="400110"/>
-          </a:xfrm>
-          <a:prstGeom prst="rect">
-            <a:avLst/>
-          </a:prstGeom>
-        </p:spPr>
-        <p:txBody>
-          <a:bodyPr wrap="square">
-            <a:spAutoFit/>
-          </a:bodyPr>
-          <a:lstStyle/>
-          <a:p>
-            <a:pPr algn="ctr"/>
-            <a:r>
-              <a:rPr lang="en-US" sz="2000" dirty="0">
-                <a:latin typeface="Times New Roman" panose="02020603050405020304" pitchFamily="18" charset="0"/>
-                <a:cs typeface="Times New Roman" panose="02020603050405020304" pitchFamily="18" charset="0"/>
-              </a:rPr>
-              <a:t>Power density</a:t>
-            </a:r>
-          </a:p>
-        </p:txBody>
-      </p:sp>
-      <p:sp>
-        <p:nvSpPr>
-          <p:cNvPr id="20" name="Rectangle 19"/>
-          <p:cNvSpPr/>
-          <p:nvPr/>
-        </p:nvSpPr>
-        <p:spPr>
-          <a:xfrm>
-            <a:off x="5958291" y="1378561"/>
-            <a:ext cx="2590800" cy="400110"/>
-          </a:xfrm>
-          <a:prstGeom prst="rect">
-            <a:avLst/>
-          </a:prstGeom>
-        </p:spPr>
-        <p:txBody>
-          <a:bodyPr wrap="square">
-            <a:spAutoFit/>
-          </a:bodyPr>
-          <a:lstStyle/>
-          <a:p>
-            <a:pPr algn="ctr"/>
-            <a:r>
-              <a:rPr lang="tr-TR" sz="2000" dirty="0" err="1" smtClean="0">
-                <a:latin typeface="Times New Roman" panose="02020603050405020304" pitchFamily="18" charset="0"/>
-                <a:cs typeface="Times New Roman" panose="02020603050405020304" pitchFamily="18" charset="0"/>
-              </a:rPr>
-              <a:t>Voltage</a:t>
-            </a:r>
-            <a:r>
-              <a:rPr lang="tr-TR" sz="2000" dirty="0" smtClean="0">
-                <a:latin typeface="Times New Roman" panose="02020603050405020304" pitchFamily="18" charset="0"/>
-                <a:cs typeface="Times New Roman" panose="02020603050405020304" pitchFamily="18" charset="0"/>
-              </a:rPr>
-              <a:t> </a:t>
-            </a:r>
-            <a:r>
-              <a:rPr lang="tr-TR" sz="2000" dirty="0" err="1" smtClean="0">
-                <a:latin typeface="Times New Roman" panose="02020603050405020304" pitchFamily="18" charset="0"/>
-                <a:cs typeface="Times New Roman" panose="02020603050405020304" pitchFamily="18" charset="0"/>
-              </a:rPr>
-              <a:t>overshoots</a:t>
-            </a:r>
-            <a:endParaRPr lang="en-US" sz="2000" dirty="0">
-              <a:latin typeface="Times New Roman" panose="02020603050405020304" pitchFamily="18" charset="0"/>
-              <a:cs typeface="Times New Roman" panose="02020603050405020304" pitchFamily="18" charset="0"/>
-            </a:endParaRPr>
-          </a:p>
-        </p:txBody>
-      </p:sp>
-      <p:sp>
-        <p:nvSpPr>
-          <p:cNvPr id="21" name="Rectangle 20"/>
-          <p:cNvSpPr/>
-          <p:nvPr/>
-        </p:nvSpPr>
-        <p:spPr>
-          <a:xfrm>
-            <a:off x="5901174" y="3479450"/>
-            <a:ext cx="2590800" cy="400110"/>
-          </a:xfrm>
-          <a:prstGeom prst="rect">
-            <a:avLst/>
-          </a:prstGeom>
-        </p:spPr>
-        <p:txBody>
-          <a:bodyPr wrap="square">
-            <a:spAutoFit/>
-          </a:bodyPr>
-          <a:lstStyle/>
-          <a:p>
-            <a:pPr algn="ctr"/>
-            <a:r>
-              <a:rPr lang="tr-TR" sz="2000" dirty="0" smtClean="0">
-                <a:latin typeface="Times New Roman" panose="02020603050405020304" pitchFamily="18" charset="0"/>
-                <a:cs typeface="Times New Roman" panose="02020603050405020304" pitchFamily="18" charset="0"/>
-              </a:rPr>
-              <a:t>Motor </a:t>
-            </a:r>
-            <a:r>
-              <a:rPr lang="tr-TR" sz="2000" dirty="0" err="1" smtClean="0">
-                <a:latin typeface="Times New Roman" panose="02020603050405020304" pitchFamily="18" charset="0"/>
-                <a:cs typeface="Times New Roman" panose="02020603050405020304" pitchFamily="18" charset="0"/>
-              </a:rPr>
-              <a:t>lifetime</a:t>
-            </a:r>
-            <a:endParaRPr lang="en-US" sz="2000" dirty="0">
-              <a:latin typeface="Times New Roman" panose="02020603050405020304" pitchFamily="18" charset="0"/>
-              <a:cs typeface="Times New Roman" panose="02020603050405020304" pitchFamily="18" charset="0"/>
-            </a:endParaRPr>
-          </a:p>
-        </p:txBody>
-      </p:sp>
     </p:spTree>
     <p:extLst>
       <p:ext uri="{BB962C8B-B14F-4D97-AF65-F5344CB8AC3E}">
-        <p14:creationId xmlns:p14="http://schemas.microsoft.com/office/powerpoint/2010/main" val="2436750328"/>
+        <p14:creationId xmlns:p14="http://schemas.microsoft.com/office/powerpoint/2010/main" val="1828716564"/>
       </p:ext>
     </p:extLst>
   </p:cSld>
@@ -13478,21 +11675,7 @@
                 <a:latin typeface="Times New Roman" panose="02020603050405020304" pitchFamily="18" charset="0"/>
                 <a:cs typeface="Times New Roman" panose="02020603050405020304" pitchFamily="18" charset="0"/>
               </a:rPr>
-              <a:t>Motivation</a:t>
-            </a:r>
-            <a:r>
-              <a:rPr lang="tr-TR" sz="3000" dirty="0" smtClean="0">
-                <a:latin typeface="Times New Roman" panose="02020603050405020304" pitchFamily="18" charset="0"/>
-                <a:cs typeface="Times New Roman" panose="02020603050405020304" pitchFamily="18" charset="0"/>
-              </a:rPr>
-              <a:t> - </a:t>
-            </a:r>
-            <a:r>
-              <a:rPr lang="tr-TR" sz="3000" dirty="0" err="1" smtClean="0">
-                <a:latin typeface="Times New Roman" panose="02020603050405020304" pitchFamily="18" charset="0"/>
-                <a:cs typeface="Times New Roman" panose="02020603050405020304" pitchFamily="18" charset="0"/>
-              </a:rPr>
-              <a:t>Modularization</a:t>
+              <a:t>Challenges</a:t>
             </a:r>
             <a:endParaRPr lang="tr-TR" sz="3000" dirty="0">
               <a:latin typeface="Times New Roman" panose="02020603050405020304" pitchFamily="18" charset="0"/>
@@ -13603,7 +11786,7 @@
       </p:pic>
       <p:sp>
         <p:nvSpPr>
-          <p:cNvPr id="19" name="Text Box 9"/>
+          <p:cNvPr id="17" name="Text Box 9"/>
           <p:cNvSpPr txBox="1">
             <a:spLocks noChangeArrowheads="1"/>
           </p:cNvSpPr>
@@ -13611,8 +11794,8 @@
         </p:nvSpPr>
         <p:spPr bwMode="auto">
           <a:xfrm>
-            <a:off x="1386291" y="1371600"/>
-            <a:ext cx="3109510" cy="400110"/>
+            <a:off x="1295399" y="1084656"/>
+            <a:ext cx="7672691" cy="3477875"/>
           </a:xfrm>
           <a:prstGeom prst="rect">
             <a:avLst/>
@@ -13632,203 +11815,150 @@
           </a:bodyPr>
           <a:lstStyle/>
           <a:p>
-            <a:pPr algn="ctr"/>
-            <a:r>
-              <a:rPr lang="tr-TR" sz="2000" dirty="0" err="1" smtClean="0">
-                <a:latin typeface="Times New Roman" panose="02020603050405020304" pitchFamily="18" charset="0"/>
-                <a:cs typeface="Times New Roman" panose="02020603050405020304" pitchFamily="18" charset="0"/>
-              </a:rPr>
-              <a:t>Increased</a:t>
-            </a:r>
-            <a:r>
-              <a:rPr lang="tr-TR" sz="2000" dirty="0" smtClean="0">
-                <a:latin typeface="Times New Roman" panose="02020603050405020304" pitchFamily="18" charset="0"/>
-                <a:cs typeface="Times New Roman" panose="02020603050405020304" pitchFamily="18" charset="0"/>
-              </a:rPr>
-              <a:t> f</a:t>
-            </a:r>
-            <a:r>
-              <a:rPr lang="en-US" sz="2000" dirty="0" err="1" smtClean="0">
-                <a:latin typeface="Times New Roman" panose="02020603050405020304" pitchFamily="18" charset="0"/>
-                <a:cs typeface="Times New Roman" panose="02020603050405020304" pitchFamily="18" charset="0"/>
-              </a:rPr>
-              <a:t>ault</a:t>
-            </a:r>
             <a:r>
               <a:rPr lang="en-US" sz="2000" dirty="0" smtClean="0">
                 <a:latin typeface="Times New Roman" panose="02020603050405020304" pitchFamily="18" charset="0"/>
                 <a:cs typeface="Times New Roman" panose="02020603050405020304" pitchFamily="18" charset="0"/>
               </a:rPr>
-              <a:t> tolerance</a:t>
+              <a:t>Fitting into a </a:t>
+            </a:r>
+            <a:r>
+              <a:rPr lang="en-US" sz="2000" b="1" dirty="0" smtClean="0">
+                <a:latin typeface="Times New Roman" panose="02020603050405020304" pitchFamily="18" charset="0"/>
+                <a:cs typeface="Times New Roman" panose="02020603050405020304" pitchFamily="18" charset="0"/>
+              </a:rPr>
+              <a:t>small volume </a:t>
+            </a:r>
+            <a:r>
+              <a:rPr lang="en-US" sz="2000" dirty="0" smtClean="0">
+                <a:latin typeface="Times New Roman" panose="02020603050405020304" pitchFamily="18" charset="0"/>
+                <a:cs typeface="Times New Roman" panose="02020603050405020304" pitchFamily="18" charset="0"/>
+              </a:rPr>
+              <a:t>requires size reduction and optimum placement of components.</a:t>
+            </a:r>
+          </a:p>
+          <a:p>
+            <a:pPr marL="800100" lvl="1" indent="-342900">
+              <a:buFont typeface="Wingdings" panose="05000000000000000000" pitchFamily="2" charset="2"/>
+              <a:buChar char="ü"/>
+            </a:pPr>
+            <a:r>
+              <a:rPr lang="en-US" sz="2000" dirty="0" smtClean="0">
+                <a:latin typeface="Times New Roman" panose="02020603050405020304" pitchFamily="18" charset="0"/>
+                <a:cs typeface="Times New Roman" panose="02020603050405020304" pitchFamily="18" charset="0"/>
+              </a:rPr>
+              <a:t>Passive component size reduction</a:t>
+            </a:r>
+          </a:p>
+          <a:p>
+            <a:pPr marL="800100" lvl="1" indent="-342900">
+              <a:buFont typeface="Wingdings" panose="05000000000000000000" pitchFamily="2" charset="2"/>
+              <a:buChar char="ü"/>
+            </a:pPr>
+            <a:r>
+              <a:rPr lang="en-US" sz="2000" dirty="0" smtClean="0">
+                <a:latin typeface="Times New Roman" panose="02020603050405020304" pitchFamily="18" charset="0"/>
+                <a:cs typeface="Times New Roman" panose="02020603050405020304" pitchFamily="18" charset="0"/>
+              </a:rPr>
+              <a:t>Heat sink size reduction</a:t>
             </a:r>
             <a:endParaRPr lang="tr-TR" sz="2000" dirty="0" smtClean="0">
               <a:latin typeface="Times New Roman" panose="02020603050405020304" pitchFamily="18" charset="0"/>
               <a:cs typeface="Times New Roman" panose="02020603050405020304" pitchFamily="18" charset="0"/>
             </a:endParaRPr>
           </a:p>
-        </p:txBody>
-      </p:sp>
-      <p:sp>
-        <p:nvSpPr>
-          <p:cNvPr id="16" name="Text Box 9"/>
-          <p:cNvSpPr txBox="1">
-            <a:spLocks noChangeArrowheads="1"/>
-          </p:cNvSpPr>
-          <p:nvPr/>
-        </p:nvSpPr>
-        <p:spPr bwMode="auto">
-          <a:xfrm>
-            <a:off x="5089769" y="3894325"/>
-            <a:ext cx="3109510" cy="400110"/>
-          </a:xfrm>
-          <a:prstGeom prst="rect">
-            <a:avLst/>
-          </a:prstGeom>
-          <a:noFill/>
-          <a:ln w="9525">
-            <a:noFill/>
-            <a:miter lim="800000"/>
-            <a:headEnd/>
-            <a:tailEnd/>
-          </a:ln>
-          <a:effectLst/>
-        </p:spPr>
-        <p:txBody>
-          <a:bodyPr wrap="square">
-            <a:spAutoFit/>
-          </a:bodyPr>
-          <a:lstStyle/>
-          <a:p>
-            <a:pPr algn="ctr"/>
-            <a:r>
-              <a:rPr lang="tr-TR" sz="2000" dirty="0" err="1" smtClean="0">
-                <a:latin typeface="Times New Roman" panose="02020603050405020304" pitchFamily="18" charset="0"/>
-                <a:cs typeface="Times New Roman" panose="02020603050405020304" pitchFamily="18" charset="0"/>
-              </a:rPr>
-              <a:t>Reduced</a:t>
-            </a:r>
-            <a:r>
-              <a:rPr lang="tr-TR" sz="2000" dirty="0" smtClean="0">
-                <a:latin typeface="Times New Roman" panose="02020603050405020304" pitchFamily="18" charset="0"/>
-                <a:cs typeface="Times New Roman" panose="02020603050405020304" pitchFamily="18" charset="0"/>
-              </a:rPr>
-              <a:t> v</a:t>
-            </a:r>
-            <a:r>
-              <a:rPr lang="en-US" sz="2000" dirty="0" err="1" smtClean="0">
-                <a:latin typeface="Times New Roman" panose="02020603050405020304" pitchFamily="18" charset="0"/>
-                <a:cs typeface="Times New Roman" panose="02020603050405020304" pitchFamily="18" charset="0"/>
-              </a:rPr>
-              <a:t>oltage</a:t>
-            </a:r>
-            <a:r>
-              <a:rPr lang="en-US" sz="2000" dirty="0" smtClean="0">
-                <a:latin typeface="Times New Roman" panose="02020603050405020304" pitchFamily="18" charset="0"/>
-                <a:cs typeface="Times New Roman" panose="02020603050405020304" pitchFamily="18" charset="0"/>
-              </a:rPr>
-              <a:t> </a:t>
-            </a:r>
-            <a:r>
-              <a:rPr lang="en-US" sz="2000" dirty="0" err="1" smtClean="0">
-                <a:latin typeface="Times New Roman" panose="02020603050405020304" pitchFamily="18" charset="0"/>
-                <a:cs typeface="Times New Roman" panose="02020603050405020304" pitchFamily="18" charset="0"/>
-              </a:rPr>
-              <a:t>stres</a:t>
-            </a:r>
-            <a:r>
-              <a:rPr lang="tr-TR" sz="2000" dirty="0" smtClean="0">
-                <a:latin typeface="Times New Roman" panose="02020603050405020304" pitchFamily="18" charset="0"/>
-                <a:cs typeface="Times New Roman" panose="02020603050405020304" pitchFamily="18" charset="0"/>
-              </a:rPr>
-              <a:t>s</a:t>
-            </a:r>
-          </a:p>
-        </p:txBody>
-      </p:sp>
-      <p:sp>
-        <p:nvSpPr>
-          <p:cNvPr id="18" name="Text Box 9"/>
-          <p:cNvSpPr txBox="1">
-            <a:spLocks noChangeArrowheads="1"/>
-          </p:cNvSpPr>
-          <p:nvPr/>
-        </p:nvSpPr>
-        <p:spPr bwMode="auto">
-          <a:xfrm>
-            <a:off x="5257800" y="1419141"/>
-            <a:ext cx="3109510" cy="400110"/>
-          </a:xfrm>
-          <a:prstGeom prst="rect">
-            <a:avLst/>
-          </a:prstGeom>
-          <a:noFill/>
-          <a:ln w="9525">
-            <a:noFill/>
-            <a:miter lim="800000"/>
-            <a:headEnd/>
-            <a:tailEnd/>
-          </a:ln>
-          <a:effectLst/>
-        </p:spPr>
-        <p:txBody>
-          <a:bodyPr wrap="square">
-            <a:spAutoFit/>
-          </a:bodyPr>
-          <a:lstStyle/>
-          <a:p>
-            <a:pPr algn="ctr"/>
-            <a:r>
-              <a:rPr lang="tr-TR" sz="2000" dirty="0" smtClean="0">
-                <a:latin typeface="Times New Roman" panose="02020603050405020304" pitchFamily="18" charset="0"/>
-                <a:cs typeface="Times New Roman" panose="02020603050405020304" pitchFamily="18" charset="0"/>
-              </a:rPr>
-              <a:t>D</a:t>
-            </a:r>
-            <a:r>
-              <a:rPr lang="en-US" sz="2000" dirty="0" err="1" smtClean="0">
-                <a:latin typeface="Times New Roman" panose="02020603050405020304" pitchFamily="18" charset="0"/>
-                <a:cs typeface="Times New Roman" panose="02020603050405020304" pitchFamily="18" charset="0"/>
-              </a:rPr>
-              <a:t>istribute</a:t>
-            </a:r>
-            <a:r>
-              <a:rPr lang="tr-TR" sz="2000" dirty="0" smtClean="0">
-                <a:latin typeface="Times New Roman" panose="02020603050405020304" pitchFamily="18" charset="0"/>
-                <a:cs typeface="Times New Roman" panose="02020603050405020304" pitchFamily="18" charset="0"/>
-              </a:rPr>
-              <a:t>d </a:t>
-            </a:r>
-            <a:r>
-              <a:rPr lang="tr-TR" sz="2000" dirty="0" err="1" smtClean="0">
-                <a:latin typeface="Times New Roman" panose="02020603050405020304" pitchFamily="18" charset="0"/>
-                <a:cs typeface="Times New Roman" panose="02020603050405020304" pitchFamily="18" charset="0"/>
-              </a:rPr>
-              <a:t>heat</a:t>
-            </a:r>
-            <a:r>
-              <a:rPr lang="tr-TR" sz="2000" dirty="0" smtClean="0">
-                <a:latin typeface="Times New Roman" panose="02020603050405020304" pitchFamily="18" charset="0"/>
-                <a:cs typeface="Times New Roman" panose="02020603050405020304" pitchFamily="18" charset="0"/>
-              </a:rPr>
-              <a:t> </a:t>
-            </a:r>
-            <a:r>
-              <a:rPr lang="tr-TR" sz="2000" dirty="0" err="1" smtClean="0">
-                <a:latin typeface="Times New Roman" panose="02020603050405020304" pitchFamily="18" charset="0"/>
-                <a:cs typeface="Times New Roman" panose="02020603050405020304" pitchFamily="18" charset="0"/>
-              </a:rPr>
-              <a:t>dissipation</a:t>
-            </a:r>
+          <a:p>
+            <a:pPr lvl="1"/>
             <a:endParaRPr lang="en-US" sz="2000" dirty="0" smtClean="0">
               <a:latin typeface="Times New Roman" panose="02020603050405020304" pitchFamily="18" charset="0"/>
               <a:cs typeface="Times New Roman" panose="02020603050405020304" pitchFamily="18" charset="0"/>
             </a:endParaRPr>
           </a:p>
+          <a:p>
+            <a:r>
+              <a:rPr lang="en-US" sz="2000" b="1" dirty="0" smtClean="0">
+                <a:latin typeface="Times New Roman" panose="02020603050405020304" pitchFamily="18" charset="0"/>
+                <a:cs typeface="Times New Roman" panose="02020603050405020304" pitchFamily="18" charset="0"/>
+              </a:rPr>
+              <a:t>Cooling</a:t>
+            </a:r>
+            <a:r>
+              <a:rPr lang="en-US" sz="2000" dirty="0" smtClean="0">
+                <a:latin typeface="Times New Roman" panose="02020603050405020304" pitchFamily="18" charset="0"/>
+                <a:cs typeface="Times New Roman" panose="02020603050405020304" pitchFamily="18" charset="0"/>
+              </a:rPr>
+              <a:t> of both units should be achieved simultaneously.</a:t>
+            </a:r>
+          </a:p>
+          <a:p>
+            <a:pPr marL="800100" lvl="1" indent="-342900">
+              <a:buFont typeface="Wingdings" panose="05000000000000000000" pitchFamily="2" charset="2"/>
+              <a:buChar char="ü"/>
+            </a:pPr>
+            <a:r>
+              <a:rPr lang="en-US" sz="2000" dirty="0" smtClean="0">
+                <a:latin typeface="Times New Roman" panose="02020603050405020304" pitchFamily="18" charset="0"/>
+                <a:cs typeface="Times New Roman" panose="02020603050405020304" pitchFamily="18" charset="0"/>
+              </a:rPr>
+              <a:t>Achieve superior drive efficiency</a:t>
+            </a:r>
+          </a:p>
+          <a:p>
+            <a:pPr marL="800100" lvl="1" indent="-342900">
+              <a:buFont typeface="Wingdings" panose="05000000000000000000" pitchFamily="2" charset="2"/>
+              <a:buChar char="ü"/>
+            </a:pPr>
+            <a:r>
+              <a:rPr lang="en-US" sz="2000" dirty="0" smtClean="0">
+                <a:latin typeface="Times New Roman" panose="02020603050405020304" pitchFamily="18" charset="0"/>
+                <a:cs typeface="Times New Roman" panose="02020603050405020304" pitchFamily="18" charset="0"/>
+              </a:rPr>
+              <a:t>Heat distribution</a:t>
+            </a:r>
+            <a:endParaRPr lang="tr-TR" sz="2000" dirty="0" smtClean="0">
+              <a:latin typeface="Times New Roman" panose="02020603050405020304" pitchFamily="18" charset="0"/>
+              <a:cs typeface="Times New Roman" panose="02020603050405020304" pitchFamily="18" charset="0"/>
+            </a:endParaRPr>
+          </a:p>
+          <a:p>
+            <a:pPr lvl="1"/>
+            <a:endParaRPr lang="en-US" sz="2000" dirty="0" smtClean="0">
+              <a:latin typeface="Times New Roman" panose="02020603050405020304" pitchFamily="18" charset="0"/>
+              <a:cs typeface="Times New Roman" panose="02020603050405020304" pitchFamily="18" charset="0"/>
+            </a:endParaRPr>
+          </a:p>
+          <a:p>
+            <a:r>
+              <a:rPr lang="en-US" sz="2000" dirty="0" smtClean="0">
+                <a:latin typeface="Times New Roman" panose="02020603050405020304" pitchFamily="18" charset="0"/>
+                <a:cs typeface="Times New Roman" panose="02020603050405020304" pitchFamily="18" charset="0"/>
+              </a:rPr>
+              <a:t>Power and control electronics components are subjected to </a:t>
+            </a:r>
+            <a:r>
+              <a:rPr lang="en-US" sz="2000" b="1" dirty="0" smtClean="0">
+                <a:latin typeface="Times New Roman" panose="02020603050405020304" pitchFamily="18" charset="0"/>
+                <a:cs typeface="Times New Roman" panose="02020603050405020304" pitchFamily="18" charset="0"/>
+              </a:rPr>
+              <a:t>high temperature and vibration</a:t>
+            </a:r>
+            <a:r>
+              <a:rPr lang="en-US" sz="2000" dirty="0" smtClean="0">
+                <a:latin typeface="Times New Roman" panose="02020603050405020304" pitchFamily="18" charset="0"/>
+                <a:cs typeface="Times New Roman" panose="02020603050405020304" pitchFamily="18" charset="0"/>
+              </a:rPr>
+              <a:t>.</a:t>
+            </a:r>
+            <a:endParaRPr lang="tr-TR" sz="2000" dirty="0" smtClean="0">
+              <a:latin typeface="Times New Roman" panose="02020603050405020304" pitchFamily="18" charset="0"/>
+              <a:cs typeface="Times New Roman" panose="02020603050405020304" pitchFamily="18" charset="0"/>
+            </a:endParaRPr>
+          </a:p>
         </p:txBody>
       </p:sp>
       <p:pic>
         <p:nvPicPr>
-          <p:cNvPr id="5" name="Picture 4"/>
+          <p:cNvPr id="9" name="Picture 8"/>
           <p:cNvPicPr>
             <a:picLocks noChangeAspect="1"/>
           </p:cNvPicPr>
@@ -13842,56 +11972,8 @@
         </p:blipFill>
         <p:spPr>
           <a:xfrm>
-            <a:off x="4616763" y="4370635"/>
-            <a:ext cx="2069596" cy="1519115"/>
-          </a:xfrm>
-          <a:prstGeom prst="rect">
-            <a:avLst/>
-          </a:prstGeom>
-        </p:spPr>
-      </p:pic>
-      <p:pic>
-        <p:nvPicPr>
-          <p:cNvPr id="6" name="Picture 5"/>
-          <p:cNvPicPr>
-            <a:picLocks noChangeAspect="1"/>
-          </p:cNvPicPr>
-          <p:nvPr/>
-        </p:nvPicPr>
-        <p:blipFill>
-          <a:blip r:embed="rId4"/>
-          <a:stretch>
-            <a:fillRect/>
-          </a:stretch>
-        </p:blipFill>
-        <p:spPr>
-          <a:xfrm>
-            <a:off x="7056944" y="4370635"/>
-            <a:ext cx="1624503" cy="1588302"/>
-          </a:xfrm>
-          <a:prstGeom prst="rect">
-            <a:avLst/>
-          </a:prstGeom>
-        </p:spPr>
-      </p:pic>
-      <p:pic>
-        <p:nvPicPr>
-          <p:cNvPr id="7" name="Picture 6"/>
-          <p:cNvPicPr>
-            <a:picLocks noChangeAspect="1"/>
-          </p:cNvPicPr>
-          <p:nvPr/>
-        </p:nvPicPr>
-        <p:blipFill>
-          <a:blip r:embed="rId5"/>
-          <a:stretch>
-            <a:fillRect/>
-          </a:stretch>
-        </p:blipFill>
-        <p:spPr>
-          <a:xfrm>
-            <a:off x="1650993" y="1896066"/>
-            <a:ext cx="2580106" cy="3557528"/>
+            <a:off x="2590800" y="4808986"/>
+            <a:ext cx="4597732" cy="1842728"/>
           </a:xfrm>
           <a:prstGeom prst="rect">
             <a:avLst/>
@@ -13901,7 +11983,7 @@
     </p:spTree>
     <p:extLst>
       <p:ext uri="{BB962C8B-B14F-4D97-AF65-F5344CB8AC3E}">
-        <p14:creationId xmlns:p14="http://schemas.microsoft.com/office/powerpoint/2010/main" val="4145003531"/>
+        <p14:creationId xmlns:p14="http://schemas.microsoft.com/office/powerpoint/2010/main" val="863978329"/>
       </p:ext>
     </p:extLst>
   </p:cSld>
@@ -14058,13 +12140,13 @@
           <a:p>
             <a:pPr algn="ctr"/>
             <a:r>
-              <a:rPr lang="tr-TR" sz="3000" dirty="0" smtClean="0">
-                <a:latin typeface="Times New Roman" panose="02020603050405020304" pitchFamily="18" charset="0"/>
-                <a:cs typeface="Times New Roman" panose="02020603050405020304" pitchFamily="18" charset="0"/>
-              </a:rPr>
-              <a:t>Critical Applications</a:t>
-            </a:r>
-            <a:endParaRPr lang="tr-TR" sz="3000" dirty="0">
+              <a:rPr lang="en-US" sz="3000" dirty="0" smtClean="0">
+                <a:latin typeface="Times New Roman" panose="02020603050405020304" pitchFamily="18" charset="0"/>
+                <a:cs typeface="Times New Roman" panose="02020603050405020304" pitchFamily="18" charset="0"/>
+              </a:rPr>
+              <a:t>Gallium Nitride (GaN) Power Semiconductors</a:t>
+            </a:r>
+            <a:endParaRPr lang="en-US" sz="3000" dirty="0">
               <a:latin typeface="Times New Roman" panose="02020603050405020304" pitchFamily="18" charset="0"/>
               <a:cs typeface="Times New Roman" panose="02020603050405020304" pitchFamily="18" charset="0"/>
             </a:endParaRPr>
@@ -14173,7 +12255,7 @@
       </p:pic>
       <p:sp>
         <p:nvSpPr>
-          <p:cNvPr id="17" name="Text Box 9"/>
+          <p:cNvPr id="16" name="Text Box 9"/>
           <p:cNvSpPr txBox="1">
             <a:spLocks noChangeArrowheads="1"/>
           </p:cNvSpPr>
@@ -14181,8 +12263,8 @@
         </p:nvSpPr>
         <p:spPr bwMode="auto">
           <a:xfrm>
-            <a:off x="1213407" y="1069400"/>
-            <a:ext cx="7672691" cy="400110"/>
+            <a:off x="1386291" y="1130061"/>
+            <a:ext cx="7035213" cy="1015663"/>
           </a:xfrm>
           <a:prstGeom prst="rect">
             <a:avLst/>
@@ -14202,90 +12284,103 @@
           </a:bodyPr>
           <a:lstStyle/>
           <a:p>
-            <a:pPr algn="ctr"/>
+            <a:pPr marL="342900" indent="-342900" algn="just">
+              <a:buFont typeface="Wingdings" panose="05000000000000000000" pitchFamily="2" charset="2"/>
+              <a:buChar char="ü"/>
+            </a:pPr>
+            <a:r>
+              <a:rPr lang="tr-TR" sz="2000" b="1" dirty="0" smtClean="0">
+                <a:latin typeface="Times New Roman" panose="02020603050405020304" pitchFamily="18" charset="0"/>
+                <a:cs typeface="Times New Roman" panose="02020603050405020304" pitchFamily="18" charset="0"/>
+              </a:rPr>
+              <a:t>W</a:t>
+            </a:r>
             <a:r>
               <a:rPr lang="en-US" sz="2000" b="1" dirty="0" smtClean="0">
                 <a:latin typeface="Times New Roman" panose="02020603050405020304" pitchFamily="18" charset="0"/>
                 <a:cs typeface="Times New Roman" panose="02020603050405020304" pitchFamily="18" charset="0"/>
               </a:rPr>
-              <a:t>Electric </a:t>
-            </a:r>
-            <a:r>
-              <a:rPr lang="en-US" sz="2000" b="1" dirty="0">
-                <a:latin typeface="Times New Roman" panose="02020603050405020304" pitchFamily="18" charset="0"/>
-                <a:cs typeface="Times New Roman" panose="02020603050405020304" pitchFamily="18" charset="0"/>
-              </a:rPr>
-              <a:t>traction</a:t>
-            </a:r>
-            <a:r>
-              <a:rPr lang="tr-TR" sz="2000" dirty="0">
-                <a:latin typeface="Times New Roman" panose="02020603050405020304" pitchFamily="18" charset="0"/>
-                <a:cs typeface="Times New Roman" panose="02020603050405020304" pitchFamily="18" charset="0"/>
-              </a:rPr>
-              <a:t>:</a:t>
-            </a:r>
-            <a:r>
-              <a:rPr lang="en-US" sz="2000" dirty="0">
-                <a:latin typeface="Times New Roman" panose="02020603050405020304" pitchFamily="18" charset="0"/>
-                <a:cs typeface="Times New Roman" panose="02020603050405020304" pitchFamily="18" charset="0"/>
-              </a:rPr>
-              <a:t> </a:t>
-            </a:r>
-            <a:r>
-              <a:rPr lang="tr-TR" sz="2000" dirty="0" smtClean="0">
-                <a:latin typeface="Times New Roman" panose="02020603050405020304" pitchFamily="18" charset="0"/>
-                <a:cs typeface="Times New Roman" panose="02020603050405020304" pitchFamily="18" charset="0"/>
-              </a:rPr>
-              <a:t>EVs</a:t>
+              <a:t>ide band-gap (WBG) </a:t>
             </a:r>
             <a:r>
               <a:rPr lang="en-US" sz="2000" dirty="0" smtClean="0">
                 <a:latin typeface="Times New Roman" panose="02020603050405020304" pitchFamily="18" charset="0"/>
                 <a:cs typeface="Times New Roman" panose="02020603050405020304" pitchFamily="18" charset="0"/>
               </a:rPr>
-              <a:t>,</a:t>
-            </a:r>
-            <a:r>
-              <a:rPr lang="tr-TR" sz="2000" dirty="0" smtClean="0">
-                <a:latin typeface="Times New Roman" panose="02020603050405020304" pitchFamily="18" charset="0"/>
-                <a:cs typeface="Times New Roman" panose="02020603050405020304" pitchFamily="18" charset="0"/>
-              </a:rPr>
-              <a:t> HEVs,</a:t>
-            </a:r>
+              <a:t>power semiconductor devices</a:t>
+            </a:r>
+            <a:endParaRPr lang="tr-TR" sz="2000" dirty="0" smtClean="0">
+              <a:latin typeface="Times New Roman" panose="02020603050405020304" pitchFamily="18" charset="0"/>
+              <a:cs typeface="Times New Roman" panose="02020603050405020304" pitchFamily="18" charset="0"/>
+            </a:endParaRPr>
+          </a:p>
+          <a:p>
+            <a:pPr marL="342900" indent="-342900" algn="l">
+              <a:buFont typeface="Wingdings" panose="05000000000000000000" pitchFamily="2" charset="2"/>
+              <a:buChar char="ü"/>
+            </a:pPr>
             <a:r>
               <a:rPr lang="en-US" sz="2000" dirty="0" smtClean="0">
                 <a:latin typeface="Times New Roman" panose="02020603050405020304" pitchFamily="18" charset="0"/>
                 <a:cs typeface="Times New Roman" panose="02020603050405020304" pitchFamily="18" charset="0"/>
               </a:rPr>
-              <a:t> </a:t>
-            </a:r>
-            <a:r>
-              <a:rPr lang="tr-TR" sz="2000" dirty="0" smtClean="0">
-                <a:latin typeface="Times New Roman" panose="02020603050405020304" pitchFamily="18" charset="0"/>
-                <a:cs typeface="Times New Roman" panose="02020603050405020304" pitchFamily="18" charset="0"/>
-              </a:rPr>
-              <a:t>T</a:t>
+              <a:t>Low semiconductor loss: </a:t>
+            </a:r>
+            <a:r>
+              <a:rPr lang="en-US" sz="2000" b="1" dirty="0" smtClean="0">
+                <a:latin typeface="Times New Roman" panose="02020603050405020304" pitchFamily="18" charset="0"/>
+                <a:cs typeface="Times New Roman" panose="02020603050405020304" pitchFamily="18" charset="0"/>
+              </a:rPr>
+              <a:t>heat sink </a:t>
             </a:r>
             <a:r>
               <a:rPr lang="en-US" sz="2000" dirty="0" smtClean="0">
                 <a:latin typeface="Times New Roman" panose="02020603050405020304" pitchFamily="18" charset="0"/>
                 <a:cs typeface="Times New Roman" panose="02020603050405020304" pitchFamily="18" charset="0"/>
               </a:rPr>
-              <a:t>rain</a:t>
-            </a:r>
-            <a:r>
-              <a:rPr lang="tr-TR" sz="2000" dirty="0" smtClean="0">
-                <a:latin typeface="Times New Roman" panose="02020603050405020304" pitchFamily="18" charset="0"/>
-                <a:cs typeface="Times New Roman" panose="02020603050405020304" pitchFamily="18" charset="0"/>
-              </a:rPr>
-              <a:t>s</a:t>
-            </a:r>
+              <a:t>size is reduced</a:t>
+            </a:r>
+            <a:endParaRPr lang="tr-TR" sz="2000" dirty="0">
+              <a:latin typeface="Times New Roman" panose="02020603050405020304" pitchFamily="18" charset="0"/>
+              <a:cs typeface="Times New Roman" panose="02020603050405020304" pitchFamily="18" charset="0"/>
+            </a:endParaRPr>
+          </a:p>
+          <a:p>
+            <a:pPr marL="342900" indent="-342900" algn="l">
+              <a:buFont typeface="Wingdings" panose="05000000000000000000" pitchFamily="2" charset="2"/>
+              <a:buChar char="ü"/>
+            </a:pPr>
+            <a:r>
+              <a:rPr lang="en-US" sz="2000" dirty="0" smtClean="0">
+                <a:latin typeface="Times New Roman" panose="02020603050405020304" pitchFamily="18" charset="0"/>
+                <a:cs typeface="Times New Roman" panose="02020603050405020304" pitchFamily="18" charset="0"/>
+              </a:rPr>
+              <a:t>High operation frequency: </a:t>
+            </a:r>
+            <a:r>
+              <a:rPr lang="en-US" sz="2000" b="1" dirty="0" smtClean="0">
+                <a:latin typeface="Times New Roman" panose="02020603050405020304" pitchFamily="18" charset="0"/>
+                <a:cs typeface="Times New Roman" panose="02020603050405020304" pitchFamily="18" charset="0"/>
+              </a:rPr>
+              <a:t>passive component </a:t>
+            </a:r>
+            <a:r>
+              <a:rPr lang="en-US" sz="2000" dirty="0" smtClean="0">
+                <a:latin typeface="Times New Roman" panose="02020603050405020304" pitchFamily="18" charset="0"/>
+                <a:cs typeface="Times New Roman" panose="02020603050405020304" pitchFamily="18" charset="0"/>
+              </a:rPr>
+              <a:t>size is reduced</a:t>
+            </a:r>
+            <a:endParaRPr lang="en-US" sz="2000" dirty="0">
+              <a:latin typeface="Times New Roman" panose="02020603050405020304" pitchFamily="18" charset="0"/>
+              <a:cs typeface="Times New Roman" panose="02020603050405020304" pitchFamily="18" charset="0"/>
+            </a:endParaRPr>
           </a:p>
         </p:txBody>
       </p:sp>
       <p:pic>
         <p:nvPicPr>
-          <p:cNvPr id="3" name="Picture 2"/>
+          <p:cNvPr id="4" name="Picture 3"/>
           <p:cNvPicPr>
             <a:picLocks noChangeAspect="1"/>
           </p:cNvPicPr>
@@ -14299,17 +12394,47 @@
         </p:blipFill>
         <p:spPr>
           <a:xfrm>
-            <a:off x="2971800" y="4797047"/>
-            <a:ext cx="3867150" cy="1910827"/>
+            <a:off x="1520472" y="2210732"/>
+            <a:ext cx="3291120" cy="2348568"/>
           </a:xfrm>
           <a:prstGeom prst="rect">
             <a:avLst/>
           </a:prstGeom>
         </p:spPr>
       </p:pic>
-      <p:sp>
-        <p:nvSpPr>
-          <p:cNvPr id="12" name="Text Box 9"/>
+      <p:pic>
+        <p:nvPicPr>
+          <p:cNvPr id="12" name="Picture 11"/>
+          <p:cNvPicPr>
+            <a:picLocks noChangeAspect="1"/>
+          </p:cNvPicPr>
+          <p:nvPr/>
+        </p:nvPicPr>
+        <p:blipFill>
+          <a:blip r:embed="rId4">
+            <a:extLst>
+              <a:ext uri="{28A0092B-C50C-407E-A947-70E740481C1C}">
+                <a14:useLocalDpi xmlns:a14="http://schemas.microsoft.com/office/drawing/2010/main" val="0"/>
+              </a:ext>
+            </a:extLst>
+          </a:blip>
+          <a:stretch>
+            <a:fillRect/>
+          </a:stretch>
+        </p:blipFill>
+        <p:spPr>
+          <a:xfrm>
+            <a:off x="5181600" y="4588608"/>
+            <a:ext cx="2579934" cy="2278943"/>
+          </a:xfrm>
+          <a:prstGeom prst="rect">
+            <a:avLst/>
+          </a:prstGeom>
+        </p:spPr>
+      </p:pic>
+      <p:sp>
+        <p:nvSpPr>
+          <p:cNvPr id="17" name="Text Box 9"/>
           <p:cNvSpPr txBox="1">
             <a:spLocks noChangeArrowheads="1"/>
           </p:cNvSpPr>
@@ -14317,8 +12442,8 @@
         </p:nvSpPr>
         <p:spPr bwMode="auto">
           <a:xfrm>
-            <a:off x="1207545" y="4169646"/>
-            <a:ext cx="7672691" cy="400110"/>
+            <a:off x="1600250" y="4907696"/>
+            <a:ext cx="3414309" cy="1631216"/>
           </a:xfrm>
           <a:prstGeom prst="rect">
             <a:avLst/>
@@ -14338,34 +12463,101 @@
           </a:bodyPr>
           <a:lstStyle/>
           <a:p>
-            <a:pPr algn="ctr"/>
-            <a:r>
-              <a:rPr lang="en-US" sz="2000" b="1" dirty="0" smtClean="0">
-                <a:latin typeface="Times New Roman" panose="02020603050405020304" pitchFamily="18" charset="0"/>
-                <a:cs typeface="Times New Roman" panose="02020603050405020304" pitchFamily="18" charset="0"/>
-              </a:rPr>
-              <a:t>Aerospace: </a:t>
-            </a:r>
+            <a:pPr marL="457200" indent="-457200">
+              <a:buFont typeface="Courier New" panose="02070309020205020404" pitchFamily="49" charset="0"/>
+              <a:buChar char="o"/>
+            </a:pPr>
             <a:r>
               <a:rPr lang="en-US" sz="2000" dirty="0" smtClean="0">
                 <a:latin typeface="Times New Roman" panose="02020603050405020304" pitchFamily="18" charset="0"/>
                 <a:cs typeface="Times New Roman" panose="02020603050405020304" pitchFamily="18" charset="0"/>
               </a:rPr>
-              <a:t>Aircrafts, Space</a:t>
-            </a:r>
-            <a:r>
-              <a:rPr lang="tr-TR" sz="2000" dirty="0" smtClean="0">
-                <a:latin typeface="Times New Roman" panose="02020603050405020304" pitchFamily="18" charset="0"/>
-                <a:cs typeface="Times New Roman" panose="02020603050405020304" pitchFamily="18" charset="0"/>
-              </a:rPr>
-              <a:t> </a:t>
+              <a:t>Parasitic </a:t>
             </a:r>
             <a:r>
               <a:rPr lang="en-US" sz="2000" dirty="0" smtClean="0">
                 <a:latin typeface="Times New Roman" panose="02020603050405020304" pitchFamily="18" charset="0"/>
                 <a:cs typeface="Times New Roman" panose="02020603050405020304" pitchFamily="18" charset="0"/>
               </a:rPr>
-              <a:t>crafts</a:t>
+              <a:t>components</a:t>
+            </a:r>
+            <a:endParaRPr lang="tr-TR" sz="2000" dirty="0" smtClean="0">
+              <a:latin typeface="Times New Roman" panose="02020603050405020304" pitchFamily="18" charset="0"/>
+              <a:cs typeface="Times New Roman" panose="02020603050405020304" pitchFamily="18" charset="0"/>
+            </a:endParaRPr>
+          </a:p>
+          <a:p>
+            <a:pPr marL="457200" indent="-457200">
+              <a:buFont typeface="Courier New" panose="02070309020205020404" pitchFamily="49" charset="0"/>
+              <a:buChar char="o"/>
+            </a:pPr>
+            <a:r>
+              <a:rPr lang="en-US" sz="2000" dirty="0" smtClean="0">
+                <a:latin typeface="Times New Roman" panose="02020603050405020304" pitchFamily="18" charset="0"/>
+                <a:cs typeface="Times New Roman" panose="02020603050405020304" pitchFamily="18" charset="0"/>
+              </a:rPr>
+              <a:t>Careful </a:t>
+            </a:r>
+            <a:r>
+              <a:rPr lang="en-US" sz="2000" dirty="0" smtClean="0">
+                <a:latin typeface="Times New Roman" panose="02020603050405020304" pitchFamily="18" charset="0"/>
+                <a:cs typeface="Times New Roman" panose="02020603050405020304" pitchFamily="18" charset="0"/>
+              </a:rPr>
+              <a:t>layout </a:t>
+            </a:r>
+            <a:r>
+              <a:rPr lang="en-US" sz="2000" dirty="0" smtClean="0">
+                <a:latin typeface="Times New Roman" panose="02020603050405020304" pitchFamily="18" charset="0"/>
+                <a:cs typeface="Times New Roman" panose="02020603050405020304" pitchFamily="18" charset="0"/>
+              </a:rPr>
+              <a:t>design</a:t>
+            </a:r>
+            <a:endParaRPr lang="tr-TR" sz="2000" dirty="0" smtClean="0">
+              <a:latin typeface="Times New Roman" panose="02020603050405020304" pitchFamily="18" charset="0"/>
+              <a:cs typeface="Times New Roman" panose="02020603050405020304" pitchFamily="18" charset="0"/>
+            </a:endParaRPr>
+          </a:p>
+          <a:p>
+            <a:pPr marL="457200" indent="-457200">
+              <a:buFont typeface="Courier New" panose="02070309020205020404" pitchFamily="49" charset="0"/>
+              <a:buChar char="o"/>
+            </a:pPr>
+            <a:r>
+              <a:rPr lang="en-US" sz="2000" dirty="0" smtClean="0">
+                <a:latin typeface="Times New Roman" panose="02020603050405020304" pitchFamily="18" charset="0"/>
+                <a:cs typeface="Times New Roman" panose="02020603050405020304" pitchFamily="18" charset="0"/>
+              </a:rPr>
+              <a:t>Commercial availability</a:t>
+            </a:r>
+            <a:endParaRPr lang="en-US" sz="2000" dirty="0" smtClean="0">
+              <a:latin typeface="Times New Roman" panose="02020603050405020304" pitchFamily="18" charset="0"/>
+              <a:cs typeface="Times New Roman" panose="02020603050405020304" pitchFamily="18" charset="0"/>
+            </a:endParaRPr>
+          </a:p>
+          <a:p>
+            <a:pPr marL="457200" indent="-457200">
+              <a:buFont typeface="Courier New" panose="02070309020205020404" pitchFamily="49" charset="0"/>
+              <a:buChar char="o"/>
+            </a:pPr>
+            <a:r>
+              <a:rPr lang="en-US" sz="2000" dirty="0" smtClean="0">
+                <a:latin typeface="Times New Roman" panose="02020603050405020304" pitchFamily="18" charset="0"/>
+                <a:cs typeface="Times New Roman" panose="02020603050405020304" pitchFamily="18" charset="0"/>
+              </a:rPr>
+              <a:t>Low ratings</a:t>
+            </a:r>
+          </a:p>
+          <a:p>
+            <a:pPr marL="457200" indent="-457200">
+              <a:buFont typeface="Courier New" panose="02070309020205020404" pitchFamily="49" charset="0"/>
+              <a:buChar char="o"/>
+            </a:pPr>
+            <a:r>
+              <a:rPr lang="en-US" sz="2000" dirty="0" smtClean="0">
+                <a:latin typeface="Times New Roman" panose="02020603050405020304" pitchFamily="18" charset="0"/>
+                <a:cs typeface="Times New Roman" panose="02020603050405020304" pitchFamily="18" charset="0"/>
+              </a:rPr>
+              <a:t>Reliability</a:t>
             </a:r>
             <a:endParaRPr lang="en-US" sz="2000" dirty="0">
               <a:latin typeface="Times New Roman" panose="02020603050405020304" pitchFamily="18" charset="0"/>
@@ -14374,63 +12566,214 @@
           </a:p>
         </p:txBody>
       </p:sp>
-      <p:pic>
-        <p:nvPicPr>
-          <p:cNvPr id="4" name="Picture 3"/>
-          <p:cNvPicPr>
-            <a:picLocks noChangeAspect="1"/>
-          </p:cNvPicPr>
-          <p:nvPr/>
-        </p:nvPicPr>
-        <p:blipFill rotWithShape="1">
-          <a:blip r:embed="rId4">
-            <a:extLst>
-              <a:ext uri="{28A0092B-C50C-407E-A947-70E740481C1C}">
-                <a14:useLocalDpi xmlns:a14="http://schemas.microsoft.com/office/drawing/2010/main" val="0"/>
-              </a:ext>
-            </a:extLst>
-          </a:blip>
-          <a:srcRect l="12500" t="9091" r="9091" b="2273"/>
-          <a:stretch/>
-        </p:blipFill>
-        <p:spPr>
-          <a:xfrm>
-            <a:off x="5562600" y="1556486"/>
-            <a:ext cx="2691068" cy="2281558"/>
-          </a:xfrm>
-          <a:prstGeom prst="rect">
-            <a:avLst/>
-          </a:prstGeom>
-        </p:spPr>
-      </p:pic>
-      <p:pic>
-        <p:nvPicPr>
-          <p:cNvPr id="18" name="Picture 17"/>
-          <p:cNvPicPr>
-            <a:picLocks noChangeAspect="1"/>
-          </p:cNvPicPr>
-          <p:nvPr/>
-        </p:nvPicPr>
-        <p:blipFill>
-          <a:blip r:embed="rId5"/>
-          <a:stretch>
-            <a:fillRect/>
-          </a:stretch>
-        </p:blipFill>
-        <p:spPr>
-          <a:xfrm>
-            <a:off x="1600200" y="1516440"/>
-            <a:ext cx="3365770" cy="2321604"/>
-          </a:xfrm>
-          <a:prstGeom prst="rect">
-            <a:avLst/>
-          </a:prstGeom>
-        </p:spPr>
-      </p:pic>
+      <p:sp>
+        <p:nvSpPr>
+          <p:cNvPr id="18" name="Text Box 9"/>
+          <p:cNvSpPr txBox="1">
+            <a:spLocks noChangeArrowheads="1"/>
+          </p:cNvSpPr>
+          <p:nvPr/>
+        </p:nvSpPr>
+        <p:spPr bwMode="auto">
+          <a:xfrm>
+            <a:off x="5070989" y="2512369"/>
+            <a:ext cx="3350515" cy="1631216"/>
+          </a:xfrm>
+          <a:prstGeom prst="rect">
+            <a:avLst/>
+          </a:prstGeom>
+          <a:noFill/>
+          <a:ln w="9525">
+            <a:noFill/>
+            <a:miter lim="800000"/>
+            <a:headEnd/>
+            <a:tailEnd/>
+          </a:ln>
+          <a:effectLst/>
+        </p:spPr>
+        <p:txBody>
+          <a:bodyPr wrap="square">
+            <a:spAutoFit/>
+          </a:bodyPr>
+          <a:lstStyle/>
+          <a:p>
+            <a:pPr marL="342900" indent="-342900" algn="just">
+              <a:buFont typeface="Arial" panose="020B0604020202020204" pitchFamily="34" charset="0"/>
+              <a:buChar char="•"/>
+            </a:pPr>
+            <a:r>
+              <a:rPr lang="en-US" sz="2000" dirty="0" smtClean="0">
+                <a:latin typeface="Times New Roman" panose="02020603050405020304" pitchFamily="18" charset="0"/>
+                <a:cs typeface="Times New Roman" panose="02020603050405020304" pitchFamily="18" charset="0"/>
+              </a:rPr>
+              <a:t>High speed device</a:t>
+            </a:r>
+          </a:p>
+          <a:p>
+            <a:pPr marL="342900" indent="-342900" algn="l">
+              <a:buFont typeface="Arial" panose="020B0604020202020204" pitchFamily="34" charset="0"/>
+              <a:buChar char="•"/>
+            </a:pPr>
+            <a:r>
+              <a:rPr lang="en-US" sz="2000" dirty="0" smtClean="0">
+                <a:latin typeface="Times New Roman" panose="02020603050405020304" pitchFamily="18" charset="0"/>
+                <a:cs typeface="Times New Roman" panose="02020603050405020304" pitchFamily="18" charset="0"/>
+              </a:rPr>
+              <a:t>Low </a:t>
+            </a:r>
+            <a:r>
+              <a:rPr lang="en-US" sz="2000" dirty="0" err="1" smtClean="0">
+                <a:latin typeface="Times New Roman" panose="02020603050405020304" pitchFamily="18" charset="0"/>
+                <a:cs typeface="Times New Roman" panose="02020603050405020304" pitchFamily="18" charset="0"/>
+              </a:rPr>
+              <a:t>R</a:t>
+            </a:r>
+            <a:r>
+              <a:rPr lang="en-US" sz="2000" baseline="-25000" dirty="0" err="1" smtClean="0">
+                <a:latin typeface="Times New Roman" panose="02020603050405020304" pitchFamily="18" charset="0"/>
+                <a:cs typeface="Times New Roman" panose="02020603050405020304" pitchFamily="18" charset="0"/>
+              </a:rPr>
+              <a:t>ds_on</a:t>
+            </a:r>
+            <a:endParaRPr lang="en-US" sz="2000" baseline="-25000" dirty="0" smtClean="0">
+              <a:latin typeface="Times New Roman" panose="02020603050405020304" pitchFamily="18" charset="0"/>
+              <a:cs typeface="Times New Roman" panose="02020603050405020304" pitchFamily="18" charset="0"/>
+            </a:endParaRPr>
+          </a:p>
+          <a:p>
+            <a:pPr marL="342900" indent="-342900" algn="l">
+              <a:buFont typeface="Arial" panose="020B0604020202020204" pitchFamily="34" charset="0"/>
+              <a:buChar char="•"/>
+            </a:pPr>
+            <a:r>
+              <a:rPr lang="en-US" sz="2000" dirty="0" smtClean="0">
+                <a:latin typeface="Times New Roman" panose="02020603050405020304" pitchFamily="18" charset="0"/>
+                <a:cs typeface="Times New Roman" panose="02020603050405020304" pitchFamily="18" charset="0"/>
+              </a:rPr>
+              <a:t>Low E</a:t>
+            </a:r>
+            <a:r>
+              <a:rPr lang="en-US" sz="2000" baseline="-25000" dirty="0" smtClean="0">
+                <a:latin typeface="Times New Roman" panose="02020603050405020304" pitchFamily="18" charset="0"/>
+                <a:cs typeface="Times New Roman" panose="02020603050405020304" pitchFamily="18" charset="0"/>
+              </a:rPr>
+              <a:t>on </a:t>
+            </a:r>
+            <a:r>
+              <a:rPr lang="en-US" sz="2000" dirty="0" smtClean="0">
+                <a:latin typeface="Times New Roman" panose="02020603050405020304" pitchFamily="18" charset="0"/>
+                <a:cs typeface="Times New Roman" panose="02020603050405020304" pitchFamily="18" charset="0"/>
+              </a:rPr>
+              <a:t>&amp; </a:t>
+            </a:r>
+            <a:r>
+              <a:rPr lang="en-US" sz="2000" dirty="0" err="1" smtClean="0">
+                <a:latin typeface="Times New Roman" panose="02020603050405020304" pitchFamily="18" charset="0"/>
+                <a:cs typeface="Times New Roman" panose="02020603050405020304" pitchFamily="18" charset="0"/>
+              </a:rPr>
+              <a:t>E</a:t>
+            </a:r>
+            <a:r>
+              <a:rPr lang="en-US" sz="2000" baseline="-25000" dirty="0" err="1" smtClean="0">
+                <a:latin typeface="Times New Roman" panose="02020603050405020304" pitchFamily="18" charset="0"/>
+                <a:cs typeface="Times New Roman" panose="02020603050405020304" pitchFamily="18" charset="0"/>
+              </a:rPr>
+              <a:t>off</a:t>
+            </a:r>
+            <a:endParaRPr lang="en-US" sz="2000" baseline="-25000" dirty="0" smtClean="0">
+              <a:latin typeface="Times New Roman" panose="02020603050405020304" pitchFamily="18" charset="0"/>
+              <a:cs typeface="Times New Roman" panose="02020603050405020304" pitchFamily="18" charset="0"/>
+            </a:endParaRPr>
+          </a:p>
+          <a:p>
+            <a:pPr marL="342900" indent="-342900" algn="l">
+              <a:buFont typeface="Arial" panose="020B0604020202020204" pitchFamily="34" charset="0"/>
+              <a:buChar char="•"/>
+            </a:pPr>
+            <a:r>
+              <a:rPr lang="en-US" sz="2000" dirty="0" smtClean="0">
+                <a:latin typeface="Times New Roman" panose="02020603050405020304" pitchFamily="18" charset="0"/>
+                <a:cs typeface="Times New Roman" panose="02020603050405020304" pitchFamily="18" charset="0"/>
+              </a:rPr>
+              <a:t>High junction temperature</a:t>
+            </a:r>
+            <a:endParaRPr lang="tr-TR" sz="2000" dirty="0" smtClean="0">
+              <a:latin typeface="Times New Roman" panose="02020603050405020304" pitchFamily="18" charset="0"/>
+              <a:cs typeface="Times New Roman" panose="02020603050405020304" pitchFamily="18" charset="0"/>
+            </a:endParaRPr>
+          </a:p>
+          <a:p>
+            <a:pPr marL="342900" indent="-342900" algn="l">
+              <a:buFont typeface="Arial" panose="020B0604020202020204" pitchFamily="34" charset="0"/>
+              <a:buChar char="•"/>
+            </a:pPr>
+            <a:r>
+              <a:rPr lang="tr-TR" sz="2000" dirty="0" err="1" smtClean="0">
+                <a:latin typeface="Times New Roman" panose="02020603050405020304" pitchFamily="18" charset="0"/>
+                <a:cs typeface="Times New Roman" panose="02020603050405020304" pitchFamily="18" charset="0"/>
+              </a:rPr>
+              <a:t>Low</a:t>
+            </a:r>
+            <a:r>
+              <a:rPr lang="tr-TR" sz="2000" dirty="0" smtClean="0">
+                <a:latin typeface="Times New Roman" panose="02020603050405020304" pitchFamily="18" charset="0"/>
+                <a:cs typeface="Times New Roman" panose="02020603050405020304" pitchFamily="18" charset="0"/>
+              </a:rPr>
+              <a:t> C</a:t>
+            </a:r>
+            <a:r>
+              <a:rPr lang="tr-TR" sz="2000" baseline="-25000" dirty="0" smtClean="0">
+                <a:latin typeface="Times New Roman" panose="02020603050405020304" pitchFamily="18" charset="0"/>
+                <a:cs typeface="Times New Roman" panose="02020603050405020304" pitchFamily="18" charset="0"/>
+              </a:rPr>
+              <a:t>in</a:t>
+            </a:r>
+            <a:r>
+              <a:rPr lang="tr-TR" sz="2000" dirty="0" smtClean="0">
+                <a:latin typeface="Times New Roman" panose="02020603050405020304" pitchFamily="18" charset="0"/>
+                <a:cs typeface="Times New Roman" panose="02020603050405020304" pitchFamily="18" charset="0"/>
+              </a:rPr>
+              <a:t> </a:t>
+            </a:r>
+            <a:r>
+              <a:rPr lang="tr-TR" sz="2000" dirty="0" err="1" smtClean="0">
+                <a:latin typeface="Times New Roman" panose="02020603050405020304" pitchFamily="18" charset="0"/>
+                <a:cs typeface="Times New Roman" panose="02020603050405020304" pitchFamily="18" charset="0"/>
+              </a:rPr>
+              <a:t>and</a:t>
+            </a:r>
+            <a:r>
+              <a:rPr lang="tr-TR" sz="2000" dirty="0" smtClean="0">
+                <a:latin typeface="Times New Roman" panose="02020603050405020304" pitchFamily="18" charset="0"/>
+                <a:cs typeface="Times New Roman" panose="02020603050405020304" pitchFamily="18" charset="0"/>
+              </a:rPr>
+              <a:t> </a:t>
+            </a:r>
+            <a:r>
+              <a:rPr lang="tr-TR" sz="2000" dirty="0" err="1" smtClean="0">
+                <a:latin typeface="Times New Roman" panose="02020603050405020304" pitchFamily="18" charset="0"/>
+                <a:cs typeface="Times New Roman" panose="02020603050405020304" pitchFamily="18" charset="0"/>
+              </a:rPr>
+              <a:t>C</a:t>
+            </a:r>
+            <a:r>
+              <a:rPr lang="tr-TR" sz="2000" baseline="-25000" dirty="0" err="1" smtClean="0">
+                <a:latin typeface="Times New Roman" panose="02020603050405020304" pitchFamily="18" charset="0"/>
+                <a:cs typeface="Times New Roman" panose="02020603050405020304" pitchFamily="18" charset="0"/>
+              </a:rPr>
+              <a:t>out</a:t>
+            </a:r>
+            <a:endParaRPr lang="en-US" sz="2000" baseline="-25000" dirty="0">
+              <a:latin typeface="Times New Roman" panose="02020603050405020304" pitchFamily="18" charset="0"/>
+              <a:cs typeface="Times New Roman" panose="02020603050405020304" pitchFamily="18" charset="0"/>
+            </a:endParaRPr>
+          </a:p>
+        </p:txBody>
+      </p:sp>
     </p:spTree>
     <p:extLst>
       <p:ext uri="{BB962C8B-B14F-4D97-AF65-F5344CB8AC3E}">
-        <p14:creationId xmlns:p14="http://schemas.microsoft.com/office/powerpoint/2010/main" val="1828716564"/>
+        <p14:creationId xmlns:p14="http://schemas.microsoft.com/office/powerpoint/2010/main" val="3899661638"/>
       </p:ext>
     </p:extLst>
   </p:cSld>
@@ -14587,11 +12930,32 @@
           <a:p>
             <a:pPr algn="ctr"/>
             <a:r>
+              <a:rPr lang="tr-TR" sz="3000" dirty="0" smtClean="0">
+                <a:latin typeface="Times New Roman" panose="02020603050405020304" pitchFamily="18" charset="0"/>
+                <a:cs typeface="Times New Roman" panose="02020603050405020304" pitchFamily="18" charset="0"/>
+              </a:rPr>
+              <a:t>DC Link </a:t>
+            </a:r>
+            <a:r>
               <a:rPr lang="tr-TR" sz="3000" dirty="0" err="1" smtClean="0">
                 <a:latin typeface="Times New Roman" panose="02020603050405020304" pitchFamily="18" charset="0"/>
                 <a:cs typeface="Times New Roman" panose="02020603050405020304" pitchFamily="18" charset="0"/>
               </a:rPr>
-              <a:t>Challenges</a:t>
+              <a:t>Capacitor</a:t>
+            </a:r>
+            <a:r>
+              <a:rPr lang="tr-TR" sz="3000" dirty="0" smtClean="0">
+                <a:latin typeface="Times New Roman" panose="02020603050405020304" pitchFamily="18" charset="0"/>
+                <a:cs typeface="Times New Roman" panose="02020603050405020304" pitchFamily="18" charset="0"/>
+              </a:rPr>
+              <a:t> </a:t>
+            </a:r>
+            <a:r>
+              <a:rPr lang="tr-TR" sz="3000" dirty="0" err="1" smtClean="0">
+                <a:latin typeface="Times New Roman" panose="02020603050405020304" pitchFamily="18" charset="0"/>
+                <a:cs typeface="Times New Roman" panose="02020603050405020304" pitchFamily="18" charset="0"/>
+              </a:rPr>
+              <a:t>Optimization</a:t>
             </a:r>
             <a:endParaRPr lang="tr-TR" sz="3000" dirty="0">
               <a:latin typeface="Times New Roman" panose="02020603050405020304" pitchFamily="18" charset="0"/>
@@ -14702,7 +13066,7 @@
       </p:pic>
       <p:sp>
         <p:nvSpPr>
-          <p:cNvPr id="17" name="Text Box 9"/>
+          <p:cNvPr id="16" name="Text Box 9"/>
           <p:cNvSpPr txBox="1">
             <a:spLocks noChangeArrowheads="1"/>
           </p:cNvSpPr>
@@ -14710,8 +13074,8 @@
         </p:nvSpPr>
         <p:spPr bwMode="auto">
           <a:xfrm>
-            <a:off x="1295399" y="1084656"/>
-            <a:ext cx="7672691" cy="3477875"/>
+            <a:off x="1189919" y="1426345"/>
+            <a:ext cx="3305882" cy="1015663"/>
           </a:xfrm>
           <a:prstGeom prst="rect">
             <a:avLst/>
@@ -14732,153 +13096,91 @@
           <a:lstStyle/>
           <a:p>
             <a:r>
+              <a:rPr lang="en-US" sz="2000" dirty="0">
+                <a:latin typeface="Times New Roman" panose="02020603050405020304" pitchFamily="18" charset="0"/>
+                <a:cs typeface="Times New Roman" panose="02020603050405020304" pitchFamily="18" charset="0"/>
+              </a:rPr>
+              <a:t>DC link capacitors </a:t>
+            </a:r>
+            <a:r>
               <a:rPr lang="en-US" sz="2000" dirty="0" smtClean="0">
                 <a:latin typeface="Times New Roman" panose="02020603050405020304" pitchFamily="18" charset="0"/>
                 <a:cs typeface="Times New Roman" panose="02020603050405020304" pitchFamily="18" charset="0"/>
               </a:rPr>
-              <a:t>Fitting into a </a:t>
-            </a:r>
-            <a:r>
-              <a:rPr lang="en-US" sz="2000" b="1" dirty="0" smtClean="0">
-                <a:latin typeface="Times New Roman" panose="02020603050405020304" pitchFamily="18" charset="0"/>
-                <a:cs typeface="Times New Roman" panose="02020603050405020304" pitchFamily="18" charset="0"/>
-              </a:rPr>
-              <a:t>small volume </a:t>
-            </a:r>
-            <a:r>
-              <a:rPr lang="en-US" sz="2000" dirty="0" smtClean="0">
-                <a:latin typeface="Times New Roman" panose="02020603050405020304" pitchFamily="18" charset="0"/>
-                <a:cs typeface="Times New Roman" panose="02020603050405020304" pitchFamily="18" charset="0"/>
-              </a:rPr>
-              <a:t>requires size reduction and optimum placement of components.</a:t>
-            </a:r>
-            <a:endParaRPr lang="en-US" sz="2000" dirty="0" smtClean="0">
+              <a:t>constitute</a:t>
+            </a:r>
+            <a:endParaRPr lang="tr-TR" sz="2000" dirty="0">
               <a:latin typeface="Times New Roman" panose="02020603050405020304" pitchFamily="18" charset="0"/>
               <a:cs typeface="Times New Roman" panose="02020603050405020304" pitchFamily="18" charset="0"/>
             </a:endParaRPr>
           </a:p>
           <a:p>
-            <a:pPr marL="800100" lvl="1" indent="-342900">
-              <a:buFont typeface="Wingdings" panose="05000000000000000000" pitchFamily="2" charset="2"/>
-              <a:buChar char="ü"/>
+            <a:pPr marL="457200" indent="-457200">
+              <a:buFont typeface="Arial" panose="020B0604020202020204" pitchFamily="34" charset="0"/>
+              <a:buChar char="•"/>
             </a:pPr>
             <a:r>
-              <a:rPr lang="en-US" sz="2000" dirty="0" smtClean="0">
-                <a:latin typeface="Times New Roman" panose="02020603050405020304" pitchFamily="18" charset="0"/>
-                <a:cs typeface="Times New Roman" panose="02020603050405020304" pitchFamily="18" charset="0"/>
-              </a:rPr>
-              <a:t>Passive component size reduction</a:t>
-            </a:r>
-          </a:p>
-          <a:p>
-            <a:pPr marL="800100" lvl="1" indent="-342900">
-              <a:buFont typeface="Wingdings" panose="05000000000000000000" pitchFamily="2" charset="2"/>
-              <a:buChar char="ü"/>
-            </a:pPr>
-            <a:r>
-              <a:rPr lang="en-US" sz="2000" dirty="0" smtClean="0">
-                <a:latin typeface="Times New Roman" panose="02020603050405020304" pitchFamily="18" charset="0"/>
-                <a:cs typeface="Times New Roman" panose="02020603050405020304" pitchFamily="18" charset="0"/>
-              </a:rPr>
-              <a:t>Heat sink size reduction</a:t>
-            </a:r>
-            <a:endParaRPr lang="tr-TR" sz="2000" dirty="0" smtClean="0">
+              <a:rPr lang="en-US" sz="2000" dirty="0">
+                <a:latin typeface="Times New Roman" panose="02020603050405020304" pitchFamily="18" charset="0"/>
+                <a:cs typeface="Times New Roman" panose="02020603050405020304" pitchFamily="18" charset="0"/>
+              </a:rPr>
+              <a:t>20% of </a:t>
+            </a:r>
+            <a:r>
+              <a:rPr lang="en-US" sz="2000" b="1" dirty="0">
+                <a:latin typeface="Times New Roman" panose="02020603050405020304" pitchFamily="18" charset="0"/>
+                <a:cs typeface="Times New Roman" panose="02020603050405020304" pitchFamily="18" charset="0"/>
+              </a:rPr>
+              <a:t>cost</a:t>
+            </a:r>
+            <a:r>
+              <a:rPr lang="en-US" sz="2000" dirty="0">
+                <a:latin typeface="Times New Roman" panose="02020603050405020304" pitchFamily="18" charset="0"/>
+                <a:cs typeface="Times New Roman" panose="02020603050405020304" pitchFamily="18" charset="0"/>
+              </a:rPr>
+              <a:t> and </a:t>
+            </a:r>
+            <a:r>
+              <a:rPr lang="en-US" sz="2000" b="1" dirty="0" smtClean="0">
+                <a:latin typeface="Times New Roman" panose="02020603050405020304" pitchFamily="18" charset="0"/>
+                <a:cs typeface="Times New Roman" panose="02020603050405020304" pitchFamily="18" charset="0"/>
+              </a:rPr>
+              <a:t>weight</a:t>
+            </a:r>
+            <a:endParaRPr lang="tr-TR" sz="2000" dirty="0">
               <a:latin typeface="Times New Roman" panose="02020603050405020304" pitchFamily="18" charset="0"/>
               <a:cs typeface="Times New Roman" panose="02020603050405020304" pitchFamily="18" charset="0"/>
             </a:endParaRPr>
           </a:p>
           <a:p>
-            <a:pPr lvl="1"/>
-            <a:endParaRPr lang="en-US" sz="2000" dirty="0" smtClean="0">
+            <a:pPr marL="457200" indent="-457200">
+              <a:buFont typeface="Arial" panose="020B0604020202020204" pitchFamily="34" charset="0"/>
+              <a:buChar char="•"/>
+            </a:pPr>
+            <a:r>
+              <a:rPr lang="en-US" sz="2000" dirty="0">
+                <a:latin typeface="Times New Roman" panose="02020603050405020304" pitchFamily="18" charset="0"/>
+                <a:cs typeface="Times New Roman" panose="02020603050405020304" pitchFamily="18" charset="0"/>
+              </a:rPr>
+              <a:t>30% of </a:t>
+            </a:r>
+            <a:r>
+              <a:rPr lang="en-US" sz="2000" b="1" dirty="0" smtClean="0">
+                <a:latin typeface="Times New Roman" panose="02020603050405020304" pitchFamily="18" charset="0"/>
+                <a:cs typeface="Times New Roman" panose="02020603050405020304" pitchFamily="18" charset="0"/>
+              </a:rPr>
+              <a:t>volume</a:t>
+            </a:r>
+            <a:endParaRPr lang="en-US" sz="2000" b="1" dirty="0">
               <a:latin typeface="Times New Roman" panose="02020603050405020304" pitchFamily="18" charset="0"/>
               <a:cs typeface="Times New Roman" panose="02020603050405020304" pitchFamily="18" charset="0"/>
             </a:endParaRPr>
           </a:p>
-          <a:p>
-            <a:r>
-              <a:rPr lang="en-US" sz="2000" b="1" dirty="0" smtClean="0">
-                <a:latin typeface="Times New Roman" panose="02020603050405020304" pitchFamily="18" charset="0"/>
-                <a:cs typeface="Times New Roman" panose="02020603050405020304" pitchFamily="18" charset="0"/>
-              </a:rPr>
-              <a:t>Cooling</a:t>
-            </a:r>
-            <a:r>
-              <a:rPr lang="en-US" sz="2000" dirty="0" smtClean="0">
-                <a:latin typeface="Times New Roman" panose="02020603050405020304" pitchFamily="18" charset="0"/>
-                <a:cs typeface="Times New Roman" panose="02020603050405020304" pitchFamily="18" charset="0"/>
-              </a:rPr>
-              <a:t> of both units should be achieved simultaneously.</a:t>
-            </a:r>
-          </a:p>
-          <a:p>
-            <a:pPr marL="800100" lvl="1" indent="-342900">
-              <a:buFont typeface="Wingdings" panose="05000000000000000000" pitchFamily="2" charset="2"/>
-              <a:buChar char="ü"/>
-            </a:pPr>
-            <a:r>
-              <a:rPr lang="en-US" sz="2000" dirty="0" smtClean="0">
-                <a:latin typeface="Times New Roman" panose="02020603050405020304" pitchFamily="18" charset="0"/>
-                <a:cs typeface="Times New Roman" panose="02020603050405020304" pitchFamily="18" charset="0"/>
-              </a:rPr>
-              <a:t>Achieve superior drive efficiency</a:t>
-            </a:r>
-          </a:p>
-          <a:p>
-            <a:pPr marL="800100" lvl="1" indent="-342900">
-              <a:buFont typeface="Wingdings" panose="05000000000000000000" pitchFamily="2" charset="2"/>
-              <a:buChar char="ü"/>
-            </a:pPr>
-            <a:r>
-              <a:rPr lang="en-US" sz="2000" dirty="0" smtClean="0">
-                <a:latin typeface="Times New Roman" panose="02020603050405020304" pitchFamily="18" charset="0"/>
-                <a:cs typeface="Times New Roman" panose="02020603050405020304" pitchFamily="18" charset="0"/>
-              </a:rPr>
-              <a:t>Heat distribution</a:t>
-            </a:r>
-            <a:endParaRPr lang="tr-TR" sz="2000" dirty="0" smtClean="0">
-              <a:latin typeface="Times New Roman" panose="02020603050405020304" pitchFamily="18" charset="0"/>
-              <a:cs typeface="Times New Roman" panose="02020603050405020304" pitchFamily="18" charset="0"/>
-            </a:endParaRPr>
-          </a:p>
-          <a:p>
-            <a:pPr lvl="1"/>
-            <a:endParaRPr lang="en-US" sz="2000" dirty="0" smtClean="0">
-              <a:latin typeface="Times New Roman" panose="02020603050405020304" pitchFamily="18" charset="0"/>
-              <a:cs typeface="Times New Roman" panose="02020603050405020304" pitchFamily="18" charset="0"/>
-            </a:endParaRPr>
-          </a:p>
-          <a:p>
-            <a:r>
-              <a:rPr lang="en-US" sz="2000" dirty="0" smtClean="0">
-                <a:latin typeface="Times New Roman" panose="02020603050405020304" pitchFamily="18" charset="0"/>
-                <a:cs typeface="Times New Roman" panose="02020603050405020304" pitchFamily="18" charset="0"/>
-              </a:rPr>
-              <a:t>Power and control electronics components are subjected to </a:t>
-            </a:r>
-            <a:r>
-              <a:rPr lang="en-US" sz="2000" b="1" dirty="0" smtClean="0">
-                <a:latin typeface="Times New Roman" panose="02020603050405020304" pitchFamily="18" charset="0"/>
-                <a:cs typeface="Times New Roman" panose="02020603050405020304" pitchFamily="18" charset="0"/>
-              </a:rPr>
-              <a:t>high temperature and vibration</a:t>
-            </a:r>
-            <a:r>
-              <a:rPr lang="en-US" sz="2000" dirty="0" smtClean="0">
-                <a:latin typeface="Times New Roman" panose="02020603050405020304" pitchFamily="18" charset="0"/>
-                <a:cs typeface="Times New Roman" panose="02020603050405020304" pitchFamily="18" charset="0"/>
-              </a:rPr>
-              <a:t>.</a:t>
-            </a:r>
-            <a:endParaRPr lang="tr-TR" sz="2000" dirty="0" smtClean="0">
-              <a:latin typeface="Times New Roman" panose="02020603050405020304" pitchFamily="18" charset="0"/>
-              <a:cs typeface="Times New Roman" panose="02020603050405020304" pitchFamily="18" charset="0"/>
-            </a:endParaRPr>
-          </a:p>
         </p:txBody>
       </p:sp>
       <p:pic>
         <p:nvPicPr>
-          <p:cNvPr id="9" name="Picture 8"/>
+          <p:cNvPr id="17" name="Picture 16"/>
           <p:cNvPicPr>
             <a:picLocks noChangeAspect="1"/>
           </p:cNvPicPr>
@@ -14892,18 +13194,482 @@
         </p:blipFill>
         <p:spPr>
           <a:xfrm>
-            <a:off x="2590800" y="4808986"/>
-            <a:ext cx="4597732" cy="1842728"/>
+            <a:off x="4495801" y="1102016"/>
+            <a:ext cx="4419600" cy="1771335"/>
           </a:xfrm>
           <a:prstGeom prst="rect">
             <a:avLst/>
           </a:prstGeom>
         </p:spPr>
       </p:pic>
+      <p:sp>
+        <p:nvSpPr>
+          <p:cNvPr id="19" name="Text Box 9"/>
+          <p:cNvSpPr txBox="1">
+            <a:spLocks noChangeArrowheads="1"/>
+          </p:cNvSpPr>
+          <p:nvPr/>
+        </p:nvSpPr>
+        <p:spPr bwMode="auto">
+          <a:xfrm>
+            <a:off x="1288105" y="3125605"/>
+            <a:ext cx="3109509" cy="400110"/>
+          </a:xfrm>
+          <a:prstGeom prst="rect">
+            <a:avLst/>
+          </a:prstGeom>
+          <a:noFill/>
+          <a:ln w="9525">
+            <a:noFill/>
+            <a:miter lim="800000"/>
+            <a:headEnd/>
+            <a:tailEnd/>
+          </a:ln>
+          <a:effectLst/>
+        </p:spPr>
+        <p:txBody>
+          <a:bodyPr wrap="square">
+            <a:spAutoFit/>
+          </a:bodyPr>
+          <a:lstStyle/>
+          <a:p>
+            <a:pPr algn="ctr"/>
+            <a:r>
+              <a:rPr lang="en-US" sz="2000" b="1" dirty="0" smtClean="0">
+                <a:latin typeface="Times New Roman" panose="02020603050405020304" pitchFamily="18" charset="0"/>
+                <a:cs typeface="Times New Roman" panose="02020603050405020304" pitchFamily="18" charset="0"/>
+              </a:rPr>
+              <a:t>DC Link capacitor types</a:t>
+            </a:r>
+          </a:p>
+        </p:txBody>
+      </p:sp>
+      <p:sp>
+        <p:nvSpPr>
+          <p:cNvPr id="20" name="Text Box 9"/>
+          <p:cNvSpPr txBox="1">
+            <a:spLocks noChangeArrowheads="1"/>
+          </p:cNvSpPr>
+          <p:nvPr/>
+        </p:nvSpPr>
+        <p:spPr bwMode="auto">
+          <a:xfrm>
+            <a:off x="1089777" y="3562290"/>
+            <a:ext cx="1577223" cy="784830"/>
+          </a:xfrm>
+          <a:prstGeom prst="rect">
+            <a:avLst/>
+          </a:prstGeom>
+          <a:noFill/>
+          <a:ln w="9525">
+            <a:noFill/>
+            <a:miter lim="800000"/>
+            <a:headEnd/>
+            <a:tailEnd/>
+          </a:ln>
+          <a:effectLst/>
+        </p:spPr>
+        <p:txBody>
+          <a:bodyPr wrap="square">
+            <a:spAutoFit/>
+          </a:bodyPr>
+          <a:lstStyle/>
+          <a:p>
+            <a:pPr>
+              <a:spcAft>
+                <a:spcPts val="600"/>
+              </a:spcAft>
+            </a:pPr>
+            <a:r>
+              <a:rPr lang="tr-TR" sz="2000" dirty="0" smtClean="0">
+                <a:latin typeface="Times New Roman" panose="02020603050405020304" pitchFamily="18" charset="0"/>
+                <a:cs typeface="Times New Roman" panose="02020603050405020304" pitchFamily="18" charset="0"/>
+              </a:rPr>
+              <a:t>E</a:t>
+            </a:r>
+            <a:r>
+              <a:rPr lang="en-US" sz="2000" dirty="0" err="1" smtClean="0">
+                <a:latin typeface="Times New Roman" panose="02020603050405020304" pitchFamily="18" charset="0"/>
+                <a:cs typeface="Times New Roman" panose="02020603050405020304" pitchFamily="18" charset="0"/>
+              </a:rPr>
+              <a:t>lectrolytic</a:t>
+            </a:r>
+            <a:endParaRPr lang="en-US" sz="2000" dirty="0" smtClean="0">
+              <a:latin typeface="Times New Roman" panose="02020603050405020304" pitchFamily="18" charset="0"/>
+              <a:cs typeface="Times New Roman" panose="02020603050405020304" pitchFamily="18" charset="0"/>
+            </a:endParaRPr>
+          </a:p>
+          <a:p>
+            <a:pPr>
+              <a:spcAft>
+                <a:spcPts val="600"/>
+              </a:spcAft>
+            </a:pPr>
+            <a:endParaRPr lang="tr-TR" sz="2000" dirty="0" smtClean="0">
+              <a:latin typeface="Times New Roman" panose="02020603050405020304" pitchFamily="18" charset="0"/>
+              <a:cs typeface="Times New Roman" panose="02020603050405020304" pitchFamily="18" charset="0"/>
+            </a:endParaRPr>
+          </a:p>
+        </p:txBody>
+      </p:sp>
+      <p:sp>
+        <p:nvSpPr>
+          <p:cNvPr id="21" name="Text Box 9"/>
+          <p:cNvSpPr txBox="1">
+            <a:spLocks noChangeArrowheads="1"/>
+          </p:cNvSpPr>
+          <p:nvPr/>
+        </p:nvSpPr>
+        <p:spPr bwMode="auto">
+          <a:xfrm>
+            <a:off x="5244299" y="3562290"/>
+            <a:ext cx="3109509" cy="400110"/>
+          </a:xfrm>
+          <a:prstGeom prst="rect">
+            <a:avLst/>
+          </a:prstGeom>
+          <a:noFill/>
+          <a:ln w="9525">
+            <a:noFill/>
+            <a:miter lim="800000"/>
+            <a:headEnd/>
+            <a:tailEnd/>
+          </a:ln>
+          <a:effectLst/>
+        </p:spPr>
+        <p:txBody>
+          <a:bodyPr wrap="square">
+            <a:spAutoFit/>
+          </a:bodyPr>
+          <a:lstStyle/>
+          <a:p>
+            <a:pPr algn="ctr"/>
+            <a:r>
+              <a:rPr lang="en-US" sz="2000" b="1" dirty="0" smtClean="0">
+                <a:latin typeface="Times New Roman" panose="02020603050405020304" pitchFamily="18" charset="0"/>
+                <a:cs typeface="Times New Roman" panose="02020603050405020304" pitchFamily="18" charset="0"/>
+              </a:rPr>
+              <a:t>Critical parameters</a:t>
+            </a:r>
+          </a:p>
+        </p:txBody>
+      </p:sp>
+      <p:sp>
+        <p:nvSpPr>
+          <p:cNvPr id="22" name="Text Box 9"/>
+          <p:cNvSpPr txBox="1">
+            <a:spLocks noChangeArrowheads="1"/>
+          </p:cNvSpPr>
+          <p:nvPr/>
+        </p:nvSpPr>
+        <p:spPr bwMode="auto">
+          <a:xfrm>
+            <a:off x="5103446" y="3962400"/>
+            <a:ext cx="3913528" cy="2323713"/>
+          </a:xfrm>
+          <a:prstGeom prst="rect">
+            <a:avLst/>
+          </a:prstGeom>
+          <a:noFill/>
+          <a:ln w="9525">
+            <a:noFill/>
+            <a:miter lim="800000"/>
+            <a:headEnd/>
+            <a:tailEnd/>
+          </a:ln>
+          <a:effectLst/>
+        </p:spPr>
+        <p:txBody>
+          <a:bodyPr wrap="square">
+            <a:spAutoFit/>
+          </a:bodyPr>
+          <a:lstStyle/>
+          <a:p>
+            <a:pPr>
+              <a:spcAft>
+                <a:spcPts val="600"/>
+              </a:spcAft>
+            </a:pPr>
+            <a:r>
+              <a:rPr lang="en-US" sz="2000" dirty="0" smtClean="0">
+                <a:latin typeface="Times New Roman" panose="02020603050405020304" pitchFamily="18" charset="0"/>
+                <a:cs typeface="Times New Roman" panose="02020603050405020304" pitchFamily="18" charset="0"/>
+              </a:rPr>
+              <a:t>Capacitance per volume</a:t>
+            </a:r>
+          </a:p>
+          <a:p>
+            <a:pPr>
+              <a:spcAft>
+                <a:spcPts val="600"/>
+              </a:spcAft>
+            </a:pPr>
+            <a:r>
+              <a:rPr lang="en-US" sz="2000" dirty="0" smtClean="0">
+                <a:latin typeface="Times New Roman" panose="02020603050405020304" pitchFamily="18" charset="0"/>
+                <a:cs typeface="Times New Roman" panose="02020603050405020304" pitchFamily="18" charset="0"/>
+              </a:rPr>
+              <a:t>RMS current per volume</a:t>
+            </a:r>
+          </a:p>
+          <a:p>
+            <a:pPr>
+              <a:spcAft>
+                <a:spcPts val="600"/>
+              </a:spcAft>
+            </a:pPr>
+            <a:r>
+              <a:rPr lang="en-US" sz="2000" dirty="0" smtClean="0">
+                <a:latin typeface="Times New Roman" panose="02020603050405020304" pitchFamily="18" charset="0"/>
+                <a:cs typeface="Times New Roman" panose="02020603050405020304" pitchFamily="18" charset="0"/>
+              </a:rPr>
+              <a:t>Cost</a:t>
+            </a:r>
+          </a:p>
+          <a:p>
+            <a:pPr>
+              <a:spcAft>
+                <a:spcPts val="600"/>
+              </a:spcAft>
+            </a:pPr>
+            <a:r>
+              <a:rPr lang="en-US" sz="2000" dirty="0" smtClean="0">
+                <a:latin typeface="Times New Roman" panose="02020603050405020304" pitchFamily="18" charset="0"/>
+                <a:cs typeface="Times New Roman" panose="02020603050405020304" pitchFamily="18" charset="0"/>
+              </a:rPr>
+              <a:t>ESL &amp; ESR</a:t>
+            </a:r>
+          </a:p>
+          <a:p>
+            <a:pPr>
+              <a:spcAft>
+                <a:spcPts val="600"/>
+              </a:spcAft>
+            </a:pPr>
+            <a:r>
+              <a:rPr lang="en-US" sz="2000" dirty="0" smtClean="0">
+                <a:latin typeface="Times New Roman" panose="02020603050405020304" pitchFamily="18" charset="0"/>
+                <a:cs typeface="Times New Roman" panose="02020603050405020304" pitchFamily="18" charset="0"/>
+              </a:rPr>
+              <a:t>Reliability &amp; lifetime</a:t>
+            </a:r>
+          </a:p>
+          <a:p>
+            <a:pPr>
+              <a:spcAft>
+                <a:spcPts val="600"/>
+              </a:spcAft>
+            </a:pPr>
+            <a:r>
+              <a:rPr lang="en-US" sz="2000" dirty="0" smtClean="0">
+                <a:latin typeface="Times New Roman" panose="02020603050405020304" pitchFamily="18" charset="0"/>
+                <a:cs typeface="Times New Roman" panose="02020603050405020304" pitchFamily="18" charset="0"/>
+              </a:rPr>
+              <a:t>Mechanical durability</a:t>
+            </a:r>
+          </a:p>
+        </p:txBody>
+      </p:sp>
+      <p:pic>
+        <p:nvPicPr>
+          <p:cNvPr id="5" name="Picture 4"/>
+          <p:cNvPicPr>
+            <a:picLocks noChangeAspect="1"/>
+          </p:cNvPicPr>
+          <p:nvPr/>
+        </p:nvPicPr>
+        <p:blipFill>
+          <a:blip r:embed="rId4">
+            <a:extLst>
+              <a:ext uri="{28A0092B-C50C-407E-A947-70E740481C1C}">
+                <a14:useLocalDpi xmlns:a14="http://schemas.microsoft.com/office/drawing/2010/main" val="0"/>
+              </a:ext>
+            </a:extLst>
+          </a:blip>
+          <a:stretch>
+            <a:fillRect/>
+          </a:stretch>
+        </p:blipFill>
+        <p:spPr>
+          <a:xfrm>
+            <a:off x="1221531" y="3992675"/>
+            <a:ext cx="1088194" cy="1133535"/>
+          </a:xfrm>
+          <a:prstGeom prst="rect">
+            <a:avLst/>
+          </a:prstGeom>
+        </p:spPr>
+      </p:pic>
+      <p:pic>
+        <p:nvPicPr>
+          <p:cNvPr id="6" name="Picture 5"/>
+          <p:cNvPicPr>
+            <a:picLocks noChangeAspect="1"/>
+          </p:cNvPicPr>
+          <p:nvPr/>
+        </p:nvPicPr>
+        <p:blipFill>
+          <a:blip r:embed="rId5">
+            <a:extLst>
+              <a:ext uri="{28A0092B-C50C-407E-A947-70E740481C1C}">
+                <a14:useLocalDpi xmlns:a14="http://schemas.microsoft.com/office/drawing/2010/main" val="0"/>
+              </a:ext>
+            </a:extLst>
+          </a:blip>
+          <a:stretch>
+            <a:fillRect/>
+          </a:stretch>
+        </p:blipFill>
+        <p:spPr>
+          <a:xfrm>
+            <a:off x="2891461" y="3992557"/>
+            <a:ext cx="1299539" cy="1167941"/>
+          </a:xfrm>
+          <a:prstGeom prst="rect">
+            <a:avLst/>
+          </a:prstGeom>
+        </p:spPr>
+      </p:pic>
+      <p:sp>
+        <p:nvSpPr>
+          <p:cNvPr id="23" name="Text Box 9"/>
+          <p:cNvSpPr txBox="1">
+            <a:spLocks noChangeArrowheads="1"/>
+          </p:cNvSpPr>
+          <p:nvPr/>
+        </p:nvSpPr>
+        <p:spPr bwMode="auto">
+          <a:xfrm>
+            <a:off x="2891461" y="3577369"/>
+            <a:ext cx="1756739" cy="400110"/>
+          </a:xfrm>
+          <a:prstGeom prst="rect">
+            <a:avLst/>
+          </a:prstGeom>
+          <a:noFill/>
+          <a:ln w="9525">
+            <a:noFill/>
+            <a:miter lim="800000"/>
+            <a:headEnd/>
+            <a:tailEnd/>
+          </a:ln>
+          <a:effectLst/>
+        </p:spPr>
+        <p:txBody>
+          <a:bodyPr wrap="square">
+            <a:spAutoFit/>
+          </a:bodyPr>
+          <a:lstStyle/>
+          <a:p>
+            <a:pPr>
+              <a:spcAft>
+                <a:spcPts val="600"/>
+              </a:spcAft>
+            </a:pPr>
+            <a:r>
+              <a:rPr lang="en-US" sz="2000" dirty="0" smtClean="0">
+                <a:latin typeface="Times New Roman" panose="02020603050405020304" pitchFamily="18" charset="0"/>
+                <a:cs typeface="Times New Roman" panose="02020603050405020304" pitchFamily="18" charset="0"/>
+              </a:rPr>
+              <a:t>Metal Film</a:t>
+            </a:r>
+          </a:p>
+        </p:txBody>
+      </p:sp>
+      <p:pic>
+        <p:nvPicPr>
+          <p:cNvPr id="7" name="Picture 6"/>
+          <p:cNvPicPr>
+            <a:picLocks noChangeAspect="1"/>
+          </p:cNvPicPr>
+          <p:nvPr/>
+        </p:nvPicPr>
+        <p:blipFill>
+          <a:blip r:embed="rId6">
+            <a:extLst>
+              <a:ext uri="{28A0092B-C50C-407E-A947-70E740481C1C}">
+                <a14:useLocalDpi xmlns:a14="http://schemas.microsoft.com/office/drawing/2010/main" val="0"/>
+              </a:ext>
+            </a:extLst>
+          </a:blip>
+          <a:stretch>
+            <a:fillRect/>
+          </a:stretch>
+        </p:blipFill>
+        <p:spPr>
+          <a:xfrm>
+            <a:off x="1942122" y="5852608"/>
+            <a:ext cx="1486877" cy="911812"/>
+          </a:xfrm>
+          <a:prstGeom prst="rect">
+            <a:avLst/>
+          </a:prstGeom>
+        </p:spPr>
+      </p:pic>
+      <p:sp>
+        <p:nvSpPr>
+          <p:cNvPr id="24" name="Text Box 9"/>
+          <p:cNvSpPr txBox="1">
+            <a:spLocks noChangeArrowheads="1"/>
+          </p:cNvSpPr>
+          <p:nvPr/>
+        </p:nvSpPr>
+        <p:spPr bwMode="auto">
+          <a:xfrm>
+            <a:off x="1221531" y="5302102"/>
+            <a:ext cx="3305883" cy="400110"/>
+          </a:xfrm>
+          <a:prstGeom prst="rect">
+            <a:avLst/>
+          </a:prstGeom>
+          <a:noFill/>
+          <a:ln w="9525">
+            <a:noFill/>
+            <a:miter lim="800000"/>
+            <a:headEnd/>
+            <a:tailEnd/>
+          </a:ln>
+          <a:effectLst/>
+        </p:spPr>
+        <p:txBody>
+          <a:bodyPr wrap="square">
+            <a:spAutoFit/>
+          </a:bodyPr>
+          <a:lstStyle/>
+          <a:p>
+            <a:pPr>
+              <a:spcAft>
+                <a:spcPts val="600"/>
+              </a:spcAft>
+            </a:pPr>
+            <a:r>
+              <a:rPr lang="en-US" sz="2000" dirty="0" smtClean="0">
+                <a:latin typeface="Times New Roman" panose="02020603050405020304" pitchFamily="18" charset="0"/>
+                <a:cs typeface="Times New Roman" panose="02020603050405020304" pitchFamily="18" charset="0"/>
+              </a:rPr>
+              <a:t>Multi</a:t>
+            </a:r>
+            <a:r>
+              <a:rPr lang="tr-TR" sz="2000" dirty="0" smtClean="0">
+                <a:latin typeface="Times New Roman" panose="02020603050405020304" pitchFamily="18" charset="0"/>
+                <a:cs typeface="Times New Roman" panose="02020603050405020304" pitchFamily="18" charset="0"/>
+              </a:rPr>
+              <a:t>-</a:t>
+            </a:r>
+            <a:r>
+              <a:rPr lang="en-US" sz="2000" dirty="0" smtClean="0">
+                <a:latin typeface="Times New Roman" panose="02020603050405020304" pitchFamily="18" charset="0"/>
+                <a:cs typeface="Times New Roman" panose="02020603050405020304" pitchFamily="18" charset="0"/>
+              </a:rPr>
+              <a:t>layer ceramic (MLCC)</a:t>
+            </a:r>
+          </a:p>
+        </p:txBody>
+      </p:sp>
     </p:spTree>
     <p:extLst>
       <p:ext uri="{BB962C8B-B14F-4D97-AF65-F5344CB8AC3E}">
-        <p14:creationId xmlns:p14="http://schemas.microsoft.com/office/powerpoint/2010/main" val="863978329"/>
+        <p14:creationId xmlns:p14="http://schemas.microsoft.com/office/powerpoint/2010/main" val="2100869910"/>
       </p:ext>
     </p:extLst>
   </p:cSld>

--- a/GRW2017/sunum/GRW2017_MesutUğur.pptx
+++ b/GRW2017/sunum/GRW2017_MesutUğur.pptx
@@ -227,7 +227,7 @@
           <a:p>
             <a:fld id="{D1C008C1-D970-43BD-9678-58985B84B3B0}" type="datetimeFigureOut">
               <a:rPr lang="tr-TR" smtClean="0"/>
-              <a:t>30.05.2017</a:t>
+              <a:t>30.5.2017</a:t>
             </a:fld>
             <a:endParaRPr lang="tr-TR"/>
           </a:p>
@@ -7548,7 +7548,7 @@
         <p:spPr>
           <a:xfrm>
             <a:off x="1397131" y="1285155"/>
-            <a:ext cx="3758757" cy="3001086"/>
+            <a:ext cx="3403469" cy="2717415"/>
           </a:xfrm>
           <a:prstGeom prst="rect">
             <a:avLst/>
@@ -7571,8 +7571,8 @@
         </p:blipFill>
         <p:spPr>
           <a:xfrm>
-            <a:off x="5363722" y="1323255"/>
-            <a:ext cx="3780278" cy="2981958"/>
+            <a:off x="5363721" y="1261044"/>
+            <a:ext cx="3586248" cy="2828904"/>
           </a:xfrm>
           <a:prstGeom prst="rect">
             <a:avLst/>
@@ -7589,7 +7589,7 @@
         </p:nvSpPr>
         <p:spPr bwMode="auto">
           <a:xfrm>
-            <a:off x="1981200" y="965729"/>
+            <a:off x="1723457" y="949551"/>
             <a:ext cx="2928749" cy="338554"/>
           </a:xfrm>
           <a:prstGeom prst="rect">
@@ -7677,7 +7677,7 @@
         </p:nvSpPr>
         <p:spPr bwMode="auto">
           <a:xfrm>
-            <a:off x="5850632" y="949551"/>
+            <a:off x="5772742" y="955499"/>
             <a:ext cx="2928749" cy="338554"/>
           </a:xfrm>
           <a:prstGeom prst="rect">
@@ -7758,8 +7758,8 @@
         </p:nvSpPr>
         <p:spPr bwMode="auto">
           <a:xfrm>
-            <a:off x="1752600" y="4761770"/>
-            <a:ext cx="5687708" cy="1169551"/>
+            <a:off x="1200804" y="4054322"/>
+            <a:ext cx="7954082" cy="2708434"/>
           </a:xfrm>
           <a:prstGeom prst="rect">
             <a:avLst/>
@@ -7785,12 +7785,32 @@
               </a:spcAft>
             </a:pPr>
             <a:r>
+              <a:rPr lang="tr-TR" sz="2000" b="1" dirty="0" smtClean="0">
+                <a:latin typeface="Times New Roman" panose="02020603050405020304" pitchFamily="18" charset="0"/>
+                <a:cs typeface="Times New Roman" panose="02020603050405020304" pitchFamily="18" charset="0"/>
+              </a:rPr>
+              <a:t>Low voltage</a:t>
+            </a:r>
+          </a:p>
+          <a:p>
+            <a:pPr marL="342900" indent="-342900" algn="l">
+              <a:spcAft>
+                <a:spcPts val="600"/>
+              </a:spcAft>
+              <a:buFont typeface="Courier New" panose="02070309020205020404" pitchFamily="49" charset="0"/>
+              <a:buChar char="o"/>
+            </a:pPr>
+            <a:r>
               <a:rPr lang="tr-TR" sz="2000" dirty="0" smtClean="0">
                 <a:latin typeface="Times New Roman" panose="02020603050405020304" pitchFamily="18" charset="0"/>
                 <a:cs typeface="Times New Roman" panose="02020603050405020304" pitchFamily="18" charset="0"/>
               </a:rPr>
-              <a:t>SONUÇLAR</a:t>
-            </a:r>
+              <a:t>Power density and cost is bad, superior thermal performance</a:t>
+            </a:r>
+            <a:endParaRPr lang="tr-TR" sz="2000" dirty="0" smtClean="0">
+              <a:latin typeface="Times New Roman" panose="02020603050405020304" pitchFamily="18" charset="0"/>
+              <a:cs typeface="Times New Roman" panose="02020603050405020304" pitchFamily="18" charset="0"/>
+            </a:endParaRPr>
           </a:p>
           <a:p>
             <a:pPr algn="l">
@@ -7798,10 +7818,45 @@
                 <a:spcPts val="600"/>
               </a:spcAft>
             </a:pPr>
-            <a:endParaRPr lang="tr-TR" sz="2000" dirty="0" smtClean="0">
-              <a:latin typeface="Times New Roman" panose="02020603050405020304" pitchFamily="18" charset="0"/>
-              <a:cs typeface="Times New Roman" panose="02020603050405020304" pitchFamily="18" charset="0"/>
-            </a:endParaRPr>
+            <a:r>
+              <a:rPr lang="tr-TR" sz="2000" b="1" dirty="0" smtClean="0">
+                <a:latin typeface="Times New Roman" panose="02020603050405020304" pitchFamily="18" charset="0"/>
+                <a:cs typeface="Times New Roman" panose="02020603050405020304" pitchFamily="18" charset="0"/>
+              </a:rPr>
+              <a:t>High voltage</a:t>
+            </a:r>
+          </a:p>
+          <a:p>
+            <a:pPr marL="342900" indent="-342900" algn="l">
+              <a:spcAft>
+                <a:spcPts val="600"/>
+              </a:spcAft>
+              <a:buFont typeface="Courier New" panose="02070309020205020404" pitchFamily="49" charset="0"/>
+              <a:buChar char="o"/>
+            </a:pPr>
+            <a:r>
+              <a:rPr lang="tr-TR" sz="2000" dirty="0" smtClean="0">
+                <a:latin typeface="Times New Roman" panose="02020603050405020304" pitchFamily="18" charset="0"/>
+                <a:cs typeface="Times New Roman" panose="02020603050405020304" pitchFamily="18" charset="0"/>
+              </a:rPr>
+              <a:t>Low capacitance yields high cost</a:t>
+            </a:r>
+          </a:p>
+          <a:p>
+            <a:pPr marL="342900" indent="-342900" algn="l">
+              <a:spcAft>
+                <a:spcPts val="600"/>
+              </a:spcAft>
+              <a:buFont typeface="Courier New" panose="02070309020205020404" pitchFamily="49" charset="0"/>
+              <a:buChar char="o"/>
+            </a:pPr>
+            <a:r>
+              <a:rPr lang="tr-TR" sz="2000" dirty="0" smtClean="0">
+                <a:latin typeface="Times New Roman" panose="02020603050405020304" pitchFamily="18" charset="0"/>
+                <a:cs typeface="Times New Roman" panose="02020603050405020304" pitchFamily="18" charset="0"/>
+              </a:rPr>
+              <a:t>High capacitance yields bad thermal performance</a:t>
+            </a:r>
           </a:p>
           <a:p>
             <a:pPr algn="l">
@@ -7809,7 +7864,44 @@
                 <a:spcPts val="600"/>
               </a:spcAft>
             </a:pPr>
-            <a:endParaRPr lang="en-US" sz="2000" dirty="0" smtClean="0">
+            <a:r>
+              <a:rPr lang="tr-TR" sz="2000" b="1" dirty="0" smtClean="0">
+                <a:latin typeface="Times New Roman" panose="02020603050405020304" pitchFamily="18" charset="0"/>
+                <a:cs typeface="Times New Roman" panose="02020603050405020304" pitchFamily="18" charset="0"/>
+              </a:rPr>
+              <a:t>Result:</a:t>
+            </a:r>
+          </a:p>
+          <a:p>
+            <a:pPr marL="342900" indent="-342900" algn="l">
+              <a:spcAft>
+                <a:spcPts val="600"/>
+              </a:spcAft>
+              <a:buFont typeface="Wingdings" panose="05000000000000000000" pitchFamily="2" charset="2"/>
+              <a:buChar char="ü"/>
+            </a:pPr>
+            <a:r>
+              <a:rPr lang="tr-TR" sz="2000" dirty="0" smtClean="0">
+                <a:latin typeface="Times New Roman" panose="02020603050405020304" pitchFamily="18" charset="0"/>
+                <a:cs typeface="Times New Roman" panose="02020603050405020304" pitchFamily="18" charset="0"/>
+              </a:rPr>
+              <a:t>4 25</a:t>
+            </a:r>
+            <a:r>
+              <a:rPr lang="el-GR" sz="2000" dirty="0" smtClean="0">
+                <a:latin typeface="Times New Roman" panose="02020603050405020304" pitchFamily="18" charset="0"/>
+                <a:cs typeface="Times New Roman" panose="02020603050405020304" pitchFamily="18" charset="0"/>
+              </a:rPr>
+              <a:t>μ</a:t>
+            </a:r>
+            <a:r>
+              <a:rPr lang="tr-TR" sz="2000" dirty="0" smtClean="0">
+                <a:latin typeface="Times New Roman" panose="02020603050405020304" pitchFamily="18" charset="0"/>
+                <a:cs typeface="Times New Roman" panose="02020603050405020304" pitchFamily="18" charset="0"/>
+              </a:rPr>
+              <a:t>F, 450V metal film capacitors connected in parallel</a:t>
+            </a:r>
+            <a:endParaRPr lang="tr-TR" sz="2000" dirty="0" smtClean="0">
               <a:latin typeface="Times New Roman" panose="02020603050405020304" pitchFamily="18" charset="0"/>
               <a:cs typeface="Times New Roman" panose="02020603050405020304" pitchFamily="18" charset="0"/>
             </a:endParaRPr>
@@ -8023,7 +8115,7 @@
                             </p:stCondLst>
                             <p:childTnLst>
                               <p:par>
-                                <p:cTn id="21" presetID="10" presetClass="entr" presetSubtype="0" fill="hold" grpId="0" nodeType="clickEffect">
+                                <p:cTn id="21" presetID="10" presetClass="entr" presetSubtype="0" fill="hold" nodeType="clickEffect">
                                   <p:stCondLst>
                                     <p:cond delay="0"/>
                                   </p:stCondLst>
@@ -8036,7 +8128,11 @@
                                           </p:stCondLst>
                                         </p:cTn>
                                         <p:tgtEl>
-                                          <p:spTgt spid="18"/>
+                                          <p:spTgt spid="18">
+                                            <p:txEl>
+                                              <p:pRg st="0" end="0"/>
+                                            </p:txEl>
+                                          </p:spTgt>
                                         </p:tgtEl>
                                         <p:attrNameLst>
                                           <p:attrName>style.visibility</p:attrName>
@@ -8050,7 +8146,305 @@
                                       <p:cBhvr>
                                         <p:cTn id="23" dur="500"/>
                                         <p:tgtEl>
-                                          <p:spTgt spid="18"/>
+                                          <p:spTgt spid="18">
+                                            <p:txEl>
+                                              <p:pRg st="0" end="0"/>
+                                            </p:txEl>
+                                          </p:spTgt>
+                                        </p:tgtEl>
+                                      </p:cBhvr>
+                                    </p:animEffect>
+                                  </p:childTnLst>
+                                </p:cTn>
+                              </p:par>
+                              <p:par>
+                                <p:cTn id="24" presetID="10" presetClass="entr" presetSubtype="0" fill="hold" nodeType="withEffect">
+                                  <p:stCondLst>
+                                    <p:cond delay="0"/>
+                                  </p:stCondLst>
+                                  <p:childTnLst>
+                                    <p:set>
+                                      <p:cBhvr>
+                                        <p:cTn id="25" dur="1" fill="hold">
+                                          <p:stCondLst>
+                                            <p:cond delay="0"/>
+                                          </p:stCondLst>
+                                        </p:cTn>
+                                        <p:tgtEl>
+                                          <p:spTgt spid="18">
+                                            <p:txEl>
+                                              <p:pRg st="1" end="1"/>
+                                            </p:txEl>
+                                          </p:spTgt>
+                                        </p:tgtEl>
+                                        <p:attrNameLst>
+                                          <p:attrName>style.visibility</p:attrName>
+                                        </p:attrNameLst>
+                                      </p:cBhvr>
+                                      <p:to>
+                                        <p:strVal val="visible"/>
+                                      </p:to>
+                                    </p:set>
+                                    <p:animEffect transition="in" filter="fade">
+                                      <p:cBhvr>
+                                        <p:cTn id="26" dur="500"/>
+                                        <p:tgtEl>
+                                          <p:spTgt spid="18">
+                                            <p:txEl>
+                                              <p:pRg st="1" end="1"/>
+                                            </p:txEl>
+                                          </p:spTgt>
+                                        </p:tgtEl>
+                                      </p:cBhvr>
+                                    </p:animEffect>
+                                  </p:childTnLst>
+                                </p:cTn>
+                              </p:par>
+                            </p:childTnLst>
+                          </p:cTn>
+                        </p:par>
+                      </p:childTnLst>
+                    </p:cTn>
+                  </p:par>
+                  <p:par>
+                    <p:cTn id="27" fill="hold">
+                      <p:stCondLst>
+                        <p:cond delay="indefinite"/>
+                      </p:stCondLst>
+                      <p:childTnLst>
+                        <p:par>
+                          <p:cTn id="28" fill="hold">
+                            <p:stCondLst>
+                              <p:cond delay="0"/>
+                            </p:stCondLst>
+                            <p:childTnLst>
+                              <p:par>
+                                <p:cTn id="29" presetID="10" presetClass="entr" presetSubtype="0" fill="hold" nodeType="clickEffect">
+                                  <p:stCondLst>
+                                    <p:cond delay="0"/>
+                                  </p:stCondLst>
+                                  <p:childTnLst>
+                                    <p:set>
+                                      <p:cBhvr>
+                                        <p:cTn id="30" dur="1" fill="hold">
+                                          <p:stCondLst>
+                                            <p:cond delay="0"/>
+                                          </p:stCondLst>
+                                        </p:cTn>
+                                        <p:tgtEl>
+                                          <p:spTgt spid="18">
+                                            <p:txEl>
+                                              <p:pRg st="2" end="2"/>
+                                            </p:txEl>
+                                          </p:spTgt>
+                                        </p:tgtEl>
+                                        <p:attrNameLst>
+                                          <p:attrName>style.visibility</p:attrName>
+                                        </p:attrNameLst>
+                                      </p:cBhvr>
+                                      <p:to>
+                                        <p:strVal val="visible"/>
+                                      </p:to>
+                                    </p:set>
+                                    <p:animEffect transition="in" filter="fade">
+                                      <p:cBhvr>
+                                        <p:cTn id="31" dur="500"/>
+                                        <p:tgtEl>
+                                          <p:spTgt spid="18">
+                                            <p:txEl>
+                                              <p:pRg st="2" end="2"/>
+                                            </p:txEl>
+                                          </p:spTgt>
+                                        </p:tgtEl>
+                                      </p:cBhvr>
+                                    </p:animEffect>
+                                  </p:childTnLst>
+                                </p:cTn>
+                              </p:par>
+                              <p:par>
+                                <p:cTn id="32" presetID="10" presetClass="entr" presetSubtype="0" fill="hold" nodeType="withEffect">
+                                  <p:stCondLst>
+                                    <p:cond delay="0"/>
+                                  </p:stCondLst>
+                                  <p:childTnLst>
+                                    <p:set>
+                                      <p:cBhvr>
+                                        <p:cTn id="33" dur="1" fill="hold">
+                                          <p:stCondLst>
+                                            <p:cond delay="0"/>
+                                          </p:stCondLst>
+                                        </p:cTn>
+                                        <p:tgtEl>
+                                          <p:spTgt spid="18">
+                                            <p:txEl>
+                                              <p:pRg st="3" end="3"/>
+                                            </p:txEl>
+                                          </p:spTgt>
+                                        </p:tgtEl>
+                                        <p:attrNameLst>
+                                          <p:attrName>style.visibility</p:attrName>
+                                        </p:attrNameLst>
+                                      </p:cBhvr>
+                                      <p:to>
+                                        <p:strVal val="visible"/>
+                                      </p:to>
+                                    </p:set>
+                                    <p:animEffect transition="in" filter="fade">
+                                      <p:cBhvr>
+                                        <p:cTn id="34" dur="500"/>
+                                        <p:tgtEl>
+                                          <p:spTgt spid="18">
+                                            <p:txEl>
+                                              <p:pRg st="3" end="3"/>
+                                            </p:txEl>
+                                          </p:spTgt>
+                                        </p:tgtEl>
+                                      </p:cBhvr>
+                                    </p:animEffect>
+                                  </p:childTnLst>
+                                </p:cTn>
+                              </p:par>
+                              <p:par>
+                                <p:cTn id="35" presetID="10" presetClass="entr" presetSubtype="0" fill="hold" nodeType="withEffect">
+                                  <p:stCondLst>
+                                    <p:cond delay="0"/>
+                                  </p:stCondLst>
+                                  <p:childTnLst>
+                                    <p:set>
+                                      <p:cBhvr>
+                                        <p:cTn id="36" dur="1" fill="hold">
+                                          <p:stCondLst>
+                                            <p:cond delay="0"/>
+                                          </p:stCondLst>
+                                        </p:cTn>
+                                        <p:tgtEl>
+                                          <p:spTgt spid="18">
+                                            <p:txEl>
+                                              <p:pRg st="4" end="4"/>
+                                            </p:txEl>
+                                          </p:spTgt>
+                                        </p:tgtEl>
+                                        <p:attrNameLst>
+                                          <p:attrName>style.visibility</p:attrName>
+                                        </p:attrNameLst>
+                                      </p:cBhvr>
+                                      <p:to>
+                                        <p:strVal val="visible"/>
+                                      </p:to>
+                                    </p:set>
+                                    <p:animEffect transition="in" filter="fade">
+                                      <p:cBhvr>
+                                        <p:cTn id="37" dur="500"/>
+                                        <p:tgtEl>
+                                          <p:spTgt spid="18">
+                                            <p:txEl>
+                                              <p:pRg st="4" end="4"/>
+                                            </p:txEl>
+                                          </p:spTgt>
+                                        </p:tgtEl>
+                                      </p:cBhvr>
+                                    </p:animEffect>
+                                  </p:childTnLst>
+                                </p:cTn>
+                              </p:par>
+                            </p:childTnLst>
+                          </p:cTn>
+                        </p:par>
+                      </p:childTnLst>
+                    </p:cTn>
+                  </p:par>
+                  <p:par>
+                    <p:cTn id="38" fill="hold">
+                      <p:stCondLst>
+                        <p:cond delay="indefinite"/>
+                      </p:stCondLst>
+                      <p:childTnLst>
+                        <p:par>
+                          <p:cTn id="39" fill="hold">
+                            <p:stCondLst>
+                              <p:cond delay="0"/>
+                            </p:stCondLst>
+                            <p:childTnLst>
+                              <p:par>
+                                <p:cTn id="40" presetID="10" presetClass="entr" presetSubtype="0" fill="hold" nodeType="clickEffect">
+                                  <p:stCondLst>
+                                    <p:cond delay="0"/>
+                                  </p:stCondLst>
+                                  <p:childTnLst>
+                                    <p:set>
+                                      <p:cBhvr>
+                                        <p:cTn id="41" dur="1" fill="hold">
+                                          <p:stCondLst>
+                                            <p:cond delay="0"/>
+                                          </p:stCondLst>
+                                        </p:cTn>
+                                        <p:tgtEl>
+                                          <p:spTgt spid="18">
+                                            <p:txEl>
+                                              <p:pRg st="5" end="5"/>
+                                            </p:txEl>
+                                          </p:spTgt>
+                                        </p:tgtEl>
+                                        <p:attrNameLst>
+                                          <p:attrName>style.visibility</p:attrName>
+                                        </p:attrNameLst>
+                                      </p:cBhvr>
+                                      <p:to>
+                                        <p:strVal val="visible"/>
+                                      </p:to>
+                                    </p:set>
+                                    <p:animEffect transition="in" filter="fade">
+                                      <p:cBhvr>
+                                        <p:cTn id="42" dur="500"/>
+                                        <p:tgtEl>
+                                          <p:spTgt spid="18">
+                                            <p:txEl>
+                                              <p:pRg st="5" end="5"/>
+                                            </p:txEl>
+                                          </p:spTgt>
+                                        </p:tgtEl>
+                                      </p:cBhvr>
+                                    </p:animEffect>
+                                  </p:childTnLst>
+                                </p:cTn>
+                              </p:par>
+                              <p:par>
+                                <p:cTn id="43" presetID="10" presetClass="entr" presetSubtype="0" fill="hold" nodeType="withEffect">
+                                  <p:stCondLst>
+                                    <p:cond delay="0"/>
+                                  </p:stCondLst>
+                                  <p:childTnLst>
+                                    <p:set>
+                                      <p:cBhvr>
+                                        <p:cTn id="44" dur="1" fill="hold">
+                                          <p:stCondLst>
+                                            <p:cond delay="0"/>
+                                          </p:stCondLst>
+                                        </p:cTn>
+                                        <p:tgtEl>
+                                          <p:spTgt spid="18">
+                                            <p:txEl>
+                                              <p:pRg st="6" end="6"/>
+                                            </p:txEl>
+                                          </p:spTgt>
+                                        </p:tgtEl>
+                                        <p:attrNameLst>
+                                          <p:attrName>style.visibility</p:attrName>
+                                        </p:attrNameLst>
+                                      </p:cBhvr>
+                                      <p:to>
+                                        <p:strVal val="visible"/>
+                                      </p:to>
+                                    </p:set>
+                                    <p:animEffect transition="in" filter="fade">
+                                      <p:cBhvr>
+                                        <p:cTn id="45" dur="500"/>
+                                        <p:tgtEl>
+                                          <p:spTgt spid="18">
+                                            <p:txEl>
+                                              <p:pRg st="6" end="6"/>
+                                            </p:txEl>
+                                          </p:spTgt>
                                         </p:tgtEl>
                                       </p:cBhvr>
                                     </p:animEffect>
@@ -8087,7 +8481,6 @@
     <p:bldLst>
       <p:bldP spid="16" grpId="0"/>
       <p:bldP spid="17" grpId="0"/>
-      <p:bldP spid="18" grpId="0"/>
     </p:bldLst>
   </p:timing>
 </p:sld>
@@ -9567,10 +9960,6 @@
               </a:rPr>
               <a:t>, 600V, 27A</a:t>
             </a:r>
-            <a:endParaRPr lang="tr-TR" sz="2000" dirty="0" smtClean="0">
-              <a:latin typeface="Times New Roman" panose="02020603050405020304" pitchFamily="18" charset="0"/>
-              <a:cs typeface="Times New Roman" panose="02020603050405020304" pitchFamily="18" charset="0"/>
-            </a:endParaRPr>
           </a:p>
         </p:txBody>
       </p:sp>
@@ -9644,19 +10033,8 @@
                 <a:latin typeface="Times New Roman" panose="02020603050405020304" pitchFamily="18" charset="0"/>
                 <a:cs typeface="Times New Roman" panose="02020603050405020304" pitchFamily="18" charset="0"/>
               </a:rPr>
-              <a:t> = </a:t>
-            </a:r>
-            <a:r>
-              <a:rPr lang="tr-TR" sz="2400" dirty="0" smtClean="0">
-                <a:latin typeface="Times New Roman" panose="02020603050405020304" pitchFamily="18" charset="0"/>
-                <a:cs typeface="Times New Roman" panose="02020603050405020304" pitchFamily="18" charset="0"/>
-              </a:rPr>
-              <a:t> 6 kW </a:t>
-            </a:r>
-            <a:endParaRPr lang="tr-TR" sz="2400" dirty="0" smtClean="0">
-              <a:latin typeface="Times New Roman" panose="02020603050405020304" pitchFamily="18" charset="0"/>
-              <a:cs typeface="Times New Roman" panose="02020603050405020304" pitchFamily="18" charset="0"/>
-            </a:endParaRPr>
+              <a:t> =  6 kW </a:t>
+            </a:r>
           </a:p>
         </p:txBody>
       </p:sp>
@@ -12171,19 +12549,8 @@
                 <a:latin typeface="Times New Roman" panose="02020603050405020304" pitchFamily="18" charset="0"/>
                 <a:cs typeface="Times New Roman" panose="02020603050405020304" pitchFamily="18" charset="0"/>
               </a:rPr>
-              <a:t>Electrical </a:t>
-            </a:r>
-            <a:r>
-              <a:rPr lang="en-US" sz="2000" dirty="0" smtClean="0">
-                <a:latin typeface="Times New Roman" panose="02020603050405020304" pitchFamily="18" charset="0"/>
-                <a:cs typeface="Times New Roman" panose="02020603050405020304" pitchFamily="18" charset="0"/>
-              </a:rPr>
-              <a:t>Machines</a:t>
-            </a:r>
-            <a:endParaRPr lang="en-US" sz="2000" dirty="0" smtClean="0">
-              <a:latin typeface="Times New Roman" panose="02020603050405020304" pitchFamily="18" charset="0"/>
-              <a:cs typeface="Times New Roman" panose="02020603050405020304" pitchFamily="18" charset="0"/>
-            </a:endParaRPr>
+              <a:t>Electrical Machines</a:t>
+            </a:r>
           </a:p>
         </p:txBody>
       </p:sp>
@@ -12269,10 +12636,6 @@
               </a:rPr>
               <a:t>Events</a:t>
             </a:r>
-            <a:endParaRPr lang="en-US" sz="2000" b="1" dirty="0" smtClean="0">
-              <a:latin typeface="Times New Roman" panose="02020603050405020304" pitchFamily="18" charset="0"/>
-              <a:cs typeface="Times New Roman" panose="02020603050405020304" pitchFamily="18" charset="0"/>
-            </a:endParaRPr>
           </a:p>
           <a:p>
             <a:pPr marL="342900" indent="-342900">
@@ -13708,8 +14071,8 @@
         </p:blipFill>
         <p:spPr>
           <a:xfrm>
-            <a:off x="2794131" y="1550864"/>
-            <a:ext cx="1028769" cy="857308"/>
+            <a:off x="2455828" y="1287018"/>
+            <a:ext cx="1772524" cy="1477104"/>
           </a:xfrm>
           <a:prstGeom prst="rect">
             <a:avLst/>
@@ -13738,8 +14101,8 @@
         </p:blipFill>
         <p:spPr>
           <a:xfrm>
-            <a:off x="1295400" y="1185898"/>
-            <a:ext cx="1122328" cy="1563243"/>
+            <a:off x="1219679" y="1320754"/>
+            <a:ext cx="1066321" cy="1485233"/>
           </a:xfrm>
           <a:prstGeom prst="rect">
             <a:avLst/>
@@ -14099,7 +14462,7 @@
                             </p:stCondLst>
                             <p:childTnLst>
                               <p:par>
-                                <p:cTn id="21" presetID="1" presetClass="entr" presetSubtype="0" fill="hold" grpId="0" nodeType="clickEffect">
+                                <p:cTn id="21" presetID="42" presetClass="entr" presetSubtype="0" fill="hold" nodeType="clickEffect">
                                   <p:stCondLst>
                                     <p:cond delay="0"/>
                                   </p:stCondLst>
@@ -14107,51 +14470,6 @@
                                     <p:set>
                                       <p:cBhvr>
                                         <p:cTn id="22" dur="1" fill="hold">
-                                          <p:stCondLst>
-                                            <p:cond delay="0"/>
-                                          </p:stCondLst>
-                                        </p:cTn>
-                                        <p:tgtEl>
-                                          <p:spTgt spid="17"/>
-                                        </p:tgtEl>
-                                        <p:attrNameLst>
-                                          <p:attrName>style.visibility</p:attrName>
-                                        </p:attrNameLst>
-                                      </p:cBhvr>
-                                      <p:to>
-                                        <p:strVal val="visible"/>
-                                      </p:to>
-                                    </p:set>
-                                  </p:childTnLst>
-                                </p:cTn>
-                              </p:par>
-                            </p:childTnLst>
-                          </p:cTn>
-                        </p:par>
-                      </p:childTnLst>
-                    </p:cTn>
-                  </p:par>
-                  <p:par>
-                    <p:cTn id="23" fill="hold">
-                      <p:stCondLst>
-                        <p:cond delay="indefinite"/>
-                      </p:stCondLst>
-                      <p:childTnLst>
-                        <p:par>
-                          <p:cTn id="24" fill="hold">
-                            <p:stCondLst>
-                              <p:cond delay="0"/>
-                            </p:stCondLst>
-                            <p:childTnLst>
-                              <p:par>
-                                <p:cTn id="25" presetID="42" presetClass="entr" presetSubtype="0" fill="hold" nodeType="clickEffect">
-                                  <p:stCondLst>
-                                    <p:cond delay="0"/>
-                                  </p:stCondLst>
-                                  <p:childTnLst>
-                                    <p:set>
-                                      <p:cBhvr>
-                                        <p:cTn id="26" dur="1" fill="hold">
                                           <p:stCondLst>
                                             <p:cond delay="0"/>
                                           </p:stCondLst>
@@ -14169,7 +14487,7 @@
                                     </p:set>
                                     <p:animEffect transition="in" filter="fade">
                                       <p:cBhvr>
-                                        <p:cTn id="27" dur="1000"/>
+                                        <p:cTn id="23" dur="1000"/>
                                         <p:tgtEl>
                                           <p:spTgt spid="16"/>
                                         </p:tgtEl>
@@ -14177,7 +14495,7 @@
                                     </p:animEffect>
                                     <p:anim calcmode="lin" valueType="num">
                                       <p:cBhvr>
-                                        <p:cTn id="28" dur="1000" fill="hold"/>
+                                        <p:cTn id="24" dur="1000" fill="hold"/>
                                         <p:tgtEl>
                                           <p:spTgt spid="16"/>
                                         </p:tgtEl>
@@ -14200,7 +14518,7 @@
                                     </p:anim>
                                     <p:anim calcmode="lin" valueType="num">
                                       <p:cBhvr>
-                                        <p:cTn id="29" dur="1000" fill="hold"/>
+                                        <p:cTn id="25" dur="1000" fill="hold"/>
                                         <p:tgtEl>
                                           <p:spTgt spid="16"/>
                                         </p:tgtEl>
@@ -14221,6 +14539,51 @@
                                         </p:tav>
                                       </p:tavLst>
                                     </p:anim>
+                                  </p:childTnLst>
+                                </p:cTn>
+                              </p:par>
+                            </p:childTnLst>
+                          </p:cTn>
+                        </p:par>
+                      </p:childTnLst>
+                    </p:cTn>
+                  </p:par>
+                  <p:par>
+                    <p:cTn id="26" fill="hold">
+                      <p:stCondLst>
+                        <p:cond delay="indefinite"/>
+                      </p:stCondLst>
+                      <p:childTnLst>
+                        <p:par>
+                          <p:cTn id="27" fill="hold">
+                            <p:stCondLst>
+                              <p:cond delay="0"/>
+                            </p:stCondLst>
+                            <p:childTnLst>
+                              <p:par>
+                                <p:cTn id="28" presetID="1" presetClass="entr" presetSubtype="0" fill="hold" grpId="0" nodeType="clickEffect">
+                                  <p:stCondLst>
+                                    <p:cond delay="0"/>
+                                  </p:stCondLst>
+                                  <p:childTnLst>
+                                    <p:set>
+                                      <p:cBhvr>
+                                        <p:cTn id="29" dur="1" fill="hold">
+                                          <p:stCondLst>
+                                            <p:cond delay="0"/>
+                                          </p:stCondLst>
+                                        </p:cTn>
+                                        <p:tgtEl>
+                                          <p:spTgt spid="17"/>
+                                        </p:tgtEl>
+                                        <p:attrNameLst>
+                                          <p:attrName>style.visibility</p:attrName>
+                                        </p:attrNameLst>
+                                      </p:cBhvr>
+                                      <p:to>
+                                        <p:strVal val="visible"/>
+                                      </p:to>
+                                    </p:set>
                                   </p:childTnLst>
                                 </p:cTn>
                               </p:par>
@@ -16241,14 +16604,7 @@
                 <a:latin typeface="Times New Roman" panose="02020603050405020304" pitchFamily="18" charset="0"/>
                 <a:cs typeface="Times New Roman" panose="02020603050405020304" pitchFamily="18" charset="0"/>
               </a:rPr>
-              <a:t>mall </a:t>
-            </a:r>
-            <a:r>
-              <a:rPr lang="en-US" sz="2400" b="1" dirty="0" smtClean="0">
-                <a:latin typeface="Times New Roman" panose="02020603050405020304" pitchFamily="18" charset="0"/>
-                <a:cs typeface="Times New Roman" panose="02020603050405020304" pitchFamily="18" charset="0"/>
-              </a:rPr>
-              <a:t>volume </a:t>
+              <a:t>mall volume </a:t>
             </a:r>
             <a:r>
               <a:rPr lang="tr-TR" sz="2400" b="1" dirty="0" smtClean="0">
@@ -16366,10 +16722,6 @@
               </a:rPr>
               <a:t>Passive component size reduction</a:t>
             </a:r>
-            <a:endParaRPr lang="en-US" sz="2400" dirty="0" smtClean="0">
-              <a:latin typeface="Times New Roman" panose="02020603050405020304" pitchFamily="18" charset="0"/>
-              <a:cs typeface="Times New Roman" panose="02020603050405020304" pitchFamily="18" charset="0"/>
-            </a:endParaRPr>
           </a:p>
           <a:p>
             <a:pPr lvl="1"/>
@@ -16392,31 +16744,17 @@
                 <a:latin typeface="Times New Roman" panose="02020603050405020304" pitchFamily="18" charset="0"/>
                 <a:cs typeface="Times New Roman" panose="02020603050405020304" pitchFamily="18" charset="0"/>
               </a:rPr>
-              <a:t>Achieve </a:t>
-            </a:r>
+              <a:t>Achieve superior drive efficiency</a:t>
+            </a:r>
+          </a:p>
+          <a:p>
+            <a:pPr lvl="1"/>
             <a:r>
               <a:rPr lang="en-US" sz="2400" dirty="0" smtClean="0">
                 <a:latin typeface="Times New Roman" panose="02020603050405020304" pitchFamily="18" charset="0"/>
                 <a:cs typeface="Times New Roman" panose="02020603050405020304" pitchFamily="18" charset="0"/>
               </a:rPr>
-              <a:t>superior drive efficiency</a:t>
-            </a:r>
-          </a:p>
-          <a:p>
-            <a:pPr lvl="1"/>
-            <a:r>
-              <a:rPr lang="en-US" sz="2400" dirty="0" smtClean="0">
-                <a:latin typeface="Times New Roman" panose="02020603050405020304" pitchFamily="18" charset="0"/>
-                <a:cs typeface="Times New Roman" panose="02020603050405020304" pitchFamily="18" charset="0"/>
-              </a:rPr>
-              <a:t>Heat </a:t>
-            </a:r>
-            <a:r>
-              <a:rPr lang="en-US" sz="2400" dirty="0" smtClean="0">
-                <a:latin typeface="Times New Roman" panose="02020603050405020304" pitchFamily="18" charset="0"/>
-                <a:cs typeface="Times New Roman" panose="02020603050405020304" pitchFamily="18" charset="0"/>
-              </a:rPr>
-              <a:t>distribution</a:t>
+              <a:t>Heat distribution</a:t>
             </a:r>
             <a:endParaRPr lang="tr-TR" sz="2400" dirty="0" smtClean="0">
               <a:latin typeface="Times New Roman" panose="02020603050405020304" pitchFamily="18" charset="0"/>
